--- a/Notes/TFM_presentations/2020_02_24_v2/2020_02_24_v2.pptx
+++ b/Notes/TFM_presentations/2020_02_24_v2/2020_02_24_v2.pptx
@@ -5,7 +5,7 @@
     <p:sldMasterId id="2147483648" r:id="rId1"/>
   </p:sldMasterIdLst>
   <p:notesMasterIdLst>
-    <p:notesMasterId r:id="rId8"/>
+    <p:notesMasterId r:id="rId12"/>
   </p:notesMasterIdLst>
   <p:sldIdLst>
     <p:sldId id="256" r:id="rId2"/>
@@ -14,6 +14,10 @@
     <p:sldId id="259" r:id="rId5"/>
     <p:sldId id="260" r:id="rId6"/>
     <p:sldId id="261" r:id="rId7"/>
+    <p:sldId id="262" r:id="rId8"/>
+    <p:sldId id="263" r:id="rId9"/>
+    <p:sldId id="264" r:id="rId10"/>
+    <p:sldId id="265" r:id="rId11"/>
   </p:sldIdLst>
   <p:sldSz cx="12192000" cy="6858000"/>
   <p:notesSz cx="6858000" cy="9144000"/>
@@ -169,7 +173,7 @@
             </a:lvl1pPr>
           </a:lstStyle>
           <a:p>
-            <a:endParaRPr lang="en-GB"/>
+            <a:endParaRPr lang="en-GB" dirty="0"/>
           </a:p>
         </p:txBody>
       </p:sp>
@@ -204,7 +208,7 @@
               <a:rPr lang="en-GB" smtClean="0"/>
               <a:t>18/02/2020</a:t>
             </a:fld>
-            <a:endParaRPr lang="en-GB"/>
+            <a:endParaRPr lang="en-GB" dirty="0"/>
           </a:p>
         </p:txBody>
       </p:sp>
@@ -237,7 +241,7 @@
           <a:bodyPr vert="horz" lIns="91440" tIns="45720" rIns="91440" bIns="45720" rtlCol="0" anchor="ctr"/>
           <a:lstStyle/>
           <a:p>
-            <a:endParaRPr lang="en-GB"/>
+            <a:endParaRPr lang="en-GB" dirty="0"/>
           </a:p>
         </p:txBody>
       </p:sp>
@@ -328,7 +332,7 @@
             </a:lvl1pPr>
           </a:lstStyle>
           <a:p>
-            <a:endParaRPr lang="en-GB"/>
+            <a:endParaRPr lang="en-GB" dirty="0"/>
           </a:p>
         </p:txBody>
       </p:sp>
@@ -363,7 +367,7 @@
               <a:rPr lang="en-GB" smtClean="0"/>
               <a:t>‹#›</a:t>
             </a:fld>
-            <a:endParaRPr lang="en-GB"/>
+            <a:endParaRPr lang="en-GB" dirty="0"/>
           </a:p>
         </p:txBody>
       </p:sp>
@@ -629,7 +633,7 @@
               <a:rPr lang="en-GB" smtClean="0"/>
               <a:t>18/02/2020</a:t>
             </a:fld>
-            <a:endParaRPr lang="en-GB"/>
+            <a:endParaRPr lang="en-GB" dirty="0"/>
           </a:p>
         </p:txBody>
       </p:sp>
@@ -662,7 +666,7 @@
             </a:lvl1pPr>
           </a:lstStyle>
           <a:p>
-            <a:endParaRPr lang="en-GB"/>
+            <a:endParaRPr lang="en-GB" dirty="0"/>
           </a:p>
         </p:txBody>
       </p:sp>
@@ -700,7 +704,7 @@
               <a:pPr/>
               <a:t>‹#›</a:t>
             </a:fld>
-            <a:endParaRPr lang="en-GB"/>
+            <a:endParaRPr lang="en-GB" dirty="0"/>
           </a:p>
         </p:txBody>
       </p:sp>
@@ -846,7 +850,7 @@
               <a:rPr lang="en-GB" smtClean="0"/>
               <a:t>18/02/2020</a:t>
             </a:fld>
-            <a:endParaRPr lang="en-GB"/>
+            <a:endParaRPr lang="en-GB" dirty="0"/>
           </a:p>
         </p:txBody>
       </p:sp>
@@ -871,7 +875,7 @@
           <a:bodyPr/>
           <a:lstStyle/>
           <a:p>
-            <a:endParaRPr lang="en-GB"/>
+            <a:endParaRPr lang="en-GB" dirty="0"/>
           </a:p>
         </p:txBody>
       </p:sp>
@@ -900,7 +904,7 @@
               <a:rPr lang="en-GB" smtClean="0"/>
               <a:t>‹#›</a:t>
             </a:fld>
-            <a:endParaRPr lang="en-GB"/>
+            <a:endParaRPr lang="en-GB" dirty="0"/>
           </a:p>
         </p:txBody>
       </p:sp>
@@ -1056,7 +1060,7 @@
               <a:rPr lang="en-GB" smtClean="0"/>
               <a:t>18/02/2020</a:t>
             </a:fld>
-            <a:endParaRPr lang="en-GB"/>
+            <a:endParaRPr lang="en-GB" dirty="0"/>
           </a:p>
         </p:txBody>
       </p:sp>
@@ -1081,7 +1085,7 @@
           <a:bodyPr/>
           <a:lstStyle/>
           <a:p>
-            <a:endParaRPr lang="en-GB"/>
+            <a:endParaRPr lang="en-GB" dirty="0"/>
           </a:p>
         </p:txBody>
       </p:sp>
@@ -1110,7 +1114,7 @@
               <a:rPr lang="en-GB" smtClean="0"/>
               <a:t>‹#›</a:t>
             </a:fld>
-            <a:endParaRPr lang="en-GB"/>
+            <a:endParaRPr lang="en-GB" dirty="0"/>
           </a:p>
         </p:txBody>
       </p:sp>
@@ -1256,7 +1260,7 @@
               <a:rPr lang="en-GB" smtClean="0"/>
               <a:t>18/02/2020</a:t>
             </a:fld>
-            <a:endParaRPr lang="en-GB"/>
+            <a:endParaRPr lang="en-GB" dirty="0"/>
           </a:p>
         </p:txBody>
       </p:sp>
@@ -1281,7 +1285,7 @@
           <a:bodyPr/>
           <a:lstStyle/>
           <a:p>
-            <a:endParaRPr lang="en-GB"/>
+            <a:endParaRPr lang="en-GB" dirty="0"/>
           </a:p>
         </p:txBody>
       </p:sp>
@@ -1310,7 +1314,7 @@
               <a:rPr lang="en-GB" smtClean="0"/>
               <a:t>‹#›</a:t>
             </a:fld>
-            <a:endParaRPr lang="en-GB"/>
+            <a:endParaRPr lang="en-GB" dirty="0"/>
           </a:p>
         </p:txBody>
       </p:sp>
@@ -1532,7 +1536,7 @@
               <a:rPr lang="en-GB" smtClean="0"/>
               <a:t>18/02/2020</a:t>
             </a:fld>
-            <a:endParaRPr lang="en-GB"/>
+            <a:endParaRPr lang="en-GB" dirty="0"/>
           </a:p>
         </p:txBody>
       </p:sp>
@@ -1557,7 +1561,7 @@
           <a:bodyPr/>
           <a:lstStyle/>
           <a:p>
-            <a:endParaRPr lang="en-GB"/>
+            <a:endParaRPr lang="en-GB" dirty="0"/>
           </a:p>
         </p:txBody>
       </p:sp>
@@ -1586,7 +1590,7 @@
               <a:rPr lang="en-GB" smtClean="0"/>
               <a:t>‹#›</a:t>
             </a:fld>
-            <a:endParaRPr lang="en-GB"/>
+            <a:endParaRPr lang="en-GB" dirty="0"/>
           </a:p>
         </p:txBody>
       </p:sp>
@@ -1800,7 +1804,7 @@
               <a:rPr lang="en-GB" smtClean="0"/>
               <a:t>18/02/2020</a:t>
             </a:fld>
-            <a:endParaRPr lang="en-GB"/>
+            <a:endParaRPr lang="en-GB" dirty="0"/>
           </a:p>
         </p:txBody>
       </p:sp>
@@ -1825,7 +1829,7 @@
           <a:bodyPr/>
           <a:lstStyle/>
           <a:p>
-            <a:endParaRPr lang="en-GB"/>
+            <a:endParaRPr lang="en-GB" dirty="0"/>
           </a:p>
         </p:txBody>
       </p:sp>
@@ -1854,7 +1858,7 @@
               <a:rPr lang="en-GB" smtClean="0"/>
               <a:t>‹#›</a:t>
             </a:fld>
-            <a:endParaRPr lang="en-GB"/>
+            <a:endParaRPr lang="en-GB" dirty="0"/>
           </a:p>
         </p:txBody>
       </p:sp>
@@ -2215,7 +2219,7 @@
               <a:rPr lang="en-GB" smtClean="0"/>
               <a:t>18/02/2020</a:t>
             </a:fld>
-            <a:endParaRPr lang="en-GB"/>
+            <a:endParaRPr lang="en-GB" dirty="0"/>
           </a:p>
         </p:txBody>
       </p:sp>
@@ -2240,7 +2244,7 @@
           <a:bodyPr/>
           <a:lstStyle/>
           <a:p>
-            <a:endParaRPr lang="en-GB"/>
+            <a:endParaRPr lang="en-GB" dirty="0"/>
           </a:p>
         </p:txBody>
       </p:sp>
@@ -2269,7 +2273,7 @@
               <a:rPr lang="en-GB" smtClean="0"/>
               <a:t>‹#›</a:t>
             </a:fld>
-            <a:endParaRPr lang="en-GB"/>
+            <a:endParaRPr lang="en-GB" dirty="0"/>
           </a:p>
         </p:txBody>
       </p:sp>
@@ -2357,7 +2361,7 @@
               <a:rPr lang="en-GB" smtClean="0"/>
               <a:t>18/02/2020</a:t>
             </a:fld>
-            <a:endParaRPr lang="en-GB"/>
+            <a:endParaRPr lang="en-GB" dirty="0"/>
           </a:p>
         </p:txBody>
       </p:sp>
@@ -2382,7 +2386,7 @@
           <a:bodyPr/>
           <a:lstStyle/>
           <a:p>
-            <a:endParaRPr lang="en-GB"/>
+            <a:endParaRPr lang="en-GB" dirty="0"/>
           </a:p>
         </p:txBody>
       </p:sp>
@@ -2411,7 +2415,7 @@
               <a:rPr lang="en-GB" smtClean="0"/>
               <a:t>‹#›</a:t>
             </a:fld>
-            <a:endParaRPr lang="en-GB"/>
+            <a:endParaRPr lang="en-GB" dirty="0"/>
           </a:p>
         </p:txBody>
       </p:sp>
@@ -2470,7 +2474,7 @@
               <a:rPr lang="en-GB" smtClean="0"/>
               <a:t>18/02/2020</a:t>
             </a:fld>
-            <a:endParaRPr lang="en-GB"/>
+            <a:endParaRPr lang="en-GB" dirty="0"/>
           </a:p>
         </p:txBody>
       </p:sp>
@@ -2495,7 +2499,7 @@
           <a:bodyPr/>
           <a:lstStyle/>
           <a:p>
-            <a:endParaRPr lang="en-GB"/>
+            <a:endParaRPr lang="en-GB" dirty="0"/>
           </a:p>
         </p:txBody>
       </p:sp>
@@ -2524,7 +2528,7 @@
               <a:rPr lang="en-GB" smtClean="0"/>
               <a:t>‹#›</a:t>
             </a:fld>
-            <a:endParaRPr lang="en-GB"/>
+            <a:endParaRPr lang="en-GB" dirty="0"/>
           </a:p>
         </p:txBody>
       </p:sp>
@@ -2783,7 +2787,7 @@
               <a:rPr lang="en-GB" smtClean="0"/>
               <a:t>18/02/2020</a:t>
             </a:fld>
-            <a:endParaRPr lang="en-GB"/>
+            <a:endParaRPr lang="en-GB" dirty="0"/>
           </a:p>
         </p:txBody>
       </p:sp>
@@ -2808,7 +2812,7 @@
           <a:bodyPr/>
           <a:lstStyle/>
           <a:p>
-            <a:endParaRPr lang="en-GB"/>
+            <a:endParaRPr lang="en-GB" dirty="0"/>
           </a:p>
         </p:txBody>
       </p:sp>
@@ -2837,7 +2841,7 @@
               <a:rPr lang="en-GB" smtClean="0"/>
               <a:t>‹#›</a:t>
             </a:fld>
-            <a:endParaRPr lang="en-GB"/>
+            <a:endParaRPr lang="en-GB" dirty="0"/>
           </a:p>
         </p:txBody>
       </p:sp>
@@ -2973,10 +2977,10 @@
           </a:lstStyle>
           <a:p>
             <a:r>
-              <a:rPr lang="en-US"/>
+              <a:rPr lang="en-US" dirty="0"/>
               <a:t>Click icon to add picture</a:t>
             </a:r>
-            <a:endParaRPr lang="en-GB"/>
+            <a:endParaRPr lang="en-GB" dirty="0"/>
           </a:p>
         </p:txBody>
       </p:sp>
@@ -3076,7 +3080,7 @@
               <a:rPr lang="en-GB" smtClean="0"/>
               <a:t>18/02/2020</a:t>
             </a:fld>
-            <a:endParaRPr lang="en-GB"/>
+            <a:endParaRPr lang="en-GB" dirty="0"/>
           </a:p>
         </p:txBody>
       </p:sp>
@@ -3101,7 +3105,7 @@
           <a:bodyPr/>
           <a:lstStyle/>
           <a:p>
-            <a:endParaRPr lang="en-GB"/>
+            <a:endParaRPr lang="en-GB" dirty="0"/>
           </a:p>
         </p:txBody>
       </p:sp>
@@ -3130,7 +3134,7 @@
               <a:rPr lang="en-GB" smtClean="0"/>
               <a:t>‹#›</a:t>
             </a:fld>
-            <a:endParaRPr lang="en-GB"/>
+            <a:endParaRPr lang="en-GB" dirty="0"/>
           </a:p>
         </p:txBody>
       </p:sp>
@@ -3217,7 +3221,7 @@
           <a:lstStyle/>
           <a:p>
             <a:pPr algn="ctr"/>
-            <a:endParaRPr lang="en-GB">
+            <a:endParaRPr lang="en-GB" dirty="0">
               <a:solidFill>
                 <a:schemeClr val="bg1"/>
               </a:solidFill>
@@ -4805,6 +4809,411 @@
     <p:extLst>
       <p:ext uri="{BB962C8B-B14F-4D97-AF65-F5344CB8AC3E}">
         <p14:creationId xmlns:p14="http://schemas.microsoft.com/office/powerpoint/2010/main" val="2297138732"/>
+      </p:ext>
+    </p:extLst>
+  </p:cSld>
+  <p:clrMapOvr>
+    <a:masterClrMapping/>
+  </p:clrMapOvr>
+</p:sld>
+</file>
+
+<file path=ppt/slides/slide10.xml><?xml version="1.0" encoding="utf-8"?>
+<p:sld xmlns:a="http://schemas.openxmlformats.org/drawingml/2006/main" xmlns:r="http://schemas.openxmlformats.org/officeDocument/2006/relationships" xmlns:p="http://schemas.openxmlformats.org/presentationml/2006/main">
+  <p:cSld>
+    <p:spTree>
+      <p:nvGrpSpPr>
+        <p:cNvPr id="1" name=""/>
+        <p:cNvGrpSpPr/>
+        <p:nvPr/>
+      </p:nvGrpSpPr>
+      <p:grpSpPr>
+        <a:xfrm>
+          <a:off x="0" y="0"/>
+          <a:ext cx="0" cy="0"/>
+          <a:chOff x="0" y="0"/>
+          <a:chExt cx="0" cy="0"/>
+        </a:xfrm>
+      </p:grpSpPr>
+      <p:sp>
+        <p:nvSpPr>
+          <p:cNvPr id="2" name="Title 1">
+            <a:extLst>
+              <a:ext uri="{FF2B5EF4-FFF2-40B4-BE49-F238E27FC236}">
+                <a16:creationId xmlns:a16="http://schemas.microsoft.com/office/drawing/2014/main" id="{EE4C1511-9365-4A7D-80BF-399D510B97D3}"/>
+              </a:ext>
+            </a:extLst>
+          </p:cNvPr>
+          <p:cNvSpPr>
+            <a:spLocks noGrp="1"/>
+          </p:cNvSpPr>
+          <p:nvPr>
+            <p:ph type="title"/>
+          </p:nvPr>
+        </p:nvSpPr>
+        <p:spPr/>
+        <p:txBody>
+          <a:bodyPr/>
+          <a:lstStyle/>
+          <a:p>
+            <a:r>
+              <a:rPr lang="en-150" dirty="0"/>
+              <a:t>S</a:t>
+            </a:r>
+            <a:r>
+              <a:rPr lang="en-GB" dirty="0"/>
+              <a:t>u</a:t>
+            </a:r>
+            <a:r>
+              <a:rPr lang="en-150" dirty="0"/>
+              <a:t>m</a:t>
+            </a:r>
+            <a:r>
+              <a:rPr lang="en-GB" dirty="0"/>
+              <a:t>m</a:t>
+            </a:r>
+            <a:r>
+              <a:rPr lang="en-150" dirty="0"/>
+              <a:t>a</a:t>
+            </a:r>
+            <a:r>
+              <a:rPr lang="en-GB" dirty="0"/>
+              <a:t>r</a:t>
+            </a:r>
+            <a:r>
+              <a:rPr lang="en-150" dirty="0"/>
+              <a:t>i</a:t>
+            </a:r>
+            <a:r>
+              <a:rPr lang="en-GB" dirty="0"/>
+              <a:t>z</a:t>
+            </a:r>
+            <a:r>
+              <a:rPr lang="en-150" dirty="0"/>
+              <a:t>i</a:t>
+            </a:r>
+            <a:r>
+              <a:rPr lang="en-GB" dirty="0"/>
+              <a:t>n</a:t>
+            </a:r>
+            <a:r>
+              <a:rPr lang="en-150" dirty="0"/>
+              <a:t>g</a:t>
+            </a:r>
+            <a:endParaRPr lang="en-GB" dirty="0"/>
+          </a:p>
+        </p:txBody>
+      </p:sp>
+      <p:sp>
+        <p:nvSpPr>
+          <p:cNvPr id="4" name="Content Placeholder 3">
+            <a:extLst>
+              <a:ext uri="{FF2B5EF4-FFF2-40B4-BE49-F238E27FC236}">
+                <a16:creationId xmlns:a16="http://schemas.microsoft.com/office/drawing/2014/main" id="{BAB64231-F9F9-4019-AF12-1BDB268D5308}"/>
+              </a:ext>
+            </a:extLst>
+          </p:cNvPr>
+          <p:cNvSpPr>
+            <a:spLocks noGrp="1"/>
+          </p:cNvSpPr>
+          <p:nvPr>
+            <p:ph idx="1"/>
+          </p:nvPr>
+        </p:nvSpPr>
+        <p:spPr/>
+        <p:txBody>
+          <a:bodyPr/>
+          <a:lstStyle/>
+          <a:p>
+            <a:r>
+              <a:rPr lang="en-150" dirty="0"/>
+              <a:t>Rigid gang reserves the whole block</a:t>
+            </a:r>
+          </a:p>
+          <a:p>
+            <a:r>
+              <a:rPr lang="en-150" dirty="0"/>
+              <a:t>Bundled creates multiple rigid blocks w</a:t>
+            </a:r>
+            <a:r>
+              <a:rPr lang="en-GB" dirty="0"/>
+              <a:t>i</a:t>
+            </a:r>
+            <a:r>
+              <a:rPr lang="en-150" dirty="0"/>
+              <a:t>t</a:t>
+            </a:r>
+            <a:r>
+              <a:rPr lang="en-GB" dirty="0"/>
+              <a:t>h</a:t>
+            </a:r>
+            <a:r>
+              <a:rPr lang="en-150" dirty="0"/>
+              <a:t> </a:t>
+            </a:r>
+            <a:r>
+              <a:rPr lang="en-GB" dirty="0"/>
+              <a:t>d</a:t>
+            </a:r>
+            <a:r>
+              <a:rPr lang="en-150" dirty="0"/>
+              <a:t>e</a:t>
+            </a:r>
+            <a:r>
+              <a:rPr lang="en-GB" dirty="0"/>
+              <a:t>p</a:t>
+            </a:r>
+            <a:r>
+              <a:rPr lang="en-150" dirty="0"/>
+              <a:t>e</a:t>
+            </a:r>
+            <a:r>
+              <a:rPr lang="en-GB" dirty="0"/>
+              <a:t>n</a:t>
+            </a:r>
+            <a:r>
+              <a:rPr lang="en-150" dirty="0"/>
+              <a:t>c</a:t>
+            </a:r>
+            <a:r>
+              <a:rPr lang="en-GB" dirty="0"/>
+              <a:t>e</a:t>
+            </a:r>
+            <a:r>
+              <a:rPr lang="en-150" dirty="0"/>
+              <a:t>n</a:t>
+            </a:r>
+            <a:r>
+              <a:rPr lang="en-GB" dirty="0"/>
+              <a:t>c</a:t>
+            </a:r>
+            <a:r>
+              <a:rPr lang="en-150" dirty="0"/>
+              <a:t>i</a:t>
+            </a:r>
+            <a:r>
+              <a:rPr lang="en-GB" dirty="0"/>
+              <a:t>e</a:t>
+            </a:r>
+            <a:r>
+              <a:rPr lang="en-150" dirty="0"/>
+              <a:t>s</a:t>
+            </a:r>
+          </a:p>
+          <a:p>
+            <a:r>
+              <a:rPr lang="en-150" dirty="0"/>
+              <a:t>L</a:t>
+            </a:r>
+            <a:r>
+              <a:rPr lang="en-GB" dirty="0"/>
+              <a:t>i</a:t>
+            </a:r>
+            <a:r>
+              <a:rPr lang="en-150" dirty="0"/>
+              <a:t>m</a:t>
+            </a:r>
+            <a:r>
+              <a:rPr lang="en-GB" dirty="0"/>
+              <a:t>i</a:t>
+            </a:r>
+            <a:r>
+              <a:rPr lang="en-150" dirty="0"/>
+              <a:t>t</a:t>
+            </a:r>
+            <a:r>
+              <a:rPr lang="en-GB" dirty="0"/>
+              <a:t>e</a:t>
+            </a:r>
+            <a:r>
+              <a:rPr lang="en-150" dirty="0"/>
+              <a:t>d-</a:t>
+            </a:r>
+            <a:r>
+              <a:rPr lang="en-GB" dirty="0"/>
+              <a:t>P</a:t>
+            </a:r>
+            <a:r>
+              <a:rPr lang="en-150" dirty="0"/>
+              <a:t>r</a:t>
+            </a:r>
+            <a:r>
+              <a:rPr lang="en-GB" dirty="0"/>
+              <a:t>e</a:t>
+            </a:r>
+            <a:r>
+              <a:rPr lang="en-150" dirty="0"/>
+              <a:t>e</a:t>
+            </a:r>
+            <a:r>
+              <a:rPr lang="en-GB" dirty="0"/>
+              <a:t>m</a:t>
+            </a:r>
+            <a:r>
+              <a:rPr lang="en-150" dirty="0"/>
+              <a:t>p</a:t>
+            </a:r>
+            <a:r>
+              <a:rPr lang="en-GB" dirty="0"/>
+              <a:t>t</a:t>
+            </a:r>
+            <a:r>
+              <a:rPr lang="en-150" dirty="0"/>
+              <a:t>i</a:t>
+            </a:r>
+            <a:r>
+              <a:rPr lang="en-GB" dirty="0"/>
+              <a:t>v</a:t>
+            </a:r>
+            <a:r>
+              <a:rPr lang="en-150" dirty="0"/>
+              <a:t>e </a:t>
+            </a:r>
+            <a:r>
+              <a:rPr lang="en-GB" dirty="0"/>
+              <a:t>t</a:t>
+            </a:r>
+            <a:r>
+              <a:rPr lang="en-150" dirty="0"/>
+              <a:t>r</a:t>
+            </a:r>
+            <a:r>
+              <a:rPr lang="en-GB" dirty="0"/>
+              <a:t>i</a:t>
+            </a:r>
+            <a:r>
+              <a:rPr lang="en-150" dirty="0"/>
+              <a:t>e</a:t>
+            </a:r>
+            <a:r>
+              <a:rPr lang="en-GB" dirty="0"/>
+              <a:t>s</a:t>
+            </a:r>
+            <a:r>
+              <a:rPr lang="en-150" dirty="0"/>
+              <a:t> </a:t>
+            </a:r>
+            <a:r>
+              <a:rPr lang="en-GB" dirty="0"/>
+              <a:t>t</a:t>
+            </a:r>
+            <a:r>
+              <a:rPr lang="en-150" dirty="0"/>
+              <a:t>o </a:t>
+            </a:r>
+            <a:r>
+              <a:rPr lang="en-GB" dirty="0"/>
+              <a:t>s</a:t>
+            </a:r>
+            <a:r>
+              <a:rPr lang="en-150" dirty="0"/>
+              <a:t>c</a:t>
+            </a:r>
+            <a:r>
+              <a:rPr lang="en-GB" dirty="0"/>
+              <a:t>h</a:t>
+            </a:r>
+            <a:r>
+              <a:rPr lang="en-150" dirty="0"/>
+              <a:t>e</a:t>
+            </a:r>
+            <a:r>
+              <a:rPr lang="en-GB" dirty="0"/>
+              <a:t>d</a:t>
+            </a:r>
+            <a:r>
+              <a:rPr lang="en-150" dirty="0"/>
+              <a:t>u</a:t>
+            </a:r>
+            <a:r>
+              <a:rPr lang="en-GB" dirty="0"/>
+              <a:t>l</a:t>
+            </a:r>
+            <a:r>
+              <a:rPr lang="en-150" dirty="0"/>
+              <a:t>e these blocks in a moldable w</a:t>
+            </a:r>
+            <a:r>
+              <a:rPr lang="en-GB" dirty="0"/>
+              <a:t>a</a:t>
+            </a:r>
+            <a:r>
+              <a:rPr lang="en-150" dirty="0"/>
+              <a:t>y</a:t>
+            </a:r>
+            <a:endParaRPr lang="en-GB" dirty="0"/>
+          </a:p>
+        </p:txBody>
+      </p:sp>
+      <p:sp>
+        <p:nvSpPr>
+          <p:cNvPr id="3" name="Slide Number Placeholder 2">
+            <a:extLst>
+              <a:ext uri="{FF2B5EF4-FFF2-40B4-BE49-F238E27FC236}">
+                <a16:creationId xmlns:a16="http://schemas.microsoft.com/office/drawing/2014/main" id="{7552D5A4-DDCF-4A61-922F-712272E1E5A6}"/>
+              </a:ext>
+            </a:extLst>
+          </p:cNvPr>
+          <p:cNvSpPr>
+            <a:spLocks noGrp="1"/>
+          </p:cNvSpPr>
+          <p:nvPr>
+            <p:ph type="sldNum" sz="quarter" idx="12"/>
+          </p:nvPr>
+        </p:nvSpPr>
+        <p:spPr/>
+        <p:txBody>
+          <a:bodyPr/>
+          <a:lstStyle/>
+          <a:p>
+            <a:fld id="{6565F0C3-D9E9-4961-A3A4-87F2116D4289}" type="slidenum">
+              <a:rPr lang="en-GB" smtClean="0"/>
+              <a:t>10</a:t>
+            </a:fld>
+            <a:endParaRPr lang="en-GB" dirty="0"/>
+          </a:p>
+        </p:txBody>
+      </p:sp>
+      <p:pic>
+        <p:nvPicPr>
+          <p:cNvPr id="6" name="Picture 5" descr="A screenshot of a cell phone&#10;&#10;Description automatically generated">
+            <a:extLst>
+              <a:ext uri="{FF2B5EF4-FFF2-40B4-BE49-F238E27FC236}">
+                <a16:creationId xmlns:a16="http://schemas.microsoft.com/office/drawing/2014/main" id="{D9EDF3EB-DBDB-4A69-B86A-776206493D5B}"/>
+              </a:ext>
+            </a:extLst>
+          </p:cNvPr>
+          <p:cNvPicPr>
+            <a:picLocks noChangeAspect="1"/>
+          </p:cNvPicPr>
+          <p:nvPr/>
+        </p:nvPicPr>
+        <p:blipFill>
+          <a:blip r:embed="rId2">
+            <a:extLst>
+              <a:ext uri="{28A0092B-C50C-407E-A947-70E740481C1C}">
+                <a14:useLocalDpi xmlns:a14="http://schemas.microsoft.com/office/drawing/2010/main" val="0"/>
+              </a:ext>
+            </a:extLst>
+          </a:blip>
+          <a:stretch>
+            <a:fillRect/>
+          </a:stretch>
+        </p:blipFill>
+        <p:spPr>
+          <a:xfrm>
+            <a:off x="2576468" y="3429000"/>
+            <a:ext cx="7039064" cy="2543962"/>
+          </a:xfrm>
+          <a:prstGeom prst="rect">
+            <a:avLst/>
+          </a:prstGeom>
+        </p:spPr>
+      </p:pic>
+    </p:spTree>
+    <p:extLst>
+      <p:ext uri="{BB962C8B-B14F-4D97-AF65-F5344CB8AC3E}">
+        <p14:creationId xmlns:p14="http://schemas.microsoft.com/office/powerpoint/2010/main" val="3409069453"/>
       </p:ext>
     </p:extLst>
   </p:cSld>
@@ -5883,7 +6292,7 @@
               <a:rPr lang="en-GB" smtClean="0"/>
               <a:t>3</a:t>
             </a:fld>
-            <a:endParaRPr lang="en-GB"/>
+            <a:endParaRPr lang="en-GB" dirty="0"/>
           </a:p>
         </p:txBody>
       </p:sp>
@@ -6445,7 +6854,7 @@
               <a:rPr lang="en-GB" smtClean="0"/>
               <a:t>4</a:t>
             </a:fld>
-            <a:endParaRPr lang="en-GB"/>
+            <a:endParaRPr lang="en-GB" dirty="0"/>
           </a:p>
         </p:txBody>
       </p:sp>
@@ -6720,147 +7129,147 @@
           <a:lstStyle/>
           <a:p>
             <a:r>
-              <a:rPr lang="en-150" b="1" dirty="0"/>
+              <a:rPr lang="en-150" b="1"/>
               <a:t>R</a:t>
             </a:r>
             <a:r>
-              <a:rPr lang="en-GB" b="1" dirty="0"/>
+              <a:rPr lang="en-GB" b="1"/>
               <a:t>i</a:t>
             </a:r>
             <a:r>
-              <a:rPr lang="en-150" b="1" dirty="0"/>
+              <a:rPr lang="en-150" b="1"/>
               <a:t>g</a:t>
             </a:r>
             <a:r>
-              <a:rPr lang="en-GB" b="1" dirty="0"/>
+              <a:rPr lang="en-GB" b="1"/>
               <a:t>i</a:t>
             </a:r>
             <a:r>
-              <a:rPr lang="en-150" b="1" dirty="0"/>
+              <a:rPr lang="en-150" b="1"/>
               <a:t>d</a:t>
             </a:r>
             <a:r>
-              <a:rPr lang="en-150" dirty="0"/>
+              <a:rPr lang="en-150"/>
               <a:t>: </a:t>
             </a:r>
             <a:r>
-              <a:rPr lang="en-GB" dirty="0"/>
+              <a:rPr lang="en-GB"/>
               <a:t>n</a:t>
             </a:r>
             <a:r>
-              <a:rPr lang="en-150" dirty="0"/>
+              <a:rPr lang="en-150"/>
               <a:t>u</a:t>
             </a:r>
             <a:r>
-              <a:rPr lang="en-GB" dirty="0"/>
+              <a:rPr lang="en-GB"/>
               <a:t>m</a:t>
             </a:r>
             <a:r>
-              <a:rPr lang="en-150" dirty="0"/>
+              <a:rPr lang="en-150"/>
               <a:t>b</a:t>
             </a:r>
             <a:r>
-              <a:rPr lang="en-GB" dirty="0"/>
+              <a:rPr lang="en-GB"/>
               <a:t>e</a:t>
             </a:r>
             <a:r>
-              <a:rPr lang="en-150" dirty="0"/>
+              <a:rPr lang="en-150"/>
               <a:t>r </a:t>
             </a:r>
             <a:r>
-              <a:rPr lang="en-GB" dirty="0"/>
+              <a:rPr lang="en-GB"/>
               <a:t>o</a:t>
             </a:r>
             <a:r>
-              <a:rPr lang="en-150" dirty="0"/>
+              <a:rPr lang="en-150"/>
               <a:t>f </a:t>
             </a:r>
             <a:r>
-              <a:rPr lang="en-GB" dirty="0"/>
+              <a:rPr lang="en-GB"/>
               <a:t>c</a:t>
             </a:r>
             <a:r>
-              <a:rPr lang="en-150" dirty="0"/>
+              <a:rPr lang="en-150"/>
               <a:t>o</a:t>
             </a:r>
             <a:r>
-              <a:rPr lang="en-GB" dirty="0"/>
+              <a:rPr lang="en-GB"/>
               <a:t>r</a:t>
             </a:r>
             <a:r>
-              <a:rPr lang="en-150" dirty="0"/>
+              <a:rPr lang="en-150"/>
               <a:t>e</a:t>
             </a:r>
             <a:r>
-              <a:rPr lang="en-GB" dirty="0"/>
+              <a:rPr lang="en-GB"/>
               <a:t>s</a:t>
             </a:r>
             <a:r>
-              <a:rPr lang="en-150" dirty="0"/>
+              <a:rPr lang="en-150"/>
               <a:t> </a:t>
             </a:r>
             <a:r>
-              <a:rPr lang="en-GB" dirty="0"/>
+              <a:rPr lang="en-GB"/>
               <a:t>s</a:t>
             </a:r>
             <a:r>
-              <a:rPr lang="en-150" dirty="0"/>
+              <a:rPr lang="en-150"/>
               <a:t>e</a:t>
             </a:r>
             <a:r>
-              <a:rPr lang="en-GB" dirty="0"/>
+              <a:rPr lang="en-GB"/>
               <a:t>t</a:t>
             </a:r>
             <a:r>
-              <a:rPr lang="en-150" dirty="0"/>
+              <a:rPr lang="en-150"/>
               <a:t> </a:t>
             </a:r>
             <a:r>
-              <a:rPr lang="en-GB" dirty="0"/>
+              <a:rPr lang="en-GB"/>
               <a:t>b</a:t>
             </a:r>
             <a:r>
-              <a:rPr lang="en-150" dirty="0"/>
+              <a:rPr lang="en-150"/>
               <a:t>y </a:t>
             </a:r>
             <a:r>
-              <a:rPr lang="en-GB" dirty="0"/>
+              <a:rPr lang="en-GB"/>
               <a:t>p</a:t>
             </a:r>
             <a:r>
-              <a:rPr lang="en-150" dirty="0"/>
+              <a:rPr lang="en-150"/>
               <a:t>r</a:t>
             </a:r>
             <a:r>
-              <a:rPr lang="en-GB" dirty="0"/>
+              <a:rPr lang="en-GB"/>
               <a:t>o</a:t>
             </a:r>
             <a:r>
-              <a:rPr lang="en-150" dirty="0"/>
+              <a:rPr lang="en-150"/>
               <a:t>g</a:t>
             </a:r>
             <a:r>
-              <a:rPr lang="en-GB" dirty="0"/>
+              <a:rPr lang="en-GB"/>
               <a:t>r</a:t>
             </a:r>
             <a:r>
-              <a:rPr lang="en-150" dirty="0"/>
+              <a:rPr lang="en-150"/>
               <a:t>a</a:t>
             </a:r>
             <a:r>
-              <a:rPr lang="en-GB" dirty="0"/>
+              <a:rPr lang="en-GB"/>
               <a:t>m</a:t>
             </a:r>
             <a:r>
-              <a:rPr lang="en-150" dirty="0"/>
+              <a:rPr lang="en-150"/>
               <a:t>m</a:t>
             </a:r>
             <a:r>
-              <a:rPr lang="en-GB" dirty="0"/>
+              <a:rPr lang="en-GB"/>
               <a:t>e</a:t>
             </a:r>
             <a:r>
-              <a:rPr lang="en-150" dirty="0"/>
+              <a:rPr lang="en-150"/>
               <a:t>r</a:t>
             </a:r>
             <a:endParaRPr lang="en-GB" dirty="0"/>
@@ -6892,7 +7301,7 @@
               <a:rPr lang="en-GB" smtClean="0"/>
               <a:t>5</a:t>
             </a:fld>
-            <a:endParaRPr lang="en-GB"/>
+            <a:endParaRPr lang="en-GB" dirty="0"/>
           </a:p>
         </p:txBody>
       </p:sp>
@@ -6942,6 +7351,133 @@
   <p:clrMapOvr>
     <a:masterClrMapping/>
   </p:clrMapOvr>
+  <p:timing>
+    <p:tnLst>
+      <p:par>
+        <p:cTn id="1" dur="indefinite" restart="never" nodeType="tmRoot">
+          <p:childTnLst>
+            <p:seq concurrent="1" nextAc="seek">
+              <p:cTn id="2" dur="indefinite" nodeType="mainSeq">
+                <p:childTnLst>
+                  <p:par>
+                    <p:cTn id="3" fill="hold">
+                      <p:stCondLst>
+                        <p:cond delay="indefinite"/>
+                      </p:stCondLst>
+                      <p:childTnLst>
+                        <p:par>
+                          <p:cTn id="4" fill="hold">
+                            <p:stCondLst>
+                              <p:cond delay="0"/>
+                            </p:stCondLst>
+                            <p:childTnLst>
+                              <p:par>
+                                <p:cTn id="5" presetID="1" presetClass="entr" presetSubtype="0" fill="hold" nodeType="clickEffect">
+                                  <p:stCondLst>
+                                    <p:cond delay="0"/>
+                                  </p:stCondLst>
+                                  <p:childTnLst>
+                                    <p:set>
+                                      <p:cBhvr>
+                                        <p:cTn id="6" dur="1" fill="hold">
+                                          <p:stCondLst>
+                                            <p:cond delay="0"/>
+                                          </p:stCondLst>
+                                        </p:cTn>
+                                        <p:tgtEl>
+                                          <p:spTgt spid="6"/>
+                                        </p:tgtEl>
+                                        <p:attrNameLst>
+                                          <p:attrName>style.visibility</p:attrName>
+                                        </p:attrNameLst>
+                                      </p:cBhvr>
+                                      <p:to>
+                                        <p:strVal val="visible"/>
+                                      </p:to>
+                                    </p:set>
+                                  </p:childTnLst>
+                                </p:cTn>
+                              </p:par>
+                            </p:childTnLst>
+                          </p:cTn>
+                        </p:par>
+                      </p:childTnLst>
+                    </p:cTn>
+                  </p:par>
+                  <p:par>
+                    <p:cTn id="7" fill="hold">
+                      <p:stCondLst>
+                        <p:cond delay="indefinite"/>
+                      </p:stCondLst>
+                      <p:childTnLst>
+                        <p:par>
+                          <p:cTn id="8" fill="hold">
+                            <p:stCondLst>
+                              <p:cond delay="0"/>
+                            </p:stCondLst>
+                            <p:childTnLst>
+                              <p:par>
+                                <p:cTn id="9" presetID="1" presetClass="entr" presetSubtype="0" fill="hold" grpId="0" nodeType="clickEffect">
+                                  <p:stCondLst>
+                                    <p:cond delay="0"/>
+                                  </p:stCondLst>
+                                  <p:childTnLst>
+                                    <p:set>
+                                      <p:cBhvr>
+                                        <p:cTn id="10" dur="1" fill="hold">
+                                          <p:stCondLst>
+                                            <p:cond delay="0"/>
+                                          </p:stCondLst>
+                                        </p:cTn>
+                                        <p:tgtEl>
+                                          <p:spTgt spid="3">
+                                            <p:txEl>
+                                              <p:pRg st="0" end="0"/>
+                                            </p:txEl>
+                                          </p:spTgt>
+                                        </p:tgtEl>
+                                        <p:attrNameLst>
+                                          <p:attrName>style.visibility</p:attrName>
+                                        </p:attrNameLst>
+                                      </p:cBhvr>
+                                      <p:to>
+                                        <p:strVal val="visible"/>
+                                      </p:to>
+                                    </p:set>
+                                  </p:childTnLst>
+                                </p:cTn>
+                              </p:par>
+                            </p:childTnLst>
+                          </p:cTn>
+                        </p:par>
+                      </p:childTnLst>
+                    </p:cTn>
+                  </p:par>
+                </p:childTnLst>
+              </p:cTn>
+              <p:prevCondLst>
+                <p:cond evt="onPrev" delay="0">
+                  <p:tgtEl>
+                    <p:sldTgt/>
+                  </p:tgtEl>
+                </p:cond>
+              </p:prevCondLst>
+              <p:nextCondLst>
+                <p:cond evt="onNext" delay="0">
+                  <p:tgtEl>
+                    <p:sldTgt/>
+                  </p:tgtEl>
+                </p:cond>
+              </p:nextCondLst>
+            </p:seq>
+          </p:childTnLst>
+        </p:cTn>
+      </p:par>
+    </p:tnLst>
+    <p:bldLst>
+      <p:bldP spid="3" grpId="0" build="p"/>
+    </p:bldLst>
+  </p:timing>
 </p:sld>
 </file>
 
@@ -7164,43 +7700,7 @@
             </a:r>
             <a:r>
               <a:rPr lang="en-150" dirty="0"/>
-              <a:t>: number of cores assigned during </a:t>
-            </a:r>
-            <a:r>
-              <a:rPr lang="en-150" dirty="0" err="1"/>
-              <a:t>sc</a:t>
-            </a:r>
-            <a:r>
-              <a:rPr lang="en-GB" dirty="0"/>
-              <a:t>h</a:t>
-            </a:r>
-            <a:r>
-              <a:rPr lang="en-150" dirty="0"/>
-              <a:t>e</a:t>
-            </a:r>
-            <a:r>
-              <a:rPr lang="en-GB" dirty="0"/>
-              <a:t>d</a:t>
-            </a:r>
-            <a:r>
-              <a:rPr lang="en-150" dirty="0"/>
-              <a:t>u</a:t>
-            </a:r>
-            <a:r>
-              <a:rPr lang="en-GB" dirty="0"/>
-              <a:t>l</a:t>
-            </a:r>
-            <a:r>
-              <a:rPr lang="en-150" dirty="0"/>
-              <a:t>i</a:t>
-            </a:r>
-            <a:r>
-              <a:rPr lang="en-GB" dirty="0"/>
-              <a:t>n</a:t>
-            </a:r>
-            <a:r>
-              <a:rPr lang="en-150" dirty="0"/>
-              <a:t>g</a:t>
+              <a:t>: number of cores assigned during scheduling</a:t>
             </a:r>
             <a:endParaRPr lang="en-GB" b="1" dirty="0"/>
           </a:p>
@@ -7231,16 +7731,16 @@
               <a:rPr lang="en-GB" smtClean="0"/>
               <a:t>6</a:t>
             </a:fld>
-            <a:endParaRPr lang="en-GB"/>
+            <a:endParaRPr lang="en-GB" dirty="0"/>
           </a:p>
         </p:txBody>
       </p:sp>
       <p:pic>
         <p:nvPicPr>
-          <p:cNvPr id="6" name="Picture 5" descr="A screenshot of a cell phone&#10;&#10;Description automatically generated">
-            <a:extLst>
-              <a:ext uri="{FF2B5EF4-FFF2-40B4-BE49-F238E27FC236}">
-                <a16:creationId xmlns:a16="http://schemas.microsoft.com/office/drawing/2014/main" id="{EED2414D-FCA4-430E-A634-7605D63A95FA}"/>
+          <p:cNvPr id="9" name="Picture 8" descr="A screenshot of a cell phone&#10;&#10;Description automatically generated">
+            <a:extLst>
+              <a:ext uri="{FF2B5EF4-FFF2-40B4-BE49-F238E27FC236}">
+                <a16:creationId xmlns:a16="http://schemas.microsoft.com/office/drawing/2014/main" id="{1CB01846-EFE4-42A9-B902-28F61CA76A6E}"/>
               </a:ext>
             </a:extLst>
           </p:cNvPr>
@@ -7251,42 +7751,6 @@
         </p:nvPicPr>
         <p:blipFill>
           <a:blip r:embed="rId2">
-            <a:extLst>
-              <a:ext uri="{28A0092B-C50C-407E-A947-70E740481C1C}">
-                <a14:useLocalDpi xmlns:a14="http://schemas.microsoft.com/office/drawing/2010/main" val="0"/>
-              </a:ext>
-            </a:extLst>
-          </a:blip>
-          <a:stretch>
-            <a:fillRect/>
-          </a:stretch>
-        </p:blipFill>
-        <p:spPr>
-          <a:xfrm>
-            <a:off x="2612915" y="3429000"/>
-            <a:ext cx="6966170" cy="2573831"/>
-          </a:xfrm>
-          <a:prstGeom prst="rect">
-            <a:avLst/>
-          </a:prstGeom>
-        </p:spPr>
-      </p:pic>
-      <p:pic>
-        <p:nvPicPr>
-          <p:cNvPr id="9" name="Picture 8" descr="A screenshot of a cell phone&#10;&#10;Description automatically generated">
-            <a:extLst>
-              <a:ext uri="{FF2B5EF4-FFF2-40B4-BE49-F238E27FC236}">
-                <a16:creationId xmlns:a16="http://schemas.microsoft.com/office/drawing/2014/main" id="{1CB01846-EFE4-42A9-B902-28F61CA76A6E}"/>
-              </a:ext>
-            </a:extLst>
-          </p:cNvPr>
-          <p:cNvPicPr>
-            <a:picLocks noChangeAspect="1"/>
-          </p:cNvPicPr>
-          <p:nvPr/>
-        </p:nvPicPr>
-        <p:blipFill>
-          <a:blip r:embed="rId3">
             <a:extLst>
               <a:ext uri="{28A0092B-C50C-407E-A947-70E740481C1C}">
                 <a14:useLocalDpi xmlns:a14="http://schemas.microsoft.com/office/drawing/2010/main" val="0"/>
@@ -7322,7 +7786,7 @@
           <p:nvPr/>
         </p:nvPicPr>
         <p:blipFill>
-          <a:blip r:embed="rId4">
+          <a:blip r:embed="rId3">
             <a:extLst>
               <a:ext uri="{28A0092B-C50C-407E-A947-70E740481C1C}">
                 <a14:useLocalDpi xmlns:a14="http://schemas.microsoft.com/office/drawing/2010/main" val="0"/>
@@ -7387,7 +7851,7 @@
                                           </p:stCondLst>
                                         </p:cTn>
                                         <p:tgtEl>
-                                          <p:spTgt spid="9"/>
+                                          <p:spTgt spid="7"/>
                                         </p:tgtEl>
                                         <p:attrNameLst>
                                           <p:attrName>style.visibility</p:attrName>
@@ -7419,7 +7883,7 @@
                             </p:stCondLst>
                             <p:childTnLst>
                               <p:par>
-                                <p:cTn id="9" presetID="1" presetClass="entr" presetSubtype="0" fill="hold" nodeType="clickEffect">
+                                <p:cTn id="9" presetID="1" presetClass="entr" presetSubtype="0" fill="hold" grpId="0" nodeType="clickEffect">
                                   <p:stCondLst>
                                     <p:cond delay="0"/>
                                   </p:stCondLst>
@@ -7432,7 +7896,11 @@
                                           </p:stCondLst>
                                         </p:cTn>
                                         <p:tgtEl>
-                                          <p:spTgt spid="7"/>
+                                          <p:spTgt spid="3">
+                                            <p:txEl>
+                                              <p:pRg st="1" end="1"/>
+                                            </p:txEl>
+                                          </p:spTgt>
                                         </p:tgtEl>
                                         <p:attrNameLst>
                                           <p:attrName>style.visibility</p:attrName>
@@ -7472,7 +7940,2296 @@
         </p:cTn>
       </p:par>
     </p:tnLst>
+    <p:bldLst>
+      <p:bldP spid="3" grpId="0" uiExpand="1" build="p"/>
+    </p:bldLst>
   </p:timing>
+</p:sld>
+</file>
+
+<file path=ppt/slides/slide7.xml><?xml version="1.0" encoding="utf-8"?>
+<p:sld xmlns:a="http://schemas.openxmlformats.org/drawingml/2006/main" xmlns:r="http://schemas.openxmlformats.org/officeDocument/2006/relationships" xmlns:p="http://schemas.openxmlformats.org/presentationml/2006/main">
+  <p:cSld>
+    <p:spTree>
+      <p:nvGrpSpPr>
+        <p:cNvPr id="1" name=""/>
+        <p:cNvGrpSpPr/>
+        <p:nvPr/>
+      </p:nvGrpSpPr>
+      <p:grpSpPr>
+        <a:xfrm>
+          <a:off x="0" y="0"/>
+          <a:ext cx="0" cy="0"/>
+          <a:chOff x="0" y="0"/>
+          <a:chExt cx="0" cy="0"/>
+        </a:xfrm>
+      </p:grpSpPr>
+      <p:sp>
+        <p:nvSpPr>
+          <p:cNvPr id="2" name="Title 1">
+            <a:extLst>
+              <a:ext uri="{FF2B5EF4-FFF2-40B4-BE49-F238E27FC236}">
+                <a16:creationId xmlns:a16="http://schemas.microsoft.com/office/drawing/2014/main" id="{7CDD1D12-FEB4-4C83-9F9D-DB0A41A9798C}"/>
+              </a:ext>
+            </a:extLst>
+          </p:cNvPr>
+          <p:cNvSpPr>
+            <a:spLocks noGrp="1"/>
+          </p:cNvSpPr>
+          <p:nvPr>
+            <p:ph type="title"/>
+          </p:nvPr>
+        </p:nvSpPr>
+        <p:spPr/>
+        <p:txBody>
+          <a:bodyPr/>
+          <a:lstStyle/>
+          <a:p>
+            <a:r>
+              <a:rPr lang="en-150" dirty="0"/>
+              <a:t>Types of gang</a:t>
+            </a:r>
+            <a:endParaRPr lang="en-GB" dirty="0"/>
+          </a:p>
+        </p:txBody>
+      </p:sp>
+      <p:sp>
+        <p:nvSpPr>
+          <p:cNvPr id="3" name="Content Placeholder 2">
+            <a:extLst>
+              <a:ext uri="{FF2B5EF4-FFF2-40B4-BE49-F238E27FC236}">
+                <a16:creationId xmlns:a16="http://schemas.microsoft.com/office/drawing/2014/main" id="{C856B570-CDA9-4735-B1B2-90D9C88391F5}"/>
+              </a:ext>
+            </a:extLst>
+          </p:cNvPr>
+          <p:cNvSpPr>
+            <a:spLocks noGrp="1"/>
+          </p:cNvSpPr>
+          <p:nvPr>
+            <p:ph idx="1"/>
+          </p:nvPr>
+        </p:nvSpPr>
+        <p:spPr/>
+        <p:txBody>
+          <a:bodyPr/>
+          <a:lstStyle/>
+          <a:p>
+            <a:r>
+              <a:rPr lang="en-150" b="1" dirty="0"/>
+              <a:t>R</a:t>
+            </a:r>
+            <a:r>
+              <a:rPr lang="en-GB" b="1" dirty="0"/>
+              <a:t>i</a:t>
+            </a:r>
+            <a:r>
+              <a:rPr lang="en-150" b="1" dirty="0"/>
+              <a:t>g</a:t>
+            </a:r>
+            <a:r>
+              <a:rPr lang="en-GB" b="1" dirty="0"/>
+              <a:t>i</a:t>
+            </a:r>
+            <a:r>
+              <a:rPr lang="en-150" b="1" dirty="0"/>
+              <a:t>d</a:t>
+            </a:r>
+            <a:r>
+              <a:rPr lang="en-150" dirty="0"/>
+              <a:t>: </a:t>
+            </a:r>
+            <a:r>
+              <a:rPr lang="en-GB" dirty="0"/>
+              <a:t>n</a:t>
+            </a:r>
+            <a:r>
+              <a:rPr lang="en-150" dirty="0"/>
+              <a:t>u</a:t>
+            </a:r>
+            <a:r>
+              <a:rPr lang="en-GB" dirty="0"/>
+              <a:t>m</a:t>
+            </a:r>
+            <a:r>
+              <a:rPr lang="en-150" dirty="0"/>
+              <a:t>b</a:t>
+            </a:r>
+            <a:r>
+              <a:rPr lang="en-GB" dirty="0"/>
+              <a:t>e</a:t>
+            </a:r>
+            <a:r>
+              <a:rPr lang="en-150" dirty="0"/>
+              <a:t>r </a:t>
+            </a:r>
+            <a:r>
+              <a:rPr lang="en-GB" dirty="0"/>
+              <a:t>o</a:t>
+            </a:r>
+            <a:r>
+              <a:rPr lang="en-150" dirty="0"/>
+              <a:t>f </a:t>
+            </a:r>
+            <a:r>
+              <a:rPr lang="en-GB" dirty="0"/>
+              <a:t>c</a:t>
+            </a:r>
+            <a:r>
+              <a:rPr lang="en-150" dirty="0"/>
+              <a:t>o</a:t>
+            </a:r>
+            <a:r>
+              <a:rPr lang="en-GB" dirty="0"/>
+              <a:t>r</a:t>
+            </a:r>
+            <a:r>
+              <a:rPr lang="en-150" dirty="0"/>
+              <a:t>e</a:t>
+            </a:r>
+            <a:r>
+              <a:rPr lang="en-GB" dirty="0"/>
+              <a:t>s</a:t>
+            </a:r>
+            <a:r>
+              <a:rPr lang="en-150" dirty="0"/>
+              <a:t> </a:t>
+            </a:r>
+            <a:r>
+              <a:rPr lang="en-GB" dirty="0"/>
+              <a:t>s</a:t>
+            </a:r>
+            <a:r>
+              <a:rPr lang="en-150" dirty="0"/>
+              <a:t>e</a:t>
+            </a:r>
+            <a:r>
+              <a:rPr lang="en-GB" dirty="0"/>
+              <a:t>t</a:t>
+            </a:r>
+            <a:r>
+              <a:rPr lang="en-150" dirty="0"/>
+              <a:t> </a:t>
+            </a:r>
+            <a:r>
+              <a:rPr lang="en-GB" dirty="0"/>
+              <a:t>b</a:t>
+            </a:r>
+            <a:r>
+              <a:rPr lang="en-150" dirty="0"/>
+              <a:t>y </a:t>
+            </a:r>
+            <a:r>
+              <a:rPr lang="en-GB" dirty="0"/>
+              <a:t>p</a:t>
+            </a:r>
+            <a:r>
+              <a:rPr lang="en-150" dirty="0"/>
+              <a:t>r</a:t>
+            </a:r>
+            <a:r>
+              <a:rPr lang="en-GB" dirty="0"/>
+              <a:t>o</a:t>
+            </a:r>
+            <a:r>
+              <a:rPr lang="en-150" dirty="0"/>
+              <a:t>g</a:t>
+            </a:r>
+            <a:r>
+              <a:rPr lang="en-GB" dirty="0"/>
+              <a:t>r</a:t>
+            </a:r>
+            <a:r>
+              <a:rPr lang="en-150" dirty="0"/>
+              <a:t>a</a:t>
+            </a:r>
+            <a:r>
+              <a:rPr lang="en-GB" dirty="0"/>
+              <a:t>m</a:t>
+            </a:r>
+            <a:r>
+              <a:rPr lang="en-150" dirty="0"/>
+              <a:t>m</a:t>
+            </a:r>
+            <a:r>
+              <a:rPr lang="en-GB" dirty="0"/>
+              <a:t>e</a:t>
+            </a:r>
+            <a:r>
+              <a:rPr lang="en-150" dirty="0"/>
+              <a:t>r</a:t>
+            </a:r>
+          </a:p>
+          <a:p>
+            <a:r>
+              <a:rPr lang="en-150" b="1" dirty="0"/>
+              <a:t>Moldable</a:t>
+            </a:r>
+            <a:r>
+              <a:rPr lang="en-150" dirty="0"/>
+              <a:t>: number of cores assigned during scheduling</a:t>
+            </a:r>
+          </a:p>
+          <a:p>
+            <a:r>
+              <a:rPr lang="en-150" b="1" dirty="0"/>
+              <a:t>Malleable</a:t>
+            </a:r>
+            <a:r>
+              <a:rPr lang="en-150" dirty="0"/>
+              <a:t>: Number of cores can change during runtime</a:t>
+            </a:r>
+            <a:endParaRPr lang="en-GB" b="1" dirty="0"/>
+          </a:p>
+        </p:txBody>
+      </p:sp>
+      <p:sp>
+        <p:nvSpPr>
+          <p:cNvPr id="4" name="Slide Number Placeholder 3">
+            <a:extLst>
+              <a:ext uri="{FF2B5EF4-FFF2-40B4-BE49-F238E27FC236}">
+                <a16:creationId xmlns:a16="http://schemas.microsoft.com/office/drawing/2014/main" id="{8AAC0DB3-D6CA-4A43-AC6F-7AAA3319BB58}"/>
+              </a:ext>
+            </a:extLst>
+          </p:cNvPr>
+          <p:cNvSpPr>
+            <a:spLocks noGrp="1"/>
+          </p:cNvSpPr>
+          <p:nvPr>
+            <p:ph type="sldNum" sz="quarter" idx="12"/>
+          </p:nvPr>
+        </p:nvSpPr>
+        <p:spPr/>
+        <p:txBody>
+          <a:bodyPr/>
+          <a:lstStyle/>
+          <a:p>
+            <a:fld id="{6565F0C3-D9E9-4961-A3A4-87F2116D4289}" type="slidenum">
+              <a:rPr lang="en-GB" smtClean="0"/>
+              <a:t>7</a:t>
+            </a:fld>
+            <a:endParaRPr lang="en-GB" dirty="0"/>
+          </a:p>
+        </p:txBody>
+      </p:sp>
+      <p:pic>
+        <p:nvPicPr>
+          <p:cNvPr id="9" name="Picture 8">
+            <a:extLst>
+              <a:ext uri="{FF2B5EF4-FFF2-40B4-BE49-F238E27FC236}">
+                <a16:creationId xmlns:a16="http://schemas.microsoft.com/office/drawing/2014/main" id="{1CB01846-EFE4-42A9-B902-28F61CA76A6E}"/>
+              </a:ext>
+            </a:extLst>
+          </p:cNvPr>
+          <p:cNvPicPr>
+            <a:picLocks noChangeAspect="1"/>
+          </p:cNvPicPr>
+          <p:nvPr/>
+        </p:nvPicPr>
+        <p:blipFill>
+          <a:blip r:embed="rId2">
+            <a:extLst>
+              <a:ext uri="{28A0092B-C50C-407E-A947-70E740481C1C}">
+                <a14:useLocalDpi xmlns:a14="http://schemas.microsoft.com/office/drawing/2010/main" val="0"/>
+              </a:ext>
+            </a:extLst>
+          </a:blip>
+          <a:srcRect/>
+          <a:stretch/>
+        </p:blipFill>
+        <p:spPr>
+          <a:xfrm>
+            <a:off x="2612917" y="3429000"/>
+            <a:ext cx="6966168" cy="2573830"/>
+          </a:xfrm>
+          <a:prstGeom prst="rect">
+            <a:avLst/>
+          </a:prstGeom>
+        </p:spPr>
+      </p:pic>
+    </p:spTree>
+    <p:extLst>
+      <p:ext uri="{BB962C8B-B14F-4D97-AF65-F5344CB8AC3E}">
+        <p14:creationId xmlns:p14="http://schemas.microsoft.com/office/powerpoint/2010/main" val="4017771857"/>
+      </p:ext>
+    </p:extLst>
+  </p:cSld>
+  <p:clrMapOvr>
+    <a:masterClrMapping/>
+  </p:clrMapOvr>
+  <p:timing>
+    <p:tnLst>
+      <p:par>
+        <p:cTn id="1" dur="indefinite" restart="never" nodeType="tmRoot">
+          <p:childTnLst>
+            <p:seq concurrent="1" nextAc="seek">
+              <p:cTn id="2" dur="indefinite" nodeType="mainSeq">
+                <p:childTnLst>
+                  <p:par>
+                    <p:cTn id="3" fill="hold">
+                      <p:stCondLst>
+                        <p:cond delay="indefinite"/>
+                      </p:stCondLst>
+                      <p:childTnLst>
+                        <p:par>
+                          <p:cTn id="4" fill="hold">
+                            <p:stCondLst>
+                              <p:cond delay="0"/>
+                            </p:stCondLst>
+                            <p:childTnLst>
+                              <p:par>
+                                <p:cTn id="5" presetID="19" presetClass="emph" presetSubtype="0" fill="hold" nodeType="clickEffect">
+                                  <p:stCondLst>
+                                    <p:cond delay="0"/>
+                                  </p:stCondLst>
+                                  <p:childTnLst>
+                                    <p:animClr clrSpc="rgb" dir="cw">
+                                      <p:cBhvr override="childStyle">
+                                        <p:cTn id="6" dur="10" fill="hold"/>
+                                        <p:tgtEl>
+                                          <p:spTgt spid="3">
+                                            <p:txEl>
+                                              <p:pRg st="2" end="2"/>
+                                            </p:txEl>
+                                          </p:spTgt>
+                                        </p:tgtEl>
+                                        <p:attrNameLst>
+                                          <p:attrName>style.color</p:attrName>
+                                        </p:attrNameLst>
+                                      </p:cBhvr>
+                                      <p:to>
+                                        <a:srgbClr val="E7E6E6"/>
+                                      </p:to>
+                                    </p:animClr>
+                                    <p:animClr clrSpc="rgb" dir="cw">
+                                      <p:cBhvr>
+                                        <p:cTn id="7" dur="10" fill="hold"/>
+                                        <p:tgtEl>
+                                          <p:spTgt spid="3">
+                                            <p:txEl>
+                                              <p:pRg st="2" end="2"/>
+                                            </p:txEl>
+                                          </p:spTgt>
+                                        </p:tgtEl>
+                                        <p:attrNameLst>
+                                          <p:attrName>fillcolor</p:attrName>
+                                        </p:attrNameLst>
+                                      </p:cBhvr>
+                                      <p:to>
+                                        <a:srgbClr val="E7E6E6"/>
+                                      </p:to>
+                                    </p:animClr>
+                                    <p:set>
+                                      <p:cBhvr>
+                                        <p:cTn id="8" dur="10" fill="hold"/>
+                                        <p:tgtEl>
+                                          <p:spTgt spid="3">
+                                            <p:txEl>
+                                              <p:pRg st="2" end="2"/>
+                                            </p:txEl>
+                                          </p:spTgt>
+                                        </p:tgtEl>
+                                        <p:attrNameLst>
+                                          <p:attrName>fill.type</p:attrName>
+                                        </p:attrNameLst>
+                                      </p:cBhvr>
+                                      <p:to>
+                                        <p:strVal val="solid"/>
+                                      </p:to>
+                                    </p:set>
+                                    <p:set>
+                                      <p:cBhvr>
+                                        <p:cTn id="9" dur="10" fill="hold"/>
+                                        <p:tgtEl>
+                                          <p:spTgt spid="3">
+                                            <p:txEl>
+                                              <p:pRg st="2" end="2"/>
+                                            </p:txEl>
+                                          </p:spTgt>
+                                        </p:tgtEl>
+                                        <p:attrNameLst>
+                                          <p:attrName>fill.on</p:attrName>
+                                        </p:attrNameLst>
+                                      </p:cBhvr>
+                                      <p:to>
+                                        <p:strVal val="true"/>
+                                      </p:to>
+                                    </p:set>
+                                  </p:childTnLst>
+                                </p:cTn>
+                              </p:par>
+                              <p:par>
+                                <p:cTn id="10" presetID="19" presetClass="emph" presetSubtype="0" fill="hold" nodeType="withEffect">
+                                  <p:stCondLst>
+                                    <p:cond delay="0"/>
+                                  </p:stCondLst>
+                                  <p:childTnLst>
+                                    <p:animClr clrSpc="rgb" dir="cw">
+                                      <p:cBhvr override="childStyle">
+                                        <p:cTn id="11" dur="10" fill="hold"/>
+                                        <p:tgtEl>
+                                          <p:spTgt spid="3">
+                                            <p:txEl>
+                                              <p:pRg st="0" end="0"/>
+                                            </p:txEl>
+                                          </p:spTgt>
+                                        </p:tgtEl>
+                                        <p:attrNameLst>
+                                          <p:attrName>style.color</p:attrName>
+                                        </p:attrNameLst>
+                                      </p:cBhvr>
+                                      <p:to>
+                                        <a:srgbClr val="E7E6E6"/>
+                                      </p:to>
+                                    </p:animClr>
+                                    <p:animClr clrSpc="rgb" dir="cw">
+                                      <p:cBhvr>
+                                        <p:cTn id="12" dur="10" fill="hold"/>
+                                        <p:tgtEl>
+                                          <p:spTgt spid="3">
+                                            <p:txEl>
+                                              <p:pRg st="0" end="0"/>
+                                            </p:txEl>
+                                          </p:spTgt>
+                                        </p:tgtEl>
+                                        <p:attrNameLst>
+                                          <p:attrName>fillcolor</p:attrName>
+                                        </p:attrNameLst>
+                                      </p:cBhvr>
+                                      <p:to>
+                                        <a:srgbClr val="E7E6E6"/>
+                                      </p:to>
+                                    </p:animClr>
+                                    <p:set>
+                                      <p:cBhvr>
+                                        <p:cTn id="13" dur="10" fill="hold"/>
+                                        <p:tgtEl>
+                                          <p:spTgt spid="3">
+                                            <p:txEl>
+                                              <p:pRg st="0" end="0"/>
+                                            </p:txEl>
+                                          </p:spTgt>
+                                        </p:tgtEl>
+                                        <p:attrNameLst>
+                                          <p:attrName>fill.type</p:attrName>
+                                        </p:attrNameLst>
+                                      </p:cBhvr>
+                                      <p:to>
+                                        <p:strVal val="solid"/>
+                                      </p:to>
+                                    </p:set>
+                                    <p:set>
+                                      <p:cBhvr>
+                                        <p:cTn id="14" dur="10" fill="hold"/>
+                                        <p:tgtEl>
+                                          <p:spTgt spid="3">
+                                            <p:txEl>
+                                              <p:pRg st="0" end="0"/>
+                                            </p:txEl>
+                                          </p:spTgt>
+                                        </p:tgtEl>
+                                        <p:attrNameLst>
+                                          <p:attrName>fill.on</p:attrName>
+                                        </p:attrNameLst>
+                                      </p:cBhvr>
+                                      <p:to>
+                                        <p:strVal val="true"/>
+                                      </p:to>
+                                    </p:set>
+                                  </p:childTnLst>
+                                </p:cTn>
+                              </p:par>
+                            </p:childTnLst>
+                          </p:cTn>
+                        </p:par>
+                      </p:childTnLst>
+                    </p:cTn>
+                  </p:par>
+                </p:childTnLst>
+              </p:cTn>
+              <p:prevCondLst>
+                <p:cond evt="onPrev" delay="0">
+                  <p:tgtEl>
+                    <p:sldTgt/>
+                  </p:tgtEl>
+                </p:cond>
+              </p:prevCondLst>
+              <p:nextCondLst>
+                <p:cond evt="onNext" delay="0">
+                  <p:tgtEl>
+                    <p:sldTgt/>
+                  </p:tgtEl>
+                </p:cond>
+              </p:nextCondLst>
+            </p:seq>
+          </p:childTnLst>
+        </p:cTn>
+      </p:par>
+    </p:tnLst>
+  </p:timing>
+</p:sld>
+</file>
+
+<file path=ppt/slides/slide8.xml><?xml version="1.0" encoding="utf-8"?>
+<p:sld xmlns:a="http://schemas.openxmlformats.org/drawingml/2006/main" xmlns:r="http://schemas.openxmlformats.org/officeDocument/2006/relationships" xmlns:p="http://schemas.openxmlformats.org/presentationml/2006/main">
+  <p:cSld>
+    <p:spTree>
+      <p:nvGrpSpPr>
+        <p:cNvPr id="1" name=""/>
+        <p:cNvGrpSpPr/>
+        <p:nvPr/>
+      </p:nvGrpSpPr>
+      <p:grpSpPr>
+        <a:xfrm>
+          <a:off x="0" y="0"/>
+          <a:ext cx="0" cy="0"/>
+          <a:chOff x="0" y="0"/>
+          <a:chExt cx="0" cy="0"/>
+        </a:xfrm>
+      </p:grpSpPr>
+      <p:sp>
+        <p:nvSpPr>
+          <p:cNvPr id="2" name="Title 1">
+            <a:extLst>
+              <a:ext uri="{FF2B5EF4-FFF2-40B4-BE49-F238E27FC236}">
+                <a16:creationId xmlns:a16="http://schemas.microsoft.com/office/drawing/2014/main" id="{7632AD00-8EE4-4735-BEDE-BEB1F93D6FFE}"/>
+              </a:ext>
+            </a:extLst>
+          </p:cNvPr>
+          <p:cNvSpPr>
+            <a:spLocks noGrp="1"/>
+          </p:cNvSpPr>
+          <p:nvPr>
+            <p:ph type="title"/>
+          </p:nvPr>
+        </p:nvSpPr>
+        <p:spPr/>
+        <p:txBody>
+          <a:bodyPr/>
+          <a:lstStyle/>
+          <a:p>
+            <a:r>
+              <a:rPr lang="en-150" dirty="0"/>
+              <a:t>P</a:t>
+            </a:r>
+            <a:r>
+              <a:rPr lang="en-GB" dirty="0"/>
+              <a:t>r</a:t>
+            </a:r>
+            <a:r>
+              <a:rPr lang="en-150" dirty="0"/>
+              <a:t>e</a:t>
+            </a:r>
+            <a:r>
+              <a:rPr lang="en-GB" dirty="0"/>
+              <a:t>v</a:t>
+            </a:r>
+            <a:r>
+              <a:rPr lang="en-150" dirty="0"/>
+              <a:t>i</a:t>
+            </a:r>
+            <a:r>
+              <a:rPr lang="en-GB" dirty="0"/>
+              <a:t>o</a:t>
+            </a:r>
+            <a:r>
+              <a:rPr lang="en-150" dirty="0"/>
+              <a:t>u</a:t>
+            </a:r>
+            <a:r>
+              <a:rPr lang="en-GB" dirty="0"/>
+              <a:t>s</a:t>
+            </a:r>
+            <a:r>
+              <a:rPr lang="en-150" dirty="0"/>
+              <a:t> </a:t>
+            </a:r>
+            <a:r>
+              <a:rPr lang="en-GB" dirty="0"/>
+              <a:t>w</a:t>
+            </a:r>
+            <a:r>
+              <a:rPr lang="en-150" dirty="0"/>
+              <a:t>o</a:t>
+            </a:r>
+            <a:r>
+              <a:rPr lang="en-GB" dirty="0"/>
+              <a:t>r</a:t>
+            </a:r>
+            <a:r>
+              <a:rPr lang="en-150" dirty="0"/>
+              <a:t>k</a:t>
+            </a:r>
+            <a:endParaRPr lang="en-GB" dirty="0"/>
+          </a:p>
+        </p:txBody>
+      </p:sp>
+      <p:sp>
+        <p:nvSpPr>
+          <p:cNvPr id="3" name="Content Placeholder 2">
+            <a:extLst>
+              <a:ext uri="{FF2B5EF4-FFF2-40B4-BE49-F238E27FC236}">
+                <a16:creationId xmlns:a16="http://schemas.microsoft.com/office/drawing/2014/main" id="{9F59BE75-4890-4E9C-B99F-CDE75D2B9E9A}"/>
+              </a:ext>
+            </a:extLst>
+          </p:cNvPr>
+          <p:cNvSpPr>
+            <a:spLocks noGrp="1"/>
+          </p:cNvSpPr>
+          <p:nvPr>
+            <p:ph idx="1"/>
+          </p:nvPr>
+        </p:nvSpPr>
+        <p:spPr/>
+        <p:txBody>
+          <a:bodyPr/>
+          <a:lstStyle/>
+          <a:p>
+            <a:r>
+              <a:rPr lang="en-150" dirty="0"/>
+              <a:t>I</a:t>
+            </a:r>
+            <a:r>
+              <a:rPr lang="en-GB" dirty="0"/>
+              <a:t>n</a:t>
+            </a:r>
+            <a:r>
+              <a:rPr lang="en-150" dirty="0"/>
+              <a:t>t</a:t>
+            </a:r>
+            <a:r>
+              <a:rPr lang="en-GB" dirty="0"/>
+              <a:t>r</a:t>
+            </a:r>
+            <a:r>
+              <a:rPr lang="en-150" dirty="0"/>
+              <a:t>o</a:t>
+            </a:r>
+            <a:r>
+              <a:rPr lang="en-GB" dirty="0"/>
+              <a:t>d</a:t>
+            </a:r>
+            <a:r>
+              <a:rPr lang="en-150" dirty="0"/>
+              <a:t>u</a:t>
+            </a:r>
+            <a:r>
+              <a:rPr lang="en-GB" dirty="0"/>
+              <a:t>c</a:t>
+            </a:r>
+            <a:r>
+              <a:rPr lang="en-150" dirty="0"/>
+              <a:t>e</a:t>
+            </a:r>
+            <a:r>
+              <a:rPr lang="en-GB" dirty="0"/>
+              <a:t>d</a:t>
+            </a:r>
+            <a:r>
+              <a:rPr lang="en-150" dirty="0"/>
+              <a:t> </a:t>
+            </a:r>
+            <a:r>
+              <a:rPr lang="en-GB" dirty="0"/>
+              <a:t>i</a:t>
+            </a:r>
+            <a:r>
+              <a:rPr lang="en-150" dirty="0"/>
+              <a:t>n </a:t>
+            </a:r>
+            <a:r>
+              <a:rPr lang="en-GB" dirty="0"/>
+              <a:t>t</a:t>
+            </a:r>
+            <a:r>
+              <a:rPr lang="en-150" dirty="0"/>
+              <a:t>h</a:t>
+            </a:r>
+            <a:r>
+              <a:rPr lang="en-GB" dirty="0"/>
+              <a:t>e</a:t>
+            </a:r>
+            <a:r>
+              <a:rPr lang="en-150" dirty="0"/>
+              <a:t> </a:t>
+            </a:r>
+            <a:r>
+              <a:rPr lang="en-GB" dirty="0"/>
+              <a:t>c</a:t>
+            </a:r>
+            <a:r>
+              <a:rPr lang="en-150" dirty="0"/>
+              <a:t>o</a:t>
+            </a:r>
+            <a:r>
+              <a:rPr lang="en-GB" dirty="0"/>
+              <a:t>n</a:t>
+            </a:r>
+            <a:r>
+              <a:rPr lang="en-150" dirty="0"/>
+              <a:t>text of high-performance computing</a:t>
+            </a:r>
+            <a:r>
+              <a:rPr lang="en-150" baseline="30000" dirty="0"/>
+              <a:t>[1]</a:t>
+            </a:r>
+          </a:p>
+          <a:p>
+            <a:r>
+              <a:rPr lang="en-150" dirty="0"/>
+              <a:t>In real-time:</a:t>
+            </a:r>
+          </a:p>
+          <a:p>
+            <a:pPr lvl="1"/>
+            <a:r>
+              <a:rPr lang="en-150" dirty="0"/>
+              <a:t>We know that JLFP scheduler is no</a:t>
+            </a:r>
+            <a:r>
+              <a:rPr lang="en-GB" dirty="0"/>
+              <a:t>t</a:t>
+            </a:r>
+            <a:r>
+              <a:rPr lang="en-150" dirty="0"/>
+              <a:t> </a:t>
+            </a:r>
+            <a:r>
+              <a:rPr lang="en-GB" dirty="0"/>
+              <a:t>p</a:t>
+            </a:r>
+            <a:r>
+              <a:rPr lang="en-150" dirty="0"/>
+              <a:t>r</a:t>
+            </a:r>
+            <a:r>
+              <a:rPr lang="en-GB" dirty="0"/>
+              <a:t>e</a:t>
+            </a:r>
+            <a:r>
+              <a:rPr lang="en-150" dirty="0"/>
+              <a:t>d</a:t>
+            </a:r>
+            <a:r>
+              <a:rPr lang="en-GB" dirty="0"/>
+              <a:t>i</a:t>
+            </a:r>
+            <a:r>
+              <a:rPr lang="en-150" dirty="0"/>
+              <a:t>c</a:t>
+            </a:r>
+            <a:r>
+              <a:rPr lang="en-GB" dirty="0"/>
+              <a:t>t</a:t>
+            </a:r>
+            <a:r>
+              <a:rPr lang="en-150" dirty="0"/>
+              <a:t>a</a:t>
+            </a:r>
+            <a:r>
+              <a:rPr lang="en-GB" dirty="0"/>
+              <a:t>b</a:t>
+            </a:r>
+            <a:r>
+              <a:rPr lang="en-150" dirty="0"/>
+              <a:t>l</a:t>
+            </a:r>
+            <a:r>
+              <a:rPr lang="en-GB" dirty="0"/>
+              <a:t>e</a:t>
+            </a:r>
+            <a:r>
+              <a:rPr lang="en-150" dirty="0"/>
+              <a:t>/</a:t>
+            </a:r>
+            <a:r>
+              <a:rPr lang="en-GB" dirty="0"/>
+              <a:t>s</a:t>
+            </a:r>
+            <a:r>
+              <a:rPr lang="en-150" dirty="0"/>
+              <a:t>u</a:t>
+            </a:r>
+            <a:r>
+              <a:rPr lang="en-GB" dirty="0"/>
+              <a:t>s</a:t>
+            </a:r>
+            <a:r>
+              <a:rPr lang="en-150" dirty="0"/>
+              <a:t>t</a:t>
+            </a:r>
+            <a:r>
+              <a:rPr lang="en-GB" dirty="0"/>
+              <a:t>a</a:t>
+            </a:r>
+            <a:r>
+              <a:rPr lang="en-150" dirty="0"/>
+              <a:t>i</a:t>
+            </a:r>
+            <a:r>
+              <a:rPr lang="en-GB" dirty="0"/>
+              <a:t>n</a:t>
+            </a:r>
+            <a:r>
+              <a:rPr lang="en-150" dirty="0"/>
+              <a:t>a</a:t>
+            </a:r>
+            <a:r>
+              <a:rPr lang="en-GB" dirty="0"/>
+              <a:t>b</a:t>
+            </a:r>
+            <a:r>
+              <a:rPr lang="en-150" dirty="0"/>
+              <a:t>l</a:t>
+            </a:r>
+            <a:r>
+              <a:rPr lang="en-GB" dirty="0"/>
+              <a:t>e</a:t>
+            </a:r>
+            <a:r>
+              <a:rPr lang="en-150" baseline="30000" dirty="0"/>
+              <a:t>[2]</a:t>
+            </a:r>
+          </a:p>
+          <a:p>
+            <a:pPr lvl="1"/>
+            <a:r>
+              <a:rPr lang="en-150" dirty="0"/>
+              <a:t>Most of the work is focused in fully-preemptive solutions:</a:t>
+            </a:r>
+          </a:p>
+          <a:p>
+            <a:pPr lvl="2"/>
+            <a:r>
+              <a:rPr lang="en-GB" dirty="0"/>
+              <a:t>O</a:t>
+            </a:r>
+            <a:r>
+              <a:rPr lang="en-150" dirty="0"/>
+              <a:t>p</a:t>
+            </a:r>
+            <a:r>
+              <a:rPr lang="en-GB" dirty="0"/>
+              <a:t>t</a:t>
+            </a:r>
+            <a:r>
+              <a:rPr lang="en-150" dirty="0"/>
+              <a:t>i</a:t>
+            </a:r>
+            <a:r>
+              <a:rPr lang="en-GB" dirty="0"/>
+              <a:t>m</a:t>
+            </a:r>
+            <a:r>
+              <a:rPr lang="en-150" dirty="0"/>
+              <a:t>a</a:t>
+            </a:r>
+            <a:r>
+              <a:rPr lang="en-GB" dirty="0"/>
+              <a:t>l</a:t>
+            </a:r>
+            <a:r>
+              <a:rPr lang="en-150" dirty="0"/>
+              <a:t> </a:t>
+            </a:r>
+            <a:r>
+              <a:rPr lang="en-GB" dirty="0"/>
+              <a:t>s</a:t>
+            </a:r>
+            <a:r>
+              <a:rPr lang="en-150" dirty="0"/>
+              <a:t>c</a:t>
+            </a:r>
+            <a:r>
+              <a:rPr lang="en-GB" dirty="0"/>
+              <a:t>h</a:t>
+            </a:r>
+            <a:r>
+              <a:rPr lang="en-150" dirty="0"/>
+              <a:t>e</a:t>
+            </a:r>
+            <a:r>
+              <a:rPr lang="en-GB" dirty="0"/>
+              <a:t>d</a:t>
+            </a:r>
+            <a:r>
+              <a:rPr lang="en-150" dirty="0"/>
+              <a:t>u</a:t>
+            </a:r>
+            <a:r>
+              <a:rPr lang="en-GB" dirty="0"/>
+              <a:t>l</a:t>
+            </a:r>
+            <a:r>
+              <a:rPr lang="en-150" dirty="0"/>
+              <a:t>e</a:t>
+            </a:r>
+            <a:r>
+              <a:rPr lang="en-GB" dirty="0"/>
+              <a:t>r</a:t>
+            </a:r>
+            <a:r>
+              <a:rPr lang="en-150" dirty="0"/>
+              <a:t> </a:t>
+            </a:r>
+            <a:r>
+              <a:rPr lang="en-GB" dirty="0"/>
+              <a:t>f</a:t>
+            </a:r>
+            <a:r>
+              <a:rPr lang="en-150" dirty="0"/>
+              <a:t>o</a:t>
+            </a:r>
+            <a:r>
+              <a:rPr lang="en-GB" dirty="0"/>
+              <a:t>r</a:t>
+            </a:r>
+            <a:r>
+              <a:rPr lang="en-150" dirty="0"/>
+              <a:t> </a:t>
+            </a:r>
+            <a:r>
+              <a:rPr lang="en-GB" dirty="0"/>
+              <a:t>r</a:t>
+            </a:r>
+            <a:r>
+              <a:rPr lang="en-150" dirty="0"/>
+              <a:t>i</a:t>
+            </a:r>
+            <a:r>
+              <a:rPr lang="en-GB" dirty="0"/>
+              <a:t>g</a:t>
+            </a:r>
+            <a:r>
+              <a:rPr lang="en-150" dirty="0"/>
+              <a:t>i</a:t>
+            </a:r>
+            <a:r>
+              <a:rPr lang="en-GB" dirty="0"/>
+              <a:t>d</a:t>
+            </a:r>
+            <a:r>
+              <a:rPr lang="en-150" dirty="0"/>
+              <a:t> </a:t>
+            </a:r>
+            <a:r>
+              <a:rPr lang="en-GB" dirty="0"/>
+              <a:t>g</a:t>
+            </a:r>
+            <a:r>
+              <a:rPr lang="en-150" dirty="0"/>
+              <a:t>a</a:t>
+            </a:r>
+            <a:r>
+              <a:rPr lang="en-GB" dirty="0"/>
+              <a:t>n</a:t>
+            </a:r>
+            <a:r>
+              <a:rPr lang="en-150" dirty="0"/>
+              <a:t>g (</a:t>
+            </a:r>
+            <a:r>
+              <a:rPr lang="en-GB" dirty="0"/>
+              <a:t>D</a:t>
+            </a:r>
+            <a:r>
+              <a:rPr lang="en-150" dirty="0"/>
+              <a:t>P-</a:t>
+            </a:r>
+            <a:r>
+              <a:rPr lang="en-GB" dirty="0"/>
+              <a:t>F</a:t>
+            </a:r>
+            <a:r>
+              <a:rPr lang="en-150" dirty="0"/>
+              <a:t>air)</a:t>
+            </a:r>
+            <a:r>
+              <a:rPr lang="en-150" baseline="30000" dirty="0"/>
+              <a:t>[3]</a:t>
+            </a:r>
+          </a:p>
+          <a:p>
+            <a:pPr lvl="2"/>
+            <a:r>
+              <a:rPr lang="en-150" dirty="0"/>
+              <a:t>Moldable scheduler</a:t>
+            </a:r>
+            <a:r>
+              <a:rPr lang="en-150" baseline="30000" dirty="0"/>
+              <a:t>[4]</a:t>
+            </a:r>
+          </a:p>
+          <a:p>
+            <a:pPr lvl="1"/>
+            <a:r>
+              <a:rPr lang="en-150" dirty="0"/>
+              <a:t>Bundled scheduling</a:t>
+            </a:r>
+            <a:r>
+              <a:rPr lang="en-150" baseline="30000" dirty="0"/>
+              <a:t>[5]</a:t>
+            </a:r>
+          </a:p>
+          <a:p>
+            <a:pPr lvl="2"/>
+            <a:r>
+              <a:rPr lang="en-GB" dirty="0"/>
+              <a:t>T</a:t>
+            </a:r>
+            <a:r>
+              <a:rPr lang="en-150" dirty="0"/>
+              <a:t>a</a:t>
+            </a:r>
+            <a:r>
+              <a:rPr lang="en-GB" dirty="0"/>
+              <a:t>s</a:t>
+            </a:r>
+            <a:r>
+              <a:rPr lang="en-150" dirty="0"/>
+              <a:t>k</a:t>
+            </a:r>
+            <a:r>
+              <a:rPr lang="en-GB" dirty="0"/>
+              <a:t>s</a:t>
+            </a:r>
+            <a:r>
+              <a:rPr lang="en-150" dirty="0"/>
+              <a:t> </a:t>
+            </a:r>
+            <a:r>
+              <a:rPr lang="en-GB" dirty="0"/>
+              <a:t>w</a:t>
+            </a:r>
+            <a:r>
+              <a:rPr lang="en-150" dirty="0"/>
+              <a:t>i</a:t>
+            </a:r>
+            <a:r>
+              <a:rPr lang="en-GB" dirty="0"/>
+              <a:t>t</a:t>
+            </a:r>
+            <a:r>
+              <a:rPr lang="en-150" dirty="0"/>
+              <a:t>h </a:t>
+            </a:r>
+            <a:r>
+              <a:rPr lang="en-GB" dirty="0"/>
+              <a:t>p</a:t>
+            </a:r>
+            <a:r>
+              <a:rPr lang="en-150" dirty="0"/>
+              <a:t>r</a:t>
+            </a:r>
+            <a:r>
+              <a:rPr lang="en-GB" dirty="0"/>
+              <a:t>e</a:t>
+            </a:r>
+            <a:r>
+              <a:rPr lang="en-150" dirty="0"/>
+              <a:t>c</a:t>
+            </a:r>
+            <a:r>
+              <a:rPr lang="en-GB" dirty="0"/>
+              <a:t>e</a:t>
+            </a:r>
+            <a:r>
+              <a:rPr lang="en-150" dirty="0"/>
+              <a:t>d</a:t>
+            </a:r>
+            <a:r>
+              <a:rPr lang="en-GB" dirty="0"/>
+              <a:t>e</a:t>
+            </a:r>
+            <a:r>
+              <a:rPr lang="en-150" dirty="0"/>
+              <a:t>n</a:t>
+            </a:r>
+            <a:r>
+              <a:rPr lang="en-GB" dirty="0"/>
+              <a:t>c</a:t>
+            </a:r>
+            <a:r>
+              <a:rPr lang="en-150" dirty="0"/>
+              <a:t>e </a:t>
+            </a:r>
+            <a:r>
+              <a:rPr lang="en-GB" dirty="0"/>
+              <a:t>c</a:t>
+            </a:r>
+            <a:r>
+              <a:rPr lang="en-150" dirty="0"/>
+              <a:t>o</a:t>
+            </a:r>
+            <a:r>
+              <a:rPr lang="en-GB" dirty="0"/>
+              <a:t>n</a:t>
+            </a:r>
+            <a:r>
+              <a:rPr lang="en-150" dirty="0"/>
+              <a:t>s</a:t>
+            </a:r>
+            <a:r>
+              <a:rPr lang="en-GB" dirty="0"/>
+              <a:t>t</a:t>
+            </a:r>
+            <a:r>
+              <a:rPr lang="en-150" dirty="0"/>
+              <a:t>r</a:t>
+            </a:r>
+            <a:r>
+              <a:rPr lang="en-GB" dirty="0"/>
+              <a:t>a</a:t>
+            </a:r>
+            <a:r>
+              <a:rPr lang="en-150" dirty="0"/>
+              <a:t>i</a:t>
+            </a:r>
+            <a:r>
+              <a:rPr lang="en-GB" dirty="0"/>
+              <a:t>n</a:t>
+            </a:r>
+            <a:r>
+              <a:rPr lang="en-150" dirty="0"/>
+              <a:t>t</a:t>
+            </a:r>
+            <a:r>
+              <a:rPr lang="en-GB" dirty="0"/>
+              <a:t>s</a:t>
+            </a:r>
+            <a:r>
+              <a:rPr lang="en-150" dirty="0"/>
+              <a:t> </a:t>
+            </a:r>
+            <a:r>
+              <a:rPr lang="en-GB" dirty="0"/>
+              <a:t>m</a:t>
+            </a:r>
+            <a:r>
+              <a:rPr lang="en-150" dirty="0"/>
+              <a:t>o</a:t>
+            </a:r>
+            <a:r>
+              <a:rPr lang="en-GB" dirty="0"/>
+              <a:t>d</a:t>
+            </a:r>
+            <a:r>
+              <a:rPr lang="en-150" dirty="0"/>
+              <a:t>e</a:t>
+            </a:r>
+            <a:r>
+              <a:rPr lang="en-GB" dirty="0"/>
+              <a:t>l</a:t>
+            </a:r>
+            <a:r>
+              <a:rPr lang="en-150" dirty="0"/>
+              <a:t>l</a:t>
+            </a:r>
+            <a:r>
+              <a:rPr lang="en-GB" dirty="0"/>
+              <a:t>e</a:t>
+            </a:r>
+            <a:r>
+              <a:rPr lang="en-150" dirty="0"/>
+              <a:t>d </a:t>
+            </a:r>
+            <a:r>
+              <a:rPr lang="en-GB" dirty="0"/>
+              <a:t>a</a:t>
+            </a:r>
+            <a:r>
+              <a:rPr lang="en-150" dirty="0"/>
+              <a:t>s </a:t>
+            </a:r>
+            <a:r>
+              <a:rPr lang="en-GB" dirty="0"/>
+              <a:t>a</a:t>
+            </a:r>
+            <a:r>
+              <a:rPr lang="en-150" dirty="0"/>
+              <a:t> </a:t>
+            </a:r>
+            <a:r>
+              <a:rPr lang="en-GB" dirty="0"/>
+              <a:t>s</a:t>
+            </a:r>
+            <a:r>
+              <a:rPr lang="en-150" dirty="0"/>
+              <a:t>u</a:t>
+            </a:r>
+            <a:r>
+              <a:rPr lang="en-GB" dirty="0"/>
+              <a:t>c</a:t>
+            </a:r>
+            <a:r>
+              <a:rPr lang="en-150" dirty="0"/>
+              <a:t>c</a:t>
+            </a:r>
+            <a:r>
+              <a:rPr lang="en-GB" dirty="0"/>
+              <a:t>e</a:t>
+            </a:r>
+            <a:r>
+              <a:rPr lang="en-150" dirty="0"/>
+              <a:t>s</a:t>
+            </a:r>
+            <a:r>
+              <a:rPr lang="en-GB" dirty="0"/>
+              <a:t>s</a:t>
+            </a:r>
+            <a:r>
+              <a:rPr lang="en-150" dirty="0"/>
+              <a:t>i</a:t>
+            </a:r>
+            <a:r>
+              <a:rPr lang="en-GB" dirty="0"/>
+              <a:t>o</a:t>
+            </a:r>
+            <a:r>
+              <a:rPr lang="en-150" dirty="0"/>
+              <a:t>n </a:t>
+            </a:r>
+            <a:r>
+              <a:rPr lang="en-GB" dirty="0"/>
+              <a:t>o</a:t>
+            </a:r>
+            <a:r>
+              <a:rPr lang="en-150" dirty="0"/>
+              <a:t>f </a:t>
+            </a:r>
+            <a:r>
+              <a:rPr lang="en-GB" dirty="0"/>
+              <a:t>b</a:t>
+            </a:r>
+            <a:r>
+              <a:rPr lang="en-150" dirty="0"/>
+              <a:t>u</a:t>
+            </a:r>
+            <a:r>
+              <a:rPr lang="en-GB" dirty="0"/>
+              <a:t>n</a:t>
+            </a:r>
+            <a:r>
+              <a:rPr lang="en-150" dirty="0"/>
+              <a:t>d</a:t>
+            </a:r>
+            <a:r>
+              <a:rPr lang="en-GB" dirty="0"/>
+              <a:t>l</a:t>
+            </a:r>
+            <a:r>
+              <a:rPr lang="en-150" dirty="0"/>
+              <a:t>e</a:t>
+            </a:r>
+            <a:r>
+              <a:rPr lang="en-GB" dirty="0"/>
+              <a:t>s</a:t>
+            </a:r>
+            <a:endParaRPr lang="en-150" dirty="0"/>
+          </a:p>
+          <a:p>
+            <a:pPr lvl="2"/>
+            <a:r>
+              <a:rPr lang="en-150" dirty="0"/>
+              <a:t>Our limited-preemptive definition comes from here</a:t>
+            </a:r>
+          </a:p>
+        </p:txBody>
+      </p:sp>
+      <p:sp>
+        <p:nvSpPr>
+          <p:cNvPr id="4" name="Slide Number Placeholder 3">
+            <a:extLst>
+              <a:ext uri="{FF2B5EF4-FFF2-40B4-BE49-F238E27FC236}">
+                <a16:creationId xmlns:a16="http://schemas.microsoft.com/office/drawing/2014/main" id="{FF40137C-F653-40C2-B18A-E7333D5550ED}"/>
+              </a:ext>
+            </a:extLst>
+          </p:cNvPr>
+          <p:cNvSpPr>
+            <a:spLocks noGrp="1"/>
+          </p:cNvSpPr>
+          <p:nvPr>
+            <p:ph type="sldNum" sz="quarter" idx="12"/>
+          </p:nvPr>
+        </p:nvSpPr>
+        <p:spPr/>
+        <p:txBody>
+          <a:bodyPr/>
+          <a:lstStyle/>
+          <a:p>
+            <a:fld id="{6565F0C3-D9E9-4961-A3A4-87F2116D4289}" type="slidenum">
+              <a:rPr lang="en-GB" smtClean="0"/>
+              <a:t>8</a:t>
+            </a:fld>
+            <a:endParaRPr lang="en-GB" dirty="0"/>
+          </a:p>
+        </p:txBody>
+      </p:sp>
+      <p:sp>
+        <p:nvSpPr>
+          <p:cNvPr id="5" name="TextBox 4">
+            <a:extLst>
+              <a:ext uri="{FF2B5EF4-FFF2-40B4-BE49-F238E27FC236}">
+                <a16:creationId xmlns:a16="http://schemas.microsoft.com/office/drawing/2014/main" id="{374BDFA7-9760-4F17-BA63-549C8364FEE0}"/>
+              </a:ext>
+            </a:extLst>
+          </p:cNvPr>
+          <p:cNvSpPr txBox="1"/>
+          <p:nvPr/>
+        </p:nvSpPr>
+        <p:spPr>
+          <a:xfrm>
+            <a:off x="1965435" y="6230227"/>
+            <a:ext cx="1860331" cy="338554"/>
+          </a:xfrm>
+          <a:prstGeom prst="rect">
+            <a:avLst/>
+          </a:prstGeom>
+          <a:noFill/>
+        </p:spPr>
+        <p:txBody>
+          <a:bodyPr wrap="square" rtlCol="0">
+            <a:spAutoFit/>
+          </a:bodyPr>
+          <a:lstStyle/>
+          <a:p>
+            <a:r>
+              <a:rPr lang="en-150" sz="1600" baseline="30000" dirty="0">
+                <a:solidFill>
+                  <a:srgbClr val="FFFFFF"/>
+                </a:solidFill>
+                <a:latin typeface="+mj-lt"/>
+                <a:ea typeface="Noto Sans CJK SC" pitchFamily="2"/>
+                <a:cs typeface="Arial" panose="020B0604020202020204" pitchFamily="34" charset="0"/>
+              </a:rPr>
+              <a:t>[1]</a:t>
+            </a:r>
+            <a:r>
+              <a:rPr lang="en-GB" sz="1600" dirty="0">
+                <a:solidFill>
+                  <a:srgbClr val="FFFFFF"/>
+                </a:solidFill>
+                <a:latin typeface="+mj-lt"/>
+                <a:ea typeface="Noto Sans CJK SC" pitchFamily="2"/>
+                <a:cs typeface="Arial" panose="020B0604020202020204" pitchFamily="34" charset="0"/>
+              </a:rPr>
+              <a:t>Ousterhout, 1982</a:t>
+            </a:r>
+            <a:endParaRPr lang="en-GB" sz="1600" dirty="0">
+              <a:latin typeface="+mj-lt"/>
+              <a:cs typeface="Arial" panose="020B0604020202020204" pitchFamily="34" charset="0"/>
+            </a:endParaRPr>
+          </a:p>
+        </p:txBody>
+      </p:sp>
+      <p:sp>
+        <p:nvSpPr>
+          <p:cNvPr id="6" name="Rectangle 5">
+            <a:extLst>
+              <a:ext uri="{FF2B5EF4-FFF2-40B4-BE49-F238E27FC236}">
+                <a16:creationId xmlns:a16="http://schemas.microsoft.com/office/drawing/2014/main" id="{177CB406-3919-47F1-9CDC-EA2140840398}"/>
+              </a:ext>
+            </a:extLst>
+          </p:cNvPr>
+          <p:cNvSpPr/>
+          <p:nvPr/>
+        </p:nvSpPr>
+        <p:spPr>
+          <a:xfrm>
+            <a:off x="1970201" y="6509688"/>
+            <a:ext cx="2233938" cy="338554"/>
+          </a:xfrm>
+          <a:prstGeom prst="rect">
+            <a:avLst/>
+          </a:prstGeom>
+          <a:noFill/>
+        </p:spPr>
+        <p:txBody>
+          <a:bodyPr wrap="square" rtlCol="0">
+            <a:spAutoFit/>
+          </a:bodyPr>
+          <a:lstStyle/>
+          <a:p>
+            <a:r>
+              <a:rPr lang="en-150" sz="1600" baseline="30000" dirty="0">
+                <a:solidFill>
+                  <a:srgbClr val="FFFFFF"/>
+                </a:solidFill>
+                <a:latin typeface="+mj-lt"/>
+                <a:cs typeface="Arial" panose="020B0604020202020204" pitchFamily="34" charset="0"/>
+              </a:rPr>
+              <a:t>[2]</a:t>
+            </a:r>
+            <a:r>
+              <a:rPr lang="en-GB" sz="1600" dirty="0">
+                <a:solidFill>
+                  <a:srgbClr val="FFFFFF"/>
+                </a:solidFill>
+                <a:latin typeface="+mj-lt"/>
+                <a:cs typeface="Arial" panose="020B0604020202020204" pitchFamily="34" charset="0"/>
+              </a:rPr>
+              <a:t>Goossens et al., 2010</a:t>
+            </a:r>
+          </a:p>
+        </p:txBody>
+      </p:sp>
+      <p:sp>
+        <p:nvSpPr>
+          <p:cNvPr id="7" name="TextBox 6">
+            <a:extLst>
+              <a:ext uri="{FF2B5EF4-FFF2-40B4-BE49-F238E27FC236}">
+                <a16:creationId xmlns:a16="http://schemas.microsoft.com/office/drawing/2014/main" id="{C90DA36A-725C-4698-8AB5-96B138DAB20A}"/>
+              </a:ext>
+            </a:extLst>
+          </p:cNvPr>
+          <p:cNvSpPr txBox="1"/>
+          <p:nvPr/>
+        </p:nvSpPr>
+        <p:spPr>
+          <a:xfrm>
+            <a:off x="4204139" y="6231435"/>
+            <a:ext cx="2233937" cy="338554"/>
+          </a:xfrm>
+          <a:prstGeom prst="rect">
+            <a:avLst/>
+          </a:prstGeom>
+          <a:noFill/>
+        </p:spPr>
+        <p:txBody>
+          <a:bodyPr wrap="square" rtlCol="0">
+            <a:spAutoFit/>
+          </a:bodyPr>
+          <a:lstStyle>
+            <a:defPPr>
+              <a:defRPr lang="en-US"/>
+            </a:defPPr>
+            <a:lvl1pPr>
+              <a:defRPr sz="1600" baseline="30000">
+                <a:solidFill>
+                  <a:srgbClr val="FFFFFF"/>
+                </a:solidFill>
+                <a:latin typeface="+mj-lt"/>
+                <a:cs typeface="Arial" panose="020B0604020202020204" pitchFamily="34" charset="0"/>
+              </a:defRPr>
+            </a:lvl1pPr>
+          </a:lstStyle>
+          <a:p>
+            <a:r>
+              <a:rPr lang="en-GB" dirty="0"/>
+              <a:t>[</a:t>
+            </a:r>
+            <a:r>
+              <a:rPr lang="en-150" dirty="0"/>
+              <a:t>3</a:t>
+            </a:r>
+            <a:r>
+              <a:rPr lang="en-GB" dirty="0"/>
+              <a:t>]</a:t>
+            </a:r>
+            <a:r>
+              <a:rPr lang="en-GB" baseline="0" dirty="0"/>
+              <a:t>Goossens et al., 2016</a:t>
+            </a:r>
+          </a:p>
+        </p:txBody>
+      </p:sp>
+      <p:sp>
+        <p:nvSpPr>
+          <p:cNvPr id="8" name="Rectangle 7">
+            <a:extLst>
+              <a:ext uri="{FF2B5EF4-FFF2-40B4-BE49-F238E27FC236}">
+                <a16:creationId xmlns:a16="http://schemas.microsoft.com/office/drawing/2014/main" id="{ABD7AEE6-C2FA-4ABD-9DE7-114CBD552E90}"/>
+              </a:ext>
+            </a:extLst>
+          </p:cNvPr>
+          <p:cNvSpPr/>
+          <p:nvPr/>
+        </p:nvSpPr>
+        <p:spPr>
+          <a:xfrm>
+            <a:off x="4204139" y="6505185"/>
+            <a:ext cx="2038129" cy="338554"/>
+          </a:xfrm>
+          <a:prstGeom prst="rect">
+            <a:avLst/>
+          </a:prstGeom>
+          <a:noFill/>
+        </p:spPr>
+        <p:txBody>
+          <a:bodyPr wrap="square" rtlCol="0">
+            <a:spAutoFit/>
+          </a:bodyPr>
+          <a:lstStyle/>
+          <a:p>
+            <a:r>
+              <a:rPr lang="en-GB" sz="1600" baseline="30000" dirty="0">
+                <a:solidFill>
+                  <a:srgbClr val="FFFFFF"/>
+                </a:solidFill>
+                <a:latin typeface="+mj-lt"/>
+                <a:cs typeface="Arial" panose="020B0604020202020204" pitchFamily="34" charset="0"/>
+              </a:rPr>
+              <a:t>[</a:t>
+            </a:r>
+            <a:r>
+              <a:rPr lang="en-150" sz="1600" baseline="30000" dirty="0">
+                <a:solidFill>
+                  <a:srgbClr val="FFFFFF"/>
+                </a:solidFill>
+                <a:latin typeface="+mj-lt"/>
+                <a:cs typeface="Arial" panose="020B0604020202020204" pitchFamily="34" charset="0"/>
+              </a:rPr>
+              <a:t>4</a:t>
+            </a:r>
+            <a:r>
+              <a:rPr lang="en-GB" sz="1600" baseline="30000" dirty="0">
+                <a:solidFill>
+                  <a:srgbClr val="FFFFFF"/>
+                </a:solidFill>
+                <a:latin typeface="+mj-lt"/>
+                <a:cs typeface="Arial" panose="020B0604020202020204" pitchFamily="34" charset="0"/>
+              </a:rPr>
+              <a:t>]</a:t>
+            </a:r>
+            <a:r>
+              <a:rPr lang="en-GB" sz="1600" dirty="0">
+                <a:solidFill>
+                  <a:srgbClr val="FFFFFF"/>
+                </a:solidFill>
+                <a:latin typeface="+mj-lt"/>
+                <a:cs typeface="Arial" panose="020B0604020202020204" pitchFamily="34" charset="0"/>
+              </a:rPr>
+              <a:t>Berten et al., 2011</a:t>
+            </a:r>
+          </a:p>
+        </p:txBody>
+      </p:sp>
+      <p:sp>
+        <p:nvSpPr>
+          <p:cNvPr id="9" name="Rectangle 8">
+            <a:extLst>
+              <a:ext uri="{FF2B5EF4-FFF2-40B4-BE49-F238E27FC236}">
+                <a16:creationId xmlns:a16="http://schemas.microsoft.com/office/drawing/2014/main" id="{BF952FAB-C182-4EE4-9293-695C1BDAB1CE}"/>
+              </a:ext>
+            </a:extLst>
+          </p:cNvPr>
+          <p:cNvSpPr/>
+          <p:nvPr/>
+        </p:nvSpPr>
+        <p:spPr>
+          <a:xfrm>
+            <a:off x="6438076" y="6230227"/>
+            <a:ext cx="1989573" cy="338554"/>
+          </a:xfrm>
+          <a:prstGeom prst="rect">
+            <a:avLst/>
+          </a:prstGeom>
+          <a:noFill/>
+        </p:spPr>
+        <p:txBody>
+          <a:bodyPr wrap="square" rtlCol="0">
+            <a:spAutoFit/>
+          </a:bodyPr>
+          <a:lstStyle/>
+          <a:p>
+            <a:r>
+              <a:rPr lang="en-GB" sz="1600" baseline="30000" dirty="0">
+                <a:solidFill>
+                  <a:srgbClr val="FFFFFF"/>
+                </a:solidFill>
+                <a:latin typeface="+mj-lt"/>
+                <a:cs typeface="Arial" panose="020B0604020202020204" pitchFamily="34" charset="0"/>
+              </a:rPr>
+              <a:t>[4]</a:t>
+            </a:r>
+            <a:r>
+              <a:rPr lang="en-GB" sz="1600" dirty="0">
+                <a:solidFill>
+                  <a:srgbClr val="FFFFFF"/>
+                </a:solidFill>
+                <a:latin typeface="+mj-lt"/>
+                <a:cs typeface="Arial" panose="020B0604020202020204" pitchFamily="34" charset="0"/>
+              </a:rPr>
+              <a:t>Wasly et al., 2017</a:t>
+            </a:r>
+          </a:p>
+        </p:txBody>
+      </p:sp>
+    </p:spTree>
+    <p:extLst>
+      <p:ext uri="{BB962C8B-B14F-4D97-AF65-F5344CB8AC3E}">
+        <p14:creationId xmlns:p14="http://schemas.microsoft.com/office/powerpoint/2010/main" val="1948147825"/>
+      </p:ext>
+    </p:extLst>
+  </p:cSld>
+  <p:clrMapOvr>
+    <a:masterClrMapping/>
+  </p:clrMapOvr>
+  <p:timing>
+    <p:tnLst>
+      <p:par>
+        <p:cTn id="1" dur="indefinite" restart="never" nodeType="tmRoot">
+          <p:childTnLst>
+            <p:seq concurrent="1" nextAc="seek">
+              <p:cTn id="2" dur="indefinite" nodeType="mainSeq">
+                <p:childTnLst>
+                  <p:par>
+                    <p:cTn id="3" fill="hold">
+                      <p:stCondLst>
+                        <p:cond delay="indefinite"/>
+                      </p:stCondLst>
+                      <p:childTnLst>
+                        <p:par>
+                          <p:cTn id="4" fill="hold">
+                            <p:stCondLst>
+                              <p:cond delay="0"/>
+                            </p:stCondLst>
+                            <p:childTnLst>
+                              <p:par>
+                                <p:cTn id="5" presetID="1" presetClass="entr" presetSubtype="0" fill="hold" grpId="0" nodeType="clickEffect">
+                                  <p:stCondLst>
+                                    <p:cond delay="0"/>
+                                  </p:stCondLst>
+                                  <p:childTnLst>
+                                    <p:set>
+                                      <p:cBhvr>
+                                        <p:cTn id="6" dur="1" fill="hold">
+                                          <p:stCondLst>
+                                            <p:cond delay="0"/>
+                                          </p:stCondLst>
+                                        </p:cTn>
+                                        <p:tgtEl>
+                                          <p:spTgt spid="3">
+                                            <p:txEl>
+                                              <p:pRg st="0" end="0"/>
+                                            </p:txEl>
+                                          </p:spTgt>
+                                        </p:tgtEl>
+                                        <p:attrNameLst>
+                                          <p:attrName>style.visibility</p:attrName>
+                                        </p:attrNameLst>
+                                      </p:cBhvr>
+                                      <p:to>
+                                        <p:strVal val="visible"/>
+                                      </p:to>
+                                    </p:set>
+                                  </p:childTnLst>
+                                </p:cTn>
+                              </p:par>
+                              <p:par>
+                                <p:cTn id="7" presetID="1" presetClass="entr" presetSubtype="0" fill="hold" grpId="0" nodeType="withEffect">
+                                  <p:stCondLst>
+                                    <p:cond delay="0"/>
+                                  </p:stCondLst>
+                                  <p:childTnLst>
+                                    <p:set>
+                                      <p:cBhvr>
+                                        <p:cTn id="8" dur="1" fill="hold">
+                                          <p:stCondLst>
+                                            <p:cond delay="0"/>
+                                          </p:stCondLst>
+                                        </p:cTn>
+                                        <p:tgtEl>
+                                          <p:spTgt spid="5"/>
+                                        </p:tgtEl>
+                                        <p:attrNameLst>
+                                          <p:attrName>style.visibility</p:attrName>
+                                        </p:attrNameLst>
+                                      </p:cBhvr>
+                                      <p:to>
+                                        <p:strVal val="visible"/>
+                                      </p:to>
+                                    </p:set>
+                                  </p:childTnLst>
+                                </p:cTn>
+                              </p:par>
+                            </p:childTnLst>
+                          </p:cTn>
+                        </p:par>
+                      </p:childTnLst>
+                    </p:cTn>
+                  </p:par>
+                  <p:par>
+                    <p:cTn id="9" fill="hold">
+                      <p:stCondLst>
+                        <p:cond delay="indefinite"/>
+                      </p:stCondLst>
+                      <p:childTnLst>
+                        <p:par>
+                          <p:cTn id="10" fill="hold">
+                            <p:stCondLst>
+                              <p:cond delay="0"/>
+                            </p:stCondLst>
+                            <p:childTnLst>
+                              <p:par>
+                                <p:cTn id="11" presetID="1" presetClass="entr" presetSubtype="0" fill="hold" grpId="0" nodeType="clickEffect">
+                                  <p:stCondLst>
+                                    <p:cond delay="0"/>
+                                  </p:stCondLst>
+                                  <p:childTnLst>
+                                    <p:set>
+                                      <p:cBhvr>
+                                        <p:cTn id="12" dur="1" fill="hold">
+                                          <p:stCondLst>
+                                            <p:cond delay="0"/>
+                                          </p:stCondLst>
+                                        </p:cTn>
+                                        <p:tgtEl>
+                                          <p:spTgt spid="3">
+                                            <p:txEl>
+                                              <p:pRg st="1" end="1"/>
+                                            </p:txEl>
+                                          </p:spTgt>
+                                        </p:tgtEl>
+                                        <p:attrNameLst>
+                                          <p:attrName>style.visibility</p:attrName>
+                                        </p:attrNameLst>
+                                      </p:cBhvr>
+                                      <p:to>
+                                        <p:strVal val="visible"/>
+                                      </p:to>
+                                    </p:set>
+                                  </p:childTnLst>
+                                </p:cTn>
+                              </p:par>
+                            </p:childTnLst>
+                          </p:cTn>
+                        </p:par>
+                      </p:childTnLst>
+                    </p:cTn>
+                  </p:par>
+                  <p:par>
+                    <p:cTn id="13" fill="hold">
+                      <p:stCondLst>
+                        <p:cond delay="indefinite"/>
+                      </p:stCondLst>
+                      <p:childTnLst>
+                        <p:par>
+                          <p:cTn id="14" fill="hold">
+                            <p:stCondLst>
+                              <p:cond delay="0"/>
+                            </p:stCondLst>
+                            <p:childTnLst>
+                              <p:par>
+                                <p:cTn id="15" presetID="1" presetClass="entr" presetSubtype="0" fill="hold" grpId="0" nodeType="clickEffect">
+                                  <p:stCondLst>
+                                    <p:cond delay="0"/>
+                                  </p:stCondLst>
+                                  <p:childTnLst>
+                                    <p:set>
+                                      <p:cBhvr>
+                                        <p:cTn id="16" dur="1" fill="hold">
+                                          <p:stCondLst>
+                                            <p:cond delay="0"/>
+                                          </p:stCondLst>
+                                        </p:cTn>
+                                        <p:tgtEl>
+                                          <p:spTgt spid="3">
+                                            <p:txEl>
+                                              <p:pRg st="2" end="2"/>
+                                            </p:txEl>
+                                          </p:spTgt>
+                                        </p:tgtEl>
+                                        <p:attrNameLst>
+                                          <p:attrName>style.visibility</p:attrName>
+                                        </p:attrNameLst>
+                                      </p:cBhvr>
+                                      <p:to>
+                                        <p:strVal val="visible"/>
+                                      </p:to>
+                                    </p:set>
+                                  </p:childTnLst>
+                                </p:cTn>
+                              </p:par>
+                              <p:par>
+                                <p:cTn id="17" presetID="1" presetClass="entr" presetSubtype="0" fill="hold" grpId="0" nodeType="withEffect">
+                                  <p:stCondLst>
+                                    <p:cond delay="0"/>
+                                  </p:stCondLst>
+                                  <p:childTnLst>
+                                    <p:set>
+                                      <p:cBhvr>
+                                        <p:cTn id="18" dur="1" fill="hold">
+                                          <p:stCondLst>
+                                            <p:cond delay="0"/>
+                                          </p:stCondLst>
+                                        </p:cTn>
+                                        <p:tgtEl>
+                                          <p:spTgt spid="6"/>
+                                        </p:tgtEl>
+                                        <p:attrNameLst>
+                                          <p:attrName>style.visibility</p:attrName>
+                                        </p:attrNameLst>
+                                      </p:cBhvr>
+                                      <p:to>
+                                        <p:strVal val="visible"/>
+                                      </p:to>
+                                    </p:set>
+                                  </p:childTnLst>
+                                </p:cTn>
+                              </p:par>
+                            </p:childTnLst>
+                          </p:cTn>
+                        </p:par>
+                      </p:childTnLst>
+                    </p:cTn>
+                  </p:par>
+                  <p:par>
+                    <p:cTn id="19" fill="hold">
+                      <p:stCondLst>
+                        <p:cond delay="indefinite"/>
+                      </p:stCondLst>
+                      <p:childTnLst>
+                        <p:par>
+                          <p:cTn id="20" fill="hold">
+                            <p:stCondLst>
+                              <p:cond delay="0"/>
+                            </p:stCondLst>
+                            <p:childTnLst>
+                              <p:par>
+                                <p:cTn id="21" presetID="1" presetClass="entr" presetSubtype="0" fill="hold" grpId="0" nodeType="clickEffect">
+                                  <p:stCondLst>
+                                    <p:cond delay="0"/>
+                                  </p:stCondLst>
+                                  <p:childTnLst>
+                                    <p:set>
+                                      <p:cBhvr>
+                                        <p:cTn id="22" dur="1" fill="hold">
+                                          <p:stCondLst>
+                                            <p:cond delay="0"/>
+                                          </p:stCondLst>
+                                        </p:cTn>
+                                        <p:tgtEl>
+                                          <p:spTgt spid="3">
+                                            <p:txEl>
+                                              <p:pRg st="3" end="3"/>
+                                            </p:txEl>
+                                          </p:spTgt>
+                                        </p:tgtEl>
+                                        <p:attrNameLst>
+                                          <p:attrName>style.visibility</p:attrName>
+                                        </p:attrNameLst>
+                                      </p:cBhvr>
+                                      <p:to>
+                                        <p:strVal val="visible"/>
+                                      </p:to>
+                                    </p:set>
+                                  </p:childTnLst>
+                                </p:cTn>
+                              </p:par>
+                              <p:par>
+                                <p:cTn id="23" presetID="1" presetClass="entr" presetSubtype="0" fill="hold" grpId="0" nodeType="withEffect">
+                                  <p:stCondLst>
+                                    <p:cond delay="0"/>
+                                  </p:stCondLst>
+                                  <p:childTnLst>
+                                    <p:set>
+                                      <p:cBhvr>
+                                        <p:cTn id="24" dur="1" fill="hold">
+                                          <p:stCondLst>
+                                            <p:cond delay="0"/>
+                                          </p:stCondLst>
+                                        </p:cTn>
+                                        <p:tgtEl>
+                                          <p:spTgt spid="3">
+                                            <p:txEl>
+                                              <p:pRg st="4" end="4"/>
+                                            </p:txEl>
+                                          </p:spTgt>
+                                        </p:tgtEl>
+                                        <p:attrNameLst>
+                                          <p:attrName>style.visibility</p:attrName>
+                                        </p:attrNameLst>
+                                      </p:cBhvr>
+                                      <p:to>
+                                        <p:strVal val="visible"/>
+                                      </p:to>
+                                    </p:set>
+                                  </p:childTnLst>
+                                </p:cTn>
+                              </p:par>
+                              <p:par>
+                                <p:cTn id="25" presetID="1" presetClass="entr" presetSubtype="0" fill="hold" grpId="0" nodeType="withEffect">
+                                  <p:stCondLst>
+                                    <p:cond delay="0"/>
+                                  </p:stCondLst>
+                                  <p:childTnLst>
+                                    <p:set>
+                                      <p:cBhvr>
+                                        <p:cTn id="26" dur="1" fill="hold">
+                                          <p:stCondLst>
+                                            <p:cond delay="0"/>
+                                          </p:stCondLst>
+                                        </p:cTn>
+                                        <p:tgtEl>
+                                          <p:spTgt spid="3">
+                                            <p:txEl>
+                                              <p:pRg st="5" end="5"/>
+                                            </p:txEl>
+                                          </p:spTgt>
+                                        </p:tgtEl>
+                                        <p:attrNameLst>
+                                          <p:attrName>style.visibility</p:attrName>
+                                        </p:attrNameLst>
+                                      </p:cBhvr>
+                                      <p:to>
+                                        <p:strVal val="visible"/>
+                                      </p:to>
+                                    </p:set>
+                                  </p:childTnLst>
+                                </p:cTn>
+                              </p:par>
+                              <p:par>
+                                <p:cTn id="27" presetID="1" presetClass="entr" presetSubtype="0" fill="hold" grpId="0" nodeType="withEffect">
+                                  <p:stCondLst>
+                                    <p:cond delay="0"/>
+                                  </p:stCondLst>
+                                  <p:childTnLst>
+                                    <p:set>
+                                      <p:cBhvr>
+                                        <p:cTn id="28" dur="1" fill="hold">
+                                          <p:stCondLst>
+                                            <p:cond delay="0"/>
+                                          </p:stCondLst>
+                                        </p:cTn>
+                                        <p:tgtEl>
+                                          <p:spTgt spid="7"/>
+                                        </p:tgtEl>
+                                        <p:attrNameLst>
+                                          <p:attrName>style.visibility</p:attrName>
+                                        </p:attrNameLst>
+                                      </p:cBhvr>
+                                      <p:to>
+                                        <p:strVal val="visible"/>
+                                      </p:to>
+                                    </p:set>
+                                  </p:childTnLst>
+                                </p:cTn>
+                              </p:par>
+                              <p:par>
+                                <p:cTn id="29" presetID="1" presetClass="entr" presetSubtype="0" fill="hold" grpId="0" nodeType="withEffect">
+                                  <p:stCondLst>
+                                    <p:cond delay="0"/>
+                                  </p:stCondLst>
+                                  <p:childTnLst>
+                                    <p:set>
+                                      <p:cBhvr>
+                                        <p:cTn id="30" dur="1" fill="hold">
+                                          <p:stCondLst>
+                                            <p:cond delay="0"/>
+                                          </p:stCondLst>
+                                        </p:cTn>
+                                        <p:tgtEl>
+                                          <p:spTgt spid="8"/>
+                                        </p:tgtEl>
+                                        <p:attrNameLst>
+                                          <p:attrName>style.visibility</p:attrName>
+                                        </p:attrNameLst>
+                                      </p:cBhvr>
+                                      <p:to>
+                                        <p:strVal val="visible"/>
+                                      </p:to>
+                                    </p:set>
+                                  </p:childTnLst>
+                                </p:cTn>
+                              </p:par>
+                            </p:childTnLst>
+                          </p:cTn>
+                        </p:par>
+                      </p:childTnLst>
+                    </p:cTn>
+                  </p:par>
+                  <p:par>
+                    <p:cTn id="31" fill="hold">
+                      <p:stCondLst>
+                        <p:cond delay="indefinite"/>
+                      </p:stCondLst>
+                      <p:childTnLst>
+                        <p:par>
+                          <p:cTn id="32" fill="hold">
+                            <p:stCondLst>
+                              <p:cond delay="0"/>
+                            </p:stCondLst>
+                            <p:childTnLst>
+                              <p:par>
+                                <p:cTn id="33" presetID="1" presetClass="entr" presetSubtype="0" fill="hold" grpId="0" nodeType="clickEffect">
+                                  <p:stCondLst>
+                                    <p:cond delay="0"/>
+                                  </p:stCondLst>
+                                  <p:childTnLst>
+                                    <p:set>
+                                      <p:cBhvr>
+                                        <p:cTn id="34" dur="1" fill="hold">
+                                          <p:stCondLst>
+                                            <p:cond delay="0"/>
+                                          </p:stCondLst>
+                                        </p:cTn>
+                                        <p:tgtEl>
+                                          <p:spTgt spid="3">
+                                            <p:txEl>
+                                              <p:pRg st="6" end="6"/>
+                                            </p:txEl>
+                                          </p:spTgt>
+                                        </p:tgtEl>
+                                        <p:attrNameLst>
+                                          <p:attrName>style.visibility</p:attrName>
+                                        </p:attrNameLst>
+                                      </p:cBhvr>
+                                      <p:to>
+                                        <p:strVal val="visible"/>
+                                      </p:to>
+                                    </p:set>
+                                  </p:childTnLst>
+                                </p:cTn>
+                              </p:par>
+                              <p:par>
+                                <p:cTn id="35" presetID="1" presetClass="entr" presetSubtype="0" fill="hold" grpId="0" nodeType="withEffect">
+                                  <p:stCondLst>
+                                    <p:cond delay="0"/>
+                                  </p:stCondLst>
+                                  <p:childTnLst>
+                                    <p:set>
+                                      <p:cBhvr>
+                                        <p:cTn id="36" dur="1" fill="hold">
+                                          <p:stCondLst>
+                                            <p:cond delay="0"/>
+                                          </p:stCondLst>
+                                        </p:cTn>
+                                        <p:tgtEl>
+                                          <p:spTgt spid="3">
+                                            <p:txEl>
+                                              <p:pRg st="7" end="7"/>
+                                            </p:txEl>
+                                          </p:spTgt>
+                                        </p:tgtEl>
+                                        <p:attrNameLst>
+                                          <p:attrName>style.visibility</p:attrName>
+                                        </p:attrNameLst>
+                                      </p:cBhvr>
+                                      <p:to>
+                                        <p:strVal val="visible"/>
+                                      </p:to>
+                                    </p:set>
+                                  </p:childTnLst>
+                                </p:cTn>
+                              </p:par>
+                              <p:par>
+                                <p:cTn id="37" presetID="1" presetClass="entr" presetSubtype="0" fill="hold" grpId="0" nodeType="withEffect">
+                                  <p:stCondLst>
+                                    <p:cond delay="0"/>
+                                  </p:stCondLst>
+                                  <p:childTnLst>
+                                    <p:set>
+                                      <p:cBhvr>
+                                        <p:cTn id="38" dur="1" fill="hold">
+                                          <p:stCondLst>
+                                            <p:cond delay="0"/>
+                                          </p:stCondLst>
+                                        </p:cTn>
+                                        <p:tgtEl>
+                                          <p:spTgt spid="9"/>
+                                        </p:tgtEl>
+                                        <p:attrNameLst>
+                                          <p:attrName>style.visibility</p:attrName>
+                                        </p:attrNameLst>
+                                      </p:cBhvr>
+                                      <p:to>
+                                        <p:strVal val="visible"/>
+                                      </p:to>
+                                    </p:set>
+                                  </p:childTnLst>
+                                </p:cTn>
+                              </p:par>
+                              <p:par>
+                                <p:cTn id="39" presetID="1" presetClass="entr" presetSubtype="0" fill="hold" grpId="0" nodeType="withEffect">
+                                  <p:stCondLst>
+                                    <p:cond delay="0"/>
+                                  </p:stCondLst>
+                                  <p:childTnLst>
+                                    <p:set>
+                                      <p:cBhvr>
+                                        <p:cTn id="40" dur="1" fill="hold">
+                                          <p:stCondLst>
+                                            <p:cond delay="0"/>
+                                          </p:stCondLst>
+                                        </p:cTn>
+                                        <p:tgtEl>
+                                          <p:spTgt spid="3">
+                                            <p:txEl>
+                                              <p:pRg st="8" end="8"/>
+                                            </p:txEl>
+                                          </p:spTgt>
+                                        </p:tgtEl>
+                                        <p:attrNameLst>
+                                          <p:attrName>style.visibility</p:attrName>
+                                        </p:attrNameLst>
+                                      </p:cBhvr>
+                                      <p:to>
+                                        <p:strVal val="visible"/>
+                                      </p:to>
+                                    </p:set>
+                                  </p:childTnLst>
+                                </p:cTn>
+                              </p:par>
+                            </p:childTnLst>
+                          </p:cTn>
+                        </p:par>
+                      </p:childTnLst>
+                    </p:cTn>
+                  </p:par>
+                </p:childTnLst>
+              </p:cTn>
+              <p:prevCondLst>
+                <p:cond evt="onPrev" delay="0">
+                  <p:tgtEl>
+                    <p:sldTgt/>
+                  </p:tgtEl>
+                </p:cond>
+              </p:prevCondLst>
+              <p:nextCondLst>
+                <p:cond evt="onNext" delay="0">
+                  <p:tgtEl>
+                    <p:sldTgt/>
+                  </p:tgtEl>
+                </p:cond>
+              </p:nextCondLst>
+            </p:seq>
+          </p:childTnLst>
+        </p:cTn>
+      </p:par>
+    </p:tnLst>
+    <p:bldLst>
+      <p:bldP spid="3" grpId="0" uiExpand="1" build="p"/>
+      <p:bldP spid="5" grpId="0"/>
+      <p:bldP spid="6" grpId="0"/>
+      <p:bldP spid="7" grpId="0"/>
+      <p:bldP spid="8" grpId="0"/>
+      <p:bldP spid="9" grpId="0"/>
+    </p:bldLst>
+  </p:timing>
+</p:sld>
+</file>
+
+<file path=ppt/slides/slide9.xml><?xml version="1.0" encoding="utf-8"?>
+<p:sld xmlns:a="http://schemas.openxmlformats.org/drawingml/2006/main" xmlns:r="http://schemas.openxmlformats.org/officeDocument/2006/relationships" xmlns:p="http://schemas.openxmlformats.org/presentationml/2006/main">
+  <p:cSld>
+    <p:spTree>
+      <p:nvGrpSpPr>
+        <p:cNvPr id="1" name=""/>
+        <p:cNvGrpSpPr/>
+        <p:nvPr/>
+      </p:nvGrpSpPr>
+      <p:grpSpPr>
+        <a:xfrm>
+          <a:off x="0" y="0"/>
+          <a:ext cx="0" cy="0"/>
+          <a:chOff x="0" y="0"/>
+          <a:chExt cx="0" cy="0"/>
+        </a:xfrm>
+      </p:grpSpPr>
+      <p:sp>
+        <p:nvSpPr>
+          <p:cNvPr id="2" name="Title 1">
+            <a:extLst>
+              <a:ext uri="{FF2B5EF4-FFF2-40B4-BE49-F238E27FC236}">
+                <a16:creationId xmlns:a16="http://schemas.microsoft.com/office/drawing/2014/main" id="{0EE24D4B-C6E4-46E8-800B-B31B15B9C01D}"/>
+              </a:ext>
+            </a:extLst>
+          </p:cNvPr>
+          <p:cNvSpPr>
+            <a:spLocks noGrp="1"/>
+          </p:cNvSpPr>
+          <p:nvPr>
+            <p:ph type="title"/>
+          </p:nvPr>
+        </p:nvSpPr>
+        <p:spPr/>
+        <p:txBody>
+          <a:bodyPr/>
+          <a:lstStyle/>
+          <a:p>
+            <a:r>
+              <a:rPr lang="en-150" dirty="0"/>
+              <a:t>Summarizing</a:t>
+            </a:r>
+            <a:endParaRPr lang="en-GB" dirty="0"/>
+          </a:p>
+        </p:txBody>
+      </p:sp>
+      <p:sp>
+        <p:nvSpPr>
+          <p:cNvPr id="4" name="Slide Number Placeholder 3">
+            <a:extLst>
+              <a:ext uri="{FF2B5EF4-FFF2-40B4-BE49-F238E27FC236}">
+                <a16:creationId xmlns:a16="http://schemas.microsoft.com/office/drawing/2014/main" id="{52B3402A-A4A9-4664-BAE6-9AF34DA43696}"/>
+              </a:ext>
+            </a:extLst>
+          </p:cNvPr>
+          <p:cNvSpPr>
+            <a:spLocks noGrp="1"/>
+          </p:cNvSpPr>
+          <p:nvPr>
+            <p:ph type="sldNum" sz="quarter" idx="12"/>
+          </p:nvPr>
+        </p:nvSpPr>
+        <p:spPr/>
+        <p:txBody>
+          <a:bodyPr/>
+          <a:lstStyle/>
+          <a:p>
+            <a:fld id="{6565F0C3-D9E9-4961-A3A4-87F2116D4289}" type="slidenum">
+              <a:rPr lang="en-GB" smtClean="0"/>
+              <a:t>9</a:t>
+            </a:fld>
+            <a:endParaRPr lang="en-GB" dirty="0"/>
+          </a:p>
+        </p:txBody>
+      </p:sp>
+      <p:pic>
+        <p:nvPicPr>
+          <p:cNvPr id="6" name="Picture 5" descr="A screenshot of a cell phone&#10;&#10;Description automatically generated">
+            <a:extLst>
+              <a:ext uri="{FF2B5EF4-FFF2-40B4-BE49-F238E27FC236}">
+                <a16:creationId xmlns:a16="http://schemas.microsoft.com/office/drawing/2014/main" id="{550A419C-D1B9-49FD-B4F6-0F3B2131475B}"/>
+              </a:ext>
+            </a:extLst>
+          </p:cNvPr>
+          <p:cNvPicPr>
+            <a:picLocks noChangeAspect="1"/>
+          </p:cNvPicPr>
+          <p:nvPr/>
+        </p:nvPicPr>
+        <p:blipFill>
+          <a:blip r:embed="rId2">
+            <a:extLst>
+              <a:ext uri="{28A0092B-C50C-407E-A947-70E740481C1C}">
+                <a14:useLocalDpi xmlns:a14="http://schemas.microsoft.com/office/drawing/2010/main" val="0"/>
+              </a:ext>
+            </a:extLst>
+          </a:blip>
+          <a:stretch>
+            <a:fillRect/>
+          </a:stretch>
+        </p:blipFill>
+        <p:spPr>
+          <a:xfrm>
+            <a:off x="491842" y="1597572"/>
+            <a:ext cx="11208316" cy="4167350"/>
+          </a:xfrm>
+          <a:prstGeom prst="rect">
+            <a:avLst/>
+          </a:prstGeom>
+        </p:spPr>
+      </p:pic>
+    </p:spTree>
+    <p:extLst>
+      <p:ext uri="{BB962C8B-B14F-4D97-AF65-F5344CB8AC3E}">
+        <p14:creationId xmlns:p14="http://schemas.microsoft.com/office/powerpoint/2010/main" val="3352319689"/>
+      </p:ext>
+    </p:extLst>
+  </p:cSld>
+  <p:clrMapOvr>
+    <a:masterClrMapping/>
+  </p:clrMapOvr>
 </p:sld>
 </file>
 

--- a/Notes/TFM_presentations/2020_02_24_v2/2020_02_24_v2.pptx
+++ b/Notes/TFM_presentations/2020_02_24_v2/2020_02_24_v2.pptx
@@ -5,7 +5,7 @@
     <p:sldMasterId id="2147483648" r:id="rId1"/>
   </p:sldMasterIdLst>
   <p:notesMasterIdLst>
-    <p:notesMasterId r:id="rId12"/>
+    <p:notesMasterId r:id="rId22"/>
   </p:notesMasterIdLst>
   <p:sldIdLst>
     <p:sldId id="256" r:id="rId2"/>
@@ -18,6 +18,16 @@
     <p:sldId id="263" r:id="rId9"/>
     <p:sldId id="264" r:id="rId10"/>
     <p:sldId id="265" r:id="rId11"/>
+    <p:sldId id="266" r:id="rId12"/>
+    <p:sldId id="267" r:id="rId13"/>
+    <p:sldId id="268" r:id="rId14"/>
+    <p:sldId id="270" r:id="rId15"/>
+    <p:sldId id="269" r:id="rId16"/>
+    <p:sldId id="271" r:id="rId17"/>
+    <p:sldId id="274" r:id="rId18"/>
+    <p:sldId id="272" r:id="rId19"/>
+    <p:sldId id="275" r:id="rId20"/>
+    <p:sldId id="276" r:id="rId21"/>
   </p:sldIdLst>
   <p:sldSz cx="12192000" cy="6858000"/>
   <p:notesSz cx="6858000" cy="9144000"/>
@@ -5176,10 +5186,1624 @@
       </p:sp>
       <p:pic>
         <p:nvPicPr>
-          <p:cNvPr id="6" name="Picture 5" descr="A screenshot of a cell phone&#10;&#10;Description automatically generated">
+          <p:cNvPr id="6" name="Picture 5">
             <a:extLst>
               <a:ext uri="{FF2B5EF4-FFF2-40B4-BE49-F238E27FC236}">
                 <a16:creationId xmlns:a16="http://schemas.microsoft.com/office/drawing/2014/main" id="{D9EDF3EB-DBDB-4A69-B86A-776206493D5B}"/>
+              </a:ext>
+            </a:extLst>
+          </p:cNvPr>
+          <p:cNvPicPr>
+            <a:picLocks noChangeAspect="1"/>
+          </p:cNvPicPr>
+          <p:nvPr/>
+        </p:nvPicPr>
+        <p:blipFill>
+          <a:blip r:embed="rId2">
+            <a:extLst>
+              <a:ext uri="{28A0092B-C50C-407E-A947-70E740481C1C}">
+                <a14:useLocalDpi xmlns:a14="http://schemas.microsoft.com/office/drawing/2010/main" val="0"/>
+              </a:ext>
+            </a:extLst>
+          </a:blip>
+          <a:srcRect/>
+          <a:stretch/>
+        </p:blipFill>
+        <p:spPr>
+          <a:xfrm>
+            <a:off x="2576469" y="3134713"/>
+            <a:ext cx="7039062" cy="2543962"/>
+          </a:xfrm>
+          <a:prstGeom prst="rect">
+            <a:avLst/>
+          </a:prstGeom>
+        </p:spPr>
+      </p:pic>
+      <p:pic>
+        <p:nvPicPr>
+          <p:cNvPr id="8" name="Picture 7" descr="A screenshot of a cell phone&#10;&#10;Description automatically generated">
+            <a:extLst>
+              <a:ext uri="{FF2B5EF4-FFF2-40B4-BE49-F238E27FC236}">
+                <a16:creationId xmlns:a16="http://schemas.microsoft.com/office/drawing/2014/main" id="{1018F33F-3409-43F1-855B-E3F83ED81A4D}"/>
+              </a:ext>
+            </a:extLst>
+          </p:cNvPr>
+          <p:cNvPicPr>
+            <a:picLocks noChangeAspect="1"/>
+          </p:cNvPicPr>
+          <p:nvPr/>
+        </p:nvPicPr>
+        <p:blipFill>
+          <a:blip r:embed="rId3">
+            <a:extLst>
+              <a:ext uri="{28A0092B-C50C-407E-A947-70E740481C1C}">
+                <a14:useLocalDpi xmlns:a14="http://schemas.microsoft.com/office/drawing/2010/main" val="0"/>
+              </a:ext>
+            </a:extLst>
+          </a:blip>
+          <a:stretch>
+            <a:fillRect/>
+          </a:stretch>
+        </p:blipFill>
+        <p:spPr>
+          <a:xfrm>
+            <a:off x="2576469" y="3134713"/>
+            <a:ext cx="7039062" cy="2543962"/>
+          </a:xfrm>
+          <a:prstGeom prst="rect">
+            <a:avLst/>
+          </a:prstGeom>
+        </p:spPr>
+      </p:pic>
+      <p:pic>
+        <p:nvPicPr>
+          <p:cNvPr id="10" name="Picture 9" descr="A screenshot of a cell phone&#10;&#10;Description automatically generated">
+            <a:extLst>
+              <a:ext uri="{FF2B5EF4-FFF2-40B4-BE49-F238E27FC236}">
+                <a16:creationId xmlns:a16="http://schemas.microsoft.com/office/drawing/2014/main" id="{2169E881-857F-4867-8011-F4A9B6CF89E5}"/>
+              </a:ext>
+            </a:extLst>
+          </p:cNvPr>
+          <p:cNvPicPr>
+            <a:picLocks noChangeAspect="1"/>
+          </p:cNvPicPr>
+          <p:nvPr/>
+        </p:nvPicPr>
+        <p:blipFill>
+          <a:blip r:embed="rId4">
+            <a:extLst>
+              <a:ext uri="{28A0092B-C50C-407E-A947-70E740481C1C}">
+                <a14:useLocalDpi xmlns:a14="http://schemas.microsoft.com/office/drawing/2010/main" val="0"/>
+              </a:ext>
+            </a:extLst>
+          </a:blip>
+          <a:stretch>
+            <a:fillRect/>
+          </a:stretch>
+        </p:blipFill>
+        <p:spPr>
+          <a:xfrm>
+            <a:off x="2576469" y="3134713"/>
+            <a:ext cx="7039062" cy="2543962"/>
+          </a:xfrm>
+          <a:prstGeom prst="rect">
+            <a:avLst/>
+          </a:prstGeom>
+        </p:spPr>
+      </p:pic>
+      <p:sp>
+        <p:nvSpPr>
+          <p:cNvPr id="11" name="TextBox 10">
+            <a:extLst>
+              <a:ext uri="{FF2B5EF4-FFF2-40B4-BE49-F238E27FC236}">
+                <a16:creationId xmlns:a16="http://schemas.microsoft.com/office/drawing/2014/main" id="{97D20F7C-FC84-411B-AAED-2E85828F02C1}"/>
+              </a:ext>
+            </a:extLst>
+          </p:cNvPr>
+          <p:cNvSpPr txBox="1"/>
+          <p:nvPr/>
+        </p:nvSpPr>
+        <p:spPr>
+          <a:xfrm>
+            <a:off x="4409090" y="5678675"/>
+            <a:ext cx="3373820" cy="369332"/>
+          </a:xfrm>
+          <a:prstGeom prst="rect">
+            <a:avLst/>
+          </a:prstGeom>
+          <a:noFill/>
+        </p:spPr>
+        <p:txBody>
+          <a:bodyPr wrap="square" rtlCol="0">
+            <a:spAutoFit/>
+          </a:bodyPr>
+          <a:lstStyle/>
+          <a:p>
+            <a:pPr algn="ctr"/>
+            <a:r>
+              <a:rPr lang="en-150" dirty="0"/>
+              <a:t>R</a:t>
+            </a:r>
+            <a:r>
+              <a:rPr lang="en-GB" dirty="0"/>
+              <a:t>i</a:t>
+            </a:r>
+            <a:r>
+              <a:rPr lang="en-150" dirty="0"/>
+              <a:t>g</a:t>
+            </a:r>
+            <a:r>
+              <a:rPr lang="en-GB" dirty="0"/>
+              <a:t>i</a:t>
+            </a:r>
+            <a:r>
+              <a:rPr lang="en-150" dirty="0"/>
+              <a:t>d </a:t>
+            </a:r>
+            <a:r>
+              <a:rPr lang="en-GB" dirty="0"/>
+              <a:t>g</a:t>
+            </a:r>
+            <a:r>
+              <a:rPr lang="en-150" dirty="0"/>
+              <a:t>a</a:t>
+            </a:r>
+            <a:r>
+              <a:rPr lang="en-GB" dirty="0"/>
+              <a:t>n</a:t>
+            </a:r>
+            <a:r>
+              <a:rPr lang="en-150" dirty="0"/>
+              <a:t>g scheduling</a:t>
+            </a:r>
+            <a:endParaRPr lang="en-GB" dirty="0"/>
+          </a:p>
+        </p:txBody>
+      </p:sp>
+      <p:sp>
+        <p:nvSpPr>
+          <p:cNvPr id="12" name="TextBox 11">
+            <a:extLst>
+              <a:ext uri="{FF2B5EF4-FFF2-40B4-BE49-F238E27FC236}">
+                <a16:creationId xmlns:a16="http://schemas.microsoft.com/office/drawing/2014/main" id="{8D103E46-F4C6-4DF4-AE16-7C4911136C91}"/>
+              </a:ext>
+            </a:extLst>
+          </p:cNvPr>
+          <p:cNvSpPr txBox="1"/>
+          <p:nvPr/>
+        </p:nvSpPr>
+        <p:spPr>
+          <a:xfrm>
+            <a:off x="4409090" y="5677400"/>
+            <a:ext cx="3373820" cy="369332"/>
+          </a:xfrm>
+          <a:prstGeom prst="rect">
+            <a:avLst/>
+          </a:prstGeom>
+          <a:noFill/>
+        </p:spPr>
+        <p:txBody>
+          <a:bodyPr wrap="square" rtlCol="0">
+            <a:spAutoFit/>
+          </a:bodyPr>
+          <a:lstStyle/>
+          <a:p>
+            <a:pPr algn="ctr"/>
+            <a:r>
+              <a:rPr lang="en-GB" dirty="0"/>
+              <a:t>B</a:t>
+            </a:r>
+            <a:r>
+              <a:rPr lang="en-150" dirty="0"/>
+              <a:t>u</a:t>
+            </a:r>
+            <a:r>
+              <a:rPr lang="en-GB" dirty="0"/>
+              <a:t>n</a:t>
+            </a:r>
+            <a:r>
+              <a:rPr lang="en-150" dirty="0"/>
+              <a:t>d</a:t>
+            </a:r>
+            <a:r>
+              <a:rPr lang="en-GB" dirty="0"/>
+              <a:t>l</a:t>
+            </a:r>
+            <a:r>
+              <a:rPr lang="en-150" dirty="0"/>
+              <a:t>e</a:t>
+            </a:r>
+            <a:r>
+              <a:rPr lang="en-GB" dirty="0"/>
+              <a:t>d</a:t>
+            </a:r>
+            <a:r>
+              <a:rPr lang="en-150" dirty="0"/>
+              <a:t> </a:t>
+            </a:r>
+            <a:r>
+              <a:rPr lang="en-GB" dirty="0"/>
+              <a:t>m</a:t>
+            </a:r>
+            <a:r>
+              <a:rPr lang="en-150" dirty="0"/>
+              <a:t>o</a:t>
+            </a:r>
+            <a:r>
+              <a:rPr lang="en-GB" dirty="0"/>
+              <a:t>d</a:t>
+            </a:r>
+            <a:r>
+              <a:rPr lang="en-150" dirty="0"/>
+              <a:t>e</a:t>
+            </a:r>
+            <a:r>
+              <a:rPr lang="en-GB" dirty="0"/>
+              <a:t>l</a:t>
+            </a:r>
+            <a:r>
+              <a:rPr lang="en-150" dirty="0"/>
+              <a:t> </a:t>
+            </a:r>
+            <a:r>
+              <a:rPr lang="en-GB" dirty="0"/>
+              <a:t>s</a:t>
+            </a:r>
+            <a:r>
+              <a:rPr lang="en-150" dirty="0"/>
+              <a:t>c</a:t>
+            </a:r>
+            <a:r>
+              <a:rPr lang="en-GB" dirty="0"/>
+              <a:t>h</a:t>
+            </a:r>
+            <a:r>
+              <a:rPr lang="en-150" dirty="0"/>
+              <a:t>e</a:t>
+            </a:r>
+            <a:r>
+              <a:rPr lang="en-GB" dirty="0"/>
+              <a:t>d</a:t>
+            </a:r>
+            <a:r>
+              <a:rPr lang="en-150" dirty="0"/>
+              <a:t>u</a:t>
+            </a:r>
+            <a:r>
+              <a:rPr lang="en-GB" dirty="0"/>
+              <a:t>l</a:t>
+            </a:r>
+            <a:r>
+              <a:rPr lang="en-150" dirty="0"/>
+              <a:t>i</a:t>
+            </a:r>
+            <a:r>
+              <a:rPr lang="en-GB" dirty="0"/>
+              <a:t>n</a:t>
+            </a:r>
+            <a:r>
+              <a:rPr lang="en-150" dirty="0"/>
+              <a:t>g</a:t>
+            </a:r>
+            <a:endParaRPr lang="en-GB" dirty="0"/>
+          </a:p>
+        </p:txBody>
+      </p:sp>
+      <p:sp>
+        <p:nvSpPr>
+          <p:cNvPr id="13" name="TextBox 12">
+            <a:extLst>
+              <a:ext uri="{FF2B5EF4-FFF2-40B4-BE49-F238E27FC236}">
+                <a16:creationId xmlns:a16="http://schemas.microsoft.com/office/drawing/2014/main" id="{10D81545-FCAD-40C3-B4A0-EEF1D4D4FC55}"/>
+              </a:ext>
+            </a:extLst>
+          </p:cNvPr>
+          <p:cNvSpPr txBox="1"/>
+          <p:nvPr/>
+        </p:nvSpPr>
+        <p:spPr>
+          <a:xfrm>
+            <a:off x="4409090" y="5677400"/>
+            <a:ext cx="3373820" cy="369332"/>
+          </a:xfrm>
+          <a:prstGeom prst="rect">
+            <a:avLst/>
+          </a:prstGeom>
+          <a:noFill/>
+        </p:spPr>
+        <p:txBody>
+          <a:bodyPr wrap="square" rtlCol="0">
+            <a:spAutoFit/>
+          </a:bodyPr>
+          <a:lstStyle/>
+          <a:p>
+            <a:pPr algn="ctr"/>
+            <a:r>
+              <a:rPr lang="en-GB" dirty="0"/>
+              <a:t>L</a:t>
+            </a:r>
+            <a:r>
+              <a:rPr lang="en-150" dirty="0"/>
+              <a:t>i</a:t>
+            </a:r>
+            <a:r>
+              <a:rPr lang="en-GB" dirty="0"/>
+              <a:t>m</a:t>
+            </a:r>
+            <a:r>
+              <a:rPr lang="en-150" dirty="0"/>
+              <a:t>i</a:t>
+            </a:r>
+            <a:r>
+              <a:rPr lang="en-GB" dirty="0"/>
+              <a:t>t</a:t>
+            </a:r>
+            <a:r>
+              <a:rPr lang="en-150" dirty="0"/>
+              <a:t>e</a:t>
+            </a:r>
+            <a:r>
+              <a:rPr lang="en-GB" dirty="0"/>
+              <a:t>d</a:t>
+            </a:r>
+            <a:r>
+              <a:rPr lang="en-150" dirty="0"/>
+              <a:t>-Preemptive scheduling</a:t>
+            </a:r>
+            <a:endParaRPr lang="en-GB" dirty="0"/>
+          </a:p>
+        </p:txBody>
+      </p:sp>
+    </p:spTree>
+    <p:extLst>
+      <p:ext uri="{BB962C8B-B14F-4D97-AF65-F5344CB8AC3E}">
+        <p14:creationId xmlns:p14="http://schemas.microsoft.com/office/powerpoint/2010/main" val="3409069453"/>
+      </p:ext>
+    </p:extLst>
+  </p:cSld>
+  <p:clrMapOvr>
+    <a:masterClrMapping/>
+  </p:clrMapOvr>
+  <p:timing>
+    <p:tnLst>
+      <p:par>
+        <p:cTn id="1" dur="indefinite" restart="never" nodeType="tmRoot">
+          <p:childTnLst>
+            <p:seq concurrent="1" nextAc="seek">
+              <p:cTn id="2" dur="indefinite" nodeType="mainSeq">
+                <p:childTnLst>
+                  <p:par>
+                    <p:cTn id="3" fill="hold">
+                      <p:stCondLst>
+                        <p:cond delay="indefinite"/>
+                      </p:stCondLst>
+                      <p:childTnLst>
+                        <p:par>
+                          <p:cTn id="4" fill="hold">
+                            <p:stCondLst>
+                              <p:cond delay="0"/>
+                            </p:stCondLst>
+                            <p:childTnLst>
+                              <p:par>
+                                <p:cTn id="5" presetID="1" presetClass="entr" presetSubtype="0" fill="hold" grpId="0" nodeType="clickEffect">
+                                  <p:stCondLst>
+                                    <p:cond delay="0"/>
+                                  </p:stCondLst>
+                                  <p:childTnLst>
+                                    <p:set>
+                                      <p:cBhvr>
+                                        <p:cTn id="6" dur="1" fill="hold">
+                                          <p:stCondLst>
+                                            <p:cond delay="0"/>
+                                          </p:stCondLst>
+                                        </p:cTn>
+                                        <p:tgtEl>
+                                          <p:spTgt spid="4">
+                                            <p:txEl>
+                                              <p:pRg st="0" end="0"/>
+                                            </p:txEl>
+                                          </p:spTgt>
+                                        </p:tgtEl>
+                                        <p:attrNameLst>
+                                          <p:attrName>style.visibility</p:attrName>
+                                        </p:attrNameLst>
+                                      </p:cBhvr>
+                                      <p:to>
+                                        <p:strVal val="visible"/>
+                                      </p:to>
+                                    </p:set>
+                                  </p:childTnLst>
+                                </p:cTn>
+                              </p:par>
+                            </p:childTnLst>
+                          </p:cTn>
+                        </p:par>
+                      </p:childTnLst>
+                    </p:cTn>
+                  </p:par>
+                  <p:par>
+                    <p:cTn id="7" fill="hold">
+                      <p:stCondLst>
+                        <p:cond delay="indefinite"/>
+                      </p:stCondLst>
+                      <p:childTnLst>
+                        <p:par>
+                          <p:cTn id="8" fill="hold">
+                            <p:stCondLst>
+                              <p:cond delay="0"/>
+                            </p:stCondLst>
+                            <p:childTnLst>
+                              <p:par>
+                                <p:cTn id="9" presetID="1" presetClass="entr" presetSubtype="0" fill="hold" nodeType="clickEffect">
+                                  <p:stCondLst>
+                                    <p:cond delay="0"/>
+                                  </p:stCondLst>
+                                  <p:childTnLst>
+                                    <p:set>
+                                      <p:cBhvr>
+                                        <p:cTn id="10" dur="1" fill="hold">
+                                          <p:stCondLst>
+                                            <p:cond delay="0"/>
+                                          </p:stCondLst>
+                                        </p:cTn>
+                                        <p:tgtEl>
+                                          <p:spTgt spid="8"/>
+                                        </p:tgtEl>
+                                        <p:attrNameLst>
+                                          <p:attrName>style.visibility</p:attrName>
+                                        </p:attrNameLst>
+                                      </p:cBhvr>
+                                      <p:to>
+                                        <p:strVal val="visible"/>
+                                      </p:to>
+                                    </p:set>
+                                  </p:childTnLst>
+                                </p:cTn>
+                              </p:par>
+                              <p:par>
+                                <p:cTn id="11" presetID="1" presetClass="exit" presetSubtype="0" fill="hold" grpId="0" nodeType="withEffect">
+                                  <p:stCondLst>
+                                    <p:cond delay="0"/>
+                                  </p:stCondLst>
+                                  <p:childTnLst>
+                                    <p:set>
+                                      <p:cBhvr>
+                                        <p:cTn id="12" dur="1" fill="hold">
+                                          <p:stCondLst>
+                                            <p:cond delay="0"/>
+                                          </p:stCondLst>
+                                        </p:cTn>
+                                        <p:tgtEl>
+                                          <p:spTgt spid="11"/>
+                                        </p:tgtEl>
+                                        <p:attrNameLst>
+                                          <p:attrName>style.visibility</p:attrName>
+                                        </p:attrNameLst>
+                                      </p:cBhvr>
+                                      <p:to>
+                                        <p:strVal val="hidden"/>
+                                      </p:to>
+                                    </p:set>
+                                  </p:childTnLst>
+                                </p:cTn>
+                              </p:par>
+                              <p:par>
+                                <p:cTn id="13" presetID="1" presetClass="entr" presetSubtype="0" fill="hold" grpId="0" nodeType="withEffect">
+                                  <p:stCondLst>
+                                    <p:cond delay="0"/>
+                                  </p:stCondLst>
+                                  <p:childTnLst>
+                                    <p:set>
+                                      <p:cBhvr>
+                                        <p:cTn id="14" dur="1" fill="hold">
+                                          <p:stCondLst>
+                                            <p:cond delay="0"/>
+                                          </p:stCondLst>
+                                        </p:cTn>
+                                        <p:tgtEl>
+                                          <p:spTgt spid="12"/>
+                                        </p:tgtEl>
+                                        <p:attrNameLst>
+                                          <p:attrName>style.visibility</p:attrName>
+                                        </p:attrNameLst>
+                                      </p:cBhvr>
+                                      <p:to>
+                                        <p:strVal val="visible"/>
+                                      </p:to>
+                                    </p:set>
+                                  </p:childTnLst>
+                                </p:cTn>
+                              </p:par>
+                            </p:childTnLst>
+                          </p:cTn>
+                        </p:par>
+                      </p:childTnLst>
+                    </p:cTn>
+                  </p:par>
+                  <p:par>
+                    <p:cTn id="15" fill="hold">
+                      <p:stCondLst>
+                        <p:cond delay="indefinite"/>
+                      </p:stCondLst>
+                      <p:childTnLst>
+                        <p:par>
+                          <p:cTn id="16" fill="hold">
+                            <p:stCondLst>
+                              <p:cond delay="0"/>
+                            </p:stCondLst>
+                            <p:childTnLst>
+                              <p:par>
+                                <p:cTn id="17" presetID="1" presetClass="entr" presetSubtype="0" fill="hold" grpId="0" nodeType="clickEffect">
+                                  <p:stCondLst>
+                                    <p:cond delay="0"/>
+                                  </p:stCondLst>
+                                  <p:childTnLst>
+                                    <p:set>
+                                      <p:cBhvr>
+                                        <p:cTn id="18" dur="1" fill="hold">
+                                          <p:stCondLst>
+                                            <p:cond delay="0"/>
+                                          </p:stCondLst>
+                                        </p:cTn>
+                                        <p:tgtEl>
+                                          <p:spTgt spid="4">
+                                            <p:txEl>
+                                              <p:pRg st="1" end="1"/>
+                                            </p:txEl>
+                                          </p:spTgt>
+                                        </p:tgtEl>
+                                        <p:attrNameLst>
+                                          <p:attrName>style.visibility</p:attrName>
+                                        </p:attrNameLst>
+                                      </p:cBhvr>
+                                      <p:to>
+                                        <p:strVal val="visible"/>
+                                      </p:to>
+                                    </p:set>
+                                  </p:childTnLst>
+                                </p:cTn>
+                              </p:par>
+                            </p:childTnLst>
+                          </p:cTn>
+                        </p:par>
+                      </p:childTnLst>
+                    </p:cTn>
+                  </p:par>
+                  <p:par>
+                    <p:cTn id="19" fill="hold">
+                      <p:stCondLst>
+                        <p:cond delay="indefinite"/>
+                      </p:stCondLst>
+                      <p:childTnLst>
+                        <p:par>
+                          <p:cTn id="20" fill="hold">
+                            <p:stCondLst>
+                              <p:cond delay="0"/>
+                            </p:stCondLst>
+                            <p:childTnLst>
+                              <p:par>
+                                <p:cTn id="21" presetID="1" presetClass="entr" presetSubtype="0" fill="hold" nodeType="clickEffect">
+                                  <p:stCondLst>
+                                    <p:cond delay="0"/>
+                                  </p:stCondLst>
+                                  <p:childTnLst>
+                                    <p:set>
+                                      <p:cBhvr>
+                                        <p:cTn id="22" dur="1" fill="hold">
+                                          <p:stCondLst>
+                                            <p:cond delay="0"/>
+                                          </p:stCondLst>
+                                        </p:cTn>
+                                        <p:tgtEl>
+                                          <p:spTgt spid="10"/>
+                                        </p:tgtEl>
+                                        <p:attrNameLst>
+                                          <p:attrName>style.visibility</p:attrName>
+                                        </p:attrNameLst>
+                                      </p:cBhvr>
+                                      <p:to>
+                                        <p:strVal val="visible"/>
+                                      </p:to>
+                                    </p:set>
+                                  </p:childTnLst>
+                                </p:cTn>
+                              </p:par>
+                              <p:par>
+                                <p:cTn id="23" presetID="1" presetClass="entr" presetSubtype="0" fill="hold" grpId="0" nodeType="withEffect">
+                                  <p:stCondLst>
+                                    <p:cond delay="0"/>
+                                  </p:stCondLst>
+                                  <p:childTnLst>
+                                    <p:set>
+                                      <p:cBhvr>
+                                        <p:cTn id="24" dur="1" fill="hold">
+                                          <p:stCondLst>
+                                            <p:cond delay="0"/>
+                                          </p:stCondLst>
+                                        </p:cTn>
+                                        <p:tgtEl>
+                                          <p:spTgt spid="13"/>
+                                        </p:tgtEl>
+                                        <p:attrNameLst>
+                                          <p:attrName>style.visibility</p:attrName>
+                                        </p:attrNameLst>
+                                      </p:cBhvr>
+                                      <p:to>
+                                        <p:strVal val="visible"/>
+                                      </p:to>
+                                    </p:set>
+                                  </p:childTnLst>
+                                </p:cTn>
+                              </p:par>
+                              <p:par>
+                                <p:cTn id="25" presetID="1" presetClass="exit" presetSubtype="0" fill="hold" grpId="1" nodeType="withEffect">
+                                  <p:stCondLst>
+                                    <p:cond delay="0"/>
+                                  </p:stCondLst>
+                                  <p:childTnLst>
+                                    <p:set>
+                                      <p:cBhvr>
+                                        <p:cTn id="26" dur="1" fill="hold">
+                                          <p:stCondLst>
+                                            <p:cond delay="0"/>
+                                          </p:stCondLst>
+                                        </p:cTn>
+                                        <p:tgtEl>
+                                          <p:spTgt spid="12"/>
+                                        </p:tgtEl>
+                                        <p:attrNameLst>
+                                          <p:attrName>style.visibility</p:attrName>
+                                        </p:attrNameLst>
+                                      </p:cBhvr>
+                                      <p:to>
+                                        <p:strVal val="hidden"/>
+                                      </p:to>
+                                    </p:set>
+                                  </p:childTnLst>
+                                </p:cTn>
+                              </p:par>
+                            </p:childTnLst>
+                          </p:cTn>
+                        </p:par>
+                      </p:childTnLst>
+                    </p:cTn>
+                  </p:par>
+                  <p:par>
+                    <p:cTn id="27" fill="hold">
+                      <p:stCondLst>
+                        <p:cond delay="indefinite"/>
+                      </p:stCondLst>
+                      <p:childTnLst>
+                        <p:par>
+                          <p:cTn id="28" fill="hold">
+                            <p:stCondLst>
+                              <p:cond delay="0"/>
+                            </p:stCondLst>
+                            <p:childTnLst>
+                              <p:par>
+                                <p:cTn id="29" presetID="1" presetClass="entr" presetSubtype="0" fill="hold" grpId="0" nodeType="clickEffect">
+                                  <p:stCondLst>
+                                    <p:cond delay="0"/>
+                                  </p:stCondLst>
+                                  <p:childTnLst>
+                                    <p:set>
+                                      <p:cBhvr>
+                                        <p:cTn id="30" dur="1" fill="hold">
+                                          <p:stCondLst>
+                                            <p:cond delay="0"/>
+                                          </p:stCondLst>
+                                        </p:cTn>
+                                        <p:tgtEl>
+                                          <p:spTgt spid="4">
+                                            <p:txEl>
+                                              <p:pRg st="2" end="2"/>
+                                            </p:txEl>
+                                          </p:spTgt>
+                                        </p:tgtEl>
+                                        <p:attrNameLst>
+                                          <p:attrName>style.visibility</p:attrName>
+                                        </p:attrNameLst>
+                                      </p:cBhvr>
+                                      <p:to>
+                                        <p:strVal val="visible"/>
+                                      </p:to>
+                                    </p:set>
+                                  </p:childTnLst>
+                                </p:cTn>
+                              </p:par>
+                            </p:childTnLst>
+                          </p:cTn>
+                        </p:par>
+                      </p:childTnLst>
+                    </p:cTn>
+                  </p:par>
+                </p:childTnLst>
+              </p:cTn>
+              <p:prevCondLst>
+                <p:cond evt="onPrev" delay="0">
+                  <p:tgtEl>
+                    <p:sldTgt/>
+                  </p:tgtEl>
+                </p:cond>
+              </p:prevCondLst>
+              <p:nextCondLst>
+                <p:cond evt="onNext" delay="0">
+                  <p:tgtEl>
+                    <p:sldTgt/>
+                  </p:tgtEl>
+                </p:cond>
+              </p:nextCondLst>
+            </p:seq>
+          </p:childTnLst>
+        </p:cTn>
+      </p:par>
+    </p:tnLst>
+    <p:bldLst>
+      <p:bldP spid="4" grpId="0" uiExpand="1" build="p"/>
+      <p:bldP spid="11" grpId="0"/>
+      <p:bldP spid="12" grpId="0"/>
+      <p:bldP spid="12" grpId="1"/>
+      <p:bldP spid="13" grpId="0"/>
+    </p:bldLst>
+  </p:timing>
+</p:sld>
+</file>
+
+<file path=ppt/slides/slide11.xml><?xml version="1.0" encoding="utf-8"?>
+<p:sld xmlns:a="http://schemas.openxmlformats.org/drawingml/2006/main" xmlns:r="http://schemas.openxmlformats.org/officeDocument/2006/relationships" xmlns:p="http://schemas.openxmlformats.org/presentationml/2006/main">
+  <p:cSld>
+    <p:spTree>
+      <p:nvGrpSpPr>
+        <p:cNvPr id="1" name=""/>
+        <p:cNvGrpSpPr/>
+        <p:nvPr/>
+      </p:nvGrpSpPr>
+      <p:grpSpPr>
+        <a:xfrm>
+          <a:off x="0" y="0"/>
+          <a:ext cx="0" cy="0"/>
+          <a:chOff x="0" y="0"/>
+          <a:chExt cx="0" cy="0"/>
+        </a:xfrm>
+      </p:grpSpPr>
+      <p:sp>
+        <p:nvSpPr>
+          <p:cNvPr id="2" name="Title 1">
+            <a:extLst>
+              <a:ext uri="{FF2B5EF4-FFF2-40B4-BE49-F238E27FC236}">
+                <a16:creationId xmlns:a16="http://schemas.microsoft.com/office/drawing/2014/main" id="{585D59A8-BEC8-45A9-8006-AA2FD692E2E8}"/>
+              </a:ext>
+            </a:extLst>
+          </p:cNvPr>
+          <p:cNvSpPr>
+            <a:spLocks noGrp="1"/>
+          </p:cNvSpPr>
+          <p:nvPr>
+            <p:ph type="ctrTitle"/>
+          </p:nvPr>
+        </p:nvSpPr>
+        <p:spPr/>
+        <p:txBody>
+          <a:bodyPr/>
+          <a:lstStyle/>
+          <a:p>
+            <a:r>
+              <a:rPr lang="en-150" dirty="0"/>
+              <a:t>O</a:t>
+            </a:r>
+            <a:r>
+              <a:rPr lang="en-GB" dirty="0"/>
+              <a:t>u</a:t>
+            </a:r>
+            <a:r>
+              <a:rPr lang="en-150" dirty="0"/>
+              <a:t>r work</a:t>
+            </a:r>
+            <a:endParaRPr lang="en-GB" dirty="0"/>
+          </a:p>
+        </p:txBody>
+      </p:sp>
+      <p:sp>
+        <p:nvSpPr>
+          <p:cNvPr id="3" name="Subtitle 2">
+            <a:extLst>
+              <a:ext uri="{FF2B5EF4-FFF2-40B4-BE49-F238E27FC236}">
+                <a16:creationId xmlns:a16="http://schemas.microsoft.com/office/drawing/2014/main" id="{B30A6F23-A0F0-42D4-8D10-191E659FA40A}"/>
+              </a:ext>
+            </a:extLst>
+          </p:cNvPr>
+          <p:cNvSpPr>
+            <a:spLocks noGrp="1"/>
+          </p:cNvSpPr>
+          <p:nvPr>
+            <p:ph type="subTitle" idx="1"/>
+          </p:nvPr>
+        </p:nvSpPr>
+        <p:spPr/>
+        <p:txBody>
+          <a:bodyPr/>
+          <a:lstStyle/>
+          <a:p>
+            <a:endParaRPr lang="en-GB" dirty="0"/>
+          </a:p>
+        </p:txBody>
+      </p:sp>
+    </p:spTree>
+    <p:extLst>
+      <p:ext uri="{BB962C8B-B14F-4D97-AF65-F5344CB8AC3E}">
+        <p14:creationId xmlns:p14="http://schemas.microsoft.com/office/powerpoint/2010/main" val="3924105120"/>
+      </p:ext>
+    </p:extLst>
+  </p:cSld>
+  <p:clrMapOvr>
+    <a:masterClrMapping/>
+  </p:clrMapOvr>
+</p:sld>
+</file>
+
+<file path=ppt/slides/slide12.xml><?xml version="1.0" encoding="utf-8"?>
+<p:sld xmlns:a="http://schemas.openxmlformats.org/drawingml/2006/main" xmlns:r="http://schemas.openxmlformats.org/officeDocument/2006/relationships" xmlns:p="http://schemas.openxmlformats.org/presentationml/2006/main">
+  <p:cSld>
+    <p:spTree>
+      <p:nvGrpSpPr>
+        <p:cNvPr id="1" name=""/>
+        <p:cNvGrpSpPr/>
+        <p:nvPr/>
+      </p:nvGrpSpPr>
+      <p:grpSpPr>
+        <a:xfrm>
+          <a:off x="0" y="0"/>
+          <a:ext cx="0" cy="0"/>
+          <a:chOff x="0" y="0"/>
+          <a:chExt cx="0" cy="0"/>
+        </a:xfrm>
+      </p:grpSpPr>
+      <p:sp>
+        <p:nvSpPr>
+          <p:cNvPr id="2" name="Title 1">
+            <a:extLst>
+              <a:ext uri="{FF2B5EF4-FFF2-40B4-BE49-F238E27FC236}">
+                <a16:creationId xmlns:a16="http://schemas.microsoft.com/office/drawing/2014/main" id="{E2B70C6E-572A-41C8-A2C6-BE42B94BBE91}"/>
+              </a:ext>
+            </a:extLst>
+          </p:cNvPr>
+          <p:cNvSpPr>
+            <a:spLocks noGrp="1"/>
+          </p:cNvSpPr>
+          <p:nvPr>
+            <p:ph type="title"/>
+          </p:nvPr>
+        </p:nvSpPr>
+        <p:spPr/>
+        <p:txBody>
+          <a:bodyPr/>
+          <a:lstStyle/>
+          <a:p>
+            <a:r>
+              <a:rPr lang="en-150" dirty="0"/>
+              <a:t>P</a:t>
+            </a:r>
+            <a:r>
+              <a:rPr lang="en-GB" dirty="0"/>
+              <a:t>r</a:t>
+            </a:r>
+            <a:r>
+              <a:rPr lang="en-150" dirty="0"/>
+              <a:t>o</a:t>
+            </a:r>
+            <a:r>
+              <a:rPr lang="en-GB" dirty="0"/>
+              <a:t>j</a:t>
+            </a:r>
+            <a:r>
+              <a:rPr lang="en-150" dirty="0"/>
+              <a:t>e</a:t>
+            </a:r>
+            <a:r>
+              <a:rPr lang="en-GB" dirty="0"/>
+              <a:t>c</a:t>
+            </a:r>
+            <a:r>
+              <a:rPr lang="en-150" dirty="0"/>
+              <a:t>t </a:t>
+            </a:r>
+            <a:r>
+              <a:rPr lang="en-GB" dirty="0"/>
+              <a:t>g</a:t>
+            </a:r>
+            <a:r>
+              <a:rPr lang="en-150" dirty="0"/>
+              <a:t>o</a:t>
+            </a:r>
+            <a:r>
+              <a:rPr lang="en-GB" dirty="0"/>
+              <a:t>a</a:t>
+            </a:r>
+            <a:r>
+              <a:rPr lang="en-150" dirty="0"/>
+              <a:t>l</a:t>
+            </a:r>
+            <a:r>
+              <a:rPr lang="en-GB" dirty="0"/>
+              <a:t>s</a:t>
+            </a:r>
+          </a:p>
+        </p:txBody>
+      </p:sp>
+      <p:sp>
+        <p:nvSpPr>
+          <p:cNvPr id="3" name="Content Placeholder 2">
+            <a:extLst>
+              <a:ext uri="{FF2B5EF4-FFF2-40B4-BE49-F238E27FC236}">
+                <a16:creationId xmlns:a16="http://schemas.microsoft.com/office/drawing/2014/main" id="{D188924B-E360-4C4B-A683-0F4EB1C76442}"/>
+              </a:ext>
+            </a:extLst>
+          </p:cNvPr>
+          <p:cNvSpPr>
+            <a:spLocks noGrp="1"/>
+          </p:cNvSpPr>
+          <p:nvPr>
+            <p:ph idx="1"/>
+          </p:nvPr>
+        </p:nvSpPr>
+        <p:spPr/>
+        <p:txBody>
+          <a:bodyPr/>
+          <a:lstStyle/>
+          <a:p>
+            <a:r>
+              <a:rPr lang="en-150" dirty="0"/>
+              <a:t>D</a:t>
+            </a:r>
+            <a:r>
+              <a:rPr lang="en-GB" dirty="0"/>
+              <a:t>e</a:t>
+            </a:r>
+            <a:r>
+              <a:rPr lang="en-150" dirty="0"/>
+              <a:t>s</a:t>
+            </a:r>
+            <a:r>
+              <a:rPr lang="en-GB" dirty="0"/>
+              <a:t>i</a:t>
+            </a:r>
+            <a:r>
+              <a:rPr lang="en-150" dirty="0"/>
+              <a:t>g</a:t>
+            </a:r>
+            <a:r>
+              <a:rPr lang="en-GB" dirty="0"/>
+              <a:t>n</a:t>
+            </a:r>
+            <a:r>
+              <a:rPr lang="en-150" dirty="0"/>
+              <a:t> </a:t>
+            </a:r>
+            <a:r>
+              <a:rPr lang="en-GB" dirty="0"/>
+              <a:t>a</a:t>
+            </a:r>
+            <a:r>
+              <a:rPr lang="en-150" dirty="0"/>
+              <a:t>n </a:t>
+            </a:r>
+            <a:r>
+              <a:rPr lang="en-GB" dirty="0"/>
+              <a:t>a</a:t>
+            </a:r>
+            <a:r>
+              <a:rPr lang="en-150" dirty="0"/>
+              <a:t>c</a:t>
+            </a:r>
+            <a:r>
+              <a:rPr lang="en-GB" dirty="0"/>
+              <a:t>c</a:t>
+            </a:r>
+            <a:r>
+              <a:rPr lang="en-150" dirty="0"/>
+              <a:t>u</a:t>
+            </a:r>
+            <a:r>
+              <a:rPr lang="en-GB" dirty="0"/>
+              <a:t>r</a:t>
+            </a:r>
+            <a:r>
+              <a:rPr lang="en-150" dirty="0"/>
+              <a:t>a</a:t>
+            </a:r>
+            <a:r>
+              <a:rPr lang="en-GB" dirty="0"/>
+              <a:t>t</a:t>
+            </a:r>
+            <a:r>
+              <a:rPr lang="en-150" dirty="0"/>
+              <a:t>e </a:t>
+            </a:r>
+            <a:r>
+              <a:rPr lang="en-GB" dirty="0"/>
+              <a:t>s</a:t>
+            </a:r>
+            <a:r>
+              <a:rPr lang="en-150" dirty="0"/>
+              <a:t>c</a:t>
+            </a:r>
+            <a:r>
+              <a:rPr lang="en-GB" dirty="0"/>
+              <a:t>h</a:t>
+            </a:r>
+            <a:r>
+              <a:rPr lang="en-150" dirty="0"/>
+              <a:t>e</a:t>
+            </a:r>
+            <a:r>
+              <a:rPr lang="en-GB" dirty="0"/>
+              <a:t>d</a:t>
+            </a:r>
+            <a:r>
+              <a:rPr lang="en-150" dirty="0"/>
+              <a:t>u</a:t>
+            </a:r>
+            <a:r>
+              <a:rPr lang="en-GB" dirty="0"/>
+              <a:t>l</a:t>
+            </a:r>
+            <a:r>
+              <a:rPr lang="en-150" dirty="0"/>
+              <a:t>ability analysis for limited-preemptive moldable gang tasks</a:t>
+            </a:r>
+          </a:p>
+          <a:p>
+            <a:r>
+              <a:rPr lang="en-150" dirty="0"/>
+              <a:t>Propose a new scheduling algorithm to improve the </a:t>
+            </a:r>
+            <a:r>
+              <a:rPr lang="en-GB" dirty="0"/>
+              <a:t>s</a:t>
+            </a:r>
+            <a:r>
+              <a:rPr lang="en-150" dirty="0"/>
+              <a:t>c</a:t>
+            </a:r>
+            <a:r>
+              <a:rPr lang="en-GB" dirty="0"/>
+              <a:t>h</a:t>
+            </a:r>
+            <a:r>
+              <a:rPr lang="en-150" dirty="0"/>
+              <a:t>e</a:t>
+            </a:r>
+            <a:r>
+              <a:rPr lang="en-GB" dirty="0"/>
+              <a:t>d</a:t>
+            </a:r>
+            <a:r>
+              <a:rPr lang="en-150" dirty="0"/>
+              <a:t>u</a:t>
+            </a:r>
+            <a:r>
+              <a:rPr lang="en-GB" dirty="0"/>
+              <a:t>l</a:t>
+            </a:r>
+            <a:r>
+              <a:rPr lang="en-150" dirty="0"/>
+              <a:t>ability of limited-preemptive m</a:t>
+            </a:r>
+            <a:r>
+              <a:rPr lang="en-GB" dirty="0"/>
+              <a:t>o</a:t>
+            </a:r>
+            <a:r>
+              <a:rPr lang="en-150" dirty="0"/>
+              <a:t>l</a:t>
+            </a:r>
+            <a:r>
+              <a:rPr lang="en-GB" dirty="0"/>
+              <a:t>d</a:t>
+            </a:r>
+            <a:r>
+              <a:rPr lang="en-150" dirty="0"/>
+              <a:t>a</a:t>
+            </a:r>
+            <a:r>
+              <a:rPr lang="en-GB" dirty="0"/>
+              <a:t>b</a:t>
+            </a:r>
+            <a:r>
+              <a:rPr lang="en-150" dirty="0"/>
+              <a:t>l</a:t>
+            </a:r>
+            <a:r>
+              <a:rPr lang="en-GB" dirty="0"/>
+              <a:t>e</a:t>
+            </a:r>
+            <a:r>
+              <a:rPr lang="en-150" dirty="0"/>
+              <a:t> </a:t>
+            </a:r>
+            <a:r>
+              <a:rPr lang="en-GB" dirty="0"/>
+              <a:t>g</a:t>
+            </a:r>
+            <a:r>
+              <a:rPr lang="en-150" dirty="0"/>
+              <a:t>a</a:t>
+            </a:r>
+            <a:r>
+              <a:rPr lang="en-GB" dirty="0"/>
+              <a:t>n</a:t>
+            </a:r>
+            <a:r>
+              <a:rPr lang="en-150" dirty="0"/>
+              <a:t>g </a:t>
+            </a:r>
+            <a:r>
+              <a:rPr lang="en-GB" dirty="0"/>
+              <a:t>t</a:t>
+            </a:r>
+            <a:r>
+              <a:rPr lang="en-150" dirty="0"/>
+              <a:t>a</a:t>
+            </a:r>
+            <a:r>
+              <a:rPr lang="en-GB" dirty="0"/>
+              <a:t>s</a:t>
+            </a:r>
+            <a:r>
+              <a:rPr lang="en-150" dirty="0"/>
+              <a:t>k</a:t>
+            </a:r>
+            <a:r>
+              <a:rPr lang="en-GB" dirty="0"/>
+              <a:t>s</a:t>
+            </a:r>
+          </a:p>
+        </p:txBody>
+      </p:sp>
+      <p:sp>
+        <p:nvSpPr>
+          <p:cNvPr id="4" name="Slide Number Placeholder 3">
+            <a:extLst>
+              <a:ext uri="{FF2B5EF4-FFF2-40B4-BE49-F238E27FC236}">
+                <a16:creationId xmlns:a16="http://schemas.microsoft.com/office/drawing/2014/main" id="{0F6DA1E5-3AAC-4F49-9C97-80AE9715962F}"/>
+              </a:ext>
+            </a:extLst>
+          </p:cNvPr>
+          <p:cNvSpPr>
+            <a:spLocks noGrp="1"/>
+          </p:cNvSpPr>
+          <p:nvPr>
+            <p:ph type="sldNum" sz="quarter" idx="12"/>
+          </p:nvPr>
+        </p:nvSpPr>
+        <p:spPr/>
+        <p:txBody>
+          <a:bodyPr/>
+          <a:lstStyle/>
+          <a:p>
+            <a:fld id="{6565F0C3-D9E9-4961-A3A4-87F2116D4289}" type="slidenum">
+              <a:rPr lang="en-GB" smtClean="0"/>
+              <a:t>12</a:t>
+            </a:fld>
+            <a:endParaRPr lang="en-GB" dirty="0"/>
+          </a:p>
+        </p:txBody>
+      </p:sp>
+    </p:spTree>
+    <p:extLst>
+      <p:ext uri="{BB962C8B-B14F-4D97-AF65-F5344CB8AC3E}">
+        <p14:creationId xmlns:p14="http://schemas.microsoft.com/office/powerpoint/2010/main" val="1556890944"/>
+      </p:ext>
+    </p:extLst>
+  </p:cSld>
+  <p:clrMapOvr>
+    <a:masterClrMapping/>
+  </p:clrMapOvr>
+  <p:timing>
+    <p:tnLst>
+      <p:par>
+        <p:cTn id="1" dur="indefinite" restart="never" nodeType="tmRoot">
+          <p:childTnLst>
+            <p:seq concurrent="1" nextAc="seek">
+              <p:cTn id="2" dur="indefinite" nodeType="mainSeq">
+                <p:childTnLst>
+                  <p:par>
+                    <p:cTn id="3" fill="hold">
+                      <p:stCondLst>
+                        <p:cond delay="indefinite"/>
+                      </p:stCondLst>
+                      <p:childTnLst>
+                        <p:par>
+                          <p:cTn id="4" fill="hold">
+                            <p:stCondLst>
+                              <p:cond delay="0"/>
+                            </p:stCondLst>
+                            <p:childTnLst>
+                              <p:par>
+                                <p:cTn id="5" presetID="1" presetClass="entr" presetSubtype="0" fill="hold" grpId="0" nodeType="clickEffect">
+                                  <p:stCondLst>
+                                    <p:cond delay="0"/>
+                                  </p:stCondLst>
+                                  <p:childTnLst>
+                                    <p:set>
+                                      <p:cBhvr>
+                                        <p:cTn id="6" dur="1" fill="hold">
+                                          <p:stCondLst>
+                                            <p:cond delay="0"/>
+                                          </p:stCondLst>
+                                        </p:cTn>
+                                        <p:tgtEl>
+                                          <p:spTgt spid="3">
+                                            <p:txEl>
+                                              <p:pRg st="0" end="0"/>
+                                            </p:txEl>
+                                          </p:spTgt>
+                                        </p:tgtEl>
+                                        <p:attrNameLst>
+                                          <p:attrName>style.visibility</p:attrName>
+                                        </p:attrNameLst>
+                                      </p:cBhvr>
+                                      <p:to>
+                                        <p:strVal val="visible"/>
+                                      </p:to>
+                                    </p:set>
+                                  </p:childTnLst>
+                                </p:cTn>
+                              </p:par>
+                            </p:childTnLst>
+                          </p:cTn>
+                        </p:par>
+                      </p:childTnLst>
+                    </p:cTn>
+                  </p:par>
+                  <p:par>
+                    <p:cTn id="7" fill="hold">
+                      <p:stCondLst>
+                        <p:cond delay="indefinite"/>
+                      </p:stCondLst>
+                      <p:childTnLst>
+                        <p:par>
+                          <p:cTn id="8" fill="hold">
+                            <p:stCondLst>
+                              <p:cond delay="0"/>
+                            </p:stCondLst>
+                            <p:childTnLst>
+                              <p:par>
+                                <p:cTn id="9" presetID="1" presetClass="entr" presetSubtype="0" fill="hold" grpId="0" nodeType="clickEffect">
+                                  <p:stCondLst>
+                                    <p:cond delay="0"/>
+                                  </p:stCondLst>
+                                  <p:childTnLst>
+                                    <p:set>
+                                      <p:cBhvr>
+                                        <p:cTn id="10" dur="1" fill="hold">
+                                          <p:stCondLst>
+                                            <p:cond delay="0"/>
+                                          </p:stCondLst>
+                                        </p:cTn>
+                                        <p:tgtEl>
+                                          <p:spTgt spid="3">
+                                            <p:txEl>
+                                              <p:pRg st="1" end="1"/>
+                                            </p:txEl>
+                                          </p:spTgt>
+                                        </p:tgtEl>
+                                        <p:attrNameLst>
+                                          <p:attrName>style.visibility</p:attrName>
+                                        </p:attrNameLst>
+                                      </p:cBhvr>
+                                      <p:to>
+                                        <p:strVal val="visible"/>
+                                      </p:to>
+                                    </p:set>
+                                  </p:childTnLst>
+                                </p:cTn>
+                              </p:par>
+                            </p:childTnLst>
+                          </p:cTn>
+                        </p:par>
+                      </p:childTnLst>
+                    </p:cTn>
+                  </p:par>
+                </p:childTnLst>
+              </p:cTn>
+              <p:prevCondLst>
+                <p:cond evt="onPrev" delay="0">
+                  <p:tgtEl>
+                    <p:sldTgt/>
+                  </p:tgtEl>
+                </p:cond>
+              </p:prevCondLst>
+              <p:nextCondLst>
+                <p:cond evt="onNext" delay="0">
+                  <p:tgtEl>
+                    <p:sldTgt/>
+                  </p:tgtEl>
+                </p:cond>
+              </p:nextCondLst>
+            </p:seq>
+          </p:childTnLst>
+        </p:cTn>
+      </p:par>
+    </p:tnLst>
+    <p:bldLst>
+      <p:bldP spid="3" grpId="0" build="p"/>
+    </p:bldLst>
+  </p:timing>
+</p:sld>
+</file>
+
+<file path=ppt/slides/slide13.xml><?xml version="1.0" encoding="utf-8"?>
+<p:sld xmlns:a="http://schemas.openxmlformats.org/drawingml/2006/main" xmlns:r="http://schemas.openxmlformats.org/officeDocument/2006/relationships" xmlns:p="http://schemas.openxmlformats.org/presentationml/2006/main">
+  <p:cSld>
+    <p:spTree>
+      <p:nvGrpSpPr>
+        <p:cNvPr id="1" name=""/>
+        <p:cNvGrpSpPr/>
+        <p:nvPr/>
+      </p:nvGrpSpPr>
+      <p:grpSpPr>
+        <a:xfrm>
+          <a:off x="0" y="0"/>
+          <a:ext cx="0" cy="0"/>
+          <a:chOff x="0" y="0"/>
+          <a:chExt cx="0" cy="0"/>
+        </a:xfrm>
+      </p:grpSpPr>
+      <p:sp>
+        <p:nvSpPr>
+          <p:cNvPr id="2" name="Title 1">
+            <a:extLst>
+              <a:ext uri="{FF2B5EF4-FFF2-40B4-BE49-F238E27FC236}">
+                <a16:creationId xmlns:a16="http://schemas.microsoft.com/office/drawing/2014/main" id="{B7B059C3-3538-4735-974E-DE1D6E5ED363}"/>
+              </a:ext>
+            </a:extLst>
+          </p:cNvPr>
+          <p:cNvSpPr>
+            <a:spLocks noGrp="1"/>
+          </p:cNvSpPr>
+          <p:nvPr>
+            <p:ph type="title"/>
+          </p:nvPr>
+        </p:nvSpPr>
+        <p:spPr/>
+        <p:txBody>
+          <a:bodyPr/>
+          <a:lstStyle/>
+          <a:p>
+            <a:r>
+              <a:rPr lang="en-150" dirty="0"/>
+              <a:t>Schedule Abstraction Graph</a:t>
+            </a:r>
+            <a:endParaRPr lang="en-GB" dirty="0"/>
+          </a:p>
+        </p:txBody>
+      </p:sp>
+      <p:sp>
+        <p:nvSpPr>
+          <p:cNvPr id="3" name="Content Placeholder 2">
+            <a:extLst>
+              <a:ext uri="{FF2B5EF4-FFF2-40B4-BE49-F238E27FC236}">
+                <a16:creationId xmlns:a16="http://schemas.microsoft.com/office/drawing/2014/main" id="{EA1DB3AB-8D09-414E-988D-844F27F803CB}"/>
+              </a:ext>
+            </a:extLst>
+          </p:cNvPr>
+          <p:cNvSpPr>
+            <a:spLocks noGrp="1"/>
+          </p:cNvSpPr>
+          <p:nvPr>
+            <p:ph idx="1"/>
+          </p:nvPr>
+        </p:nvSpPr>
+        <p:spPr/>
+        <p:txBody>
+          <a:bodyPr/>
+          <a:lstStyle/>
+          <a:p>
+            <a:r>
+              <a:rPr lang="en-150" dirty="0"/>
+              <a:t>A</a:t>
+            </a:r>
+            <a:r>
+              <a:rPr lang="en-GB" dirty="0"/>
+              <a:t>c</a:t>
+            </a:r>
+            <a:r>
+              <a:rPr lang="en-150" dirty="0"/>
+              <a:t>c</a:t>
+            </a:r>
+            <a:r>
+              <a:rPr lang="en-GB" dirty="0"/>
+              <a:t>u</a:t>
+            </a:r>
+            <a:r>
+              <a:rPr lang="en-150" dirty="0"/>
+              <a:t>r</a:t>
+            </a:r>
+            <a:r>
+              <a:rPr lang="en-GB" dirty="0"/>
+              <a:t>a</a:t>
+            </a:r>
+            <a:r>
+              <a:rPr lang="en-150" dirty="0"/>
+              <a:t>t</a:t>
+            </a:r>
+            <a:r>
+              <a:rPr lang="en-GB" dirty="0"/>
+              <a:t>e</a:t>
+            </a:r>
+            <a:r>
+              <a:rPr lang="en-150" dirty="0"/>
+              <a:t> </a:t>
+            </a:r>
+            <a:r>
+              <a:rPr lang="en-GB" dirty="0"/>
+              <a:t>a</a:t>
+            </a:r>
+            <a:r>
+              <a:rPr lang="en-150" dirty="0"/>
+              <a:t>n</a:t>
+            </a:r>
+            <a:r>
+              <a:rPr lang="en-GB" dirty="0"/>
+              <a:t>d</a:t>
+            </a:r>
+            <a:r>
+              <a:rPr lang="en-150" dirty="0"/>
+              <a:t> </a:t>
+            </a:r>
+            <a:r>
+              <a:rPr lang="en-GB" dirty="0"/>
+              <a:t>r</a:t>
+            </a:r>
+            <a:r>
+              <a:rPr lang="en-150" dirty="0"/>
+              <a:t>e</a:t>
+            </a:r>
+            <a:r>
+              <a:rPr lang="en-GB" dirty="0"/>
+              <a:t>l</a:t>
+            </a:r>
+            <a:r>
+              <a:rPr lang="en-150" dirty="0"/>
+              <a:t>a</a:t>
+            </a:r>
+            <a:r>
+              <a:rPr lang="en-GB" dirty="0"/>
+              <a:t>t</a:t>
+            </a:r>
+            <a:r>
+              <a:rPr lang="en-150" dirty="0"/>
+              <a:t>i</a:t>
+            </a:r>
+            <a:r>
+              <a:rPr lang="en-GB" dirty="0"/>
+              <a:t>v</a:t>
+            </a:r>
+            <a:r>
+              <a:rPr lang="en-150" dirty="0"/>
+              <a:t>e</a:t>
+            </a:r>
+            <a:r>
+              <a:rPr lang="en-GB" dirty="0"/>
+              <a:t>l</a:t>
+            </a:r>
+            <a:r>
+              <a:rPr lang="en-150" dirty="0"/>
+              <a:t>y </a:t>
+            </a:r>
+            <a:r>
+              <a:rPr lang="en-GB" dirty="0"/>
+              <a:t>f</a:t>
+            </a:r>
+            <a:r>
+              <a:rPr lang="en-150" dirty="0"/>
+              <a:t>a</a:t>
+            </a:r>
+            <a:r>
+              <a:rPr lang="en-GB" dirty="0"/>
+              <a:t>s</a:t>
+            </a:r>
+            <a:r>
+              <a:rPr lang="en-150" dirty="0"/>
+              <a:t>t </a:t>
+            </a:r>
+            <a:r>
+              <a:rPr lang="en-GB" dirty="0"/>
+              <a:t>a</a:t>
+            </a:r>
+            <a:r>
+              <a:rPr lang="en-150" dirty="0"/>
+              <a:t>n</a:t>
+            </a:r>
+            <a:r>
+              <a:rPr lang="en-GB" dirty="0"/>
+              <a:t>a</a:t>
+            </a:r>
+            <a:r>
+              <a:rPr lang="en-150" dirty="0"/>
+              <a:t>l</a:t>
+            </a:r>
+            <a:r>
+              <a:rPr lang="en-GB" dirty="0"/>
+              <a:t>y</a:t>
+            </a:r>
+            <a:r>
+              <a:rPr lang="en-150" dirty="0"/>
+              <a:t>s</a:t>
+            </a:r>
+            <a:r>
+              <a:rPr lang="en-GB" dirty="0"/>
+              <a:t>i</a:t>
+            </a:r>
+            <a:r>
+              <a:rPr lang="en-150" dirty="0"/>
+              <a:t>s</a:t>
+            </a:r>
+          </a:p>
+          <a:p>
+            <a:pPr lvl="1"/>
+            <a:r>
+              <a:rPr lang="en-150" dirty="0"/>
+              <a:t>Faster than an exact analysis</a:t>
+            </a:r>
+          </a:p>
+          <a:p>
+            <a:pPr lvl="1"/>
+            <a:r>
+              <a:rPr lang="en-150" dirty="0"/>
+              <a:t>Not as pessimistic as closed-form analyses</a:t>
+            </a:r>
+          </a:p>
+          <a:p>
+            <a:r>
+              <a:rPr lang="en-150" dirty="0"/>
+              <a:t>Models scheduler decisions</a:t>
+            </a:r>
+          </a:p>
+          <a:p>
+            <a:r>
+              <a:rPr lang="en-150" dirty="0"/>
+              <a:t>Encodes core availability after every transition</a:t>
+            </a:r>
+          </a:p>
+        </p:txBody>
+      </p:sp>
+      <p:sp>
+        <p:nvSpPr>
+          <p:cNvPr id="4" name="Slide Number Placeholder 3">
+            <a:extLst>
+              <a:ext uri="{FF2B5EF4-FFF2-40B4-BE49-F238E27FC236}">
+                <a16:creationId xmlns:a16="http://schemas.microsoft.com/office/drawing/2014/main" id="{2292F6DA-6179-4B2A-B61D-31B244DE000B}"/>
+              </a:ext>
+            </a:extLst>
+          </p:cNvPr>
+          <p:cNvSpPr>
+            <a:spLocks noGrp="1"/>
+          </p:cNvSpPr>
+          <p:nvPr>
+            <p:ph type="sldNum" sz="quarter" idx="12"/>
+          </p:nvPr>
+        </p:nvSpPr>
+        <p:spPr/>
+        <p:txBody>
+          <a:bodyPr/>
+          <a:lstStyle/>
+          <a:p>
+            <a:fld id="{6565F0C3-D9E9-4961-A3A4-87F2116D4289}" type="slidenum">
+              <a:rPr lang="en-GB" smtClean="0"/>
+              <a:t>13</a:t>
+            </a:fld>
+            <a:endParaRPr lang="en-GB" dirty="0"/>
+          </a:p>
+        </p:txBody>
+      </p:sp>
+      <p:pic>
+        <p:nvPicPr>
+          <p:cNvPr id="6" name="Picture 5" descr="A close up of a clock&#10;&#10;Description automatically generated">
+            <a:extLst>
+              <a:ext uri="{FF2B5EF4-FFF2-40B4-BE49-F238E27FC236}">
+                <a16:creationId xmlns:a16="http://schemas.microsoft.com/office/drawing/2014/main" id="{FB391515-6D5C-42D7-B1D0-BC059980798C}"/>
               </a:ext>
             </a:extLst>
           </p:cNvPr>
@@ -5202,8 +6826,8 @@
         </p:blipFill>
         <p:spPr>
           <a:xfrm>
-            <a:off x="2576468" y="3429000"/>
-            <a:ext cx="7039064" cy="2543962"/>
+            <a:off x="2326342" y="4050971"/>
+            <a:ext cx="7655858" cy="2026236"/>
           </a:xfrm>
           <a:prstGeom prst="rect">
             <a:avLst/>
@@ -5213,7 +6837,4222 @@
     </p:spTree>
     <p:extLst>
       <p:ext uri="{BB962C8B-B14F-4D97-AF65-F5344CB8AC3E}">
-        <p14:creationId xmlns:p14="http://schemas.microsoft.com/office/powerpoint/2010/main" val="3409069453"/>
+        <p14:creationId xmlns:p14="http://schemas.microsoft.com/office/powerpoint/2010/main" val="2027939344"/>
+      </p:ext>
+    </p:extLst>
+  </p:cSld>
+  <p:clrMapOvr>
+    <a:masterClrMapping/>
+  </p:clrMapOvr>
+  <p:timing>
+    <p:tnLst>
+      <p:par>
+        <p:cTn id="1" dur="indefinite" restart="never" nodeType="tmRoot">
+          <p:childTnLst>
+            <p:seq concurrent="1" nextAc="seek">
+              <p:cTn id="2" dur="indefinite" nodeType="mainSeq">
+                <p:childTnLst>
+                  <p:par>
+                    <p:cTn id="3" fill="hold">
+                      <p:stCondLst>
+                        <p:cond delay="indefinite"/>
+                      </p:stCondLst>
+                      <p:childTnLst>
+                        <p:par>
+                          <p:cTn id="4" fill="hold">
+                            <p:stCondLst>
+                              <p:cond delay="0"/>
+                            </p:stCondLst>
+                            <p:childTnLst>
+                              <p:par>
+                                <p:cTn id="5" presetID="1" presetClass="entr" presetSubtype="0" fill="hold" grpId="0" nodeType="clickEffect">
+                                  <p:stCondLst>
+                                    <p:cond delay="0"/>
+                                  </p:stCondLst>
+                                  <p:childTnLst>
+                                    <p:set>
+                                      <p:cBhvr>
+                                        <p:cTn id="6" dur="1" fill="hold">
+                                          <p:stCondLst>
+                                            <p:cond delay="0"/>
+                                          </p:stCondLst>
+                                        </p:cTn>
+                                        <p:tgtEl>
+                                          <p:spTgt spid="3">
+                                            <p:txEl>
+                                              <p:pRg st="0" end="0"/>
+                                            </p:txEl>
+                                          </p:spTgt>
+                                        </p:tgtEl>
+                                        <p:attrNameLst>
+                                          <p:attrName>style.visibility</p:attrName>
+                                        </p:attrNameLst>
+                                      </p:cBhvr>
+                                      <p:to>
+                                        <p:strVal val="visible"/>
+                                      </p:to>
+                                    </p:set>
+                                  </p:childTnLst>
+                                </p:cTn>
+                              </p:par>
+                              <p:par>
+                                <p:cTn id="7" presetID="1" presetClass="entr" presetSubtype="0" fill="hold" grpId="0" nodeType="withEffect">
+                                  <p:stCondLst>
+                                    <p:cond delay="0"/>
+                                  </p:stCondLst>
+                                  <p:childTnLst>
+                                    <p:set>
+                                      <p:cBhvr>
+                                        <p:cTn id="8" dur="1" fill="hold">
+                                          <p:stCondLst>
+                                            <p:cond delay="0"/>
+                                          </p:stCondLst>
+                                        </p:cTn>
+                                        <p:tgtEl>
+                                          <p:spTgt spid="3">
+                                            <p:txEl>
+                                              <p:pRg st="1" end="1"/>
+                                            </p:txEl>
+                                          </p:spTgt>
+                                        </p:tgtEl>
+                                        <p:attrNameLst>
+                                          <p:attrName>style.visibility</p:attrName>
+                                        </p:attrNameLst>
+                                      </p:cBhvr>
+                                      <p:to>
+                                        <p:strVal val="visible"/>
+                                      </p:to>
+                                    </p:set>
+                                  </p:childTnLst>
+                                </p:cTn>
+                              </p:par>
+                              <p:par>
+                                <p:cTn id="9" presetID="1" presetClass="entr" presetSubtype="0" fill="hold" grpId="0" nodeType="withEffect">
+                                  <p:stCondLst>
+                                    <p:cond delay="0"/>
+                                  </p:stCondLst>
+                                  <p:childTnLst>
+                                    <p:set>
+                                      <p:cBhvr>
+                                        <p:cTn id="10" dur="1" fill="hold">
+                                          <p:stCondLst>
+                                            <p:cond delay="0"/>
+                                          </p:stCondLst>
+                                        </p:cTn>
+                                        <p:tgtEl>
+                                          <p:spTgt spid="3">
+                                            <p:txEl>
+                                              <p:pRg st="2" end="2"/>
+                                            </p:txEl>
+                                          </p:spTgt>
+                                        </p:tgtEl>
+                                        <p:attrNameLst>
+                                          <p:attrName>style.visibility</p:attrName>
+                                        </p:attrNameLst>
+                                      </p:cBhvr>
+                                      <p:to>
+                                        <p:strVal val="visible"/>
+                                      </p:to>
+                                    </p:set>
+                                  </p:childTnLst>
+                                </p:cTn>
+                              </p:par>
+                            </p:childTnLst>
+                          </p:cTn>
+                        </p:par>
+                      </p:childTnLst>
+                    </p:cTn>
+                  </p:par>
+                  <p:par>
+                    <p:cTn id="11" fill="hold">
+                      <p:stCondLst>
+                        <p:cond delay="indefinite"/>
+                      </p:stCondLst>
+                      <p:childTnLst>
+                        <p:par>
+                          <p:cTn id="12" fill="hold">
+                            <p:stCondLst>
+                              <p:cond delay="0"/>
+                            </p:stCondLst>
+                            <p:childTnLst>
+                              <p:par>
+                                <p:cTn id="13" presetID="1" presetClass="entr" presetSubtype="0" fill="hold" grpId="0" nodeType="clickEffect">
+                                  <p:stCondLst>
+                                    <p:cond delay="0"/>
+                                  </p:stCondLst>
+                                  <p:childTnLst>
+                                    <p:set>
+                                      <p:cBhvr>
+                                        <p:cTn id="14" dur="1" fill="hold">
+                                          <p:stCondLst>
+                                            <p:cond delay="0"/>
+                                          </p:stCondLst>
+                                        </p:cTn>
+                                        <p:tgtEl>
+                                          <p:spTgt spid="3">
+                                            <p:txEl>
+                                              <p:pRg st="3" end="3"/>
+                                            </p:txEl>
+                                          </p:spTgt>
+                                        </p:tgtEl>
+                                        <p:attrNameLst>
+                                          <p:attrName>style.visibility</p:attrName>
+                                        </p:attrNameLst>
+                                      </p:cBhvr>
+                                      <p:to>
+                                        <p:strVal val="visible"/>
+                                      </p:to>
+                                    </p:set>
+                                  </p:childTnLst>
+                                </p:cTn>
+                              </p:par>
+                            </p:childTnLst>
+                          </p:cTn>
+                        </p:par>
+                      </p:childTnLst>
+                    </p:cTn>
+                  </p:par>
+                  <p:par>
+                    <p:cTn id="15" fill="hold">
+                      <p:stCondLst>
+                        <p:cond delay="indefinite"/>
+                      </p:stCondLst>
+                      <p:childTnLst>
+                        <p:par>
+                          <p:cTn id="16" fill="hold">
+                            <p:stCondLst>
+                              <p:cond delay="0"/>
+                            </p:stCondLst>
+                            <p:childTnLst>
+                              <p:par>
+                                <p:cTn id="17" presetID="1" presetClass="entr" presetSubtype="0" fill="hold" grpId="0" nodeType="clickEffect">
+                                  <p:stCondLst>
+                                    <p:cond delay="0"/>
+                                  </p:stCondLst>
+                                  <p:childTnLst>
+                                    <p:set>
+                                      <p:cBhvr>
+                                        <p:cTn id="18" dur="1" fill="hold">
+                                          <p:stCondLst>
+                                            <p:cond delay="0"/>
+                                          </p:stCondLst>
+                                        </p:cTn>
+                                        <p:tgtEl>
+                                          <p:spTgt spid="3">
+                                            <p:txEl>
+                                              <p:pRg st="4" end="4"/>
+                                            </p:txEl>
+                                          </p:spTgt>
+                                        </p:tgtEl>
+                                        <p:attrNameLst>
+                                          <p:attrName>style.visibility</p:attrName>
+                                        </p:attrNameLst>
+                                      </p:cBhvr>
+                                      <p:to>
+                                        <p:strVal val="visible"/>
+                                      </p:to>
+                                    </p:set>
+                                  </p:childTnLst>
+                                </p:cTn>
+                              </p:par>
+                            </p:childTnLst>
+                          </p:cTn>
+                        </p:par>
+                      </p:childTnLst>
+                    </p:cTn>
+                  </p:par>
+                </p:childTnLst>
+              </p:cTn>
+              <p:prevCondLst>
+                <p:cond evt="onPrev" delay="0">
+                  <p:tgtEl>
+                    <p:sldTgt/>
+                  </p:tgtEl>
+                </p:cond>
+              </p:prevCondLst>
+              <p:nextCondLst>
+                <p:cond evt="onNext" delay="0">
+                  <p:tgtEl>
+                    <p:sldTgt/>
+                  </p:tgtEl>
+                </p:cond>
+              </p:nextCondLst>
+            </p:seq>
+          </p:childTnLst>
+        </p:cTn>
+      </p:par>
+    </p:tnLst>
+    <p:bldLst>
+      <p:bldP spid="3" grpId="0" build="p"/>
+    </p:bldLst>
+  </p:timing>
+</p:sld>
+</file>
+
+<file path=ppt/slides/slide14.xml><?xml version="1.0" encoding="utf-8"?>
+<p:sld xmlns:a="http://schemas.openxmlformats.org/drawingml/2006/main" xmlns:r="http://schemas.openxmlformats.org/officeDocument/2006/relationships" xmlns:p="http://schemas.openxmlformats.org/presentationml/2006/main">
+  <p:cSld>
+    <p:spTree>
+      <p:nvGrpSpPr>
+        <p:cNvPr id="1" name=""/>
+        <p:cNvGrpSpPr/>
+        <p:nvPr/>
+      </p:nvGrpSpPr>
+      <p:grpSpPr>
+        <a:xfrm>
+          <a:off x="0" y="0"/>
+          <a:ext cx="0" cy="0"/>
+          <a:chOff x="0" y="0"/>
+          <a:chExt cx="0" cy="0"/>
+        </a:xfrm>
+      </p:grpSpPr>
+      <p:sp>
+        <p:nvSpPr>
+          <p:cNvPr id="2" name="Title 1">
+            <a:extLst>
+              <a:ext uri="{FF2B5EF4-FFF2-40B4-BE49-F238E27FC236}">
+                <a16:creationId xmlns:a16="http://schemas.microsoft.com/office/drawing/2014/main" id="{8CFD1C0C-45E5-4B3D-A9D8-ACEB28DA6712}"/>
+              </a:ext>
+            </a:extLst>
+          </p:cNvPr>
+          <p:cNvSpPr>
+            <a:spLocks noGrp="1"/>
+          </p:cNvSpPr>
+          <p:nvPr>
+            <p:ph type="title"/>
+          </p:nvPr>
+        </p:nvSpPr>
+        <p:spPr/>
+        <p:txBody>
+          <a:bodyPr/>
+          <a:lstStyle/>
+          <a:p>
+            <a:r>
+              <a:rPr lang="en-150" dirty="0"/>
+              <a:t>J</a:t>
+            </a:r>
+            <a:r>
+              <a:rPr lang="en-GB" dirty="0"/>
+              <a:t>o</a:t>
+            </a:r>
+            <a:r>
+              <a:rPr lang="en-150" dirty="0"/>
+              <a:t>b-</a:t>
+            </a:r>
+            <a:r>
+              <a:rPr lang="en-GB" dirty="0"/>
+              <a:t>L</a:t>
+            </a:r>
+            <a:r>
+              <a:rPr lang="en-150" dirty="0"/>
+              <a:t>e</a:t>
+            </a:r>
+            <a:r>
+              <a:rPr lang="en-GB" dirty="0"/>
+              <a:t>v</a:t>
+            </a:r>
+            <a:r>
+              <a:rPr lang="en-150" dirty="0"/>
+              <a:t>e</a:t>
+            </a:r>
+            <a:r>
+              <a:rPr lang="en-GB" dirty="0"/>
+              <a:t>l</a:t>
+            </a:r>
+            <a:r>
+              <a:rPr lang="en-150" dirty="0"/>
+              <a:t> </a:t>
+            </a:r>
+            <a:r>
+              <a:rPr lang="en-GB" dirty="0"/>
+              <a:t>F</a:t>
+            </a:r>
+            <a:r>
+              <a:rPr lang="en-150" dirty="0"/>
+              <a:t>i</a:t>
+            </a:r>
+            <a:r>
+              <a:rPr lang="en-GB" dirty="0"/>
+              <a:t>x</a:t>
+            </a:r>
+            <a:r>
+              <a:rPr lang="en-150" dirty="0"/>
+              <a:t>e</a:t>
+            </a:r>
+            <a:r>
+              <a:rPr lang="en-GB" dirty="0"/>
+              <a:t>d</a:t>
+            </a:r>
+            <a:r>
+              <a:rPr lang="en-150" dirty="0"/>
+              <a:t> </a:t>
+            </a:r>
+            <a:r>
+              <a:rPr lang="en-GB" dirty="0"/>
+              <a:t>P</a:t>
+            </a:r>
+            <a:r>
+              <a:rPr lang="en-150" dirty="0"/>
+              <a:t>r</a:t>
+            </a:r>
+            <a:r>
+              <a:rPr lang="en-GB" dirty="0"/>
+              <a:t>i</a:t>
+            </a:r>
+            <a:r>
+              <a:rPr lang="en-150" dirty="0"/>
+              <a:t>o</a:t>
+            </a:r>
+            <a:r>
+              <a:rPr lang="en-GB" dirty="0"/>
+              <a:t>r</a:t>
+            </a:r>
+            <a:r>
+              <a:rPr lang="en-150" dirty="0"/>
+              <a:t>i</a:t>
+            </a:r>
+            <a:r>
+              <a:rPr lang="en-GB" dirty="0"/>
+              <a:t>t</a:t>
+            </a:r>
+            <a:r>
+              <a:rPr lang="en-150" dirty="0"/>
+              <a:t>y </a:t>
+            </a:r>
+            <a:r>
+              <a:rPr lang="en-GB" dirty="0"/>
+              <a:t>S</a:t>
+            </a:r>
+            <a:r>
+              <a:rPr lang="en-150" dirty="0"/>
+              <a:t>c</a:t>
+            </a:r>
+            <a:r>
+              <a:rPr lang="en-GB" dirty="0"/>
+              <a:t>h</a:t>
+            </a:r>
+            <a:r>
+              <a:rPr lang="en-150" dirty="0"/>
+              <a:t>e</a:t>
+            </a:r>
+            <a:r>
+              <a:rPr lang="en-GB" dirty="0"/>
+              <a:t>d</a:t>
+            </a:r>
+            <a:r>
+              <a:rPr lang="en-150" dirty="0"/>
+              <a:t>u</a:t>
+            </a:r>
+            <a:r>
+              <a:rPr lang="en-GB" dirty="0"/>
+              <a:t>l</a:t>
+            </a:r>
+            <a:r>
+              <a:rPr lang="en-150" dirty="0"/>
+              <a:t>e</a:t>
+            </a:r>
+            <a:r>
+              <a:rPr lang="en-GB" dirty="0"/>
+              <a:t>r</a:t>
+            </a:r>
+            <a:r>
+              <a:rPr lang="en-150" dirty="0"/>
+              <a:t> </a:t>
+            </a:r>
+            <a:r>
+              <a:rPr lang="en-GB" dirty="0"/>
+              <a:t>f</a:t>
+            </a:r>
+            <a:r>
+              <a:rPr lang="en-150" dirty="0"/>
+              <a:t>o</a:t>
+            </a:r>
+            <a:r>
+              <a:rPr lang="en-GB" dirty="0"/>
+              <a:t>r</a:t>
+            </a:r>
+            <a:r>
+              <a:rPr lang="en-150" dirty="0"/>
+              <a:t> </a:t>
+            </a:r>
+            <a:r>
+              <a:rPr lang="en-GB" dirty="0"/>
+              <a:t>G</a:t>
+            </a:r>
+            <a:r>
+              <a:rPr lang="en-150" dirty="0"/>
+              <a:t>a</a:t>
+            </a:r>
+            <a:r>
+              <a:rPr lang="en-GB" dirty="0"/>
+              <a:t>n</a:t>
+            </a:r>
+            <a:r>
+              <a:rPr lang="en-150" dirty="0"/>
+              <a:t>g</a:t>
+            </a:r>
+            <a:endParaRPr lang="en-GB" dirty="0"/>
+          </a:p>
+        </p:txBody>
+      </p:sp>
+      <mc:AlternateContent xmlns:mc="http://schemas.openxmlformats.org/markup-compatibility/2006">
+        <mc:Choice xmlns:a14="http://schemas.microsoft.com/office/drawing/2010/main" Requires="a14">
+          <p:sp>
+            <p:nvSpPr>
+              <p:cNvPr id="3" name="Content Placeholder 2">
+                <a:extLst>
+                  <a:ext uri="{FF2B5EF4-FFF2-40B4-BE49-F238E27FC236}">
+                    <a16:creationId xmlns:a16="http://schemas.microsoft.com/office/drawing/2014/main" id="{548D81FD-2868-4882-8387-BDCBDC704282}"/>
+                  </a:ext>
+                </a:extLst>
+              </p:cNvPr>
+              <p:cNvSpPr>
+                <a:spLocks noGrp="1"/>
+              </p:cNvSpPr>
+              <p:nvPr>
+                <p:ph idx="1"/>
+              </p:nvPr>
+            </p:nvSpPr>
+            <p:spPr/>
+            <p:txBody>
+              <a:bodyPr/>
+              <a:lstStyle/>
+              <a:p>
+                <a:r>
+                  <a:rPr lang="en-150" dirty="0"/>
+                  <a:t>B</a:t>
+                </a:r>
+                <a:r>
+                  <a:rPr lang="en-GB" dirty="0"/>
+                  <a:t>a</a:t>
+                </a:r>
+                <a:r>
+                  <a:rPr lang="en-150" dirty="0"/>
+                  <a:t>s</a:t>
+                </a:r>
+                <a:r>
+                  <a:rPr lang="en-GB" dirty="0"/>
+                  <a:t>e</a:t>
+                </a:r>
+                <a:r>
+                  <a:rPr lang="en-150" dirty="0"/>
+                  <a:t>d on G</a:t>
+                </a:r>
+                <a:r>
+                  <a:rPr lang="en-GB" dirty="0"/>
+                  <a:t>l</a:t>
+                </a:r>
+                <a:r>
+                  <a:rPr lang="en-150" dirty="0"/>
+                  <a:t>o</a:t>
+                </a:r>
+                <a:r>
+                  <a:rPr lang="en-GB" dirty="0"/>
+                  <a:t>b</a:t>
+                </a:r>
+                <a:r>
+                  <a:rPr lang="en-150" dirty="0"/>
+                  <a:t>a</a:t>
+                </a:r>
+                <a:r>
+                  <a:rPr lang="en-GB" dirty="0"/>
+                  <a:t>l</a:t>
+                </a:r>
+                <a:r>
+                  <a:rPr lang="en-150" dirty="0"/>
+                  <a:t> </a:t>
+                </a:r>
+                <a:r>
+                  <a:rPr lang="en-GB" dirty="0"/>
+                  <a:t>J</a:t>
+                </a:r>
+                <a:r>
+                  <a:rPr lang="en-150" dirty="0"/>
+                  <a:t>L</a:t>
+                </a:r>
+                <a:r>
+                  <a:rPr lang="en-GB" dirty="0"/>
+                  <a:t>F</a:t>
+                </a:r>
+                <a:r>
+                  <a:rPr lang="en-150" dirty="0"/>
+                  <a:t>P </a:t>
+                </a:r>
+                <a:r>
+                  <a:rPr lang="en-GB" dirty="0"/>
+                  <a:t>s</a:t>
+                </a:r>
+                <a:r>
+                  <a:rPr lang="en-150" dirty="0"/>
+                  <a:t>c</a:t>
+                </a:r>
+                <a:r>
+                  <a:rPr lang="en-GB" dirty="0"/>
+                  <a:t>h</a:t>
+                </a:r>
+                <a:r>
+                  <a:rPr lang="en-150" dirty="0"/>
+                  <a:t>e</a:t>
+                </a:r>
+                <a:r>
+                  <a:rPr lang="en-GB" dirty="0"/>
+                  <a:t>d</a:t>
+                </a:r>
+                <a:r>
+                  <a:rPr lang="en-150" dirty="0"/>
+                  <a:t>u</a:t>
+                </a:r>
+                <a:r>
+                  <a:rPr lang="en-GB" dirty="0"/>
+                  <a:t>l</a:t>
+                </a:r>
+                <a:r>
+                  <a:rPr lang="en-150" dirty="0"/>
+                  <a:t>e</a:t>
+                </a:r>
+                <a:r>
+                  <a:rPr lang="en-GB" dirty="0"/>
+                  <a:t>r</a:t>
+                </a:r>
+                <a:endParaRPr lang="en-150" dirty="0"/>
+              </a:p>
+              <a:p>
+                <a:r>
+                  <a:rPr lang="en-150" dirty="0"/>
+                  <a:t>Work conserving scheduler</a:t>
+                </a:r>
+              </a:p>
+              <a:p>
+                <a:r>
+                  <a:rPr lang="en-150" dirty="0"/>
+                  <a:t>Job with highest priority goes first</a:t>
+                </a:r>
+              </a:p>
+              <a:p>
+                <a:r>
+                  <a:rPr lang="en-150" dirty="0"/>
+                  <a:t>Assigns </a:t>
+                </a:r>
+                <a:r>
+                  <a:rPr lang="en-GB" dirty="0"/>
+                  <a:t>m</a:t>
+                </a:r>
+                <a:r>
+                  <a:rPr lang="en-150" dirty="0"/>
+                  <a:t>a</a:t>
+                </a:r>
+                <a:r>
+                  <a:rPr lang="en-GB" dirty="0"/>
+                  <a:t>x</a:t>
+                </a:r>
+                <a:r>
+                  <a:rPr lang="en-150" dirty="0"/>
+                  <a:t>i</a:t>
+                </a:r>
+                <a:r>
+                  <a:rPr lang="en-GB" dirty="0"/>
+                  <a:t>m</a:t>
+                </a:r>
+                <a:r>
+                  <a:rPr lang="en-150" dirty="0"/>
+                  <a:t>u</a:t>
+                </a:r>
+                <a:r>
+                  <a:rPr lang="en-GB" dirty="0"/>
+                  <a:t>m</a:t>
+                </a:r>
+                <a:r>
+                  <a:rPr lang="en-150" dirty="0"/>
+                  <a:t> </a:t>
+                </a:r>
+                <a:r>
+                  <a:rPr lang="en-GB" dirty="0"/>
+                  <a:t>c</a:t>
+                </a:r>
+                <a:r>
+                  <a:rPr lang="en-150" dirty="0"/>
+                  <a:t>o</a:t>
+                </a:r>
+                <a:r>
+                  <a:rPr lang="en-GB" dirty="0"/>
+                  <a:t>r</a:t>
+                </a:r>
+                <a:r>
+                  <a:rPr lang="en-150" dirty="0"/>
+                  <a:t>e</a:t>
+                </a:r>
+                <a:r>
+                  <a:rPr lang="en-GB" dirty="0"/>
+                  <a:t>s</a:t>
+                </a:r>
+                <a:r>
+                  <a:rPr lang="en-150" dirty="0"/>
+                  <a:t> </a:t>
+                </a:r>
+                <a:r>
+                  <a:rPr lang="en-GB" dirty="0"/>
+                  <a:t>a</a:t>
+                </a:r>
+                <a:r>
+                  <a:rPr lang="en-150" dirty="0"/>
+                  <a:t>v</a:t>
+                </a:r>
+                <a:r>
+                  <a:rPr lang="en-GB" dirty="0"/>
+                  <a:t>a</a:t>
+                </a:r>
+                <a:r>
+                  <a:rPr lang="en-150" dirty="0"/>
+                  <a:t>i</a:t>
+                </a:r>
+                <a:r>
+                  <a:rPr lang="en-GB" dirty="0"/>
+                  <a:t>l</a:t>
+                </a:r>
+                <a:r>
+                  <a:rPr lang="en-150" dirty="0"/>
+                  <a:t>a</a:t>
+                </a:r>
+                <a:r>
+                  <a:rPr lang="en-GB" dirty="0"/>
+                  <a:t>b</a:t>
+                </a:r>
+                <a:r>
+                  <a:rPr lang="en-150" dirty="0"/>
+                  <a:t>l</a:t>
+                </a:r>
+                <a:r>
+                  <a:rPr lang="en-GB" dirty="0"/>
+                  <a:t>e</a:t>
+                </a:r>
+                <a:r>
+                  <a:rPr lang="en-150" dirty="0"/>
+                  <a:t> </a:t>
+                </a:r>
+                <a:r>
+                  <a:rPr lang="en-GB" dirty="0"/>
+                  <a:t>b</a:t>
+                </a:r>
+                <a:r>
+                  <a:rPr lang="en-150" dirty="0"/>
+                  <a:t>e</a:t>
+                </a:r>
+                <a:r>
+                  <a:rPr lang="en-GB" dirty="0"/>
+                  <a:t>t</a:t>
+                </a:r>
+                <a:r>
+                  <a:rPr lang="en-150" dirty="0"/>
+                  <a:t>w</a:t>
+                </a:r>
+                <a:r>
+                  <a:rPr lang="en-GB" dirty="0"/>
+                  <a:t>e</a:t>
+                </a:r>
+                <a:r>
+                  <a:rPr lang="en-150" dirty="0"/>
+                  <a:t>e</a:t>
+                </a:r>
+                <a:r>
+                  <a:rPr lang="en-GB" dirty="0"/>
+                  <a:t>n</a:t>
+                </a:r>
+                <a:r>
+                  <a:rPr lang="en-150" dirty="0"/>
+                  <a:t> </a:t>
+                </a:r>
+                <a14:m>
+                  <m:oMath xmlns:m="http://schemas.openxmlformats.org/officeDocument/2006/math">
+                    <m:sSubSup>
+                      <m:sSubSupPr>
+                        <m:ctrlPr>
+                          <a:rPr lang="en-150" b="0" i="1" smtClean="0">
+                            <a:latin typeface="Cambria Math" panose="02040503050406030204" pitchFamily="18" charset="0"/>
+                          </a:rPr>
+                        </m:ctrlPr>
+                      </m:sSubSupPr>
+                      <m:e>
+                        <m:r>
+                          <a:rPr lang="en-150" b="0" i="1" smtClean="0">
+                            <a:latin typeface="Cambria Math" panose="02040503050406030204" pitchFamily="18" charset="0"/>
+                          </a:rPr>
+                          <m:t>𝑠</m:t>
+                        </m:r>
+                      </m:e>
+                      <m:sub>
+                        <m:r>
+                          <a:rPr lang="en-150" b="0" i="1" smtClean="0">
+                            <a:latin typeface="Cambria Math" panose="02040503050406030204" pitchFamily="18" charset="0"/>
+                          </a:rPr>
+                          <m:t>𝑖</m:t>
+                        </m:r>
+                      </m:sub>
+                      <m:sup>
+                        <m:func>
+                          <m:funcPr>
+                            <m:ctrlPr>
+                              <a:rPr lang="en-150" b="0" i="1" smtClean="0">
+                                <a:latin typeface="Cambria Math" panose="02040503050406030204" pitchFamily="18" charset="0"/>
+                              </a:rPr>
+                            </m:ctrlPr>
+                          </m:funcPr>
+                          <m:fName>
+                            <m:r>
+                              <m:rPr>
+                                <m:sty m:val="p"/>
+                              </m:rPr>
+                              <a:rPr lang="en-150" b="0" i="0" smtClean="0">
+                                <a:latin typeface="Cambria Math" panose="02040503050406030204" pitchFamily="18" charset="0"/>
+                              </a:rPr>
+                              <m:t>min</m:t>
+                            </m:r>
+                          </m:fName>
+                          <m:e>
+                            <m:r>
+                              <a:rPr lang="en-150" b="0" i="1" smtClean="0">
+                                <a:latin typeface="Cambria Math" panose="02040503050406030204" pitchFamily="18" charset="0"/>
+                              </a:rPr>
+                              <m:t> </m:t>
+                            </m:r>
+                          </m:e>
+                        </m:func>
+                      </m:sup>
+                    </m:sSubSup>
+                  </m:oMath>
+                </a14:m>
+                <a:r>
+                  <a:rPr lang="en-150" dirty="0"/>
+                  <a:t> and </a:t>
+                </a:r>
+                <a14:m>
+                  <m:oMath xmlns:m="http://schemas.openxmlformats.org/officeDocument/2006/math">
+                    <m:sSubSup>
+                      <m:sSubSupPr>
+                        <m:ctrlPr>
+                          <a:rPr lang="en-150" b="0" i="1" smtClean="0">
+                            <a:latin typeface="Cambria Math" panose="02040503050406030204" pitchFamily="18" charset="0"/>
+                          </a:rPr>
+                        </m:ctrlPr>
+                      </m:sSubSupPr>
+                      <m:e>
+                        <m:r>
+                          <a:rPr lang="en-150" b="0" i="1" smtClean="0">
+                            <a:latin typeface="Cambria Math" panose="02040503050406030204" pitchFamily="18" charset="0"/>
+                          </a:rPr>
+                          <m:t>𝑠</m:t>
+                        </m:r>
+                      </m:e>
+                      <m:sub>
+                        <m:r>
+                          <a:rPr lang="en-150" b="0" i="1" smtClean="0">
+                            <a:latin typeface="Cambria Math" panose="02040503050406030204" pitchFamily="18" charset="0"/>
+                          </a:rPr>
+                          <m:t>𝑖</m:t>
+                        </m:r>
+                      </m:sub>
+                      <m:sup>
+                        <m:func>
+                          <m:funcPr>
+                            <m:ctrlPr>
+                              <a:rPr lang="en-150" b="0" i="1" smtClean="0">
+                                <a:latin typeface="Cambria Math" panose="02040503050406030204" pitchFamily="18" charset="0"/>
+                              </a:rPr>
+                            </m:ctrlPr>
+                          </m:funcPr>
+                          <m:fName>
+                            <m:r>
+                              <m:rPr>
+                                <m:sty m:val="p"/>
+                              </m:rPr>
+                              <a:rPr lang="en-150" b="0" i="0" smtClean="0">
+                                <a:latin typeface="Cambria Math" panose="02040503050406030204" pitchFamily="18" charset="0"/>
+                              </a:rPr>
+                              <m:t>max</m:t>
+                            </m:r>
+                          </m:fName>
+                          <m:e>
+                            <m:r>
+                              <a:rPr lang="en-150" b="0" i="1" smtClean="0">
+                                <a:latin typeface="Cambria Math" panose="02040503050406030204" pitchFamily="18" charset="0"/>
+                              </a:rPr>
+                              <m:t> </m:t>
+                            </m:r>
+                          </m:e>
+                        </m:func>
+                      </m:sup>
+                    </m:sSubSup>
+                  </m:oMath>
+                </a14:m>
+                <a:endParaRPr lang="en-GB" dirty="0"/>
+              </a:p>
+            </p:txBody>
+          </p:sp>
+        </mc:Choice>
+        <mc:Fallback>
+          <p:sp>
+            <p:nvSpPr>
+              <p:cNvPr id="3" name="Content Placeholder 2">
+                <a:extLst>
+                  <a:ext uri="{FF2B5EF4-FFF2-40B4-BE49-F238E27FC236}">
+                    <a16:creationId xmlns:a16="http://schemas.microsoft.com/office/drawing/2014/main" id="{548D81FD-2868-4882-8387-BDCBDC704282}"/>
+                  </a:ext>
+                </a:extLst>
+              </p:cNvPr>
+              <p:cNvSpPr>
+                <a:spLocks noGrp="1" noRot="1" noChangeAspect="1" noMove="1" noResize="1" noEditPoints="1" noAdjustHandles="1" noChangeArrowheads="1" noChangeShapeType="1" noTextEdit="1"/>
+              </p:cNvSpPr>
+              <p:nvPr>
+                <p:ph idx="1"/>
+              </p:nvPr>
+            </p:nvSpPr>
+            <p:spPr>
+              <a:blipFill>
+                <a:blip r:embed="rId2"/>
+                <a:stretch>
+                  <a:fillRect l="-1043" t="-2313"/>
+                </a:stretch>
+              </a:blipFill>
+            </p:spPr>
+            <p:txBody>
+              <a:bodyPr/>
+              <a:lstStyle/>
+              <a:p>
+                <a:r>
+                  <a:rPr lang="en-GB">
+                    <a:noFill/>
+                  </a:rPr>
+                  <a:t> </a:t>
+                </a:r>
+              </a:p>
+            </p:txBody>
+          </p:sp>
+        </mc:Fallback>
+      </mc:AlternateContent>
+      <p:sp>
+        <p:nvSpPr>
+          <p:cNvPr id="4" name="Slide Number Placeholder 3">
+            <a:extLst>
+              <a:ext uri="{FF2B5EF4-FFF2-40B4-BE49-F238E27FC236}">
+                <a16:creationId xmlns:a16="http://schemas.microsoft.com/office/drawing/2014/main" id="{AC948599-EA99-438D-8DCB-B9F33B71A940}"/>
+              </a:ext>
+            </a:extLst>
+          </p:cNvPr>
+          <p:cNvSpPr>
+            <a:spLocks noGrp="1"/>
+          </p:cNvSpPr>
+          <p:nvPr>
+            <p:ph type="sldNum" sz="quarter" idx="12"/>
+          </p:nvPr>
+        </p:nvSpPr>
+        <p:spPr/>
+        <p:txBody>
+          <a:bodyPr/>
+          <a:lstStyle/>
+          <a:p>
+            <a:fld id="{6565F0C3-D9E9-4961-A3A4-87F2116D4289}" type="slidenum">
+              <a:rPr lang="en-GB" smtClean="0"/>
+              <a:t>14</a:t>
+            </a:fld>
+            <a:endParaRPr lang="en-GB" dirty="0"/>
+          </a:p>
+        </p:txBody>
+      </p:sp>
+    </p:spTree>
+    <p:extLst>
+      <p:ext uri="{BB962C8B-B14F-4D97-AF65-F5344CB8AC3E}">
+        <p14:creationId xmlns:p14="http://schemas.microsoft.com/office/powerpoint/2010/main" val="1611260375"/>
+      </p:ext>
+    </p:extLst>
+  </p:cSld>
+  <p:clrMapOvr>
+    <a:masterClrMapping/>
+  </p:clrMapOvr>
+</p:sld>
+</file>
+
+<file path=ppt/slides/slide15.xml><?xml version="1.0" encoding="utf-8"?>
+<p:sld xmlns:a="http://schemas.openxmlformats.org/drawingml/2006/main" xmlns:r="http://schemas.openxmlformats.org/officeDocument/2006/relationships" xmlns:p="http://schemas.openxmlformats.org/presentationml/2006/main">
+  <p:cSld>
+    <p:spTree>
+      <p:nvGrpSpPr>
+        <p:cNvPr id="1" name=""/>
+        <p:cNvGrpSpPr/>
+        <p:nvPr/>
+      </p:nvGrpSpPr>
+      <p:grpSpPr>
+        <a:xfrm>
+          <a:off x="0" y="0"/>
+          <a:ext cx="0" cy="0"/>
+          <a:chOff x="0" y="0"/>
+          <a:chExt cx="0" cy="0"/>
+        </a:xfrm>
+      </p:grpSpPr>
+      <p:sp>
+        <p:nvSpPr>
+          <p:cNvPr id="2" name="Title 1">
+            <a:extLst>
+              <a:ext uri="{FF2B5EF4-FFF2-40B4-BE49-F238E27FC236}">
+                <a16:creationId xmlns:a16="http://schemas.microsoft.com/office/drawing/2014/main" id="{44531203-3184-4727-A710-7B6616D9E061}"/>
+              </a:ext>
+            </a:extLst>
+          </p:cNvPr>
+          <p:cNvSpPr>
+            <a:spLocks noGrp="1"/>
+          </p:cNvSpPr>
+          <p:nvPr>
+            <p:ph type="title"/>
+          </p:nvPr>
+        </p:nvSpPr>
+        <p:spPr/>
+        <p:txBody>
+          <a:bodyPr/>
+          <a:lstStyle/>
+          <a:p>
+            <a:r>
+              <a:rPr lang="en-150" dirty="0"/>
+              <a:t>Difficulties related to SAG</a:t>
+            </a:r>
+            <a:endParaRPr lang="en-GB" dirty="0"/>
+          </a:p>
+        </p:txBody>
+      </p:sp>
+      <p:sp>
+        <p:nvSpPr>
+          <p:cNvPr id="3" name="Content Placeholder 2">
+            <a:extLst>
+              <a:ext uri="{FF2B5EF4-FFF2-40B4-BE49-F238E27FC236}">
+                <a16:creationId xmlns:a16="http://schemas.microsoft.com/office/drawing/2014/main" id="{C5E3763F-2D79-4342-88AF-4CDE15DDC25A}"/>
+              </a:ext>
+            </a:extLst>
+          </p:cNvPr>
+          <p:cNvSpPr>
+            <a:spLocks noGrp="1"/>
+          </p:cNvSpPr>
+          <p:nvPr>
+            <p:ph idx="1"/>
+          </p:nvPr>
+        </p:nvSpPr>
+        <p:spPr/>
+        <p:txBody>
+          <a:bodyPr/>
+          <a:lstStyle/>
+          <a:p>
+            <a:r>
+              <a:rPr lang="en-150" dirty="0"/>
+              <a:t>W</a:t>
+            </a:r>
+            <a:r>
+              <a:rPr lang="en-GB" dirty="0"/>
+              <a:t>e</a:t>
+            </a:r>
+            <a:r>
+              <a:rPr lang="en-150" dirty="0"/>
+              <a:t> </a:t>
+            </a:r>
+            <a:r>
+              <a:rPr lang="en-GB" dirty="0"/>
+              <a:t>h</a:t>
+            </a:r>
+            <a:r>
+              <a:rPr lang="en-150" dirty="0"/>
+              <a:t>a</a:t>
+            </a:r>
+            <a:r>
+              <a:rPr lang="en-GB" dirty="0"/>
+              <a:t>v</a:t>
+            </a:r>
+            <a:r>
+              <a:rPr lang="en-150" dirty="0"/>
+              <a:t>e </a:t>
+            </a:r>
+            <a:r>
+              <a:rPr lang="en-GB" dirty="0"/>
+              <a:t>t</a:t>
+            </a:r>
+            <a:r>
+              <a:rPr lang="en-150" dirty="0"/>
+              <a:t>o </a:t>
+            </a:r>
+            <a:r>
+              <a:rPr lang="en-GB" dirty="0"/>
+              <a:t>c</a:t>
+            </a:r>
+            <a:r>
+              <a:rPr lang="en-150" dirty="0"/>
+              <a:t>o</a:t>
+            </a:r>
+            <a:r>
+              <a:rPr lang="en-GB" dirty="0"/>
+              <a:t>n</a:t>
+            </a:r>
+            <a:r>
+              <a:rPr lang="en-150" dirty="0"/>
+              <a:t>s</a:t>
+            </a:r>
+            <a:r>
+              <a:rPr lang="en-GB" dirty="0"/>
+              <a:t>i</a:t>
+            </a:r>
+            <a:r>
+              <a:rPr lang="en-150" dirty="0"/>
+              <a:t>d</a:t>
+            </a:r>
+            <a:r>
+              <a:rPr lang="en-GB" dirty="0"/>
+              <a:t>e</a:t>
+            </a:r>
+            <a:r>
+              <a:rPr lang="en-150" dirty="0"/>
+              <a:t>r </a:t>
+            </a:r>
+            <a:r>
+              <a:rPr lang="en-GB" dirty="0"/>
+              <a:t>a</a:t>
+            </a:r>
+            <a:r>
+              <a:rPr lang="en-150" dirty="0"/>
+              <a:t>l</a:t>
+            </a:r>
+            <a:r>
+              <a:rPr lang="en-GB" dirty="0"/>
+              <a:t>l</a:t>
+            </a:r>
+            <a:r>
+              <a:rPr lang="en-150" dirty="0"/>
+              <a:t> scenarios. </a:t>
+            </a:r>
+          </a:p>
+          <a:p>
+            <a:r>
+              <a:rPr lang="en-150" dirty="0"/>
+              <a:t>The scheduler has to decide:</a:t>
+            </a:r>
+          </a:p>
+          <a:p>
+            <a:pPr lvl="1"/>
+            <a:r>
+              <a:rPr lang="en-150" dirty="0"/>
+              <a:t>When to release a job</a:t>
+            </a:r>
+          </a:p>
+          <a:p>
+            <a:pPr lvl="1"/>
+            <a:r>
+              <a:rPr lang="en-150" dirty="0"/>
+              <a:t>How many cores to assign to this job</a:t>
+            </a:r>
+          </a:p>
+        </p:txBody>
+      </p:sp>
+      <p:sp>
+        <p:nvSpPr>
+          <p:cNvPr id="4" name="Slide Number Placeholder 3">
+            <a:extLst>
+              <a:ext uri="{FF2B5EF4-FFF2-40B4-BE49-F238E27FC236}">
+                <a16:creationId xmlns:a16="http://schemas.microsoft.com/office/drawing/2014/main" id="{DD204C30-A3E3-4EB4-B4F2-6F34A7F6822F}"/>
+              </a:ext>
+            </a:extLst>
+          </p:cNvPr>
+          <p:cNvSpPr>
+            <a:spLocks noGrp="1"/>
+          </p:cNvSpPr>
+          <p:nvPr>
+            <p:ph type="sldNum" sz="quarter" idx="12"/>
+          </p:nvPr>
+        </p:nvSpPr>
+        <p:spPr/>
+        <p:txBody>
+          <a:bodyPr/>
+          <a:lstStyle/>
+          <a:p>
+            <a:fld id="{6565F0C3-D9E9-4961-A3A4-87F2116D4289}" type="slidenum">
+              <a:rPr lang="en-GB" smtClean="0"/>
+              <a:t>15</a:t>
+            </a:fld>
+            <a:endParaRPr lang="en-GB" dirty="0"/>
+          </a:p>
+        </p:txBody>
+      </p:sp>
+    </p:spTree>
+    <p:extLst>
+      <p:ext uri="{BB962C8B-B14F-4D97-AF65-F5344CB8AC3E}">
+        <p14:creationId xmlns:p14="http://schemas.microsoft.com/office/powerpoint/2010/main" val="3615705772"/>
+      </p:ext>
+    </p:extLst>
+  </p:cSld>
+  <p:clrMapOvr>
+    <a:masterClrMapping/>
+  </p:clrMapOvr>
+</p:sld>
+</file>
+
+<file path=ppt/slides/slide16.xml><?xml version="1.0" encoding="utf-8"?>
+<p:sld xmlns:a="http://schemas.openxmlformats.org/drawingml/2006/main" xmlns:r="http://schemas.openxmlformats.org/officeDocument/2006/relationships" xmlns:p="http://schemas.openxmlformats.org/presentationml/2006/main">
+  <p:cSld>
+    <p:spTree>
+      <p:nvGrpSpPr>
+        <p:cNvPr id="1" name=""/>
+        <p:cNvGrpSpPr/>
+        <p:nvPr/>
+      </p:nvGrpSpPr>
+      <p:grpSpPr>
+        <a:xfrm>
+          <a:off x="0" y="0"/>
+          <a:ext cx="0" cy="0"/>
+          <a:chOff x="0" y="0"/>
+          <a:chExt cx="0" cy="0"/>
+        </a:xfrm>
+      </p:grpSpPr>
+      <p:sp>
+        <p:nvSpPr>
+          <p:cNvPr id="2" name="Title 1">
+            <a:extLst>
+              <a:ext uri="{FF2B5EF4-FFF2-40B4-BE49-F238E27FC236}">
+                <a16:creationId xmlns:a16="http://schemas.microsoft.com/office/drawing/2014/main" id="{2718CF2E-22FB-430A-BEE1-A2F207F56A1F}"/>
+              </a:ext>
+            </a:extLst>
+          </p:cNvPr>
+          <p:cNvSpPr>
+            <a:spLocks noGrp="1"/>
+          </p:cNvSpPr>
+          <p:nvPr>
+            <p:ph type="title"/>
+          </p:nvPr>
+        </p:nvSpPr>
+        <p:spPr/>
+        <p:txBody>
+          <a:bodyPr/>
+          <a:lstStyle/>
+          <a:p>
+            <a:r>
+              <a:rPr lang="en-150" dirty="0"/>
+              <a:t>A</a:t>
+            </a:r>
+            <a:r>
+              <a:rPr lang="en-GB" dirty="0"/>
+              <a:t>n</a:t>
+            </a:r>
+            <a:r>
+              <a:rPr lang="en-150" dirty="0"/>
+              <a:t>a</a:t>
+            </a:r>
+            <a:r>
+              <a:rPr lang="en-GB" dirty="0"/>
+              <a:t>l</a:t>
+            </a:r>
+            <a:r>
+              <a:rPr lang="en-150" dirty="0"/>
+              <a:t>y</a:t>
+            </a:r>
+            <a:r>
+              <a:rPr lang="en-GB" dirty="0"/>
+              <a:t>s</a:t>
+            </a:r>
+            <a:r>
+              <a:rPr lang="en-150" dirty="0"/>
+              <a:t>i</a:t>
+            </a:r>
+            <a:r>
+              <a:rPr lang="en-GB" dirty="0"/>
+              <a:t>s</a:t>
+            </a:r>
+          </a:p>
+        </p:txBody>
+      </p:sp>
+      <mc:AlternateContent xmlns:mc="http://schemas.openxmlformats.org/markup-compatibility/2006">
+        <mc:Choice xmlns:a14="http://schemas.microsoft.com/office/drawing/2010/main" Requires="a14">
+          <p:sp>
+            <p:nvSpPr>
+              <p:cNvPr id="3" name="Content Placeholder 2">
+                <a:extLst>
+                  <a:ext uri="{FF2B5EF4-FFF2-40B4-BE49-F238E27FC236}">
+                    <a16:creationId xmlns:a16="http://schemas.microsoft.com/office/drawing/2014/main" id="{99A0370D-A7E8-4270-9A81-282A634D70F9}"/>
+                  </a:ext>
+                </a:extLst>
+              </p:cNvPr>
+              <p:cNvSpPr>
+                <a:spLocks noGrp="1"/>
+              </p:cNvSpPr>
+              <p:nvPr>
+                <p:ph idx="1"/>
+              </p:nvPr>
+            </p:nvSpPr>
+            <p:spPr/>
+            <p:txBody>
+              <a:bodyPr>
+                <a:normAutofit/>
+              </a:bodyPr>
+              <a:lstStyle/>
+              <a:p>
+                <a14:m>
+                  <m:oMath xmlns:m="http://schemas.openxmlformats.org/officeDocument/2006/math">
+                    <m:sSubSup>
+                      <m:sSubSupPr>
+                        <m:ctrlPr>
+                          <a:rPr lang="en-150" b="0" i="1" smtClean="0">
+                            <a:latin typeface="Cambria Math" panose="02040503050406030204" pitchFamily="18" charset="0"/>
+                          </a:rPr>
+                        </m:ctrlPr>
+                      </m:sSubSupPr>
+                      <m:e>
+                        <m:r>
+                          <a:rPr lang="en-150" b="0" i="1" smtClean="0">
+                            <a:latin typeface="Cambria Math" panose="02040503050406030204" pitchFamily="18" charset="0"/>
+                          </a:rPr>
+                          <m:t>𝐴</m:t>
+                        </m:r>
+                      </m:e>
+                      <m:sub>
+                        <m:r>
+                          <a:rPr lang="en-150" b="0" i="1" smtClean="0">
+                            <a:latin typeface="Cambria Math" panose="02040503050406030204" pitchFamily="18" charset="0"/>
+                          </a:rPr>
+                          <m:t>𝑐</m:t>
+                        </m:r>
+                      </m:sub>
+                      <m:sup>
+                        <m:r>
+                          <m:rPr>
+                            <m:sty m:val="p"/>
+                          </m:rPr>
+                          <a:rPr lang="en-150" b="0" i="1" smtClean="0">
+                            <a:latin typeface="Cambria Math" panose="02040503050406030204" pitchFamily="18" charset="0"/>
+                          </a:rPr>
+                          <m:t>min</m:t>
+                        </m:r>
+                        <m:r>
+                          <a:rPr lang="en-150" b="0" i="1" smtClean="0">
+                            <a:latin typeface="Cambria Math" panose="02040503050406030204" pitchFamily="18" charset="0"/>
+                          </a:rPr>
+                          <m:t>⁡</m:t>
+                        </m:r>
+                      </m:sup>
+                    </m:sSubSup>
+                  </m:oMath>
+                </a14:m>
+                <a:r>
+                  <a:rPr lang="en-150" dirty="0"/>
+                  <a:t> time at which we have </a:t>
+                </a:r>
+                <a14:m>
+                  <m:oMath xmlns:m="http://schemas.openxmlformats.org/officeDocument/2006/math">
+                    <m:r>
+                      <a:rPr lang="en-150" b="0" i="1" smtClean="0">
+                        <a:latin typeface="Cambria Math" panose="02040503050406030204" pitchFamily="18" charset="0"/>
+                      </a:rPr>
+                      <m:t>𝑐</m:t>
+                    </m:r>
+                  </m:oMath>
+                </a14:m>
+                <a:r>
+                  <a:rPr lang="en-150" dirty="0"/>
+                  <a:t> cores possibly available</a:t>
+                </a:r>
+              </a:p>
+              <a:p>
+                <a14:m>
+                  <m:oMath xmlns:m="http://schemas.openxmlformats.org/officeDocument/2006/math">
+                    <m:sSubSup>
+                      <m:sSubSupPr>
+                        <m:ctrlPr>
+                          <a:rPr lang="en-150" b="0" i="1" smtClean="0">
+                            <a:latin typeface="Cambria Math" panose="02040503050406030204" pitchFamily="18" charset="0"/>
+                          </a:rPr>
+                        </m:ctrlPr>
+                      </m:sSubSupPr>
+                      <m:e>
+                        <m:r>
+                          <a:rPr lang="en-150" b="0" i="1" smtClean="0">
+                            <a:latin typeface="Cambria Math" panose="02040503050406030204" pitchFamily="18" charset="0"/>
+                          </a:rPr>
+                          <m:t>𝐴</m:t>
+                        </m:r>
+                      </m:e>
+                      <m:sub>
+                        <m:r>
+                          <a:rPr lang="en-150" b="0" i="1" smtClean="0">
+                            <a:latin typeface="Cambria Math" panose="02040503050406030204" pitchFamily="18" charset="0"/>
+                          </a:rPr>
+                          <m:t>𝑐</m:t>
+                        </m:r>
+                      </m:sub>
+                      <m:sup>
+                        <m:r>
+                          <m:rPr>
+                            <m:sty m:val="p"/>
+                          </m:rPr>
+                          <a:rPr lang="en-150" b="0" i="1" smtClean="0">
+                            <a:latin typeface="Cambria Math" panose="02040503050406030204" pitchFamily="18" charset="0"/>
+                          </a:rPr>
+                          <m:t>max</m:t>
+                        </m:r>
+                        <m:r>
+                          <a:rPr lang="en-150" b="0" i="1" smtClean="0">
+                            <a:latin typeface="Cambria Math" panose="02040503050406030204" pitchFamily="18" charset="0"/>
+                          </a:rPr>
+                          <m:t>⁡</m:t>
+                        </m:r>
+                      </m:sup>
+                    </m:sSubSup>
+                  </m:oMath>
+                </a14:m>
+                <a:r>
+                  <a:rPr lang="en-150" dirty="0"/>
+                  <a:t> time at which we have </a:t>
+                </a:r>
+                <a14:m>
+                  <m:oMath xmlns:m="http://schemas.openxmlformats.org/officeDocument/2006/math">
+                    <m:r>
+                      <a:rPr lang="en-150" b="0" i="1" smtClean="0">
+                        <a:latin typeface="Cambria Math" panose="02040503050406030204" pitchFamily="18" charset="0"/>
+                      </a:rPr>
+                      <m:t>𝑐</m:t>
+                    </m:r>
+                  </m:oMath>
+                </a14:m>
+                <a:r>
+                  <a:rPr lang="en-150" dirty="0"/>
+                  <a:t> cores certainly available</a:t>
+                </a:r>
+              </a:p>
+              <a:p>
+                <a:pPr marL="0" indent="0">
+                  <a:buNone/>
+                </a:pPr>
+                <a:endParaRPr lang="en-150" sz="1100" dirty="0"/>
+              </a:p>
+              <a:p>
+                <a14:m>
+                  <m:oMath xmlns:m="http://schemas.openxmlformats.org/officeDocument/2006/math">
+                    <m:r>
+                      <a:rPr lang="en-150" b="0" i="1" smtClean="0">
+                        <a:latin typeface="Cambria Math" panose="02040503050406030204" pitchFamily="18" charset="0"/>
+                      </a:rPr>
+                      <m:t>𝐸𝑆</m:t>
+                    </m:r>
+                    <m:sSub>
+                      <m:sSubPr>
+                        <m:ctrlPr>
+                          <a:rPr lang="en-150" b="0" i="1" smtClean="0">
+                            <a:latin typeface="Cambria Math" panose="02040503050406030204" pitchFamily="18" charset="0"/>
+                          </a:rPr>
+                        </m:ctrlPr>
+                      </m:sSubPr>
+                      <m:e>
+                        <m:r>
+                          <a:rPr lang="en-150" b="0" i="1" smtClean="0">
+                            <a:latin typeface="Cambria Math" panose="02040503050406030204" pitchFamily="18" charset="0"/>
+                          </a:rPr>
+                          <m:t>𝑇</m:t>
+                        </m:r>
+                      </m:e>
+                      <m:sub>
+                        <m:r>
+                          <a:rPr lang="en-150" b="0" i="1" smtClean="0">
+                            <a:latin typeface="Cambria Math" panose="02040503050406030204" pitchFamily="18" charset="0"/>
+                          </a:rPr>
+                          <m:t>𝑖</m:t>
+                        </m:r>
+                      </m:sub>
+                    </m:sSub>
+                  </m:oMath>
+                </a14:m>
+                <a:r>
+                  <a:rPr lang="en-150" dirty="0"/>
+                  <a:t> Earliest Start Time</a:t>
+                </a:r>
+              </a:p>
+              <a:p>
+                <a14:m>
+                  <m:oMath xmlns:m="http://schemas.openxmlformats.org/officeDocument/2006/math">
+                    <m:r>
+                      <a:rPr lang="en-150" b="0" i="1" smtClean="0">
+                        <a:latin typeface="Cambria Math" panose="02040503050406030204" pitchFamily="18" charset="0"/>
+                      </a:rPr>
+                      <m:t>𝐿𝑆</m:t>
+                    </m:r>
+                    <m:sSub>
+                      <m:sSubPr>
+                        <m:ctrlPr>
+                          <a:rPr lang="en-150" b="0" i="1" smtClean="0">
+                            <a:latin typeface="Cambria Math" panose="02040503050406030204" pitchFamily="18" charset="0"/>
+                          </a:rPr>
+                        </m:ctrlPr>
+                      </m:sSubPr>
+                      <m:e>
+                        <m:r>
+                          <a:rPr lang="en-150" b="0" i="1" smtClean="0">
+                            <a:latin typeface="Cambria Math" panose="02040503050406030204" pitchFamily="18" charset="0"/>
+                          </a:rPr>
+                          <m:t>𝑇</m:t>
+                        </m:r>
+                      </m:e>
+                      <m:sub>
+                        <m:r>
+                          <a:rPr lang="en-150" b="0" i="1" smtClean="0">
+                            <a:latin typeface="Cambria Math" panose="02040503050406030204" pitchFamily="18" charset="0"/>
+                          </a:rPr>
+                          <m:t>𝑖</m:t>
+                        </m:r>
+                      </m:sub>
+                    </m:sSub>
+                  </m:oMath>
+                </a14:m>
+                <a:r>
+                  <a:rPr lang="en-150" dirty="0"/>
+                  <a:t> Latest Start Time</a:t>
+                </a:r>
+              </a:p>
+              <a:p>
+                <a14:m>
+                  <m:oMath xmlns:m="http://schemas.openxmlformats.org/officeDocument/2006/math">
+                    <m:r>
+                      <a:rPr lang="en-150" b="0" i="1" smtClean="0">
+                        <a:latin typeface="Cambria Math" panose="02040503050406030204" pitchFamily="18" charset="0"/>
+                      </a:rPr>
+                      <m:t>𝐸𝐹</m:t>
+                    </m:r>
+                    <m:sSub>
+                      <m:sSubPr>
+                        <m:ctrlPr>
+                          <a:rPr lang="en-150" b="0" i="1" smtClean="0">
+                            <a:latin typeface="Cambria Math" panose="02040503050406030204" pitchFamily="18" charset="0"/>
+                          </a:rPr>
+                        </m:ctrlPr>
+                      </m:sSubPr>
+                      <m:e>
+                        <m:r>
+                          <a:rPr lang="en-150" b="0" i="1" smtClean="0">
+                            <a:latin typeface="Cambria Math" panose="02040503050406030204" pitchFamily="18" charset="0"/>
+                          </a:rPr>
+                          <m:t>𝑇</m:t>
+                        </m:r>
+                      </m:e>
+                      <m:sub>
+                        <m:r>
+                          <a:rPr lang="en-150" b="0" i="1" smtClean="0">
+                            <a:latin typeface="Cambria Math" panose="02040503050406030204" pitchFamily="18" charset="0"/>
+                          </a:rPr>
+                          <m:t>𝑖</m:t>
+                        </m:r>
+                      </m:sub>
+                    </m:sSub>
+                  </m:oMath>
+                </a14:m>
+                <a:r>
+                  <a:rPr lang="en-150" dirty="0"/>
+                  <a:t> Earliest Finishing Time</a:t>
+                </a:r>
+                <a:endParaRPr lang="en-150" b="0" dirty="0"/>
+              </a:p>
+              <a:p>
+                <a14:m>
+                  <m:oMath xmlns:m="http://schemas.openxmlformats.org/officeDocument/2006/math">
+                    <m:r>
+                      <a:rPr lang="en-150" b="0" i="1" smtClean="0">
+                        <a:latin typeface="Cambria Math" panose="02040503050406030204" pitchFamily="18" charset="0"/>
+                      </a:rPr>
+                      <m:t>𝐿𝐹</m:t>
+                    </m:r>
+                    <m:sSub>
+                      <m:sSubPr>
+                        <m:ctrlPr>
+                          <a:rPr lang="en-150" b="0" i="1" smtClean="0">
+                            <a:latin typeface="Cambria Math" panose="02040503050406030204" pitchFamily="18" charset="0"/>
+                          </a:rPr>
+                        </m:ctrlPr>
+                      </m:sSubPr>
+                      <m:e>
+                        <m:r>
+                          <a:rPr lang="en-150" b="0" i="1" smtClean="0">
+                            <a:latin typeface="Cambria Math" panose="02040503050406030204" pitchFamily="18" charset="0"/>
+                          </a:rPr>
+                          <m:t>𝑇</m:t>
+                        </m:r>
+                      </m:e>
+                      <m:sub>
+                        <m:r>
+                          <a:rPr lang="en-150" b="0" i="1" smtClean="0">
+                            <a:latin typeface="Cambria Math" panose="02040503050406030204" pitchFamily="18" charset="0"/>
+                          </a:rPr>
+                          <m:t>𝑖</m:t>
+                        </m:r>
+                      </m:sub>
+                    </m:sSub>
+                  </m:oMath>
+                </a14:m>
+                <a:r>
+                  <a:rPr lang="en-150" b="0" dirty="0"/>
+                  <a:t> Latest Finishing Time</a:t>
+                </a:r>
+              </a:p>
+              <a:p>
+                <a:endParaRPr lang="en-150" sz="1100" b="0" dirty="0"/>
+              </a:p>
+              <a:p>
+                <a:pPr marL="0" indent="0" algn="ctr">
+                  <a:buNone/>
+                </a:pPr>
+                <a14:m>
+                  <m:oMathPara xmlns:m="http://schemas.openxmlformats.org/officeDocument/2006/math">
+                    <m:oMathParaPr>
+                      <m:jc m:val="centerGroup"/>
+                    </m:oMathParaPr>
+                    <m:oMath xmlns:m="http://schemas.openxmlformats.org/officeDocument/2006/math">
+                      <m:r>
+                        <a:rPr lang="en-150" b="0" i="1" smtClean="0">
+                          <a:latin typeface="Cambria Math" panose="02040503050406030204" pitchFamily="18" charset="0"/>
+                        </a:rPr>
+                        <m:t>𝐸𝑆</m:t>
+                      </m:r>
+                      <m:sSub>
+                        <m:sSubPr>
+                          <m:ctrlPr>
+                            <a:rPr lang="en-150" b="0" i="1" smtClean="0">
+                              <a:latin typeface="Cambria Math" panose="02040503050406030204" pitchFamily="18" charset="0"/>
+                            </a:rPr>
+                          </m:ctrlPr>
+                        </m:sSubPr>
+                        <m:e>
+                          <m:r>
+                            <a:rPr lang="en-150" b="0" i="1" smtClean="0">
+                              <a:latin typeface="Cambria Math" panose="02040503050406030204" pitchFamily="18" charset="0"/>
+                            </a:rPr>
+                            <m:t>𝑇</m:t>
+                          </m:r>
+                        </m:e>
+                        <m:sub>
+                          <m:r>
+                            <a:rPr lang="en-150" b="0" i="1" smtClean="0">
+                              <a:latin typeface="Cambria Math" panose="02040503050406030204" pitchFamily="18" charset="0"/>
+                            </a:rPr>
+                            <m:t>𝑖</m:t>
+                          </m:r>
+                        </m:sub>
+                      </m:sSub>
+                      <m:r>
+                        <a:rPr lang="en-150" b="0" i="1" smtClean="0">
+                          <a:latin typeface="Cambria Math" panose="02040503050406030204" pitchFamily="18" charset="0"/>
+                        </a:rPr>
+                        <m:t>≤</m:t>
+                      </m:r>
+                      <m:r>
+                        <a:rPr lang="en-150" b="0" i="1" smtClean="0">
+                          <a:latin typeface="Cambria Math" panose="02040503050406030204" pitchFamily="18" charset="0"/>
+                        </a:rPr>
+                        <m:t>𝐿𝑆</m:t>
+                      </m:r>
+                      <m:sSub>
+                        <m:sSubPr>
+                          <m:ctrlPr>
+                            <a:rPr lang="en-150" b="0" i="1" smtClean="0">
+                              <a:latin typeface="Cambria Math" panose="02040503050406030204" pitchFamily="18" charset="0"/>
+                            </a:rPr>
+                          </m:ctrlPr>
+                        </m:sSubPr>
+                        <m:e>
+                          <m:r>
+                            <a:rPr lang="en-150" b="0" i="1" smtClean="0">
+                              <a:latin typeface="Cambria Math" panose="02040503050406030204" pitchFamily="18" charset="0"/>
+                            </a:rPr>
+                            <m:t>𝑇</m:t>
+                          </m:r>
+                        </m:e>
+                        <m:sub>
+                          <m:r>
+                            <a:rPr lang="en-150" b="0" i="1" smtClean="0">
+                              <a:latin typeface="Cambria Math" panose="02040503050406030204" pitchFamily="18" charset="0"/>
+                            </a:rPr>
+                            <m:t>𝑖</m:t>
+                          </m:r>
+                        </m:sub>
+                      </m:sSub>
+                    </m:oMath>
+                  </m:oMathPara>
+                </a14:m>
+                <a:endParaRPr lang="en-150" b="0" dirty="0"/>
+              </a:p>
+              <a:p>
+                <a:endParaRPr lang="en-150" dirty="0"/>
+              </a:p>
+            </p:txBody>
+          </p:sp>
+        </mc:Choice>
+        <mc:Fallback>
+          <p:sp>
+            <p:nvSpPr>
+              <p:cNvPr id="3" name="Content Placeholder 2">
+                <a:extLst>
+                  <a:ext uri="{FF2B5EF4-FFF2-40B4-BE49-F238E27FC236}">
+                    <a16:creationId xmlns:a16="http://schemas.microsoft.com/office/drawing/2014/main" id="{99A0370D-A7E8-4270-9A81-282A634D70F9}"/>
+                  </a:ext>
+                </a:extLst>
+              </p:cNvPr>
+              <p:cNvSpPr>
+                <a:spLocks noGrp="1" noRot="1" noChangeAspect="1" noMove="1" noResize="1" noEditPoints="1" noAdjustHandles="1" noChangeArrowheads="1" noChangeShapeType="1" noTextEdit="1"/>
+              </p:cNvSpPr>
+              <p:nvPr>
+                <p:ph idx="1"/>
+              </p:nvPr>
+            </p:nvSpPr>
+            <p:spPr>
+              <a:blipFill>
+                <a:blip r:embed="rId2"/>
+                <a:stretch>
+                  <a:fillRect t="-2041"/>
+                </a:stretch>
+              </a:blipFill>
+            </p:spPr>
+            <p:txBody>
+              <a:bodyPr/>
+              <a:lstStyle/>
+              <a:p>
+                <a:r>
+                  <a:rPr lang="en-GB">
+                    <a:noFill/>
+                  </a:rPr>
+                  <a:t> </a:t>
+                </a:r>
+              </a:p>
+            </p:txBody>
+          </p:sp>
+        </mc:Fallback>
+      </mc:AlternateContent>
+      <p:sp>
+        <p:nvSpPr>
+          <p:cNvPr id="4" name="Slide Number Placeholder 3">
+            <a:extLst>
+              <a:ext uri="{FF2B5EF4-FFF2-40B4-BE49-F238E27FC236}">
+                <a16:creationId xmlns:a16="http://schemas.microsoft.com/office/drawing/2014/main" id="{DBE000AC-2956-4AC2-84C9-537C831FF398}"/>
+              </a:ext>
+            </a:extLst>
+          </p:cNvPr>
+          <p:cNvSpPr>
+            <a:spLocks noGrp="1"/>
+          </p:cNvSpPr>
+          <p:nvPr>
+            <p:ph type="sldNum" sz="quarter" idx="12"/>
+          </p:nvPr>
+        </p:nvSpPr>
+        <p:spPr/>
+        <p:txBody>
+          <a:bodyPr/>
+          <a:lstStyle/>
+          <a:p>
+            <a:fld id="{6565F0C3-D9E9-4961-A3A4-87F2116D4289}" type="slidenum">
+              <a:rPr lang="en-GB" smtClean="0"/>
+              <a:t>16</a:t>
+            </a:fld>
+            <a:endParaRPr lang="en-GB" dirty="0"/>
+          </a:p>
+        </p:txBody>
+      </p:sp>
+    </p:spTree>
+    <p:extLst>
+      <p:ext uri="{BB962C8B-B14F-4D97-AF65-F5344CB8AC3E}">
+        <p14:creationId xmlns:p14="http://schemas.microsoft.com/office/powerpoint/2010/main" val="3760640944"/>
+      </p:ext>
+    </p:extLst>
+  </p:cSld>
+  <p:clrMapOvr>
+    <a:masterClrMapping/>
+  </p:clrMapOvr>
+  <p:timing>
+    <p:tnLst>
+      <p:par>
+        <p:cTn id="1" dur="indefinite" restart="never" nodeType="tmRoot">
+          <p:childTnLst>
+            <p:seq concurrent="1" nextAc="seek">
+              <p:cTn id="2" dur="indefinite" nodeType="mainSeq">
+                <p:childTnLst>
+                  <p:par>
+                    <p:cTn id="3" fill="hold">
+                      <p:stCondLst>
+                        <p:cond delay="indefinite"/>
+                      </p:stCondLst>
+                      <p:childTnLst>
+                        <p:par>
+                          <p:cTn id="4" fill="hold">
+                            <p:stCondLst>
+                              <p:cond delay="0"/>
+                            </p:stCondLst>
+                            <p:childTnLst>
+                              <p:par>
+                                <p:cTn id="5" presetID="1" presetClass="entr" presetSubtype="0" fill="hold" grpId="0" nodeType="clickEffect">
+                                  <p:stCondLst>
+                                    <p:cond delay="0"/>
+                                  </p:stCondLst>
+                                  <p:childTnLst>
+                                    <p:set>
+                                      <p:cBhvr>
+                                        <p:cTn id="6" dur="1" fill="hold">
+                                          <p:stCondLst>
+                                            <p:cond delay="0"/>
+                                          </p:stCondLst>
+                                        </p:cTn>
+                                        <p:tgtEl>
+                                          <p:spTgt spid="3">
+                                            <p:txEl>
+                                              <p:pRg st="0" end="0"/>
+                                            </p:txEl>
+                                          </p:spTgt>
+                                        </p:tgtEl>
+                                        <p:attrNameLst>
+                                          <p:attrName>style.visibility</p:attrName>
+                                        </p:attrNameLst>
+                                      </p:cBhvr>
+                                      <p:to>
+                                        <p:strVal val="visible"/>
+                                      </p:to>
+                                    </p:set>
+                                  </p:childTnLst>
+                                </p:cTn>
+                              </p:par>
+                            </p:childTnLst>
+                          </p:cTn>
+                        </p:par>
+                      </p:childTnLst>
+                    </p:cTn>
+                  </p:par>
+                  <p:par>
+                    <p:cTn id="7" fill="hold">
+                      <p:stCondLst>
+                        <p:cond delay="indefinite"/>
+                      </p:stCondLst>
+                      <p:childTnLst>
+                        <p:par>
+                          <p:cTn id="8" fill="hold">
+                            <p:stCondLst>
+                              <p:cond delay="0"/>
+                            </p:stCondLst>
+                            <p:childTnLst>
+                              <p:par>
+                                <p:cTn id="9" presetID="1" presetClass="entr" presetSubtype="0" fill="hold" grpId="0" nodeType="clickEffect">
+                                  <p:stCondLst>
+                                    <p:cond delay="0"/>
+                                  </p:stCondLst>
+                                  <p:childTnLst>
+                                    <p:set>
+                                      <p:cBhvr>
+                                        <p:cTn id="10" dur="1" fill="hold">
+                                          <p:stCondLst>
+                                            <p:cond delay="0"/>
+                                          </p:stCondLst>
+                                        </p:cTn>
+                                        <p:tgtEl>
+                                          <p:spTgt spid="3">
+                                            <p:txEl>
+                                              <p:pRg st="1" end="1"/>
+                                            </p:txEl>
+                                          </p:spTgt>
+                                        </p:tgtEl>
+                                        <p:attrNameLst>
+                                          <p:attrName>style.visibility</p:attrName>
+                                        </p:attrNameLst>
+                                      </p:cBhvr>
+                                      <p:to>
+                                        <p:strVal val="visible"/>
+                                      </p:to>
+                                    </p:set>
+                                  </p:childTnLst>
+                                </p:cTn>
+                              </p:par>
+                            </p:childTnLst>
+                          </p:cTn>
+                        </p:par>
+                      </p:childTnLst>
+                    </p:cTn>
+                  </p:par>
+                  <p:par>
+                    <p:cTn id="11" fill="hold">
+                      <p:stCondLst>
+                        <p:cond delay="indefinite"/>
+                      </p:stCondLst>
+                      <p:childTnLst>
+                        <p:par>
+                          <p:cTn id="12" fill="hold">
+                            <p:stCondLst>
+                              <p:cond delay="0"/>
+                            </p:stCondLst>
+                            <p:childTnLst>
+                              <p:par>
+                                <p:cTn id="13" presetID="1" presetClass="entr" presetSubtype="0" fill="hold" grpId="0" nodeType="clickEffect">
+                                  <p:stCondLst>
+                                    <p:cond delay="0"/>
+                                  </p:stCondLst>
+                                  <p:childTnLst>
+                                    <p:set>
+                                      <p:cBhvr>
+                                        <p:cTn id="14" dur="1" fill="hold">
+                                          <p:stCondLst>
+                                            <p:cond delay="0"/>
+                                          </p:stCondLst>
+                                        </p:cTn>
+                                        <p:tgtEl>
+                                          <p:spTgt spid="3">
+                                            <p:txEl>
+                                              <p:pRg st="3" end="3"/>
+                                            </p:txEl>
+                                          </p:spTgt>
+                                        </p:tgtEl>
+                                        <p:attrNameLst>
+                                          <p:attrName>style.visibility</p:attrName>
+                                        </p:attrNameLst>
+                                      </p:cBhvr>
+                                      <p:to>
+                                        <p:strVal val="visible"/>
+                                      </p:to>
+                                    </p:set>
+                                  </p:childTnLst>
+                                </p:cTn>
+                              </p:par>
+                            </p:childTnLst>
+                          </p:cTn>
+                        </p:par>
+                      </p:childTnLst>
+                    </p:cTn>
+                  </p:par>
+                  <p:par>
+                    <p:cTn id="15" fill="hold">
+                      <p:stCondLst>
+                        <p:cond delay="indefinite"/>
+                      </p:stCondLst>
+                      <p:childTnLst>
+                        <p:par>
+                          <p:cTn id="16" fill="hold">
+                            <p:stCondLst>
+                              <p:cond delay="0"/>
+                            </p:stCondLst>
+                            <p:childTnLst>
+                              <p:par>
+                                <p:cTn id="17" presetID="1" presetClass="entr" presetSubtype="0" fill="hold" grpId="0" nodeType="clickEffect">
+                                  <p:stCondLst>
+                                    <p:cond delay="0"/>
+                                  </p:stCondLst>
+                                  <p:childTnLst>
+                                    <p:set>
+                                      <p:cBhvr>
+                                        <p:cTn id="18" dur="1" fill="hold">
+                                          <p:stCondLst>
+                                            <p:cond delay="0"/>
+                                          </p:stCondLst>
+                                        </p:cTn>
+                                        <p:tgtEl>
+                                          <p:spTgt spid="3">
+                                            <p:txEl>
+                                              <p:pRg st="4" end="4"/>
+                                            </p:txEl>
+                                          </p:spTgt>
+                                        </p:tgtEl>
+                                        <p:attrNameLst>
+                                          <p:attrName>style.visibility</p:attrName>
+                                        </p:attrNameLst>
+                                      </p:cBhvr>
+                                      <p:to>
+                                        <p:strVal val="visible"/>
+                                      </p:to>
+                                    </p:set>
+                                  </p:childTnLst>
+                                </p:cTn>
+                              </p:par>
+                            </p:childTnLst>
+                          </p:cTn>
+                        </p:par>
+                      </p:childTnLst>
+                    </p:cTn>
+                  </p:par>
+                  <p:par>
+                    <p:cTn id="19" fill="hold">
+                      <p:stCondLst>
+                        <p:cond delay="indefinite"/>
+                      </p:stCondLst>
+                      <p:childTnLst>
+                        <p:par>
+                          <p:cTn id="20" fill="hold">
+                            <p:stCondLst>
+                              <p:cond delay="0"/>
+                            </p:stCondLst>
+                            <p:childTnLst>
+                              <p:par>
+                                <p:cTn id="21" presetID="1" presetClass="entr" presetSubtype="0" fill="hold" grpId="0" nodeType="clickEffect">
+                                  <p:stCondLst>
+                                    <p:cond delay="0"/>
+                                  </p:stCondLst>
+                                  <p:childTnLst>
+                                    <p:set>
+                                      <p:cBhvr>
+                                        <p:cTn id="22" dur="1" fill="hold">
+                                          <p:stCondLst>
+                                            <p:cond delay="0"/>
+                                          </p:stCondLst>
+                                        </p:cTn>
+                                        <p:tgtEl>
+                                          <p:spTgt spid="3">
+                                            <p:txEl>
+                                              <p:pRg st="5" end="5"/>
+                                            </p:txEl>
+                                          </p:spTgt>
+                                        </p:tgtEl>
+                                        <p:attrNameLst>
+                                          <p:attrName>style.visibility</p:attrName>
+                                        </p:attrNameLst>
+                                      </p:cBhvr>
+                                      <p:to>
+                                        <p:strVal val="visible"/>
+                                      </p:to>
+                                    </p:set>
+                                  </p:childTnLst>
+                                </p:cTn>
+                              </p:par>
+                            </p:childTnLst>
+                          </p:cTn>
+                        </p:par>
+                      </p:childTnLst>
+                    </p:cTn>
+                  </p:par>
+                  <p:par>
+                    <p:cTn id="23" fill="hold">
+                      <p:stCondLst>
+                        <p:cond delay="indefinite"/>
+                      </p:stCondLst>
+                      <p:childTnLst>
+                        <p:par>
+                          <p:cTn id="24" fill="hold">
+                            <p:stCondLst>
+                              <p:cond delay="0"/>
+                            </p:stCondLst>
+                            <p:childTnLst>
+                              <p:par>
+                                <p:cTn id="25" presetID="1" presetClass="entr" presetSubtype="0" fill="hold" grpId="0" nodeType="clickEffect">
+                                  <p:stCondLst>
+                                    <p:cond delay="0"/>
+                                  </p:stCondLst>
+                                  <p:childTnLst>
+                                    <p:set>
+                                      <p:cBhvr>
+                                        <p:cTn id="26" dur="1" fill="hold">
+                                          <p:stCondLst>
+                                            <p:cond delay="0"/>
+                                          </p:stCondLst>
+                                        </p:cTn>
+                                        <p:tgtEl>
+                                          <p:spTgt spid="3">
+                                            <p:txEl>
+                                              <p:pRg st="6" end="6"/>
+                                            </p:txEl>
+                                          </p:spTgt>
+                                        </p:tgtEl>
+                                        <p:attrNameLst>
+                                          <p:attrName>style.visibility</p:attrName>
+                                        </p:attrNameLst>
+                                      </p:cBhvr>
+                                      <p:to>
+                                        <p:strVal val="visible"/>
+                                      </p:to>
+                                    </p:set>
+                                  </p:childTnLst>
+                                </p:cTn>
+                              </p:par>
+                            </p:childTnLst>
+                          </p:cTn>
+                        </p:par>
+                      </p:childTnLst>
+                    </p:cTn>
+                  </p:par>
+                  <p:par>
+                    <p:cTn id="27" fill="hold">
+                      <p:stCondLst>
+                        <p:cond delay="indefinite"/>
+                      </p:stCondLst>
+                      <p:childTnLst>
+                        <p:par>
+                          <p:cTn id="28" fill="hold">
+                            <p:stCondLst>
+                              <p:cond delay="0"/>
+                            </p:stCondLst>
+                            <p:childTnLst>
+                              <p:par>
+                                <p:cTn id="29" presetID="1" presetClass="entr" presetSubtype="0" fill="hold" grpId="0" nodeType="clickEffect">
+                                  <p:stCondLst>
+                                    <p:cond delay="0"/>
+                                  </p:stCondLst>
+                                  <p:childTnLst>
+                                    <p:set>
+                                      <p:cBhvr>
+                                        <p:cTn id="30" dur="1" fill="hold">
+                                          <p:stCondLst>
+                                            <p:cond delay="0"/>
+                                          </p:stCondLst>
+                                        </p:cTn>
+                                        <p:tgtEl>
+                                          <p:spTgt spid="3">
+                                            <p:txEl>
+                                              <p:pRg st="8" end="8"/>
+                                            </p:txEl>
+                                          </p:spTgt>
+                                        </p:tgtEl>
+                                        <p:attrNameLst>
+                                          <p:attrName>style.visibility</p:attrName>
+                                        </p:attrNameLst>
+                                      </p:cBhvr>
+                                      <p:to>
+                                        <p:strVal val="visible"/>
+                                      </p:to>
+                                    </p:set>
+                                  </p:childTnLst>
+                                </p:cTn>
+                              </p:par>
+                            </p:childTnLst>
+                          </p:cTn>
+                        </p:par>
+                      </p:childTnLst>
+                    </p:cTn>
+                  </p:par>
+                </p:childTnLst>
+              </p:cTn>
+              <p:prevCondLst>
+                <p:cond evt="onPrev" delay="0">
+                  <p:tgtEl>
+                    <p:sldTgt/>
+                  </p:tgtEl>
+                </p:cond>
+              </p:prevCondLst>
+              <p:nextCondLst>
+                <p:cond evt="onNext" delay="0">
+                  <p:tgtEl>
+                    <p:sldTgt/>
+                  </p:tgtEl>
+                </p:cond>
+              </p:nextCondLst>
+            </p:seq>
+          </p:childTnLst>
+        </p:cTn>
+      </p:par>
+    </p:tnLst>
+    <p:bldLst>
+      <p:bldP spid="3" grpId="0" uiExpand="1" build="p"/>
+    </p:bldLst>
+  </p:timing>
+</p:sld>
+</file>
+
+<file path=ppt/slides/slide17.xml><?xml version="1.0" encoding="utf-8"?>
+<p:sld xmlns:a="http://schemas.openxmlformats.org/drawingml/2006/main" xmlns:r="http://schemas.openxmlformats.org/officeDocument/2006/relationships" xmlns:p="http://schemas.openxmlformats.org/presentationml/2006/main">
+  <p:cSld>
+    <p:spTree>
+      <p:nvGrpSpPr>
+        <p:cNvPr id="1" name=""/>
+        <p:cNvGrpSpPr/>
+        <p:nvPr/>
+      </p:nvGrpSpPr>
+      <p:grpSpPr>
+        <a:xfrm>
+          <a:off x="0" y="0"/>
+          <a:ext cx="0" cy="0"/>
+          <a:chOff x="0" y="0"/>
+          <a:chExt cx="0" cy="0"/>
+        </a:xfrm>
+      </p:grpSpPr>
+      <p:sp>
+        <p:nvSpPr>
+          <p:cNvPr id="2" name="Title 1">
+            <a:extLst>
+              <a:ext uri="{FF2B5EF4-FFF2-40B4-BE49-F238E27FC236}">
+                <a16:creationId xmlns:a16="http://schemas.microsoft.com/office/drawing/2014/main" id="{2718CF2E-22FB-430A-BEE1-A2F207F56A1F}"/>
+              </a:ext>
+            </a:extLst>
+          </p:cNvPr>
+          <p:cNvSpPr>
+            <a:spLocks noGrp="1"/>
+          </p:cNvSpPr>
+          <p:nvPr>
+            <p:ph type="title"/>
+          </p:nvPr>
+        </p:nvSpPr>
+        <p:spPr/>
+        <p:txBody>
+          <a:bodyPr/>
+          <a:lstStyle/>
+          <a:p>
+            <a:r>
+              <a:rPr lang="en-150" dirty="0"/>
+              <a:t>A</a:t>
+            </a:r>
+            <a:r>
+              <a:rPr lang="en-GB" dirty="0"/>
+              <a:t>n</a:t>
+            </a:r>
+            <a:r>
+              <a:rPr lang="en-150" dirty="0"/>
+              <a:t>a</a:t>
+            </a:r>
+            <a:r>
+              <a:rPr lang="en-GB" dirty="0"/>
+              <a:t>l</a:t>
+            </a:r>
+            <a:r>
+              <a:rPr lang="en-150" dirty="0"/>
+              <a:t>y</a:t>
+            </a:r>
+            <a:r>
+              <a:rPr lang="en-GB" dirty="0"/>
+              <a:t>s</a:t>
+            </a:r>
+            <a:r>
+              <a:rPr lang="en-150" dirty="0"/>
+              <a:t>i</a:t>
+            </a:r>
+            <a:r>
+              <a:rPr lang="en-GB" dirty="0"/>
+              <a:t>s</a:t>
+            </a:r>
+          </a:p>
+        </p:txBody>
+      </p:sp>
+      <mc:AlternateContent xmlns:mc="http://schemas.openxmlformats.org/markup-compatibility/2006">
+        <mc:Choice xmlns:a14="http://schemas.microsoft.com/office/drawing/2010/main" Requires="a14">
+          <p:sp>
+            <p:nvSpPr>
+              <p:cNvPr id="3" name="Content Placeholder 2">
+                <a:extLst>
+                  <a:ext uri="{FF2B5EF4-FFF2-40B4-BE49-F238E27FC236}">
+                    <a16:creationId xmlns:a16="http://schemas.microsoft.com/office/drawing/2014/main" id="{99A0370D-A7E8-4270-9A81-282A634D70F9}"/>
+                  </a:ext>
+                </a:extLst>
+              </p:cNvPr>
+              <p:cNvSpPr>
+                <a:spLocks noGrp="1"/>
+              </p:cNvSpPr>
+              <p:nvPr>
+                <p:ph idx="1"/>
+              </p:nvPr>
+            </p:nvSpPr>
+            <p:spPr/>
+            <p:txBody>
+              <a:bodyPr>
+                <a:normAutofit/>
+              </a:bodyPr>
+              <a:lstStyle/>
+              <a:p>
+                <a14:m>
+                  <m:oMath xmlns:m="http://schemas.openxmlformats.org/officeDocument/2006/math">
+                    <m:sSubSup>
+                      <m:sSubSupPr>
+                        <m:ctrlPr>
+                          <a:rPr lang="en-150" b="0" i="1" smtClean="0">
+                            <a:latin typeface="Cambria Math" panose="02040503050406030204" pitchFamily="18" charset="0"/>
+                          </a:rPr>
+                        </m:ctrlPr>
+                      </m:sSubSupPr>
+                      <m:e>
+                        <m:r>
+                          <a:rPr lang="en-150" b="0" i="1" smtClean="0">
+                            <a:latin typeface="Cambria Math" panose="02040503050406030204" pitchFamily="18" charset="0"/>
+                          </a:rPr>
+                          <m:t>𝐴</m:t>
+                        </m:r>
+                      </m:e>
+                      <m:sub>
+                        <m:r>
+                          <a:rPr lang="en-150" b="0" i="1" smtClean="0">
+                            <a:latin typeface="Cambria Math" panose="02040503050406030204" pitchFamily="18" charset="0"/>
+                          </a:rPr>
+                          <m:t>𝑐</m:t>
+                        </m:r>
+                      </m:sub>
+                      <m:sup>
+                        <m:r>
+                          <m:rPr>
+                            <m:sty m:val="p"/>
+                          </m:rPr>
+                          <a:rPr lang="en-150" b="0" i="1" smtClean="0">
+                            <a:latin typeface="Cambria Math" panose="02040503050406030204" pitchFamily="18" charset="0"/>
+                          </a:rPr>
+                          <m:t>min</m:t>
+                        </m:r>
+                        <m:r>
+                          <a:rPr lang="en-150" b="0" i="1" smtClean="0">
+                            <a:latin typeface="Cambria Math" panose="02040503050406030204" pitchFamily="18" charset="0"/>
+                          </a:rPr>
+                          <m:t>⁡</m:t>
+                        </m:r>
+                      </m:sup>
+                    </m:sSubSup>
+                  </m:oMath>
+                </a14:m>
+                <a:r>
+                  <a:rPr lang="en-150" dirty="0"/>
+                  <a:t> time at which we have </a:t>
+                </a:r>
+                <a14:m>
+                  <m:oMath xmlns:m="http://schemas.openxmlformats.org/officeDocument/2006/math">
+                    <m:r>
+                      <a:rPr lang="en-150" b="0" i="1" smtClean="0">
+                        <a:latin typeface="Cambria Math" panose="02040503050406030204" pitchFamily="18" charset="0"/>
+                      </a:rPr>
+                      <m:t>𝑐</m:t>
+                    </m:r>
+                  </m:oMath>
+                </a14:m>
+                <a:r>
+                  <a:rPr lang="en-150" dirty="0"/>
+                  <a:t> cores possibly available</a:t>
+                </a:r>
+              </a:p>
+              <a:p>
+                <a14:m>
+                  <m:oMath xmlns:m="http://schemas.openxmlformats.org/officeDocument/2006/math">
+                    <m:sSubSup>
+                      <m:sSubSupPr>
+                        <m:ctrlPr>
+                          <a:rPr lang="en-150" b="0" i="1" smtClean="0">
+                            <a:latin typeface="Cambria Math" panose="02040503050406030204" pitchFamily="18" charset="0"/>
+                          </a:rPr>
+                        </m:ctrlPr>
+                      </m:sSubSupPr>
+                      <m:e>
+                        <m:r>
+                          <a:rPr lang="en-150" b="0" i="1" smtClean="0">
+                            <a:latin typeface="Cambria Math" panose="02040503050406030204" pitchFamily="18" charset="0"/>
+                          </a:rPr>
+                          <m:t>𝐴</m:t>
+                        </m:r>
+                      </m:e>
+                      <m:sub>
+                        <m:r>
+                          <a:rPr lang="en-150" b="0" i="1" smtClean="0">
+                            <a:latin typeface="Cambria Math" panose="02040503050406030204" pitchFamily="18" charset="0"/>
+                          </a:rPr>
+                          <m:t>𝑐</m:t>
+                        </m:r>
+                      </m:sub>
+                      <m:sup>
+                        <m:r>
+                          <m:rPr>
+                            <m:sty m:val="p"/>
+                          </m:rPr>
+                          <a:rPr lang="en-150" b="0" i="1" smtClean="0">
+                            <a:latin typeface="Cambria Math" panose="02040503050406030204" pitchFamily="18" charset="0"/>
+                          </a:rPr>
+                          <m:t>max</m:t>
+                        </m:r>
+                        <m:r>
+                          <a:rPr lang="en-150" b="0" i="1" smtClean="0">
+                            <a:latin typeface="Cambria Math" panose="02040503050406030204" pitchFamily="18" charset="0"/>
+                          </a:rPr>
+                          <m:t>⁡</m:t>
+                        </m:r>
+                      </m:sup>
+                    </m:sSubSup>
+                  </m:oMath>
+                </a14:m>
+                <a:r>
+                  <a:rPr lang="en-150" dirty="0"/>
+                  <a:t> time at which we have </a:t>
+                </a:r>
+                <a14:m>
+                  <m:oMath xmlns:m="http://schemas.openxmlformats.org/officeDocument/2006/math">
+                    <m:r>
+                      <a:rPr lang="en-150" b="0" i="1" smtClean="0">
+                        <a:latin typeface="Cambria Math" panose="02040503050406030204" pitchFamily="18" charset="0"/>
+                      </a:rPr>
+                      <m:t>𝑐</m:t>
+                    </m:r>
+                  </m:oMath>
+                </a14:m>
+                <a:r>
+                  <a:rPr lang="en-150" dirty="0"/>
+                  <a:t> cores certainly available</a:t>
+                </a:r>
+              </a:p>
+              <a:p>
+                <a:pPr marL="0" indent="0">
+                  <a:buNone/>
+                </a:pPr>
+                <a:endParaRPr lang="en-150" sz="1100" dirty="0"/>
+              </a:p>
+              <a:p>
+                <a14:m>
+                  <m:oMath xmlns:m="http://schemas.openxmlformats.org/officeDocument/2006/math">
+                    <m:r>
+                      <a:rPr lang="en-150" b="0" i="1" smtClean="0">
+                        <a:latin typeface="Cambria Math" panose="02040503050406030204" pitchFamily="18" charset="0"/>
+                      </a:rPr>
+                      <m:t>𝐸𝑆</m:t>
+                    </m:r>
+                    <m:sSubSup>
+                      <m:sSubSupPr>
+                        <m:ctrlPr>
+                          <a:rPr lang="en-150" b="0" i="1" smtClean="0">
+                            <a:latin typeface="Cambria Math" panose="02040503050406030204" pitchFamily="18" charset="0"/>
+                          </a:rPr>
+                        </m:ctrlPr>
+                      </m:sSubSupPr>
+                      <m:e>
+                        <m:r>
+                          <a:rPr lang="en-150" b="0" i="1" smtClean="0">
+                            <a:latin typeface="Cambria Math" panose="02040503050406030204" pitchFamily="18" charset="0"/>
+                          </a:rPr>
+                          <m:t>𝑇</m:t>
+                        </m:r>
+                      </m:e>
+                      <m:sub>
+                        <m:r>
+                          <a:rPr lang="en-150" b="0" i="1" smtClean="0">
+                            <a:latin typeface="Cambria Math" panose="02040503050406030204" pitchFamily="18" charset="0"/>
+                          </a:rPr>
+                          <m:t>𝑖</m:t>
+                        </m:r>
+                      </m:sub>
+                      <m:sup>
+                        <m:r>
+                          <a:rPr lang="en-150" b="0" i="1" smtClean="0">
+                            <a:latin typeface="Cambria Math" panose="02040503050406030204" pitchFamily="18" charset="0"/>
+                          </a:rPr>
+                          <m:t>𝑝</m:t>
+                        </m:r>
+                      </m:sup>
+                    </m:sSubSup>
+                  </m:oMath>
+                </a14:m>
+                <a:r>
+                  <a:rPr lang="en-150" dirty="0"/>
+                  <a:t> Earliest Start Time</a:t>
+                </a:r>
+              </a:p>
+              <a:p>
+                <a14:m>
+                  <m:oMath xmlns:m="http://schemas.openxmlformats.org/officeDocument/2006/math">
+                    <m:r>
+                      <a:rPr lang="en-150" b="0" i="1" smtClean="0">
+                        <a:latin typeface="Cambria Math" panose="02040503050406030204" pitchFamily="18" charset="0"/>
+                      </a:rPr>
+                      <m:t>𝐿𝑆</m:t>
+                    </m:r>
+                    <m:sSubSup>
+                      <m:sSubSupPr>
+                        <m:ctrlPr>
+                          <a:rPr lang="en-150" b="0" i="1" smtClean="0">
+                            <a:latin typeface="Cambria Math" panose="02040503050406030204" pitchFamily="18" charset="0"/>
+                          </a:rPr>
+                        </m:ctrlPr>
+                      </m:sSubSupPr>
+                      <m:e>
+                        <m:r>
+                          <a:rPr lang="en-150" b="0" i="1" smtClean="0">
+                            <a:latin typeface="Cambria Math" panose="02040503050406030204" pitchFamily="18" charset="0"/>
+                          </a:rPr>
+                          <m:t>𝑇</m:t>
+                        </m:r>
+                      </m:e>
+                      <m:sub>
+                        <m:r>
+                          <a:rPr lang="en-150" b="0" i="1" smtClean="0">
+                            <a:latin typeface="Cambria Math" panose="02040503050406030204" pitchFamily="18" charset="0"/>
+                          </a:rPr>
+                          <m:t>𝑖</m:t>
+                        </m:r>
+                      </m:sub>
+                      <m:sup>
+                        <m:r>
+                          <a:rPr lang="en-150" b="0" i="1" smtClean="0">
+                            <a:latin typeface="Cambria Math" panose="02040503050406030204" pitchFamily="18" charset="0"/>
+                          </a:rPr>
+                          <m:t>𝑝</m:t>
+                        </m:r>
+                      </m:sup>
+                    </m:sSubSup>
+                  </m:oMath>
+                </a14:m>
+                <a:r>
+                  <a:rPr lang="en-150" dirty="0"/>
+                  <a:t> Latest Start Time</a:t>
+                </a:r>
+              </a:p>
+              <a:p>
+                <a14:m>
+                  <m:oMath xmlns:m="http://schemas.openxmlformats.org/officeDocument/2006/math">
+                    <m:r>
+                      <a:rPr lang="en-150" b="0" i="1" smtClean="0">
+                        <a:latin typeface="Cambria Math" panose="02040503050406030204" pitchFamily="18" charset="0"/>
+                      </a:rPr>
+                      <m:t>𝐸𝐹</m:t>
+                    </m:r>
+                    <m:sSubSup>
+                      <m:sSubSupPr>
+                        <m:ctrlPr>
+                          <a:rPr lang="en-150" b="0" i="1" smtClean="0">
+                            <a:latin typeface="Cambria Math" panose="02040503050406030204" pitchFamily="18" charset="0"/>
+                          </a:rPr>
+                        </m:ctrlPr>
+                      </m:sSubSupPr>
+                      <m:e>
+                        <m:r>
+                          <a:rPr lang="en-150" b="0" i="1" smtClean="0">
+                            <a:latin typeface="Cambria Math" panose="02040503050406030204" pitchFamily="18" charset="0"/>
+                          </a:rPr>
+                          <m:t>𝑇</m:t>
+                        </m:r>
+                      </m:e>
+                      <m:sub>
+                        <m:r>
+                          <a:rPr lang="en-150" b="0" i="1" smtClean="0">
+                            <a:latin typeface="Cambria Math" panose="02040503050406030204" pitchFamily="18" charset="0"/>
+                          </a:rPr>
+                          <m:t>𝑖</m:t>
+                        </m:r>
+                      </m:sub>
+                      <m:sup>
+                        <m:r>
+                          <a:rPr lang="en-150" b="0" i="1" smtClean="0">
+                            <a:latin typeface="Cambria Math" panose="02040503050406030204" pitchFamily="18" charset="0"/>
+                          </a:rPr>
+                          <m:t>𝑝</m:t>
+                        </m:r>
+                      </m:sup>
+                    </m:sSubSup>
+                  </m:oMath>
+                </a14:m>
+                <a:r>
+                  <a:rPr lang="en-150" dirty="0"/>
+                  <a:t> Earliest Finishing Time</a:t>
+                </a:r>
+                <a:endParaRPr lang="en-150" b="0" dirty="0"/>
+              </a:p>
+              <a:p>
+                <a14:m>
+                  <m:oMath xmlns:m="http://schemas.openxmlformats.org/officeDocument/2006/math">
+                    <m:r>
+                      <a:rPr lang="en-150" b="0" i="1" smtClean="0">
+                        <a:latin typeface="Cambria Math" panose="02040503050406030204" pitchFamily="18" charset="0"/>
+                      </a:rPr>
+                      <m:t>𝐿𝐹</m:t>
+                    </m:r>
+                    <m:sSubSup>
+                      <m:sSubSupPr>
+                        <m:ctrlPr>
+                          <a:rPr lang="en-150" b="0" i="1" smtClean="0">
+                            <a:latin typeface="Cambria Math" panose="02040503050406030204" pitchFamily="18" charset="0"/>
+                          </a:rPr>
+                        </m:ctrlPr>
+                      </m:sSubSupPr>
+                      <m:e>
+                        <m:r>
+                          <a:rPr lang="en-150" b="0" i="1" smtClean="0">
+                            <a:latin typeface="Cambria Math" panose="02040503050406030204" pitchFamily="18" charset="0"/>
+                          </a:rPr>
+                          <m:t>𝑇</m:t>
+                        </m:r>
+                      </m:e>
+                      <m:sub>
+                        <m:r>
+                          <a:rPr lang="en-150" b="0" i="1" smtClean="0">
+                            <a:latin typeface="Cambria Math" panose="02040503050406030204" pitchFamily="18" charset="0"/>
+                          </a:rPr>
+                          <m:t>𝑖</m:t>
+                        </m:r>
+                      </m:sub>
+                      <m:sup>
+                        <m:r>
+                          <a:rPr lang="en-150" b="0" i="1" smtClean="0">
+                            <a:latin typeface="Cambria Math" panose="02040503050406030204" pitchFamily="18" charset="0"/>
+                          </a:rPr>
+                          <m:t>𝑝</m:t>
+                        </m:r>
+                      </m:sup>
+                    </m:sSubSup>
+                  </m:oMath>
+                </a14:m>
+                <a:r>
+                  <a:rPr lang="en-150" b="0" dirty="0"/>
+                  <a:t> Latest Finishing Time</a:t>
+                </a:r>
+              </a:p>
+              <a:p>
+                <a:endParaRPr lang="en-150" sz="1100" b="0" dirty="0"/>
+              </a:p>
+              <a:p>
+                <a:pPr marL="0" indent="0" algn="ctr">
+                  <a:buNone/>
+                </a:pPr>
+                <a14:m>
+                  <m:oMathPara xmlns:m="http://schemas.openxmlformats.org/officeDocument/2006/math">
+                    <m:oMathParaPr>
+                      <m:jc m:val="centerGroup"/>
+                    </m:oMathParaPr>
+                    <m:oMath xmlns:m="http://schemas.openxmlformats.org/officeDocument/2006/math">
+                      <m:r>
+                        <a:rPr lang="en-150" b="0" i="1" smtClean="0">
+                          <a:latin typeface="Cambria Math" panose="02040503050406030204" pitchFamily="18" charset="0"/>
+                        </a:rPr>
+                        <m:t>𝐸𝑆</m:t>
+                      </m:r>
+                      <m:sSubSup>
+                        <m:sSubSupPr>
+                          <m:ctrlPr>
+                            <a:rPr lang="en-150" b="0" i="1" smtClean="0">
+                              <a:latin typeface="Cambria Math" panose="02040503050406030204" pitchFamily="18" charset="0"/>
+                            </a:rPr>
+                          </m:ctrlPr>
+                        </m:sSubSupPr>
+                        <m:e>
+                          <m:r>
+                            <a:rPr lang="en-150" b="0" i="1" smtClean="0">
+                              <a:latin typeface="Cambria Math" panose="02040503050406030204" pitchFamily="18" charset="0"/>
+                            </a:rPr>
+                            <m:t>𝑇</m:t>
+                          </m:r>
+                        </m:e>
+                        <m:sub>
+                          <m:r>
+                            <a:rPr lang="en-150" b="0" i="1" smtClean="0">
+                              <a:latin typeface="Cambria Math" panose="02040503050406030204" pitchFamily="18" charset="0"/>
+                            </a:rPr>
+                            <m:t>𝑖</m:t>
+                          </m:r>
+                        </m:sub>
+                        <m:sup>
+                          <m:r>
+                            <a:rPr lang="en-150" b="0" i="1" smtClean="0">
+                              <a:latin typeface="Cambria Math" panose="02040503050406030204" pitchFamily="18" charset="0"/>
+                            </a:rPr>
+                            <m:t>𝑝</m:t>
+                          </m:r>
+                        </m:sup>
+                      </m:sSubSup>
+                      <m:r>
+                        <a:rPr lang="en-150" b="0" i="1" smtClean="0">
+                          <a:latin typeface="Cambria Math" panose="02040503050406030204" pitchFamily="18" charset="0"/>
+                        </a:rPr>
+                        <m:t>≤</m:t>
+                      </m:r>
+                      <m:r>
+                        <a:rPr lang="en-150" b="0" i="1" smtClean="0">
+                          <a:latin typeface="Cambria Math" panose="02040503050406030204" pitchFamily="18" charset="0"/>
+                        </a:rPr>
+                        <m:t>𝐿𝑆</m:t>
+                      </m:r>
+                      <m:sSubSup>
+                        <m:sSubSupPr>
+                          <m:ctrlPr>
+                            <a:rPr lang="en-150" b="0" i="1" smtClean="0">
+                              <a:latin typeface="Cambria Math" panose="02040503050406030204" pitchFamily="18" charset="0"/>
+                            </a:rPr>
+                          </m:ctrlPr>
+                        </m:sSubSupPr>
+                        <m:e>
+                          <m:r>
+                            <a:rPr lang="en-150" b="0" i="1" smtClean="0">
+                              <a:latin typeface="Cambria Math" panose="02040503050406030204" pitchFamily="18" charset="0"/>
+                            </a:rPr>
+                            <m:t>𝑇</m:t>
+                          </m:r>
+                        </m:e>
+                        <m:sub>
+                          <m:r>
+                            <a:rPr lang="en-150" b="0" i="1" smtClean="0">
+                              <a:latin typeface="Cambria Math" panose="02040503050406030204" pitchFamily="18" charset="0"/>
+                            </a:rPr>
+                            <m:t>𝑖</m:t>
+                          </m:r>
+                        </m:sub>
+                        <m:sup>
+                          <m:r>
+                            <a:rPr lang="en-150" b="0" i="1" smtClean="0">
+                              <a:latin typeface="Cambria Math" panose="02040503050406030204" pitchFamily="18" charset="0"/>
+                            </a:rPr>
+                            <m:t>𝑝</m:t>
+                          </m:r>
+                        </m:sup>
+                      </m:sSubSup>
+                    </m:oMath>
+                  </m:oMathPara>
+                </a14:m>
+                <a:endParaRPr lang="en-150" b="0" dirty="0"/>
+              </a:p>
+              <a:p>
+                <a:endParaRPr lang="en-150" dirty="0"/>
+              </a:p>
+            </p:txBody>
+          </p:sp>
+        </mc:Choice>
+        <mc:Fallback>
+          <p:sp>
+            <p:nvSpPr>
+              <p:cNvPr id="3" name="Content Placeholder 2">
+                <a:extLst>
+                  <a:ext uri="{FF2B5EF4-FFF2-40B4-BE49-F238E27FC236}">
+                    <a16:creationId xmlns:a16="http://schemas.microsoft.com/office/drawing/2014/main" id="{99A0370D-A7E8-4270-9A81-282A634D70F9}"/>
+                  </a:ext>
+                </a:extLst>
+              </p:cNvPr>
+              <p:cNvSpPr>
+                <a:spLocks noGrp="1" noRot="1" noChangeAspect="1" noMove="1" noResize="1" noEditPoints="1" noAdjustHandles="1" noChangeArrowheads="1" noChangeShapeType="1" noTextEdit="1"/>
+              </p:cNvSpPr>
+              <p:nvPr>
+                <p:ph idx="1"/>
+              </p:nvPr>
+            </p:nvSpPr>
+            <p:spPr>
+              <a:blipFill>
+                <a:blip r:embed="rId2"/>
+                <a:stretch>
+                  <a:fillRect t="-2041"/>
+                </a:stretch>
+              </a:blipFill>
+            </p:spPr>
+            <p:txBody>
+              <a:bodyPr/>
+              <a:lstStyle/>
+              <a:p>
+                <a:r>
+                  <a:rPr lang="en-GB">
+                    <a:noFill/>
+                  </a:rPr>
+                  <a:t> </a:t>
+                </a:r>
+              </a:p>
+            </p:txBody>
+          </p:sp>
+        </mc:Fallback>
+      </mc:AlternateContent>
+      <p:sp>
+        <p:nvSpPr>
+          <p:cNvPr id="4" name="Slide Number Placeholder 3">
+            <a:extLst>
+              <a:ext uri="{FF2B5EF4-FFF2-40B4-BE49-F238E27FC236}">
+                <a16:creationId xmlns:a16="http://schemas.microsoft.com/office/drawing/2014/main" id="{DBE000AC-2956-4AC2-84C9-537C831FF398}"/>
+              </a:ext>
+            </a:extLst>
+          </p:cNvPr>
+          <p:cNvSpPr>
+            <a:spLocks noGrp="1"/>
+          </p:cNvSpPr>
+          <p:nvPr>
+            <p:ph type="sldNum" sz="quarter" idx="12"/>
+          </p:nvPr>
+        </p:nvSpPr>
+        <p:spPr/>
+        <p:txBody>
+          <a:bodyPr/>
+          <a:lstStyle/>
+          <a:p>
+            <a:fld id="{6565F0C3-D9E9-4961-A3A4-87F2116D4289}" type="slidenum">
+              <a:rPr lang="en-GB" smtClean="0"/>
+              <a:t>17</a:t>
+            </a:fld>
+            <a:endParaRPr lang="en-GB" dirty="0"/>
+          </a:p>
+        </p:txBody>
+      </p:sp>
+    </p:spTree>
+    <p:extLst>
+      <p:ext uri="{BB962C8B-B14F-4D97-AF65-F5344CB8AC3E}">
+        <p14:creationId xmlns:p14="http://schemas.microsoft.com/office/powerpoint/2010/main" val="607993663"/>
+      </p:ext>
+    </p:extLst>
+  </p:cSld>
+  <p:clrMapOvr>
+    <a:masterClrMapping/>
+  </p:clrMapOvr>
+</p:sld>
+</file>
+
+<file path=ppt/slides/slide18.xml><?xml version="1.0" encoding="utf-8"?>
+<p:sld xmlns:a="http://schemas.openxmlformats.org/drawingml/2006/main" xmlns:r="http://schemas.openxmlformats.org/officeDocument/2006/relationships" xmlns:p="http://schemas.openxmlformats.org/presentationml/2006/main">
+  <p:cSld>
+    <p:spTree>
+      <p:nvGrpSpPr>
+        <p:cNvPr id="1" name=""/>
+        <p:cNvGrpSpPr/>
+        <p:nvPr/>
+      </p:nvGrpSpPr>
+      <p:grpSpPr>
+        <a:xfrm>
+          <a:off x="0" y="0"/>
+          <a:ext cx="0" cy="0"/>
+          <a:chOff x="0" y="0"/>
+          <a:chExt cx="0" cy="0"/>
+        </a:xfrm>
+      </p:grpSpPr>
+      <p:sp>
+        <p:nvSpPr>
+          <p:cNvPr id="2" name="Title 1">
+            <a:extLst>
+              <a:ext uri="{FF2B5EF4-FFF2-40B4-BE49-F238E27FC236}">
+                <a16:creationId xmlns:a16="http://schemas.microsoft.com/office/drawing/2014/main" id="{002D6342-39EA-49F8-8113-0AD19302A4D5}"/>
+              </a:ext>
+            </a:extLst>
+          </p:cNvPr>
+          <p:cNvSpPr>
+            <a:spLocks noGrp="1"/>
+          </p:cNvSpPr>
+          <p:nvPr>
+            <p:ph type="title"/>
+          </p:nvPr>
+        </p:nvSpPr>
+        <p:spPr/>
+        <p:txBody>
+          <a:bodyPr/>
+          <a:lstStyle/>
+          <a:p>
+            <a:r>
+              <a:rPr lang="en-150" dirty="0"/>
+              <a:t>A</a:t>
+            </a:r>
+            <a:r>
+              <a:rPr lang="en-GB" dirty="0"/>
+              <a:t>n</a:t>
+            </a:r>
+            <a:r>
+              <a:rPr lang="en-150" dirty="0"/>
+              <a:t>a</a:t>
+            </a:r>
+            <a:r>
+              <a:rPr lang="en-GB" dirty="0"/>
+              <a:t>l</a:t>
+            </a:r>
+            <a:r>
+              <a:rPr lang="en-150" dirty="0"/>
+              <a:t>y</a:t>
+            </a:r>
+            <a:r>
+              <a:rPr lang="en-GB" dirty="0"/>
+              <a:t>s</a:t>
+            </a:r>
+            <a:r>
+              <a:rPr lang="en-150" dirty="0"/>
+              <a:t>i</a:t>
+            </a:r>
+            <a:r>
+              <a:rPr lang="en-GB" dirty="0"/>
+              <a:t>s</a:t>
+            </a:r>
+          </a:p>
+        </p:txBody>
+      </p:sp>
+      <mc:AlternateContent xmlns:mc="http://schemas.openxmlformats.org/markup-compatibility/2006">
+        <mc:Choice xmlns:a14="http://schemas.microsoft.com/office/drawing/2010/main" Requires="a14">
+          <p:sp>
+            <p:nvSpPr>
+              <p:cNvPr id="3" name="Content Placeholder 2">
+                <a:extLst>
+                  <a:ext uri="{FF2B5EF4-FFF2-40B4-BE49-F238E27FC236}">
+                    <a16:creationId xmlns:a16="http://schemas.microsoft.com/office/drawing/2014/main" id="{0792DA15-6A24-40AF-BD39-7BA33157E5A6}"/>
+                  </a:ext>
+                </a:extLst>
+              </p:cNvPr>
+              <p:cNvSpPr>
+                <a:spLocks noGrp="1"/>
+              </p:cNvSpPr>
+              <p:nvPr>
+                <p:ph idx="1"/>
+              </p:nvPr>
+            </p:nvSpPr>
+            <p:spPr/>
+            <p:txBody>
+              <a:bodyPr/>
+              <a:lstStyle/>
+              <a:p>
+                <a:pPr marL="0" indent="0" algn="ctr">
+                  <a:buNone/>
+                </a:pPr>
+                <a14:m>
+                  <m:oMathPara xmlns:m="http://schemas.openxmlformats.org/officeDocument/2006/math">
+                    <m:oMathParaPr>
+                      <m:jc m:val="centerGroup"/>
+                    </m:oMathParaPr>
+                    <m:oMath xmlns:m="http://schemas.openxmlformats.org/officeDocument/2006/math">
+                      <m:r>
+                        <a:rPr lang="en-150" b="0" i="1" smtClean="0">
+                          <a:latin typeface="Cambria Math" panose="02040503050406030204" pitchFamily="18" charset="0"/>
+                        </a:rPr>
+                        <m:t>𝐸𝑆</m:t>
+                      </m:r>
+                      <m:sSubSup>
+                        <m:sSubSupPr>
+                          <m:ctrlPr>
+                            <a:rPr lang="en-150" b="0" i="1" smtClean="0">
+                              <a:latin typeface="Cambria Math" panose="02040503050406030204" pitchFamily="18" charset="0"/>
+                            </a:rPr>
+                          </m:ctrlPr>
+                        </m:sSubSupPr>
+                        <m:e>
+                          <m:r>
+                            <a:rPr lang="en-150" b="0" i="1" smtClean="0">
+                              <a:latin typeface="Cambria Math" panose="02040503050406030204" pitchFamily="18" charset="0"/>
+                            </a:rPr>
+                            <m:t>𝑇</m:t>
+                          </m:r>
+                        </m:e>
+                        <m:sub>
+                          <m:r>
+                            <a:rPr lang="en-150" b="0" i="1" smtClean="0">
+                              <a:latin typeface="Cambria Math" panose="02040503050406030204" pitchFamily="18" charset="0"/>
+                            </a:rPr>
+                            <m:t>𝑖</m:t>
+                          </m:r>
+                        </m:sub>
+                        <m:sup>
+                          <m:r>
+                            <a:rPr lang="en-150" b="0" i="1" smtClean="0">
+                              <a:latin typeface="Cambria Math" panose="02040503050406030204" pitchFamily="18" charset="0"/>
+                            </a:rPr>
+                            <m:t>𝑝</m:t>
+                          </m:r>
+                        </m:sup>
+                      </m:sSubSup>
+                      <m:r>
+                        <a:rPr lang="en-150" b="0" i="1" smtClean="0">
+                          <a:latin typeface="Cambria Math" panose="02040503050406030204" pitchFamily="18" charset="0"/>
+                        </a:rPr>
+                        <m:t>=</m:t>
+                      </m:r>
+                      <m:r>
+                        <m:rPr>
+                          <m:sty m:val="p"/>
+                        </m:rPr>
+                        <a:rPr lang="en-150" b="0" i="1" smtClean="0">
+                          <a:latin typeface="Cambria Math" panose="02040503050406030204" pitchFamily="18" charset="0"/>
+                        </a:rPr>
+                        <m:t>max</m:t>
+                      </m:r>
+                      <m:r>
+                        <a:rPr lang="en-150" b="0" i="1" smtClean="0">
+                          <a:latin typeface="Cambria Math" panose="02040503050406030204" pitchFamily="18" charset="0"/>
+                        </a:rPr>
+                        <m:t>⁡{</m:t>
+                      </m:r>
+                      <m:sSubSup>
+                        <m:sSubSupPr>
+                          <m:ctrlPr>
+                            <a:rPr lang="en-150" b="0" i="1" smtClean="0">
+                              <a:latin typeface="Cambria Math" panose="02040503050406030204" pitchFamily="18" charset="0"/>
+                            </a:rPr>
+                          </m:ctrlPr>
+                        </m:sSubSupPr>
+                        <m:e>
+                          <m:r>
+                            <a:rPr lang="en-150" b="0" i="1" smtClean="0">
+                              <a:latin typeface="Cambria Math" panose="02040503050406030204" pitchFamily="18" charset="0"/>
+                            </a:rPr>
+                            <m:t>𝑟</m:t>
+                          </m:r>
+                        </m:e>
+                        <m:sub>
+                          <m:r>
+                            <a:rPr lang="en-150" b="0" i="1" smtClean="0">
+                              <a:latin typeface="Cambria Math" panose="02040503050406030204" pitchFamily="18" charset="0"/>
+                            </a:rPr>
+                            <m:t>𝑖</m:t>
+                          </m:r>
+                        </m:sub>
+                        <m:sup>
+                          <m:r>
+                            <m:rPr>
+                              <m:sty m:val="p"/>
+                            </m:rPr>
+                            <a:rPr lang="en-150" b="0" i="1" smtClean="0">
+                              <a:latin typeface="Cambria Math" panose="02040503050406030204" pitchFamily="18" charset="0"/>
+                            </a:rPr>
+                            <m:t>min</m:t>
+                          </m:r>
+                        </m:sup>
+                      </m:sSubSup>
+                      <m:r>
+                        <a:rPr lang="en-150" b="0" i="1" smtClean="0">
+                          <a:latin typeface="Cambria Math" panose="02040503050406030204" pitchFamily="18" charset="0"/>
+                        </a:rPr>
+                        <m:t>,</m:t>
+                      </m:r>
+                      <m:sSubSup>
+                        <m:sSubSupPr>
+                          <m:ctrlPr>
+                            <a:rPr lang="en-150" i="1">
+                              <a:latin typeface="Cambria Math" panose="02040503050406030204" pitchFamily="18" charset="0"/>
+                            </a:rPr>
+                          </m:ctrlPr>
+                        </m:sSubSupPr>
+                        <m:e>
+                          <m:r>
+                            <a:rPr lang="en-150" i="1">
+                              <a:latin typeface="Cambria Math" panose="02040503050406030204" pitchFamily="18" charset="0"/>
+                            </a:rPr>
+                            <m:t>𝐴</m:t>
+                          </m:r>
+                        </m:e>
+                        <m:sub>
+                          <m:r>
+                            <a:rPr lang="en-150" i="1">
+                              <a:latin typeface="Cambria Math" panose="02040503050406030204" pitchFamily="18" charset="0"/>
+                            </a:rPr>
+                            <m:t>𝑝</m:t>
+                          </m:r>
+                        </m:sub>
+                        <m:sup>
+                          <m:r>
+                            <m:rPr>
+                              <m:sty m:val="p"/>
+                            </m:rPr>
+                            <a:rPr lang="en-150" i="1">
+                              <a:latin typeface="Cambria Math" panose="02040503050406030204" pitchFamily="18" charset="0"/>
+                            </a:rPr>
+                            <m:t>min</m:t>
+                          </m:r>
+                        </m:sup>
+                      </m:sSubSup>
+                      <m:r>
+                        <a:rPr lang="en-150" b="0" i="1" smtClean="0">
+                          <a:latin typeface="Cambria Math" panose="02040503050406030204" pitchFamily="18" charset="0"/>
+                        </a:rPr>
+                        <m:t>}⁡</m:t>
+                      </m:r>
+                    </m:oMath>
+                  </m:oMathPara>
+                </a14:m>
+                <a:endParaRPr lang="en-150" dirty="0"/>
+              </a:p>
+              <a:p>
+                <a:r>
+                  <a:rPr lang="en-150" dirty="0"/>
+                  <a:t>J</a:t>
+                </a:r>
+                <a:r>
+                  <a:rPr lang="en-GB" dirty="0"/>
+                  <a:t>o</a:t>
+                </a:r>
+                <a:r>
+                  <a:rPr lang="en-150" dirty="0"/>
+                  <a:t>b cannot start before</a:t>
+                </a:r>
+              </a:p>
+              <a:p>
+                <a:pPr lvl="1"/>
+                <a:r>
+                  <a:rPr lang="en-150" dirty="0"/>
+                  <a:t>Being released</a:t>
+                </a:r>
+              </a:p>
+              <a:p>
+                <a:pPr lvl="1"/>
+                <a:r>
+                  <a:rPr lang="en-150" dirty="0"/>
+                  <a:t>Enough cores a</a:t>
+                </a:r>
+                <a:r>
+                  <a:rPr lang="en-GB" dirty="0"/>
+                  <a:t>r</a:t>
+                </a:r>
+                <a:r>
+                  <a:rPr lang="en-150" dirty="0"/>
+                  <a:t>e </a:t>
+                </a:r>
+                <a:r>
+                  <a:rPr lang="en-GB" dirty="0"/>
+                  <a:t>a</a:t>
+                </a:r>
+                <a:r>
+                  <a:rPr lang="en-150" dirty="0"/>
+                  <a:t>v</a:t>
+                </a:r>
+                <a:r>
+                  <a:rPr lang="en-GB" dirty="0"/>
+                  <a:t>a</a:t>
+                </a:r>
+                <a:r>
+                  <a:rPr lang="en-150" dirty="0"/>
+                  <a:t>i</a:t>
+                </a:r>
+                <a:r>
+                  <a:rPr lang="en-GB" dirty="0"/>
+                  <a:t>l</a:t>
+                </a:r>
+                <a:r>
+                  <a:rPr lang="en-150" dirty="0"/>
+                  <a:t>a</a:t>
+                </a:r>
+                <a:r>
+                  <a:rPr lang="en-GB" dirty="0"/>
+                  <a:t>b</a:t>
+                </a:r>
+                <a:r>
+                  <a:rPr lang="en-150" dirty="0"/>
+                  <a:t>l</a:t>
+                </a:r>
+                <a:r>
+                  <a:rPr lang="en-GB" dirty="0"/>
+                  <a:t>e</a:t>
+                </a:r>
+                <a:endParaRPr lang="en-150" dirty="0"/>
+              </a:p>
+              <a:p>
+                <a:pPr lvl="1"/>
+                <a:endParaRPr lang="en-150" sz="1100" dirty="0"/>
+              </a:p>
+              <a:p>
+                <a:pPr marL="0" indent="0" algn="ctr">
+                  <a:buNone/>
+                </a:pPr>
+                <a14:m>
+                  <m:oMathPara xmlns:m="http://schemas.openxmlformats.org/officeDocument/2006/math">
+                    <m:oMathParaPr>
+                      <m:jc m:val="centerGroup"/>
+                    </m:oMathParaPr>
+                    <m:oMath xmlns:m="http://schemas.openxmlformats.org/officeDocument/2006/math">
+                      <m:r>
+                        <a:rPr lang="en-150" b="0" i="1" smtClean="0">
+                          <a:latin typeface="Cambria Math" panose="02040503050406030204" pitchFamily="18" charset="0"/>
+                        </a:rPr>
+                        <m:t>𝐿𝑆</m:t>
+                      </m:r>
+                      <m:sSubSup>
+                        <m:sSubSupPr>
+                          <m:ctrlPr>
+                            <a:rPr lang="en-150" b="0" i="1" smtClean="0">
+                              <a:latin typeface="Cambria Math" panose="02040503050406030204" pitchFamily="18" charset="0"/>
+                            </a:rPr>
+                          </m:ctrlPr>
+                        </m:sSubSupPr>
+                        <m:e>
+                          <m:r>
+                            <a:rPr lang="en-150" b="0" i="1" smtClean="0">
+                              <a:latin typeface="Cambria Math" panose="02040503050406030204" pitchFamily="18" charset="0"/>
+                            </a:rPr>
+                            <m:t>𝑇</m:t>
+                          </m:r>
+                        </m:e>
+                        <m:sub>
+                          <m:r>
+                            <a:rPr lang="en-150" b="0" i="1" smtClean="0">
+                              <a:latin typeface="Cambria Math" panose="02040503050406030204" pitchFamily="18" charset="0"/>
+                            </a:rPr>
+                            <m:t>𝑖</m:t>
+                          </m:r>
+                        </m:sub>
+                        <m:sup>
+                          <m:r>
+                            <a:rPr lang="en-150" b="0" i="1" smtClean="0">
+                              <a:latin typeface="Cambria Math" panose="02040503050406030204" pitchFamily="18" charset="0"/>
+                            </a:rPr>
+                            <m:t>𝑝</m:t>
+                          </m:r>
+                        </m:sup>
+                      </m:sSubSup>
+                      <m:r>
+                        <a:rPr lang="en-150" b="0" i="1" smtClean="0">
+                          <a:latin typeface="Cambria Math" panose="02040503050406030204" pitchFamily="18" charset="0"/>
+                        </a:rPr>
+                        <m:t>=</m:t>
+                      </m:r>
+                      <m:func>
+                        <m:funcPr>
+                          <m:ctrlPr>
+                            <a:rPr lang="en-150" b="0" i="1" smtClean="0">
+                              <a:latin typeface="Cambria Math" panose="02040503050406030204" pitchFamily="18" charset="0"/>
+                            </a:rPr>
+                          </m:ctrlPr>
+                        </m:funcPr>
+                        <m:fName>
+                          <m:r>
+                            <m:rPr>
+                              <m:sty m:val="p"/>
+                            </m:rPr>
+                            <a:rPr lang="en-150" b="0" i="0" smtClean="0">
+                              <a:latin typeface="Cambria Math" panose="02040503050406030204" pitchFamily="18" charset="0"/>
+                            </a:rPr>
+                            <m:t>min</m:t>
+                          </m:r>
+                        </m:fName>
+                        <m:e>
+                          <m:r>
+                            <m:rPr>
+                              <m:lit/>
+                            </m:rPr>
+                            <a:rPr lang="en-150" b="0" i="1" smtClean="0">
+                              <a:latin typeface="Cambria Math" panose="02040503050406030204" pitchFamily="18" charset="0"/>
+                            </a:rPr>
+                            <m:t>{</m:t>
+                          </m:r>
+                          <m:sSub>
+                            <m:sSubPr>
+                              <m:ctrlPr>
+                                <a:rPr lang="en-150" b="0" i="1" smtClean="0">
+                                  <a:latin typeface="Cambria Math" panose="02040503050406030204" pitchFamily="18" charset="0"/>
+                                </a:rPr>
+                              </m:ctrlPr>
+                            </m:sSubPr>
+                            <m:e>
+                              <m:r>
+                                <a:rPr lang="en-150" b="0" i="1" smtClean="0">
+                                  <a:latin typeface="Cambria Math" panose="02040503050406030204" pitchFamily="18" charset="0"/>
+                                </a:rPr>
+                                <m:t>𝑡</m:t>
+                              </m:r>
+                            </m:e>
+                            <m:sub>
+                              <m:r>
+                                <a:rPr lang="en-150" b="0" i="1" smtClean="0">
+                                  <a:latin typeface="Cambria Math" panose="02040503050406030204" pitchFamily="18" charset="0"/>
+                                </a:rPr>
+                                <m:t>𝑝</m:t>
+                              </m:r>
+                              <m:r>
+                                <a:rPr lang="en-150" b="0" i="1" smtClean="0">
+                                  <a:latin typeface="Cambria Math" panose="02040503050406030204" pitchFamily="18" charset="0"/>
+                                </a:rPr>
+                                <m:t>+1</m:t>
+                              </m:r>
+                            </m:sub>
+                          </m:sSub>
+                          <m:r>
+                            <a:rPr lang="en-150" b="0" i="1" smtClean="0">
+                              <a:latin typeface="Cambria Math" panose="02040503050406030204" pitchFamily="18" charset="0"/>
+                            </a:rPr>
+                            <m:t>,</m:t>
+                          </m:r>
+                          <m:sSub>
+                            <m:sSubPr>
+                              <m:ctrlPr>
+                                <a:rPr lang="en-150" b="0" i="1" smtClean="0">
+                                  <a:latin typeface="Cambria Math" panose="02040503050406030204" pitchFamily="18" charset="0"/>
+                                </a:rPr>
+                              </m:ctrlPr>
+                            </m:sSubPr>
+                            <m:e>
+                              <m:r>
+                                <a:rPr lang="en-150" b="0" i="1" smtClean="0">
+                                  <a:latin typeface="Cambria Math" panose="02040503050406030204" pitchFamily="18" charset="0"/>
+                                </a:rPr>
+                                <m:t>𝑡</m:t>
+                              </m:r>
+                            </m:e>
+                            <m:sub>
+                              <m:r>
+                                <a:rPr lang="en-150" b="0" i="1" smtClean="0">
+                                  <a:latin typeface="Cambria Math" panose="02040503050406030204" pitchFamily="18" charset="0"/>
+                                </a:rPr>
+                                <m:t>𝑤𝑐</m:t>
+                              </m:r>
+                            </m:sub>
+                          </m:sSub>
+                          <m:r>
+                            <a:rPr lang="en-150" b="0" i="1" smtClean="0">
+                              <a:latin typeface="Cambria Math" panose="02040503050406030204" pitchFamily="18" charset="0"/>
+                            </a:rPr>
+                            <m:t>,</m:t>
+                          </m:r>
+                          <m:sSub>
+                            <m:sSubPr>
+                              <m:ctrlPr>
+                                <a:rPr lang="en-150" b="0" i="1" smtClean="0">
+                                  <a:latin typeface="Cambria Math" panose="02040503050406030204" pitchFamily="18" charset="0"/>
+                                </a:rPr>
+                              </m:ctrlPr>
+                            </m:sSubPr>
+                            <m:e>
+                              <m:r>
+                                <a:rPr lang="en-150" b="0" i="1" smtClean="0">
+                                  <a:latin typeface="Cambria Math" panose="02040503050406030204" pitchFamily="18" charset="0"/>
+                                </a:rPr>
+                                <m:t>𝑡</m:t>
+                              </m:r>
+                            </m:e>
+                            <m:sub>
+                              <m:r>
+                                <a:rPr lang="en-150" b="0" i="1" smtClean="0">
+                                  <a:latin typeface="Cambria Math" panose="02040503050406030204" pitchFamily="18" charset="0"/>
+                                </a:rPr>
+                                <m:t>h𝑖𝑔h</m:t>
+                              </m:r>
+                            </m:sub>
+                          </m:sSub>
+                          <m:r>
+                            <a:rPr lang="en-150" b="0" i="1" smtClean="0">
+                              <a:latin typeface="Cambria Math" panose="02040503050406030204" pitchFamily="18" charset="0"/>
+                            </a:rPr>
+                            <m:t>−1}</m:t>
+                          </m:r>
+                        </m:e>
+                      </m:func>
+                    </m:oMath>
+                  </m:oMathPara>
+                </a14:m>
+                <a:endParaRPr lang="en-150" dirty="0"/>
+              </a:p>
+              <a:p>
+                <a:r>
+                  <a:rPr lang="en-150" dirty="0"/>
+                  <a:t>Job cannot start with </a:t>
+                </a:r>
+                <a14:m>
+                  <m:oMath xmlns:m="http://schemas.openxmlformats.org/officeDocument/2006/math">
+                    <m:r>
+                      <a:rPr lang="en-150" b="0" i="1" smtClean="0">
+                        <a:latin typeface="Cambria Math" panose="02040503050406030204" pitchFamily="18" charset="0"/>
+                      </a:rPr>
+                      <m:t>𝑝</m:t>
+                    </m:r>
+                  </m:oMath>
+                </a14:m>
+                <a:r>
+                  <a:rPr lang="en-150" dirty="0"/>
+                  <a:t> cores after:</a:t>
+                </a:r>
+              </a:p>
+              <a:p>
+                <a:pPr lvl="1"/>
+                <a14:m>
+                  <m:oMath xmlns:m="http://schemas.openxmlformats.org/officeDocument/2006/math">
+                    <m:r>
+                      <a:rPr lang="en-150" b="0" i="1" smtClean="0">
+                        <a:latin typeface="Cambria Math" panose="02040503050406030204" pitchFamily="18" charset="0"/>
+                      </a:rPr>
+                      <m:t>𝑝</m:t>
+                    </m:r>
+                    <m:r>
+                      <a:rPr lang="en-150" b="0" i="1" smtClean="0">
+                        <a:latin typeface="Cambria Math" panose="02040503050406030204" pitchFamily="18" charset="0"/>
+                      </a:rPr>
+                      <m:t>+1</m:t>
+                    </m:r>
+                  </m:oMath>
+                </a14:m>
+                <a:r>
+                  <a:rPr lang="en-150" dirty="0"/>
+                  <a:t> cores are available as JLFP would schedule it with </a:t>
+                </a:r>
+                <a14:m>
+                  <m:oMath xmlns:m="http://schemas.openxmlformats.org/officeDocument/2006/math">
+                    <m:r>
+                      <a:rPr lang="en-150" b="0" i="1" smtClean="0">
+                        <a:latin typeface="Cambria Math" panose="02040503050406030204" pitchFamily="18" charset="0"/>
+                      </a:rPr>
+                      <m:t>𝑝</m:t>
+                    </m:r>
+                    <m:r>
+                      <a:rPr lang="en-150" b="0" i="1" smtClean="0">
+                        <a:latin typeface="Cambria Math" panose="02040503050406030204" pitchFamily="18" charset="0"/>
+                      </a:rPr>
+                      <m:t>+1</m:t>
+                    </m:r>
+                  </m:oMath>
+                </a14:m>
+                <a:r>
+                  <a:rPr lang="en-150" dirty="0"/>
+                  <a:t> cores</a:t>
+                </a:r>
+              </a:p>
+              <a:p>
+                <a:pPr lvl="1"/>
+                <a:r>
+                  <a:rPr lang="en-150" dirty="0"/>
+                  <a:t>A lower priority task is </a:t>
+                </a:r>
+                <a:r>
+                  <a:rPr lang="en-GB" dirty="0"/>
+                  <a:t>r</a:t>
+                </a:r>
+                <a:r>
+                  <a:rPr lang="en-150" dirty="0"/>
+                  <a:t>e</a:t>
+                </a:r>
+                <a:r>
+                  <a:rPr lang="en-GB" dirty="0"/>
+                  <a:t>a</a:t>
+                </a:r>
+                <a:r>
+                  <a:rPr lang="en-150" dirty="0"/>
+                  <a:t>d</a:t>
+                </a:r>
+                <a:r>
+                  <a:rPr lang="en-GB" dirty="0"/>
+                  <a:t>y</a:t>
+                </a:r>
+                <a:r>
+                  <a:rPr lang="en-150" dirty="0"/>
+                  <a:t> </a:t>
+                </a:r>
+                <a:r>
+                  <a:rPr lang="en-GB" dirty="0"/>
+                  <a:t>b</a:t>
+                </a:r>
+                <a:r>
+                  <a:rPr lang="en-150" dirty="0"/>
+                  <a:t>e</a:t>
+                </a:r>
+                <a:r>
+                  <a:rPr lang="en-GB" dirty="0"/>
+                  <a:t>c</a:t>
+                </a:r>
+                <a:r>
+                  <a:rPr lang="en-150" dirty="0"/>
+                  <a:t>a</a:t>
+                </a:r>
+                <a:r>
+                  <a:rPr lang="en-GB" dirty="0"/>
+                  <a:t>u</a:t>
+                </a:r>
+                <a:r>
+                  <a:rPr lang="en-150" dirty="0"/>
+                  <a:t>s</a:t>
+                </a:r>
+                <a:r>
+                  <a:rPr lang="en-GB" dirty="0"/>
+                  <a:t>e</a:t>
+                </a:r>
+                <a:r>
+                  <a:rPr lang="en-150" dirty="0"/>
+                  <a:t> </a:t>
+                </a:r>
+                <a:r>
+                  <a:rPr lang="en-GB" dirty="0"/>
+                  <a:t>J</a:t>
+                </a:r>
+                <a:r>
+                  <a:rPr lang="en-150" dirty="0"/>
+                  <a:t>L</a:t>
+                </a:r>
+                <a:r>
+                  <a:rPr lang="en-GB" dirty="0"/>
+                  <a:t>F</a:t>
+                </a:r>
+                <a:r>
+                  <a:rPr lang="en-150" dirty="0"/>
+                  <a:t>P </a:t>
+                </a:r>
+                <a:r>
+                  <a:rPr lang="en-GB" dirty="0"/>
+                  <a:t>i</a:t>
+                </a:r>
+                <a:r>
+                  <a:rPr lang="en-150" dirty="0"/>
+                  <a:t>s </a:t>
+                </a:r>
+                <a:r>
+                  <a:rPr lang="en-GB" dirty="0"/>
+                  <a:t>w</a:t>
+                </a:r>
+                <a:r>
+                  <a:rPr lang="en-150" dirty="0"/>
+                  <a:t>o</a:t>
+                </a:r>
+                <a:r>
+                  <a:rPr lang="en-GB" dirty="0"/>
+                  <a:t>r</a:t>
+                </a:r>
+                <a:r>
+                  <a:rPr lang="en-150" dirty="0"/>
+                  <a:t>k-conserving</a:t>
+                </a:r>
+              </a:p>
+              <a:p>
+                <a:pPr lvl="1"/>
+                <a:r>
+                  <a:rPr lang="en-150" dirty="0"/>
+                  <a:t>A higher priority task is ready</a:t>
+                </a:r>
+                <a:endParaRPr lang="en-GB" dirty="0"/>
+              </a:p>
+            </p:txBody>
+          </p:sp>
+        </mc:Choice>
+        <mc:Fallback>
+          <p:sp>
+            <p:nvSpPr>
+              <p:cNvPr id="3" name="Content Placeholder 2">
+                <a:extLst>
+                  <a:ext uri="{FF2B5EF4-FFF2-40B4-BE49-F238E27FC236}">
+                    <a16:creationId xmlns:a16="http://schemas.microsoft.com/office/drawing/2014/main" id="{0792DA15-6A24-40AF-BD39-7BA33157E5A6}"/>
+                  </a:ext>
+                </a:extLst>
+              </p:cNvPr>
+              <p:cNvSpPr>
+                <a:spLocks noGrp="1" noRot="1" noChangeAspect="1" noMove="1" noResize="1" noEditPoints="1" noAdjustHandles="1" noChangeArrowheads="1" noChangeShapeType="1" noTextEdit="1"/>
+              </p:cNvSpPr>
+              <p:nvPr>
+                <p:ph idx="1"/>
+              </p:nvPr>
+            </p:nvSpPr>
+            <p:spPr>
+              <a:blipFill>
+                <a:blip r:embed="rId2"/>
+                <a:stretch>
+                  <a:fillRect l="-1043"/>
+                </a:stretch>
+              </a:blipFill>
+            </p:spPr>
+            <p:txBody>
+              <a:bodyPr/>
+              <a:lstStyle/>
+              <a:p>
+                <a:r>
+                  <a:rPr lang="en-GB">
+                    <a:noFill/>
+                  </a:rPr>
+                  <a:t> </a:t>
+                </a:r>
+              </a:p>
+            </p:txBody>
+          </p:sp>
+        </mc:Fallback>
+      </mc:AlternateContent>
+      <p:sp>
+        <p:nvSpPr>
+          <p:cNvPr id="4" name="Slide Number Placeholder 3">
+            <a:extLst>
+              <a:ext uri="{FF2B5EF4-FFF2-40B4-BE49-F238E27FC236}">
+                <a16:creationId xmlns:a16="http://schemas.microsoft.com/office/drawing/2014/main" id="{09F03DF4-3F90-412B-9F89-7440A42BF964}"/>
+              </a:ext>
+            </a:extLst>
+          </p:cNvPr>
+          <p:cNvSpPr>
+            <a:spLocks noGrp="1"/>
+          </p:cNvSpPr>
+          <p:nvPr>
+            <p:ph type="sldNum" sz="quarter" idx="12"/>
+          </p:nvPr>
+        </p:nvSpPr>
+        <p:spPr/>
+        <p:txBody>
+          <a:bodyPr/>
+          <a:lstStyle/>
+          <a:p>
+            <a:fld id="{6565F0C3-D9E9-4961-A3A4-87F2116D4289}" type="slidenum">
+              <a:rPr lang="en-GB" smtClean="0"/>
+              <a:t>18</a:t>
+            </a:fld>
+            <a:endParaRPr lang="en-GB" dirty="0"/>
+          </a:p>
+        </p:txBody>
+      </p:sp>
+    </p:spTree>
+    <p:extLst>
+      <p:ext uri="{BB962C8B-B14F-4D97-AF65-F5344CB8AC3E}">
+        <p14:creationId xmlns:p14="http://schemas.microsoft.com/office/powerpoint/2010/main" val="3648796705"/>
+      </p:ext>
+    </p:extLst>
+  </p:cSld>
+  <p:clrMapOvr>
+    <a:masterClrMapping/>
+  </p:clrMapOvr>
+</p:sld>
+</file>
+
+<file path=ppt/slides/slide19.xml><?xml version="1.0" encoding="utf-8"?>
+<p:sld xmlns:a="http://schemas.openxmlformats.org/drawingml/2006/main" xmlns:r="http://schemas.openxmlformats.org/officeDocument/2006/relationships" xmlns:p="http://schemas.openxmlformats.org/presentationml/2006/main">
+  <p:cSld>
+    <p:spTree>
+      <p:nvGrpSpPr>
+        <p:cNvPr id="1" name=""/>
+        <p:cNvGrpSpPr/>
+        <p:nvPr/>
+      </p:nvGrpSpPr>
+      <p:grpSpPr>
+        <a:xfrm>
+          <a:off x="0" y="0"/>
+          <a:ext cx="0" cy="0"/>
+          <a:chOff x="0" y="0"/>
+          <a:chExt cx="0" cy="0"/>
+        </a:xfrm>
+      </p:grpSpPr>
+      <p:sp>
+        <p:nvSpPr>
+          <p:cNvPr id="2" name="Title 1">
+            <a:extLst>
+              <a:ext uri="{FF2B5EF4-FFF2-40B4-BE49-F238E27FC236}">
+                <a16:creationId xmlns:a16="http://schemas.microsoft.com/office/drawing/2014/main" id="{6E4AE157-C9FA-4F23-A158-68A0E9323C61}"/>
+              </a:ext>
+            </a:extLst>
+          </p:cNvPr>
+          <p:cNvSpPr>
+            <a:spLocks noGrp="1"/>
+          </p:cNvSpPr>
+          <p:nvPr>
+            <p:ph type="title"/>
+          </p:nvPr>
+        </p:nvSpPr>
+        <p:spPr/>
+        <p:txBody>
+          <a:bodyPr/>
+          <a:lstStyle/>
+          <a:p>
+            <a:r>
+              <a:rPr lang="en-150" dirty="0"/>
+              <a:t>A</a:t>
+            </a:r>
+            <a:r>
+              <a:rPr lang="en-GB" dirty="0"/>
+              <a:t>n</a:t>
+            </a:r>
+            <a:r>
+              <a:rPr lang="en-150" dirty="0"/>
+              <a:t>a</a:t>
+            </a:r>
+            <a:r>
+              <a:rPr lang="en-GB" dirty="0"/>
+              <a:t>l</a:t>
+            </a:r>
+            <a:r>
+              <a:rPr lang="en-150" dirty="0"/>
+              <a:t>y</a:t>
+            </a:r>
+            <a:r>
+              <a:rPr lang="en-GB" dirty="0"/>
+              <a:t>s</a:t>
+            </a:r>
+            <a:r>
+              <a:rPr lang="en-150" dirty="0"/>
+              <a:t>i</a:t>
+            </a:r>
+            <a:r>
+              <a:rPr lang="en-GB" dirty="0"/>
+              <a:t>s</a:t>
+            </a:r>
+          </a:p>
+        </p:txBody>
+      </p:sp>
+      <mc:AlternateContent xmlns:mc="http://schemas.openxmlformats.org/markup-compatibility/2006">
+        <mc:Choice xmlns:a14="http://schemas.microsoft.com/office/drawing/2010/main" Requires="a14">
+          <p:sp>
+            <p:nvSpPr>
+              <p:cNvPr id="3" name="Content Placeholder 2">
+                <a:extLst>
+                  <a:ext uri="{FF2B5EF4-FFF2-40B4-BE49-F238E27FC236}">
+                    <a16:creationId xmlns:a16="http://schemas.microsoft.com/office/drawing/2014/main" id="{0AF004CF-0C8A-4071-B07C-3832416C1807}"/>
+                  </a:ext>
+                </a:extLst>
+              </p:cNvPr>
+              <p:cNvSpPr>
+                <a:spLocks noGrp="1"/>
+              </p:cNvSpPr>
+              <p:nvPr>
+                <p:ph idx="1"/>
+              </p:nvPr>
+            </p:nvSpPr>
+            <p:spPr/>
+            <p:txBody>
+              <a:bodyPr/>
+              <a:lstStyle/>
+              <a:p>
+                <a:r>
+                  <a:rPr lang="en-150" dirty="0"/>
+                  <a:t>O</a:t>
+                </a:r>
+                <a:r>
+                  <a:rPr lang="en-GB" dirty="0"/>
+                  <a:t>b</a:t>
+                </a:r>
+                <a:r>
+                  <a:rPr lang="en-150" dirty="0"/>
+                  <a:t>t</a:t>
+                </a:r>
+                <a:r>
+                  <a:rPr lang="en-GB" dirty="0"/>
+                  <a:t>a</a:t>
+                </a:r>
+                <a:r>
+                  <a:rPr lang="en-150" dirty="0"/>
+                  <a:t>i</a:t>
+                </a:r>
+                <a:r>
+                  <a:rPr lang="en-GB" dirty="0"/>
+                  <a:t>n</a:t>
+                </a:r>
+                <a:r>
+                  <a:rPr lang="en-150" dirty="0"/>
+                  <a:t> </a:t>
+                </a:r>
+                <a14:m>
+                  <m:oMath xmlns:m="http://schemas.openxmlformats.org/officeDocument/2006/math">
+                    <m:r>
+                      <a:rPr lang="en-150" b="0" i="1" smtClean="0">
+                        <a:latin typeface="Cambria Math" panose="02040503050406030204" pitchFamily="18" charset="0"/>
+                      </a:rPr>
+                      <m:t>𝐸𝐹</m:t>
+                    </m:r>
+                    <m:sSubSup>
+                      <m:sSubSupPr>
+                        <m:ctrlPr>
+                          <a:rPr lang="en-150" b="0" i="1" smtClean="0">
+                            <a:latin typeface="Cambria Math" panose="02040503050406030204" pitchFamily="18" charset="0"/>
+                          </a:rPr>
+                        </m:ctrlPr>
+                      </m:sSubSupPr>
+                      <m:e>
+                        <m:r>
+                          <a:rPr lang="en-150" b="0" i="1" smtClean="0">
+                            <a:latin typeface="Cambria Math" panose="02040503050406030204" pitchFamily="18" charset="0"/>
+                          </a:rPr>
+                          <m:t>𝑇</m:t>
+                        </m:r>
+                      </m:e>
+                      <m:sub>
+                        <m:r>
+                          <a:rPr lang="en-150" b="0" i="1" smtClean="0">
+                            <a:latin typeface="Cambria Math" panose="02040503050406030204" pitchFamily="18" charset="0"/>
+                          </a:rPr>
+                          <m:t>𝑖</m:t>
+                        </m:r>
+                      </m:sub>
+                      <m:sup>
+                        <m:r>
+                          <a:rPr lang="en-150" b="0" i="1" smtClean="0">
+                            <a:latin typeface="Cambria Math" panose="02040503050406030204" pitchFamily="18" charset="0"/>
+                          </a:rPr>
+                          <m:t>𝑝</m:t>
+                        </m:r>
+                      </m:sup>
+                    </m:sSubSup>
+                  </m:oMath>
+                </a14:m>
+                <a:r>
+                  <a:rPr lang="en-150" dirty="0"/>
+                  <a:t> and </a:t>
+                </a:r>
+                <a14:m>
+                  <m:oMath xmlns:m="http://schemas.openxmlformats.org/officeDocument/2006/math">
+                    <m:r>
+                      <a:rPr lang="en-150" b="0" i="1" smtClean="0">
+                        <a:latin typeface="Cambria Math" panose="02040503050406030204" pitchFamily="18" charset="0"/>
+                      </a:rPr>
+                      <m:t>𝐿𝐹</m:t>
+                    </m:r>
+                    <m:sSubSup>
+                      <m:sSubSupPr>
+                        <m:ctrlPr>
+                          <a:rPr lang="en-150" b="0" i="1" smtClean="0">
+                            <a:latin typeface="Cambria Math" panose="02040503050406030204" pitchFamily="18" charset="0"/>
+                          </a:rPr>
+                        </m:ctrlPr>
+                      </m:sSubSupPr>
+                      <m:e>
+                        <m:r>
+                          <a:rPr lang="en-150" b="0" i="1" smtClean="0">
+                            <a:latin typeface="Cambria Math" panose="02040503050406030204" pitchFamily="18" charset="0"/>
+                          </a:rPr>
+                          <m:t>𝑇</m:t>
+                        </m:r>
+                      </m:e>
+                      <m:sub>
+                        <m:r>
+                          <a:rPr lang="en-150" b="0" i="1" smtClean="0">
+                            <a:latin typeface="Cambria Math" panose="02040503050406030204" pitchFamily="18" charset="0"/>
+                          </a:rPr>
+                          <m:t>𝑖</m:t>
+                        </m:r>
+                      </m:sub>
+                      <m:sup>
+                        <m:r>
+                          <a:rPr lang="en-150" b="0" i="1" smtClean="0">
+                            <a:latin typeface="Cambria Math" panose="02040503050406030204" pitchFamily="18" charset="0"/>
+                          </a:rPr>
+                          <m:t>𝑝</m:t>
+                        </m:r>
+                      </m:sup>
+                    </m:sSubSup>
+                  </m:oMath>
+                </a14:m>
+                <a:r>
+                  <a:rPr lang="en-150" dirty="0"/>
+                  <a:t> from:</a:t>
+                </a:r>
+              </a:p>
+              <a:p>
+                <a:pPr marL="0" indent="0" algn="ctr">
+                  <a:buNone/>
+                </a:pPr>
+                <a14:m>
+                  <m:oMathPara xmlns:m="http://schemas.openxmlformats.org/officeDocument/2006/math">
+                    <m:oMathParaPr>
+                      <m:jc m:val="centerGroup"/>
+                    </m:oMathParaPr>
+                    <m:oMath xmlns:m="http://schemas.openxmlformats.org/officeDocument/2006/math">
+                      <m:r>
+                        <a:rPr lang="en-150" b="0" i="1" smtClean="0">
+                          <a:latin typeface="Cambria Math" panose="02040503050406030204" pitchFamily="18" charset="0"/>
+                        </a:rPr>
+                        <m:t>𝐸𝐹</m:t>
+                      </m:r>
+                      <m:sSubSup>
+                        <m:sSubSupPr>
+                          <m:ctrlPr>
+                            <a:rPr lang="en-150" b="0" i="1" smtClean="0">
+                              <a:latin typeface="Cambria Math" panose="02040503050406030204" pitchFamily="18" charset="0"/>
+                            </a:rPr>
+                          </m:ctrlPr>
+                        </m:sSubSupPr>
+                        <m:e>
+                          <m:r>
+                            <a:rPr lang="en-150" b="0" i="1" smtClean="0">
+                              <a:latin typeface="Cambria Math" panose="02040503050406030204" pitchFamily="18" charset="0"/>
+                            </a:rPr>
+                            <m:t>𝑇</m:t>
+                          </m:r>
+                        </m:e>
+                        <m:sub>
+                          <m:r>
+                            <a:rPr lang="en-150" b="0" i="1" smtClean="0">
+                              <a:latin typeface="Cambria Math" panose="02040503050406030204" pitchFamily="18" charset="0"/>
+                            </a:rPr>
+                            <m:t>𝑖</m:t>
+                          </m:r>
+                        </m:sub>
+                        <m:sup>
+                          <m:r>
+                            <a:rPr lang="en-150" b="0" i="1" smtClean="0">
+                              <a:latin typeface="Cambria Math" panose="02040503050406030204" pitchFamily="18" charset="0"/>
+                            </a:rPr>
+                            <m:t>𝑝</m:t>
+                          </m:r>
+                        </m:sup>
+                      </m:sSubSup>
+                      <m:r>
+                        <a:rPr lang="en-150" b="0" i="1" smtClean="0">
+                          <a:latin typeface="Cambria Math" panose="02040503050406030204" pitchFamily="18" charset="0"/>
+                        </a:rPr>
+                        <m:t>=</m:t>
+                      </m:r>
+                      <m:r>
+                        <a:rPr lang="en-150" b="0" i="1" smtClean="0">
+                          <a:latin typeface="Cambria Math" panose="02040503050406030204" pitchFamily="18" charset="0"/>
+                        </a:rPr>
+                        <m:t>𝐸𝑆</m:t>
+                      </m:r>
+                      <m:sSubSup>
+                        <m:sSubSupPr>
+                          <m:ctrlPr>
+                            <a:rPr lang="en-150" b="0" i="1" smtClean="0">
+                              <a:latin typeface="Cambria Math" panose="02040503050406030204" pitchFamily="18" charset="0"/>
+                            </a:rPr>
+                          </m:ctrlPr>
+                        </m:sSubSupPr>
+                        <m:e>
+                          <m:r>
+                            <a:rPr lang="en-150" b="0" i="1" smtClean="0">
+                              <a:latin typeface="Cambria Math" panose="02040503050406030204" pitchFamily="18" charset="0"/>
+                            </a:rPr>
+                            <m:t>𝑇</m:t>
+                          </m:r>
+                        </m:e>
+                        <m:sub>
+                          <m:r>
+                            <a:rPr lang="en-150" b="0" i="1" smtClean="0">
+                              <a:latin typeface="Cambria Math" panose="02040503050406030204" pitchFamily="18" charset="0"/>
+                            </a:rPr>
+                            <m:t>𝑖</m:t>
+                          </m:r>
+                        </m:sub>
+                        <m:sup>
+                          <m:r>
+                            <a:rPr lang="en-150" b="0" i="1" smtClean="0">
+                              <a:latin typeface="Cambria Math" panose="02040503050406030204" pitchFamily="18" charset="0"/>
+                            </a:rPr>
+                            <m:t>𝑝</m:t>
+                          </m:r>
+                        </m:sup>
+                      </m:sSubSup>
+                      <m:r>
+                        <a:rPr lang="en-150" b="0" i="1" smtClean="0">
+                          <a:latin typeface="Cambria Math" panose="02040503050406030204" pitchFamily="18" charset="0"/>
+                        </a:rPr>
+                        <m:t>+</m:t>
+                      </m:r>
+                      <m:sSubSup>
+                        <m:sSubSupPr>
+                          <m:ctrlPr>
+                            <a:rPr lang="en-150" b="0" i="1" smtClean="0">
+                              <a:latin typeface="Cambria Math" panose="02040503050406030204" pitchFamily="18" charset="0"/>
+                            </a:rPr>
+                          </m:ctrlPr>
+                        </m:sSubSupPr>
+                        <m:e>
+                          <m:r>
+                            <a:rPr lang="en-150" b="0" i="1" smtClean="0">
+                              <a:latin typeface="Cambria Math" panose="02040503050406030204" pitchFamily="18" charset="0"/>
+                            </a:rPr>
+                            <m:t>𝑐</m:t>
+                          </m:r>
+                        </m:e>
+                        <m:sub>
+                          <m:r>
+                            <a:rPr lang="en-150" b="0" i="1" smtClean="0">
+                              <a:latin typeface="Cambria Math" panose="02040503050406030204" pitchFamily="18" charset="0"/>
+                            </a:rPr>
+                            <m:t>𝑖</m:t>
+                          </m:r>
+                        </m:sub>
+                        <m:sup>
+                          <m:r>
+                            <m:rPr>
+                              <m:sty m:val="p"/>
+                            </m:rPr>
+                            <a:rPr lang="en-150" b="0" i="1" smtClean="0">
+                              <a:latin typeface="Cambria Math" panose="02040503050406030204" pitchFamily="18" charset="0"/>
+                            </a:rPr>
+                            <m:t>min</m:t>
+                          </m:r>
+                        </m:sup>
+                      </m:sSubSup>
+                      <m:r>
+                        <a:rPr lang="en-150" b="0" i="1" smtClean="0">
+                          <a:latin typeface="Cambria Math" panose="02040503050406030204" pitchFamily="18" charset="0"/>
+                        </a:rPr>
+                        <m:t>(</m:t>
+                      </m:r>
+                      <m:r>
+                        <a:rPr lang="en-150" b="0" i="1" smtClean="0">
+                          <a:latin typeface="Cambria Math" panose="02040503050406030204" pitchFamily="18" charset="0"/>
+                        </a:rPr>
+                        <m:t>𝑝</m:t>
+                      </m:r>
+                      <m:r>
+                        <a:rPr lang="en-150" b="0" i="1" smtClean="0">
+                          <a:latin typeface="Cambria Math" panose="02040503050406030204" pitchFamily="18" charset="0"/>
+                        </a:rPr>
+                        <m:t>)</m:t>
+                      </m:r>
+                    </m:oMath>
+                  </m:oMathPara>
+                </a14:m>
+                <a:endParaRPr lang="en-150" dirty="0"/>
+              </a:p>
+              <a:p>
+                <a:pPr marL="0" indent="0" algn="ctr">
+                  <a:buNone/>
+                </a:pPr>
+                <a14:m>
+                  <m:oMathPara xmlns:m="http://schemas.openxmlformats.org/officeDocument/2006/math">
+                    <m:oMathParaPr>
+                      <m:jc m:val="centerGroup"/>
+                    </m:oMathParaPr>
+                    <m:oMath xmlns:m="http://schemas.openxmlformats.org/officeDocument/2006/math">
+                      <m:r>
+                        <a:rPr lang="en-150" b="0" i="1" smtClean="0">
+                          <a:latin typeface="Cambria Math" panose="02040503050406030204" pitchFamily="18" charset="0"/>
+                        </a:rPr>
+                        <m:t>𝐿𝐹</m:t>
+                      </m:r>
+                      <m:sSubSup>
+                        <m:sSubSupPr>
+                          <m:ctrlPr>
+                            <a:rPr lang="en-150" b="0" i="1" smtClean="0">
+                              <a:latin typeface="Cambria Math" panose="02040503050406030204" pitchFamily="18" charset="0"/>
+                            </a:rPr>
+                          </m:ctrlPr>
+                        </m:sSubSupPr>
+                        <m:e>
+                          <m:r>
+                            <a:rPr lang="en-150" b="0" i="1" smtClean="0">
+                              <a:latin typeface="Cambria Math" panose="02040503050406030204" pitchFamily="18" charset="0"/>
+                            </a:rPr>
+                            <m:t>𝑇</m:t>
+                          </m:r>
+                        </m:e>
+                        <m:sub>
+                          <m:r>
+                            <a:rPr lang="en-150" b="0" i="1" smtClean="0">
+                              <a:latin typeface="Cambria Math" panose="02040503050406030204" pitchFamily="18" charset="0"/>
+                            </a:rPr>
+                            <m:t>𝑖</m:t>
+                          </m:r>
+                        </m:sub>
+                        <m:sup>
+                          <m:r>
+                            <a:rPr lang="en-150" b="0" i="1" smtClean="0">
+                              <a:latin typeface="Cambria Math" panose="02040503050406030204" pitchFamily="18" charset="0"/>
+                            </a:rPr>
+                            <m:t>𝑝</m:t>
+                          </m:r>
+                        </m:sup>
+                      </m:sSubSup>
+                      <m:r>
+                        <a:rPr lang="en-150" b="0" i="1" smtClean="0">
+                          <a:latin typeface="Cambria Math" panose="02040503050406030204" pitchFamily="18" charset="0"/>
+                        </a:rPr>
+                        <m:t>=</m:t>
+                      </m:r>
+                      <m:r>
+                        <a:rPr lang="en-150" b="0" i="1" smtClean="0">
+                          <a:latin typeface="Cambria Math" panose="02040503050406030204" pitchFamily="18" charset="0"/>
+                        </a:rPr>
+                        <m:t>𝐿𝑆</m:t>
+                      </m:r>
+                      <m:sSubSup>
+                        <m:sSubSupPr>
+                          <m:ctrlPr>
+                            <a:rPr lang="en-150" b="0" i="1" smtClean="0">
+                              <a:latin typeface="Cambria Math" panose="02040503050406030204" pitchFamily="18" charset="0"/>
+                            </a:rPr>
+                          </m:ctrlPr>
+                        </m:sSubSupPr>
+                        <m:e>
+                          <m:r>
+                            <a:rPr lang="en-150" b="0" i="1" smtClean="0">
+                              <a:latin typeface="Cambria Math" panose="02040503050406030204" pitchFamily="18" charset="0"/>
+                            </a:rPr>
+                            <m:t>𝑇</m:t>
+                          </m:r>
+                        </m:e>
+                        <m:sub>
+                          <m:r>
+                            <a:rPr lang="en-150" b="0" i="1" smtClean="0">
+                              <a:latin typeface="Cambria Math" panose="02040503050406030204" pitchFamily="18" charset="0"/>
+                            </a:rPr>
+                            <m:t>𝑖</m:t>
+                          </m:r>
+                        </m:sub>
+                        <m:sup>
+                          <m:r>
+                            <a:rPr lang="en-150" b="0" i="1" smtClean="0">
+                              <a:latin typeface="Cambria Math" panose="02040503050406030204" pitchFamily="18" charset="0"/>
+                            </a:rPr>
+                            <m:t>𝑝</m:t>
+                          </m:r>
+                        </m:sup>
+                      </m:sSubSup>
+                      <m:r>
+                        <a:rPr lang="en-150" b="0" i="1" smtClean="0">
+                          <a:latin typeface="Cambria Math" panose="02040503050406030204" pitchFamily="18" charset="0"/>
+                        </a:rPr>
+                        <m:t>+</m:t>
+                      </m:r>
+                      <m:sSubSup>
+                        <m:sSubSupPr>
+                          <m:ctrlPr>
+                            <a:rPr lang="en-150" b="0" i="1" smtClean="0">
+                              <a:latin typeface="Cambria Math" panose="02040503050406030204" pitchFamily="18" charset="0"/>
+                            </a:rPr>
+                          </m:ctrlPr>
+                        </m:sSubSupPr>
+                        <m:e>
+                          <m:r>
+                            <a:rPr lang="en-150" b="0" i="1" smtClean="0">
+                              <a:latin typeface="Cambria Math" panose="02040503050406030204" pitchFamily="18" charset="0"/>
+                            </a:rPr>
+                            <m:t>𝑐</m:t>
+                          </m:r>
+                        </m:e>
+                        <m:sub>
+                          <m:r>
+                            <a:rPr lang="en-150" b="0" i="1" smtClean="0">
+                              <a:latin typeface="Cambria Math" panose="02040503050406030204" pitchFamily="18" charset="0"/>
+                            </a:rPr>
+                            <m:t>𝑖</m:t>
+                          </m:r>
+                        </m:sub>
+                        <m:sup>
+                          <m:r>
+                            <m:rPr>
+                              <m:sty m:val="p"/>
+                            </m:rPr>
+                            <a:rPr lang="en-150" b="0" i="1" smtClean="0">
+                              <a:latin typeface="Cambria Math" panose="02040503050406030204" pitchFamily="18" charset="0"/>
+                            </a:rPr>
+                            <m:t>max</m:t>
+                          </m:r>
+                          <m:r>
+                            <a:rPr lang="en-150" b="0" i="1" smtClean="0">
+                              <a:latin typeface="Cambria Math" panose="02040503050406030204" pitchFamily="18" charset="0"/>
+                            </a:rPr>
+                            <m:t>⁡</m:t>
+                          </m:r>
+                        </m:sup>
+                      </m:sSubSup>
+                      <m:d>
+                        <m:dPr>
+                          <m:ctrlPr>
+                            <a:rPr lang="en-150" b="0" i="1" smtClean="0">
+                              <a:latin typeface="Cambria Math" panose="02040503050406030204" pitchFamily="18" charset="0"/>
+                            </a:rPr>
+                          </m:ctrlPr>
+                        </m:dPr>
+                        <m:e>
+                          <m:r>
+                            <a:rPr lang="en-150" b="0" i="1" smtClean="0">
+                              <a:latin typeface="Cambria Math" panose="02040503050406030204" pitchFamily="18" charset="0"/>
+                            </a:rPr>
+                            <m:t>𝑝</m:t>
+                          </m:r>
+                        </m:e>
+                      </m:d>
+                    </m:oMath>
+                  </m:oMathPara>
+                </a14:m>
+                <a:endParaRPr lang="en-150" b="0" dirty="0"/>
+              </a:p>
+              <a:p>
+                <a:r>
+                  <a:rPr lang="en-150" b="0" dirty="0"/>
+                  <a:t>And compute new </a:t>
+                </a:r>
+                <a14:m>
+                  <m:oMath xmlns:m="http://schemas.openxmlformats.org/officeDocument/2006/math">
+                    <m:sSubSup>
+                      <m:sSubSupPr>
+                        <m:ctrlPr>
+                          <a:rPr lang="en-150" b="0" i="1" smtClean="0">
+                            <a:latin typeface="Cambria Math" panose="02040503050406030204" pitchFamily="18" charset="0"/>
+                          </a:rPr>
+                        </m:ctrlPr>
+                      </m:sSubSupPr>
+                      <m:e>
+                        <m:r>
+                          <a:rPr lang="en-150" b="0" i="1" smtClean="0">
+                            <a:latin typeface="Cambria Math" panose="02040503050406030204" pitchFamily="18" charset="0"/>
+                          </a:rPr>
+                          <m:t>𝐴</m:t>
+                        </m:r>
+                      </m:e>
+                      <m:sub>
+                        <m:r>
+                          <a:rPr lang="en-150" b="0" i="1" smtClean="0">
+                            <a:latin typeface="Cambria Math" panose="02040503050406030204" pitchFamily="18" charset="0"/>
+                          </a:rPr>
+                          <m:t>𝑐</m:t>
+                        </m:r>
+                      </m:sub>
+                      <m:sup>
+                        <m:r>
+                          <m:rPr>
+                            <m:sty m:val="p"/>
+                          </m:rPr>
+                          <a:rPr lang="en-150" b="0" i="1" smtClean="0">
+                            <a:latin typeface="Cambria Math" panose="02040503050406030204" pitchFamily="18" charset="0"/>
+                          </a:rPr>
+                          <m:t>min</m:t>
+                        </m:r>
+                      </m:sup>
+                    </m:sSubSup>
+                  </m:oMath>
+                </a14:m>
+                <a:r>
+                  <a:rPr lang="en-150" dirty="0"/>
+                  <a:t> and </a:t>
+                </a:r>
+                <a14:m>
+                  <m:oMath xmlns:m="http://schemas.openxmlformats.org/officeDocument/2006/math">
+                    <m:sSubSup>
+                      <m:sSubSupPr>
+                        <m:ctrlPr>
+                          <a:rPr lang="en-150" b="0" i="0" smtClean="0">
+                            <a:latin typeface="Cambria Math" panose="02040503050406030204" pitchFamily="18" charset="0"/>
+                          </a:rPr>
+                        </m:ctrlPr>
+                      </m:sSubSupPr>
+                      <m:e>
+                        <m:r>
+                          <a:rPr lang="en-150" b="0" i="0" smtClean="0">
+                            <a:latin typeface="Cambria Math" panose="02040503050406030204" pitchFamily="18" charset="0"/>
+                          </a:rPr>
+                          <m:t>𝐴</m:t>
+                        </m:r>
+                      </m:e>
+                      <m:sub>
+                        <m:r>
+                          <a:rPr lang="en-150" b="0" i="0" smtClean="0">
+                            <a:latin typeface="Cambria Math" panose="02040503050406030204" pitchFamily="18" charset="0"/>
+                          </a:rPr>
+                          <m:t>𝑐</m:t>
+                        </m:r>
+                      </m:sub>
+                      <m:sup>
+                        <m:r>
+                          <m:rPr>
+                            <m:sty m:val="p"/>
+                          </m:rPr>
+                          <a:rPr lang="en-150" b="0" i="0" smtClean="0">
+                            <a:latin typeface="Cambria Math" panose="02040503050406030204" pitchFamily="18" charset="0"/>
+                          </a:rPr>
+                          <m:t>max</m:t>
+                        </m:r>
+                      </m:sup>
+                    </m:sSubSup>
+                    <m:r>
+                      <a:rPr lang="en-150" b="0" i="1" smtClean="0">
+                        <a:latin typeface="Cambria Math" panose="02040503050406030204" pitchFamily="18" charset="0"/>
+                      </a:rPr>
+                      <m:t>⁡⁡</m:t>
+                    </m:r>
+                  </m:oMath>
+                </a14:m>
+                <a:endParaRPr lang="en-150" b="0" dirty="0"/>
+              </a:p>
+            </p:txBody>
+          </p:sp>
+        </mc:Choice>
+        <mc:Fallback>
+          <p:sp>
+            <p:nvSpPr>
+              <p:cNvPr id="3" name="Content Placeholder 2">
+                <a:extLst>
+                  <a:ext uri="{FF2B5EF4-FFF2-40B4-BE49-F238E27FC236}">
+                    <a16:creationId xmlns:a16="http://schemas.microsoft.com/office/drawing/2014/main" id="{0AF004CF-0C8A-4071-B07C-3832416C1807}"/>
+                  </a:ext>
+                </a:extLst>
+              </p:cNvPr>
+              <p:cNvSpPr>
+                <a:spLocks noGrp="1" noRot="1" noChangeAspect="1" noMove="1" noResize="1" noEditPoints="1" noAdjustHandles="1" noChangeArrowheads="1" noChangeShapeType="1" noTextEdit="1"/>
+              </p:cNvSpPr>
+              <p:nvPr>
+                <p:ph idx="1"/>
+              </p:nvPr>
+            </p:nvSpPr>
+            <p:spPr>
+              <a:blipFill>
+                <a:blip r:embed="rId2"/>
+                <a:stretch>
+                  <a:fillRect l="-1043" t="-1633"/>
+                </a:stretch>
+              </a:blipFill>
+            </p:spPr>
+            <p:txBody>
+              <a:bodyPr/>
+              <a:lstStyle/>
+              <a:p>
+                <a:r>
+                  <a:rPr lang="en-GB">
+                    <a:noFill/>
+                  </a:rPr>
+                  <a:t> </a:t>
+                </a:r>
+              </a:p>
+            </p:txBody>
+          </p:sp>
+        </mc:Fallback>
+      </mc:AlternateContent>
+      <p:sp>
+        <p:nvSpPr>
+          <p:cNvPr id="4" name="Slide Number Placeholder 3">
+            <a:extLst>
+              <a:ext uri="{FF2B5EF4-FFF2-40B4-BE49-F238E27FC236}">
+                <a16:creationId xmlns:a16="http://schemas.microsoft.com/office/drawing/2014/main" id="{C43B2F4D-C086-424A-8691-0551FD8278DE}"/>
+              </a:ext>
+            </a:extLst>
+          </p:cNvPr>
+          <p:cNvSpPr>
+            <a:spLocks noGrp="1"/>
+          </p:cNvSpPr>
+          <p:nvPr>
+            <p:ph type="sldNum" sz="quarter" idx="12"/>
+          </p:nvPr>
+        </p:nvSpPr>
+        <p:spPr/>
+        <p:txBody>
+          <a:bodyPr/>
+          <a:lstStyle/>
+          <a:p>
+            <a:fld id="{6565F0C3-D9E9-4961-A3A4-87F2116D4289}" type="slidenum">
+              <a:rPr lang="en-GB" smtClean="0"/>
+              <a:t>19</a:t>
+            </a:fld>
+            <a:endParaRPr lang="en-GB" dirty="0"/>
+          </a:p>
+        </p:txBody>
+      </p:sp>
+    </p:spTree>
+    <p:extLst>
+      <p:ext uri="{BB962C8B-B14F-4D97-AF65-F5344CB8AC3E}">
+        <p14:creationId xmlns:p14="http://schemas.microsoft.com/office/powerpoint/2010/main" val="3851198706"/>
       </p:ext>
     </p:extLst>
   </p:cSld>
@@ -5262,165 +11101,163 @@
           <a:lstStyle/>
           <a:p>
             <a:r>
-              <a:rPr lang="en-150"/>
+              <a:rPr lang="en-150" dirty="0"/>
               <a:t>P</a:t>
             </a:r>
             <a:r>
-              <a:rPr lang="en-GB"/>
+              <a:rPr lang="en-GB" dirty="0"/>
               <a:t>a</a:t>
             </a:r>
             <a:r>
-              <a:rPr lang="en-150"/>
+              <a:rPr lang="en-150" dirty="0"/>
               <a:t>r</a:t>
             </a:r>
             <a:r>
-              <a:rPr lang="en-GB"/>
+              <a:rPr lang="en-GB" dirty="0"/>
               <a:t>a</a:t>
             </a:r>
             <a:r>
-              <a:rPr lang="en-150"/>
+              <a:rPr lang="en-150" dirty="0"/>
               <a:t>l</a:t>
             </a:r>
             <a:r>
-              <a:rPr lang="en-GB"/>
+              <a:rPr lang="en-GB" dirty="0"/>
               <a:t>l</a:t>
             </a:r>
             <a:r>
-              <a:rPr lang="en-150"/>
+              <a:rPr lang="en-150" dirty="0"/>
               <a:t>e</a:t>
             </a:r>
             <a:r>
-              <a:rPr lang="en-GB"/>
+              <a:rPr lang="en-GB" dirty="0"/>
               <a:t>l</a:t>
             </a:r>
             <a:r>
-              <a:rPr lang="en-150"/>
+              <a:rPr lang="en-150" dirty="0"/>
               <a:t> </a:t>
             </a:r>
             <a:r>
-              <a:rPr lang="en-GB"/>
+              <a:rPr lang="en-GB" dirty="0"/>
               <a:t>t</a:t>
             </a:r>
             <a:r>
-              <a:rPr lang="en-150"/>
+              <a:rPr lang="en-150" dirty="0"/>
               <a:t>h</a:t>
             </a:r>
             <a:r>
-              <a:rPr lang="en-GB"/>
+              <a:rPr lang="en-GB" dirty="0"/>
               <a:t>r</a:t>
             </a:r>
             <a:r>
-              <a:rPr lang="en-150"/>
+              <a:rPr lang="en-150" dirty="0"/>
               <a:t>e</a:t>
             </a:r>
             <a:r>
-              <a:rPr lang="en-GB"/>
+              <a:rPr lang="en-GB" dirty="0"/>
               <a:t>a</a:t>
             </a:r>
             <a:r>
-              <a:rPr lang="en-150"/>
+              <a:rPr lang="en-150" dirty="0"/>
               <a:t>d</a:t>
             </a:r>
             <a:r>
-              <a:rPr lang="en-GB"/>
+              <a:rPr lang="en-GB" dirty="0"/>
               <a:t>s</a:t>
             </a:r>
             <a:r>
-              <a:rPr lang="en-150"/>
+              <a:rPr lang="en-150" dirty="0"/>
               <a:t> </a:t>
             </a:r>
             <a:r>
-              <a:rPr lang="en-GB"/>
+              <a:rPr lang="en-GB" dirty="0"/>
               <a:t>e</a:t>
             </a:r>
             <a:r>
-              <a:rPr lang="en-150"/>
+              <a:rPr lang="en-150" dirty="0"/>
               <a:t>x</a:t>
             </a:r>
             <a:r>
-              <a:rPr lang="en-GB"/>
+              <a:rPr lang="en-GB" dirty="0"/>
               <a:t>e</a:t>
             </a:r>
             <a:r>
-              <a:rPr lang="en-150"/>
+              <a:rPr lang="en-150" dirty="0"/>
               <a:t>c</a:t>
             </a:r>
             <a:r>
-              <a:rPr lang="en-GB"/>
+              <a:rPr lang="en-GB" dirty="0"/>
               <a:t>u</a:t>
             </a:r>
             <a:r>
-              <a:rPr lang="en-150"/>
+              <a:rPr lang="en-150" dirty="0"/>
               <a:t>t</a:t>
             </a:r>
             <a:r>
-              <a:rPr lang="en-GB"/>
+              <a:rPr lang="en-GB" dirty="0"/>
               <a:t>e</a:t>
             </a:r>
             <a:r>
-              <a:rPr lang="en-150"/>
+              <a:rPr lang="en-150" dirty="0"/>
               <a:t>d </a:t>
             </a:r>
             <a:r>
-              <a:rPr lang="en-GB"/>
+              <a:rPr lang="en-GB" dirty="0"/>
               <a:t>t</a:t>
             </a:r>
             <a:r>
-              <a:rPr lang="en-150"/>
+              <a:rPr lang="en-150" dirty="0"/>
               <a:t>o</a:t>
             </a:r>
             <a:r>
-              <a:rPr lang="en-GB"/>
+              <a:rPr lang="en-GB" dirty="0"/>
               <a:t>g</a:t>
             </a:r>
             <a:r>
-              <a:rPr lang="en-150"/>
+              <a:rPr lang="en-150" dirty="0"/>
               <a:t>e</a:t>
             </a:r>
             <a:r>
-              <a:rPr lang="en-GB"/>
+              <a:rPr lang="en-GB" dirty="0"/>
               <a:t>t</a:t>
             </a:r>
             <a:r>
-              <a:rPr lang="en-150"/>
+              <a:rPr lang="en-150" dirty="0"/>
               <a:t>h</a:t>
             </a:r>
             <a:r>
-              <a:rPr lang="en-GB"/>
+              <a:rPr lang="en-GB" dirty="0"/>
               <a:t>e</a:t>
             </a:r>
             <a:r>
-              <a:rPr lang="en-150"/>
+              <a:rPr lang="en-150" dirty="0"/>
               <a:t>r as a “gang”</a:t>
             </a:r>
-            <a:endParaRPr lang="en-150" dirty="0"/>
-          </a:p>
-          <a:p>
-            <a:r>
-              <a:rPr lang="en-150"/>
+          </a:p>
+          <a:p>
+            <a:r>
+              <a:rPr lang="en-150" dirty="0"/>
               <a:t>Execution does not start until there are enough free </a:t>
             </a:r>
             <a:r>
-              <a:rPr lang="en-GB"/>
+              <a:rPr lang="en-GB" dirty="0"/>
               <a:t>c</a:t>
             </a:r>
             <a:r>
-              <a:rPr lang="en-150"/>
+              <a:rPr lang="en-150" dirty="0"/>
               <a:t>o</a:t>
             </a:r>
             <a:r>
-              <a:rPr lang="en-GB"/>
+              <a:rPr lang="en-GB" dirty="0"/>
               <a:t>r</a:t>
             </a:r>
             <a:r>
-              <a:rPr lang="en-150"/>
+              <a:rPr lang="en-150" dirty="0"/>
               <a:t>e</a:t>
             </a:r>
             <a:r>
-              <a:rPr lang="en-GB"/>
+              <a:rPr lang="en-GB" dirty="0"/>
               <a:t>s</a:t>
             </a:r>
-            <a:endParaRPr lang="en-GB" dirty="0"/>
           </a:p>
           <a:p>
             <a:endParaRPr lang="en-GB" dirty="0"/>
@@ -6192,6 +12029,2085 @@
 </p:sld>
 </file>
 
+<file path=ppt/slides/slide20.xml><?xml version="1.0" encoding="utf-8"?>
+<p:sld xmlns:a="http://schemas.openxmlformats.org/drawingml/2006/main" xmlns:r="http://schemas.openxmlformats.org/officeDocument/2006/relationships" xmlns:p="http://schemas.openxmlformats.org/presentationml/2006/main">
+  <p:cSld>
+    <p:spTree>
+      <p:nvGrpSpPr>
+        <p:cNvPr id="1" name=""/>
+        <p:cNvGrpSpPr/>
+        <p:nvPr/>
+      </p:nvGrpSpPr>
+      <p:grpSpPr>
+        <a:xfrm>
+          <a:off x="0" y="0"/>
+          <a:ext cx="0" cy="0"/>
+          <a:chOff x="0" y="0"/>
+          <a:chExt cx="0" cy="0"/>
+        </a:xfrm>
+      </p:grpSpPr>
+      <p:sp>
+        <p:nvSpPr>
+          <p:cNvPr id="2" name="Title 1">
+            <a:extLst>
+              <a:ext uri="{FF2B5EF4-FFF2-40B4-BE49-F238E27FC236}">
+                <a16:creationId xmlns:a16="http://schemas.microsoft.com/office/drawing/2014/main" id="{92D75B93-C838-420B-98DB-EC47BB449710}"/>
+              </a:ext>
+            </a:extLst>
+          </p:cNvPr>
+          <p:cNvSpPr>
+            <a:spLocks noGrp="1"/>
+          </p:cNvSpPr>
+          <p:nvPr>
+            <p:ph type="title"/>
+          </p:nvPr>
+        </p:nvSpPr>
+        <p:spPr/>
+        <p:txBody>
+          <a:bodyPr/>
+          <a:lstStyle/>
+          <a:p>
+            <a:r>
+              <a:rPr lang="en-150" dirty="0"/>
+              <a:t>L</a:t>
+            </a:r>
+            <a:r>
+              <a:rPr lang="en-GB" dirty="0"/>
+              <a:t>P</a:t>
+            </a:r>
+            <a:r>
+              <a:rPr lang="en-150" dirty="0"/>
+              <a:t>M</a:t>
+            </a:r>
+            <a:r>
+              <a:rPr lang="en-GB" dirty="0"/>
+              <a:t>R</a:t>
+            </a:r>
+            <a:r>
+              <a:rPr lang="en-150" dirty="0"/>
+              <a:t>G</a:t>
+            </a:r>
+            <a:r>
+              <a:rPr lang="en-GB" dirty="0"/>
+              <a:t>S</a:t>
+            </a:r>
+          </a:p>
+        </p:txBody>
+      </p:sp>
+      <p:sp>
+        <p:nvSpPr>
+          <p:cNvPr id="3" name="Content Placeholder 2">
+            <a:extLst>
+              <a:ext uri="{FF2B5EF4-FFF2-40B4-BE49-F238E27FC236}">
+                <a16:creationId xmlns:a16="http://schemas.microsoft.com/office/drawing/2014/main" id="{C6C6B923-AE93-4655-A9DB-05DFFE742EEE}"/>
+              </a:ext>
+            </a:extLst>
+          </p:cNvPr>
+          <p:cNvSpPr>
+            <a:spLocks noGrp="1"/>
+          </p:cNvSpPr>
+          <p:nvPr>
+            <p:ph idx="1"/>
+          </p:nvPr>
+        </p:nvSpPr>
+        <p:spPr/>
+        <p:txBody>
+          <a:bodyPr/>
+          <a:lstStyle/>
+          <a:p>
+            <a:r>
+              <a:rPr lang="en-150" dirty="0"/>
+              <a:t>L</a:t>
+            </a:r>
+            <a:r>
+              <a:rPr lang="en-GB" dirty="0"/>
+              <a:t>i</a:t>
+            </a:r>
+            <a:r>
+              <a:rPr lang="en-150" dirty="0"/>
+              <a:t>m</a:t>
+            </a:r>
+            <a:r>
+              <a:rPr lang="en-GB" dirty="0"/>
+              <a:t>i</a:t>
+            </a:r>
+            <a:r>
+              <a:rPr lang="en-150" dirty="0"/>
+              <a:t>t</a:t>
+            </a:r>
+            <a:r>
+              <a:rPr lang="en-GB" dirty="0"/>
+              <a:t>e</a:t>
+            </a:r>
+            <a:r>
+              <a:rPr lang="en-150" dirty="0"/>
+              <a:t>d-</a:t>
+            </a:r>
+            <a:r>
+              <a:rPr lang="en-GB" dirty="0"/>
+              <a:t>P</a:t>
+            </a:r>
+            <a:r>
+              <a:rPr lang="en-150" dirty="0"/>
+              <a:t>r</a:t>
+            </a:r>
+            <a:r>
+              <a:rPr lang="en-GB" dirty="0"/>
+              <a:t>e</a:t>
+            </a:r>
+            <a:r>
+              <a:rPr lang="en-150" dirty="0"/>
+              <a:t>e</a:t>
+            </a:r>
+            <a:r>
+              <a:rPr lang="en-GB" dirty="0"/>
+              <a:t>m</a:t>
+            </a:r>
+            <a:r>
+              <a:rPr lang="en-150" dirty="0"/>
+              <a:t>p</a:t>
+            </a:r>
+            <a:r>
+              <a:rPr lang="en-GB" dirty="0"/>
+              <a:t>t</a:t>
+            </a:r>
+            <a:r>
+              <a:rPr lang="en-150" dirty="0"/>
+              <a:t>i</a:t>
+            </a:r>
+            <a:r>
+              <a:rPr lang="en-GB" dirty="0"/>
+              <a:t>v</a:t>
+            </a:r>
+            <a:r>
+              <a:rPr lang="en-150" dirty="0"/>
+              <a:t>e </a:t>
+            </a:r>
+            <a:r>
+              <a:rPr lang="en-GB" dirty="0"/>
+              <a:t>M</a:t>
+            </a:r>
+            <a:r>
+              <a:rPr lang="en-150" dirty="0"/>
+              <a:t>o</a:t>
+            </a:r>
+            <a:r>
+              <a:rPr lang="en-GB" dirty="0"/>
+              <a:t>l</a:t>
+            </a:r>
+            <a:r>
+              <a:rPr lang="en-150" dirty="0"/>
+              <a:t>d</a:t>
+            </a:r>
+            <a:r>
+              <a:rPr lang="en-GB" dirty="0"/>
+              <a:t>a</a:t>
+            </a:r>
+            <a:r>
+              <a:rPr lang="en-150" dirty="0"/>
+              <a:t>b</a:t>
+            </a:r>
+            <a:r>
+              <a:rPr lang="en-GB" dirty="0"/>
+              <a:t>l</a:t>
+            </a:r>
+            <a:r>
+              <a:rPr lang="en-150" dirty="0"/>
+              <a:t>e Reservation Gang Scheduler</a:t>
+            </a:r>
+          </a:p>
+          <a:p>
+            <a:r>
+              <a:rPr lang="en-150" dirty="0"/>
+              <a:t>Non-work conserving scheduler</a:t>
+            </a:r>
+          </a:p>
+          <a:p>
+            <a:r>
+              <a:rPr lang="en-150" dirty="0"/>
+              <a:t>Rese</a:t>
+            </a:r>
+            <a:r>
+              <a:rPr lang="en-GB" dirty="0"/>
+              <a:t>r</a:t>
+            </a:r>
+            <a:r>
+              <a:rPr lang="en-150" dirty="0"/>
+              <a:t>v</a:t>
+            </a:r>
+            <a:r>
+              <a:rPr lang="en-GB" dirty="0"/>
+              <a:t>e</a:t>
+            </a:r>
+            <a:r>
+              <a:rPr lang="en-150" dirty="0"/>
+              <a:t> cores of higher-</a:t>
+            </a:r>
+            <a:r>
+              <a:rPr lang="en-GB" dirty="0"/>
+              <a:t>p</a:t>
+            </a:r>
+            <a:r>
+              <a:rPr lang="en-150" dirty="0"/>
+              <a:t>r</a:t>
+            </a:r>
+            <a:r>
+              <a:rPr lang="en-GB" dirty="0"/>
+              <a:t>i</a:t>
+            </a:r>
+            <a:r>
+              <a:rPr lang="en-150" dirty="0"/>
+              <a:t>o</a:t>
+            </a:r>
+            <a:r>
+              <a:rPr lang="en-GB" dirty="0"/>
+              <a:t>r</a:t>
+            </a:r>
+            <a:r>
+              <a:rPr lang="en-150" dirty="0"/>
+              <a:t>i</a:t>
+            </a:r>
+            <a:r>
+              <a:rPr lang="en-GB" dirty="0"/>
+              <a:t>t</a:t>
+            </a:r>
+            <a:r>
+              <a:rPr lang="en-150" dirty="0"/>
+              <a:t>y </a:t>
+            </a:r>
+            <a:r>
+              <a:rPr lang="en-GB" dirty="0"/>
+              <a:t>t</a:t>
+            </a:r>
+            <a:r>
+              <a:rPr lang="en-150" dirty="0"/>
+              <a:t>a</a:t>
+            </a:r>
+            <a:r>
+              <a:rPr lang="en-GB" dirty="0"/>
+              <a:t>s</a:t>
+            </a:r>
+            <a:r>
+              <a:rPr lang="en-150" dirty="0"/>
+              <a:t>k</a:t>
+            </a:r>
+            <a:r>
+              <a:rPr lang="en-GB" dirty="0"/>
+              <a:t>s</a:t>
+            </a:r>
+            <a:r>
+              <a:rPr lang="en-150" dirty="0"/>
+              <a:t> </a:t>
+            </a:r>
+            <a:r>
+              <a:rPr lang="en-GB" dirty="0"/>
+              <a:t>a</a:t>
+            </a:r>
+            <a:r>
+              <a:rPr lang="en-150" dirty="0"/>
+              <a:t>n</a:t>
+            </a:r>
+            <a:r>
+              <a:rPr lang="en-GB" dirty="0"/>
+              <a:t>d</a:t>
+            </a:r>
+            <a:r>
+              <a:rPr lang="en-150" dirty="0"/>
+              <a:t> </a:t>
+            </a:r>
+            <a:r>
+              <a:rPr lang="en-GB" dirty="0"/>
+              <a:t>d</a:t>
+            </a:r>
+            <a:r>
+              <a:rPr lang="en-150" dirty="0"/>
+              <a:t>i</a:t>
+            </a:r>
+            <a:r>
+              <a:rPr lang="en-GB" dirty="0"/>
+              <a:t>s</a:t>
+            </a:r>
+            <a:r>
+              <a:rPr lang="en-150" dirty="0"/>
+              <a:t>t</a:t>
+            </a:r>
+            <a:r>
+              <a:rPr lang="en-GB" dirty="0"/>
+              <a:t>r</a:t>
+            </a:r>
+            <a:r>
+              <a:rPr lang="en-150" dirty="0"/>
+              <a:t>i</a:t>
+            </a:r>
+            <a:r>
+              <a:rPr lang="en-GB" dirty="0"/>
+              <a:t>b</a:t>
+            </a:r>
+            <a:r>
+              <a:rPr lang="en-150" dirty="0"/>
+              <a:t>u</a:t>
+            </a:r>
+            <a:r>
+              <a:rPr lang="en-GB" dirty="0"/>
+              <a:t>t</a:t>
+            </a:r>
+            <a:r>
+              <a:rPr lang="en-150" dirty="0"/>
+              <a:t>e </a:t>
+            </a:r>
+            <a:r>
+              <a:rPr lang="en-GB" dirty="0"/>
+              <a:t>t</a:t>
+            </a:r>
+            <a:r>
+              <a:rPr lang="en-150" dirty="0"/>
+              <a:t>h</a:t>
+            </a:r>
+            <a:r>
+              <a:rPr lang="en-GB" dirty="0"/>
+              <a:t>e</a:t>
+            </a:r>
+            <a:r>
+              <a:rPr lang="en-150" dirty="0"/>
+              <a:t> </a:t>
+            </a:r>
+            <a:r>
+              <a:rPr lang="en-GB" dirty="0"/>
+              <a:t>r</a:t>
+            </a:r>
+            <a:r>
+              <a:rPr lang="en-150" dirty="0"/>
+              <a:t>e</a:t>
+            </a:r>
+            <a:r>
+              <a:rPr lang="en-GB" dirty="0"/>
+              <a:t>m</a:t>
+            </a:r>
+            <a:r>
+              <a:rPr lang="en-150" dirty="0"/>
+              <a:t>a</a:t>
+            </a:r>
+            <a:r>
+              <a:rPr lang="en-GB" dirty="0"/>
+              <a:t>i</a:t>
+            </a:r>
+            <a:r>
+              <a:rPr lang="en-150" dirty="0"/>
+              <a:t>n</a:t>
+            </a:r>
+            <a:r>
+              <a:rPr lang="en-GB" dirty="0"/>
+              <a:t>i</a:t>
+            </a:r>
+            <a:r>
+              <a:rPr lang="en-150" dirty="0"/>
+              <a:t>n</a:t>
+            </a:r>
+            <a:r>
+              <a:rPr lang="en-GB" dirty="0"/>
+              <a:t>g</a:t>
+            </a:r>
+            <a:r>
+              <a:rPr lang="en-150" dirty="0"/>
+              <a:t> </a:t>
+            </a:r>
+            <a:r>
+              <a:rPr lang="en-GB" dirty="0"/>
+              <a:t>o</a:t>
+            </a:r>
+            <a:r>
+              <a:rPr lang="en-150" dirty="0"/>
+              <a:t>n</a:t>
+            </a:r>
+            <a:r>
+              <a:rPr lang="en-GB" dirty="0"/>
+              <a:t>e</a:t>
+            </a:r>
+            <a:r>
+              <a:rPr lang="en-150" dirty="0"/>
+              <a:t>s </a:t>
+            </a:r>
+            <a:r>
+              <a:rPr lang="en-GB" dirty="0"/>
+              <a:t>a</a:t>
+            </a:r>
+            <a:r>
+              <a:rPr lang="en-150" dirty="0"/>
+              <a:t>m</a:t>
+            </a:r>
+            <a:r>
+              <a:rPr lang="en-GB" dirty="0"/>
+              <a:t>o</a:t>
+            </a:r>
+            <a:r>
+              <a:rPr lang="en-150" dirty="0"/>
+              <a:t>n</a:t>
+            </a:r>
+            <a:r>
+              <a:rPr lang="en-GB" dirty="0"/>
+              <a:t>g</a:t>
+            </a:r>
+            <a:r>
+              <a:rPr lang="en-150" dirty="0"/>
+              <a:t> </a:t>
+            </a:r>
+            <a:r>
+              <a:rPr lang="en-GB" dirty="0"/>
+              <a:t>l</a:t>
+            </a:r>
+            <a:r>
+              <a:rPr lang="en-150" dirty="0"/>
+              <a:t>o</a:t>
+            </a:r>
+            <a:r>
+              <a:rPr lang="en-GB" dirty="0"/>
+              <a:t>w</a:t>
+            </a:r>
+            <a:r>
+              <a:rPr lang="en-150" dirty="0"/>
+              <a:t>e</a:t>
+            </a:r>
+            <a:r>
+              <a:rPr lang="en-GB" dirty="0"/>
+              <a:t>r</a:t>
+            </a:r>
+            <a:r>
+              <a:rPr lang="en-150" dirty="0"/>
+              <a:t> </a:t>
+            </a:r>
+            <a:r>
+              <a:rPr lang="en-GB" dirty="0"/>
+              <a:t>p</a:t>
+            </a:r>
+            <a:r>
+              <a:rPr lang="en-150" dirty="0"/>
+              <a:t>r</a:t>
+            </a:r>
+            <a:r>
+              <a:rPr lang="en-GB" dirty="0"/>
+              <a:t>i</a:t>
+            </a:r>
+            <a:r>
+              <a:rPr lang="en-150" dirty="0"/>
+              <a:t>o</a:t>
+            </a:r>
+            <a:r>
+              <a:rPr lang="en-GB" dirty="0"/>
+              <a:t>r</a:t>
+            </a:r>
+            <a:r>
+              <a:rPr lang="en-150" dirty="0"/>
+              <a:t>i</a:t>
+            </a:r>
+            <a:r>
+              <a:rPr lang="en-GB" dirty="0"/>
+              <a:t>t</a:t>
+            </a:r>
+            <a:r>
+              <a:rPr lang="en-150" dirty="0"/>
+              <a:t>y </a:t>
+            </a:r>
+            <a:r>
+              <a:rPr lang="en-GB" dirty="0"/>
+              <a:t>t</a:t>
+            </a:r>
+            <a:r>
+              <a:rPr lang="en-150" dirty="0"/>
+              <a:t>a</a:t>
+            </a:r>
+            <a:r>
+              <a:rPr lang="en-GB" dirty="0"/>
+              <a:t>s</a:t>
+            </a:r>
+            <a:r>
+              <a:rPr lang="en-150" dirty="0"/>
+              <a:t>k</a:t>
+            </a:r>
+            <a:r>
+              <a:rPr lang="en-GB" dirty="0"/>
+              <a:t>s</a:t>
+            </a:r>
+          </a:p>
+        </p:txBody>
+      </p:sp>
+      <p:sp>
+        <p:nvSpPr>
+          <p:cNvPr id="4" name="Slide Number Placeholder 3">
+            <a:extLst>
+              <a:ext uri="{FF2B5EF4-FFF2-40B4-BE49-F238E27FC236}">
+                <a16:creationId xmlns:a16="http://schemas.microsoft.com/office/drawing/2014/main" id="{60AEC209-9A63-4A23-BDFE-9627342A79A7}"/>
+              </a:ext>
+            </a:extLst>
+          </p:cNvPr>
+          <p:cNvSpPr>
+            <a:spLocks noGrp="1"/>
+          </p:cNvSpPr>
+          <p:nvPr>
+            <p:ph type="sldNum" sz="quarter" idx="12"/>
+          </p:nvPr>
+        </p:nvSpPr>
+        <p:spPr/>
+        <p:txBody>
+          <a:bodyPr/>
+          <a:lstStyle/>
+          <a:p>
+            <a:fld id="{6565F0C3-D9E9-4961-A3A4-87F2116D4289}" type="slidenum">
+              <a:rPr lang="en-GB" smtClean="0"/>
+              <a:t>20</a:t>
+            </a:fld>
+            <a:endParaRPr lang="en-GB" dirty="0"/>
+          </a:p>
+        </p:txBody>
+      </p:sp>
+      <mc:AlternateContent xmlns:mc="http://schemas.openxmlformats.org/markup-compatibility/2006">
+        <mc:Choice xmlns:a14="http://schemas.microsoft.com/office/drawing/2010/main" Requires="a14">
+          <p:graphicFrame>
+            <p:nvGraphicFramePr>
+              <p:cNvPr id="5" name="Table 5">
+                <a:extLst>
+                  <a:ext uri="{FF2B5EF4-FFF2-40B4-BE49-F238E27FC236}">
+                    <a16:creationId xmlns:a16="http://schemas.microsoft.com/office/drawing/2014/main" id="{86EE8435-BA21-4444-A3E9-94BFF8147023}"/>
+                  </a:ext>
+                </a:extLst>
+              </p:cNvPr>
+              <p:cNvGraphicFramePr>
+                <a:graphicFrameLocks noGrp="1"/>
+              </p:cNvGraphicFramePr>
+              <p:nvPr>
+                <p:extLst>
+                  <p:ext uri="{D42A27DB-BD31-4B8C-83A1-F6EECF244321}">
+                    <p14:modId xmlns:p14="http://schemas.microsoft.com/office/powerpoint/2010/main" val="3942014333"/>
+                  </p:ext>
+                </p:extLst>
+              </p:nvPr>
+            </p:nvGraphicFramePr>
+            <p:xfrm>
+              <a:off x="7306235" y="3920066"/>
+              <a:ext cx="3756211" cy="1901381"/>
+            </p:xfrm>
+            <a:graphic>
+              <a:graphicData uri="http://schemas.openxmlformats.org/drawingml/2006/table">
+                <a:tbl>
+                  <a:tblPr firstRow="1" bandRow="1">
+                    <a:tableStyleId>{7DF18680-E054-41AD-8BC1-D1AEF772440D}</a:tableStyleId>
+                  </a:tblPr>
+                  <a:tblGrid>
+                    <a:gridCol w="514770">
+                      <a:extLst>
+                        <a:ext uri="{9D8B030D-6E8A-4147-A177-3AD203B41FA5}">
+                          <a16:colId xmlns:a16="http://schemas.microsoft.com/office/drawing/2014/main" val="210105188"/>
+                        </a:ext>
+                      </a:extLst>
+                    </a:gridCol>
+                    <a:gridCol w="538899">
+                      <a:extLst>
+                        <a:ext uri="{9D8B030D-6E8A-4147-A177-3AD203B41FA5}">
+                          <a16:colId xmlns:a16="http://schemas.microsoft.com/office/drawing/2014/main" val="789912494"/>
+                        </a:ext>
+                      </a:extLst>
+                    </a:gridCol>
+                    <a:gridCol w="699765">
+                      <a:extLst>
+                        <a:ext uri="{9D8B030D-6E8A-4147-A177-3AD203B41FA5}">
+                          <a16:colId xmlns:a16="http://schemas.microsoft.com/office/drawing/2014/main" val="941606124"/>
+                        </a:ext>
+                      </a:extLst>
+                    </a:gridCol>
+                    <a:gridCol w="729790">
+                      <a:extLst>
+                        <a:ext uri="{9D8B030D-6E8A-4147-A177-3AD203B41FA5}">
+                          <a16:colId xmlns:a16="http://schemas.microsoft.com/office/drawing/2014/main" val="4260846142"/>
+                        </a:ext>
+                      </a:extLst>
+                    </a:gridCol>
+                    <a:gridCol w="1272987">
+                      <a:extLst>
+                        <a:ext uri="{9D8B030D-6E8A-4147-A177-3AD203B41FA5}">
+                          <a16:colId xmlns:a16="http://schemas.microsoft.com/office/drawing/2014/main" val="2375464766"/>
+                        </a:ext>
+                      </a:extLst>
+                    </a:gridCol>
+                  </a:tblGrid>
+                  <a:tr h="370840">
+                    <a:tc>
+                      <a:txBody>
+                        <a:bodyPr/>
+                        <a:lstStyle/>
+                        <a:p>
+                          <a:endParaRPr lang="en-GB" dirty="0"/>
+                        </a:p>
+                      </a:txBody>
+                      <a:tcPr>
+                        <a:solidFill>
+                          <a:srgbClr val="00A6D6"/>
+                        </a:solidFill>
+                      </a:tcPr>
+                    </a:tc>
+                    <a:tc>
+                      <a:txBody>
+                        <a:bodyPr/>
+                        <a:lstStyle/>
+                        <a:p>
+                          <a14:m>
+                            <m:oMathPara xmlns:m="http://schemas.openxmlformats.org/officeDocument/2006/math">
+                              <m:oMathParaPr>
+                                <m:jc m:val="centerGroup"/>
+                              </m:oMathParaPr>
+                              <m:oMath xmlns:m="http://schemas.openxmlformats.org/officeDocument/2006/math">
+                                <m:sSubSup>
+                                  <m:sSubSupPr>
+                                    <m:ctrlPr>
+                                      <a:rPr lang="en-150" smtClean="0"/>
+                                    </m:ctrlPr>
+                                  </m:sSubSupPr>
+                                  <m:e>
+                                    <m:r>
+                                      <a:rPr lang="en-150" smtClean="0"/>
+                                      <m:t>𝒔</m:t>
+                                    </m:r>
+                                  </m:e>
+                                  <m:sub>
+                                    <m:r>
+                                      <a:rPr lang="en-150" smtClean="0"/>
+                                      <m:t>𝒋</m:t>
+                                    </m:r>
+                                  </m:sub>
+                                  <m:sup>
+                                    <m:r>
+                                      <m:rPr>
+                                        <m:sty m:val="p"/>
+                                      </m:rPr>
+                                      <a:rPr lang="en-150" smtClean="0"/>
+                                      <m:t>min</m:t>
+                                    </m:r>
+                                  </m:sup>
+                                </m:sSubSup>
+                              </m:oMath>
+                            </m:oMathPara>
+                          </a14:m>
+                          <a:endParaRPr lang="en-GB" dirty="0"/>
+                        </a:p>
+                      </a:txBody>
+                      <a:tcPr>
+                        <a:solidFill>
+                          <a:srgbClr val="00A6D6"/>
+                        </a:solidFill>
+                      </a:tcPr>
+                    </a:tc>
+                    <a:tc>
+                      <a:txBody>
+                        <a:bodyPr/>
+                        <a:lstStyle/>
+                        <a:p>
+                          <a14:m>
+                            <m:oMathPara xmlns:m="http://schemas.openxmlformats.org/officeDocument/2006/math">
+                              <m:oMathParaPr>
+                                <m:jc m:val="centerGroup"/>
+                              </m:oMathParaPr>
+                              <m:oMath xmlns:m="http://schemas.openxmlformats.org/officeDocument/2006/math">
+                                <m:sSubSup>
+                                  <m:sSubSupPr>
+                                    <m:ctrlPr>
+                                      <a:rPr lang="en-150" smtClean="0"/>
+                                    </m:ctrlPr>
+                                  </m:sSubSupPr>
+                                  <m:e>
+                                    <m:r>
+                                      <a:rPr lang="en-150" smtClean="0"/>
+                                      <m:t>𝒔</m:t>
+                                    </m:r>
+                                  </m:e>
+                                  <m:sub>
+                                    <m:r>
+                                      <a:rPr lang="en-150" smtClean="0"/>
+                                      <m:t>𝒋</m:t>
+                                    </m:r>
+                                  </m:sub>
+                                  <m:sup>
+                                    <m:r>
+                                      <m:rPr>
+                                        <m:sty m:val="p"/>
+                                      </m:rPr>
+                                      <a:rPr lang="en-150" smtClean="0"/>
+                                      <m:t>max</m:t>
+                                    </m:r>
+                                  </m:sup>
+                                </m:sSubSup>
+                              </m:oMath>
+                            </m:oMathPara>
+                          </a14:m>
+                          <a:endParaRPr lang="en-GB" dirty="0"/>
+                        </a:p>
+                      </a:txBody>
+                      <a:tcPr>
+                        <a:solidFill>
+                          <a:srgbClr val="00A6D6"/>
+                        </a:solidFill>
+                      </a:tcPr>
+                    </a:tc>
+                    <a:tc>
+                      <a:txBody>
+                        <a:bodyPr/>
+                        <a:lstStyle/>
+                        <a:p>
+                          <a14:m>
+                            <m:oMathPara xmlns:m="http://schemas.openxmlformats.org/officeDocument/2006/math">
+                              <m:oMathParaPr>
+                                <m:jc m:val="centerGroup"/>
+                              </m:oMathParaPr>
+                              <m:oMath xmlns:m="http://schemas.openxmlformats.org/officeDocument/2006/math">
+                                <m:sSub>
+                                  <m:sSubPr>
+                                    <m:ctrlPr>
+                                      <a:rPr lang="en-150" smtClean="0"/>
+                                    </m:ctrlPr>
+                                  </m:sSubPr>
+                                  <m:e>
+                                    <m:r>
+                                      <a:rPr lang="en-150" smtClean="0"/>
+                                      <m:t>𝒅</m:t>
+                                    </m:r>
+                                  </m:e>
+                                  <m:sub>
+                                    <m:r>
+                                      <a:rPr lang="en-150" smtClean="0"/>
+                                      <m:t>𝒊</m:t>
+                                    </m:r>
+                                  </m:sub>
+                                </m:sSub>
+                              </m:oMath>
+                            </m:oMathPara>
+                          </a14:m>
+                          <a:endParaRPr lang="en-GB" dirty="0"/>
+                        </a:p>
+                      </a:txBody>
+                      <a:tcPr>
+                        <a:solidFill>
+                          <a:srgbClr val="00A6D6"/>
+                        </a:solidFill>
+                      </a:tcPr>
+                    </a:tc>
+                    <a:tc>
+                      <a:txBody>
+                        <a:bodyPr/>
+                        <a:lstStyle/>
+                        <a:p>
+                          <a14:m>
+                            <m:oMathPara xmlns:m="http://schemas.openxmlformats.org/officeDocument/2006/math">
+                              <m:oMathParaPr>
+                                <m:jc m:val="centerGroup"/>
+                              </m:oMathParaPr>
+                              <m:oMath xmlns:m="http://schemas.openxmlformats.org/officeDocument/2006/math">
+                                <m:sSub>
+                                  <m:sSubPr>
+                                    <m:ctrlPr>
+                                      <a:rPr lang="en-150" smtClean="0"/>
+                                    </m:ctrlPr>
+                                  </m:sSubPr>
+                                  <m:e>
+                                    <m:r>
+                                      <a:rPr lang="en-150" smtClean="0"/>
+                                      <m:t>𝒄</m:t>
+                                    </m:r>
+                                  </m:e>
+                                  <m:sub>
+                                    <m:r>
+                                      <a:rPr lang="en-150" smtClean="0"/>
+                                      <m:t>𝒊</m:t>
+                                    </m:r>
+                                  </m:sub>
+                                </m:sSub>
+                                <m:r>
+                                  <a:rPr lang="en-150" smtClean="0"/>
+                                  <m:t>(</m:t>
+                                </m:r>
+                                <m:r>
+                                  <a:rPr lang="en-150" smtClean="0"/>
+                                  <m:t>𝒗</m:t>
+                                </m:r>
+                                <m:r>
+                                  <a:rPr lang="en-150" smtClean="0"/>
+                                  <m:t>)</m:t>
+                                </m:r>
+                              </m:oMath>
+                            </m:oMathPara>
+                          </a14:m>
+                          <a:endParaRPr lang="en-GB" dirty="0"/>
+                        </a:p>
+                      </a:txBody>
+                      <a:tcPr>
+                        <a:solidFill>
+                          <a:srgbClr val="00A6D6"/>
+                        </a:solidFill>
+                      </a:tcPr>
+                    </a:tc>
+                    <a:extLst>
+                      <a:ext uri="{0D108BD9-81ED-4DB2-BD59-A6C34878D82A}">
+                        <a16:rowId xmlns:a16="http://schemas.microsoft.com/office/drawing/2014/main" val="3695337104"/>
+                      </a:ext>
+                    </a:extLst>
+                  </a:tr>
+                  <a:tr h="370840">
+                    <a:tc>
+                      <a:txBody>
+                        <a:bodyPr/>
+                        <a:lstStyle/>
+                        <a:p>
+                          <a14:m>
+                            <m:oMathPara xmlns:m="http://schemas.openxmlformats.org/officeDocument/2006/math">
+                              <m:oMathParaPr>
+                                <m:jc m:val="centerGroup"/>
+                              </m:oMathParaPr>
+                              <m:oMath xmlns:m="http://schemas.openxmlformats.org/officeDocument/2006/math">
+                                <m:sSub>
+                                  <m:sSubPr>
+                                    <m:ctrlPr>
+                                      <a:rPr lang="en-150" smtClean="0"/>
+                                    </m:ctrlPr>
+                                  </m:sSubPr>
+                                  <m:e>
+                                    <m:r>
+                                      <a:rPr lang="en-150" smtClean="0"/>
+                                      <m:t>𝐽</m:t>
+                                    </m:r>
+                                  </m:e>
+                                  <m:sub>
+                                    <m:r>
+                                      <a:rPr lang="en-150" smtClean="0"/>
+                                      <m:t>0</m:t>
+                                    </m:r>
+                                  </m:sub>
+                                </m:sSub>
+                              </m:oMath>
+                            </m:oMathPara>
+                          </a14:m>
+                          <a:endParaRPr lang="en-GB" dirty="0"/>
+                        </a:p>
+                      </a:txBody>
+                      <a:tcPr>
+                        <a:solidFill>
+                          <a:srgbClr val="AEE2F0"/>
+                        </a:solidFill>
+                      </a:tcPr>
+                    </a:tc>
+                    <a:tc>
+                      <a:txBody>
+                        <a:bodyPr/>
+                        <a:lstStyle/>
+                        <a:p>
+                          <a:pPr algn="r"/>
+                          <a:r>
+                            <a:rPr lang="en-150" dirty="0"/>
+                            <a:t>2</a:t>
+                          </a:r>
+                          <a:endParaRPr lang="en-GB" dirty="0"/>
+                        </a:p>
+                      </a:txBody>
+                      <a:tcPr>
+                        <a:solidFill>
+                          <a:srgbClr val="AEE2F0"/>
+                        </a:solidFill>
+                      </a:tcPr>
+                    </a:tc>
+                    <a:tc>
+                      <a:txBody>
+                        <a:bodyPr/>
+                        <a:lstStyle/>
+                        <a:p>
+                          <a:pPr algn="r"/>
+                          <a:r>
+                            <a:rPr lang="en-150" dirty="0"/>
+                            <a:t>2</a:t>
+                          </a:r>
+                          <a:endParaRPr lang="en-GB" dirty="0"/>
+                        </a:p>
+                      </a:txBody>
+                      <a:tcPr>
+                        <a:solidFill>
+                          <a:srgbClr val="AEE2F0"/>
+                        </a:solidFill>
+                      </a:tcPr>
+                    </a:tc>
+                    <a:tc>
+                      <a:txBody>
+                        <a:bodyPr/>
+                        <a:lstStyle/>
+                        <a:p>
+                          <a:pPr algn="r"/>
+                          <a:r>
+                            <a:rPr lang="en-150" dirty="0"/>
+                            <a:t>100</a:t>
+                          </a:r>
+                          <a:endParaRPr lang="en-GB" dirty="0"/>
+                        </a:p>
+                      </a:txBody>
+                      <a:tcPr>
+                        <a:solidFill>
+                          <a:srgbClr val="AEE2F0"/>
+                        </a:solidFill>
+                      </a:tcPr>
+                    </a:tc>
+                    <a:tc>
+                      <a:txBody>
+                        <a:bodyPr/>
+                        <a:lstStyle/>
+                        <a:p>
+                          <a:pPr algn="r"/>
+                          <a:r>
+                            <a:rPr lang="en-150" dirty="0"/>
+                            <a:t>10</a:t>
+                          </a:r>
+                          <a:endParaRPr lang="en-GB" dirty="0"/>
+                        </a:p>
+                      </a:txBody>
+                      <a:tcPr>
+                        <a:solidFill>
+                          <a:srgbClr val="AEE2F0"/>
+                        </a:solidFill>
+                      </a:tcPr>
+                    </a:tc>
+                    <a:extLst>
+                      <a:ext uri="{0D108BD9-81ED-4DB2-BD59-A6C34878D82A}">
+                        <a16:rowId xmlns:a16="http://schemas.microsoft.com/office/drawing/2014/main" val="2903343842"/>
+                      </a:ext>
+                    </a:extLst>
+                  </a:tr>
+                  <a:tr h="370840">
+                    <a:tc>
+                      <a:txBody>
+                        <a:bodyPr/>
+                        <a:lstStyle/>
+                        <a:p>
+                          <a14:m>
+                            <m:oMathPara xmlns:m="http://schemas.openxmlformats.org/officeDocument/2006/math">
+                              <m:oMathParaPr>
+                                <m:jc m:val="centerGroup"/>
+                              </m:oMathParaPr>
+                              <m:oMath xmlns:m="http://schemas.openxmlformats.org/officeDocument/2006/math">
+                                <m:sSub>
+                                  <m:sSubPr>
+                                    <m:ctrlPr>
+                                      <a:rPr lang="en-150" smtClean="0"/>
+                                    </m:ctrlPr>
+                                  </m:sSubPr>
+                                  <m:e>
+                                    <m:r>
+                                      <a:rPr lang="en-150" smtClean="0"/>
+                                      <m:t>𝐽</m:t>
+                                    </m:r>
+                                  </m:e>
+                                  <m:sub>
+                                    <m:r>
+                                      <a:rPr lang="en-150" smtClean="0"/>
+                                      <m:t>1</m:t>
+                                    </m:r>
+                                  </m:sub>
+                                </m:sSub>
+                              </m:oMath>
+                            </m:oMathPara>
+                          </a14:m>
+                          <a:endParaRPr lang="en-GB" dirty="0"/>
+                        </a:p>
+                      </a:txBody>
+                      <a:tcPr>
+                        <a:solidFill>
+                          <a:srgbClr val="D1EFF7"/>
+                        </a:solidFill>
+                      </a:tcPr>
+                    </a:tc>
+                    <a:tc>
+                      <a:txBody>
+                        <a:bodyPr/>
+                        <a:lstStyle/>
+                        <a:p>
+                          <a:pPr algn="r"/>
+                          <a:r>
+                            <a:rPr lang="en-150" dirty="0"/>
+                            <a:t>3</a:t>
+                          </a:r>
+                          <a:endParaRPr lang="en-GB" dirty="0"/>
+                        </a:p>
+                      </a:txBody>
+                      <a:tcPr>
+                        <a:solidFill>
+                          <a:srgbClr val="D1EFF7"/>
+                        </a:solidFill>
+                      </a:tcPr>
+                    </a:tc>
+                    <a:tc>
+                      <a:txBody>
+                        <a:bodyPr/>
+                        <a:lstStyle/>
+                        <a:p>
+                          <a:pPr algn="r"/>
+                          <a:r>
+                            <a:rPr lang="en-150" dirty="0"/>
+                            <a:t>3</a:t>
+                          </a:r>
+                          <a:endParaRPr lang="en-GB" dirty="0"/>
+                        </a:p>
+                      </a:txBody>
+                      <a:tcPr>
+                        <a:solidFill>
+                          <a:srgbClr val="D1EFF7"/>
+                        </a:solidFill>
+                      </a:tcPr>
+                    </a:tc>
+                    <a:tc>
+                      <a:txBody>
+                        <a:bodyPr/>
+                        <a:lstStyle/>
+                        <a:p>
+                          <a:pPr algn="r"/>
+                          <a:r>
+                            <a:rPr lang="en-150" dirty="0"/>
+                            <a:t>20</a:t>
+                          </a:r>
+                          <a:endParaRPr lang="en-GB" dirty="0"/>
+                        </a:p>
+                      </a:txBody>
+                      <a:tcPr>
+                        <a:solidFill>
+                          <a:srgbClr val="D1EFF7"/>
+                        </a:solidFill>
+                      </a:tcPr>
+                    </a:tc>
+                    <a:tc>
+                      <a:txBody>
+                        <a:bodyPr/>
+                        <a:lstStyle/>
+                        <a:p>
+                          <a:pPr algn="r"/>
+                          <a:r>
+                            <a:rPr lang="en-150" dirty="0"/>
+                            <a:t>5</a:t>
+                          </a:r>
+                          <a:endParaRPr lang="en-GB" dirty="0"/>
+                        </a:p>
+                      </a:txBody>
+                      <a:tcPr>
+                        <a:solidFill>
+                          <a:srgbClr val="D1EFF7"/>
+                        </a:solidFill>
+                      </a:tcPr>
+                    </a:tc>
+                    <a:extLst>
+                      <a:ext uri="{0D108BD9-81ED-4DB2-BD59-A6C34878D82A}">
+                        <a16:rowId xmlns:a16="http://schemas.microsoft.com/office/drawing/2014/main" val="3834799298"/>
+                      </a:ext>
+                    </a:extLst>
+                  </a:tr>
+                  <a:tr h="370840">
+                    <a:tc>
+                      <a:txBody>
+                        <a:bodyPr/>
+                        <a:lstStyle/>
+                        <a:p>
+                          <a14:m>
+                            <m:oMathPara xmlns:m="http://schemas.openxmlformats.org/officeDocument/2006/math">
+                              <m:oMathParaPr>
+                                <m:jc m:val="centerGroup"/>
+                              </m:oMathParaPr>
+                              <m:oMath xmlns:m="http://schemas.openxmlformats.org/officeDocument/2006/math">
+                                <m:sSub>
+                                  <m:sSubPr>
+                                    <m:ctrlPr>
+                                      <a:rPr lang="en-150" smtClean="0"/>
+                                    </m:ctrlPr>
+                                  </m:sSubPr>
+                                  <m:e>
+                                    <m:r>
+                                      <a:rPr lang="en-150" smtClean="0"/>
+                                      <m:t>𝐽</m:t>
+                                    </m:r>
+                                  </m:e>
+                                  <m:sub>
+                                    <m:r>
+                                      <a:rPr lang="en-150" smtClean="0"/>
+                                      <m:t>2</m:t>
+                                    </m:r>
+                                  </m:sub>
+                                </m:sSub>
+                              </m:oMath>
+                            </m:oMathPara>
+                          </a14:m>
+                          <a:endParaRPr lang="en-GB" dirty="0"/>
+                        </a:p>
+                      </a:txBody>
+                      <a:tcPr>
+                        <a:solidFill>
+                          <a:srgbClr val="AEE2F0"/>
+                        </a:solidFill>
+                      </a:tcPr>
+                    </a:tc>
+                    <a:tc>
+                      <a:txBody>
+                        <a:bodyPr/>
+                        <a:lstStyle/>
+                        <a:p>
+                          <a:pPr algn="r"/>
+                          <a:r>
+                            <a:rPr lang="en-150" dirty="0"/>
+                            <a:t>1</a:t>
+                          </a:r>
+                          <a:endParaRPr lang="en-GB" dirty="0"/>
+                        </a:p>
+                      </a:txBody>
+                      <a:tcPr>
+                        <a:solidFill>
+                          <a:srgbClr val="AEE2F0"/>
+                        </a:solidFill>
+                      </a:tcPr>
+                    </a:tc>
+                    <a:tc>
+                      <a:txBody>
+                        <a:bodyPr/>
+                        <a:lstStyle/>
+                        <a:p>
+                          <a:pPr algn="r"/>
+                          <a:r>
+                            <a:rPr lang="en-150" dirty="0"/>
+                            <a:t>1</a:t>
+                          </a:r>
+                          <a:endParaRPr lang="en-GB" dirty="0"/>
+                        </a:p>
+                      </a:txBody>
+                      <a:tcPr>
+                        <a:solidFill>
+                          <a:srgbClr val="AEE2F0"/>
+                        </a:solidFill>
+                      </a:tcPr>
+                    </a:tc>
+                    <a:tc>
+                      <a:txBody>
+                        <a:bodyPr/>
+                        <a:lstStyle/>
+                        <a:p>
+                          <a:pPr algn="r"/>
+                          <a:r>
+                            <a:rPr lang="en-150" dirty="0"/>
+                            <a:t>100</a:t>
+                          </a:r>
+                          <a:endParaRPr lang="en-GB" dirty="0"/>
+                        </a:p>
+                      </a:txBody>
+                      <a:tcPr>
+                        <a:solidFill>
+                          <a:srgbClr val="AEE2F0"/>
+                        </a:solidFill>
+                      </a:tcPr>
+                    </a:tc>
+                    <a:tc>
+                      <a:txBody>
+                        <a:bodyPr/>
+                        <a:lstStyle/>
+                        <a:p>
+                          <a:pPr algn="r"/>
+                          <a:r>
+                            <a:rPr lang="en-150" dirty="0"/>
+                            <a:t>20</a:t>
+                          </a:r>
+                          <a:endParaRPr lang="en-GB" dirty="0"/>
+                        </a:p>
+                      </a:txBody>
+                      <a:tcPr>
+                        <a:solidFill>
+                          <a:srgbClr val="AEE2F0"/>
+                        </a:solidFill>
+                      </a:tcPr>
+                    </a:tc>
+                    <a:extLst>
+                      <a:ext uri="{0D108BD9-81ED-4DB2-BD59-A6C34878D82A}">
+                        <a16:rowId xmlns:a16="http://schemas.microsoft.com/office/drawing/2014/main" val="1167470066"/>
+                      </a:ext>
+                    </a:extLst>
+                  </a:tr>
+                  <a:tr h="370840">
+                    <a:tc>
+                      <a:txBody>
+                        <a:bodyPr/>
+                        <a:lstStyle/>
+                        <a:p>
+                          <a14:m>
+                            <m:oMathPara xmlns:m="http://schemas.openxmlformats.org/officeDocument/2006/math">
+                              <m:oMathParaPr>
+                                <m:jc m:val="centerGroup"/>
+                              </m:oMathParaPr>
+                              <m:oMath xmlns:m="http://schemas.openxmlformats.org/officeDocument/2006/math">
+                                <m:sSub>
+                                  <m:sSubPr>
+                                    <m:ctrlPr>
+                                      <a:rPr lang="en-150" smtClean="0"/>
+                                    </m:ctrlPr>
+                                  </m:sSubPr>
+                                  <m:e>
+                                    <m:r>
+                                      <a:rPr lang="en-150" smtClean="0"/>
+                                      <m:t>𝐽</m:t>
+                                    </m:r>
+                                  </m:e>
+                                  <m:sub>
+                                    <m:r>
+                                      <a:rPr lang="en-150" smtClean="0"/>
+                                      <m:t>3</m:t>
+                                    </m:r>
+                                  </m:sub>
+                                </m:sSub>
+                              </m:oMath>
+                            </m:oMathPara>
+                          </a14:m>
+                          <a:endParaRPr lang="en-GB" dirty="0"/>
+                        </a:p>
+                      </a:txBody>
+                      <a:tcPr>
+                        <a:solidFill>
+                          <a:srgbClr val="D1EFF7"/>
+                        </a:solidFill>
+                      </a:tcPr>
+                    </a:tc>
+                    <a:tc>
+                      <a:txBody>
+                        <a:bodyPr/>
+                        <a:lstStyle/>
+                        <a:p>
+                          <a:pPr algn="r"/>
+                          <a:r>
+                            <a:rPr lang="en-150" dirty="0"/>
+                            <a:t>1</a:t>
+                          </a:r>
+                          <a:endParaRPr lang="en-GB" dirty="0"/>
+                        </a:p>
+                      </a:txBody>
+                      <a:tcPr>
+                        <a:solidFill>
+                          <a:srgbClr val="D1EFF7"/>
+                        </a:solidFill>
+                      </a:tcPr>
+                    </a:tc>
+                    <a:tc>
+                      <a:txBody>
+                        <a:bodyPr/>
+                        <a:lstStyle/>
+                        <a:p>
+                          <a:pPr algn="r"/>
+                          <a:r>
+                            <a:rPr lang="en-150" dirty="0"/>
+                            <a:t>3</a:t>
+                          </a:r>
+                          <a:endParaRPr lang="en-GB" dirty="0"/>
+                        </a:p>
+                      </a:txBody>
+                      <a:tcPr>
+                        <a:solidFill>
+                          <a:srgbClr val="D1EFF7"/>
+                        </a:solidFill>
+                      </a:tcPr>
+                    </a:tc>
+                    <a:tc>
+                      <a:txBody>
+                        <a:bodyPr/>
+                        <a:lstStyle/>
+                        <a:p>
+                          <a:pPr algn="r"/>
+                          <a:r>
+                            <a:rPr lang="en-150" dirty="0"/>
+                            <a:t>100</a:t>
+                          </a:r>
+                          <a:endParaRPr lang="en-GB" dirty="0"/>
+                        </a:p>
+                      </a:txBody>
+                      <a:tcPr>
+                        <a:solidFill>
+                          <a:srgbClr val="D1EFF7"/>
+                        </a:solidFill>
+                      </a:tcPr>
+                    </a:tc>
+                    <a:tc>
+                      <a:txBody>
+                        <a:bodyPr/>
+                        <a:lstStyle/>
+                        <a:p>
+                          <a:pPr algn="r"/>
+                          <a:r>
+                            <a:rPr lang="en-150" dirty="0"/>
+                            <a:t>24, 13, 20</a:t>
+                          </a:r>
+                          <a:endParaRPr lang="en-GB" dirty="0"/>
+                        </a:p>
+                      </a:txBody>
+                      <a:tcPr>
+                        <a:solidFill>
+                          <a:srgbClr val="D1EFF7"/>
+                        </a:solidFill>
+                      </a:tcPr>
+                    </a:tc>
+                    <a:extLst>
+                      <a:ext uri="{0D108BD9-81ED-4DB2-BD59-A6C34878D82A}">
+                        <a16:rowId xmlns:a16="http://schemas.microsoft.com/office/drawing/2014/main" val="3958684838"/>
+                      </a:ext>
+                    </a:extLst>
+                  </a:tr>
+                </a:tbl>
+              </a:graphicData>
+            </a:graphic>
+          </p:graphicFrame>
+        </mc:Choice>
+        <mc:Fallback>
+          <p:graphicFrame>
+            <p:nvGraphicFramePr>
+              <p:cNvPr id="5" name="Table 5">
+                <a:extLst>
+                  <a:ext uri="{FF2B5EF4-FFF2-40B4-BE49-F238E27FC236}">
+                    <a16:creationId xmlns:a16="http://schemas.microsoft.com/office/drawing/2014/main" id="{86EE8435-BA21-4444-A3E9-94BFF8147023}"/>
+                  </a:ext>
+                </a:extLst>
+              </p:cNvPr>
+              <p:cNvGraphicFramePr>
+                <a:graphicFrameLocks noGrp="1"/>
+              </p:cNvGraphicFramePr>
+              <p:nvPr>
+                <p:extLst>
+                  <p:ext uri="{D42A27DB-BD31-4B8C-83A1-F6EECF244321}">
+                    <p14:modId xmlns:p14="http://schemas.microsoft.com/office/powerpoint/2010/main" val="3942014333"/>
+                  </p:ext>
+                </p:extLst>
+              </p:nvPr>
+            </p:nvGraphicFramePr>
+            <p:xfrm>
+              <a:off x="7306235" y="3920066"/>
+              <a:ext cx="3756211" cy="1901381"/>
+            </p:xfrm>
+            <a:graphic>
+              <a:graphicData uri="http://schemas.openxmlformats.org/drawingml/2006/table">
+                <a:tbl>
+                  <a:tblPr firstRow="1" bandRow="1">
+                    <a:tableStyleId>{7DF18680-E054-41AD-8BC1-D1AEF772440D}</a:tableStyleId>
+                  </a:tblPr>
+                  <a:tblGrid>
+                    <a:gridCol w="514770">
+                      <a:extLst>
+                        <a:ext uri="{9D8B030D-6E8A-4147-A177-3AD203B41FA5}">
+                          <a16:colId xmlns:a16="http://schemas.microsoft.com/office/drawing/2014/main" val="210105188"/>
+                        </a:ext>
+                      </a:extLst>
+                    </a:gridCol>
+                    <a:gridCol w="538899">
+                      <a:extLst>
+                        <a:ext uri="{9D8B030D-6E8A-4147-A177-3AD203B41FA5}">
+                          <a16:colId xmlns:a16="http://schemas.microsoft.com/office/drawing/2014/main" val="789912494"/>
+                        </a:ext>
+                      </a:extLst>
+                    </a:gridCol>
+                    <a:gridCol w="699765">
+                      <a:extLst>
+                        <a:ext uri="{9D8B030D-6E8A-4147-A177-3AD203B41FA5}">
+                          <a16:colId xmlns:a16="http://schemas.microsoft.com/office/drawing/2014/main" val="941606124"/>
+                        </a:ext>
+                      </a:extLst>
+                    </a:gridCol>
+                    <a:gridCol w="729790">
+                      <a:extLst>
+                        <a:ext uri="{9D8B030D-6E8A-4147-A177-3AD203B41FA5}">
+                          <a16:colId xmlns:a16="http://schemas.microsoft.com/office/drawing/2014/main" val="4260846142"/>
+                        </a:ext>
+                      </a:extLst>
+                    </a:gridCol>
+                    <a:gridCol w="1272987">
+                      <a:extLst>
+                        <a:ext uri="{9D8B030D-6E8A-4147-A177-3AD203B41FA5}">
+                          <a16:colId xmlns:a16="http://schemas.microsoft.com/office/drawing/2014/main" val="2375464766"/>
+                        </a:ext>
+                      </a:extLst>
+                    </a:gridCol>
+                  </a:tblGrid>
+                  <a:tr h="418021">
+                    <a:tc>
+                      <a:txBody>
+                        <a:bodyPr/>
+                        <a:lstStyle/>
+                        <a:p>
+                          <a:endParaRPr lang="en-GB" dirty="0"/>
+                        </a:p>
+                      </a:txBody>
+                      <a:tcPr>
+                        <a:solidFill>
+                          <a:srgbClr val="00A6D6"/>
+                        </a:solidFill>
+                      </a:tcPr>
+                    </a:tc>
+                    <a:tc>
+                      <a:txBody>
+                        <a:bodyPr/>
+                        <a:lstStyle/>
+                        <a:p>
+                          <a:endParaRPr lang="en-US"/>
+                        </a:p>
+                      </a:txBody>
+                      <a:tcPr>
+                        <a:blipFill>
+                          <a:blip r:embed="rId2"/>
+                          <a:stretch>
+                            <a:fillRect l="-97727" t="-1449" r="-509091" b="-373913"/>
+                          </a:stretch>
+                        </a:blipFill>
+                      </a:tcPr>
+                    </a:tc>
+                    <a:tc>
+                      <a:txBody>
+                        <a:bodyPr/>
+                        <a:lstStyle/>
+                        <a:p>
+                          <a:endParaRPr lang="en-US"/>
+                        </a:p>
+                      </a:txBody>
+                      <a:tcPr>
+                        <a:blipFill>
+                          <a:blip r:embed="rId2"/>
+                          <a:stretch>
+                            <a:fillRect l="-151304" t="-1449" r="-289565" b="-373913"/>
+                          </a:stretch>
+                        </a:blipFill>
+                      </a:tcPr>
+                    </a:tc>
+                    <a:tc>
+                      <a:txBody>
+                        <a:bodyPr/>
+                        <a:lstStyle/>
+                        <a:p>
+                          <a:endParaRPr lang="en-US"/>
+                        </a:p>
+                      </a:txBody>
+                      <a:tcPr>
+                        <a:blipFill>
+                          <a:blip r:embed="rId2"/>
+                          <a:stretch>
+                            <a:fillRect l="-240833" t="-1449" r="-177500" b="-373913"/>
+                          </a:stretch>
+                        </a:blipFill>
+                      </a:tcPr>
+                    </a:tc>
+                    <a:tc>
+                      <a:txBody>
+                        <a:bodyPr/>
+                        <a:lstStyle/>
+                        <a:p>
+                          <a:endParaRPr lang="en-US"/>
+                        </a:p>
+                      </a:txBody>
+                      <a:tcPr>
+                        <a:blipFill>
+                          <a:blip r:embed="rId2"/>
+                          <a:stretch>
+                            <a:fillRect l="-195694" t="-1449" r="-1914" b="-373913"/>
+                          </a:stretch>
+                        </a:blipFill>
+                      </a:tcPr>
+                    </a:tc>
+                    <a:extLst>
+                      <a:ext uri="{0D108BD9-81ED-4DB2-BD59-A6C34878D82A}">
+                        <a16:rowId xmlns:a16="http://schemas.microsoft.com/office/drawing/2014/main" val="3695337104"/>
+                      </a:ext>
+                    </a:extLst>
+                  </a:tr>
+                  <a:tr h="370840">
+                    <a:tc>
+                      <a:txBody>
+                        <a:bodyPr/>
+                        <a:lstStyle/>
+                        <a:p>
+                          <a:endParaRPr lang="en-US"/>
+                        </a:p>
+                      </a:txBody>
+                      <a:tcPr>
+                        <a:blipFill>
+                          <a:blip r:embed="rId2"/>
+                          <a:stretch>
+                            <a:fillRect l="-1176" t="-116667" r="-630588" b="-330000"/>
+                          </a:stretch>
+                        </a:blipFill>
+                      </a:tcPr>
+                    </a:tc>
+                    <a:tc>
+                      <a:txBody>
+                        <a:bodyPr/>
+                        <a:lstStyle/>
+                        <a:p>
+                          <a:pPr algn="r"/>
+                          <a:r>
+                            <a:rPr lang="en-150" dirty="0"/>
+                            <a:t>2</a:t>
+                          </a:r>
+                          <a:endParaRPr lang="en-GB" dirty="0"/>
+                        </a:p>
+                      </a:txBody>
+                      <a:tcPr>
+                        <a:solidFill>
+                          <a:srgbClr val="AEE2F0"/>
+                        </a:solidFill>
+                      </a:tcPr>
+                    </a:tc>
+                    <a:tc>
+                      <a:txBody>
+                        <a:bodyPr/>
+                        <a:lstStyle/>
+                        <a:p>
+                          <a:pPr algn="r"/>
+                          <a:r>
+                            <a:rPr lang="en-150" dirty="0"/>
+                            <a:t>2</a:t>
+                          </a:r>
+                          <a:endParaRPr lang="en-GB" dirty="0"/>
+                        </a:p>
+                      </a:txBody>
+                      <a:tcPr>
+                        <a:solidFill>
+                          <a:srgbClr val="AEE2F0"/>
+                        </a:solidFill>
+                      </a:tcPr>
+                    </a:tc>
+                    <a:tc>
+                      <a:txBody>
+                        <a:bodyPr/>
+                        <a:lstStyle/>
+                        <a:p>
+                          <a:pPr algn="r"/>
+                          <a:r>
+                            <a:rPr lang="en-150" dirty="0"/>
+                            <a:t>100</a:t>
+                          </a:r>
+                          <a:endParaRPr lang="en-GB" dirty="0"/>
+                        </a:p>
+                      </a:txBody>
+                      <a:tcPr>
+                        <a:solidFill>
+                          <a:srgbClr val="AEE2F0"/>
+                        </a:solidFill>
+                      </a:tcPr>
+                    </a:tc>
+                    <a:tc>
+                      <a:txBody>
+                        <a:bodyPr/>
+                        <a:lstStyle/>
+                        <a:p>
+                          <a:pPr algn="r"/>
+                          <a:r>
+                            <a:rPr lang="en-150" dirty="0"/>
+                            <a:t>10</a:t>
+                          </a:r>
+                          <a:endParaRPr lang="en-GB" dirty="0"/>
+                        </a:p>
+                      </a:txBody>
+                      <a:tcPr>
+                        <a:solidFill>
+                          <a:srgbClr val="AEE2F0"/>
+                        </a:solidFill>
+                      </a:tcPr>
+                    </a:tc>
+                    <a:extLst>
+                      <a:ext uri="{0D108BD9-81ED-4DB2-BD59-A6C34878D82A}">
+                        <a16:rowId xmlns:a16="http://schemas.microsoft.com/office/drawing/2014/main" val="2903343842"/>
+                      </a:ext>
+                    </a:extLst>
+                  </a:tr>
+                  <a:tr h="370840">
+                    <a:tc>
+                      <a:txBody>
+                        <a:bodyPr/>
+                        <a:lstStyle/>
+                        <a:p>
+                          <a:endParaRPr lang="en-US"/>
+                        </a:p>
+                      </a:txBody>
+                      <a:tcPr>
+                        <a:blipFill>
+                          <a:blip r:embed="rId2"/>
+                          <a:stretch>
+                            <a:fillRect l="-1176" t="-213115" r="-630588" b="-224590"/>
+                          </a:stretch>
+                        </a:blipFill>
+                      </a:tcPr>
+                    </a:tc>
+                    <a:tc>
+                      <a:txBody>
+                        <a:bodyPr/>
+                        <a:lstStyle/>
+                        <a:p>
+                          <a:pPr algn="r"/>
+                          <a:r>
+                            <a:rPr lang="en-150" dirty="0"/>
+                            <a:t>3</a:t>
+                          </a:r>
+                          <a:endParaRPr lang="en-GB" dirty="0"/>
+                        </a:p>
+                      </a:txBody>
+                      <a:tcPr>
+                        <a:solidFill>
+                          <a:srgbClr val="D1EFF7"/>
+                        </a:solidFill>
+                      </a:tcPr>
+                    </a:tc>
+                    <a:tc>
+                      <a:txBody>
+                        <a:bodyPr/>
+                        <a:lstStyle/>
+                        <a:p>
+                          <a:pPr algn="r"/>
+                          <a:r>
+                            <a:rPr lang="en-150" dirty="0"/>
+                            <a:t>3</a:t>
+                          </a:r>
+                          <a:endParaRPr lang="en-GB" dirty="0"/>
+                        </a:p>
+                      </a:txBody>
+                      <a:tcPr>
+                        <a:solidFill>
+                          <a:srgbClr val="D1EFF7"/>
+                        </a:solidFill>
+                      </a:tcPr>
+                    </a:tc>
+                    <a:tc>
+                      <a:txBody>
+                        <a:bodyPr/>
+                        <a:lstStyle/>
+                        <a:p>
+                          <a:pPr algn="r"/>
+                          <a:r>
+                            <a:rPr lang="en-150" dirty="0"/>
+                            <a:t>20</a:t>
+                          </a:r>
+                          <a:endParaRPr lang="en-GB" dirty="0"/>
+                        </a:p>
+                      </a:txBody>
+                      <a:tcPr>
+                        <a:solidFill>
+                          <a:srgbClr val="D1EFF7"/>
+                        </a:solidFill>
+                      </a:tcPr>
+                    </a:tc>
+                    <a:tc>
+                      <a:txBody>
+                        <a:bodyPr/>
+                        <a:lstStyle/>
+                        <a:p>
+                          <a:pPr algn="r"/>
+                          <a:r>
+                            <a:rPr lang="en-150" dirty="0"/>
+                            <a:t>5</a:t>
+                          </a:r>
+                          <a:endParaRPr lang="en-GB" dirty="0"/>
+                        </a:p>
+                      </a:txBody>
+                      <a:tcPr>
+                        <a:solidFill>
+                          <a:srgbClr val="D1EFF7"/>
+                        </a:solidFill>
+                      </a:tcPr>
+                    </a:tc>
+                    <a:extLst>
+                      <a:ext uri="{0D108BD9-81ED-4DB2-BD59-A6C34878D82A}">
+                        <a16:rowId xmlns:a16="http://schemas.microsoft.com/office/drawing/2014/main" val="3834799298"/>
+                      </a:ext>
+                    </a:extLst>
+                  </a:tr>
+                  <a:tr h="370840">
+                    <a:tc>
+                      <a:txBody>
+                        <a:bodyPr/>
+                        <a:lstStyle/>
+                        <a:p>
+                          <a:endParaRPr lang="en-US"/>
+                        </a:p>
+                      </a:txBody>
+                      <a:tcPr>
+                        <a:blipFill>
+                          <a:blip r:embed="rId2"/>
+                          <a:stretch>
+                            <a:fillRect l="-1176" t="-313115" r="-630588" b="-124590"/>
+                          </a:stretch>
+                        </a:blipFill>
+                      </a:tcPr>
+                    </a:tc>
+                    <a:tc>
+                      <a:txBody>
+                        <a:bodyPr/>
+                        <a:lstStyle/>
+                        <a:p>
+                          <a:pPr algn="r"/>
+                          <a:r>
+                            <a:rPr lang="en-150" dirty="0"/>
+                            <a:t>1</a:t>
+                          </a:r>
+                          <a:endParaRPr lang="en-GB" dirty="0"/>
+                        </a:p>
+                      </a:txBody>
+                      <a:tcPr>
+                        <a:solidFill>
+                          <a:srgbClr val="AEE2F0"/>
+                        </a:solidFill>
+                      </a:tcPr>
+                    </a:tc>
+                    <a:tc>
+                      <a:txBody>
+                        <a:bodyPr/>
+                        <a:lstStyle/>
+                        <a:p>
+                          <a:pPr algn="r"/>
+                          <a:r>
+                            <a:rPr lang="en-150" dirty="0"/>
+                            <a:t>1</a:t>
+                          </a:r>
+                          <a:endParaRPr lang="en-GB" dirty="0"/>
+                        </a:p>
+                      </a:txBody>
+                      <a:tcPr>
+                        <a:solidFill>
+                          <a:srgbClr val="AEE2F0"/>
+                        </a:solidFill>
+                      </a:tcPr>
+                    </a:tc>
+                    <a:tc>
+                      <a:txBody>
+                        <a:bodyPr/>
+                        <a:lstStyle/>
+                        <a:p>
+                          <a:pPr algn="r"/>
+                          <a:r>
+                            <a:rPr lang="en-150" dirty="0"/>
+                            <a:t>100</a:t>
+                          </a:r>
+                          <a:endParaRPr lang="en-GB" dirty="0"/>
+                        </a:p>
+                      </a:txBody>
+                      <a:tcPr>
+                        <a:solidFill>
+                          <a:srgbClr val="AEE2F0"/>
+                        </a:solidFill>
+                      </a:tcPr>
+                    </a:tc>
+                    <a:tc>
+                      <a:txBody>
+                        <a:bodyPr/>
+                        <a:lstStyle/>
+                        <a:p>
+                          <a:pPr algn="r"/>
+                          <a:r>
+                            <a:rPr lang="en-150" dirty="0"/>
+                            <a:t>20</a:t>
+                          </a:r>
+                          <a:endParaRPr lang="en-GB" dirty="0"/>
+                        </a:p>
+                      </a:txBody>
+                      <a:tcPr>
+                        <a:solidFill>
+                          <a:srgbClr val="AEE2F0"/>
+                        </a:solidFill>
+                      </a:tcPr>
+                    </a:tc>
+                    <a:extLst>
+                      <a:ext uri="{0D108BD9-81ED-4DB2-BD59-A6C34878D82A}">
+                        <a16:rowId xmlns:a16="http://schemas.microsoft.com/office/drawing/2014/main" val="1167470066"/>
+                      </a:ext>
+                    </a:extLst>
+                  </a:tr>
+                  <a:tr h="370840">
+                    <a:tc>
+                      <a:txBody>
+                        <a:bodyPr/>
+                        <a:lstStyle/>
+                        <a:p>
+                          <a:endParaRPr lang="en-US"/>
+                        </a:p>
+                      </a:txBody>
+                      <a:tcPr>
+                        <a:blipFill>
+                          <a:blip r:embed="rId2"/>
+                          <a:stretch>
+                            <a:fillRect l="-1176" t="-413115" r="-630588" b="-24590"/>
+                          </a:stretch>
+                        </a:blipFill>
+                      </a:tcPr>
+                    </a:tc>
+                    <a:tc>
+                      <a:txBody>
+                        <a:bodyPr/>
+                        <a:lstStyle/>
+                        <a:p>
+                          <a:pPr algn="r"/>
+                          <a:r>
+                            <a:rPr lang="en-150" dirty="0"/>
+                            <a:t>1</a:t>
+                          </a:r>
+                          <a:endParaRPr lang="en-GB" dirty="0"/>
+                        </a:p>
+                      </a:txBody>
+                      <a:tcPr>
+                        <a:solidFill>
+                          <a:srgbClr val="D1EFF7"/>
+                        </a:solidFill>
+                      </a:tcPr>
+                    </a:tc>
+                    <a:tc>
+                      <a:txBody>
+                        <a:bodyPr/>
+                        <a:lstStyle/>
+                        <a:p>
+                          <a:pPr algn="r"/>
+                          <a:r>
+                            <a:rPr lang="en-150" dirty="0"/>
+                            <a:t>3</a:t>
+                          </a:r>
+                          <a:endParaRPr lang="en-GB" dirty="0"/>
+                        </a:p>
+                      </a:txBody>
+                      <a:tcPr>
+                        <a:solidFill>
+                          <a:srgbClr val="D1EFF7"/>
+                        </a:solidFill>
+                      </a:tcPr>
+                    </a:tc>
+                    <a:tc>
+                      <a:txBody>
+                        <a:bodyPr/>
+                        <a:lstStyle/>
+                        <a:p>
+                          <a:pPr algn="r"/>
+                          <a:r>
+                            <a:rPr lang="en-150" dirty="0"/>
+                            <a:t>100</a:t>
+                          </a:r>
+                          <a:endParaRPr lang="en-GB" dirty="0"/>
+                        </a:p>
+                      </a:txBody>
+                      <a:tcPr>
+                        <a:solidFill>
+                          <a:srgbClr val="D1EFF7"/>
+                        </a:solidFill>
+                      </a:tcPr>
+                    </a:tc>
+                    <a:tc>
+                      <a:txBody>
+                        <a:bodyPr/>
+                        <a:lstStyle/>
+                        <a:p>
+                          <a:pPr algn="r"/>
+                          <a:r>
+                            <a:rPr lang="en-150" dirty="0"/>
+                            <a:t>24, 13, 20</a:t>
+                          </a:r>
+                          <a:endParaRPr lang="en-GB" dirty="0"/>
+                        </a:p>
+                      </a:txBody>
+                      <a:tcPr>
+                        <a:solidFill>
+                          <a:srgbClr val="D1EFF7"/>
+                        </a:solidFill>
+                      </a:tcPr>
+                    </a:tc>
+                    <a:extLst>
+                      <a:ext uri="{0D108BD9-81ED-4DB2-BD59-A6C34878D82A}">
+                        <a16:rowId xmlns:a16="http://schemas.microsoft.com/office/drawing/2014/main" val="3958684838"/>
+                      </a:ext>
+                    </a:extLst>
+                  </a:tr>
+                </a:tbl>
+              </a:graphicData>
+            </a:graphic>
+          </p:graphicFrame>
+        </mc:Fallback>
+      </mc:AlternateContent>
+      <p:pic>
+        <p:nvPicPr>
+          <p:cNvPr id="8" name="Picture 7" descr="A close up of a logo&#10;&#10;Description automatically generated">
+            <a:extLst>
+              <a:ext uri="{FF2B5EF4-FFF2-40B4-BE49-F238E27FC236}">
+                <a16:creationId xmlns:a16="http://schemas.microsoft.com/office/drawing/2014/main" id="{C0DC2898-13CD-4966-A24A-883C0210E731}"/>
+              </a:ext>
+            </a:extLst>
+          </p:cNvPr>
+          <p:cNvPicPr>
+            <a:picLocks noChangeAspect="1"/>
+          </p:cNvPicPr>
+          <p:nvPr/>
+        </p:nvPicPr>
+        <p:blipFill>
+          <a:blip r:embed="rId3">
+            <a:extLst>
+              <a:ext uri="{28A0092B-C50C-407E-A947-70E740481C1C}">
+                <a14:useLocalDpi xmlns:a14="http://schemas.microsoft.com/office/drawing/2010/main" val="0"/>
+              </a:ext>
+            </a:extLst>
+          </a:blip>
+          <a:stretch>
+            <a:fillRect/>
+          </a:stretch>
+        </p:blipFill>
+        <p:spPr>
+          <a:xfrm>
+            <a:off x="1129553" y="3698249"/>
+            <a:ext cx="5093075" cy="2339778"/>
+          </a:xfrm>
+          <a:prstGeom prst="rect">
+            <a:avLst/>
+          </a:prstGeom>
+        </p:spPr>
+      </p:pic>
+      <p:pic>
+        <p:nvPicPr>
+          <p:cNvPr id="10" name="Picture 9" descr="A close up of a logo&#10;&#10;Description automatically generated">
+            <a:extLst>
+              <a:ext uri="{FF2B5EF4-FFF2-40B4-BE49-F238E27FC236}">
+                <a16:creationId xmlns:a16="http://schemas.microsoft.com/office/drawing/2014/main" id="{F0B8F1F9-3923-4D2A-B109-8E0649048FE4}"/>
+              </a:ext>
+            </a:extLst>
+          </p:cNvPr>
+          <p:cNvPicPr>
+            <a:picLocks noChangeAspect="1"/>
+          </p:cNvPicPr>
+          <p:nvPr/>
+        </p:nvPicPr>
+        <p:blipFill>
+          <a:blip r:embed="rId4">
+            <a:extLst>
+              <a:ext uri="{28A0092B-C50C-407E-A947-70E740481C1C}">
+                <a14:useLocalDpi xmlns:a14="http://schemas.microsoft.com/office/drawing/2010/main" val="0"/>
+              </a:ext>
+            </a:extLst>
+          </a:blip>
+          <a:stretch>
+            <a:fillRect/>
+          </a:stretch>
+        </p:blipFill>
+        <p:spPr>
+          <a:xfrm>
+            <a:off x="1129553" y="3696940"/>
+            <a:ext cx="5093075" cy="2342396"/>
+          </a:xfrm>
+          <a:prstGeom prst="rect">
+            <a:avLst/>
+          </a:prstGeom>
+        </p:spPr>
+      </p:pic>
+      <p:pic>
+        <p:nvPicPr>
+          <p:cNvPr id="12" name="Picture 11" descr="A screenshot of a cell phone&#10;&#10;Description automatically generated">
+            <a:extLst>
+              <a:ext uri="{FF2B5EF4-FFF2-40B4-BE49-F238E27FC236}">
+                <a16:creationId xmlns:a16="http://schemas.microsoft.com/office/drawing/2014/main" id="{7B8BCF9D-768A-4E52-ACF5-47D22FC860E9}"/>
+              </a:ext>
+            </a:extLst>
+          </p:cNvPr>
+          <p:cNvPicPr>
+            <a:picLocks noChangeAspect="1"/>
+          </p:cNvPicPr>
+          <p:nvPr/>
+        </p:nvPicPr>
+        <p:blipFill>
+          <a:blip r:embed="rId5">
+            <a:extLst>
+              <a:ext uri="{28A0092B-C50C-407E-A947-70E740481C1C}">
+                <a14:useLocalDpi xmlns:a14="http://schemas.microsoft.com/office/drawing/2010/main" val="0"/>
+              </a:ext>
+            </a:extLst>
+          </a:blip>
+          <a:stretch>
+            <a:fillRect/>
+          </a:stretch>
+        </p:blipFill>
+        <p:spPr>
+          <a:xfrm>
+            <a:off x="1129553" y="3698249"/>
+            <a:ext cx="5093075" cy="2339778"/>
+          </a:xfrm>
+          <a:prstGeom prst="rect">
+            <a:avLst/>
+          </a:prstGeom>
+        </p:spPr>
+      </p:pic>
+      <p:pic>
+        <p:nvPicPr>
+          <p:cNvPr id="14" name="Picture 13" descr="A picture containing drawing&#10;&#10;Description automatically generated">
+            <a:extLst>
+              <a:ext uri="{FF2B5EF4-FFF2-40B4-BE49-F238E27FC236}">
+                <a16:creationId xmlns:a16="http://schemas.microsoft.com/office/drawing/2014/main" id="{E362734B-1C47-44DF-A4AC-172C69E56502}"/>
+              </a:ext>
+            </a:extLst>
+          </p:cNvPr>
+          <p:cNvPicPr>
+            <a:picLocks noChangeAspect="1"/>
+          </p:cNvPicPr>
+          <p:nvPr/>
+        </p:nvPicPr>
+        <p:blipFill>
+          <a:blip r:embed="rId6">
+            <a:extLst>
+              <a:ext uri="{28A0092B-C50C-407E-A947-70E740481C1C}">
+                <a14:useLocalDpi xmlns:a14="http://schemas.microsoft.com/office/drawing/2010/main" val="0"/>
+              </a:ext>
+            </a:extLst>
+          </a:blip>
+          <a:stretch>
+            <a:fillRect/>
+          </a:stretch>
+        </p:blipFill>
+        <p:spPr>
+          <a:xfrm>
+            <a:off x="1129553" y="3698249"/>
+            <a:ext cx="5093075" cy="2339778"/>
+          </a:xfrm>
+          <a:prstGeom prst="rect">
+            <a:avLst/>
+          </a:prstGeom>
+        </p:spPr>
+      </p:pic>
+      <p:pic>
+        <p:nvPicPr>
+          <p:cNvPr id="16" name="Picture 15" descr="A picture containing drawing&#10;&#10;Description automatically generated">
+            <a:extLst>
+              <a:ext uri="{FF2B5EF4-FFF2-40B4-BE49-F238E27FC236}">
+                <a16:creationId xmlns:a16="http://schemas.microsoft.com/office/drawing/2014/main" id="{EC2E6BBE-E0F7-4761-AAFD-B4613B529685}"/>
+              </a:ext>
+            </a:extLst>
+          </p:cNvPr>
+          <p:cNvPicPr>
+            <a:picLocks noChangeAspect="1"/>
+          </p:cNvPicPr>
+          <p:nvPr/>
+        </p:nvPicPr>
+        <p:blipFill>
+          <a:blip r:embed="rId7">
+            <a:extLst>
+              <a:ext uri="{28A0092B-C50C-407E-A947-70E740481C1C}">
+                <a14:useLocalDpi xmlns:a14="http://schemas.microsoft.com/office/drawing/2010/main" val="0"/>
+              </a:ext>
+            </a:extLst>
+          </a:blip>
+          <a:stretch>
+            <a:fillRect/>
+          </a:stretch>
+        </p:blipFill>
+        <p:spPr>
+          <a:xfrm>
+            <a:off x="1129553" y="3696940"/>
+            <a:ext cx="5093075" cy="2342396"/>
+          </a:xfrm>
+          <a:prstGeom prst="rect">
+            <a:avLst/>
+          </a:prstGeom>
+        </p:spPr>
+      </p:pic>
+    </p:spTree>
+    <p:extLst>
+      <p:ext uri="{BB962C8B-B14F-4D97-AF65-F5344CB8AC3E}">
+        <p14:creationId xmlns:p14="http://schemas.microsoft.com/office/powerpoint/2010/main" val="3494605251"/>
+      </p:ext>
+    </p:extLst>
+  </p:cSld>
+  <p:clrMapOvr>
+    <a:masterClrMapping/>
+  </p:clrMapOvr>
+</p:sld>
+</file>
+
 <file path=ppt/slides/slide3.xml><?xml version="1.0" encoding="utf-8"?>
 <p:sld xmlns:a="http://schemas.openxmlformats.org/drawingml/2006/main" xmlns:r="http://schemas.openxmlformats.org/officeDocument/2006/relationships" xmlns:p="http://schemas.openxmlformats.org/presentationml/2006/main">
   <p:cSld>
@@ -6260,10 +14176,9 @@
           <a:lstStyle/>
           <a:p>
             <a:r>
-              <a:rPr lang="en-150"/>
+              <a:rPr lang="en-150" dirty="0"/>
               <a:t>Efficient synchronization</a:t>
             </a:r>
-            <a:endParaRPr lang="en-150" dirty="0"/>
           </a:p>
         </p:txBody>
       </p:sp>
@@ -7129,147 +15044,147 @@
           <a:lstStyle/>
           <a:p>
             <a:r>
-              <a:rPr lang="en-150" b="1"/>
+              <a:rPr lang="en-150" b="1" dirty="0"/>
               <a:t>R</a:t>
             </a:r>
             <a:r>
-              <a:rPr lang="en-GB" b="1"/>
+              <a:rPr lang="en-GB" b="1" dirty="0"/>
               <a:t>i</a:t>
             </a:r>
             <a:r>
-              <a:rPr lang="en-150" b="1"/>
+              <a:rPr lang="en-150" b="1" dirty="0"/>
               <a:t>g</a:t>
             </a:r>
             <a:r>
-              <a:rPr lang="en-GB" b="1"/>
+              <a:rPr lang="en-GB" b="1" dirty="0"/>
               <a:t>i</a:t>
             </a:r>
             <a:r>
-              <a:rPr lang="en-150" b="1"/>
+              <a:rPr lang="en-150" b="1" dirty="0"/>
               <a:t>d</a:t>
             </a:r>
             <a:r>
-              <a:rPr lang="en-150"/>
+              <a:rPr lang="en-150" dirty="0"/>
               <a:t>: </a:t>
             </a:r>
             <a:r>
-              <a:rPr lang="en-GB"/>
+              <a:rPr lang="en-GB" dirty="0"/>
               <a:t>n</a:t>
             </a:r>
             <a:r>
-              <a:rPr lang="en-150"/>
+              <a:rPr lang="en-150" dirty="0"/>
               <a:t>u</a:t>
             </a:r>
             <a:r>
-              <a:rPr lang="en-GB"/>
+              <a:rPr lang="en-GB" dirty="0"/>
               <a:t>m</a:t>
             </a:r>
             <a:r>
-              <a:rPr lang="en-150"/>
+              <a:rPr lang="en-150" dirty="0"/>
               <a:t>b</a:t>
             </a:r>
             <a:r>
-              <a:rPr lang="en-GB"/>
+              <a:rPr lang="en-GB" dirty="0"/>
               <a:t>e</a:t>
             </a:r>
             <a:r>
-              <a:rPr lang="en-150"/>
+              <a:rPr lang="en-150" dirty="0"/>
               <a:t>r </a:t>
             </a:r>
             <a:r>
-              <a:rPr lang="en-GB"/>
+              <a:rPr lang="en-GB" dirty="0"/>
               <a:t>o</a:t>
             </a:r>
             <a:r>
-              <a:rPr lang="en-150"/>
+              <a:rPr lang="en-150" dirty="0"/>
               <a:t>f </a:t>
             </a:r>
             <a:r>
-              <a:rPr lang="en-GB"/>
+              <a:rPr lang="en-GB" dirty="0"/>
               <a:t>c</a:t>
             </a:r>
             <a:r>
-              <a:rPr lang="en-150"/>
+              <a:rPr lang="en-150" dirty="0"/>
               <a:t>o</a:t>
             </a:r>
             <a:r>
-              <a:rPr lang="en-GB"/>
+              <a:rPr lang="en-GB" dirty="0"/>
               <a:t>r</a:t>
             </a:r>
             <a:r>
-              <a:rPr lang="en-150"/>
+              <a:rPr lang="en-150" dirty="0"/>
               <a:t>e</a:t>
             </a:r>
             <a:r>
-              <a:rPr lang="en-GB"/>
+              <a:rPr lang="en-GB" dirty="0"/>
               <a:t>s</a:t>
             </a:r>
             <a:r>
-              <a:rPr lang="en-150"/>
+              <a:rPr lang="en-150" dirty="0"/>
               <a:t> </a:t>
             </a:r>
             <a:r>
-              <a:rPr lang="en-GB"/>
+              <a:rPr lang="en-GB" dirty="0"/>
               <a:t>s</a:t>
             </a:r>
             <a:r>
-              <a:rPr lang="en-150"/>
+              <a:rPr lang="en-150" dirty="0"/>
               <a:t>e</a:t>
             </a:r>
             <a:r>
-              <a:rPr lang="en-GB"/>
+              <a:rPr lang="en-GB" dirty="0"/>
               <a:t>t</a:t>
             </a:r>
             <a:r>
-              <a:rPr lang="en-150"/>
+              <a:rPr lang="en-150" dirty="0"/>
               <a:t> </a:t>
             </a:r>
             <a:r>
-              <a:rPr lang="en-GB"/>
+              <a:rPr lang="en-GB" dirty="0"/>
               <a:t>b</a:t>
             </a:r>
             <a:r>
-              <a:rPr lang="en-150"/>
+              <a:rPr lang="en-150" dirty="0"/>
               <a:t>y </a:t>
             </a:r>
             <a:r>
-              <a:rPr lang="en-GB"/>
+              <a:rPr lang="en-GB" dirty="0"/>
               <a:t>p</a:t>
             </a:r>
             <a:r>
-              <a:rPr lang="en-150"/>
+              <a:rPr lang="en-150" dirty="0"/>
               <a:t>r</a:t>
             </a:r>
             <a:r>
-              <a:rPr lang="en-GB"/>
+              <a:rPr lang="en-GB" dirty="0"/>
               <a:t>o</a:t>
             </a:r>
             <a:r>
-              <a:rPr lang="en-150"/>
+              <a:rPr lang="en-150" dirty="0"/>
               <a:t>g</a:t>
             </a:r>
             <a:r>
-              <a:rPr lang="en-GB"/>
+              <a:rPr lang="en-GB" dirty="0"/>
               <a:t>r</a:t>
             </a:r>
             <a:r>
-              <a:rPr lang="en-150"/>
+              <a:rPr lang="en-150" dirty="0"/>
               <a:t>a</a:t>
             </a:r>
             <a:r>
-              <a:rPr lang="en-GB"/>
+              <a:rPr lang="en-GB" dirty="0"/>
               <a:t>m</a:t>
             </a:r>
             <a:r>
-              <a:rPr lang="en-150"/>
+              <a:rPr lang="en-150" dirty="0"/>
               <a:t>m</a:t>
             </a:r>
             <a:r>
-              <a:rPr lang="en-GB"/>
+              <a:rPr lang="en-GB" dirty="0"/>
               <a:t>e</a:t>
             </a:r>
             <a:r>
-              <a:rPr lang="en-150"/>
+              <a:rPr lang="en-150" dirty="0"/>
               <a:t>r</a:t>
             </a:r>
             <a:endParaRPr lang="en-GB" dirty="0"/>

--- a/Notes/TFM_presentations/2020_02_24_v2/2020_02_24_v2.pptx
+++ b/Notes/TFM_presentations/2020_02_24_v2/2020_02_24_v2.pptx
@@ -14095,6 +14095,618 @@
           </a:prstGeom>
         </p:spPr>
       </p:pic>
+      <mc:AlternateContent xmlns:mc="http://schemas.openxmlformats.org/markup-compatibility/2006">
+        <mc:Choice xmlns:a14="http://schemas.microsoft.com/office/drawing/2010/main" Requires="a14">
+          <p:sp>
+            <p:nvSpPr>
+              <p:cNvPr id="18" name="TextBox 17">
+                <a:extLst>
+                  <a:ext uri="{FF2B5EF4-FFF2-40B4-BE49-F238E27FC236}">
+                    <a16:creationId xmlns:a16="http://schemas.microsoft.com/office/drawing/2014/main" id="{9B7F500E-8946-4B1A-9BBA-E4C390965BC5}"/>
+                  </a:ext>
+                </a:extLst>
+              </p:cNvPr>
+              <p:cNvSpPr txBox="1"/>
+              <p:nvPr/>
+            </p:nvSpPr>
+            <p:spPr>
+              <a:xfrm>
+                <a:off x="5312662" y="3919950"/>
+                <a:ext cx="1702217" cy="369332"/>
+              </a:xfrm>
+              <a:prstGeom prst="rect">
+                <a:avLst/>
+              </a:prstGeom>
+              <a:noFill/>
+            </p:spPr>
+            <p:txBody>
+              <a:bodyPr wrap="square" rtlCol="0">
+                <a:spAutoFit/>
+              </a:bodyPr>
+              <a:lstStyle/>
+              <a:p>
+                <a:r>
+                  <a:rPr lang="en-150" dirty="0"/>
+                  <a:t>S</a:t>
+                </a:r>
+                <a:r>
+                  <a:rPr lang="en-GB" dirty="0"/>
+                  <a:t>c</a:t>
+                </a:r>
+                <a:r>
+                  <a:rPr lang="en-150" dirty="0"/>
+                  <a:t>h</a:t>
+                </a:r>
+                <a:r>
+                  <a:rPr lang="en-GB" dirty="0"/>
+                  <a:t>e</a:t>
+                </a:r>
+                <a:r>
+                  <a:rPr lang="en-150" dirty="0"/>
+                  <a:t>d</a:t>
+                </a:r>
+                <a:r>
+                  <a:rPr lang="en-GB" dirty="0"/>
+                  <a:t>u</a:t>
+                </a:r>
+                <a:r>
+                  <a:rPr lang="en-150" dirty="0"/>
+                  <a:t>l</a:t>
+                </a:r>
+                <a:r>
+                  <a:rPr lang="en-GB" dirty="0"/>
+                  <a:t>i</a:t>
+                </a:r>
+                <a:r>
+                  <a:rPr lang="en-150" dirty="0"/>
+                  <a:t>n</a:t>
+                </a:r>
+                <a:r>
+                  <a:rPr lang="en-GB" dirty="0"/>
+                  <a:t>g</a:t>
+                </a:r>
+                <a:r>
+                  <a:rPr lang="en-150" dirty="0"/>
+                  <a:t>: </a:t>
+                </a:r>
+                <a14:m>
+                  <m:oMath xmlns:m="http://schemas.openxmlformats.org/officeDocument/2006/math">
+                    <m:sSub>
+                      <m:sSubPr>
+                        <m:ctrlPr>
+                          <a:rPr lang="en-150" b="0" i="1" smtClean="0">
+                            <a:latin typeface="Cambria Math" panose="02040503050406030204" pitchFamily="18" charset="0"/>
+                          </a:rPr>
+                        </m:ctrlPr>
+                      </m:sSubPr>
+                      <m:e>
+                        <m:r>
+                          <a:rPr lang="en-150" b="0" i="1" smtClean="0">
+                            <a:latin typeface="Cambria Math" panose="02040503050406030204" pitchFamily="18" charset="0"/>
+                          </a:rPr>
+                          <m:t>𝐽</m:t>
+                        </m:r>
+                      </m:e>
+                      <m:sub>
+                        <m:r>
+                          <a:rPr lang="en-150" b="0" i="1" smtClean="0">
+                            <a:latin typeface="Cambria Math" panose="02040503050406030204" pitchFamily="18" charset="0"/>
+                          </a:rPr>
+                          <m:t>0</m:t>
+                        </m:r>
+                      </m:sub>
+                    </m:sSub>
+                  </m:oMath>
+                </a14:m>
+                <a:endParaRPr lang="en-GB" dirty="0"/>
+              </a:p>
+            </p:txBody>
+          </p:sp>
+        </mc:Choice>
+        <mc:Fallback>
+          <p:sp>
+            <p:nvSpPr>
+              <p:cNvPr id="18" name="TextBox 17">
+                <a:extLst>
+                  <a:ext uri="{FF2B5EF4-FFF2-40B4-BE49-F238E27FC236}">
+                    <a16:creationId xmlns:a16="http://schemas.microsoft.com/office/drawing/2014/main" id="{9B7F500E-8946-4B1A-9BBA-E4C390965BC5}"/>
+                  </a:ext>
+                </a:extLst>
+              </p:cNvPr>
+              <p:cNvSpPr txBox="1">
+                <a:spLocks noRot="1" noChangeAspect="1" noMove="1" noResize="1" noEditPoints="1" noAdjustHandles="1" noChangeArrowheads="1" noChangeShapeType="1" noTextEdit="1"/>
+              </p:cNvSpPr>
+              <p:nvPr/>
+            </p:nvSpPr>
+            <p:spPr>
+              <a:xfrm>
+                <a:off x="5312662" y="3919950"/>
+                <a:ext cx="1702217" cy="369332"/>
+              </a:xfrm>
+              <a:prstGeom prst="rect">
+                <a:avLst/>
+              </a:prstGeom>
+              <a:blipFill>
+                <a:blip r:embed="rId8"/>
+                <a:stretch>
+                  <a:fillRect l="-2857" t="-8197" b="-24590"/>
+                </a:stretch>
+              </a:blipFill>
+            </p:spPr>
+            <p:txBody>
+              <a:bodyPr/>
+              <a:lstStyle/>
+              <a:p>
+                <a:r>
+                  <a:rPr lang="en-GB">
+                    <a:noFill/>
+                  </a:rPr>
+                  <a:t> </a:t>
+                </a:r>
+              </a:p>
+            </p:txBody>
+          </p:sp>
+        </mc:Fallback>
+      </mc:AlternateContent>
+      <mc:AlternateContent xmlns:mc="http://schemas.openxmlformats.org/markup-compatibility/2006">
+        <mc:Choice xmlns:a14="http://schemas.microsoft.com/office/drawing/2010/main" Requires="a14">
+          <p:sp>
+            <p:nvSpPr>
+              <p:cNvPr id="17" name="TextBox 16">
+                <a:extLst>
+                  <a:ext uri="{FF2B5EF4-FFF2-40B4-BE49-F238E27FC236}">
+                    <a16:creationId xmlns:a16="http://schemas.microsoft.com/office/drawing/2014/main" id="{493A6B90-0674-4F84-BA44-B1D844177C6E}"/>
+                  </a:ext>
+                </a:extLst>
+              </p:cNvPr>
+              <p:cNvSpPr txBox="1"/>
+              <p:nvPr/>
+            </p:nvSpPr>
+            <p:spPr>
+              <a:xfrm>
+                <a:off x="5312663" y="3920066"/>
+                <a:ext cx="1702217" cy="369332"/>
+              </a:xfrm>
+              <a:prstGeom prst="rect">
+                <a:avLst/>
+              </a:prstGeom>
+              <a:noFill/>
+            </p:spPr>
+            <p:txBody>
+              <a:bodyPr wrap="square" rtlCol="0">
+                <a:spAutoFit/>
+              </a:bodyPr>
+              <a:lstStyle/>
+              <a:p>
+                <a:r>
+                  <a:rPr lang="en-150" dirty="0"/>
+                  <a:t>S</a:t>
+                </a:r>
+                <a:r>
+                  <a:rPr lang="en-GB" dirty="0"/>
+                  <a:t>c</a:t>
+                </a:r>
+                <a:r>
+                  <a:rPr lang="en-150" dirty="0"/>
+                  <a:t>h</a:t>
+                </a:r>
+                <a:r>
+                  <a:rPr lang="en-GB" dirty="0"/>
+                  <a:t>e</a:t>
+                </a:r>
+                <a:r>
+                  <a:rPr lang="en-150" dirty="0"/>
+                  <a:t>d</a:t>
+                </a:r>
+                <a:r>
+                  <a:rPr lang="en-GB" dirty="0"/>
+                  <a:t>u</a:t>
+                </a:r>
+                <a:r>
+                  <a:rPr lang="en-150" dirty="0"/>
+                  <a:t>l</a:t>
+                </a:r>
+                <a:r>
+                  <a:rPr lang="en-GB" dirty="0"/>
+                  <a:t>i</a:t>
+                </a:r>
+                <a:r>
+                  <a:rPr lang="en-150" dirty="0"/>
+                  <a:t>n</a:t>
+                </a:r>
+                <a:r>
+                  <a:rPr lang="en-GB" dirty="0"/>
+                  <a:t>g</a:t>
+                </a:r>
+                <a:r>
+                  <a:rPr lang="en-150" dirty="0"/>
+                  <a:t>: </a:t>
+                </a:r>
+                <a14:m>
+                  <m:oMath xmlns:m="http://schemas.openxmlformats.org/officeDocument/2006/math">
+                    <m:sSub>
+                      <m:sSubPr>
+                        <m:ctrlPr>
+                          <a:rPr lang="en-150" b="0" i="1" smtClean="0">
+                            <a:latin typeface="Cambria Math" panose="02040503050406030204" pitchFamily="18" charset="0"/>
+                          </a:rPr>
+                        </m:ctrlPr>
+                      </m:sSubPr>
+                      <m:e>
+                        <m:r>
+                          <a:rPr lang="en-150" b="0" i="1" smtClean="0">
+                            <a:latin typeface="Cambria Math" panose="02040503050406030204" pitchFamily="18" charset="0"/>
+                          </a:rPr>
+                          <m:t>𝐽</m:t>
+                        </m:r>
+                      </m:e>
+                      <m:sub>
+                        <m:r>
+                          <a:rPr lang="en-150" b="0" i="1" smtClean="0">
+                            <a:latin typeface="Cambria Math" panose="02040503050406030204" pitchFamily="18" charset="0"/>
+                          </a:rPr>
+                          <m:t>1</m:t>
+                        </m:r>
+                      </m:sub>
+                    </m:sSub>
+                  </m:oMath>
+                </a14:m>
+                <a:endParaRPr lang="en-GB" dirty="0"/>
+              </a:p>
+            </p:txBody>
+          </p:sp>
+        </mc:Choice>
+        <mc:Fallback>
+          <p:sp>
+            <p:nvSpPr>
+              <p:cNvPr id="17" name="TextBox 16">
+                <a:extLst>
+                  <a:ext uri="{FF2B5EF4-FFF2-40B4-BE49-F238E27FC236}">
+                    <a16:creationId xmlns:a16="http://schemas.microsoft.com/office/drawing/2014/main" id="{493A6B90-0674-4F84-BA44-B1D844177C6E}"/>
+                  </a:ext>
+                </a:extLst>
+              </p:cNvPr>
+              <p:cNvSpPr txBox="1">
+                <a:spLocks noRot="1" noChangeAspect="1" noMove="1" noResize="1" noEditPoints="1" noAdjustHandles="1" noChangeArrowheads="1" noChangeShapeType="1" noTextEdit="1"/>
+              </p:cNvSpPr>
+              <p:nvPr/>
+            </p:nvSpPr>
+            <p:spPr>
+              <a:xfrm>
+                <a:off x="5312663" y="3920066"/>
+                <a:ext cx="1702217" cy="369332"/>
+              </a:xfrm>
+              <a:prstGeom prst="rect">
+                <a:avLst/>
+              </a:prstGeom>
+              <a:blipFill>
+                <a:blip r:embed="rId9"/>
+                <a:stretch>
+                  <a:fillRect l="-2857" t="-8197" b="-24590"/>
+                </a:stretch>
+              </a:blipFill>
+            </p:spPr>
+            <p:txBody>
+              <a:bodyPr/>
+              <a:lstStyle/>
+              <a:p>
+                <a:r>
+                  <a:rPr lang="en-GB">
+                    <a:noFill/>
+                  </a:rPr>
+                  <a:t> </a:t>
+                </a:r>
+              </a:p>
+            </p:txBody>
+          </p:sp>
+        </mc:Fallback>
+      </mc:AlternateContent>
+      <mc:AlternateContent xmlns:mc="http://schemas.openxmlformats.org/markup-compatibility/2006">
+        <mc:Choice xmlns:a14="http://schemas.microsoft.com/office/drawing/2010/main" Requires="a14">
+          <p:sp>
+            <p:nvSpPr>
+              <p:cNvPr id="19" name="TextBox 18">
+                <a:extLst>
+                  <a:ext uri="{FF2B5EF4-FFF2-40B4-BE49-F238E27FC236}">
+                    <a16:creationId xmlns:a16="http://schemas.microsoft.com/office/drawing/2014/main" id="{EB34E394-0A34-4C22-A616-6C7839402D4C}"/>
+                  </a:ext>
+                </a:extLst>
+              </p:cNvPr>
+              <p:cNvSpPr txBox="1"/>
+              <p:nvPr/>
+            </p:nvSpPr>
+            <p:spPr>
+              <a:xfrm>
+                <a:off x="5312662" y="3919950"/>
+                <a:ext cx="1702217" cy="369332"/>
+              </a:xfrm>
+              <a:prstGeom prst="rect">
+                <a:avLst/>
+              </a:prstGeom>
+              <a:noFill/>
+            </p:spPr>
+            <p:txBody>
+              <a:bodyPr wrap="square" rtlCol="0">
+                <a:spAutoFit/>
+              </a:bodyPr>
+              <a:lstStyle/>
+              <a:p>
+                <a:r>
+                  <a:rPr lang="en-150" dirty="0"/>
+                  <a:t>S</a:t>
+                </a:r>
+                <a:r>
+                  <a:rPr lang="en-GB" dirty="0"/>
+                  <a:t>c</a:t>
+                </a:r>
+                <a:r>
+                  <a:rPr lang="en-150" dirty="0"/>
+                  <a:t>h</a:t>
+                </a:r>
+                <a:r>
+                  <a:rPr lang="en-GB" dirty="0"/>
+                  <a:t>e</a:t>
+                </a:r>
+                <a:r>
+                  <a:rPr lang="en-150" dirty="0"/>
+                  <a:t>d</a:t>
+                </a:r>
+                <a:r>
+                  <a:rPr lang="en-GB" dirty="0"/>
+                  <a:t>u</a:t>
+                </a:r>
+                <a:r>
+                  <a:rPr lang="en-150" dirty="0"/>
+                  <a:t>l</a:t>
+                </a:r>
+                <a:r>
+                  <a:rPr lang="en-GB" dirty="0"/>
+                  <a:t>i</a:t>
+                </a:r>
+                <a:r>
+                  <a:rPr lang="en-150" dirty="0"/>
+                  <a:t>n</a:t>
+                </a:r>
+                <a:r>
+                  <a:rPr lang="en-GB" dirty="0"/>
+                  <a:t>g</a:t>
+                </a:r>
+                <a:r>
+                  <a:rPr lang="en-150" dirty="0"/>
+                  <a:t>: </a:t>
+                </a:r>
+                <a14:m>
+                  <m:oMath xmlns:m="http://schemas.openxmlformats.org/officeDocument/2006/math">
+                    <m:sSub>
+                      <m:sSubPr>
+                        <m:ctrlPr>
+                          <a:rPr lang="en-150" b="0" i="1" smtClean="0">
+                            <a:latin typeface="Cambria Math" panose="02040503050406030204" pitchFamily="18" charset="0"/>
+                          </a:rPr>
+                        </m:ctrlPr>
+                      </m:sSubPr>
+                      <m:e>
+                        <m:r>
+                          <a:rPr lang="en-150" b="0" i="1" smtClean="0">
+                            <a:latin typeface="Cambria Math" panose="02040503050406030204" pitchFamily="18" charset="0"/>
+                          </a:rPr>
+                          <m:t>𝐽</m:t>
+                        </m:r>
+                      </m:e>
+                      <m:sub>
+                        <m:r>
+                          <a:rPr lang="en-150" b="0" i="1" smtClean="0">
+                            <a:latin typeface="Cambria Math" panose="02040503050406030204" pitchFamily="18" charset="0"/>
+                          </a:rPr>
+                          <m:t>2</m:t>
+                        </m:r>
+                      </m:sub>
+                    </m:sSub>
+                  </m:oMath>
+                </a14:m>
+                <a:endParaRPr lang="en-GB" dirty="0"/>
+              </a:p>
+            </p:txBody>
+          </p:sp>
+        </mc:Choice>
+        <mc:Fallback>
+          <p:sp>
+            <p:nvSpPr>
+              <p:cNvPr id="19" name="TextBox 18">
+                <a:extLst>
+                  <a:ext uri="{FF2B5EF4-FFF2-40B4-BE49-F238E27FC236}">
+                    <a16:creationId xmlns:a16="http://schemas.microsoft.com/office/drawing/2014/main" id="{EB34E394-0A34-4C22-A616-6C7839402D4C}"/>
+                  </a:ext>
+                </a:extLst>
+              </p:cNvPr>
+              <p:cNvSpPr txBox="1">
+                <a:spLocks noRot="1" noChangeAspect="1" noMove="1" noResize="1" noEditPoints="1" noAdjustHandles="1" noChangeArrowheads="1" noChangeShapeType="1" noTextEdit="1"/>
+              </p:cNvSpPr>
+              <p:nvPr/>
+            </p:nvSpPr>
+            <p:spPr>
+              <a:xfrm>
+                <a:off x="5312662" y="3919950"/>
+                <a:ext cx="1702217" cy="369332"/>
+              </a:xfrm>
+              <a:prstGeom prst="rect">
+                <a:avLst/>
+              </a:prstGeom>
+              <a:blipFill>
+                <a:blip r:embed="rId10"/>
+                <a:stretch>
+                  <a:fillRect l="-2857" t="-8197" b="-24590"/>
+                </a:stretch>
+              </a:blipFill>
+            </p:spPr>
+            <p:txBody>
+              <a:bodyPr/>
+              <a:lstStyle/>
+              <a:p>
+                <a:r>
+                  <a:rPr lang="en-GB">
+                    <a:noFill/>
+                  </a:rPr>
+                  <a:t> </a:t>
+                </a:r>
+              </a:p>
+            </p:txBody>
+          </p:sp>
+        </mc:Fallback>
+      </mc:AlternateContent>
+      <mc:AlternateContent xmlns:mc="http://schemas.openxmlformats.org/markup-compatibility/2006">
+        <mc:Choice xmlns:a14="http://schemas.microsoft.com/office/drawing/2010/main" Requires="a14">
+          <p:sp>
+            <p:nvSpPr>
+              <p:cNvPr id="20" name="TextBox 19">
+                <a:extLst>
+                  <a:ext uri="{FF2B5EF4-FFF2-40B4-BE49-F238E27FC236}">
+                    <a16:creationId xmlns:a16="http://schemas.microsoft.com/office/drawing/2014/main" id="{2CE901D1-E60E-4EC9-B51E-70B618A9D119}"/>
+                  </a:ext>
+                </a:extLst>
+              </p:cNvPr>
+              <p:cNvSpPr txBox="1"/>
+              <p:nvPr/>
+            </p:nvSpPr>
+            <p:spPr>
+              <a:xfrm>
+                <a:off x="5312662" y="3919950"/>
+                <a:ext cx="1702217" cy="369332"/>
+              </a:xfrm>
+              <a:prstGeom prst="rect">
+                <a:avLst/>
+              </a:prstGeom>
+              <a:noFill/>
+            </p:spPr>
+            <p:txBody>
+              <a:bodyPr wrap="square" rtlCol="0">
+                <a:spAutoFit/>
+              </a:bodyPr>
+              <a:lstStyle/>
+              <a:p>
+                <a:r>
+                  <a:rPr lang="en-150" dirty="0"/>
+                  <a:t>S</a:t>
+                </a:r>
+                <a:r>
+                  <a:rPr lang="en-GB" dirty="0"/>
+                  <a:t>c</a:t>
+                </a:r>
+                <a:r>
+                  <a:rPr lang="en-150" dirty="0"/>
+                  <a:t>h</a:t>
+                </a:r>
+                <a:r>
+                  <a:rPr lang="en-GB" dirty="0"/>
+                  <a:t>e</a:t>
+                </a:r>
+                <a:r>
+                  <a:rPr lang="en-150" dirty="0"/>
+                  <a:t>d</a:t>
+                </a:r>
+                <a:r>
+                  <a:rPr lang="en-GB" dirty="0"/>
+                  <a:t>u</a:t>
+                </a:r>
+                <a:r>
+                  <a:rPr lang="en-150" dirty="0"/>
+                  <a:t>l</a:t>
+                </a:r>
+                <a:r>
+                  <a:rPr lang="en-GB" dirty="0"/>
+                  <a:t>i</a:t>
+                </a:r>
+                <a:r>
+                  <a:rPr lang="en-150" dirty="0"/>
+                  <a:t>n</a:t>
+                </a:r>
+                <a:r>
+                  <a:rPr lang="en-GB" dirty="0"/>
+                  <a:t>g</a:t>
+                </a:r>
+                <a:r>
+                  <a:rPr lang="en-150" dirty="0"/>
+                  <a:t>: </a:t>
+                </a:r>
+                <a14:m>
+                  <m:oMath xmlns:m="http://schemas.openxmlformats.org/officeDocument/2006/math">
+                    <m:sSub>
+                      <m:sSubPr>
+                        <m:ctrlPr>
+                          <a:rPr lang="en-150" b="0" i="1" smtClean="0">
+                            <a:latin typeface="Cambria Math" panose="02040503050406030204" pitchFamily="18" charset="0"/>
+                          </a:rPr>
+                        </m:ctrlPr>
+                      </m:sSubPr>
+                      <m:e>
+                        <m:r>
+                          <a:rPr lang="en-150" b="0" i="1" smtClean="0">
+                            <a:latin typeface="Cambria Math" panose="02040503050406030204" pitchFamily="18" charset="0"/>
+                          </a:rPr>
+                          <m:t>𝐽</m:t>
+                        </m:r>
+                      </m:e>
+                      <m:sub>
+                        <m:r>
+                          <a:rPr lang="en-150" b="0" i="1" smtClean="0">
+                            <a:latin typeface="Cambria Math" panose="02040503050406030204" pitchFamily="18" charset="0"/>
+                          </a:rPr>
+                          <m:t>3</m:t>
+                        </m:r>
+                      </m:sub>
+                    </m:sSub>
+                  </m:oMath>
+                </a14:m>
+                <a:endParaRPr lang="en-GB" dirty="0"/>
+              </a:p>
+            </p:txBody>
+          </p:sp>
+        </mc:Choice>
+        <mc:Fallback>
+          <p:sp>
+            <p:nvSpPr>
+              <p:cNvPr id="20" name="TextBox 19">
+                <a:extLst>
+                  <a:ext uri="{FF2B5EF4-FFF2-40B4-BE49-F238E27FC236}">
+                    <a16:creationId xmlns:a16="http://schemas.microsoft.com/office/drawing/2014/main" id="{2CE901D1-E60E-4EC9-B51E-70B618A9D119}"/>
+                  </a:ext>
+                </a:extLst>
+              </p:cNvPr>
+              <p:cNvSpPr txBox="1">
+                <a:spLocks noRot="1" noChangeAspect="1" noMove="1" noResize="1" noEditPoints="1" noAdjustHandles="1" noChangeArrowheads="1" noChangeShapeType="1" noTextEdit="1"/>
+              </p:cNvSpPr>
+              <p:nvPr/>
+            </p:nvSpPr>
+            <p:spPr>
+              <a:xfrm>
+                <a:off x="5312662" y="3919950"/>
+                <a:ext cx="1702217" cy="369332"/>
+              </a:xfrm>
+              <a:prstGeom prst="rect">
+                <a:avLst/>
+              </a:prstGeom>
+              <a:blipFill>
+                <a:blip r:embed="rId11"/>
+                <a:stretch>
+                  <a:fillRect l="-2857" t="-8197" b="-24590"/>
+                </a:stretch>
+              </a:blipFill>
+            </p:spPr>
+            <p:txBody>
+              <a:bodyPr/>
+              <a:lstStyle/>
+              <a:p>
+                <a:r>
+                  <a:rPr lang="en-GB">
+                    <a:noFill/>
+                  </a:rPr>
+                  <a:t> </a:t>
+                </a:r>
+              </a:p>
+            </p:txBody>
+          </p:sp>
+        </mc:Fallback>
+      </mc:AlternateContent>
     </p:spTree>
     <p:extLst>
       <p:ext uri="{BB962C8B-B14F-4D97-AF65-F5344CB8AC3E}">
@@ -14105,6 +14717,588 @@
   <p:clrMapOvr>
     <a:masterClrMapping/>
   </p:clrMapOvr>
+  <p:timing>
+    <p:tnLst>
+      <p:par>
+        <p:cTn id="1" dur="indefinite" restart="never" nodeType="tmRoot">
+          <p:childTnLst>
+            <p:seq concurrent="1" nextAc="seek">
+              <p:cTn id="2" dur="indefinite" nodeType="mainSeq">
+                <p:childTnLst>
+                  <p:par>
+                    <p:cTn id="3" fill="hold">
+                      <p:stCondLst>
+                        <p:cond delay="indefinite"/>
+                      </p:stCondLst>
+                      <p:childTnLst>
+                        <p:par>
+                          <p:cTn id="4" fill="hold">
+                            <p:stCondLst>
+                              <p:cond delay="0"/>
+                            </p:stCondLst>
+                            <p:childTnLst>
+                              <p:par>
+                                <p:cTn id="5" presetID="1" presetClass="entr" presetSubtype="0" fill="hold" nodeType="clickEffect">
+                                  <p:stCondLst>
+                                    <p:cond delay="0"/>
+                                  </p:stCondLst>
+                                  <p:childTnLst>
+                                    <p:set>
+                                      <p:cBhvr>
+                                        <p:cTn id="6" dur="1" fill="hold">
+                                          <p:stCondLst>
+                                            <p:cond delay="0"/>
+                                          </p:stCondLst>
+                                        </p:cTn>
+                                        <p:tgtEl>
+                                          <p:spTgt spid="8"/>
+                                        </p:tgtEl>
+                                        <p:attrNameLst>
+                                          <p:attrName>style.visibility</p:attrName>
+                                        </p:attrNameLst>
+                                      </p:cBhvr>
+                                      <p:to>
+                                        <p:strVal val="visible"/>
+                                      </p:to>
+                                    </p:set>
+                                  </p:childTnLst>
+                                </p:cTn>
+                              </p:par>
+                              <p:par>
+                                <p:cTn id="7" presetID="1" presetClass="entr" presetSubtype="0" fill="hold" nodeType="withEffect">
+                                  <p:stCondLst>
+                                    <p:cond delay="0"/>
+                                  </p:stCondLst>
+                                  <p:childTnLst>
+                                    <p:set>
+                                      <p:cBhvr>
+                                        <p:cTn id="8" dur="1" fill="hold">
+                                          <p:stCondLst>
+                                            <p:cond delay="0"/>
+                                          </p:stCondLst>
+                                        </p:cTn>
+                                        <p:tgtEl>
+                                          <p:spTgt spid="5"/>
+                                        </p:tgtEl>
+                                        <p:attrNameLst>
+                                          <p:attrName>style.visibility</p:attrName>
+                                        </p:attrNameLst>
+                                      </p:cBhvr>
+                                      <p:to>
+                                        <p:strVal val="visible"/>
+                                      </p:to>
+                                    </p:set>
+                                  </p:childTnLst>
+                                </p:cTn>
+                              </p:par>
+                              <p:par>
+                                <p:cTn id="9" presetID="1" presetClass="entr" presetSubtype="0" fill="hold" grpId="0" nodeType="withEffect">
+                                  <p:stCondLst>
+                                    <p:cond delay="0"/>
+                                  </p:stCondLst>
+                                  <p:childTnLst>
+                                    <p:set>
+                                      <p:cBhvr>
+                                        <p:cTn id="10" dur="1" fill="hold">
+                                          <p:stCondLst>
+                                            <p:cond delay="0"/>
+                                          </p:stCondLst>
+                                        </p:cTn>
+                                        <p:tgtEl>
+                                          <p:spTgt spid="18"/>
+                                        </p:tgtEl>
+                                        <p:attrNameLst>
+                                          <p:attrName>style.visibility</p:attrName>
+                                        </p:attrNameLst>
+                                      </p:cBhvr>
+                                      <p:to>
+                                        <p:strVal val="visible"/>
+                                      </p:to>
+                                    </p:set>
+                                  </p:childTnLst>
+                                </p:cTn>
+                              </p:par>
+                            </p:childTnLst>
+                          </p:cTn>
+                        </p:par>
+                      </p:childTnLst>
+                    </p:cTn>
+                  </p:par>
+                  <p:par>
+                    <p:cTn id="11" fill="hold">
+                      <p:stCondLst>
+                        <p:cond delay="indefinite"/>
+                      </p:stCondLst>
+                      <p:childTnLst>
+                        <p:par>
+                          <p:cTn id="12" fill="hold">
+                            <p:stCondLst>
+                              <p:cond delay="0"/>
+                            </p:stCondLst>
+                            <p:childTnLst>
+                              <p:par>
+                                <p:cTn id="13" presetID="1" presetClass="entr" presetSubtype="0" fill="hold" nodeType="clickEffect">
+                                  <p:stCondLst>
+                                    <p:cond delay="0"/>
+                                  </p:stCondLst>
+                                  <p:childTnLst>
+                                    <p:set>
+                                      <p:cBhvr>
+                                        <p:cTn id="14" dur="1" fill="hold">
+                                          <p:stCondLst>
+                                            <p:cond delay="0"/>
+                                          </p:stCondLst>
+                                        </p:cTn>
+                                        <p:tgtEl>
+                                          <p:spTgt spid="10"/>
+                                        </p:tgtEl>
+                                        <p:attrNameLst>
+                                          <p:attrName>style.visibility</p:attrName>
+                                        </p:attrNameLst>
+                                      </p:cBhvr>
+                                      <p:to>
+                                        <p:strVal val="visible"/>
+                                      </p:to>
+                                    </p:set>
+                                  </p:childTnLst>
+                                </p:cTn>
+                              </p:par>
+                              <p:par>
+                                <p:cTn id="15" presetID="1" presetClass="entr" presetSubtype="0" fill="hold" grpId="0" nodeType="withEffect">
+                                  <p:stCondLst>
+                                    <p:cond delay="0"/>
+                                  </p:stCondLst>
+                                  <p:childTnLst>
+                                    <p:set>
+                                      <p:cBhvr>
+                                        <p:cTn id="16" dur="1" fill="hold">
+                                          <p:stCondLst>
+                                            <p:cond delay="0"/>
+                                          </p:stCondLst>
+                                        </p:cTn>
+                                        <p:tgtEl>
+                                          <p:spTgt spid="17"/>
+                                        </p:tgtEl>
+                                        <p:attrNameLst>
+                                          <p:attrName>style.visibility</p:attrName>
+                                        </p:attrNameLst>
+                                      </p:cBhvr>
+                                      <p:to>
+                                        <p:strVal val="visible"/>
+                                      </p:to>
+                                    </p:set>
+                                  </p:childTnLst>
+                                </p:cTn>
+                              </p:par>
+                              <p:par>
+                                <p:cTn id="17" presetID="1" presetClass="exit" presetSubtype="0" fill="hold" grpId="1" nodeType="withEffect">
+                                  <p:stCondLst>
+                                    <p:cond delay="0"/>
+                                  </p:stCondLst>
+                                  <p:childTnLst>
+                                    <p:set>
+                                      <p:cBhvr>
+                                        <p:cTn id="18" dur="1" fill="hold">
+                                          <p:stCondLst>
+                                            <p:cond delay="0"/>
+                                          </p:stCondLst>
+                                        </p:cTn>
+                                        <p:tgtEl>
+                                          <p:spTgt spid="18"/>
+                                        </p:tgtEl>
+                                        <p:attrNameLst>
+                                          <p:attrName>style.visibility</p:attrName>
+                                        </p:attrNameLst>
+                                      </p:cBhvr>
+                                      <p:to>
+                                        <p:strVal val="hidden"/>
+                                      </p:to>
+                                    </p:set>
+                                  </p:childTnLst>
+                                </p:cTn>
+                              </p:par>
+                            </p:childTnLst>
+                          </p:cTn>
+                        </p:par>
+                      </p:childTnLst>
+                    </p:cTn>
+                  </p:par>
+                  <p:par>
+                    <p:cTn id="19" fill="hold">
+                      <p:stCondLst>
+                        <p:cond delay="indefinite"/>
+                      </p:stCondLst>
+                      <p:childTnLst>
+                        <p:par>
+                          <p:cTn id="20" fill="hold">
+                            <p:stCondLst>
+                              <p:cond delay="0"/>
+                            </p:stCondLst>
+                            <p:childTnLst>
+                              <p:par>
+                                <p:cTn id="21" presetID="1" presetClass="entr" presetSubtype="0" fill="hold" grpId="0" nodeType="clickEffect">
+                                  <p:stCondLst>
+                                    <p:cond delay="0"/>
+                                  </p:stCondLst>
+                                  <p:childTnLst>
+                                    <p:set>
+                                      <p:cBhvr>
+                                        <p:cTn id="22" dur="1" fill="hold">
+                                          <p:stCondLst>
+                                            <p:cond delay="0"/>
+                                          </p:stCondLst>
+                                        </p:cTn>
+                                        <p:tgtEl>
+                                          <p:spTgt spid="19"/>
+                                        </p:tgtEl>
+                                        <p:attrNameLst>
+                                          <p:attrName>style.visibility</p:attrName>
+                                        </p:attrNameLst>
+                                      </p:cBhvr>
+                                      <p:to>
+                                        <p:strVal val="visible"/>
+                                      </p:to>
+                                    </p:set>
+                                  </p:childTnLst>
+                                </p:cTn>
+                              </p:par>
+                              <p:par>
+                                <p:cTn id="23" presetID="1" presetClass="exit" presetSubtype="0" fill="hold" grpId="1" nodeType="withEffect">
+                                  <p:stCondLst>
+                                    <p:cond delay="0"/>
+                                  </p:stCondLst>
+                                  <p:childTnLst>
+                                    <p:set>
+                                      <p:cBhvr>
+                                        <p:cTn id="24" dur="1" fill="hold">
+                                          <p:stCondLst>
+                                            <p:cond delay="0"/>
+                                          </p:stCondLst>
+                                        </p:cTn>
+                                        <p:tgtEl>
+                                          <p:spTgt spid="17"/>
+                                        </p:tgtEl>
+                                        <p:attrNameLst>
+                                          <p:attrName>style.visibility</p:attrName>
+                                        </p:attrNameLst>
+                                      </p:cBhvr>
+                                      <p:to>
+                                        <p:strVal val="hidden"/>
+                                      </p:to>
+                                    </p:set>
+                                  </p:childTnLst>
+                                </p:cTn>
+                              </p:par>
+                            </p:childTnLst>
+                          </p:cTn>
+                        </p:par>
+                      </p:childTnLst>
+                    </p:cTn>
+                  </p:par>
+                  <p:par>
+                    <p:cTn id="25" fill="hold">
+                      <p:stCondLst>
+                        <p:cond delay="indefinite"/>
+                      </p:stCondLst>
+                      <p:childTnLst>
+                        <p:par>
+                          <p:cTn id="26" fill="hold">
+                            <p:stCondLst>
+                              <p:cond delay="0"/>
+                            </p:stCondLst>
+                            <p:childTnLst>
+                              <p:par>
+                                <p:cTn id="27" presetID="1" presetClass="entr" presetSubtype="0" fill="hold" nodeType="clickEffect">
+                                  <p:stCondLst>
+                                    <p:cond delay="0"/>
+                                  </p:stCondLst>
+                                  <p:childTnLst>
+                                    <p:set>
+                                      <p:cBhvr>
+                                        <p:cTn id="28" dur="1" fill="hold">
+                                          <p:stCondLst>
+                                            <p:cond delay="0"/>
+                                          </p:stCondLst>
+                                        </p:cTn>
+                                        <p:tgtEl>
+                                          <p:spTgt spid="12"/>
+                                        </p:tgtEl>
+                                        <p:attrNameLst>
+                                          <p:attrName>style.visibility</p:attrName>
+                                        </p:attrNameLst>
+                                      </p:cBhvr>
+                                      <p:to>
+                                        <p:strVal val="visible"/>
+                                      </p:to>
+                                    </p:set>
+                                  </p:childTnLst>
+                                </p:cTn>
+                              </p:par>
+                              <p:par>
+                                <p:cTn id="29" presetID="1" presetClass="entr" presetSubtype="0" fill="hold" grpId="0" nodeType="withEffect">
+                                  <p:stCondLst>
+                                    <p:cond delay="0"/>
+                                  </p:stCondLst>
+                                  <p:childTnLst>
+                                    <p:set>
+                                      <p:cBhvr>
+                                        <p:cTn id="30" dur="1" fill="hold">
+                                          <p:stCondLst>
+                                            <p:cond delay="0"/>
+                                          </p:stCondLst>
+                                        </p:cTn>
+                                        <p:tgtEl>
+                                          <p:spTgt spid="20"/>
+                                        </p:tgtEl>
+                                        <p:attrNameLst>
+                                          <p:attrName>style.visibility</p:attrName>
+                                        </p:attrNameLst>
+                                      </p:cBhvr>
+                                      <p:to>
+                                        <p:strVal val="visible"/>
+                                      </p:to>
+                                    </p:set>
+                                  </p:childTnLst>
+                                </p:cTn>
+                              </p:par>
+                              <p:par>
+                                <p:cTn id="31" presetID="1" presetClass="exit" presetSubtype="0" fill="hold" grpId="1" nodeType="withEffect">
+                                  <p:stCondLst>
+                                    <p:cond delay="0"/>
+                                  </p:stCondLst>
+                                  <p:childTnLst>
+                                    <p:set>
+                                      <p:cBhvr>
+                                        <p:cTn id="32" dur="1" fill="hold">
+                                          <p:stCondLst>
+                                            <p:cond delay="0"/>
+                                          </p:stCondLst>
+                                        </p:cTn>
+                                        <p:tgtEl>
+                                          <p:spTgt spid="19"/>
+                                        </p:tgtEl>
+                                        <p:attrNameLst>
+                                          <p:attrName>style.visibility</p:attrName>
+                                        </p:attrNameLst>
+                                      </p:cBhvr>
+                                      <p:to>
+                                        <p:strVal val="hidden"/>
+                                      </p:to>
+                                    </p:set>
+                                  </p:childTnLst>
+                                </p:cTn>
+                              </p:par>
+                            </p:childTnLst>
+                          </p:cTn>
+                        </p:par>
+                      </p:childTnLst>
+                    </p:cTn>
+                  </p:par>
+                  <p:par>
+                    <p:cTn id="33" fill="hold">
+                      <p:stCondLst>
+                        <p:cond delay="indefinite"/>
+                      </p:stCondLst>
+                      <p:childTnLst>
+                        <p:par>
+                          <p:cTn id="34" fill="hold">
+                            <p:stCondLst>
+                              <p:cond delay="0"/>
+                            </p:stCondLst>
+                            <p:childTnLst>
+                              <p:par>
+                                <p:cTn id="35" presetID="1" presetClass="entr" presetSubtype="0" fill="hold" nodeType="clickEffect">
+                                  <p:stCondLst>
+                                    <p:cond delay="0"/>
+                                  </p:stCondLst>
+                                  <p:childTnLst>
+                                    <p:set>
+                                      <p:cBhvr>
+                                        <p:cTn id="36" dur="1" fill="hold">
+                                          <p:stCondLst>
+                                            <p:cond delay="0"/>
+                                          </p:stCondLst>
+                                        </p:cTn>
+                                        <p:tgtEl>
+                                          <p:spTgt spid="14"/>
+                                        </p:tgtEl>
+                                        <p:attrNameLst>
+                                          <p:attrName>style.visibility</p:attrName>
+                                        </p:attrNameLst>
+                                      </p:cBhvr>
+                                      <p:to>
+                                        <p:strVal val="visible"/>
+                                      </p:to>
+                                    </p:set>
+                                  </p:childTnLst>
+                                </p:cTn>
+                              </p:par>
+                              <p:par>
+                                <p:cTn id="37" presetID="1" presetClass="entr" presetSubtype="0" fill="hold" grpId="2" nodeType="withEffect">
+                                  <p:stCondLst>
+                                    <p:cond delay="0"/>
+                                  </p:stCondLst>
+                                  <p:childTnLst>
+                                    <p:set>
+                                      <p:cBhvr>
+                                        <p:cTn id="38" dur="1" fill="hold">
+                                          <p:stCondLst>
+                                            <p:cond delay="0"/>
+                                          </p:stCondLst>
+                                        </p:cTn>
+                                        <p:tgtEl>
+                                          <p:spTgt spid="17"/>
+                                        </p:tgtEl>
+                                        <p:attrNameLst>
+                                          <p:attrName>style.visibility</p:attrName>
+                                        </p:attrNameLst>
+                                      </p:cBhvr>
+                                      <p:to>
+                                        <p:strVal val="visible"/>
+                                      </p:to>
+                                    </p:set>
+                                  </p:childTnLst>
+                                </p:cTn>
+                              </p:par>
+                              <p:par>
+                                <p:cTn id="39" presetID="1" presetClass="exit" presetSubtype="0" fill="hold" grpId="1" nodeType="withEffect">
+                                  <p:stCondLst>
+                                    <p:cond delay="0"/>
+                                  </p:stCondLst>
+                                  <p:childTnLst>
+                                    <p:set>
+                                      <p:cBhvr>
+                                        <p:cTn id="40" dur="1" fill="hold">
+                                          <p:stCondLst>
+                                            <p:cond delay="0"/>
+                                          </p:stCondLst>
+                                        </p:cTn>
+                                        <p:tgtEl>
+                                          <p:spTgt spid="20"/>
+                                        </p:tgtEl>
+                                        <p:attrNameLst>
+                                          <p:attrName>style.visibility</p:attrName>
+                                        </p:attrNameLst>
+                                      </p:cBhvr>
+                                      <p:to>
+                                        <p:strVal val="hidden"/>
+                                      </p:to>
+                                    </p:set>
+                                  </p:childTnLst>
+                                </p:cTn>
+                              </p:par>
+                            </p:childTnLst>
+                          </p:cTn>
+                        </p:par>
+                      </p:childTnLst>
+                    </p:cTn>
+                  </p:par>
+                  <p:par>
+                    <p:cTn id="41" fill="hold">
+                      <p:stCondLst>
+                        <p:cond delay="indefinite"/>
+                      </p:stCondLst>
+                      <p:childTnLst>
+                        <p:par>
+                          <p:cTn id="42" fill="hold">
+                            <p:stCondLst>
+                              <p:cond delay="0"/>
+                            </p:stCondLst>
+                            <p:childTnLst>
+                              <p:par>
+                                <p:cTn id="43" presetID="1" presetClass="entr" presetSubtype="0" fill="hold" nodeType="clickEffect">
+                                  <p:stCondLst>
+                                    <p:cond delay="0"/>
+                                  </p:stCondLst>
+                                  <p:childTnLst>
+                                    <p:set>
+                                      <p:cBhvr>
+                                        <p:cTn id="44" dur="1" fill="hold">
+                                          <p:stCondLst>
+                                            <p:cond delay="0"/>
+                                          </p:stCondLst>
+                                        </p:cTn>
+                                        <p:tgtEl>
+                                          <p:spTgt spid="16"/>
+                                        </p:tgtEl>
+                                        <p:attrNameLst>
+                                          <p:attrName>style.visibility</p:attrName>
+                                        </p:attrNameLst>
+                                      </p:cBhvr>
+                                      <p:to>
+                                        <p:strVal val="visible"/>
+                                      </p:to>
+                                    </p:set>
+                                  </p:childTnLst>
+                                </p:cTn>
+                              </p:par>
+                              <p:par>
+                                <p:cTn id="45" presetID="1" presetClass="exit" presetSubtype="0" fill="hold" grpId="3" nodeType="withEffect">
+                                  <p:stCondLst>
+                                    <p:cond delay="0"/>
+                                  </p:stCondLst>
+                                  <p:childTnLst>
+                                    <p:set>
+                                      <p:cBhvr>
+                                        <p:cTn id="46" dur="1" fill="hold">
+                                          <p:stCondLst>
+                                            <p:cond delay="0"/>
+                                          </p:stCondLst>
+                                        </p:cTn>
+                                        <p:tgtEl>
+                                          <p:spTgt spid="17"/>
+                                        </p:tgtEl>
+                                        <p:attrNameLst>
+                                          <p:attrName>style.visibility</p:attrName>
+                                        </p:attrNameLst>
+                                      </p:cBhvr>
+                                      <p:to>
+                                        <p:strVal val="hidden"/>
+                                      </p:to>
+                                    </p:set>
+                                  </p:childTnLst>
+                                </p:cTn>
+                              </p:par>
+                            </p:childTnLst>
+                          </p:cTn>
+                        </p:par>
+                      </p:childTnLst>
+                    </p:cTn>
+                  </p:par>
+                </p:childTnLst>
+              </p:cTn>
+              <p:prevCondLst>
+                <p:cond evt="onPrev" delay="0">
+                  <p:tgtEl>
+                    <p:sldTgt/>
+                  </p:tgtEl>
+                </p:cond>
+              </p:prevCondLst>
+              <p:nextCondLst>
+                <p:cond evt="onNext" delay="0">
+                  <p:tgtEl>
+                    <p:sldTgt/>
+                  </p:tgtEl>
+                </p:cond>
+              </p:nextCondLst>
+            </p:seq>
+          </p:childTnLst>
+        </p:cTn>
+      </p:par>
+    </p:tnLst>
+    <p:bldLst>
+      <p:bldP spid="18" grpId="0"/>
+      <p:bldP spid="18" grpId="1"/>
+      <p:bldP spid="17" grpId="0"/>
+      <p:bldP spid="17" grpId="1"/>
+      <p:bldP spid="17" grpId="2"/>
+      <p:bldP spid="17" grpId="3"/>
+      <p:bldP spid="19" grpId="0"/>
+      <p:bldP spid="19" grpId="1"/>
+      <p:bldP spid="20" grpId="0"/>
+      <p:bldP spid="20" grpId="1"/>
+    </p:bldLst>
+  </p:timing>
 </p:sld>
 </file>
 

--- a/Notes/TFM_presentations/2020_02_24_v2/2020_02_24_v2.pptx
+++ b/Notes/TFM_presentations/2020_02_24_v2/2020_02_24_v2.pptx
@@ -5,7 +5,7 @@
     <p:sldMasterId id="2147483648" r:id="rId1"/>
   </p:sldMasterIdLst>
   <p:notesMasterIdLst>
-    <p:notesMasterId r:id="rId25"/>
+    <p:notesMasterId r:id="rId26"/>
   </p:notesMasterIdLst>
   <p:sldIdLst>
     <p:sldId id="256" r:id="rId2"/>
@@ -30,7 +30,8 @@
     <p:sldId id="278" r:id="rId21"/>
     <p:sldId id="276" r:id="rId22"/>
     <p:sldId id="277" r:id="rId23"/>
-    <p:sldId id="279" r:id="rId24"/>
+    <p:sldId id="280" r:id="rId24"/>
+    <p:sldId id="279" r:id="rId25"/>
   </p:sldIdLst>
   <p:sldSz cx="12192000" cy="6858000"/>
   <p:notesSz cx="6858000" cy="9144000"/>
@@ -133,6 +134,9 @@
     <p:ext uri="{EFAFB233-063F-42B5-8137-9DF3F51BA10A}">
       <p15:sldGuideLst xmlns:p15="http://schemas.microsoft.com/office/powerpoint/2012/main"/>
     </p:ext>
+    <p:ext uri="{2D200454-40CA-4A62-9FC3-DE9A4176ACB9}">
+      <p15:notesGuideLst xmlns:p15="http://schemas.microsoft.com/office/powerpoint/2012/main"/>
+    </p:ext>
   </p:extLst>
 </p:presentation>
 </file>
@@ -219,7 +223,7 @@
           <a:p>
             <a:fld id="{D07E13D9-DB12-424B-A0B8-3D2EDA86849F}" type="datetimeFigureOut">
               <a:rPr lang="en-GB" smtClean="0"/>
-              <a:t>18/02/2020</a:t>
+              <a:t>19/02/2020</a:t>
             </a:fld>
             <a:endParaRPr lang="en-GB" dirty="0"/>
           </a:p>
@@ -636,7 +640,7 @@
           <a:p>
             <a:fld id="{CCADCBAA-299B-4552-9387-24D12127C082}" type="slidenum">
               <a:rPr lang="en-GB" smtClean="0"/>
-              <a:t>22</a:t>
+              <a:t>10</a:t>
             </a:fld>
             <a:endParaRPr lang="en-GB" dirty="0"/>
           </a:p>
@@ -645,7 +649,7 @@
     </p:spTree>
     <p:extLst>
       <p:ext uri="{BB962C8B-B14F-4D97-AF65-F5344CB8AC3E}">
-        <p14:creationId xmlns:p14="http://schemas.microsoft.com/office/powerpoint/2010/main" val="3078321418"/>
+        <p14:creationId xmlns:p14="http://schemas.microsoft.com/office/powerpoint/2010/main" val="2027990406"/>
       </p:ext>
     </p:extLst>
   </p:cSld>
@@ -720,7 +724,7 @@
           <a:p>
             <a:fld id="{CCADCBAA-299B-4552-9387-24D12127C082}" type="slidenum">
               <a:rPr lang="en-GB" smtClean="0"/>
-              <a:t>23</a:t>
+              <a:t>11</a:t>
             </a:fld>
             <a:endParaRPr lang="en-GB" dirty="0"/>
           </a:p>
@@ -729,7 +733,679 @@
     </p:spTree>
     <p:extLst>
       <p:ext uri="{BB962C8B-B14F-4D97-AF65-F5344CB8AC3E}">
-        <p14:creationId xmlns:p14="http://schemas.microsoft.com/office/powerpoint/2010/main" val="2578817388"/>
+        <p14:creationId xmlns:p14="http://schemas.microsoft.com/office/powerpoint/2010/main" val="221594179"/>
+      </p:ext>
+    </p:extLst>
+  </p:cSld>
+  <p:clrMapOvr>
+    <a:masterClrMapping/>
+  </p:clrMapOvr>
+</p:notes>
+</file>
+
+<file path=ppt/notesSlides/notesSlide12.xml><?xml version="1.0" encoding="utf-8"?>
+<p:notes xmlns:a="http://schemas.openxmlformats.org/drawingml/2006/main" xmlns:r="http://schemas.openxmlformats.org/officeDocument/2006/relationships" xmlns:p="http://schemas.openxmlformats.org/presentationml/2006/main">
+  <p:cSld>
+    <p:spTree>
+      <p:nvGrpSpPr>
+        <p:cNvPr id="1" name=""/>
+        <p:cNvGrpSpPr/>
+        <p:nvPr/>
+      </p:nvGrpSpPr>
+      <p:grpSpPr>
+        <a:xfrm>
+          <a:off x="0" y="0"/>
+          <a:ext cx="0" cy="0"/>
+          <a:chOff x="0" y="0"/>
+          <a:chExt cx="0" cy="0"/>
+        </a:xfrm>
+      </p:grpSpPr>
+      <p:sp>
+        <p:nvSpPr>
+          <p:cNvPr id="2" name="Slide Image Placeholder 1"/>
+          <p:cNvSpPr>
+            <a:spLocks noGrp="1" noRot="1" noChangeAspect="1"/>
+          </p:cNvSpPr>
+          <p:nvPr>
+            <p:ph type="sldImg"/>
+          </p:nvPr>
+        </p:nvSpPr>
+        <p:spPr/>
+      </p:sp>
+      <p:sp>
+        <p:nvSpPr>
+          <p:cNvPr id="3" name="Notes Placeholder 2"/>
+          <p:cNvSpPr>
+            <a:spLocks noGrp="1"/>
+          </p:cNvSpPr>
+          <p:nvPr>
+            <p:ph type="body" idx="1"/>
+          </p:nvPr>
+        </p:nvSpPr>
+        <p:spPr/>
+        <p:txBody>
+          <a:bodyPr/>
+          <a:lstStyle/>
+          <a:p>
+            <a:endParaRPr lang="en-GB"/>
+          </a:p>
+        </p:txBody>
+      </p:sp>
+      <p:sp>
+        <p:nvSpPr>
+          <p:cNvPr id="4" name="Slide Number Placeholder 3"/>
+          <p:cNvSpPr>
+            <a:spLocks noGrp="1"/>
+          </p:cNvSpPr>
+          <p:nvPr>
+            <p:ph type="sldNum" sz="quarter" idx="5"/>
+          </p:nvPr>
+        </p:nvSpPr>
+        <p:spPr/>
+        <p:txBody>
+          <a:bodyPr/>
+          <a:lstStyle/>
+          <a:p>
+            <a:fld id="{CCADCBAA-299B-4552-9387-24D12127C082}" type="slidenum">
+              <a:rPr lang="en-GB" smtClean="0"/>
+              <a:t>12</a:t>
+            </a:fld>
+            <a:endParaRPr lang="en-GB" dirty="0"/>
+          </a:p>
+        </p:txBody>
+      </p:sp>
+    </p:spTree>
+    <p:extLst>
+      <p:ext uri="{BB962C8B-B14F-4D97-AF65-F5344CB8AC3E}">
+        <p14:creationId xmlns:p14="http://schemas.microsoft.com/office/powerpoint/2010/main" val="2895616324"/>
+      </p:ext>
+    </p:extLst>
+  </p:cSld>
+  <p:clrMapOvr>
+    <a:masterClrMapping/>
+  </p:clrMapOvr>
+</p:notes>
+</file>
+
+<file path=ppt/notesSlides/notesSlide13.xml><?xml version="1.0" encoding="utf-8"?>
+<p:notes xmlns:a="http://schemas.openxmlformats.org/drawingml/2006/main" xmlns:r="http://schemas.openxmlformats.org/officeDocument/2006/relationships" xmlns:p="http://schemas.openxmlformats.org/presentationml/2006/main">
+  <p:cSld>
+    <p:spTree>
+      <p:nvGrpSpPr>
+        <p:cNvPr id="1" name=""/>
+        <p:cNvGrpSpPr/>
+        <p:nvPr/>
+      </p:nvGrpSpPr>
+      <p:grpSpPr>
+        <a:xfrm>
+          <a:off x="0" y="0"/>
+          <a:ext cx="0" cy="0"/>
+          <a:chOff x="0" y="0"/>
+          <a:chExt cx="0" cy="0"/>
+        </a:xfrm>
+      </p:grpSpPr>
+      <p:sp>
+        <p:nvSpPr>
+          <p:cNvPr id="2" name="Slide Image Placeholder 1"/>
+          <p:cNvSpPr>
+            <a:spLocks noGrp="1" noRot="1" noChangeAspect="1"/>
+          </p:cNvSpPr>
+          <p:nvPr>
+            <p:ph type="sldImg"/>
+          </p:nvPr>
+        </p:nvSpPr>
+        <p:spPr/>
+      </p:sp>
+      <p:sp>
+        <p:nvSpPr>
+          <p:cNvPr id="3" name="Notes Placeholder 2"/>
+          <p:cNvSpPr>
+            <a:spLocks noGrp="1"/>
+          </p:cNvSpPr>
+          <p:nvPr>
+            <p:ph type="body" idx="1"/>
+          </p:nvPr>
+        </p:nvSpPr>
+        <p:spPr/>
+        <p:txBody>
+          <a:bodyPr/>
+          <a:lstStyle/>
+          <a:p>
+            <a:endParaRPr lang="en-GB"/>
+          </a:p>
+        </p:txBody>
+      </p:sp>
+      <p:sp>
+        <p:nvSpPr>
+          <p:cNvPr id="4" name="Slide Number Placeholder 3"/>
+          <p:cNvSpPr>
+            <a:spLocks noGrp="1"/>
+          </p:cNvSpPr>
+          <p:nvPr>
+            <p:ph type="sldNum" sz="quarter" idx="5"/>
+          </p:nvPr>
+        </p:nvSpPr>
+        <p:spPr/>
+        <p:txBody>
+          <a:bodyPr/>
+          <a:lstStyle/>
+          <a:p>
+            <a:fld id="{CCADCBAA-299B-4552-9387-24D12127C082}" type="slidenum">
+              <a:rPr lang="en-GB" smtClean="0"/>
+              <a:t>13</a:t>
+            </a:fld>
+            <a:endParaRPr lang="en-GB" dirty="0"/>
+          </a:p>
+        </p:txBody>
+      </p:sp>
+    </p:spTree>
+    <p:extLst>
+      <p:ext uri="{BB962C8B-B14F-4D97-AF65-F5344CB8AC3E}">
+        <p14:creationId xmlns:p14="http://schemas.microsoft.com/office/powerpoint/2010/main" val="1273097869"/>
+      </p:ext>
+    </p:extLst>
+  </p:cSld>
+  <p:clrMapOvr>
+    <a:masterClrMapping/>
+  </p:clrMapOvr>
+</p:notes>
+</file>
+
+<file path=ppt/notesSlides/notesSlide14.xml><?xml version="1.0" encoding="utf-8"?>
+<p:notes xmlns:a="http://schemas.openxmlformats.org/drawingml/2006/main" xmlns:r="http://schemas.openxmlformats.org/officeDocument/2006/relationships" xmlns:p="http://schemas.openxmlformats.org/presentationml/2006/main">
+  <p:cSld>
+    <p:spTree>
+      <p:nvGrpSpPr>
+        <p:cNvPr id="1" name=""/>
+        <p:cNvGrpSpPr/>
+        <p:nvPr/>
+      </p:nvGrpSpPr>
+      <p:grpSpPr>
+        <a:xfrm>
+          <a:off x="0" y="0"/>
+          <a:ext cx="0" cy="0"/>
+          <a:chOff x="0" y="0"/>
+          <a:chExt cx="0" cy="0"/>
+        </a:xfrm>
+      </p:grpSpPr>
+      <p:sp>
+        <p:nvSpPr>
+          <p:cNvPr id="2" name="Slide Image Placeholder 1"/>
+          <p:cNvSpPr>
+            <a:spLocks noGrp="1" noRot="1" noChangeAspect="1"/>
+          </p:cNvSpPr>
+          <p:nvPr>
+            <p:ph type="sldImg"/>
+          </p:nvPr>
+        </p:nvSpPr>
+        <p:spPr/>
+      </p:sp>
+      <p:sp>
+        <p:nvSpPr>
+          <p:cNvPr id="3" name="Notes Placeholder 2"/>
+          <p:cNvSpPr>
+            <a:spLocks noGrp="1"/>
+          </p:cNvSpPr>
+          <p:nvPr>
+            <p:ph type="body" idx="1"/>
+          </p:nvPr>
+        </p:nvSpPr>
+        <p:spPr/>
+        <p:txBody>
+          <a:bodyPr/>
+          <a:lstStyle/>
+          <a:p>
+            <a:endParaRPr lang="en-GB"/>
+          </a:p>
+        </p:txBody>
+      </p:sp>
+      <p:sp>
+        <p:nvSpPr>
+          <p:cNvPr id="4" name="Slide Number Placeholder 3"/>
+          <p:cNvSpPr>
+            <a:spLocks noGrp="1"/>
+          </p:cNvSpPr>
+          <p:nvPr>
+            <p:ph type="sldNum" sz="quarter" idx="5"/>
+          </p:nvPr>
+        </p:nvSpPr>
+        <p:spPr/>
+        <p:txBody>
+          <a:bodyPr/>
+          <a:lstStyle/>
+          <a:p>
+            <a:fld id="{CCADCBAA-299B-4552-9387-24D12127C082}" type="slidenum">
+              <a:rPr lang="en-GB" smtClean="0"/>
+              <a:t>14</a:t>
+            </a:fld>
+            <a:endParaRPr lang="en-GB" dirty="0"/>
+          </a:p>
+        </p:txBody>
+      </p:sp>
+    </p:spTree>
+    <p:extLst>
+      <p:ext uri="{BB962C8B-B14F-4D97-AF65-F5344CB8AC3E}">
+        <p14:creationId xmlns:p14="http://schemas.microsoft.com/office/powerpoint/2010/main" val="3273809790"/>
+      </p:ext>
+    </p:extLst>
+  </p:cSld>
+  <p:clrMapOvr>
+    <a:masterClrMapping/>
+  </p:clrMapOvr>
+</p:notes>
+</file>
+
+<file path=ppt/notesSlides/notesSlide15.xml><?xml version="1.0" encoding="utf-8"?>
+<p:notes xmlns:a="http://schemas.openxmlformats.org/drawingml/2006/main" xmlns:r="http://schemas.openxmlformats.org/officeDocument/2006/relationships" xmlns:p="http://schemas.openxmlformats.org/presentationml/2006/main">
+  <p:cSld>
+    <p:spTree>
+      <p:nvGrpSpPr>
+        <p:cNvPr id="1" name=""/>
+        <p:cNvGrpSpPr/>
+        <p:nvPr/>
+      </p:nvGrpSpPr>
+      <p:grpSpPr>
+        <a:xfrm>
+          <a:off x="0" y="0"/>
+          <a:ext cx="0" cy="0"/>
+          <a:chOff x="0" y="0"/>
+          <a:chExt cx="0" cy="0"/>
+        </a:xfrm>
+      </p:grpSpPr>
+      <p:sp>
+        <p:nvSpPr>
+          <p:cNvPr id="2" name="Slide Image Placeholder 1"/>
+          <p:cNvSpPr>
+            <a:spLocks noGrp="1" noRot="1" noChangeAspect="1"/>
+          </p:cNvSpPr>
+          <p:nvPr>
+            <p:ph type="sldImg"/>
+          </p:nvPr>
+        </p:nvSpPr>
+        <p:spPr/>
+      </p:sp>
+      <p:sp>
+        <p:nvSpPr>
+          <p:cNvPr id="3" name="Notes Placeholder 2"/>
+          <p:cNvSpPr>
+            <a:spLocks noGrp="1"/>
+          </p:cNvSpPr>
+          <p:nvPr>
+            <p:ph type="body" idx="1"/>
+          </p:nvPr>
+        </p:nvSpPr>
+        <p:spPr/>
+        <p:txBody>
+          <a:bodyPr/>
+          <a:lstStyle/>
+          <a:p>
+            <a:endParaRPr lang="en-GB"/>
+          </a:p>
+        </p:txBody>
+      </p:sp>
+      <p:sp>
+        <p:nvSpPr>
+          <p:cNvPr id="4" name="Slide Number Placeholder 3"/>
+          <p:cNvSpPr>
+            <a:spLocks noGrp="1"/>
+          </p:cNvSpPr>
+          <p:nvPr>
+            <p:ph type="sldNum" sz="quarter" idx="5"/>
+          </p:nvPr>
+        </p:nvSpPr>
+        <p:spPr/>
+        <p:txBody>
+          <a:bodyPr/>
+          <a:lstStyle/>
+          <a:p>
+            <a:fld id="{CCADCBAA-299B-4552-9387-24D12127C082}" type="slidenum">
+              <a:rPr lang="en-GB" smtClean="0"/>
+              <a:t>15</a:t>
+            </a:fld>
+            <a:endParaRPr lang="en-GB" dirty="0"/>
+          </a:p>
+        </p:txBody>
+      </p:sp>
+    </p:spTree>
+    <p:extLst>
+      <p:ext uri="{BB962C8B-B14F-4D97-AF65-F5344CB8AC3E}">
+        <p14:creationId xmlns:p14="http://schemas.microsoft.com/office/powerpoint/2010/main" val="876099064"/>
+      </p:ext>
+    </p:extLst>
+  </p:cSld>
+  <p:clrMapOvr>
+    <a:masterClrMapping/>
+  </p:clrMapOvr>
+</p:notes>
+</file>
+
+<file path=ppt/notesSlides/notesSlide16.xml><?xml version="1.0" encoding="utf-8"?>
+<p:notes xmlns:a="http://schemas.openxmlformats.org/drawingml/2006/main" xmlns:r="http://schemas.openxmlformats.org/officeDocument/2006/relationships" xmlns:p="http://schemas.openxmlformats.org/presentationml/2006/main">
+  <p:cSld>
+    <p:spTree>
+      <p:nvGrpSpPr>
+        <p:cNvPr id="1" name=""/>
+        <p:cNvGrpSpPr/>
+        <p:nvPr/>
+      </p:nvGrpSpPr>
+      <p:grpSpPr>
+        <a:xfrm>
+          <a:off x="0" y="0"/>
+          <a:ext cx="0" cy="0"/>
+          <a:chOff x="0" y="0"/>
+          <a:chExt cx="0" cy="0"/>
+        </a:xfrm>
+      </p:grpSpPr>
+      <p:sp>
+        <p:nvSpPr>
+          <p:cNvPr id="2" name="Slide Image Placeholder 1"/>
+          <p:cNvSpPr>
+            <a:spLocks noGrp="1" noRot="1" noChangeAspect="1"/>
+          </p:cNvSpPr>
+          <p:nvPr>
+            <p:ph type="sldImg"/>
+          </p:nvPr>
+        </p:nvSpPr>
+        <p:spPr/>
+      </p:sp>
+      <p:sp>
+        <p:nvSpPr>
+          <p:cNvPr id="3" name="Notes Placeholder 2"/>
+          <p:cNvSpPr>
+            <a:spLocks noGrp="1"/>
+          </p:cNvSpPr>
+          <p:nvPr>
+            <p:ph type="body" idx="1"/>
+          </p:nvPr>
+        </p:nvSpPr>
+        <p:spPr/>
+        <p:txBody>
+          <a:bodyPr/>
+          <a:lstStyle/>
+          <a:p>
+            <a:endParaRPr lang="en-GB"/>
+          </a:p>
+        </p:txBody>
+      </p:sp>
+      <p:sp>
+        <p:nvSpPr>
+          <p:cNvPr id="4" name="Slide Number Placeholder 3"/>
+          <p:cNvSpPr>
+            <a:spLocks noGrp="1"/>
+          </p:cNvSpPr>
+          <p:nvPr>
+            <p:ph type="sldNum" sz="quarter" idx="5"/>
+          </p:nvPr>
+        </p:nvSpPr>
+        <p:spPr/>
+        <p:txBody>
+          <a:bodyPr/>
+          <a:lstStyle/>
+          <a:p>
+            <a:fld id="{CCADCBAA-299B-4552-9387-24D12127C082}" type="slidenum">
+              <a:rPr lang="en-GB" smtClean="0"/>
+              <a:t>16</a:t>
+            </a:fld>
+            <a:endParaRPr lang="en-GB" dirty="0"/>
+          </a:p>
+        </p:txBody>
+      </p:sp>
+    </p:spTree>
+    <p:extLst>
+      <p:ext uri="{BB962C8B-B14F-4D97-AF65-F5344CB8AC3E}">
+        <p14:creationId xmlns:p14="http://schemas.microsoft.com/office/powerpoint/2010/main" val="316617583"/>
+      </p:ext>
+    </p:extLst>
+  </p:cSld>
+  <p:clrMapOvr>
+    <a:masterClrMapping/>
+  </p:clrMapOvr>
+</p:notes>
+</file>
+
+<file path=ppt/notesSlides/notesSlide17.xml><?xml version="1.0" encoding="utf-8"?>
+<p:notes xmlns:a="http://schemas.openxmlformats.org/drawingml/2006/main" xmlns:r="http://schemas.openxmlformats.org/officeDocument/2006/relationships" xmlns:p="http://schemas.openxmlformats.org/presentationml/2006/main">
+  <p:cSld>
+    <p:spTree>
+      <p:nvGrpSpPr>
+        <p:cNvPr id="1" name=""/>
+        <p:cNvGrpSpPr/>
+        <p:nvPr/>
+      </p:nvGrpSpPr>
+      <p:grpSpPr>
+        <a:xfrm>
+          <a:off x="0" y="0"/>
+          <a:ext cx="0" cy="0"/>
+          <a:chOff x="0" y="0"/>
+          <a:chExt cx="0" cy="0"/>
+        </a:xfrm>
+      </p:grpSpPr>
+      <p:sp>
+        <p:nvSpPr>
+          <p:cNvPr id="2" name="Slide Image Placeholder 1"/>
+          <p:cNvSpPr>
+            <a:spLocks noGrp="1" noRot="1" noChangeAspect="1"/>
+          </p:cNvSpPr>
+          <p:nvPr>
+            <p:ph type="sldImg"/>
+          </p:nvPr>
+        </p:nvSpPr>
+        <p:spPr/>
+      </p:sp>
+      <p:sp>
+        <p:nvSpPr>
+          <p:cNvPr id="3" name="Notes Placeholder 2"/>
+          <p:cNvSpPr>
+            <a:spLocks noGrp="1"/>
+          </p:cNvSpPr>
+          <p:nvPr>
+            <p:ph type="body" idx="1"/>
+          </p:nvPr>
+        </p:nvSpPr>
+        <p:spPr/>
+        <p:txBody>
+          <a:bodyPr/>
+          <a:lstStyle/>
+          <a:p>
+            <a:endParaRPr lang="en-GB"/>
+          </a:p>
+        </p:txBody>
+      </p:sp>
+      <p:sp>
+        <p:nvSpPr>
+          <p:cNvPr id="4" name="Slide Number Placeholder 3"/>
+          <p:cNvSpPr>
+            <a:spLocks noGrp="1"/>
+          </p:cNvSpPr>
+          <p:nvPr>
+            <p:ph type="sldNum" sz="quarter" idx="5"/>
+          </p:nvPr>
+        </p:nvSpPr>
+        <p:spPr/>
+        <p:txBody>
+          <a:bodyPr/>
+          <a:lstStyle/>
+          <a:p>
+            <a:fld id="{CCADCBAA-299B-4552-9387-24D12127C082}" type="slidenum">
+              <a:rPr lang="en-GB" smtClean="0"/>
+              <a:t>17</a:t>
+            </a:fld>
+            <a:endParaRPr lang="en-GB" dirty="0"/>
+          </a:p>
+        </p:txBody>
+      </p:sp>
+    </p:spTree>
+    <p:extLst>
+      <p:ext uri="{BB962C8B-B14F-4D97-AF65-F5344CB8AC3E}">
+        <p14:creationId xmlns:p14="http://schemas.microsoft.com/office/powerpoint/2010/main" val="243669191"/>
+      </p:ext>
+    </p:extLst>
+  </p:cSld>
+  <p:clrMapOvr>
+    <a:masterClrMapping/>
+  </p:clrMapOvr>
+</p:notes>
+</file>
+
+<file path=ppt/notesSlides/notesSlide18.xml><?xml version="1.0" encoding="utf-8"?>
+<p:notes xmlns:a="http://schemas.openxmlformats.org/drawingml/2006/main" xmlns:r="http://schemas.openxmlformats.org/officeDocument/2006/relationships" xmlns:p="http://schemas.openxmlformats.org/presentationml/2006/main">
+  <p:cSld>
+    <p:spTree>
+      <p:nvGrpSpPr>
+        <p:cNvPr id="1" name=""/>
+        <p:cNvGrpSpPr/>
+        <p:nvPr/>
+      </p:nvGrpSpPr>
+      <p:grpSpPr>
+        <a:xfrm>
+          <a:off x="0" y="0"/>
+          <a:ext cx="0" cy="0"/>
+          <a:chOff x="0" y="0"/>
+          <a:chExt cx="0" cy="0"/>
+        </a:xfrm>
+      </p:grpSpPr>
+      <p:sp>
+        <p:nvSpPr>
+          <p:cNvPr id="2" name="Slide Image Placeholder 1"/>
+          <p:cNvSpPr>
+            <a:spLocks noGrp="1" noRot="1" noChangeAspect="1"/>
+          </p:cNvSpPr>
+          <p:nvPr>
+            <p:ph type="sldImg"/>
+          </p:nvPr>
+        </p:nvSpPr>
+        <p:spPr/>
+      </p:sp>
+      <p:sp>
+        <p:nvSpPr>
+          <p:cNvPr id="3" name="Notes Placeholder 2"/>
+          <p:cNvSpPr>
+            <a:spLocks noGrp="1"/>
+          </p:cNvSpPr>
+          <p:nvPr>
+            <p:ph type="body" idx="1"/>
+          </p:nvPr>
+        </p:nvSpPr>
+        <p:spPr/>
+        <p:txBody>
+          <a:bodyPr/>
+          <a:lstStyle/>
+          <a:p>
+            <a:endParaRPr lang="en-GB"/>
+          </a:p>
+        </p:txBody>
+      </p:sp>
+      <p:sp>
+        <p:nvSpPr>
+          <p:cNvPr id="4" name="Slide Number Placeholder 3"/>
+          <p:cNvSpPr>
+            <a:spLocks noGrp="1"/>
+          </p:cNvSpPr>
+          <p:nvPr>
+            <p:ph type="sldNum" sz="quarter" idx="5"/>
+          </p:nvPr>
+        </p:nvSpPr>
+        <p:spPr/>
+        <p:txBody>
+          <a:bodyPr/>
+          <a:lstStyle/>
+          <a:p>
+            <a:fld id="{CCADCBAA-299B-4552-9387-24D12127C082}" type="slidenum">
+              <a:rPr lang="en-GB" smtClean="0"/>
+              <a:t>18</a:t>
+            </a:fld>
+            <a:endParaRPr lang="en-GB" dirty="0"/>
+          </a:p>
+        </p:txBody>
+      </p:sp>
+    </p:spTree>
+    <p:extLst>
+      <p:ext uri="{BB962C8B-B14F-4D97-AF65-F5344CB8AC3E}">
+        <p14:creationId xmlns:p14="http://schemas.microsoft.com/office/powerpoint/2010/main" val="2070692267"/>
+      </p:ext>
+    </p:extLst>
+  </p:cSld>
+  <p:clrMapOvr>
+    <a:masterClrMapping/>
+  </p:clrMapOvr>
+</p:notes>
+</file>
+
+<file path=ppt/notesSlides/notesSlide19.xml><?xml version="1.0" encoding="utf-8"?>
+<p:notes xmlns:a="http://schemas.openxmlformats.org/drawingml/2006/main" xmlns:r="http://schemas.openxmlformats.org/officeDocument/2006/relationships" xmlns:p="http://schemas.openxmlformats.org/presentationml/2006/main">
+  <p:cSld>
+    <p:spTree>
+      <p:nvGrpSpPr>
+        <p:cNvPr id="1" name=""/>
+        <p:cNvGrpSpPr/>
+        <p:nvPr/>
+      </p:nvGrpSpPr>
+      <p:grpSpPr>
+        <a:xfrm>
+          <a:off x="0" y="0"/>
+          <a:ext cx="0" cy="0"/>
+          <a:chOff x="0" y="0"/>
+          <a:chExt cx="0" cy="0"/>
+        </a:xfrm>
+      </p:grpSpPr>
+      <p:sp>
+        <p:nvSpPr>
+          <p:cNvPr id="2" name="Slide Image Placeholder 1"/>
+          <p:cNvSpPr>
+            <a:spLocks noGrp="1" noRot="1" noChangeAspect="1"/>
+          </p:cNvSpPr>
+          <p:nvPr>
+            <p:ph type="sldImg"/>
+          </p:nvPr>
+        </p:nvSpPr>
+        <p:spPr/>
+      </p:sp>
+      <p:sp>
+        <p:nvSpPr>
+          <p:cNvPr id="3" name="Notes Placeholder 2"/>
+          <p:cNvSpPr>
+            <a:spLocks noGrp="1"/>
+          </p:cNvSpPr>
+          <p:nvPr>
+            <p:ph type="body" idx="1"/>
+          </p:nvPr>
+        </p:nvSpPr>
+        <p:spPr/>
+        <p:txBody>
+          <a:bodyPr/>
+          <a:lstStyle/>
+          <a:p>
+            <a:endParaRPr lang="en-GB"/>
+          </a:p>
+        </p:txBody>
+      </p:sp>
+      <p:sp>
+        <p:nvSpPr>
+          <p:cNvPr id="4" name="Slide Number Placeholder 3"/>
+          <p:cNvSpPr>
+            <a:spLocks noGrp="1"/>
+          </p:cNvSpPr>
+          <p:nvPr>
+            <p:ph type="sldNum" sz="quarter" idx="5"/>
+          </p:nvPr>
+        </p:nvSpPr>
+        <p:spPr/>
+        <p:txBody>
+          <a:bodyPr/>
+          <a:lstStyle/>
+          <a:p>
+            <a:fld id="{CCADCBAA-299B-4552-9387-24D12127C082}" type="slidenum">
+              <a:rPr lang="en-GB" smtClean="0"/>
+              <a:t>19</a:t>
+            </a:fld>
+            <a:endParaRPr lang="en-GB" dirty="0"/>
+          </a:p>
+        </p:txBody>
+      </p:sp>
+    </p:spTree>
+    <p:extLst>
+      <p:ext uri="{BB962C8B-B14F-4D97-AF65-F5344CB8AC3E}">
+        <p14:creationId xmlns:p14="http://schemas.microsoft.com/office/powerpoint/2010/main" val="1983237906"/>
       </p:ext>
     </p:extLst>
   </p:cSld>
@@ -1472,6 +2148,426 @@
     <p:extLst>
       <p:ext uri="{BB962C8B-B14F-4D97-AF65-F5344CB8AC3E}">
         <p14:creationId xmlns:p14="http://schemas.microsoft.com/office/powerpoint/2010/main" val="940802890"/>
+      </p:ext>
+    </p:extLst>
+  </p:cSld>
+  <p:clrMapOvr>
+    <a:masterClrMapping/>
+  </p:clrMapOvr>
+</p:notes>
+</file>
+
+<file path=ppt/notesSlides/notesSlide20.xml><?xml version="1.0" encoding="utf-8"?>
+<p:notes xmlns:a="http://schemas.openxmlformats.org/drawingml/2006/main" xmlns:r="http://schemas.openxmlformats.org/officeDocument/2006/relationships" xmlns:p="http://schemas.openxmlformats.org/presentationml/2006/main">
+  <p:cSld>
+    <p:spTree>
+      <p:nvGrpSpPr>
+        <p:cNvPr id="1" name=""/>
+        <p:cNvGrpSpPr/>
+        <p:nvPr/>
+      </p:nvGrpSpPr>
+      <p:grpSpPr>
+        <a:xfrm>
+          <a:off x="0" y="0"/>
+          <a:ext cx="0" cy="0"/>
+          <a:chOff x="0" y="0"/>
+          <a:chExt cx="0" cy="0"/>
+        </a:xfrm>
+      </p:grpSpPr>
+      <p:sp>
+        <p:nvSpPr>
+          <p:cNvPr id="2" name="Slide Image Placeholder 1"/>
+          <p:cNvSpPr>
+            <a:spLocks noGrp="1" noRot="1" noChangeAspect="1"/>
+          </p:cNvSpPr>
+          <p:nvPr>
+            <p:ph type="sldImg"/>
+          </p:nvPr>
+        </p:nvSpPr>
+        <p:spPr/>
+      </p:sp>
+      <p:sp>
+        <p:nvSpPr>
+          <p:cNvPr id="3" name="Notes Placeholder 2"/>
+          <p:cNvSpPr>
+            <a:spLocks noGrp="1"/>
+          </p:cNvSpPr>
+          <p:nvPr>
+            <p:ph type="body" idx="1"/>
+          </p:nvPr>
+        </p:nvSpPr>
+        <p:spPr/>
+        <p:txBody>
+          <a:bodyPr/>
+          <a:lstStyle/>
+          <a:p>
+            <a:endParaRPr lang="en-GB"/>
+          </a:p>
+        </p:txBody>
+      </p:sp>
+      <p:sp>
+        <p:nvSpPr>
+          <p:cNvPr id="4" name="Slide Number Placeholder 3"/>
+          <p:cNvSpPr>
+            <a:spLocks noGrp="1"/>
+          </p:cNvSpPr>
+          <p:nvPr>
+            <p:ph type="sldNum" sz="quarter" idx="5"/>
+          </p:nvPr>
+        </p:nvSpPr>
+        <p:spPr/>
+        <p:txBody>
+          <a:bodyPr/>
+          <a:lstStyle/>
+          <a:p>
+            <a:fld id="{CCADCBAA-299B-4552-9387-24D12127C082}" type="slidenum">
+              <a:rPr lang="en-GB" smtClean="0"/>
+              <a:t>20</a:t>
+            </a:fld>
+            <a:endParaRPr lang="en-GB" dirty="0"/>
+          </a:p>
+        </p:txBody>
+      </p:sp>
+    </p:spTree>
+    <p:extLst>
+      <p:ext uri="{BB962C8B-B14F-4D97-AF65-F5344CB8AC3E}">
+        <p14:creationId xmlns:p14="http://schemas.microsoft.com/office/powerpoint/2010/main" val="626794403"/>
+      </p:ext>
+    </p:extLst>
+  </p:cSld>
+  <p:clrMapOvr>
+    <a:masterClrMapping/>
+  </p:clrMapOvr>
+</p:notes>
+</file>
+
+<file path=ppt/notesSlides/notesSlide21.xml><?xml version="1.0" encoding="utf-8"?>
+<p:notes xmlns:a="http://schemas.openxmlformats.org/drawingml/2006/main" xmlns:r="http://schemas.openxmlformats.org/officeDocument/2006/relationships" xmlns:p="http://schemas.openxmlformats.org/presentationml/2006/main">
+  <p:cSld>
+    <p:spTree>
+      <p:nvGrpSpPr>
+        <p:cNvPr id="1" name=""/>
+        <p:cNvGrpSpPr/>
+        <p:nvPr/>
+      </p:nvGrpSpPr>
+      <p:grpSpPr>
+        <a:xfrm>
+          <a:off x="0" y="0"/>
+          <a:ext cx="0" cy="0"/>
+          <a:chOff x="0" y="0"/>
+          <a:chExt cx="0" cy="0"/>
+        </a:xfrm>
+      </p:grpSpPr>
+      <p:sp>
+        <p:nvSpPr>
+          <p:cNvPr id="2" name="Slide Image Placeholder 1"/>
+          <p:cNvSpPr>
+            <a:spLocks noGrp="1" noRot="1" noChangeAspect="1"/>
+          </p:cNvSpPr>
+          <p:nvPr>
+            <p:ph type="sldImg"/>
+          </p:nvPr>
+        </p:nvSpPr>
+        <p:spPr/>
+      </p:sp>
+      <p:sp>
+        <p:nvSpPr>
+          <p:cNvPr id="3" name="Notes Placeholder 2"/>
+          <p:cNvSpPr>
+            <a:spLocks noGrp="1"/>
+          </p:cNvSpPr>
+          <p:nvPr>
+            <p:ph type="body" idx="1"/>
+          </p:nvPr>
+        </p:nvSpPr>
+        <p:spPr/>
+        <p:txBody>
+          <a:bodyPr/>
+          <a:lstStyle/>
+          <a:p>
+            <a:endParaRPr lang="en-GB"/>
+          </a:p>
+        </p:txBody>
+      </p:sp>
+      <p:sp>
+        <p:nvSpPr>
+          <p:cNvPr id="4" name="Slide Number Placeholder 3"/>
+          <p:cNvSpPr>
+            <a:spLocks noGrp="1"/>
+          </p:cNvSpPr>
+          <p:nvPr>
+            <p:ph type="sldNum" sz="quarter" idx="5"/>
+          </p:nvPr>
+        </p:nvSpPr>
+        <p:spPr/>
+        <p:txBody>
+          <a:bodyPr/>
+          <a:lstStyle/>
+          <a:p>
+            <a:fld id="{CCADCBAA-299B-4552-9387-24D12127C082}" type="slidenum">
+              <a:rPr lang="en-GB" smtClean="0"/>
+              <a:t>21</a:t>
+            </a:fld>
+            <a:endParaRPr lang="en-GB" dirty="0"/>
+          </a:p>
+        </p:txBody>
+      </p:sp>
+    </p:spTree>
+    <p:extLst>
+      <p:ext uri="{BB962C8B-B14F-4D97-AF65-F5344CB8AC3E}">
+        <p14:creationId xmlns:p14="http://schemas.microsoft.com/office/powerpoint/2010/main" val="308540255"/>
+      </p:ext>
+    </p:extLst>
+  </p:cSld>
+  <p:clrMapOvr>
+    <a:masterClrMapping/>
+  </p:clrMapOvr>
+</p:notes>
+</file>
+
+<file path=ppt/notesSlides/notesSlide22.xml><?xml version="1.0" encoding="utf-8"?>
+<p:notes xmlns:a="http://schemas.openxmlformats.org/drawingml/2006/main" xmlns:r="http://schemas.openxmlformats.org/officeDocument/2006/relationships" xmlns:p="http://schemas.openxmlformats.org/presentationml/2006/main">
+  <p:cSld>
+    <p:spTree>
+      <p:nvGrpSpPr>
+        <p:cNvPr id="1" name=""/>
+        <p:cNvGrpSpPr/>
+        <p:nvPr/>
+      </p:nvGrpSpPr>
+      <p:grpSpPr>
+        <a:xfrm>
+          <a:off x="0" y="0"/>
+          <a:ext cx="0" cy="0"/>
+          <a:chOff x="0" y="0"/>
+          <a:chExt cx="0" cy="0"/>
+        </a:xfrm>
+      </p:grpSpPr>
+      <p:sp>
+        <p:nvSpPr>
+          <p:cNvPr id="2" name="Slide Image Placeholder 1"/>
+          <p:cNvSpPr>
+            <a:spLocks noGrp="1" noRot="1" noChangeAspect="1"/>
+          </p:cNvSpPr>
+          <p:nvPr>
+            <p:ph type="sldImg"/>
+          </p:nvPr>
+        </p:nvSpPr>
+        <p:spPr/>
+      </p:sp>
+      <p:sp>
+        <p:nvSpPr>
+          <p:cNvPr id="3" name="Notes Placeholder 2"/>
+          <p:cNvSpPr>
+            <a:spLocks noGrp="1"/>
+          </p:cNvSpPr>
+          <p:nvPr>
+            <p:ph type="body" idx="1"/>
+          </p:nvPr>
+        </p:nvSpPr>
+        <p:spPr/>
+        <p:txBody>
+          <a:bodyPr/>
+          <a:lstStyle/>
+          <a:p>
+            <a:endParaRPr lang="en-GB"/>
+          </a:p>
+        </p:txBody>
+      </p:sp>
+      <p:sp>
+        <p:nvSpPr>
+          <p:cNvPr id="4" name="Slide Number Placeholder 3"/>
+          <p:cNvSpPr>
+            <a:spLocks noGrp="1"/>
+          </p:cNvSpPr>
+          <p:nvPr>
+            <p:ph type="sldNum" sz="quarter" idx="5"/>
+          </p:nvPr>
+        </p:nvSpPr>
+        <p:spPr/>
+        <p:txBody>
+          <a:bodyPr/>
+          <a:lstStyle/>
+          <a:p>
+            <a:fld id="{CCADCBAA-299B-4552-9387-24D12127C082}" type="slidenum">
+              <a:rPr lang="en-GB" smtClean="0"/>
+              <a:t>22</a:t>
+            </a:fld>
+            <a:endParaRPr lang="en-GB" dirty="0"/>
+          </a:p>
+        </p:txBody>
+      </p:sp>
+    </p:spTree>
+    <p:extLst>
+      <p:ext uri="{BB962C8B-B14F-4D97-AF65-F5344CB8AC3E}">
+        <p14:creationId xmlns:p14="http://schemas.microsoft.com/office/powerpoint/2010/main" val="3078321418"/>
+      </p:ext>
+    </p:extLst>
+  </p:cSld>
+  <p:clrMapOvr>
+    <a:masterClrMapping/>
+  </p:clrMapOvr>
+</p:notes>
+</file>
+
+<file path=ppt/notesSlides/notesSlide23.xml><?xml version="1.0" encoding="utf-8"?>
+<p:notes xmlns:a="http://schemas.openxmlformats.org/drawingml/2006/main" xmlns:r="http://schemas.openxmlformats.org/officeDocument/2006/relationships" xmlns:p="http://schemas.openxmlformats.org/presentationml/2006/main">
+  <p:cSld>
+    <p:spTree>
+      <p:nvGrpSpPr>
+        <p:cNvPr id="1" name=""/>
+        <p:cNvGrpSpPr/>
+        <p:nvPr/>
+      </p:nvGrpSpPr>
+      <p:grpSpPr>
+        <a:xfrm>
+          <a:off x="0" y="0"/>
+          <a:ext cx="0" cy="0"/>
+          <a:chOff x="0" y="0"/>
+          <a:chExt cx="0" cy="0"/>
+        </a:xfrm>
+      </p:grpSpPr>
+      <p:sp>
+        <p:nvSpPr>
+          <p:cNvPr id="2" name="Slide Image Placeholder 1"/>
+          <p:cNvSpPr>
+            <a:spLocks noGrp="1" noRot="1" noChangeAspect="1"/>
+          </p:cNvSpPr>
+          <p:nvPr>
+            <p:ph type="sldImg"/>
+          </p:nvPr>
+        </p:nvSpPr>
+        <p:spPr/>
+      </p:sp>
+      <p:sp>
+        <p:nvSpPr>
+          <p:cNvPr id="3" name="Notes Placeholder 2"/>
+          <p:cNvSpPr>
+            <a:spLocks noGrp="1"/>
+          </p:cNvSpPr>
+          <p:nvPr>
+            <p:ph type="body" idx="1"/>
+          </p:nvPr>
+        </p:nvSpPr>
+        <p:spPr/>
+        <p:txBody>
+          <a:bodyPr/>
+          <a:lstStyle/>
+          <a:p>
+            <a:endParaRPr lang="en-GB"/>
+          </a:p>
+        </p:txBody>
+      </p:sp>
+      <p:sp>
+        <p:nvSpPr>
+          <p:cNvPr id="4" name="Slide Number Placeholder 3"/>
+          <p:cNvSpPr>
+            <a:spLocks noGrp="1"/>
+          </p:cNvSpPr>
+          <p:nvPr>
+            <p:ph type="sldNum" sz="quarter" idx="5"/>
+          </p:nvPr>
+        </p:nvSpPr>
+        <p:spPr/>
+        <p:txBody>
+          <a:bodyPr/>
+          <a:lstStyle/>
+          <a:p>
+            <a:fld id="{CCADCBAA-299B-4552-9387-24D12127C082}" type="slidenum">
+              <a:rPr lang="en-GB" smtClean="0"/>
+              <a:t>23</a:t>
+            </a:fld>
+            <a:endParaRPr lang="en-GB" dirty="0"/>
+          </a:p>
+        </p:txBody>
+      </p:sp>
+    </p:spTree>
+    <p:extLst>
+      <p:ext uri="{BB962C8B-B14F-4D97-AF65-F5344CB8AC3E}">
+        <p14:creationId xmlns:p14="http://schemas.microsoft.com/office/powerpoint/2010/main" val="1394478026"/>
+      </p:ext>
+    </p:extLst>
+  </p:cSld>
+  <p:clrMapOvr>
+    <a:masterClrMapping/>
+  </p:clrMapOvr>
+</p:notes>
+</file>
+
+<file path=ppt/notesSlides/notesSlide24.xml><?xml version="1.0" encoding="utf-8"?>
+<p:notes xmlns:a="http://schemas.openxmlformats.org/drawingml/2006/main" xmlns:r="http://schemas.openxmlformats.org/officeDocument/2006/relationships" xmlns:p="http://schemas.openxmlformats.org/presentationml/2006/main">
+  <p:cSld>
+    <p:spTree>
+      <p:nvGrpSpPr>
+        <p:cNvPr id="1" name=""/>
+        <p:cNvGrpSpPr/>
+        <p:nvPr/>
+      </p:nvGrpSpPr>
+      <p:grpSpPr>
+        <a:xfrm>
+          <a:off x="0" y="0"/>
+          <a:ext cx="0" cy="0"/>
+          <a:chOff x="0" y="0"/>
+          <a:chExt cx="0" cy="0"/>
+        </a:xfrm>
+      </p:grpSpPr>
+      <p:sp>
+        <p:nvSpPr>
+          <p:cNvPr id="2" name="Slide Image Placeholder 1"/>
+          <p:cNvSpPr>
+            <a:spLocks noGrp="1" noRot="1" noChangeAspect="1"/>
+          </p:cNvSpPr>
+          <p:nvPr>
+            <p:ph type="sldImg"/>
+          </p:nvPr>
+        </p:nvSpPr>
+        <p:spPr/>
+      </p:sp>
+      <p:sp>
+        <p:nvSpPr>
+          <p:cNvPr id="3" name="Notes Placeholder 2"/>
+          <p:cNvSpPr>
+            <a:spLocks noGrp="1"/>
+          </p:cNvSpPr>
+          <p:nvPr>
+            <p:ph type="body" idx="1"/>
+          </p:nvPr>
+        </p:nvSpPr>
+        <p:spPr/>
+        <p:txBody>
+          <a:bodyPr/>
+          <a:lstStyle/>
+          <a:p>
+            <a:endParaRPr lang="en-GB"/>
+          </a:p>
+        </p:txBody>
+      </p:sp>
+      <p:sp>
+        <p:nvSpPr>
+          <p:cNvPr id="4" name="Slide Number Placeholder 3"/>
+          <p:cNvSpPr>
+            <a:spLocks noGrp="1"/>
+          </p:cNvSpPr>
+          <p:nvPr>
+            <p:ph type="sldNum" sz="quarter" idx="5"/>
+          </p:nvPr>
+        </p:nvSpPr>
+        <p:spPr/>
+        <p:txBody>
+          <a:bodyPr/>
+          <a:lstStyle/>
+          <a:p>
+            <a:fld id="{CCADCBAA-299B-4552-9387-24D12127C082}" type="slidenum">
+              <a:rPr lang="en-GB" smtClean="0"/>
+              <a:t>24</a:t>
+            </a:fld>
+            <a:endParaRPr lang="en-GB" dirty="0"/>
+          </a:p>
+        </p:txBody>
+      </p:sp>
+    </p:spTree>
+    <p:extLst>
+      <p:ext uri="{BB962C8B-B14F-4D97-AF65-F5344CB8AC3E}">
+        <p14:creationId xmlns:p14="http://schemas.microsoft.com/office/powerpoint/2010/main" val="2578817388"/>
       </p:ext>
     </p:extLst>
   </p:cSld>
@@ -4811,7 +5907,7 @@
           <a:bodyPr/>
           <a:lstStyle/>
           <a:p>
-            <a:endParaRPr lang="en-GB"/>
+            <a:endParaRPr lang="en-GB" dirty="0"/>
           </a:p>
         </p:txBody>
       </p:sp>
@@ -4832,7 +5928,7 @@
           <a:p>
             <a:fld id="{CCADCBAA-299B-4552-9387-24D12127C082}" type="slidenum">
               <a:rPr lang="en-GB" smtClean="0"/>
-              <a:t>21</a:t>
+              <a:t>9</a:t>
             </a:fld>
             <a:endParaRPr lang="en-GB" dirty="0"/>
           </a:p>
@@ -4841,7 +5937,7 @@
     </p:spTree>
     <p:extLst>
       <p:ext uri="{BB962C8B-B14F-4D97-AF65-F5344CB8AC3E}">
-        <p14:creationId xmlns:p14="http://schemas.microsoft.com/office/powerpoint/2010/main" val="308540255"/>
+        <p14:creationId xmlns:p14="http://schemas.microsoft.com/office/powerpoint/2010/main" val="2887028018"/>
       </p:ext>
     </p:extLst>
   </p:cSld>
@@ -5008,7 +6104,7 @@
           <a:p>
             <a:fld id="{E38A22E1-EB92-4D54-BACA-04AA8A92E613}" type="datetime1">
               <a:rPr lang="en-GB" smtClean="0"/>
-              <a:t>18/02/2020</a:t>
+              <a:t>19/02/2020</a:t>
             </a:fld>
             <a:endParaRPr lang="en-GB" dirty="0"/>
           </a:p>
@@ -5225,7 +6321,7 @@
           <a:p>
             <a:fld id="{F7BBACEA-79DB-4B06-B53C-1515C6E9AA2A}" type="datetime1">
               <a:rPr lang="en-GB" smtClean="0"/>
-              <a:t>18/02/2020</a:t>
+              <a:t>19/02/2020</a:t>
             </a:fld>
             <a:endParaRPr lang="en-GB" dirty="0"/>
           </a:p>
@@ -5435,7 +6531,7 @@
           <a:p>
             <a:fld id="{1242A314-3A0B-49C4-ADB0-F8BBA4139E56}" type="datetime1">
               <a:rPr lang="en-GB" smtClean="0"/>
-              <a:t>18/02/2020</a:t>
+              <a:t>19/02/2020</a:t>
             </a:fld>
             <a:endParaRPr lang="en-GB" dirty="0"/>
           </a:p>
@@ -5635,7 +6731,7 @@
           <a:p>
             <a:fld id="{D240987B-0079-4EE9-8A70-14597C3743BC}" type="datetime1">
               <a:rPr lang="en-GB" smtClean="0"/>
-              <a:t>18/02/2020</a:t>
+              <a:t>19/02/2020</a:t>
             </a:fld>
             <a:endParaRPr lang="en-GB" dirty="0"/>
           </a:p>
@@ -5911,7 +7007,7 @@
           <a:p>
             <a:fld id="{9C436FE2-9B88-4810-AC3E-E01CD02C2930}" type="datetime1">
               <a:rPr lang="en-GB" smtClean="0"/>
-              <a:t>18/02/2020</a:t>
+              <a:t>19/02/2020</a:t>
             </a:fld>
             <a:endParaRPr lang="en-GB" dirty="0"/>
           </a:p>
@@ -6179,7 +7275,7 @@
           <a:p>
             <a:fld id="{08368621-535E-44A6-A126-3F2534EA9A7B}" type="datetime1">
               <a:rPr lang="en-GB" smtClean="0"/>
-              <a:t>18/02/2020</a:t>
+              <a:t>19/02/2020</a:t>
             </a:fld>
             <a:endParaRPr lang="en-GB" dirty="0"/>
           </a:p>
@@ -6594,7 +7690,7 @@
           <a:p>
             <a:fld id="{632F5B32-CFB7-415D-9B96-9BE2AE3D1AAC}" type="datetime1">
               <a:rPr lang="en-GB" smtClean="0"/>
-              <a:t>18/02/2020</a:t>
+              <a:t>19/02/2020</a:t>
             </a:fld>
             <a:endParaRPr lang="en-GB" dirty="0"/>
           </a:p>
@@ -6736,7 +7832,7 @@
           <a:p>
             <a:fld id="{C2A51E27-F50C-4FD5-A040-64C12EA57AB4}" type="datetime1">
               <a:rPr lang="en-GB" smtClean="0"/>
-              <a:t>18/02/2020</a:t>
+              <a:t>19/02/2020</a:t>
             </a:fld>
             <a:endParaRPr lang="en-GB" dirty="0"/>
           </a:p>
@@ -6849,7 +7945,7 @@
           <a:p>
             <a:fld id="{A60DBC3F-8614-44B4-9683-36A45BFFB7A1}" type="datetime1">
               <a:rPr lang="en-GB" smtClean="0"/>
-              <a:t>18/02/2020</a:t>
+              <a:t>19/02/2020</a:t>
             </a:fld>
             <a:endParaRPr lang="en-GB" dirty="0"/>
           </a:p>
@@ -7162,7 +8258,7 @@
           <a:p>
             <a:fld id="{23091C06-D056-41B0-9F5F-5E90B83401B6}" type="datetime1">
               <a:rPr lang="en-GB" smtClean="0"/>
-              <a:t>18/02/2020</a:t>
+              <a:t>19/02/2020</a:t>
             </a:fld>
             <a:endParaRPr lang="en-GB" dirty="0"/>
           </a:p>
@@ -7455,7 +8551,7 @@
           <a:p>
             <a:fld id="{119BFB93-9673-43A0-BDFE-39DE919D7FF9}" type="datetime1">
               <a:rPr lang="en-GB" smtClean="0"/>
-              <a:t>18/02/2020</a:t>
+              <a:t>19/02/2020</a:t>
             </a:fld>
             <a:endParaRPr lang="en-GB" dirty="0"/>
           </a:p>
@@ -7753,7 +8849,7 @@
             <a:fld id="{1D06A54C-354E-461C-AA7A-CD74CDD91362}" type="datetime1">
               <a:rPr lang="en-GB" smtClean="0"/>
               <a:pPr/>
-              <a:t>18/02/2020</a:t>
+              <a:t>19/02/2020</a:t>
             </a:fld>
             <a:endParaRPr lang="en-GB" dirty="0"/>
           </a:p>
@@ -9566,7 +10662,7 @@
           <p:nvPr/>
         </p:nvPicPr>
         <p:blipFill>
-          <a:blip r:embed="rId2">
+          <a:blip r:embed="rId3">
             <a:extLst>
               <a:ext uri="{28A0092B-C50C-407E-A947-70E740481C1C}">
                 <a14:useLocalDpi xmlns:a14="http://schemas.microsoft.com/office/drawing/2010/main" val="0"/>
@@ -9601,7 +10697,7 @@
           <p:nvPr/>
         </p:nvPicPr>
         <p:blipFill>
-          <a:blip r:embed="rId3">
+          <a:blip r:embed="rId4">
             <a:extLst>
               <a:ext uri="{28A0092B-C50C-407E-A947-70E740481C1C}">
                 <a14:useLocalDpi xmlns:a14="http://schemas.microsoft.com/office/drawing/2010/main" val="0"/>
@@ -9637,7 +10733,7 @@
           <p:nvPr/>
         </p:nvPicPr>
         <p:blipFill>
-          <a:blip r:embed="rId4">
+          <a:blip r:embed="rId5">
             <a:extLst>
               <a:ext uri="{28A0092B-C50C-407E-A947-70E740481C1C}">
                 <a14:useLocalDpi xmlns:a14="http://schemas.microsoft.com/office/drawing/2010/main" val="0"/>
@@ -11180,7 +12276,7 @@
           <p:nvPr/>
         </p:nvPicPr>
         <p:blipFill>
-          <a:blip r:embed="rId2">
+          <a:blip r:embed="rId3">
             <a:extLst>
               <a:ext uri="{28A0092B-C50C-407E-A947-70E740481C1C}">
                 <a14:useLocalDpi xmlns:a14="http://schemas.microsoft.com/office/drawing/2010/main" val="0"/>
@@ -12074,7 +13170,7 @@
             </p:nvSpPr>
             <p:spPr>
               <a:blipFill>
-                <a:blip r:embed="rId2"/>
+                <a:blip r:embed="rId3"/>
                 <a:stretch>
                   <a:fillRect l="-1043" t="-2313"/>
                 </a:stretch>
@@ -12857,7 +13953,7 @@
                 <a:avLst/>
               </a:prstGeom>
               <a:blipFill>
-                <a:blip r:embed="rId2"/>
+                <a:blip r:embed="rId3"/>
                 <a:stretch>
                   <a:fillRect t="-4848" b="-8485"/>
                 </a:stretch>
@@ -13203,7 +14299,7 @@
                 <a:avLst/>
               </a:prstGeom>
               <a:blipFill>
-                <a:blip r:embed="rId3"/>
+                <a:blip r:embed="rId4"/>
                 <a:stretch>
                   <a:fillRect b="-943"/>
                 </a:stretch>
@@ -13591,7 +14687,7 @@
                 <a:avLst/>
               </a:prstGeom>
               <a:blipFill>
-                <a:blip r:embed="rId4"/>
+                <a:blip r:embed="rId5"/>
                 <a:stretch>
                   <a:fillRect t="-7732"/>
                 </a:stretch>
@@ -14354,7 +15450,7 @@
             </p:nvSpPr>
             <p:spPr>
               <a:blipFill>
-                <a:blip r:embed="rId2"/>
+                <a:blip r:embed="rId3"/>
                 <a:stretch>
                   <a:fillRect t="-2041"/>
                 </a:stretch>
@@ -15134,7 +16230,7 @@
             </p:nvSpPr>
             <p:spPr>
               <a:blipFill>
-                <a:blip r:embed="rId2"/>
+                <a:blip r:embed="rId3"/>
                 <a:stretch>
                   <a:fillRect l="-1043"/>
                 </a:stretch>
@@ -15858,7 +16954,7 @@
             </p:nvSpPr>
             <p:spPr>
               <a:blipFill>
-                <a:blip r:embed="rId2"/>
+                <a:blip r:embed="rId3"/>
                 <a:stretch>
                   <a:fillRect l="-1043" t="-1633"/>
                 </a:stretch>
@@ -17083,28 +18179,56 @@
           <a:lstStyle/>
           <a:p>
             <a:r>
-              <a:rPr lang="en-150" dirty="0"/>
-              <a:t>L</a:t>
-            </a:r>
-            <a:r>
-              <a:rPr lang="en-GB" dirty="0"/>
-              <a:t>P</a:t>
-            </a:r>
-            <a:r>
-              <a:rPr lang="en-150" dirty="0"/>
-              <a:t>M</a:t>
-            </a:r>
-            <a:r>
-              <a:rPr lang="en-GB" dirty="0"/>
-              <a:t>R</a:t>
-            </a:r>
-            <a:r>
-              <a:rPr lang="en-150" dirty="0"/>
-              <a:t>G</a:t>
+              <a:rPr lang="en-GB" dirty="0"/>
+              <a:t>N</a:t>
+            </a:r>
+            <a:r>
+              <a:rPr lang="en-150" dirty="0"/>
+              <a:t>e</a:t>
+            </a:r>
+            <a:r>
+              <a:rPr lang="en-GB" dirty="0"/>
+              <a:t>w</a:t>
+            </a:r>
+            <a:r>
+              <a:rPr lang="en-150" dirty="0"/>
+              <a:t> </a:t>
             </a:r>
             <a:r>
               <a:rPr lang="en-GB" dirty="0"/>
               <a:t>S</a:t>
+            </a:r>
+            <a:r>
+              <a:rPr lang="en-150" dirty="0"/>
+              <a:t>c</a:t>
+            </a:r>
+            <a:r>
+              <a:rPr lang="en-GB" dirty="0"/>
+              <a:t>h</a:t>
+            </a:r>
+            <a:r>
+              <a:rPr lang="en-150" dirty="0"/>
+              <a:t>e</a:t>
+            </a:r>
+            <a:r>
+              <a:rPr lang="en-GB" dirty="0"/>
+              <a:t>d</a:t>
+            </a:r>
+            <a:r>
+              <a:rPr lang="en-150" dirty="0"/>
+              <a:t>u</a:t>
+            </a:r>
+            <a:r>
+              <a:rPr lang="en-GB" dirty="0"/>
+              <a:t>l</a:t>
+            </a:r>
+            <a:r>
+              <a:rPr lang="en-150" dirty="0"/>
+              <a:t>e</a:t>
+            </a:r>
+            <a:r>
+              <a:rPr lang="en-GB" dirty="0"/>
+              <a:t>r</a:t>
             </a:r>
           </a:p>
         </p:txBody>
@@ -26810,28 +27934,56 @@
           <a:lstStyle/>
           <a:p>
             <a:r>
-              <a:rPr lang="en-150" dirty="0"/>
-              <a:t>L</a:t>
-            </a:r>
-            <a:r>
-              <a:rPr lang="en-GB" dirty="0"/>
-              <a:t>P</a:t>
-            </a:r>
-            <a:r>
-              <a:rPr lang="en-150" dirty="0"/>
-              <a:t>M</a:t>
-            </a:r>
-            <a:r>
-              <a:rPr lang="en-GB" dirty="0"/>
-              <a:t>R</a:t>
-            </a:r>
-            <a:r>
-              <a:rPr lang="en-150" dirty="0"/>
-              <a:t>G</a:t>
+              <a:rPr lang="en-GB" dirty="0"/>
+              <a:t>N</a:t>
+            </a:r>
+            <a:r>
+              <a:rPr lang="en-150" dirty="0"/>
+              <a:t>e</a:t>
+            </a:r>
+            <a:r>
+              <a:rPr lang="en-GB" dirty="0"/>
+              <a:t>w</a:t>
+            </a:r>
+            <a:r>
+              <a:rPr lang="en-150" dirty="0"/>
+              <a:t> </a:t>
             </a:r>
             <a:r>
               <a:rPr lang="en-GB" dirty="0"/>
               <a:t>S</a:t>
+            </a:r>
+            <a:r>
+              <a:rPr lang="en-150" dirty="0"/>
+              <a:t>c</a:t>
+            </a:r>
+            <a:r>
+              <a:rPr lang="en-GB" dirty="0"/>
+              <a:t>h</a:t>
+            </a:r>
+            <a:r>
+              <a:rPr lang="en-150" dirty="0"/>
+              <a:t>e</a:t>
+            </a:r>
+            <a:r>
+              <a:rPr lang="en-GB" dirty="0"/>
+              <a:t>d</a:t>
+            </a:r>
+            <a:r>
+              <a:rPr lang="en-150" dirty="0"/>
+              <a:t>u</a:t>
+            </a:r>
+            <a:r>
+              <a:rPr lang="en-GB" dirty="0"/>
+              <a:t>l</a:t>
+            </a:r>
+            <a:r>
+              <a:rPr lang="en-150" dirty="0"/>
+              <a:t>e</a:t>
+            </a:r>
+            <a:r>
+              <a:rPr lang="en-GB" dirty="0"/>
+              <a:t>r</a:t>
             </a:r>
           </a:p>
         </p:txBody>
@@ -36764,6 +37916,143 @@
           <p:cNvPr id="2" name="Title 1">
             <a:extLst>
               <a:ext uri="{FF2B5EF4-FFF2-40B4-BE49-F238E27FC236}">
+                <a16:creationId xmlns:a16="http://schemas.microsoft.com/office/drawing/2014/main" id="{BE58AE84-15A3-424F-918C-5140AAC3D8FC}"/>
+              </a:ext>
+            </a:extLst>
+          </p:cNvPr>
+          <p:cNvSpPr>
+            <a:spLocks noGrp="1"/>
+          </p:cNvSpPr>
+          <p:nvPr>
+            <p:ph type="title"/>
+          </p:nvPr>
+        </p:nvSpPr>
+        <p:spPr/>
+        <p:txBody>
+          <a:bodyPr/>
+          <a:lstStyle/>
+          <a:p>
+            <a:r>
+              <a:rPr lang="en-150" dirty="0"/>
+              <a:t>R</a:t>
+            </a:r>
+            <a:r>
+              <a:rPr lang="en-GB" dirty="0"/>
+              <a:t>e</a:t>
+            </a:r>
+            <a:r>
+              <a:rPr lang="en-150" dirty="0"/>
+              <a:t>s</a:t>
+            </a:r>
+            <a:r>
+              <a:rPr lang="en-GB" dirty="0"/>
+              <a:t>u</a:t>
+            </a:r>
+            <a:r>
+              <a:rPr lang="en-150" dirty="0"/>
+              <a:t>l</a:t>
+            </a:r>
+            <a:r>
+              <a:rPr lang="en-GB" dirty="0"/>
+              <a:t>t</a:t>
+            </a:r>
+            <a:r>
+              <a:rPr lang="en-150" dirty="0"/>
+              <a:t>s</a:t>
+            </a:r>
+            <a:endParaRPr lang="en-GB" dirty="0"/>
+          </a:p>
+        </p:txBody>
+      </p:sp>
+      <p:sp>
+        <p:nvSpPr>
+          <p:cNvPr id="3" name="Content Placeholder 2">
+            <a:extLst>
+              <a:ext uri="{FF2B5EF4-FFF2-40B4-BE49-F238E27FC236}">
+                <a16:creationId xmlns:a16="http://schemas.microsoft.com/office/drawing/2014/main" id="{0C3C43B6-C274-42DA-B602-F45BF9031656}"/>
+              </a:ext>
+            </a:extLst>
+          </p:cNvPr>
+          <p:cNvSpPr>
+            <a:spLocks noGrp="1"/>
+          </p:cNvSpPr>
+          <p:nvPr>
+            <p:ph idx="1"/>
+          </p:nvPr>
+        </p:nvSpPr>
+        <p:spPr/>
+        <p:txBody>
+          <a:bodyPr/>
+          <a:lstStyle/>
+          <a:p>
+            <a:endParaRPr lang="en-GB"/>
+          </a:p>
+        </p:txBody>
+      </p:sp>
+      <p:sp>
+        <p:nvSpPr>
+          <p:cNvPr id="4" name="Slide Number Placeholder 3">
+            <a:extLst>
+              <a:ext uri="{FF2B5EF4-FFF2-40B4-BE49-F238E27FC236}">
+                <a16:creationId xmlns:a16="http://schemas.microsoft.com/office/drawing/2014/main" id="{E4CAF3CB-DEF0-4E61-A57F-0E095F5BEB96}"/>
+              </a:ext>
+            </a:extLst>
+          </p:cNvPr>
+          <p:cNvSpPr>
+            <a:spLocks noGrp="1"/>
+          </p:cNvSpPr>
+          <p:nvPr>
+            <p:ph type="sldNum" sz="quarter" idx="12"/>
+          </p:nvPr>
+        </p:nvSpPr>
+        <p:spPr/>
+        <p:txBody>
+          <a:bodyPr/>
+          <a:lstStyle/>
+          <a:p>
+            <a:fld id="{6565F0C3-D9E9-4961-A3A4-87F2116D4289}" type="slidenum">
+              <a:rPr lang="en-GB" smtClean="0"/>
+              <a:t>23</a:t>
+            </a:fld>
+            <a:endParaRPr lang="en-GB" dirty="0"/>
+          </a:p>
+        </p:txBody>
+      </p:sp>
+    </p:spTree>
+    <p:extLst>
+      <p:ext uri="{BB962C8B-B14F-4D97-AF65-F5344CB8AC3E}">
+        <p14:creationId xmlns:p14="http://schemas.microsoft.com/office/powerpoint/2010/main" val="3568287303"/>
+      </p:ext>
+    </p:extLst>
+  </p:cSld>
+  <p:clrMapOvr>
+    <a:masterClrMapping/>
+  </p:clrMapOvr>
+</p:sld>
+</file>
+
+<file path=ppt/slides/slide24.xml><?xml version="1.0" encoding="utf-8"?>
+<p:sld xmlns:a="http://schemas.openxmlformats.org/drawingml/2006/main" xmlns:r="http://schemas.openxmlformats.org/officeDocument/2006/relationships" xmlns:p="http://schemas.openxmlformats.org/presentationml/2006/main">
+  <p:cSld>
+    <p:spTree>
+      <p:nvGrpSpPr>
+        <p:cNvPr id="1" name=""/>
+        <p:cNvGrpSpPr/>
+        <p:nvPr/>
+      </p:nvGrpSpPr>
+      <p:grpSpPr>
+        <a:xfrm>
+          <a:off x="0" y="0"/>
+          <a:ext cx="0" cy="0"/>
+          <a:chOff x="0" y="0"/>
+          <a:chExt cx="0" cy="0"/>
+        </a:xfrm>
+      </p:grpSpPr>
+      <p:sp>
+        <p:nvSpPr>
+          <p:cNvPr id="2" name="Title 1">
+            <a:extLst>
+              <a:ext uri="{FF2B5EF4-FFF2-40B4-BE49-F238E27FC236}">
                 <a16:creationId xmlns:a16="http://schemas.microsoft.com/office/drawing/2014/main" id="{DEA778C2-1ECD-4E15-B589-CA7F5A0FF16D}"/>
               </a:ext>
             </a:extLst>
@@ -36868,7 +38157,7 @@
           <a:p>
             <a:fld id="{6565F0C3-D9E9-4961-A3A4-87F2116D4289}" type="slidenum">
               <a:rPr lang="en-GB" smtClean="0"/>
-              <a:t>23</a:t>
+              <a:t>24</a:t>
             </a:fld>
             <a:endParaRPr lang="en-GB" dirty="0"/>
           </a:p>
@@ -37017,8 +38306,8 @@
         </p:blipFill>
         <p:spPr>
           <a:xfrm>
-            <a:off x="882444" y="3201791"/>
-            <a:ext cx="4772334" cy="2225075"/>
+            <a:off x="882445" y="3201791"/>
+            <a:ext cx="4772332" cy="2225075"/>
           </a:xfrm>
           <a:prstGeom prst="rect">
             <a:avLst/>
@@ -41568,7 +42857,7 @@
           <p:nvPr/>
         </p:nvPicPr>
         <p:blipFill>
-          <a:blip r:embed="rId2">
+          <a:blip r:embed="rId3">
             <a:extLst>
               <a:ext uri="{28A0092B-C50C-407E-A947-70E740481C1C}">
                 <a14:useLocalDpi xmlns:a14="http://schemas.microsoft.com/office/drawing/2010/main" val="0"/>

--- a/Notes/TFM_presentations/2020_02_24_v2/2020_02_24_v2.pptx
+++ b/Notes/TFM_presentations/2020_02_24_v2/2020_02_24_v2.pptx
@@ -535,7 +535,7 @@
           <a:bodyPr/>
           <a:lstStyle/>
           <a:p>
-            <a:endParaRPr lang="en-GB"/>
+            <a:endParaRPr lang="en-GB" dirty="0"/>
           </a:p>
         </p:txBody>
       </p:sp>
@@ -619,7 +619,7 @@
           <a:bodyPr/>
           <a:lstStyle/>
           <a:p>
-            <a:endParaRPr lang="en-GB"/>
+            <a:endParaRPr lang="en-GB" dirty="0"/>
           </a:p>
         </p:txBody>
       </p:sp>
@@ -703,7 +703,7 @@
           <a:bodyPr/>
           <a:lstStyle/>
           <a:p>
-            <a:endParaRPr lang="en-GB"/>
+            <a:endParaRPr lang="en-GB" dirty="0"/>
           </a:p>
         </p:txBody>
       </p:sp>
@@ -787,7 +787,7 @@
           <a:bodyPr/>
           <a:lstStyle/>
           <a:p>
-            <a:endParaRPr lang="en-GB"/>
+            <a:endParaRPr lang="en-GB" dirty="0"/>
           </a:p>
         </p:txBody>
       </p:sp>
@@ -871,7 +871,7 @@
           <a:bodyPr/>
           <a:lstStyle/>
           <a:p>
-            <a:endParaRPr lang="en-GB"/>
+            <a:endParaRPr lang="en-GB" dirty="0"/>
           </a:p>
         </p:txBody>
       </p:sp>
@@ -955,7 +955,7 @@
           <a:bodyPr/>
           <a:lstStyle/>
           <a:p>
-            <a:endParaRPr lang="en-GB"/>
+            <a:endParaRPr lang="en-GB" dirty="0"/>
           </a:p>
         </p:txBody>
       </p:sp>
@@ -1039,7 +1039,7 @@
           <a:bodyPr/>
           <a:lstStyle/>
           <a:p>
-            <a:endParaRPr lang="en-GB"/>
+            <a:endParaRPr lang="en-GB" dirty="0"/>
           </a:p>
         </p:txBody>
       </p:sp>
@@ -1123,7 +1123,7 @@
           <a:bodyPr/>
           <a:lstStyle/>
           <a:p>
-            <a:endParaRPr lang="en-GB"/>
+            <a:endParaRPr lang="en-GB" dirty="0"/>
           </a:p>
         </p:txBody>
       </p:sp>
@@ -1207,7 +1207,7 @@
           <a:bodyPr/>
           <a:lstStyle/>
           <a:p>
-            <a:endParaRPr lang="en-GB"/>
+            <a:endParaRPr lang="en-GB" dirty="0"/>
           </a:p>
         </p:txBody>
       </p:sp>
@@ -1291,7 +1291,7 @@
           <a:bodyPr/>
           <a:lstStyle/>
           <a:p>
-            <a:endParaRPr lang="en-GB"/>
+            <a:endParaRPr lang="en-GB" dirty="0"/>
           </a:p>
         </p:txBody>
       </p:sp>
@@ -1375,7 +1375,7 @@
           <a:bodyPr/>
           <a:lstStyle/>
           <a:p>
-            <a:endParaRPr lang="en-GB"/>
+            <a:endParaRPr lang="en-GB" dirty="0"/>
           </a:p>
         </p:txBody>
       </p:sp>
@@ -2201,7 +2201,7 @@
           <a:bodyPr/>
           <a:lstStyle/>
           <a:p>
-            <a:endParaRPr lang="en-GB"/>
+            <a:endParaRPr lang="en-GB" dirty="0"/>
           </a:p>
         </p:txBody>
       </p:sp>
@@ -2285,7 +2285,7 @@
           <a:bodyPr/>
           <a:lstStyle/>
           <a:p>
-            <a:endParaRPr lang="en-GB"/>
+            <a:endParaRPr lang="en-GB" dirty="0"/>
           </a:p>
         </p:txBody>
       </p:sp>
@@ -2369,7 +2369,7 @@
           <a:bodyPr/>
           <a:lstStyle/>
           <a:p>
-            <a:endParaRPr lang="en-GB"/>
+            <a:endParaRPr lang="en-GB" dirty="0"/>
           </a:p>
         </p:txBody>
       </p:sp>
@@ -2453,7 +2453,7 @@
           <a:bodyPr/>
           <a:lstStyle/>
           <a:p>
-            <a:endParaRPr lang="en-GB"/>
+            <a:endParaRPr lang="en-GB" dirty="0"/>
           </a:p>
         </p:txBody>
       </p:sp>
@@ -2537,7 +2537,7 @@
           <a:bodyPr/>
           <a:lstStyle/>
           <a:p>
-            <a:endParaRPr lang="en-GB"/>
+            <a:endParaRPr lang="en-GB" dirty="0"/>
           </a:p>
         </p:txBody>
       </p:sp>
@@ -5817,11 +5817,7 @@
             </a:r>
             <a:r>
               <a:rPr lang="en-150" dirty="0"/>
-              <a:t> modelled as a succession of bundles and that’s where our definition of limited-preemptive </a:t>
-            </a:r>
-            <a:r>
-              <a:rPr lang="en-150"/>
-              <a:t>comes from.</a:t>
+              <a:t> modelled as a succession of bundles and that’s where our definition of limited-preemptive comes from.</a:t>
             </a:r>
             <a:endParaRPr lang="en-GB" dirty="0"/>
           </a:p>
@@ -8827,8 +8823,8 @@
         </p:nvSpPr>
         <p:spPr>
           <a:xfrm>
-            <a:off x="838200" y="6356350"/>
-            <a:ext cx="2743200" cy="365125"/>
+            <a:off x="1260764" y="6356350"/>
+            <a:ext cx="2320636" cy="365125"/>
           </a:xfrm>
           <a:prstGeom prst="rect">
             <a:avLst/>
@@ -8915,7 +8911,7 @@
         <p:spPr>
           <a:xfrm>
             <a:off x="8610600" y="6356350"/>
-            <a:ext cx="2743200" cy="365125"/>
+            <a:ext cx="2320636" cy="365125"/>
           </a:xfrm>
           <a:prstGeom prst="rect">
             <a:avLst/>
@@ -8968,7 +8964,7 @@
         </p:blipFill>
         <p:spPr>
           <a:xfrm>
-            <a:off x="208200" y="6222112"/>
+            <a:off x="10840179" y="6224400"/>
             <a:ext cx="1260000" cy="633600"/>
           </a:xfrm>
           <a:prstGeom prst="rect">
@@ -8980,6 +8976,180 @@
           </a:ln>
         </p:spPr>
       </p:pic>
+      <p:sp>
+        <p:nvSpPr>
+          <p:cNvPr id="9" name="TextBox 8">
+            <a:extLst>
+              <a:ext uri="{FF2B5EF4-FFF2-40B4-BE49-F238E27FC236}">
+                <a16:creationId xmlns:a16="http://schemas.microsoft.com/office/drawing/2014/main" id="{7C7729B6-988A-4F71-9D88-D528542FBFD6}"/>
+              </a:ext>
+            </a:extLst>
+          </p:cNvPr>
+          <p:cNvSpPr txBox="1"/>
+          <p:nvPr userDrawn="1"/>
+        </p:nvSpPr>
+        <p:spPr>
+          <a:xfrm>
+            <a:off x="133005" y="6264910"/>
+            <a:ext cx="1127760" cy="523220"/>
+          </a:xfrm>
+          <a:prstGeom prst="rect">
+            <a:avLst/>
+          </a:prstGeom>
+          <a:noFill/>
+        </p:spPr>
+        <p:txBody>
+          <a:bodyPr wrap="square" rtlCol="0">
+            <a:spAutoFit/>
+          </a:bodyPr>
+          <a:lstStyle/>
+          <a:p>
+            <a:r>
+              <a:rPr lang="en-150" sz="1400" dirty="0">
+                <a:solidFill>
+                  <a:schemeClr val="bg1"/>
+                </a:solidFill>
+              </a:rPr>
+              <a:t>J</a:t>
+            </a:r>
+            <a:r>
+              <a:rPr lang="en-GB" sz="1400" dirty="0">
+                <a:solidFill>
+                  <a:schemeClr val="bg1"/>
+                </a:solidFill>
+              </a:rPr>
+              <a:t>o</a:t>
+            </a:r>
+            <a:r>
+              <a:rPr lang="en-150" sz="1400" dirty="0">
+                <a:solidFill>
+                  <a:schemeClr val="bg1"/>
+                </a:solidFill>
+              </a:rPr>
+              <a:t>a</a:t>
+            </a:r>
+            <a:r>
+              <a:rPr lang="en-GB" sz="1400" dirty="0">
+                <a:solidFill>
+                  <a:schemeClr val="bg1"/>
+                </a:solidFill>
+              </a:rPr>
+              <a:t>n</a:t>
+            </a:r>
+            <a:endParaRPr lang="en-150" sz="1400" dirty="0">
+              <a:solidFill>
+                <a:schemeClr val="bg1"/>
+              </a:solidFill>
+            </a:endParaRPr>
+          </a:p>
+          <a:p>
+            <a:r>
+              <a:rPr lang="en-GB" sz="1400" dirty="0">
+                <a:solidFill>
+                  <a:schemeClr val="bg1"/>
+                </a:solidFill>
+              </a:rPr>
+              <a:t>M</a:t>
+            </a:r>
+            <a:r>
+              <a:rPr lang="en-150" sz="1400" dirty="0">
+                <a:solidFill>
+                  <a:schemeClr val="bg1"/>
+                </a:solidFill>
+              </a:rPr>
+              <a:t>a</a:t>
+            </a:r>
+            <a:r>
+              <a:rPr lang="en-GB" sz="1400" dirty="0">
+                <a:solidFill>
+                  <a:schemeClr val="bg1"/>
+                </a:solidFill>
+              </a:rPr>
+              <a:t>r</a:t>
+            </a:r>
+            <a:r>
+              <a:rPr lang="en-150" sz="1400" dirty="0">
+                <a:solidFill>
+                  <a:schemeClr val="bg1"/>
+                </a:solidFill>
+              </a:rPr>
+              <a:t>c</a:t>
+            </a:r>
+            <a:r>
+              <a:rPr lang="en-GB" sz="1400" dirty="0">
+                <a:solidFill>
+                  <a:schemeClr val="bg1"/>
+                </a:solidFill>
+              </a:rPr>
+              <a:t>è</a:t>
+            </a:r>
+            <a:r>
+              <a:rPr lang="en-150" sz="1400" dirty="0">
+                <a:solidFill>
+                  <a:schemeClr val="bg1"/>
+                </a:solidFill>
+              </a:rPr>
+              <a:t> </a:t>
+            </a:r>
+            <a:r>
+              <a:rPr lang="en-GB" sz="1400" dirty="0">
+                <a:solidFill>
+                  <a:schemeClr val="bg1"/>
+                </a:solidFill>
+              </a:rPr>
+              <a:t>i</a:t>
+            </a:r>
+            <a:r>
+              <a:rPr lang="en-150" sz="1400" dirty="0">
+                <a:solidFill>
+                  <a:schemeClr val="bg1"/>
+                </a:solidFill>
+              </a:rPr>
+              <a:t> </a:t>
+            </a:r>
+            <a:r>
+              <a:rPr lang="en-GB" sz="1400" dirty="0">
+                <a:solidFill>
+                  <a:schemeClr val="bg1"/>
+                </a:solidFill>
+              </a:rPr>
+              <a:t>I</a:t>
+            </a:r>
+            <a:r>
+              <a:rPr lang="en-150" sz="1400" dirty="0">
+                <a:solidFill>
+                  <a:schemeClr val="bg1"/>
+                </a:solidFill>
+              </a:rPr>
+              <a:t>g</a:t>
+            </a:r>
+            <a:r>
+              <a:rPr lang="en-GB" sz="1400" dirty="0">
+                <a:solidFill>
+                  <a:schemeClr val="bg1"/>
+                </a:solidFill>
+              </a:rPr>
+              <a:t>u</a:t>
+            </a:r>
+            <a:r>
+              <a:rPr lang="en-150" sz="1400" dirty="0">
+                <a:solidFill>
+                  <a:schemeClr val="bg1"/>
+                </a:solidFill>
+              </a:rPr>
+              <a:t>a</a:t>
+            </a:r>
+            <a:r>
+              <a:rPr lang="en-GB" sz="1400" dirty="0">
+                <a:solidFill>
+                  <a:schemeClr val="bg1"/>
+                </a:solidFill>
+              </a:rPr>
+              <a:t>l</a:t>
+            </a:r>
+          </a:p>
+        </p:txBody>
+      </p:sp>
     </p:spTree>
     <p:extLst>
       <p:ext uri="{BB962C8B-B14F-4D97-AF65-F5344CB8AC3E}">
@@ -9341,234 +9511,9 @@
           <a:lstStyle/>
           <a:p>
             <a:r>
-              <a:rPr lang="en-150" dirty="0"/>
-              <a:t>S</a:t>
-            </a:r>
-            <a:r>
-              <a:rPr lang="en-GB" dirty="0"/>
-              <a:t>c</a:t>
-            </a:r>
-            <a:r>
-              <a:rPr lang="en-150" dirty="0"/>
-              <a:t>h</a:t>
-            </a:r>
-            <a:r>
-              <a:rPr lang="en-GB" dirty="0"/>
-              <a:t>e</a:t>
-            </a:r>
-            <a:r>
-              <a:rPr lang="en-150" dirty="0"/>
-              <a:t>d</a:t>
-            </a:r>
-            <a:r>
-              <a:rPr lang="en-GB" dirty="0"/>
-              <a:t>u</a:t>
-            </a:r>
-            <a:r>
-              <a:rPr lang="en-150" dirty="0"/>
-              <a:t>l</a:t>
-            </a:r>
-            <a:r>
-              <a:rPr lang="en-GB" dirty="0"/>
-              <a:t>i</a:t>
-            </a:r>
-            <a:r>
-              <a:rPr lang="en-150" dirty="0"/>
-              <a:t>n</a:t>
-            </a:r>
-            <a:r>
-              <a:rPr lang="en-GB" dirty="0"/>
-              <a:t>g</a:t>
-            </a:r>
-            <a:r>
-              <a:rPr lang="en-150" dirty="0"/>
-              <a:t> </a:t>
-            </a:r>
-            <a:r>
-              <a:rPr lang="en-GB" dirty="0"/>
-              <a:t>a</a:t>
-            </a:r>
-            <a:r>
-              <a:rPr lang="en-150" dirty="0"/>
-              <a:t>n</a:t>
-            </a:r>
-            <a:r>
-              <a:rPr lang="en-GB" dirty="0"/>
-              <a:t>d</a:t>
-            </a:r>
-            <a:r>
-              <a:rPr lang="en-150" dirty="0"/>
-              <a:t> </a:t>
-            </a:r>
-            <a:r>
-              <a:rPr lang="en-GB" dirty="0"/>
-              <a:t>A</a:t>
-            </a:r>
-            <a:r>
-              <a:rPr lang="en-150" dirty="0"/>
-              <a:t>n</a:t>
-            </a:r>
-            <a:r>
-              <a:rPr lang="en-GB" dirty="0"/>
-              <a:t>a</a:t>
-            </a:r>
-            <a:r>
-              <a:rPr lang="en-150" dirty="0"/>
-              <a:t>l</a:t>
-            </a:r>
-            <a:r>
-              <a:rPr lang="en-GB" dirty="0"/>
-              <a:t>y</a:t>
-            </a:r>
-            <a:r>
-              <a:rPr lang="en-150" dirty="0"/>
-              <a:t>s</a:t>
-            </a:r>
-            <a:r>
-              <a:rPr lang="en-GB" dirty="0"/>
-              <a:t>i</a:t>
-            </a:r>
-            <a:r>
-              <a:rPr lang="en-150" dirty="0"/>
-              <a:t>s </a:t>
-            </a:r>
-            <a:r>
-              <a:rPr lang="en-GB" dirty="0"/>
-              <a:t>o</a:t>
-            </a:r>
-            <a:r>
-              <a:rPr lang="en-150" dirty="0"/>
-              <a:t>f </a:t>
-            </a:r>
-            <a:r>
-              <a:rPr lang="en-GB" dirty="0"/>
-              <a:t>L</a:t>
-            </a:r>
-            <a:r>
-              <a:rPr lang="en-150" dirty="0"/>
-              <a:t>i</a:t>
-            </a:r>
-            <a:r>
-              <a:rPr lang="en-GB" dirty="0"/>
-              <a:t>m</a:t>
-            </a:r>
-            <a:r>
-              <a:rPr lang="en-150" dirty="0"/>
-              <a:t>i</a:t>
-            </a:r>
-            <a:r>
-              <a:rPr lang="en-GB" dirty="0"/>
-              <a:t>t</a:t>
-            </a:r>
-            <a:r>
-              <a:rPr lang="en-150" dirty="0"/>
-              <a:t>e</a:t>
-            </a:r>
-            <a:r>
-              <a:rPr lang="en-GB" dirty="0"/>
-              <a:t>d</a:t>
-            </a:r>
-            <a:r>
-              <a:rPr lang="en-150" dirty="0"/>
-              <a:t>-</a:t>
-            </a:r>
-            <a:r>
-              <a:rPr lang="en-GB" dirty="0"/>
-              <a:t>P</a:t>
-            </a:r>
-            <a:r>
-              <a:rPr lang="en-150" dirty="0"/>
-              <a:t>r</a:t>
-            </a:r>
-            <a:r>
-              <a:rPr lang="en-GB" dirty="0"/>
-              <a:t>e</a:t>
-            </a:r>
-            <a:r>
-              <a:rPr lang="en-150" dirty="0"/>
-              <a:t>e</a:t>
-            </a:r>
-            <a:r>
-              <a:rPr lang="en-GB" dirty="0"/>
-              <a:t>m</a:t>
-            </a:r>
-            <a:r>
-              <a:rPr lang="en-150" dirty="0"/>
-              <a:t>p</a:t>
-            </a:r>
-            <a:r>
-              <a:rPr lang="en-GB" dirty="0"/>
-              <a:t>t</a:t>
-            </a:r>
-            <a:r>
-              <a:rPr lang="en-150" dirty="0"/>
-              <a:t>i</a:t>
-            </a:r>
-            <a:r>
-              <a:rPr lang="en-GB" dirty="0"/>
-              <a:t>v</a:t>
-            </a:r>
-            <a:r>
-              <a:rPr lang="en-150" dirty="0"/>
-              <a:t>e </a:t>
-            </a:r>
-            <a:r>
-              <a:rPr lang="en-GB" dirty="0"/>
-              <a:t>M</a:t>
-            </a:r>
-            <a:r>
-              <a:rPr lang="en-150" dirty="0"/>
-              <a:t>a</a:t>
-            </a:r>
-            <a:r>
-              <a:rPr lang="en-GB" dirty="0"/>
-              <a:t>l</a:t>
-            </a:r>
-            <a:r>
-              <a:rPr lang="en-150" dirty="0"/>
-              <a:t>l</a:t>
-            </a:r>
-            <a:r>
-              <a:rPr lang="en-GB" dirty="0"/>
-              <a:t>e</a:t>
-            </a:r>
-            <a:r>
-              <a:rPr lang="en-150" dirty="0"/>
-              <a:t>a</a:t>
-            </a:r>
-            <a:r>
-              <a:rPr lang="en-GB" dirty="0"/>
-              <a:t>b</a:t>
-            </a:r>
-            <a:r>
-              <a:rPr lang="en-150" dirty="0"/>
-              <a:t>le Gan</a:t>
-            </a:r>
-            <a:r>
-              <a:rPr lang="en-GB" dirty="0"/>
-              <a:t>g</a:t>
-            </a:r>
-            <a:r>
-              <a:rPr lang="en-150" dirty="0"/>
-              <a:t> </a:t>
-            </a:r>
-            <a:r>
-              <a:rPr lang="en-GB" dirty="0"/>
-              <a:t>T</a:t>
-            </a:r>
-            <a:r>
-              <a:rPr lang="en-150" dirty="0"/>
-              <a:t>a</a:t>
-            </a:r>
-            <a:r>
-              <a:rPr lang="en-GB" dirty="0"/>
-              <a:t>k</a:t>
-            </a:r>
-            <a:r>
-              <a:rPr lang="en-150" dirty="0"/>
-              <a:t>s</a:t>
-            </a:r>
-            <a:endParaRPr lang="en-GB" dirty="0"/>
+              <a:rPr lang="en-GB" noProof="0" dirty="0"/>
+              <a:t>Scheduling and Analysis of Limited-Preemptive Malleable Gang Tasks</a:t>
+            </a:r>
           </a:p>
         </p:txBody>
       </p:sp>
@@ -9780,10 +9725,10 @@
           </a:lstStyle>
           <a:p>
             <a:r>
-              <a:rPr lang="en-150" dirty="0"/>
+              <a:rPr lang="en-150" u="sng" dirty="0"/>
               <a:t>Joan Marcè i Igual</a:t>
             </a:r>
-            <a:endParaRPr lang="en-GB" dirty="0"/>
+            <a:endParaRPr lang="en-GB" u="sng" dirty="0"/>
           </a:p>
         </p:txBody>
       </p:sp>
@@ -10247,7 +10192,7 @@
         </p:nvSpPr>
         <p:spPr>
           <a:xfrm>
-            <a:off x="4057476" y="4991450"/>
+            <a:off x="4057476" y="5494790"/>
             <a:ext cx="4077049" cy="369332"/>
           </a:xfrm>
           <a:prstGeom prst="rect">
@@ -10278,6 +10223,228 @@
           </a:p>
         </p:txBody>
       </p:sp>
+      <p:pic>
+        <p:nvPicPr>
+          <p:cNvPr id="10" name="Graphic 9">
+            <a:extLst>
+              <a:ext uri="{FF2B5EF4-FFF2-40B4-BE49-F238E27FC236}">
+                <a16:creationId xmlns:a16="http://schemas.microsoft.com/office/drawing/2014/main" id="{D0E9EF5F-F7B0-4F8A-9BC4-1D07203821C2}"/>
+              </a:ext>
+            </a:extLst>
+          </p:cNvPr>
+          <p:cNvPicPr>
+            <a:picLocks noChangeAspect="1"/>
+          </p:cNvPicPr>
+          <p:nvPr/>
+        </p:nvPicPr>
+        <p:blipFill>
+          <a:blip r:embed="rId3">
+            <a:extLst>
+              <a:ext uri="{28A0092B-C50C-407E-A947-70E740481C1C}">
+                <a14:useLocalDpi xmlns:a14="http://schemas.microsoft.com/office/drawing/2010/main" val="0"/>
+              </a:ext>
+              <a:ext uri="{96DAC541-7B7A-43D3-8B79-37D633B846F1}">
+                <asvg:svgBlip xmlns:asvg="http://schemas.microsoft.com/office/drawing/2016/SVG/main" r:embed="rId4"/>
+              </a:ext>
+            </a:extLst>
+          </a:blip>
+          <a:stretch>
+            <a:fillRect/>
+          </a:stretch>
+        </p:blipFill>
+        <p:spPr>
+          <a:xfrm>
+            <a:off x="6864466" y="3447334"/>
+            <a:ext cx="1729948" cy="1729948"/>
+          </a:xfrm>
+          <a:prstGeom prst="rect">
+            <a:avLst/>
+          </a:prstGeom>
+        </p:spPr>
+      </p:pic>
+      <p:pic>
+        <p:nvPicPr>
+          <p:cNvPr id="12" name="Picture 11" descr="A close up of a logo&#10;&#10;Description automatically generated">
+            <a:extLst>
+              <a:ext uri="{FF2B5EF4-FFF2-40B4-BE49-F238E27FC236}">
+                <a16:creationId xmlns:a16="http://schemas.microsoft.com/office/drawing/2014/main" id="{9ABC4E16-8039-4946-9B77-C82C643C0213}"/>
+              </a:ext>
+            </a:extLst>
+          </p:cNvPr>
+          <p:cNvPicPr>
+            <a:picLocks noChangeAspect="1"/>
+          </p:cNvPicPr>
+          <p:nvPr/>
+        </p:nvPicPr>
+        <p:blipFill>
+          <a:blip r:embed="rId5">
+            <a:extLst>
+              <a:ext uri="{28A0092B-C50C-407E-A947-70E740481C1C}">
+                <a14:useLocalDpi xmlns:a14="http://schemas.microsoft.com/office/drawing/2010/main" val="0"/>
+              </a:ext>
+            </a:extLst>
+          </a:blip>
+          <a:stretch>
+            <a:fillRect/>
+          </a:stretch>
+        </p:blipFill>
+        <p:spPr>
+          <a:xfrm>
+            <a:off x="4493464" y="4312308"/>
+            <a:ext cx="1275716" cy="1275716"/>
+          </a:xfrm>
+          <a:prstGeom prst="rect">
+            <a:avLst/>
+          </a:prstGeom>
+        </p:spPr>
+      </p:pic>
+      <p:pic>
+        <p:nvPicPr>
+          <p:cNvPr id="9" name="Graphic 8">
+            <a:extLst>
+              <a:ext uri="{FF2B5EF4-FFF2-40B4-BE49-F238E27FC236}">
+                <a16:creationId xmlns:a16="http://schemas.microsoft.com/office/drawing/2014/main" id="{A7578E86-514F-41DA-B674-5590A1DE1E57}"/>
+              </a:ext>
+            </a:extLst>
+          </p:cNvPr>
+          <p:cNvPicPr>
+            <a:picLocks noChangeAspect="1"/>
+          </p:cNvPicPr>
+          <p:nvPr/>
+        </p:nvPicPr>
+        <p:blipFill>
+          <a:blip r:embed="rId3">
+            <a:extLst>
+              <a:ext uri="{28A0092B-C50C-407E-A947-70E740481C1C}">
+                <a14:useLocalDpi xmlns:a14="http://schemas.microsoft.com/office/drawing/2010/main" val="0"/>
+              </a:ext>
+              <a:ext uri="{96DAC541-7B7A-43D3-8B79-37D633B846F1}">
+                <asvg:svgBlip xmlns:asvg="http://schemas.microsoft.com/office/drawing/2016/SVG/main" r:embed="rId4"/>
+              </a:ext>
+            </a:extLst>
+          </a:blip>
+          <a:stretch>
+            <a:fillRect/>
+          </a:stretch>
+        </p:blipFill>
+        <p:spPr>
+          <a:xfrm>
+            <a:off x="4219662" y="3447334"/>
+            <a:ext cx="1729948" cy="1729948"/>
+          </a:xfrm>
+          <a:prstGeom prst="rect">
+            <a:avLst/>
+          </a:prstGeom>
+        </p:spPr>
+      </p:pic>
+      <p:pic>
+        <p:nvPicPr>
+          <p:cNvPr id="14" name="Picture 13" descr="A picture containing clock&#10;&#10;Description automatically generated">
+            <a:extLst>
+              <a:ext uri="{FF2B5EF4-FFF2-40B4-BE49-F238E27FC236}">
+                <a16:creationId xmlns:a16="http://schemas.microsoft.com/office/drawing/2014/main" id="{2A72CECE-8321-4D9D-96C7-A76020ECBE5D}"/>
+              </a:ext>
+            </a:extLst>
+          </p:cNvPr>
+          <p:cNvPicPr>
+            <a:picLocks noChangeAspect="1"/>
+          </p:cNvPicPr>
+          <p:nvPr/>
+        </p:nvPicPr>
+        <p:blipFill>
+          <a:blip r:embed="rId6">
+            <a:extLst>
+              <a:ext uri="{28A0092B-C50C-407E-A947-70E740481C1C}">
+                <a14:useLocalDpi xmlns:a14="http://schemas.microsoft.com/office/drawing/2010/main" val="0"/>
+              </a:ext>
+            </a:extLst>
+          </a:blip>
+          <a:stretch>
+            <a:fillRect/>
+          </a:stretch>
+        </p:blipFill>
+        <p:spPr>
+          <a:xfrm>
+            <a:off x="1475626" y="3981810"/>
+            <a:ext cx="1208852" cy="457800"/>
+          </a:xfrm>
+          <a:prstGeom prst="rect">
+            <a:avLst/>
+          </a:prstGeom>
+        </p:spPr>
+      </p:pic>
+      <p:pic>
+        <p:nvPicPr>
+          <p:cNvPr id="15" name="Picture 14" descr="A picture containing clock&#10;&#10;Description automatically generated">
+            <a:extLst>
+              <a:ext uri="{FF2B5EF4-FFF2-40B4-BE49-F238E27FC236}">
+                <a16:creationId xmlns:a16="http://schemas.microsoft.com/office/drawing/2014/main" id="{310056D8-AEC7-44D7-B74F-23958C505459}"/>
+              </a:ext>
+            </a:extLst>
+          </p:cNvPr>
+          <p:cNvPicPr>
+            <a:picLocks noChangeAspect="1"/>
+          </p:cNvPicPr>
+          <p:nvPr/>
+        </p:nvPicPr>
+        <p:blipFill>
+          <a:blip r:embed="rId6">
+            <a:extLst>
+              <a:ext uri="{28A0092B-C50C-407E-A947-70E740481C1C}">
+                <a14:useLocalDpi xmlns:a14="http://schemas.microsoft.com/office/drawing/2010/main" val="0"/>
+              </a:ext>
+            </a:extLst>
+          </a:blip>
+          <a:stretch>
+            <a:fillRect/>
+          </a:stretch>
+        </p:blipFill>
+        <p:spPr>
+          <a:xfrm>
+            <a:off x="9625984" y="3981809"/>
+            <a:ext cx="1208852" cy="457800"/>
+          </a:xfrm>
+          <a:prstGeom prst="rect">
+            <a:avLst/>
+          </a:prstGeom>
+        </p:spPr>
+      </p:pic>
+      <p:pic>
+        <p:nvPicPr>
+          <p:cNvPr id="16" name="Picture 15" descr="A picture containing clock&#10;&#10;Description automatically generated">
+            <a:extLst>
+              <a:ext uri="{FF2B5EF4-FFF2-40B4-BE49-F238E27FC236}">
+                <a16:creationId xmlns:a16="http://schemas.microsoft.com/office/drawing/2014/main" id="{0CA3D4E2-405B-48AC-AE65-0E4DE68E988E}"/>
+              </a:ext>
+            </a:extLst>
+          </p:cNvPr>
+          <p:cNvPicPr>
+            <a:picLocks noChangeAspect="1"/>
+          </p:cNvPicPr>
+          <p:nvPr/>
+        </p:nvPicPr>
+        <p:blipFill>
+          <a:blip r:embed="rId6">
+            <a:extLst>
+              <a:ext uri="{28A0092B-C50C-407E-A947-70E740481C1C}">
+                <a14:useLocalDpi xmlns:a14="http://schemas.microsoft.com/office/drawing/2010/main" val="0"/>
+              </a:ext>
+            </a:extLst>
+          </a:blip>
+          <a:stretch>
+            <a:fillRect/>
+          </a:stretch>
+        </p:blipFill>
+        <p:spPr>
+          <a:xfrm>
+            <a:off x="7025365" y="4544115"/>
+            <a:ext cx="1208852" cy="457800"/>
+          </a:xfrm>
+          <a:prstGeom prst="rect">
+            <a:avLst/>
+          </a:prstGeom>
+        </p:spPr>
+      </p:pic>
     </p:spTree>
     <p:extLst>
       <p:ext uri="{BB962C8B-B14F-4D97-AF65-F5344CB8AC3E}">
@@ -10330,50 +10497,9 @@
           <a:lstStyle/>
           <a:p>
             <a:r>
-              <a:rPr lang="en-150" dirty="0"/>
-              <a:t>S</a:t>
-            </a:r>
-            <a:r>
-              <a:rPr lang="en-GB" dirty="0"/>
-              <a:t>u</a:t>
-            </a:r>
-            <a:r>
-              <a:rPr lang="en-150" dirty="0"/>
-              <a:t>m</a:t>
-            </a:r>
-            <a:r>
-              <a:rPr lang="en-GB" dirty="0"/>
-              <a:t>m</a:t>
-            </a:r>
-            <a:r>
-              <a:rPr lang="en-150" dirty="0"/>
-              <a:t>a</a:t>
-            </a:r>
-            <a:r>
-              <a:rPr lang="en-GB" dirty="0"/>
-              <a:t>r</a:t>
-            </a:r>
-            <a:r>
-              <a:rPr lang="en-150" dirty="0"/>
-              <a:t>i</a:t>
-            </a:r>
-            <a:r>
-              <a:rPr lang="en-GB" dirty="0"/>
-              <a:t>z</a:t>
-            </a:r>
-            <a:r>
-              <a:rPr lang="en-150" dirty="0"/>
-              <a:t>i</a:t>
-            </a:r>
-            <a:r>
-              <a:rPr lang="en-GB" dirty="0"/>
-              <a:t>n</a:t>
-            </a:r>
-            <a:r>
-              <a:rPr lang="en-150" dirty="0"/>
-              <a:t>g</a:t>
-            </a:r>
-            <a:endParaRPr lang="en-GB" dirty="0"/>
+              <a:rPr lang="en-GB" noProof="0" dirty="0"/>
+              <a:t>Summarizing</a:t>
+            </a:r>
           </a:p>
         </p:txBody>
       </p:sp>
@@ -10399,222 +10525,21 @@
           <a:lstStyle/>
           <a:p>
             <a:r>
-              <a:rPr lang="en-150" dirty="0"/>
+              <a:rPr lang="en-GB" noProof="0" dirty="0"/>
               <a:t>Rigid gang reserves the whole block</a:t>
             </a:r>
           </a:p>
           <a:p>
             <a:r>
-              <a:rPr lang="en-150" dirty="0"/>
-              <a:t>Bundled creates multiple rigid blocks w</a:t>
-            </a:r>
-            <a:r>
-              <a:rPr lang="en-GB" dirty="0"/>
-              <a:t>i</a:t>
-            </a:r>
-            <a:r>
-              <a:rPr lang="en-150" dirty="0"/>
-              <a:t>t</a:t>
-            </a:r>
-            <a:r>
-              <a:rPr lang="en-GB" dirty="0"/>
-              <a:t>h</a:t>
-            </a:r>
-            <a:r>
-              <a:rPr lang="en-150" dirty="0"/>
-              <a:t> </a:t>
-            </a:r>
-            <a:r>
-              <a:rPr lang="en-GB" dirty="0"/>
-              <a:t>d</a:t>
-            </a:r>
-            <a:r>
-              <a:rPr lang="en-150" dirty="0"/>
-              <a:t>e</a:t>
-            </a:r>
-            <a:r>
-              <a:rPr lang="en-GB" dirty="0"/>
-              <a:t>p</a:t>
-            </a:r>
-            <a:r>
-              <a:rPr lang="en-150" dirty="0"/>
-              <a:t>e</a:t>
-            </a:r>
-            <a:r>
-              <a:rPr lang="en-GB" dirty="0"/>
-              <a:t>n</a:t>
-            </a:r>
-            <a:r>
-              <a:rPr lang="en-150" dirty="0"/>
-              <a:t>c</a:t>
-            </a:r>
-            <a:r>
-              <a:rPr lang="en-GB" dirty="0"/>
-              <a:t>e</a:t>
-            </a:r>
-            <a:r>
-              <a:rPr lang="en-150" dirty="0"/>
-              <a:t>n</a:t>
-            </a:r>
-            <a:r>
-              <a:rPr lang="en-GB" dirty="0"/>
-              <a:t>c</a:t>
-            </a:r>
-            <a:r>
-              <a:rPr lang="en-150" dirty="0"/>
-              <a:t>i</a:t>
-            </a:r>
-            <a:r>
-              <a:rPr lang="en-GB" dirty="0"/>
-              <a:t>e</a:t>
-            </a:r>
-            <a:r>
-              <a:rPr lang="en-150" dirty="0"/>
-              <a:t>s</a:t>
+              <a:rPr lang="en-GB" noProof="0" dirty="0"/>
+              <a:t>Bundled creates multiple rigid blocks with dependencies</a:t>
             </a:r>
           </a:p>
           <a:p>
             <a:r>
-              <a:rPr lang="en-150" dirty="0"/>
-              <a:t>L</a:t>
-            </a:r>
-            <a:r>
-              <a:rPr lang="en-GB" dirty="0"/>
-              <a:t>i</a:t>
-            </a:r>
-            <a:r>
-              <a:rPr lang="en-150" dirty="0"/>
-              <a:t>m</a:t>
-            </a:r>
-            <a:r>
-              <a:rPr lang="en-GB" dirty="0"/>
-              <a:t>i</a:t>
-            </a:r>
-            <a:r>
-              <a:rPr lang="en-150" dirty="0"/>
-              <a:t>t</a:t>
-            </a:r>
-            <a:r>
-              <a:rPr lang="en-GB" dirty="0"/>
-              <a:t>e</a:t>
-            </a:r>
-            <a:r>
-              <a:rPr lang="en-150" dirty="0"/>
-              <a:t>d-</a:t>
-            </a:r>
-            <a:r>
-              <a:rPr lang="en-GB" dirty="0"/>
-              <a:t>P</a:t>
-            </a:r>
-            <a:r>
-              <a:rPr lang="en-150" dirty="0"/>
-              <a:t>r</a:t>
-            </a:r>
-            <a:r>
-              <a:rPr lang="en-GB" dirty="0"/>
-              <a:t>e</a:t>
-            </a:r>
-            <a:r>
-              <a:rPr lang="en-150" dirty="0"/>
-              <a:t>e</a:t>
-            </a:r>
-            <a:r>
-              <a:rPr lang="en-GB" dirty="0"/>
-              <a:t>m</a:t>
-            </a:r>
-            <a:r>
-              <a:rPr lang="en-150" dirty="0"/>
-              <a:t>p</a:t>
-            </a:r>
-            <a:r>
-              <a:rPr lang="en-GB" dirty="0"/>
-              <a:t>t</a:t>
-            </a:r>
-            <a:r>
-              <a:rPr lang="en-150" dirty="0"/>
-              <a:t>i</a:t>
-            </a:r>
-            <a:r>
-              <a:rPr lang="en-GB" dirty="0"/>
-              <a:t>v</a:t>
-            </a:r>
-            <a:r>
-              <a:rPr lang="en-150" dirty="0"/>
-              <a:t>e </a:t>
-            </a:r>
-            <a:r>
-              <a:rPr lang="en-GB" dirty="0"/>
-              <a:t>t</a:t>
-            </a:r>
-            <a:r>
-              <a:rPr lang="en-150" dirty="0"/>
-              <a:t>r</a:t>
-            </a:r>
-            <a:r>
-              <a:rPr lang="en-GB" dirty="0"/>
-              <a:t>i</a:t>
-            </a:r>
-            <a:r>
-              <a:rPr lang="en-150" dirty="0"/>
-              <a:t>e</a:t>
-            </a:r>
-            <a:r>
-              <a:rPr lang="en-GB" dirty="0"/>
-              <a:t>s</a:t>
-            </a:r>
-            <a:r>
-              <a:rPr lang="en-150" dirty="0"/>
-              <a:t> </a:t>
-            </a:r>
-            <a:r>
-              <a:rPr lang="en-GB" dirty="0"/>
-              <a:t>t</a:t>
-            </a:r>
-            <a:r>
-              <a:rPr lang="en-150" dirty="0"/>
-              <a:t>o </a:t>
-            </a:r>
-            <a:r>
-              <a:rPr lang="en-GB" dirty="0"/>
-              <a:t>s</a:t>
-            </a:r>
-            <a:r>
-              <a:rPr lang="en-150" dirty="0"/>
-              <a:t>c</a:t>
-            </a:r>
-            <a:r>
-              <a:rPr lang="en-GB" dirty="0"/>
-              <a:t>h</a:t>
-            </a:r>
-            <a:r>
-              <a:rPr lang="en-150" dirty="0"/>
-              <a:t>e</a:t>
-            </a:r>
-            <a:r>
-              <a:rPr lang="en-GB" dirty="0"/>
-              <a:t>d</a:t>
-            </a:r>
-            <a:r>
-              <a:rPr lang="en-150" dirty="0"/>
-              <a:t>u</a:t>
-            </a:r>
-            <a:r>
-              <a:rPr lang="en-GB" dirty="0"/>
-              <a:t>l</a:t>
-            </a:r>
-            <a:r>
-              <a:rPr lang="en-150" dirty="0"/>
-              <a:t>e these blocks in a moldable w</a:t>
-            </a:r>
-            <a:r>
-              <a:rPr lang="en-GB" dirty="0"/>
-              <a:t>a</a:t>
-            </a:r>
-            <a:r>
-              <a:rPr lang="en-150" dirty="0"/>
-              <a:t>y</a:t>
-            </a:r>
-            <a:endParaRPr lang="en-GB" dirty="0"/>
+              <a:rPr lang="en-GB" noProof="0" dirty="0"/>
+              <a:t>Limited-Preemptive tries to schedule these blocks in a moldable way</a:t>
+            </a:r>
           </a:p>
         </p:txBody>
       </p:sp>
@@ -11048,7 +10973,7 @@
                             </p:stCondLst>
                             <p:childTnLst>
                               <p:par>
-                                <p:cTn id="5" presetID="1" presetClass="entr" presetSubtype="0" fill="hold" grpId="0" nodeType="clickEffect">
+                                <p:cTn id="5" presetID="1" presetClass="entr" presetSubtype="0" fill="hold" nodeType="clickEffect">
                                   <p:stCondLst>
                                     <p:cond delay="0"/>
                                   </p:stCondLst>
@@ -11056,55 +10981,6 @@
                                     <p:set>
                                       <p:cBhvr>
                                         <p:cTn id="6" dur="1" fill="hold">
-                                          <p:stCondLst>
-                                            <p:cond delay="0"/>
-                                          </p:stCondLst>
-                                        </p:cTn>
-                                        <p:tgtEl>
-                                          <p:spTgt spid="4">
-                                            <p:txEl>
-                                              <p:pRg st="0" end="0"/>
-                                            </p:txEl>
-                                          </p:spTgt>
-                                        </p:tgtEl>
-                                        <p:attrNameLst>
-                                          <p:attrName>style.visibility</p:attrName>
-                                        </p:attrNameLst>
-                                      </p:cBhvr>
-                                      <p:to>
-                                        <p:strVal val="visible"/>
-                                      </p:to>
-                                    </p:set>
-                                  </p:childTnLst>
-                                </p:cTn>
-                              </p:par>
-                            </p:childTnLst>
-                          </p:cTn>
-                        </p:par>
-                      </p:childTnLst>
-                    </p:cTn>
-                  </p:par>
-                  <p:par>
-                    <p:cTn id="7" fill="hold">
-                      <p:stCondLst>
-                        <p:cond delay="indefinite"/>
-                      </p:stCondLst>
-                      <p:childTnLst>
-                        <p:par>
-                          <p:cTn id="8" fill="hold">
-                            <p:stCondLst>
-                              <p:cond delay="0"/>
-                            </p:stCondLst>
-                            <p:childTnLst>
-                              <p:par>
-                                <p:cTn id="9" presetID="1" presetClass="entr" presetSubtype="0" fill="hold" nodeType="clickEffect">
-                                  <p:stCondLst>
-                                    <p:cond delay="0"/>
-                                  </p:stCondLst>
-                                  <p:childTnLst>
-                                    <p:set>
-                                      <p:cBhvr>
-                                        <p:cTn id="10" dur="1" fill="hold">
                                           <p:stCondLst>
                                             <p:cond delay="0"/>
                                           </p:stCondLst>
@@ -11124,14 +11000,14 @@
                                 </p:cTn>
                               </p:par>
                               <p:par>
-                                <p:cTn id="11" presetID="1" presetClass="exit" presetSubtype="0" fill="hold" grpId="0" nodeType="withEffect">
+                                <p:cTn id="7" presetID="1" presetClass="exit" presetSubtype="0" fill="hold" grpId="0" nodeType="withEffect">
                                   <p:stCondLst>
                                     <p:cond delay="0"/>
                                   </p:stCondLst>
                                   <p:childTnLst>
                                     <p:set>
                                       <p:cBhvr>
-                                        <p:cTn id="12" dur="1" fill="hold">
+                                        <p:cTn id="8" dur="1" fill="hold">
                                           <p:stCondLst>
                                             <p:cond delay="0"/>
                                           </p:stCondLst>
@@ -11151,14 +11027,14 @@
                                 </p:cTn>
                               </p:par>
                               <p:par>
-                                <p:cTn id="13" presetID="1" presetClass="entr" presetSubtype="0" fill="hold" grpId="0" nodeType="withEffect">
+                                <p:cTn id="9" presetID="1" presetClass="entr" presetSubtype="0" fill="hold" grpId="0" nodeType="withEffect">
                                   <p:stCondLst>
                                     <p:cond delay="0"/>
                                   </p:stCondLst>
                                   <p:childTnLst>
                                     <p:set>
                                       <p:cBhvr>
-                                        <p:cTn id="14" dur="1" fill="hold">
+                                        <p:cTn id="10" dur="1" fill="hold">
                                           <p:stCondLst>
                                             <p:cond delay="0"/>
                                           </p:stCondLst>
@@ -11177,33 +11053,15 @@
                                   </p:childTnLst>
                                 </p:cTn>
                               </p:par>
-                            </p:childTnLst>
-                          </p:cTn>
-                        </p:par>
-                      </p:childTnLst>
-                    </p:cTn>
-                  </p:par>
-                  <p:par>
-                    <p:cTn id="15" fill="hold">
-                      <p:stCondLst>
-                        <p:cond delay="indefinite"/>
-                      </p:stCondLst>
-                      <p:childTnLst>
-                        <p:par>
-                          <p:cTn id="16" fill="hold">
-                            <p:stCondLst>
-                              <p:cond delay="0"/>
-                            </p:stCondLst>
-                            <p:childTnLst>
                               <p:par>
-                                <p:cTn id="17" presetID="1" presetClass="entr" presetSubtype="0" fill="hold" grpId="0" nodeType="clickEffect">
+                                <p:cTn id="11" presetID="1" presetClass="entr" presetSubtype="0" fill="hold" grpId="0" nodeType="withEffect">
                                   <p:stCondLst>
                                     <p:cond delay="0"/>
                                   </p:stCondLst>
                                   <p:childTnLst>
                                     <p:set>
                                       <p:cBhvr>
-                                        <p:cTn id="18" dur="1" fill="hold">
+                                        <p:cTn id="12" dur="1" fill="hold">
                                           <p:stCondLst>
                                             <p:cond delay="0"/>
                                           </p:stCondLst>
@@ -11233,26 +11091,26 @@
                     </p:cTn>
                   </p:par>
                   <p:par>
-                    <p:cTn id="19" fill="hold">
+                    <p:cTn id="13" fill="hold">
                       <p:stCondLst>
                         <p:cond delay="indefinite"/>
                       </p:stCondLst>
                       <p:childTnLst>
                         <p:par>
-                          <p:cTn id="20" fill="hold">
+                          <p:cTn id="14" fill="hold">
                             <p:stCondLst>
                               <p:cond delay="0"/>
                             </p:stCondLst>
                             <p:childTnLst>
                               <p:par>
-                                <p:cTn id="21" presetID="1" presetClass="entr" presetSubtype="0" fill="hold" nodeType="clickEffect">
+                                <p:cTn id="15" presetID="1" presetClass="entr" presetSubtype="0" fill="hold" nodeType="clickEffect">
                                   <p:stCondLst>
                                     <p:cond delay="0"/>
                                   </p:stCondLst>
                                   <p:childTnLst>
                                     <p:set>
                                       <p:cBhvr>
-                                        <p:cTn id="22" dur="1" fill="hold">
+                                        <p:cTn id="16" dur="1" fill="hold">
                                           <p:stCondLst>
                                             <p:cond delay="0"/>
                                           </p:stCondLst>
@@ -11272,14 +11130,14 @@
                                 </p:cTn>
                               </p:par>
                               <p:par>
-                                <p:cTn id="23" presetID="1" presetClass="entr" presetSubtype="0" fill="hold" grpId="0" nodeType="withEffect">
+                                <p:cTn id="17" presetID="1" presetClass="entr" presetSubtype="0" fill="hold" grpId="0" nodeType="withEffect">
                                   <p:stCondLst>
                                     <p:cond delay="0"/>
                                   </p:stCondLst>
                                   <p:childTnLst>
                                     <p:set>
                                       <p:cBhvr>
-                                        <p:cTn id="24" dur="1" fill="hold">
+                                        <p:cTn id="18" dur="1" fill="hold">
                                           <p:stCondLst>
                                             <p:cond delay="0"/>
                                           </p:stCondLst>
@@ -11299,14 +11157,14 @@
                                 </p:cTn>
                               </p:par>
                               <p:par>
-                                <p:cTn id="25" presetID="1" presetClass="exit" presetSubtype="0" fill="hold" grpId="1" nodeType="withEffect">
+                                <p:cTn id="19" presetID="1" presetClass="exit" presetSubtype="0" fill="hold" grpId="1" nodeType="withEffect">
                                   <p:stCondLst>
                                     <p:cond delay="0"/>
                                   </p:stCondLst>
                                   <p:childTnLst>
                                     <p:set>
                                       <p:cBhvr>
-                                        <p:cTn id="26" dur="1" fill="hold">
+                                        <p:cTn id="20" dur="1" fill="hold">
                                           <p:stCondLst>
                                             <p:cond delay="0"/>
                                           </p:stCondLst>
@@ -11325,33 +11183,15 @@
                                   </p:childTnLst>
                                 </p:cTn>
                               </p:par>
-                            </p:childTnLst>
-                          </p:cTn>
-                        </p:par>
-                      </p:childTnLst>
-                    </p:cTn>
-                  </p:par>
-                  <p:par>
-                    <p:cTn id="27" fill="hold">
-                      <p:stCondLst>
-                        <p:cond delay="indefinite"/>
-                      </p:stCondLst>
-                      <p:childTnLst>
-                        <p:par>
-                          <p:cTn id="28" fill="hold">
-                            <p:stCondLst>
-                              <p:cond delay="0"/>
-                            </p:stCondLst>
-                            <p:childTnLst>
                               <p:par>
-                                <p:cTn id="29" presetID="1" presetClass="entr" presetSubtype="0" fill="hold" grpId="0" nodeType="clickEffect">
+                                <p:cTn id="21" presetID="1" presetClass="entr" presetSubtype="0" fill="hold" grpId="0" nodeType="withEffect">
                                   <p:stCondLst>
                                     <p:cond delay="0"/>
                                   </p:stCondLst>
                                   <p:childTnLst>
                                     <p:set>
                                       <p:cBhvr>
-                                        <p:cTn id="30" dur="1" fill="hold">
+                                        <p:cTn id="22" dur="1" fill="hold">
                                           <p:stCondLst>
                                             <p:cond delay="0"/>
                                           </p:stCondLst>
@@ -11451,18 +11291,9 @@
           <a:lstStyle/>
           <a:p>
             <a:r>
-              <a:rPr lang="en-150" dirty="0"/>
-              <a:t>O</a:t>
-            </a:r>
-            <a:r>
-              <a:rPr lang="en-GB" dirty="0"/>
-              <a:t>u</a:t>
-            </a:r>
-            <a:r>
-              <a:rPr lang="en-150" dirty="0"/>
-              <a:t>r work</a:t>
-            </a:r>
-            <a:endParaRPr lang="en-GB" dirty="0"/>
+              <a:rPr lang="en-GB" noProof="0" dirty="0"/>
+              <a:t>Our work</a:t>
+            </a:r>
           </a:p>
         </p:txBody>
       </p:sp>
@@ -11543,52 +11374,8 @@
           <a:lstStyle/>
           <a:p>
             <a:r>
-              <a:rPr lang="en-150" dirty="0"/>
-              <a:t>P</a:t>
-            </a:r>
-            <a:r>
-              <a:rPr lang="en-GB" dirty="0"/>
-              <a:t>r</a:t>
-            </a:r>
-            <a:r>
-              <a:rPr lang="en-150" dirty="0"/>
-              <a:t>o</a:t>
-            </a:r>
-            <a:r>
-              <a:rPr lang="en-GB" dirty="0"/>
-              <a:t>j</a:t>
-            </a:r>
-            <a:r>
-              <a:rPr lang="en-150" dirty="0"/>
-              <a:t>e</a:t>
-            </a:r>
-            <a:r>
-              <a:rPr lang="en-GB" dirty="0"/>
-              <a:t>c</a:t>
-            </a:r>
-            <a:r>
-              <a:rPr lang="en-150" dirty="0"/>
-              <a:t>t </a:t>
-            </a:r>
-            <a:r>
-              <a:rPr lang="en-GB" dirty="0"/>
-              <a:t>g</a:t>
-            </a:r>
-            <a:r>
-              <a:rPr lang="en-150" dirty="0"/>
-              <a:t>o</a:t>
-            </a:r>
-            <a:r>
-              <a:rPr lang="en-GB" dirty="0"/>
-              <a:t>a</a:t>
-            </a:r>
-            <a:r>
-              <a:rPr lang="en-150" dirty="0"/>
-              <a:t>l</a:t>
-            </a:r>
-            <a:r>
-              <a:rPr lang="en-GB" dirty="0"/>
-              <a:t>s</a:t>
+              <a:rPr lang="en-GB" noProof="0" dirty="0"/>
+              <a:t>Project goals</a:t>
             </a:r>
           </a:p>
         </p:txBody>
@@ -11615,210 +11402,26 @@
           <a:lstStyle/>
           <a:p>
             <a:r>
-              <a:rPr lang="en-150" dirty="0"/>
-              <a:t>D</a:t>
-            </a:r>
-            <a:r>
-              <a:rPr lang="en-GB" dirty="0"/>
-              <a:t>e</a:t>
-            </a:r>
-            <a:r>
-              <a:rPr lang="en-150" dirty="0"/>
-              <a:t>s</a:t>
-            </a:r>
-            <a:r>
-              <a:rPr lang="en-GB" dirty="0"/>
-              <a:t>i</a:t>
-            </a:r>
-            <a:r>
-              <a:rPr lang="en-150" dirty="0"/>
-              <a:t>g</a:t>
-            </a:r>
-            <a:r>
-              <a:rPr lang="en-GB" dirty="0"/>
-              <a:t>n</a:t>
+              <a:rPr lang="en-GB" noProof="0" dirty="0"/>
+              <a:t>Design </a:t>
+            </a:r>
+            <a:r>
+              <a:rPr lang="en-GB" dirty="0"/>
+              <a:t>an accurate</a:t>
             </a:r>
             <a:r>
               <a:rPr lang="en-150" dirty="0"/>
               <a:t> </a:t>
             </a:r>
             <a:r>
-              <a:rPr lang="en-GB" dirty="0"/>
-              <a:t>a</a:t>
-            </a:r>
-            <a:r>
-              <a:rPr lang="en-150" dirty="0"/>
-              <a:t>n </a:t>
-            </a:r>
-            <a:r>
-              <a:rPr lang="en-GB" dirty="0"/>
-              <a:t>a</a:t>
-            </a:r>
-            <a:r>
-              <a:rPr lang="en-150" dirty="0"/>
-              <a:t>c</a:t>
-            </a:r>
-            <a:r>
-              <a:rPr lang="en-GB" dirty="0"/>
-              <a:t>c</a:t>
-            </a:r>
-            <a:r>
-              <a:rPr lang="en-150" dirty="0"/>
-              <a:t>u</a:t>
-            </a:r>
-            <a:r>
-              <a:rPr lang="en-GB" dirty="0"/>
-              <a:t>r</a:t>
-            </a:r>
-            <a:r>
-              <a:rPr lang="en-150" dirty="0"/>
-              <a:t>a</a:t>
-            </a:r>
-            <a:r>
-              <a:rPr lang="en-GB" dirty="0"/>
-              <a:t>t</a:t>
-            </a:r>
-            <a:r>
-              <a:rPr lang="en-150" dirty="0"/>
-              <a:t>e </a:t>
-            </a:r>
-            <a:r>
-              <a:rPr lang="en-GB" dirty="0"/>
-              <a:t>s</a:t>
-            </a:r>
-            <a:r>
-              <a:rPr lang="en-150" dirty="0"/>
-              <a:t>c</a:t>
-            </a:r>
-            <a:r>
-              <a:rPr lang="en-GB" dirty="0"/>
-              <a:t>h</a:t>
-            </a:r>
-            <a:r>
-              <a:rPr lang="en-150" dirty="0"/>
-              <a:t>e</a:t>
-            </a:r>
-            <a:r>
-              <a:rPr lang="en-GB" dirty="0"/>
-              <a:t>d</a:t>
-            </a:r>
-            <a:r>
-              <a:rPr lang="en-150" dirty="0"/>
-              <a:t>u</a:t>
-            </a:r>
-            <a:r>
-              <a:rPr lang="en-GB" dirty="0"/>
-              <a:t>l</a:t>
-            </a:r>
-            <a:r>
-              <a:rPr lang="en-150" dirty="0"/>
-              <a:t>ability analysis for limited-preemptive moldable gang tasks</a:t>
+              <a:rPr lang="en-GB" noProof="0" dirty="0"/>
+              <a:t>schedulability analysis for limited-preemptive moldable gang tasks</a:t>
             </a:r>
           </a:p>
           <a:p>
             <a:r>
-              <a:rPr lang="en-150" dirty="0"/>
-              <a:t>Propose a new scheduling algorithm to improve the </a:t>
-            </a:r>
-            <a:r>
-              <a:rPr lang="en-GB" dirty="0"/>
-              <a:t>s</a:t>
-            </a:r>
-            <a:r>
-              <a:rPr lang="en-150" dirty="0"/>
-              <a:t>c</a:t>
-            </a:r>
-            <a:r>
-              <a:rPr lang="en-GB" dirty="0"/>
-              <a:t>h</a:t>
-            </a:r>
-            <a:r>
-              <a:rPr lang="en-150" dirty="0"/>
-              <a:t>e</a:t>
-            </a:r>
-            <a:r>
-              <a:rPr lang="en-GB" dirty="0"/>
-              <a:t>d</a:t>
-            </a:r>
-            <a:r>
-              <a:rPr lang="en-150" dirty="0"/>
-              <a:t>u</a:t>
-            </a:r>
-            <a:r>
-              <a:rPr lang="en-GB" dirty="0"/>
-              <a:t>l</a:t>
-            </a:r>
-            <a:r>
-              <a:rPr lang="en-150" dirty="0"/>
-              <a:t>ability of limited-preemptive m</a:t>
-            </a:r>
-            <a:r>
-              <a:rPr lang="en-GB" dirty="0"/>
-              <a:t>o</a:t>
-            </a:r>
-            <a:r>
-              <a:rPr lang="en-150" dirty="0"/>
-              <a:t>l</a:t>
-            </a:r>
-            <a:r>
-              <a:rPr lang="en-GB" dirty="0"/>
-              <a:t>d</a:t>
-            </a:r>
-            <a:r>
-              <a:rPr lang="en-150" dirty="0"/>
-              <a:t>a</a:t>
-            </a:r>
-            <a:r>
-              <a:rPr lang="en-GB" dirty="0"/>
-              <a:t>b</a:t>
-            </a:r>
-            <a:r>
-              <a:rPr lang="en-150" dirty="0"/>
-              <a:t>l</a:t>
-            </a:r>
-            <a:r>
-              <a:rPr lang="en-GB" dirty="0"/>
-              <a:t>e</a:t>
-            </a:r>
-            <a:r>
-              <a:rPr lang="en-150" dirty="0"/>
-              <a:t> </a:t>
-            </a:r>
-            <a:r>
-              <a:rPr lang="en-GB" dirty="0"/>
-              <a:t>g</a:t>
-            </a:r>
-            <a:r>
-              <a:rPr lang="en-150" dirty="0"/>
-              <a:t>a</a:t>
-            </a:r>
-            <a:r>
-              <a:rPr lang="en-GB" dirty="0"/>
-              <a:t>n</a:t>
-            </a:r>
-            <a:r>
-              <a:rPr lang="en-150" dirty="0"/>
-              <a:t>g </a:t>
-            </a:r>
-            <a:r>
-              <a:rPr lang="en-GB" dirty="0"/>
-              <a:t>t</a:t>
-            </a:r>
-            <a:r>
-              <a:rPr lang="en-150" dirty="0"/>
-              <a:t>a</a:t>
-            </a:r>
-            <a:r>
-              <a:rPr lang="en-GB" dirty="0"/>
-              <a:t>s</a:t>
-            </a:r>
-            <a:r>
-              <a:rPr lang="en-150" dirty="0"/>
-              <a:t>k</a:t>
-            </a:r>
-            <a:r>
-              <a:rPr lang="en-GB" dirty="0"/>
-              <a:t>s</a:t>
+              <a:rPr lang="en-GB" noProof="0" dirty="0"/>
+              <a:t>Propose a new scheduling algorithm to improve the schedulability of limited-preemptive moldable gang tasks</a:t>
             </a:r>
           </a:p>
         </p:txBody>
@@ -12035,10 +11638,9 @@
           <a:lstStyle/>
           <a:p>
             <a:r>
-              <a:rPr lang="en-150" dirty="0"/>
+              <a:rPr lang="en-GB" noProof="0" dirty="0"/>
               <a:t>Schedule Abstraction Graph</a:t>
             </a:r>
-            <a:endParaRPr lang="en-GB" dirty="0"/>
           </a:p>
         </p:txBody>
       </p:sp>
@@ -12064,169 +11666,33 @@
           <a:lstStyle/>
           <a:p>
             <a:r>
-              <a:rPr lang="en-150" dirty="0"/>
-              <a:t>A</a:t>
-            </a:r>
-            <a:r>
-              <a:rPr lang="en-GB" dirty="0"/>
-              <a:t>c</a:t>
-            </a:r>
-            <a:r>
-              <a:rPr lang="en-150" dirty="0"/>
-              <a:t>c</a:t>
-            </a:r>
-            <a:r>
-              <a:rPr lang="en-GB" dirty="0"/>
-              <a:t>u</a:t>
-            </a:r>
-            <a:r>
-              <a:rPr lang="en-150" dirty="0"/>
-              <a:t>r</a:t>
-            </a:r>
-            <a:r>
-              <a:rPr lang="en-GB" dirty="0"/>
-              <a:t>a</a:t>
-            </a:r>
-            <a:r>
-              <a:rPr lang="en-150" dirty="0"/>
-              <a:t>t</a:t>
-            </a:r>
-            <a:r>
-              <a:rPr lang="en-GB" dirty="0"/>
-              <a:t>e</a:t>
-            </a:r>
-            <a:r>
-              <a:rPr lang="en-150" dirty="0"/>
-              <a:t> </a:t>
-            </a:r>
-            <a:r>
-              <a:rPr lang="en-GB" dirty="0"/>
-              <a:t>a</a:t>
-            </a:r>
-            <a:r>
-              <a:rPr lang="en-150" dirty="0"/>
-              <a:t>n</a:t>
-            </a:r>
-            <a:r>
-              <a:rPr lang="en-GB" dirty="0"/>
-              <a:t>d</a:t>
-            </a:r>
-            <a:r>
-              <a:rPr lang="en-150" dirty="0"/>
-              <a:t> </a:t>
-            </a:r>
-            <a:r>
-              <a:rPr lang="en-GB" dirty="0"/>
-              <a:t>r</a:t>
-            </a:r>
-            <a:r>
-              <a:rPr lang="en-150" dirty="0"/>
-              <a:t>e</a:t>
-            </a:r>
-            <a:r>
-              <a:rPr lang="en-GB" dirty="0"/>
-              <a:t>l</a:t>
-            </a:r>
-            <a:r>
-              <a:rPr lang="en-150" dirty="0"/>
-              <a:t>a</a:t>
-            </a:r>
-            <a:r>
-              <a:rPr lang="en-GB" dirty="0"/>
-              <a:t>t</a:t>
-            </a:r>
-            <a:r>
-              <a:rPr lang="en-150" dirty="0"/>
-              <a:t>i</a:t>
-            </a:r>
-            <a:r>
-              <a:rPr lang="en-GB" dirty="0"/>
-              <a:t>v</a:t>
-            </a:r>
-            <a:r>
-              <a:rPr lang="en-150" dirty="0"/>
-              <a:t>e</a:t>
-            </a:r>
-            <a:r>
-              <a:rPr lang="en-GB" dirty="0"/>
-              <a:t>l</a:t>
-            </a:r>
-            <a:r>
-              <a:rPr lang="en-150" dirty="0"/>
-              <a:t>y </a:t>
-            </a:r>
-            <a:r>
-              <a:rPr lang="en-GB" dirty="0"/>
-              <a:t>f</a:t>
-            </a:r>
-            <a:r>
-              <a:rPr lang="en-150" dirty="0"/>
-              <a:t>a</a:t>
-            </a:r>
-            <a:r>
-              <a:rPr lang="en-GB" dirty="0"/>
-              <a:t>s</a:t>
-            </a:r>
-            <a:r>
-              <a:rPr lang="en-150" dirty="0"/>
-              <a:t>t </a:t>
-            </a:r>
-            <a:r>
-              <a:rPr lang="en-GB" dirty="0"/>
-              <a:t>a</a:t>
-            </a:r>
-            <a:r>
-              <a:rPr lang="en-150" dirty="0"/>
-              <a:t>n</a:t>
-            </a:r>
-            <a:r>
-              <a:rPr lang="en-GB" dirty="0"/>
-              <a:t>a</a:t>
-            </a:r>
-            <a:r>
-              <a:rPr lang="en-150" dirty="0"/>
-              <a:t>l</a:t>
-            </a:r>
-            <a:r>
-              <a:rPr lang="en-GB" dirty="0"/>
-              <a:t>y</a:t>
-            </a:r>
-            <a:r>
-              <a:rPr lang="en-150" dirty="0"/>
-              <a:t>s</a:t>
-            </a:r>
-            <a:r>
-              <a:rPr lang="en-GB" dirty="0"/>
-              <a:t>i</a:t>
-            </a:r>
-            <a:r>
-              <a:rPr lang="en-150" dirty="0"/>
-              <a:t>s</a:t>
+              <a:rPr lang="en-GB" noProof="0" dirty="0"/>
+              <a:t>Accurate and relatively fast analysis</a:t>
             </a:r>
           </a:p>
           <a:p>
             <a:pPr lvl="1"/>
             <a:r>
-              <a:rPr lang="en-150" dirty="0"/>
+              <a:rPr lang="en-GB" noProof="0" dirty="0"/>
               <a:t>Faster than an exact analysis</a:t>
             </a:r>
           </a:p>
           <a:p>
             <a:pPr lvl="1"/>
             <a:r>
-              <a:rPr lang="en-150" dirty="0"/>
+              <a:rPr lang="en-GB" noProof="0" dirty="0"/>
               <a:t>Not as pessimistic as closed-form analyses</a:t>
             </a:r>
           </a:p>
           <a:p>
             <a:r>
-              <a:rPr lang="en-150" dirty="0"/>
+              <a:rPr lang="en-GB" noProof="0" dirty="0"/>
               <a:t>Models scheduler decisions</a:t>
             </a:r>
           </a:p>
           <a:p>
             <a:r>
-              <a:rPr lang="en-150" dirty="0"/>
+              <a:rPr lang="en-GB" noProof="0" dirty="0"/>
               <a:t>Encodes core availability after every transition</a:t>
             </a:r>
           </a:p>
@@ -12297,6 +11763,135 @@
           </a:prstGeom>
         </p:spPr>
       </p:pic>
+      <mc:AlternateContent xmlns:mc="http://schemas.openxmlformats.org/markup-compatibility/2006">
+        <mc:Choice xmlns:a14="http://schemas.microsoft.com/office/drawing/2010/main" Requires="a14">
+          <p:sp>
+            <p:nvSpPr>
+              <p:cNvPr id="5" name="TextBox 4">
+                <a:extLst>
+                  <a:ext uri="{FF2B5EF4-FFF2-40B4-BE49-F238E27FC236}">
+                    <a16:creationId xmlns:a16="http://schemas.microsoft.com/office/drawing/2014/main" id="{539399D1-7F8F-44E2-9132-78762734574B}"/>
+                  </a:ext>
+                </a:extLst>
+              </p:cNvPr>
+              <p:cNvSpPr txBox="1"/>
+              <p:nvPr/>
+            </p:nvSpPr>
+            <p:spPr>
+              <a:xfrm>
+                <a:off x="703383" y="5673968"/>
+                <a:ext cx="3880339" cy="369332"/>
+              </a:xfrm>
+              <a:prstGeom prst="rect">
+                <a:avLst/>
+              </a:prstGeom>
+              <a:noFill/>
+            </p:spPr>
+            <p:txBody>
+              <a:bodyPr wrap="square" rtlCol="0">
+                <a:spAutoFit/>
+              </a:bodyPr>
+              <a:lstStyle/>
+              <a:p>
+                <a14:m>
+                  <m:oMath xmlns:m="http://schemas.openxmlformats.org/officeDocument/2006/math">
+                    <m:r>
+                      <a:rPr lang="en-150" b="0" i="1" smtClean="0">
+                        <a:latin typeface="Cambria Math" panose="02040503050406030204" pitchFamily="18" charset="0"/>
+                      </a:rPr>
+                      <m:t>𝑝</m:t>
+                    </m:r>
+                    <m:r>
+                      <a:rPr lang="en-150" b="0" i="1" smtClean="0">
+                        <a:latin typeface="Cambria Math" panose="02040503050406030204" pitchFamily="18" charset="0"/>
+                      </a:rPr>
+                      <m:t>= </m:t>
+                    </m:r>
+                  </m:oMath>
+                </a14:m>
+                <a:r>
+                  <a:rPr lang="en-150" dirty="0"/>
+                  <a:t>Number of cores for job </a:t>
+                </a:r>
+                <a14:m>
+                  <m:oMath xmlns:m="http://schemas.openxmlformats.org/officeDocument/2006/math">
+                    <m:sSub>
+                      <m:sSubPr>
+                        <m:ctrlPr>
+                          <a:rPr lang="en-150" b="0" i="1" smtClean="0">
+                            <a:latin typeface="Cambria Math" panose="02040503050406030204" pitchFamily="18" charset="0"/>
+                          </a:rPr>
+                        </m:ctrlPr>
+                      </m:sSubPr>
+                      <m:e>
+                        <m:r>
+                          <a:rPr lang="en-150" b="0" i="1" smtClean="0">
+                            <a:latin typeface="Cambria Math" panose="02040503050406030204" pitchFamily="18" charset="0"/>
+                          </a:rPr>
+                          <m:t>𝐽</m:t>
+                        </m:r>
+                      </m:e>
+                      <m:sub>
+                        <m:r>
+                          <a:rPr lang="en-150" b="0" i="1" smtClean="0">
+                            <a:latin typeface="Cambria Math" panose="02040503050406030204" pitchFamily="18" charset="0"/>
+                          </a:rPr>
+                          <m:t>𝑖</m:t>
+                        </m:r>
+                      </m:sub>
+                    </m:sSub>
+                  </m:oMath>
+                </a14:m>
+                <a:endParaRPr lang="en-GB" dirty="0"/>
+              </a:p>
+            </p:txBody>
+          </p:sp>
+        </mc:Choice>
+        <mc:Fallback>
+          <p:sp>
+            <p:nvSpPr>
+              <p:cNvPr id="5" name="TextBox 4">
+                <a:extLst>
+                  <a:ext uri="{FF2B5EF4-FFF2-40B4-BE49-F238E27FC236}">
+                    <a16:creationId xmlns:a16="http://schemas.microsoft.com/office/drawing/2014/main" id="{539399D1-7F8F-44E2-9132-78762734574B}"/>
+                  </a:ext>
+                </a:extLst>
+              </p:cNvPr>
+              <p:cNvSpPr txBox="1">
+                <a:spLocks noRot="1" noChangeAspect="1" noMove="1" noResize="1" noEditPoints="1" noAdjustHandles="1" noChangeArrowheads="1" noChangeShapeType="1" noTextEdit="1"/>
+              </p:cNvSpPr>
+              <p:nvPr/>
+            </p:nvSpPr>
+            <p:spPr>
+              <a:xfrm>
+                <a:off x="703383" y="5673968"/>
+                <a:ext cx="3880339" cy="369332"/>
+              </a:xfrm>
+              <a:prstGeom prst="rect">
+                <a:avLst/>
+              </a:prstGeom>
+              <a:blipFill>
+                <a:blip r:embed="rId4"/>
+                <a:stretch>
+                  <a:fillRect t="-10000" b="-26667"/>
+                </a:stretch>
+              </a:blipFill>
+            </p:spPr>
+            <p:txBody>
+              <a:bodyPr/>
+              <a:lstStyle/>
+              <a:p>
+                <a:r>
+                  <a:rPr lang="en-GB">
+                    <a:noFill/>
+                  </a:rPr>
+                  <a:t> </a:t>
+                </a:r>
+              </a:p>
+            </p:txBody>
+          </p:sp>
+        </mc:Fallback>
+      </mc:AlternateContent>
     </p:spTree>
     <p:extLst>
       <p:ext uri="{BB962C8B-B14F-4D97-AF65-F5344CB8AC3E}">
@@ -12591,175 +12186,14 @@
           <a:lstStyle/>
           <a:p>
             <a:r>
-              <a:rPr lang="en-150" dirty="0"/>
-              <a:t>J</a:t>
-            </a:r>
-            <a:r>
-              <a:rPr lang="en-GB" dirty="0"/>
-              <a:t>o</a:t>
-            </a:r>
-            <a:r>
-              <a:rPr lang="en-150" dirty="0"/>
-              <a:t>b-</a:t>
-            </a:r>
-            <a:r>
-              <a:rPr lang="en-GB" dirty="0"/>
-              <a:t>L</a:t>
-            </a:r>
-            <a:r>
-              <a:rPr lang="en-150" dirty="0"/>
-              <a:t>e</a:t>
-            </a:r>
-            <a:r>
-              <a:rPr lang="en-GB" dirty="0"/>
-              <a:t>v</a:t>
-            </a:r>
-            <a:r>
-              <a:rPr lang="en-150" dirty="0"/>
-              <a:t>e</a:t>
-            </a:r>
-            <a:r>
-              <a:rPr lang="en-GB" dirty="0"/>
-              <a:t>l</a:t>
-            </a:r>
-            <a:r>
-              <a:rPr lang="en-150" dirty="0"/>
-              <a:t> </a:t>
-            </a:r>
-            <a:r>
-              <a:rPr lang="en-GB" dirty="0"/>
-              <a:t>F</a:t>
-            </a:r>
-            <a:r>
-              <a:rPr lang="en-150" dirty="0"/>
-              <a:t>i</a:t>
-            </a:r>
-            <a:r>
-              <a:rPr lang="en-GB" dirty="0"/>
-              <a:t>x</a:t>
-            </a:r>
-            <a:r>
-              <a:rPr lang="en-150" dirty="0"/>
-              <a:t>e</a:t>
-            </a:r>
-            <a:r>
-              <a:rPr lang="en-GB" dirty="0"/>
-              <a:t>d</a:t>
-            </a:r>
-            <a:r>
-              <a:rPr lang="en-150" dirty="0"/>
-              <a:t> </a:t>
-            </a:r>
-            <a:r>
-              <a:rPr lang="en-GB" dirty="0"/>
-              <a:t>P</a:t>
-            </a:r>
-            <a:r>
-              <a:rPr lang="en-150" dirty="0"/>
-              <a:t>r</a:t>
-            </a:r>
-            <a:r>
-              <a:rPr lang="en-GB" dirty="0"/>
-              <a:t>i</a:t>
-            </a:r>
-            <a:r>
-              <a:rPr lang="en-150" dirty="0"/>
-              <a:t>o</a:t>
-            </a:r>
-            <a:r>
-              <a:rPr lang="en-GB" dirty="0"/>
-              <a:t>r</a:t>
-            </a:r>
-            <a:r>
-              <a:rPr lang="en-150" dirty="0"/>
-              <a:t>i</a:t>
-            </a:r>
-            <a:r>
-              <a:rPr lang="en-GB" dirty="0"/>
-              <a:t>t</a:t>
-            </a:r>
-            <a:r>
-              <a:rPr lang="en-150" dirty="0"/>
-              <a:t>y </a:t>
-            </a:r>
-            <a:r>
-              <a:rPr lang="en-GB" dirty="0"/>
-              <a:t>S</a:t>
-            </a:r>
-            <a:r>
-              <a:rPr lang="en-150" dirty="0"/>
-              <a:t>c</a:t>
-            </a:r>
-            <a:r>
-              <a:rPr lang="en-GB" dirty="0"/>
-              <a:t>h</a:t>
-            </a:r>
-            <a:r>
-              <a:rPr lang="en-150" dirty="0"/>
-              <a:t>e</a:t>
-            </a:r>
-            <a:r>
-              <a:rPr lang="en-GB" dirty="0"/>
-              <a:t>d</a:t>
-            </a:r>
-            <a:r>
-              <a:rPr lang="en-150" dirty="0"/>
-              <a:t>u</a:t>
-            </a:r>
-            <a:r>
-              <a:rPr lang="en-GB" dirty="0"/>
-              <a:t>l</a:t>
-            </a:r>
-            <a:r>
-              <a:rPr lang="en-150" dirty="0"/>
-              <a:t>e</a:t>
-            </a:r>
-            <a:r>
-              <a:rPr lang="en-GB" dirty="0"/>
-              <a:t>r</a:t>
-            </a:r>
-            <a:r>
-              <a:rPr lang="en-150" dirty="0"/>
-              <a:t> </a:t>
-            </a:r>
-            <a:r>
-              <a:rPr lang="en-GB" dirty="0"/>
-              <a:t>f</a:t>
-            </a:r>
-            <a:r>
-              <a:rPr lang="en-150" dirty="0"/>
-              <a:t>o</a:t>
-            </a:r>
-            <a:r>
-              <a:rPr lang="en-GB" dirty="0"/>
-              <a:t>r</a:t>
-            </a:r>
-            <a:r>
-              <a:rPr lang="en-150" dirty="0"/>
-              <a:t> </a:t>
-            </a:r>
-            <a:r>
-              <a:rPr lang="en-GB" dirty="0"/>
-              <a:t>G</a:t>
-            </a:r>
-            <a:r>
-              <a:rPr lang="en-150" dirty="0"/>
-              <a:t>a</a:t>
-            </a:r>
-            <a:r>
-              <a:rPr lang="en-GB" dirty="0"/>
-              <a:t>n</a:t>
-            </a:r>
-            <a:r>
-              <a:rPr lang="en-150" dirty="0"/>
-              <a:t>g</a:t>
-            </a:r>
-            <a:endParaRPr lang="en-GB" dirty="0"/>
+              <a:rPr lang="en-GB" noProof="0" dirty="0"/>
+              <a:t>Job-Level Fixed Priority Scheduler for Gang</a:t>
+            </a:r>
           </a:p>
         </p:txBody>
       </p:sp>
-      <mc:AlternateContent xmlns:mc="http://schemas.openxmlformats.org/markup-compatibility/2006" xmlns:a14="http://schemas.microsoft.com/office/drawing/2010/main">
-        <mc:Choice Requires="a14">
+      <mc:AlternateContent xmlns:mc="http://schemas.openxmlformats.org/markup-compatibility/2006">
+        <mc:Choice xmlns:a14="http://schemas.microsoft.com/office/drawing/2010/main" Requires="a14">
           <p:sp>
             <p:nvSpPr>
               <p:cNvPr id="3" name="Content Placeholder 2">
@@ -12782,261 +12216,42 @@
               <a:lstStyle/>
               <a:p>
                 <a:r>
-                  <a:rPr lang="en-150" dirty="0"/>
-                  <a:t>B</a:t>
+                  <a:rPr lang="en-GB" noProof="0" dirty="0"/>
+                  <a:t>Based on Global JLFP scheduler</a:t>
                 </a:r>
-                <a:r>
-                  <a:rPr lang="en-GB" dirty="0"/>
-                  <a:t>a</a:t>
-                </a:r>
-                <a:r>
-                  <a:rPr lang="en-150" dirty="0"/>
-                  <a:t>s</a:t>
-                </a:r>
-                <a:r>
-                  <a:rPr lang="en-GB" dirty="0"/>
-                  <a:t>e</a:t>
-                </a:r>
-                <a:r>
-                  <a:rPr lang="en-150" dirty="0"/>
-                  <a:t>d on G</a:t>
-                </a:r>
-                <a:r>
-                  <a:rPr lang="en-GB" dirty="0"/>
-                  <a:t>l</a:t>
-                </a:r>
-                <a:r>
-                  <a:rPr lang="en-150" dirty="0"/>
-                  <a:t>o</a:t>
-                </a:r>
-                <a:r>
-                  <a:rPr lang="en-GB" dirty="0"/>
-                  <a:t>b</a:t>
-                </a:r>
-                <a:r>
-                  <a:rPr lang="en-150" dirty="0"/>
-                  <a:t>a</a:t>
-                </a:r>
-                <a:r>
-                  <a:rPr lang="en-GB" dirty="0"/>
-                  <a:t>l</a:t>
-                </a:r>
-                <a:r>
-                  <a:rPr lang="en-150" dirty="0"/>
-                  <a:t> </a:t>
-                </a:r>
-                <a:r>
-                  <a:rPr lang="en-GB" dirty="0"/>
-                  <a:t>J</a:t>
-                </a:r>
-                <a:r>
-                  <a:rPr lang="en-150" dirty="0"/>
-                  <a:t>L</a:t>
-                </a:r>
-                <a:r>
-                  <a:rPr lang="en-GB" dirty="0"/>
-                  <a:t>F</a:t>
-                </a:r>
-                <a:r>
-                  <a:rPr lang="en-150" dirty="0"/>
-                  <a:t>P </a:t>
-                </a:r>
-                <a:r>
-                  <a:rPr lang="en-GB" dirty="0"/>
-                  <a:t>s</a:t>
-                </a:r>
-                <a:r>
-                  <a:rPr lang="en-150" dirty="0"/>
-                  <a:t>c</a:t>
-                </a:r>
-                <a:r>
-                  <a:rPr lang="en-GB" dirty="0"/>
-                  <a:t>h</a:t>
-                </a:r>
-                <a:r>
-                  <a:rPr lang="en-150" dirty="0"/>
-                  <a:t>e</a:t>
-                </a:r>
-                <a:r>
-                  <a:rPr lang="en-GB" dirty="0"/>
-                  <a:t>d</a:t>
-                </a:r>
-                <a:r>
-                  <a:rPr lang="en-150" dirty="0"/>
-                  <a:t>u</a:t>
-                </a:r>
-                <a:r>
-                  <a:rPr lang="en-GB" dirty="0"/>
-                  <a:t>l</a:t>
-                </a:r>
-                <a:r>
-                  <a:rPr lang="en-150" dirty="0"/>
-                  <a:t>e</a:t>
-                </a:r>
-                <a:r>
-                  <a:rPr lang="en-GB" dirty="0"/>
-                  <a:t>r</a:t>
-                </a:r>
-                <a:endParaRPr lang="en-150" dirty="0"/>
               </a:p>
               <a:p>
+                <a:pPr lvl="1"/>
                 <a:r>
-                  <a:rPr lang="en-150" dirty="0"/>
+                  <a:rPr lang="en-GB" noProof="0" dirty="0"/>
                   <a:t>Work conserving scheduler</a:t>
                 </a:r>
               </a:p>
               <a:p>
+                <a:pPr lvl="1"/>
                 <a:r>
-                  <a:rPr lang="en-150" dirty="0"/>
+                  <a:rPr lang="en-GB" noProof="0" dirty="0"/>
                   <a:t>Job with highest priority goes first</a:t>
                 </a:r>
               </a:p>
               <a:p>
                 <a:r>
-                  <a:rPr lang="en-150" dirty="0"/>
-                  <a:t>Assigns </a:t>
-                </a:r>
-                <a:r>
-                  <a:rPr lang="en-GB" dirty="0"/>
-                  <a:t>m</a:t>
-                </a:r>
-                <a:r>
-                  <a:rPr lang="en-150" dirty="0"/>
-                  <a:t>a</a:t>
-                </a:r>
-                <a:r>
-                  <a:rPr lang="en-GB" dirty="0"/>
-                  <a:t>x</a:t>
-                </a:r>
-                <a:r>
-                  <a:rPr lang="en-150" dirty="0"/>
-                  <a:t>i</a:t>
-                </a:r>
-                <a:r>
-                  <a:rPr lang="en-GB" dirty="0"/>
-                  <a:t>m</a:t>
-                </a:r>
-                <a:r>
-                  <a:rPr lang="en-150" dirty="0"/>
-                  <a:t>u</a:t>
-                </a:r>
-                <a:r>
-                  <a:rPr lang="en-GB" dirty="0"/>
-                  <a:t>m</a:t>
-                </a:r>
-                <a:r>
-                  <a:rPr lang="en-150" dirty="0"/>
-                  <a:t> </a:t>
-                </a:r>
-                <a:r>
-                  <a:rPr lang="en-GB" dirty="0"/>
-                  <a:t>c</a:t>
-                </a:r>
-                <a:r>
-                  <a:rPr lang="en-150" dirty="0"/>
-                  <a:t>o</a:t>
-                </a:r>
-                <a:r>
-                  <a:rPr lang="en-GB" dirty="0"/>
-                  <a:t>r</a:t>
-                </a:r>
-                <a:r>
-                  <a:rPr lang="en-150" dirty="0"/>
-                  <a:t>e</a:t>
-                </a:r>
-                <a:r>
-                  <a:rPr lang="en-GB" dirty="0"/>
-                  <a:t>s</a:t>
-                </a:r>
-                <a:r>
-                  <a:rPr lang="en-150" dirty="0"/>
-                  <a:t> </a:t>
-                </a:r>
-                <a:r>
-                  <a:rPr lang="en-GB" dirty="0"/>
-                  <a:t>a</a:t>
-                </a:r>
-                <a:r>
-                  <a:rPr lang="en-150" dirty="0"/>
-                  <a:t>v</a:t>
-                </a:r>
-                <a:r>
-                  <a:rPr lang="en-GB" dirty="0"/>
-                  <a:t>a</a:t>
-                </a:r>
-                <a:r>
-                  <a:rPr lang="en-150" dirty="0"/>
-                  <a:t>i</a:t>
-                </a:r>
-                <a:r>
-                  <a:rPr lang="en-GB" dirty="0"/>
-                  <a:t>l</a:t>
-                </a:r>
-                <a:r>
-                  <a:rPr lang="en-150" dirty="0"/>
-                  <a:t>a</a:t>
-                </a:r>
-                <a:r>
-                  <a:rPr lang="en-GB" dirty="0"/>
-                  <a:t>b</a:t>
-                </a:r>
-                <a:r>
-                  <a:rPr lang="en-150" dirty="0"/>
-                  <a:t>l</a:t>
-                </a:r>
-                <a:r>
-                  <a:rPr lang="en-GB" dirty="0"/>
-                  <a:t>e</a:t>
-                </a:r>
-                <a:r>
-                  <a:rPr lang="en-150" dirty="0"/>
-                  <a:t> </a:t>
-                </a:r>
-                <a:r>
-                  <a:rPr lang="en-GB" dirty="0"/>
-                  <a:t>b</a:t>
-                </a:r>
-                <a:r>
-                  <a:rPr lang="en-150" dirty="0"/>
-                  <a:t>e</a:t>
-                </a:r>
-                <a:r>
-                  <a:rPr lang="en-GB" dirty="0"/>
-                  <a:t>t</a:t>
-                </a:r>
-                <a:r>
-                  <a:rPr lang="en-150" dirty="0"/>
-                  <a:t>w</a:t>
-                </a:r>
-                <a:r>
-                  <a:rPr lang="en-GB" dirty="0"/>
-                  <a:t>e</a:t>
-                </a:r>
-                <a:r>
-                  <a:rPr lang="en-150" dirty="0"/>
-                  <a:t>e</a:t>
-                </a:r>
-                <a:r>
-                  <a:rPr lang="en-GB" dirty="0"/>
-                  <a:t>n</a:t>
-                </a:r>
-                <a:r>
-                  <a:rPr lang="en-150" dirty="0"/>
-                  <a:t> </a:t>
+                  <a:rPr lang="en-GB" noProof="0" dirty="0"/>
+                  <a:t>Assigns maximum cores available between </a:t>
                 </a:r>
                 <a14:m>
                   <m:oMath xmlns:m="http://schemas.openxmlformats.org/officeDocument/2006/math">
                     <m:sSubSup>
                       <m:sSubSupPr>
                         <m:ctrlPr>
-                          <a:rPr lang="en-150" b="0" i="1" smtClean="0">
+                          <a:rPr lang="en-GB" b="0" i="1" noProof="0" smtClean="0">
                             <a:latin typeface="Cambria Math" panose="02040503050406030204" pitchFamily="18" charset="0"/>
                           </a:rPr>
                         </m:ctrlPr>
                       </m:sSubSupPr>
                       <m:e>
                         <m:r>
-                          <a:rPr lang="en-150" b="0" i="1" smtClean="0">
+                          <a:rPr lang="en-GB" b="0" i="1" noProof="0" smtClean="0">
                             <a:latin typeface="Cambria Math" panose="02040503050406030204" pitchFamily="18" charset="0"/>
                           </a:rPr>
                           <m:t>𝑠</m:t>
@@ -13044,7 +12259,7 @@
                       </m:e>
                       <m:sub>
                         <m:r>
-                          <a:rPr lang="en-150" b="0" i="1" smtClean="0">
+                          <a:rPr lang="en-GB" b="0" i="1" noProof="0" smtClean="0">
                             <a:latin typeface="Cambria Math" panose="02040503050406030204" pitchFamily="18" charset="0"/>
                           </a:rPr>
                           <m:t>𝑖</m:t>
@@ -13054,7 +12269,7 @@
                         <m:func>
                           <m:funcPr>
                             <m:ctrlPr>
-                              <a:rPr lang="en-150" b="0" i="1" smtClean="0">
+                              <a:rPr lang="en-GB" b="0" i="1" noProof="0" smtClean="0">
                                 <a:latin typeface="Cambria Math" panose="02040503050406030204" pitchFamily="18" charset="0"/>
                               </a:rPr>
                             </m:ctrlPr>
@@ -13064,7 +12279,7 @@
                               <m:rPr>
                                 <m:sty m:val="p"/>
                               </m:rPr>
-                              <a:rPr lang="en-150" b="0" i="0" smtClean="0">
+                              <a:rPr lang="en-GB" b="0" i="0" noProof="0" smtClean="0">
                                 <a:latin typeface="Cambria Math" panose="02040503050406030204" pitchFamily="18" charset="0"/>
                               </a:rPr>
                               <m:t>min</m:t>
@@ -13072,7 +12287,7 @@
                           </m:fName>
                           <m:e>
                             <m:r>
-                              <a:rPr lang="en-150" b="0" i="1" smtClean="0">
+                              <a:rPr lang="en-GB" b="0" i="1" noProof="0" smtClean="0">
                                 <a:latin typeface="Cambria Math" panose="02040503050406030204" pitchFamily="18" charset="0"/>
                               </a:rPr>
                               <m:t> </m:t>
@@ -13084,7 +12299,7 @@
                   </m:oMath>
                 </a14:m>
                 <a:r>
-                  <a:rPr lang="en-150" dirty="0"/>
+                  <a:rPr lang="en-GB" noProof="0" dirty="0"/>
                   <a:t> and </a:t>
                 </a:r>
                 <a14:m>
@@ -13092,14 +12307,14 @@
                     <m:sSubSup>
                       <m:sSubSupPr>
                         <m:ctrlPr>
-                          <a:rPr lang="en-150" b="0" i="1" smtClean="0">
+                          <a:rPr lang="en-GB" b="0" i="1" noProof="0" smtClean="0">
                             <a:latin typeface="Cambria Math" panose="02040503050406030204" pitchFamily="18" charset="0"/>
                           </a:rPr>
                         </m:ctrlPr>
                       </m:sSubSupPr>
                       <m:e>
                         <m:r>
-                          <a:rPr lang="en-150" b="0" i="1" smtClean="0">
+                          <a:rPr lang="en-GB" b="0" i="1" noProof="0" smtClean="0">
                             <a:latin typeface="Cambria Math" panose="02040503050406030204" pitchFamily="18" charset="0"/>
                           </a:rPr>
                           <m:t>𝑠</m:t>
@@ -13107,7 +12322,7 @@
                       </m:e>
                       <m:sub>
                         <m:r>
-                          <a:rPr lang="en-150" b="0" i="1" smtClean="0">
+                          <a:rPr lang="en-GB" b="0" i="1" noProof="0" smtClean="0">
                             <a:latin typeface="Cambria Math" panose="02040503050406030204" pitchFamily="18" charset="0"/>
                           </a:rPr>
                           <m:t>𝑖</m:t>
@@ -13117,7 +12332,7 @@
                         <m:func>
                           <m:funcPr>
                             <m:ctrlPr>
-                              <a:rPr lang="en-150" b="0" i="1" smtClean="0">
+                              <a:rPr lang="en-GB" b="0" i="1" noProof="0" smtClean="0">
                                 <a:latin typeface="Cambria Math" panose="02040503050406030204" pitchFamily="18" charset="0"/>
                               </a:rPr>
                             </m:ctrlPr>
@@ -13127,7 +12342,7 @@
                               <m:rPr>
                                 <m:sty m:val="p"/>
                               </m:rPr>
-                              <a:rPr lang="en-150" b="0" i="0" smtClean="0">
+                              <a:rPr lang="en-GB" b="0" i="0" noProof="0" smtClean="0">
                                 <a:latin typeface="Cambria Math" panose="02040503050406030204" pitchFamily="18" charset="0"/>
                               </a:rPr>
                               <m:t>max</m:t>
@@ -13135,7 +12350,7 @@
                           </m:fName>
                           <m:e>
                             <m:r>
-                              <a:rPr lang="en-150" b="0" i="1" smtClean="0">
+                              <a:rPr lang="en-GB" b="0" i="1" noProof="0" smtClean="0">
                                 <a:latin typeface="Cambria Math" panose="02040503050406030204" pitchFamily="18" charset="0"/>
                               </a:rPr>
                               <m:t> </m:t>
@@ -13146,12 +12361,12 @@
                     </m:sSubSup>
                   </m:oMath>
                 </a14:m>
-                <a:endParaRPr lang="en-GB" dirty="0"/>
+                <a:endParaRPr lang="en-GB" noProof="0" dirty="0"/>
               </a:p>
             </p:txBody>
           </p:sp>
         </mc:Choice>
-        <mc:Fallback xmlns="">
+        <mc:Fallback>
           <p:sp>
             <p:nvSpPr>
               <p:cNvPr id="3" name="Content Placeholder 2">
@@ -13230,6 +12445,199 @@
   <p:clrMapOvr>
     <a:masterClrMapping/>
   </p:clrMapOvr>
+  <p:timing>
+    <p:tnLst>
+      <p:par>
+        <p:cTn id="1" dur="indefinite" restart="never" nodeType="tmRoot">
+          <p:childTnLst>
+            <p:seq concurrent="1" nextAc="seek">
+              <p:cTn id="2" dur="indefinite" nodeType="mainSeq">
+                <p:childTnLst>
+                  <p:par>
+                    <p:cTn id="3" fill="hold">
+                      <p:stCondLst>
+                        <p:cond delay="indefinite"/>
+                      </p:stCondLst>
+                      <p:childTnLst>
+                        <p:par>
+                          <p:cTn id="4" fill="hold">
+                            <p:stCondLst>
+                              <p:cond delay="0"/>
+                            </p:stCondLst>
+                            <p:childTnLst>
+                              <p:par>
+                                <p:cTn id="5" presetID="1" presetClass="entr" presetSubtype="0" fill="hold" grpId="0" nodeType="clickEffect">
+                                  <p:stCondLst>
+                                    <p:cond delay="0"/>
+                                  </p:stCondLst>
+                                  <p:childTnLst>
+                                    <p:set>
+                                      <p:cBhvr>
+                                        <p:cTn id="6" dur="1" fill="hold">
+                                          <p:stCondLst>
+                                            <p:cond delay="0"/>
+                                          </p:stCondLst>
+                                        </p:cTn>
+                                        <p:tgtEl>
+                                          <p:spTgt spid="3">
+                                            <p:txEl>
+                                              <p:pRg st="0" end="0"/>
+                                            </p:txEl>
+                                          </p:spTgt>
+                                        </p:tgtEl>
+                                        <p:attrNameLst>
+                                          <p:attrName>style.visibility</p:attrName>
+                                        </p:attrNameLst>
+                                      </p:cBhvr>
+                                      <p:to>
+                                        <p:strVal val="visible"/>
+                                      </p:to>
+                                    </p:set>
+                                  </p:childTnLst>
+                                </p:cTn>
+                              </p:par>
+                              <p:par>
+                                <p:cTn id="7" presetID="1" presetClass="entr" presetSubtype="0" fill="hold" grpId="0" nodeType="withEffect">
+                                  <p:stCondLst>
+                                    <p:cond delay="0"/>
+                                  </p:stCondLst>
+                                  <p:childTnLst>
+                                    <p:set>
+                                      <p:cBhvr>
+                                        <p:cTn id="8" dur="1" fill="hold">
+                                          <p:stCondLst>
+                                            <p:cond delay="0"/>
+                                          </p:stCondLst>
+                                        </p:cTn>
+                                        <p:tgtEl>
+                                          <p:spTgt spid="3">
+                                            <p:txEl>
+                                              <p:pRg st="1" end="1"/>
+                                            </p:txEl>
+                                          </p:spTgt>
+                                        </p:tgtEl>
+                                        <p:attrNameLst>
+                                          <p:attrName>style.visibility</p:attrName>
+                                        </p:attrNameLst>
+                                      </p:cBhvr>
+                                      <p:to>
+                                        <p:strVal val="visible"/>
+                                      </p:to>
+                                    </p:set>
+                                  </p:childTnLst>
+                                </p:cTn>
+                              </p:par>
+                              <p:par>
+                                <p:cTn id="9" presetID="1" presetClass="entr" presetSubtype="0" fill="hold" grpId="0" nodeType="withEffect">
+                                  <p:stCondLst>
+                                    <p:cond delay="0"/>
+                                  </p:stCondLst>
+                                  <p:childTnLst>
+                                    <p:set>
+                                      <p:cBhvr>
+                                        <p:cTn id="10" dur="1" fill="hold">
+                                          <p:stCondLst>
+                                            <p:cond delay="0"/>
+                                          </p:stCondLst>
+                                        </p:cTn>
+                                        <p:tgtEl>
+                                          <p:spTgt spid="3">
+                                            <p:txEl>
+                                              <p:pRg st="2" end="2"/>
+                                            </p:txEl>
+                                          </p:spTgt>
+                                        </p:tgtEl>
+                                        <p:attrNameLst>
+                                          <p:attrName>style.visibility</p:attrName>
+                                        </p:attrNameLst>
+                                      </p:cBhvr>
+                                      <p:to>
+                                        <p:strVal val="visible"/>
+                                      </p:to>
+                                    </p:set>
+                                  </p:childTnLst>
+                                </p:cTn>
+                              </p:par>
+                            </p:childTnLst>
+                          </p:cTn>
+                        </p:par>
+                      </p:childTnLst>
+                    </p:cTn>
+                  </p:par>
+                  <p:par>
+                    <p:cTn id="11" fill="hold">
+                      <p:stCondLst>
+                        <p:cond delay="indefinite"/>
+                      </p:stCondLst>
+                      <p:childTnLst>
+                        <p:par>
+                          <p:cTn id="12" fill="hold">
+                            <p:stCondLst>
+                              <p:cond delay="0"/>
+                            </p:stCondLst>
+                            <p:childTnLst>
+                              <p:par>
+                                <p:cTn id="13" presetID="1" presetClass="entr" presetSubtype="0" fill="hold" grpId="0" nodeType="clickEffect">
+                                  <p:stCondLst>
+                                    <p:cond delay="0"/>
+                                  </p:stCondLst>
+                                  <p:childTnLst>
+                                    <p:set>
+                                      <p:cBhvr>
+                                        <p:cTn id="14" dur="1" fill="hold">
+                                          <p:stCondLst>
+                                            <p:cond delay="0"/>
+                                          </p:stCondLst>
+                                        </p:cTn>
+                                        <p:tgtEl>
+                                          <p:spTgt spid="3">
+                                            <p:txEl>
+                                              <p:pRg st="3" end="3"/>
+                                            </p:txEl>
+                                          </p:spTgt>
+                                        </p:tgtEl>
+                                        <p:attrNameLst>
+                                          <p:attrName>style.visibility</p:attrName>
+                                        </p:attrNameLst>
+                                      </p:cBhvr>
+                                      <p:to>
+                                        <p:strVal val="visible"/>
+                                      </p:to>
+                                    </p:set>
+                                  </p:childTnLst>
+                                </p:cTn>
+                              </p:par>
+                            </p:childTnLst>
+                          </p:cTn>
+                        </p:par>
+                      </p:childTnLst>
+                    </p:cTn>
+                  </p:par>
+                </p:childTnLst>
+              </p:cTn>
+              <p:prevCondLst>
+                <p:cond evt="onPrev" delay="0">
+                  <p:tgtEl>
+                    <p:sldTgt/>
+                  </p:tgtEl>
+                </p:cond>
+              </p:prevCondLst>
+              <p:nextCondLst>
+                <p:cond evt="onNext" delay="0">
+                  <p:tgtEl>
+                    <p:sldTgt/>
+                  </p:tgtEl>
+                </p:cond>
+              </p:nextCondLst>
+            </p:seq>
+          </p:childTnLst>
+        </p:cTn>
+      </p:par>
+    </p:tnLst>
+    <p:bldLst>
+      <p:bldP spid="3" grpId="0" uiExpand="1" build="p"/>
+    </p:bldLst>
+  </p:timing>
 </p:sld>
 </file>
 
@@ -13272,10 +12680,9 @@
           <a:lstStyle/>
           <a:p>
             <a:r>
-              <a:rPr lang="en-150" dirty="0"/>
+              <a:rPr lang="en-GB" noProof="0" dirty="0"/>
               <a:t>Difficulties related to SAG</a:t>
             </a:r>
-            <a:endParaRPr lang="en-GB" dirty="0"/>
           </a:p>
         </p:txBody>
       </p:sp>
@@ -13301,107 +12708,27 @@
           <a:lstStyle/>
           <a:p>
             <a:r>
-              <a:rPr lang="en-150" dirty="0"/>
-              <a:t>W</a:t>
-            </a:r>
-            <a:r>
-              <a:rPr lang="en-GB" dirty="0"/>
-              <a:t>e</a:t>
-            </a:r>
-            <a:r>
-              <a:rPr lang="en-150" dirty="0"/>
-              <a:t> </a:t>
-            </a:r>
-            <a:r>
-              <a:rPr lang="en-GB" dirty="0"/>
-              <a:t>h</a:t>
-            </a:r>
-            <a:r>
-              <a:rPr lang="en-150" dirty="0"/>
-              <a:t>a</a:t>
-            </a:r>
-            <a:r>
-              <a:rPr lang="en-GB" dirty="0"/>
-              <a:t>v</a:t>
-            </a:r>
-            <a:r>
-              <a:rPr lang="en-150" dirty="0"/>
-              <a:t>e </a:t>
-            </a:r>
-            <a:r>
-              <a:rPr lang="en-GB" dirty="0"/>
-              <a:t>t</a:t>
-            </a:r>
-            <a:r>
-              <a:rPr lang="en-150" dirty="0"/>
-              <a:t>o </a:t>
-            </a:r>
-            <a:r>
-              <a:rPr lang="en-GB" dirty="0"/>
-              <a:t>c</a:t>
-            </a:r>
-            <a:r>
-              <a:rPr lang="en-150" dirty="0"/>
-              <a:t>o</a:t>
-            </a:r>
-            <a:r>
-              <a:rPr lang="en-GB" dirty="0"/>
-              <a:t>n</a:t>
-            </a:r>
-            <a:r>
-              <a:rPr lang="en-150" dirty="0"/>
-              <a:t>s</a:t>
-            </a:r>
-            <a:r>
-              <a:rPr lang="en-GB" dirty="0"/>
-              <a:t>i</a:t>
-            </a:r>
-            <a:r>
-              <a:rPr lang="en-150" dirty="0"/>
-              <a:t>d</a:t>
-            </a:r>
-            <a:r>
-              <a:rPr lang="en-GB" dirty="0"/>
-              <a:t>e</a:t>
-            </a:r>
-            <a:r>
-              <a:rPr lang="en-150" dirty="0"/>
-              <a:t>r </a:t>
-            </a:r>
-            <a:r>
-              <a:rPr lang="en-GB" dirty="0"/>
-              <a:t>a</a:t>
-            </a:r>
-            <a:r>
-              <a:rPr lang="en-150" dirty="0"/>
-              <a:t>l</a:t>
-            </a:r>
-            <a:r>
-              <a:rPr lang="en-GB" dirty="0"/>
-              <a:t>l</a:t>
-            </a:r>
-            <a:r>
-              <a:rPr lang="en-150" dirty="0"/>
-              <a:t> scenarios. </a:t>
+              <a:rPr lang="en-GB" noProof="0" dirty="0"/>
+              <a:t>We have to consider all scenarios. </a:t>
             </a:r>
           </a:p>
           <a:p>
             <a:r>
-              <a:rPr lang="en-150" dirty="0"/>
+              <a:rPr lang="en-GB" noProof="0" dirty="0"/>
               <a:t>The scheduler has to decide:</a:t>
             </a:r>
           </a:p>
           <a:p>
             <a:pPr lvl="1"/>
             <a:r>
-              <a:rPr lang="en-150" dirty="0"/>
+              <a:rPr lang="en-GB" noProof="0" dirty="0"/>
               <a:t>When to release a job</a:t>
             </a:r>
           </a:p>
           <a:p>
             <a:pPr lvl="1"/>
             <a:r>
-              <a:rPr lang="en-150" dirty="0"/>
+              <a:rPr lang="en-GB" noProof="0" dirty="0"/>
               <a:t>How many cores to assign to this job</a:t>
             </a:r>
           </a:p>
@@ -13446,6 +12773,199 @@
   <p:clrMapOvr>
     <a:masterClrMapping/>
   </p:clrMapOvr>
+  <p:timing>
+    <p:tnLst>
+      <p:par>
+        <p:cTn id="1" dur="indefinite" restart="never" nodeType="tmRoot">
+          <p:childTnLst>
+            <p:seq concurrent="1" nextAc="seek">
+              <p:cTn id="2" dur="indefinite" nodeType="mainSeq">
+                <p:childTnLst>
+                  <p:par>
+                    <p:cTn id="3" fill="hold">
+                      <p:stCondLst>
+                        <p:cond delay="indefinite"/>
+                      </p:stCondLst>
+                      <p:childTnLst>
+                        <p:par>
+                          <p:cTn id="4" fill="hold">
+                            <p:stCondLst>
+                              <p:cond delay="0"/>
+                            </p:stCondLst>
+                            <p:childTnLst>
+                              <p:par>
+                                <p:cTn id="5" presetID="1" presetClass="entr" presetSubtype="0" fill="hold" grpId="0" nodeType="clickEffect">
+                                  <p:stCondLst>
+                                    <p:cond delay="0"/>
+                                  </p:stCondLst>
+                                  <p:childTnLst>
+                                    <p:set>
+                                      <p:cBhvr>
+                                        <p:cTn id="6" dur="1" fill="hold">
+                                          <p:stCondLst>
+                                            <p:cond delay="0"/>
+                                          </p:stCondLst>
+                                        </p:cTn>
+                                        <p:tgtEl>
+                                          <p:spTgt spid="3">
+                                            <p:txEl>
+                                              <p:pRg st="0" end="0"/>
+                                            </p:txEl>
+                                          </p:spTgt>
+                                        </p:tgtEl>
+                                        <p:attrNameLst>
+                                          <p:attrName>style.visibility</p:attrName>
+                                        </p:attrNameLst>
+                                      </p:cBhvr>
+                                      <p:to>
+                                        <p:strVal val="visible"/>
+                                      </p:to>
+                                    </p:set>
+                                  </p:childTnLst>
+                                </p:cTn>
+                              </p:par>
+                            </p:childTnLst>
+                          </p:cTn>
+                        </p:par>
+                      </p:childTnLst>
+                    </p:cTn>
+                  </p:par>
+                  <p:par>
+                    <p:cTn id="7" fill="hold">
+                      <p:stCondLst>
+                        <p:cond delay="indefinite"/>
+                      </p:stCondLst>
+                      <p:childTnLst>
+                        <p:par>
+                          <p:cTn id="8" fill="hold">
+                            <p:stCondLst>
+                              <p:cond delay="0"/>
+                            </p:stCondLst>
+                            <p:childTnLst>
+                              <p:par>
+                                <p:cTn id="9" presetID="1" presetClass="entr" presetSubtype="0" fill="hold" grpId="0" nodeType="clickEffect">
+                                  <p:stCondLst>
+                                    <p:cond delay="0"/>
+                                  </p:stCondLst>
+                                  <p:childTnLst>
+                                    <p:set>
+                                      <p:cBhvr>
+                                        <p:cTn id="10" dur="1" fill="hold">
+                                          <p:stCondLst>
+                                            <p:cond delay="0"/>
+                                          </p:stCondLst>
+                                        </p:cTn>
+                                        <p:tgtEl>
+                                          <p:spTgt spid="3">
+                                            <p:txEl>
+                                              <p:pRg st="1" end="1"/>
+                                            </p:txEl>
+                                          </p:spTgt>
+                                        </p:tgtEl>
+                                        <p:attrNameLst>
+                                          <p:attrName>style.visibility</p:attrName>
+                                        </p:attrNameLst>
+                                      </p:cBhvr>
+                                      <p:to>
+                                        <p:strVal val="visible"/>
+                                      </p:to>
+                                    </p:set>
+                                  </p:childTnLst>
+                                </p:cTn>
+                              </p:par>
+                              <p:par>
+                                <p:cTn id="11" presetID="1" presetClass="entr" presetSubtype="0" fill="hold" grpId="0" nodeType="withEffect">
+                                  <p:stCondLst>
+                                    <p:cond delay="0"/>
+                                  </p:stCondLst>
+                                  <p:childTnLst>
+                                    <p:set>
+                                      <p:cBhvr>
+                                        <p:cTn id="12" dur="1" fill="hold">
+                                          <p:stCondLst>
+                                            <p:cond delay="0"/>
+                                          </p:stCondLst>
+                                        </p:cTn>
+                                        <p:tgtEl>
+                                          <p:spTgt spid="3">
+                                            <p:txEl>
+                                              <p:pRg st="2" end="2"/>
+                                            </p:txEl>
+                                          </p:spTgt>
+                                        </p:tgtEl>
+                                        <p:attrNameLst>
+                                          <p:attrName>style.visibility</p:attrName>
+                                        </p:attrNameLst>
+                                      </p:cBhvr>
+                                      <p:to>
+                                        <p:strVal val="visible"/>
+                                      </p:to>
+                                    </p:set>
+                                  </p:childTnLst>
+                                </p:cTn>
+                              </p:par>
+                              <p:par>
+                                <p:cTn id="13" presetID="1" presetClass="entr" presetSubtype="0" fill="hold" grpId="0" nodeType="withEffect">
+                                  <p:stCondLst>
+                                    <p:cond delay="0"/>
+                                  </p:stCondLst>
+                                  <p:childTnLst>
+                                    <p:set>
+                                      <p:cBhvr>
+                                        <p:cTn id="14" dur="1" fill="hold">
+                                          <p:stCondLst>
+                                            <p:cond delay="0"/>
+                                          </p:stCondLst>
+                                        </p:cTn>
+                                        <p:tgtEl>
+                                          <p:spTgt spid="3">
+                                            <p:txEl>
+                                              <p:pRg st="3" end="3"/>
+                                            </p:txEl>
+                                          </p:spTgt>
+                                        </p:tgtEl>
+                                        <p:attrNameLst>
+                                          <p:attrName>style.visibility</p:attrName>
+                                        </p:attrNameLst>
+                                      </p:cBhvr>
+                                      <p:to>
+                                        <p:strVal val="visible"/>
+                                      </p:to>
+                                    </p:set>
+                                  </p:childTnLst>
+                                </p:cTn>
+                              </p:par>
+                            </p:childTnLst>
+                          </p:cTn>
+                        </p:par>
+                      </p:childTnLst>
+                    </p:cTn>
+                  </p:par>
+                </p:childTnLst>
+              </p:cTn>
+              <p:prevCondLst>
+                <p:cond evt="onPrev" delay="0">
+                  <p:tgtEl>
+                    <p:sldTgt/>
+                  </p:tgtEl>
+                </p:cond>
+              </p:prevCondLst>
+              <p:nextCondLst>
+                <p:cond evt="onNext" delay="0">
+                  <p:tgtEl>
+                    <p:sldTgt/>
+                  </p:tgtEl>
+                </p:cond>
+              </p:nextCondLst>
+            </p:seq>
+          </p:childTnLst>
+        </p:cTn>
+      </p:par>
+    </p:tnLst>
+    <p:bldLst>
+      <p:bldP spid="3" grpId="0" uiExpand="1" build="p"/>
+    </p:bldLst>
+  </p:timing>
 </p:sld>
 </file>
 
@@ -13488,36 +13008,8 @@
           <a:lstStyle/>
           <a:p>
             <a:r>
-              <a:rPr lang="en-150" dirty="0"/>
-              <a:t>A</a:t>
-            </a:r>
-            <a:r>
-              <a:rPr lang="en-GB" dirty="0"/>
-              <a:t>n</a:t>
-            </a:r>
-            <a:r>
-              <a:rPr lang="en-150" dirty="0"/>
-              <a:t>a</a:t>
-            </a:r>
-            <a:r>
-              <a:rPr lang="en-GB" dirty="0"/>
-              <a:t>l</a:t>
-            </a:r>
-            <a:r>
-              <a:rPr lang="en-150" dirty="0"/>
-              <a:t>y</a:t>
-            </a:r>
-            <a:r>
-              <a:rPr lang="en-GB" dirty="0"/>
-              <a:t>s</a:t>
-            </a:r>
-            <a:r>
-              <a:rPr lang="en-150" dirty="0"/>
-              <a:t>i</a:t>
-            </a:r>
-            <a:r>
-              <a:rPr lang="en-GB" dirty="0"/>
-              <a:t>s</a:t>
+              <a:rPr lang="en-GB" noProof="0" dirty="0"/>
+              <a:t>Analysis</a:t>
             </a:r>
           </a:p>
         </p:txBody>
@@ -13551,8 +13043,8 @@
           </a:p>
         </p:txBody>
       </p:sp>
-      <mc:AlternateContent xmlns:mc="http://schemas.openxmlformats.org/markup-compatibility/2006" xmlns:a14="http://schemas.microsoft.com/office/drawing/2010/main">
-        <mc:Choice Requires="a14">
+      <mc:AlternateContent xmlns:mc="http://schemas.openxmlformats.org/markup-compatibility/2006">
+        <mc:Choice xmlns:a14="http://schemas.microsoft.com/office/drawing/2010/main" Requires="a14">
           <p:sp>
             <p:nvSpPr>
               <p:cNvPr id="10" name="Content Placeholder 2">
@@ -13569,8 +13061,8 @@
             </p:nvSpPr>
             <p:spPr>
               <a:xfrm>
-                <a:off x="838200" y="3030207"/>
-                <a:ext cx="10515600" cy="2013429"/>
+                <a:off x="838200" y="2924700"/>
+                <a:ext cx="10515600" cy="2895295"/>
               </a:xfrm>
               <a:prstGeom prst="rect">
                 <a:avLst/>
@@ -13760,6 +13252,11 @@
                 </a:lvl9pPr>
               </a:lstStyle>
               <a:p>
+                <a:pPr>
+                  <a:lnSpc>
+                    <a:spcPct val="111000"/>
+                  </a:lnSpc>
+                </a:pPr>
                 <a14:m>
                   <m:oMath xmlns:m="http://schemas.openxmlformats.org/officeDocument/2006/math">
                     <m:r>
@@ -13801,6 +13298,11 @@
                 </a:r>
               </a:p>
               <a:p>
+                <a:pPr>
+                  <a:lnSpc>
+                    <a:spcPct val="111000"/>
+                  </a:lnSpc>
+                </a:pPr>
                 <a14:m>
                   <m:oMath xmlns:m="http://schemas.openxmlformats.org/officeDocument/2006/math">
                     <m:r>
@@ -13842,6 +13344,11 @@
                 </a:r>
               </a:p>
               <a:p>
+                <a:pPr>
+                  <a:lnSpc>
+                    <a:spcPct val="111000"/>
+                  </a:lnSpc>
+                </a:pPr>
                 <a14:m>
                   <m:oMath xmlns:m="http://schemas.openxmlformats.org/officeDocument/2006/math">
                     <m:r>
@@ -13883,6 +13390,11 @@
                 </a:r>
               </a:p>
               <a:p>
+                <a:pPr>
+                  <a:lnSpc>
+                    <a:spcPct val="111000"/>
+                  </a:lnSpc>
+                </a:pPr>
                 <a14:m>
                   <m:oMath xmlns:m="http://schemas.openxmlformats.org/officeDocument/2006/math">
                     <m:r>
@@ -13929,7 +13441,7 @@
             </p:txBody>
           </p:sp>
         </mc:Choice>
-        <mc:Fallback xmlns="">
+        <mc:Fallback>
           <p:sp>
             <p:nvSpPr>
               <p:cNvPr id="10" name="Content Placeholder 2">
@@ -13946,8 +13458,8 @@
             </p:nvSpPr>
             <p:spPr>
               <a:xfrm>
-                <a:off x="838200" y="3030207"/>
-                <a:ext cx="10515600" cy="2013429"/>
+                <a:off x="838200" y="2924700"/>
+                <a:ext cx="10515600" cy="2895295"/>
               </a:xfrm>
               <a:prstGeom prst="rect">
                 <a:avLst/>
@@ -13955,7 +13467,7 @@
               <a:blipFill>
                 <a:blip r:embed="rId3"/>
                 <a:stretch>
-                  <a:fillRect t="-4848" b="-8485"/>
+                  <a:fillRect t="-1474"/>
                 </a:stretch>
               </a:blipFill>
             </p:spPr>
@@ -13974,8 +13486,8 @@
           </p:sp>
         </mc:Fallback>
       </mc:AlternateContent>
-      <mc:AlternateContent xmlns:mc="http://schemas.openxmlformats.org/markup-compatibility/2006" xmlns:a14="http://schemas.microsoft.com/office/drawing/2010/main">
-        <mc:Choice Requires="a14">
+      <mc:AlternateContent xmlns:mc="http://schemas.openxmlformats.org/markup-compatibility/2006">
+        <mc:Choice xmlns:a14="http://schemas.microsoft.com/office/drawing/2010/main" Requires="a14">
           <p:sp>
             <p:nvSpPr>
               <p:cNvPr id="11" name="Content Placeholder 2">
@@ -13992,7 +13504,7 @@
             </p:nvSpPr>
             <p:spPr>
               <a:xfrm>
-                <a:off x="838200" y="5198256"/>
+                <a:off x="838200" y="5467885"/>
                 <a:ext cx="10515600" cy="645185"/>
               </a:xfrm>
               <a:prstGeom prst="rect">
@@ -14001,7 +13513,7 @@
             </p:spPr>
             <p:txBody>
               <a:bodyPr vert="horz" lIns="91440" tIns="45720" rIns="91440" bIns="45720" rtlCol="0">
-                <a:normAutofit/>
+                <a:normAutofit fontScale="92500" lnSpcReduction="20000"/>
               </a:bodyPr>
               <a:lstStyle>
                 <a:lvl1pPr marL="228600" indent="-228600" algn="l" defTabSz="914400" rtl="0" eaLnBrk="1" latinLnBrk="0" hangingPunct="1">
@@ -14186,88 +13698,83 @@
                 <a:endParaRPr lang="en-150" sz="1100" dirty="0"/>
               </a:p>
               <a:p>
-                <a:pPr marL="0" indent="0" algn="ctr">
-                  <a:buFont typeface="Arial" panose="020B0604020202020204" pitchFamily="34" charset="0"/>
-                  <a:buNone/>
-                </a:pPr>
+                <a:r>
+                  <a:rPr lang="en-150" sz="3000" dirty="0"/>
+                  <a:t>Create next state if: </a:t>
+                </a:r>
                 <a14:m>
-                  <m:oMathPara xmlns:m="http://schemas.openxmlformats.org/officeDocument/2006/math">
-                    <m:oMathParaPr>
-                      <m:jc m:val="centerGroup"/>
-                    </m:oMathParaPr>
-                    <m:oMath xmlns:m="http://schemas.openxmlformats.org/officeDocument/2006/math">
-                      <m:r>
-                        <a:rPr lang="en-150" i="1" smtClean="0">
-                          <a:latin typeface="Cambria Math" panose="02040503050406030204" pitchFamily="18" charset="0"/>
-                        </a:rPr>
-                        <m:t>𝐸𝑆</m:t>
-                      </m:r>
-                      <m:sSub>
-                        <m:sSubPr>
-                          <m:ctrlPr>
-                            <a:rPr lang="en-150" i="1" smtClean="0">
-                              <a:latin typeface="Cambria Math" panose="02040503050406030204" pitchFamily="18" charset="0"/>
-                            </a:rPr>
-                          </m:ctrlPr>
-                        </m:sSubPr>
-                        <m:e>
-                          <m:r>
-                            <a:rPr lang="en-150" i="1" smtClean="0">
-                              <a:latin typeface="Cambria Math" panose="02040503050406030204" pitchFamily="18" charset="0"/>
-                            </a:rPr>
-                            <m:t>𝑇</m:t>
-                          </m:r>
-                        </m:e>
-                        <m:sub>
-                          <m:r>
-                            <a:rPr lang="en-150" i="1" smtClean="0">
-                              <a:latin typeface="Cambria Math" panose="02040503050406030204" pitchFamily="18" charset="0"/>
-                            </a:rPr>
-                            <m:t>𝑖</m:t>
-                          </m:r>
-                        </m:sub>
-                      </m:sSub>
-                      <m:r>
-                        <a:rPr lang="en-150" i="1" smtClean="0">
-                          <a:latin typeface="Cambria Math" panose="02040503050406030204" pitchFamily="18" charset="0"/>
-                        </a:rPr>
-                        <m:t>≤</m:t>
-                      </m:r>
-                      <m:r>
-                        <a:rPr lang="en-150" i="1" smtClean="0">
-                          <a:latin typeface="Cambria Math" panose="02040503050406030204" pitchFamily="18" charset="0"/>
-                        </a:rPr>
-                        <m:t>𝐿𝑆</m:t>
-                      </m:r>
-                      <m:sSub>
-                        <m:sSubPr>
-                          <m:ctrlPr>
-                            <a:rPr lang="en-150" i="1" smtClean="0">
-                              <a:latin typeface="Cambria Math" panose="02040503050406030204" pitchFamily="18" charset="0"/>
-                            </a:rPr>
-                          </m:ctrlPr>
-                        </m:sSubPr>
-                        <m:e>
-                          <m:r>
-                            <a:rPr lang="en-150" i="1" smtClean="0">
-                              <a:latin typeface="Cambria Math" panose="02040503050406030204" pitchFamily="18" charset="0"/>
-                            </a:rPr>
-                            <m:t>𝑇</m:t>
-                          </m:r>
-                        </m:e>
-                        <m:sub>
-                          <m:r>
-                            <a:rPr lang="en-150" i="1" smtClean="0">
-                              <a:latin typeface="Cambria Math" panose="02040503050406030204" pitchFamily="18" charset="0"/>
-                            </a:rPr>
-                            <m:t>𝑖</m:t>
-                          </m:r>
-                        </m:sub>
-                      </m:sSub>
-                    </m:oMath>
-                  </m:oMathPara>
+                  <m:oMath xmlns:m="http://schemas.openxmlformats.org/officeDocument/2006/math">
+                    <m:r>
+                      <a:rPr lang="en-150" sz="3000" i="1" smtClean="0">
+                        <a:latin typeface="Cambria Math" panose="02040503050406030204" pitchFamily="18" charset="0"/>
+                      </a:rPr>
+                      <m:t>𝐸𝑆</m:t>
+                    </m:r>
+                    <m:sSub>
+                      <m:sSubPr>
+                        <m:ctrlPr>
+                          <a:rPr lang="en-150" sz="3000" i="1" smtClean="0">
+                            <a:latin typeface="Cambria Math" panose="02040503050406030204" pitchFamily="18" charset="0"/>
+                          </a:rPr>
+                        </m:ctrlPr>
+                      </m:sSubPr>
+                      <m:e>
+                        <m:r>
+                          <a:rPr lang="en-150" sz="3000" i="1" smtClean="0">
+                            <a:latin typeface="Cambria Math" panose="02040503050406030204" pitchFamily="18" charset="0"/>
+                          </a:rPr>
+                          <m:t>𝑇</m:t>
+                        </m:r>
+                      </m:e>
+                      <m:sub>
+                        <m:r>
+                          <a:rPr lang="en-150" sz="3000" i="1" smtClean="0">
+                            <a:latin typeface="Cambria Math" panose="02040503050406030204" pitchFamily="18" charset="0"/>
+                          </a:rPr>
+                          <m:t>𝑖</m:t>
+                        </m:r>
+                      </m:sub>
+                    </m:sSub>
+                    <m:r>
+                      <a:rPr lang="en-150" sz="3000" i="1" smtClean="0">
+                        <a:latin typeface="Cambria Math" panose="02040503050406030204" pitchFamily="18" charset="0"/>
+                      </a:rPr>
+                      <m:t>≤</m:t>
+                    </m:r>
+                    <m:r>
+                      <a:rPr lang="en-150" sz="3000" i="1" smtClean="0">
+                        <a:latin typeface="Cambria Math" panose="02040503050406030204" pitchFamily="18" charset="0"/>
+                      </a:rPr>
+                      <m:t>𝐿𝑆</m:t>
+                    </m:r>
+                    <m:sSub>
+                      <m:sSubPr>
+                        <m:ctrlPr>
+                          <a:rPr lang="en-150" sz="3000" i="1" smtClean="0">
+                            <a:latin typeface="Cambria Math" panose="02040503050406030204" pitchFamily="18" charset="0"/>
+                          </a:rPr>
+                        </m:ctrlPr>
+                      </m:sSubPr>
+                      <m:e>
+                        <m:r>
+                          <a:rPr lang="en-150" sz="3000" i="1" smtClean="0">
+                            <a:latin typeface="Cambria Math" panose="02040503050406030204" pitchFamily="18" charset="0"/>
+                          </a:rPr>
+                          <m:t>𝑇</m:t>
+                        </m:r>
+                      </m:e>
+                      <m:sub>
+                        <m:r>
+                          <a:rPr lang="en-150" sz="3000" i="1" smtClean="0">
+                            <a:latin typeface="Cambria Math" panose="02040503050406030204" pitchFamily="18" charset="0"/>
+                          </a:rPr>
+                          <m:t>𝑖</m:t>
+                        </m:r>
+                      </m:sub>
+                    </m:sSub>
+                  </m:oMath>
                 </a14:m>
-                <a:endParaRPr lang="en-150" dirty="0"/>
+                <a:endParaRPr lang="en-150" sz="3000" dirty="0"/>
               </a:p>
               <a:p>
                 <a:endParaRPr lang="en-150" dirty="0"/>
@@ -14275,7 +13782,7 @@
             </p:txBody>
           </p:sp>
         </mc:Choice>
-        <mc:Fallback xmlns="">
+        <mc:Fallback>
           <p:sp>
             <p:nvSpPr>
               <p:cNvPr id="11" name="Content Placeholder 2">
@@ -14292,7 +13799,7 @@
             </p:nvSpPr>
             <p:spPr>
               <a:xfrm>
-                <a:off x="838200" y="5198256"/>
+                <a:off x="838200" y="5467885"/>
                 <a:ext cx="10515600" cy="645185"/>
               </a:xfrm>
               <a:prstGeom prst="rect">
@@ -14301,7 +13808,7 @@
               <a:blipFill>
                 <a:blip r:embed="rId4"/>
                 <a:stretch>
-                  <a:fillRect b="-943"/>
+                  <a:fillRect l="-1043" b="-26415"/>
                 </a:stretch>
               </a:blipFill>
             </p:spPr>
@@ -14810,33 +14317,15 @@
                                   </p:childTnLst>
                                 </p:cTn>
                               </p:par>
-                            </p:childTnLst>
-                          </p:cTn>
-                        </p:par>
-                      </p:childTnLst>
-                    </p:cTn>
-                  </p:par>
-                  <p:par>
-                    <p:cTn id="11" fill="hold">
-                      <p:stCondLst>
-                        <p:cond delay="indefinite"/>
-                      </p:stCondLst>
-                      <p:childTnLst>
-                        <p:par>
-                          <p:cTn id="12" fill="hold">
-                            <p:stCondLst>
-                              <p:cond delay="0"/>
-                            </p:stCondLst>
-                            <p:childTnLst>
                               <p:par>
-                                <p:cTn id="13" presetID="1" presetClass="entr" presetSubtype="0" fill="hold" grpId="0" nodeType="clickEffect">
+                                <p:cTn id="11" presetID="1" presetClass="entr" presetSubtype="0" fill="hold" grpId="0" nodeType="withEffect">
                                   <p:stCondLst>
                                     <p:cond delay="0"/>
                                   </p:stCondLst>
                                   <p:childTnLst>
                                     <p:set>
                                       <p:cBhvr>
-                                        <p:cTn id="14" dur="1" fill="hold">
+                                        <p:cTn id="12" dur="1" fill="hold">
                                           <p:stCondLst>
                                             <p:cond delay="0"/>
                                           </p:stCondLst>
@@ -14930,42 +14419,14 @@
           <a:lstStyle/>
           <a:p>
             <a:r>
-              <a:rPr lang="en-150" dirty="0"/>
-              <a:t>A</a:t>
-            </a:r>
-            <a:r>
-              <a:rPr lang="en-GB" dirty="0"/>
-              <a:t>n</a:t>
-            </a:r>
-            <a:r>
-              <a:rPr lang="en-150" dirty="0"/>
-              <a:t>a</a:t>
-            </a:r>
-            <a:r>
-              <a:rPr lang="en-GB" dirty="0"/>
-              <a:t>l</a:t>
-            </a:r>
-            <a:r>
-              <a:rPr lang="en-150" dirty="0"/>
-              <a:t>y</a:t>
-            </a:r>
-            <a:r>
-              <a:rPr lang="en-GB" dirty="0"/>
-              <a:t>s</a:t>
-            </a:r>
-            <a:r>
-              <a:rPr lang="en-150" dirty="0"/>
-              <a:t>i</a:t>
-            </a:r>
-            <a:r>
-              <a:rPr lang="en-GB" dirty="0"/>
-              <a:t>s</a:t>
+              <a:rPr lang="en-GB" noProof="0" dirty="0"/>
+              <a:t>Analysis</a:t>
             </a:r>
           </a:p>
         </p:txBody>
       </p:sp>
-      <mc:AlternateContent xmlns:mc="http://schemas.openxmlformats.org/markup-compatibility/2006" xmlns:a14="http://schemas.microsoft.com/office/drawing/2010/main">
-        <mc:Choice Requires="a14">
+      <mc:AlternateContent xmlns:mc="http://schemas.openxmlformats.org/markup-compatibility/2006">
+        <mc:Choice xmlns:a14="http://schemas.microsoft.com/office/drawing/2010/main" Requires="a14">
           <p:sp>
             <p:nvSpPr>
               <p:cNvPr id="3" name="Content Placeholder 2">
@@ -14982,7 +14443,12 @@
                 <p:ph idx="1"/>
               </p:nvPr>
             </p:nvSpPr>
-            <p:spPr/>
+            <p:spPr>
+              <a:xfrm>
+                <a:off x="838200" y="1596044"/>
+                <a:ext cx="10515600" cy="4760306"/>
+              </a:xfrm>
+            </p:spPr>
             <p:txBody>
               <a:bodyPr>
                 <a:normAutofit/>
@@ -14994,14 +14460,14 @@
                     <m:sSubSup>
                       <m:sSubSupPr>
                         <m:ctrlPr>
-                          <a:rPr lang="en-150" b="0" i="1" smtClean="0">
+                          <a:rPr lang="en-GB" b="0" i="1" noProof="0" smtClean="0">
                             <a:latin typeface="Cambria Math" panose="02040503050406030204" pitchFamily="18" charset="0"/>
                           </a:rPr>
                         </m:ctrlPr>
                       </m:sSubSupPr>
                       <m:e>
                         <m:r>
-                          <a:rPr lang="en-150" b="0" i="1" smtClean="0">
+                          <a:rPr lang="en-GB" b="0" i="1" noProof="0" smtClean="0">
                             <a:latin typeface="Cambria Math" panose="02040503050406030204" pitchFamily="18" charset="0"/>
                           </a:rPr>
                           <m:t>𝐴</m:t>
@@ -15009,7 +14475,7 @@
                       </m:e>
                       <m:sub>
                         <m:r>
-                          <a:rPr lang="en-150" b="0" i="1" smtClean="0">
+                          <a:rPr lang="en-GB" b="0" i="1" noProof="0" smtClean="0">
                             <a:latin typeface="Cambria Math" panose="02040503050406030204" pitchFamily="18" charset="0"/>
                           </a:rPr>
                           <m:t>𝑐</m:t>
@@ -15020,13 +14486,13 @@
                           <m:rPr>
                             <m:sty m:val="p"/>
                           </m:rPr>
-                          <a:rPr lang="en-150" b="0" i="1" smtClean="0">
+                          <a:rPr lang="en-GB" b="0" i="1" noProof="0" smtClean="0">
                             <a:latin typeface="Cambria Math" panose="02040503050406030204" pitchFamily="18" charset="0"/>
                           </a:rPr>
                           <m:t>min</m:t>
                         </m:r>
                         <m:r>
-                          <a:rPr lang="en-150" b="0" i="1" smtClean="0">
+                          <a:rPr lang="en-GB" b="0" i="1" noProof="0" smtClean="0">
                             <a:latin typeface="Cambria Math" panose="02040503050406030204" pitchFamily="18" charset="0"/>
                           </a:rPr>
                           <m:t>⁡</m:t>
@@ -15036,13 +14502,13 @@
                   </m:oMath>
                 </a14:m>
                 <a:r>
-                  <a:rPr lang="en-150" dirty="0"/>
+                  <a:rPr lang="en-GB" noProof="0" dirty="0"/>
                   <a:t> time at which we have </a:t>
                 </a:r>
                 <a14:m>
                   <m:oMath xmlns:m="http://schemas.openxmlformats.org/officeDocument/2006/math">
                     <m:r>
-                      <a:rPr lang="en-150" b="0" i="1" smtClean="0">
+                      <a:rPr lang="en-GB" b="0" i="1" noProof="0" smtClean="0">
                         <a:latin typeface="Cambria Math" panose="02040503050406030204" pitchFamily="18" charset="0"/>
                       </a:rPr>
                       <m:t>𝑐</m:t>
@@ -15050,7 +14516,7 @@
                   </m:oMath>
                 </a14:m>
                 <a:r>
-                  <a:rPr lang="en-150" dirty="0"/>
+                  <a:rPr lang="en-GB" noProof="0" dirty="0"/>
                   <a:t> cores possibly available</a:t>
                 </a:r>
               </a:p>
@@ -15060,14 +14526,14 @@
                     <m:sSubSup>
                       <m:sSubSupPr>
                         <m:ctrlPr>
-                          <a:rPr lang="en-150" b="0" i="1" smtClean="0">
+                          <a:rPr lang="en-GB" b="0" i="1" noProof="0" smtClean="0">
                             <a:latin typeface="Cambria Math" panose="02040503050406030204" pitchFamily="18" charset="0"/>
                           </a:rPr>
                         </m:ctrlPr>
                       </m:sSubSupPr>
                       <m:e>
                         <m:r>
-                          <a:rPr lang="en-150" b="0" i="1" smtClean="0">
+                          <a:rPr lang="en-GB" b="0" i="1" noProof="0" smtClean="0">
                             <a:latin typeface="Cambria Math" panose="02040503050406030204" pitchFamily="18" charset="0"/>
                           </a:rPr>
                           <m:t>𝐴</m:t>
@@ -15075,7 +14541,7 @@
                       </m:e>
                       <m:sub>
                         <m:r>
-                          <a:rPr lang="en-150" b="0" i="1" smtClean="0">
+                          <a:rPr lang="en-GB" b="0" i="1" noProof="0" smtClean="0">
                             <a:latin typeface="Cambria Math" panose="02040503050406030204" pitchFamily="18" charset="0"/>
                           </a:rPr>
                           <m:t>𝑐</m:t>
@@ -15086,13 +14552,13 @@
                           <m:rPr>
                             <m:sty m:val="p"/>
                           </m:rPr>
-                          <a:rPr lang="en-150" b="0" i="1" smtClean="0">
+                          <a:rPr lang="en-GB" b="0" i="1" noProof="0" smtClean="0">
                             <a:latin typeface="Cambria Math" panose="02040503050406030204" pitchFamily="18" charset="0"/>
                           </a:rPr>
                           <m:t>max</m:t>
                         </m:r>
                         <m:r>
-                          <a:rPr lang="en-150" b="0" i="1" smtClean="0">
+                          <a:rPr lang="en-GB" b="0" i="1" noProof="0" smtClean="0">
                             <a:latin typeface="Cambria Math" panose="02040503050406030204" pitchFamily="18" charset="0"/>
                           </a:rPr>
                           <m:t>⁡</m:t>
@@ -15102,13 +14568,13 @@
                   </m:oMath>
                 </a14:m>
                 <a:r>
-                  <a:rPr lang="en-150" dirty="0"/>
+                  <a:rPr lang="en-GB" noProof="0" dirty="0"/>
                   <a:t> time at which we have </a:t>
                 </a:r>
                 <a14:m>
                   <m:oMath xmlns:m="http://schemas.openxmlformats.org/officeDocument/2006/math">
                     <m:r>
-                      <a:rPr lang="en-150" b="0" i="1" smtClean="0">
+                      <a:rPr lang="en-GB" b="0" i="1" noProof="0" smtClean="0">
                         <a:latin typeface="Cambria Math" panose="02040503050406030204" pitchFamily="18" charset="0"/>
                       </a:rPr>
                       <m:t>𝑐</m:t>
@@ -15116,7 +14582,7 @@
                   </m:oMath>
                 </a14:m>
                 <a:r>
-                  <a:rPr lang="en-150" dirty="0"/>
+                  <a:rPr lang="en-GB" noProof="0" dirty="0"/>
                   <a:t> cores certainly available</a:t>
                 </a:r>
               </a:p>
@@ -15124,13 +14590,18 @@
                 <a:pPr marL="0" indent="0">
                   <a:buNone/>
                 </a:pPr>
-                <a:endParaRPr lang="en-150" sz="1100" dirty="0"/>
+                <a:endParaRPr lang="en-GB" sz="1100" noProof="0" dirty="0"/>
               </a:p>
               <a:p>
+                <a:pPr>
+                  <a:lnSpc>
+                    <a:spcPct val="100000"/>
+                  </a:lnSpc>
+                </a:pPr>
                 <a14:m>
                   <m:oMath xmlns:m="http://schemas.openxmlformats.org/officeDocument/2006/math">
                     <m:r>
-                      <a:rPr lang="en-150" b="0" i="1" smtClean="0">
+                      <a:rPr lang="en-GB" b="0" i="1" noProof="0" smtClean="0">
                         <a:latin typeface="Cambria Math" panose="02040503050406030204" pitchFamily="18" charset="0"/>
                       </a:rPr>
                       <m:t>𝐸𝑆</m:t>
@@ -15138,14 +14609,14 @@
                     <m:sSubSup>
                       <m:sSubSupPr>
                         <m:ctrlPr>
-                          <a:rPr lang="en-150" b="0" i="1" smtClean="0">
+                          <a:rPr lang="en-GB" b="0" i="1" noProof="0" smtClean="0">
                             <a:latin typeface="Cambria Math" panose="02040503050406030204" pitchFamily="18" charset="0"/>
                           </a:rPr>
                         </m:ctrlPr>
                       </m:sSubSupPr>
                       <m:e>
                         <m:r>
-                          <a:rPr lang="en-150" b="0" i="1" smtClean="0">
+                          <a:rPr lang="en-GB" b="0" i="1" noProof="0" smtClean="0">
                             <a:latin typeface="Cambria Math" panose="02040503050406030204" pitchFamily="18" charset="0"/>
                           </a:rPr>
                           <m:t>𝑇</m:t>
@@ -15153,7 +14624,7 @@
                       </m:e>
                       <m:sub>
                         <m:r>
-                          <a:rPr lang="en-150" b="0" i="1" smtClean="0">
+                          <a:rPr lang="en-GB" b="0" i="1" noProof="0" smtClean="0">
                             <a:latin typeface="Cambria Math" panose="02040503050406030204" pitchFamily="18" charset="0"/>
                           </a:rPr>
                           <m:t>𝑖</m:t>
@@ -15161,7 +14632,7 @@
                       </m:sub>
                       <m:sup>
                         <m:r>
-                          <a:rPr lang="en-150" b="0" i="1" smtClean="0">
+                          <a:rPr lang="en-GB" b="0" i="1" noProof="0" smtClean="0">
                             <a:latin typeface="Cambria Math" panose="02040503050406030204" pitchFamily="18" charset="0"/>
                           </a:rPr>
                           <m:t>𝑝</m:t>
@@ -15171,15 +14642,20 @@
                   </m:oMath>
                 </a14:m>
                 <a:r>
-                  <a:rPr lang="en-150" dirty="0"/>
+                  <a:rPr lang="en-GB" noProof="0" dirty="0"/>
                   <a:t> Earliest Start Time</a:t>
                 </a:r>
               </a:p>
               <a:p>
+                <a:pPr>
+                  <a:lnSpc>
+                    <a:spcPct val="100000"/>
+                  </a:lnSpc>
+                </a:pPr>
                 <a14:m>
                   <m:oMath xmlns:m="http://schemas.openxmlformats.org/officeDocument/2006/math">
                     <m:r>
-                      <a:rPr lang="en-150" b="0" i="1" smtClean="0">
+                      <a:rPr lang="en-GB" b="0" i="1" noProof="0" smtClean="0">
                         <a:latin typeface="Cambria Math" panose="02040503050406030204" pitchFamily="18" charset="0"/>
                       </a:rPr>
                       <m:t>𝐿𝑆</m:t>
@@ -15187,14 +14663,14 @@
                     <m:sSubSup>
                       <m:sSubSupPr>
                         <m:ctrlPr>
-                          <a:rPr lang="en-150" b="0" i="1" smtClean="0">
+                          <a:rPr lang="en-GB" b="0" i="1" noProof="0" smtClean="0">
                             <a:latin typeface="Cambria Math" panose="02040503050406030204" pitchFamily="18" charset="0"/>
                           </a:rPr>
                         </m:ctrlPr>
                       </m:sSubSupPr>
                       <m:e>
                         <m:r>
-                          <a:rPr lang="en-150" b="0" i="1" smtClean="0">
+                          <a:rPr lang="en-GB" b="0" i="1" noProof="0" smtClean="0">
                             <a:latin typeface="Cambria Math" panose="02040503050406030204" pitchFamily="18" charset="0"/>
                           </a:rPr>
                           <m:t>𝑇</m:t>
@@ -15202,7 +14678,7 @@
                       </m:e>
                       <m:sub>
                         <m:r>
-                          <a:rPr lang="en-150" b="0" i="1" smtClean="0">
+                          <a:rPr lang="en-GB" b="0" i="1" noProof="0" smtClean="0">
                             <a:latin typeface="Cambria Math" panose="02040503050406030204" pitchFamily="18" charset="0"/>
                           </a:rPr>
                           <m:t>𝑖</m:t>
@@ -15210,7 +14686,7 @@
                       </m:sub>
                       <m:sup>
                         <m:r>
-                          <a:rPr lang="en-150" b="0" i="1" smtClean="0">
+                          <a:rPr lang="en-GB" b="0" i="1" noProof="0" smtClean="0">
                             <a:latin typeface="Cambria Math" panose="02040503050406030204" pitchFamily="18" charset="0"/>
                           </a:rPr>
                           <m:t>𝑝</m:t>
@@ -15220,15 +14696,20 @@
                   </m:oMath>
                 </a14:m>
                 <a:r>
-                  <a:rPr lang="en-150" dirty="0"/>
+                  <a:rPr lang="en-GB" noProof="0" dirty="0"/>
                   <a:t> Latest Start Time</a:t>
                 </a:r>
               </a:p>
               <a:p>
+                <a:pPr>
+                  <a:lnSpc>
+                    <a:spcPct val="100000"/>
+                  </a:lnSpc>
+                </a:pPr>
                 <a14:m>
                   <m:oMath xmlns:m="http://schemas.openxmlformats.org/officeDocument/2006/math">
                     <m:r>
-                      <a:rPr lang="en-150" b="0" i="1" smtClean="0">
+                      <a:rPr lang="en-GB" b="0" i="1" noProof="0" smtClean="0">
                         <a:latin typeface="Cambria Math" panose="02040503050406030204" pitchFamily="18" charset="0"/>
                       </a:rPr>
                       <m:t>𝐸𝐹</m:t>
@@ -15236,14 +14717,14 @@
                     <m:sSubSup>
                       <m:sSubSupPr>
                         <m:ctrlPr>
-                          <a:rPr lang="en-150" b="0" i="1" smtClean="0">
+                          <a:rPr lang="en-GB" b="0" i="1" noProof="0" smtClean="0">
                             <a:latin typeface="Cambria Math" panose="02040503050406030204" pitchFamily="18" charset="0"/>
                           </a:rPr>
                         </m:ctrlPr>
                       </m:sSubSupPr>
                       <m:e>
                         <m:r>
-                          <a:rPr lang="en-150" b="0" i="1" smtClean="0">
+                          <a:rPr lang="en-GB" b="0" i="1" noProof="0" smtClean="0">
                             <a:latin typeface="Cambria Math" panose="02040503050406030204" pitchFamily="18" charset="0"/>
                           </a:rPr>
                           <m:t>𝑇</m:t>
@@ -15251,7 +14732,7 @@
                       </m:e>
                       <m:sub>
                         <m:r>
-                          <a:rPr lang="en-150" b="0" i="1" smtClean="0">
+                          <a:rPr lang="en-GB" b="0" i="1" noProof="0" smtClean="0">
                             <a:latin typeface="Cambria Math" panose="02040503050406030204" pitchFamily="18" charset="0"/>
                           </a:rPr>
                           <m:t>𝑖</m:t>
@@ -15259,7 +14740,7 @@
                       </m:sub>
                       <m:sup>
                         <m:r>
-                          <a:rPr lang="en-150" b="0" i="1" smtClean="0">
+                          <a:rPr lang="en-GB" b="0" i="1" noProof="0" smtClean="0">
                             <a:latin typeface="Cambria Math" panose="02040503050406030204" pitchFamily="18" charset="0"/>
                           </a:rPr>
                           <m:t>𝑝</m:t>
@@ -15269,16 +14750,21 @@
                   </m:oMath>
                 </a14:m>
                 <a:r>
-                  <a:rPr lang="en-150" dirty="0"/>
+                  <a:rPr lang="en-GB" noProof="0" dirty="0"/>
                   <a:t> Earliest Finishing Time</a:t>
                 </a:r>
-                <a:endParaRPr lang="en-150" b="0" dirty="0"/>
+                <a:endParaRPr lang="en-GB" b="0" noProof="0" dirty="0"/>
               </a:p>
               <a:p>
+                <a:pPr>
+                  <a:lnSpc>
+                    <a:spcPct val="100000"/>
+                  </a:lnSpc>
+                </a:pPr>
                 <a14:m>
                   <m:oMath xmlns:m="http://schemas.openxmlformats.org/officeDocument/2006/math">
                     <m:r>
-                      <a:rPr lang="en-150" b="0" i="1" smtClean="0">
+                      <a:rPr lang="en-GB" b="0" i="1" noProof="0" smtClean="0">
                         <a:latin typeface="Cambria Math" panose="02040503050406030204" pitchFamily="18" charset="0"/>
                       </a:rPr>
                       <m:t>𝐿𝐹</m:t>
@@ -15286,14 +14772,14 @@
                     <m:sSubSup>
                       <m:sSubSupPr>
                         <m:ctrlPr>
-                          <a:rPr lang="en-150" b="0" i="1" smtClean="0">
+                          <a:rPr lang="en-GB" b="0" i="1" noProof="0" smtClean="0">
                             <a:latin typeface="Cambria Math" panose="02040503050406030204" pitchFamily="18" charset="0"/>
                           </a:rPr>
                         </m:ctrlPr>
                       </m:sSubSupPr>
                       <m:e>
                         <m:r>
-                          <a:rPr lang="en-150" b="0" i="1" smtClean="0">
+                          <a:rPr lang="en-GB" b="0" i="1" noProof="0" smtClean="0">
                             <a:latin typeface="Cambria Math" panose="02040503050406030204" pitchFamily="18" charset="0"/>
                           </a:rPr>
                           <m:t>𝑇</m:t>
@@ -15301,7 +14787,7 @@
                       </m:e>
                       <m:sub>
                         <m:r>
-                          <a:rPr lang="en-150" b="0" i="1" smtClean="0">
+                          <a:rPr lang="en-GB" b="0" i="1" noProof="0" smtClean="0">
                             <a:latin typeface="Cambria Math" panose="02040503050406030204" pitchFamily="18" charset="0"/>
                           </a:rPr>
                           <m:t>𝑖</m:t>
@@ -15309,7 +14795,7 @@
                       </m:sub>
                       <m:sup>
                         <m:r>
-                          <a:rPr lang="en-150" b="0" i="1" smtClean="0">
+                          <a:rPr lang="en-GB" b="0" i="1" noProof="0" smtClean="0">
                             <a:latin typeface="Cambria Math" panose="02040503050406030204" pitchFamily="18" charset="0"/>
                           </a:rPr>
                           <m:t>𝑝</m:t>
@@ -15319,119 +14805,112 @@
                   </m:oMath>
                 </a14:m>
                 <a:r>
-                  <a:rPr lang="en-150" b="0" dirty="0"/>
+                  <a:rPr lang="en-GB" b="0" noProof="0" dirty="0"/>
                   <a:t> Latest Finishing Time</a:t>
                 </a:r>
               </a:p>
               <a:p>
-                <a:endParaRPr lang="en-150" sz="1100" b="0" dirty="0"/>
+                <a:endParaRPr lang="en-GB" sz="1100" b="0" noProof="0" dirty="0"/>
               </a:p>
               <a:p>
-                <a:pPr marL="0" indent="0" algn="ctr">
-                  <a:buNone/>
-                </a:pPr>
+                <a:r>
+                  <a:rPr lang="en-150" b="0" noProof="0" dirty="0"/>
+                  <a:t>Create next state if: </a:t>
+                </a:r>
                 <a14:m>
-                  <m:oMathPara xmlns:m="http://schemas.openxmlformats.org/officeDocument/2006/math">
-                    <m:oMathParaPr>
-                      <m:jc m:val="centerGroup"/>
-                    </m:oMathParaPr>
-                    <m:oMath xmlns:m="http://schemas.openxmlformats.org/officeDocument/2006/math">
-                      <m:r>
-                        <a:rPr lang="en-150" b="0" i="1" smtClean="0">
-                          <a:latin typeface="Cambria Math" panose="02040503050406030204" pitchFamily="18" charset="0"/>
-                        </a:rPr>
-                        <m:t>𝐸𝑆</m:t>
-                      </m:r>
-                      <m:sSubSup>
-                        <m:sSubSupPr>
-                          <m:ctrlPr>
-                            <a:rPr lang="en-150" b="0" i="1" smtClean="0">
-                              <a:latin typeface="Cambria Math" panose="02040503050406030204" pitchFamily="18" charset="0"/>
-                            </a:rPr>
-                          </m:ctrlPr>
-                        </m:sSubSupPr>
-                        <m:e>
-                          <m:r>
-                            <a:rPr lang="en-150" b="0" i="1" smtClean="0">
-                              <a:latin typeface="Cambria Math" panose="02040503050406030204" pitchFamily="18" charset="0"/>
-                            </a:rPr>
-                            <m:t>𝑇</m:t>
-                          </m:r>
-                        </m:e>
-                        <m:sub>
-                          <m:r>
-                            <a:rPr lang="en-150" b="0" i="1" smtClean="0">
-                              <a:latin typeface="Cambria Math" panose="02040503050406030204" pitchFamily="18" charset="0"/>
-                            </a:rPr>
-                            <m:t>𝑖</m:t>
-                          </m:r>
-                        </m:sub>
-                        <m:sup>
-                          <m:r>
-                            <a:rPr lang="en-150" b="0" i="1" smtClean="0">
-                              <a:latin typeface="Cambria Math" panose="02040503050406030204" pitchFamily="18" charset="0"/>
-                            </a:rPr>
-                            <m:t>𝑝</m:t>
-                          </m:r>
-                        </m:sup>
-                      </m:sSubSup>
-                      <m:r>
-                        <a:rPr lang="en-150" b="0" i="1" smtClean="0">
-                          <a:latin typeface="Cambria Math" panose="02040503050406030204" pitchFamily="18" charset="0"/>
-                        </a:rPr>
-                        <m:t>≤</m:t>
-                      </m:r>
-                      <m:r>
-                        <a:rPr lang="en-150" b="0" i="1" smtClean="0">
-                          <a:latin typeface="Cambria Math" panose="02040503050406030204" pitchFamily="18" charset="0"/>
-                        </a:rPr>
-                        <m:t>𝐿𝑆</m:t>
-                      </m:r>
-                      <m:sSubSup>
-                        <m:sSubSupPr>
-                          <m:ctrlPr>
-                            <a:rPr lang="en-150" b="0" i="1" smtClean="0">
-                              <a:latin typeface="Cambria Math" panose="02040503050406030204" pitchFamily="18" charset="0"/>
-                            </a:rPr>
-                          </m:ctrlPr>
-                        </m:sSubSupPr>
-                        <m:e>
-                          <m:r>
-                            <a:rPr lang="en-150" b="0" i="1" smtClean="0">
-                              <a:latin typeface="Cambria Math" panose="02040503050406030204" pitchFamily="18" charset="0"/>
-                            </a:rPr>
-                            <m:t>𝑇</m:t>
-                          </m:r>
-                        </m:e>
-                        <m:sub>
-                          <m:r>
-                            <a:rPr lang="en-150" b="0" i="1" smtClean="0">
-                              <a:latin typeface="Cambria Math" panose="02040503050406030204" pitchFamily="18" charset="0"/>
-                            </a:rPr>
-                            <m:t>𝑖</m:t>
-                          </m:r>
-                        </m:sub>
-                        <m:sup>
-                          <m:r>
-                            <a:rPr lang="en-150" b="0" i="1" smtClean="0">
-                              <a:latin typeface="Cambria Math" panose="02040503050406030204" pitchFamily="18" charset="0"/>
-                            </a:rPr>
-                            <m:t>𝑝</m:t>
-                          </m:r>
-                        </m:sup>
-                      </m:sSubSup>
-                    </m:oMath>
-                  </m:oMathPara>
+                  <m:oMath xmlns:m="http://schemas.openxmlformats.org/officeDocument/2006/math">
+                    <m:r>
+                      <a:rPr lang="en-GB" b="0" i="1" noProof="0" smtClean="0">
+                        <a:latin typeface="Cambria Math" panose="02040503050406030204" pitchFamily="18" charset="0"/>
+                      </a:rPr>
+                      <m:t>𝐸𝑆</m:t>
+                    </m:r>
+                    <m:sSubSup>
+                      <m:sSubSupPr>
+                        <m:ctrlPr>
+                          <a:rPr lang="en-GB" b="0" i="1" noProof="0" smtClean="0">
+                            <a:latin typeface="Cambria Math" panose="02040503050406030204" pitchFamily="18" charset="0"/>
+                          </a:rPr>
+                        </m:ctrlPr>
+                      </m:sSubSupPr>
+                      <m:e>
+                        <m:r>
+                          <a:rPr lang="en-GB" b="0" i="1" noProof="0" smtClean="0">
+                            <a:latin typeface="Cambria Math" panose="02040503050406030204" pitchFamily="18" charset="0"/>
+                          </a:rPr>
+                          <m:t>𝑇</m:t>
+                        </m:r>
+                      </m:e>
+                      <m:sub>
+                        <m:r>
+                          <a:rPr lang="en-GB" b="0" i="1" noProof="0" smtClean="0">
+                            <a:latin typeface="Cambria Math" panose="02040503050406030204" pitchFamily="18" charset="0"/>
+                          </a:rPr>
+                          <m:t>𝑖</m:t>
+                        </m:r>
+                      </m:sub>
+                      <m:sup>
+                        <m:r>
+                          <a:rPr lang="en-GB" b="0" i="1" noProof="0" smtClean="0">
+                            <a:latin typeface="Cambria Math" panose="02040503050406030204" pitchFamily="18" charset="0"/>
+                          </a:rPr>
+                          <m:t>𝑝</m:t>
+                        </m:r>
+                      </m:sup>
+                    </m:sSubSup>
+                    <m:r>
+                      <a:rPr lang="en-GB" b="0" i="1" noProof="0" smtClean="0">
+                        <a:latin typeface="Cambria Math" panose="02040503050406030204" pitchFamily="18" charset="0"/>
+                      </a:rPr>
+                      <m:t>≤</m:t>
+                    </m:r>
+                    <m:r>
+                      <a:rPr lang="en-GB" b="0" i="1" noProof="0" smtClean="0">
+                        <a:latin typeface="Cambria Math" panose="02040503050406030204" pitchFamily="18" charset="0"/>
+                      </a:rPr>
+                      <m:t>𝐿𝑆</m:t>
+                    </m:r>
+                    <m:sSubSup>
+                      <m:sSubSupPr>
+                        <m:ctrlPr>
+                          <a:rPr lang="en-GB" b="0" i="1" noProof="0" smtClean="0">
+                            <a:latin typeface="Cambria Math" panose="02040503050406030204" pitchFamily="18" charset="0"/>
+                          </a:rPr>
+                        </m:ctrlPr>
+                      </m:sSubSupPr>
+                      <m:e>
+                        <m:r>
+                          <a:rPr lang="en-GB" b="0" i="1" noProof="0" smtClean="0">
+                            <a:latin typeface="Cambria Math" panose="02040503050406030204" pitchFamily="18" charset="0"/>
+                          </a:rPr>
+                          <m:t>𝑇</m:t>
+                        </m:r>
+                      </m:e>
+                      <m:sub>
+                        <m:r>
+                          <a:rPr lang="en-GB" b="0" i="1" noProof="0" smtClean="0">
+                            <a:latin typeface="Cambria Math" panose="02040503050406030204" pitchFamily="18" charset="0"/>
+                          </a:rPr>
+                          <m:t>𝑖</m:t>
+                        </m:r>
+                      </m:sub>
+                      <m:sup>
+                        <m:r>
+                          <a:rPr lang="en-GB" b="0" i="1" noProof="0" smtClean="0">
+                            <a:latin typeface="Cambria Math" panose="02040503050406030204" pitchFamily="18" charset="0"/>
+                          </a:rPr>
+                          <m:t>𝑝</m:t>
+                        </m:r>
+                      </m:sup>
+                    </m:sSubSup>
+                  </m:oMath>
                 </a14:m>
-                <a:endParaRPr lang="en-150" b="0" dirty="0"/>
-              </a:p>
-              <a:p>
-                <a:endParaRPr lang="en-150" dirty="0"/>
+                <a:endParaRPr lang="en-GB" b="0" noProof="0" dirty="0"/>
               </a:p>
             </p:txBody>
           </p:sp>
         </mc:Choice>
-        <mc:Fallback xmlns="">
+        <mc:Fallback>
           <p:sp>
             <p:nvSpPr>
               <p:cNvPr id="3" name="Content Placeholder 2">
@@ -15449,10 +14928,14 @@
               </p:nvPr>
             </p:nvSpPr>
             <p:spPr>
+              <a:xfrm>
+                <a:off x="838200" y="1596044"/>
+                <a:ext cx="10515600" cy="4760306"/>
+              </a:xfrm>
               <a:blipFill>
                 <a:blip r:embed="rId3"/>
                 <a:stretch>
-                  <a:fillRect t="-2041"/>
+                  <a:fillRect l="-1043" t="-1921"/>
                 </a:stretch>
               </a:blipFill>
             </p:spPr>
@@ -15552,36 +15035,8 @@
           <a:lstStyle/>
           <a:p>
             <a:r>
-              <a:rPr lang="en-150" dirty="0"/>
-              <a:t>A</a:t>
-            </a:r>
-            <a:r>
-              <a:rPr lang="en-GB" dirty="0"/>
-              <a:t>n</a:t>
-            </a:r>
-            <a:r>
-              <a:rPr lang="en-150" dirty="0"/>
-              <a:t>a</a:t>
-            </a:r>
-            <a:r>
-              <a:rPr lang="en-GB" dirty="0"/>
-              <a:t>l</a:t>
-            </a:r>
-            <a:r>
-              <a:rPr lang="en-150" dirty="0"/>
-              <a:t>y</a:t>
-            </a:r>
-            <a:r>
-              <a:rPr lang="en-GB" dirty="0"/>
-              <a:t>s</a:t>
-            </a:r>
-            <a:r>
-              <a:rPr lang="en-150" dirty="0"/>
-              <a:t>i</a:t>
-            </a:r>
-            <a:r>
-              <a:rPr lang="en-GB" dirty="0"/>
-              <a:t>s</a:t>
+              <a:rPr lang="en-GB" noProof="0" dirty="0"/>
+              <a:t>Analysis</a:t>
             </a:r>
           </a:p>
         </p:txBody>
@@ -15619,7 +15074,7 @@
                     </m:oMathParaPr>
                     <m:oMath xmlns:m="http://schemas.openxmlformats.org/officeDocument/2006/math">
                       <m:r>
-                        <a:rPr lang="en-150" b="0" i="1" smtClean="0">
+                        <a:rPr lang="en-GB" b="0" i="1" noProof="0" smtClean="0">
                           <a:latin typeface="Cambria Math" panose="02040503050406030204" pitchFamily="18" charset="0"/>
                         </a:rPr>
                         <m:t>𝐸𝑆</m:t>
@@ -15627,14 +15082,14 @@
                       <m:sSubSup>
                         <m:sSubSupPr>
                           <m:ctrlPr>
-                            <a:rPr lang="en-150" b="0" i="1" smtClean="0">
+                            <a:rPr lang="en-GB" b="0" i="1" noProof="0" smtClean="0">
                               <a:latin typeface="Cambria Math" panose="02040503050406030204" pitchFamily="18" charset="0"/>
                             </a:rPr>
                           </m:ctrlPr>
                         </m:sSubSupPr>
                         <m:e>
                           <m:r>
-                            <a:rPr lang="en-150" b="0" i="1" smtClean="0">
+                            <a:rPr lang="en-GB" b="0" i="1" noProof="0" smtClean="0">
                               <a:latin typeface="Cambria Math" panose="02040503050406030204" pitchFamily="18" charset="0"/>
                             </a:rPr>
                             <m:t>𝑇</m:t>
@@ -15642,7 +15097,7 @@
                         </m:e>
                         <m:sub>
                           <m:r>
-                            <a:rPr lang="en-150" b="0" i="1" smtClean="0">
+                            <a:rPr lang="en-GB" b="0" i="1" noProof="0" smtClean="0">
                               <a:latin typeface="Cambria Math" panose="02040503050406030204" pitchFamily="18" charset="0"/>
                             </a:rPr>
                             <m:t>𝑖</m:t>
@@ -15650,7 +15105,7 @@
                         </m:sub>
                         <m:sup>
                           <m:r>
-                            <a:rPr lang="en-150" b="0" i="1" smtClean="0">
+                            <a:rPr lang="en-GB" b="0" i="1" noProof="0" smtClean="0">
                               <a:latin typeface="Cambria Math" panose="02040503050406030204" pitchFamily="18" charset="0"/>
                             </a:rPr>
                             <m:t>𝑝</m:t>
@@ -15658,7 +15113,7 @@
                         </m:sup>
                       </m:sSubSup>
                       <m:r>
-                        <a:rPr lang="en-150" b="0" i="1" smtClean="0">
+                        <a:rPr lang="en-GB" b="0" i="1" noProof="0" smtClean="0">
                           <a:latin typeface="Cambria Math" panose="02040503050406030204" pitchFamily="18" charset="0"/>
                         </a:rPr>
                         <m:t>=</m:t>
@@ -15667,13 +15122,13 @@
                         <m:rPr>
                           <m:sty m:val="p"/>
                         </m:rPr>
-                        <a:rPr lang="en-150" b="0" i="1" smtClean="0">
+                        <a:rPr lang="en-GB" b="0" i="1" noProof="0" smtClean="0">
                           <a:latin typeface="Cambria Math" panose="02040503050406030204" pitchFamily="18" charset="0"/>
                         </a:rPr>
                         <m:t>max</m:t>
                       </m:r>
                       <m:r>
-                        <a:rPr lang="en-150" b="0" i="1" smtClean="0">
+                        <a:rPr lang="en-GB" b="0" i="1" noProof="0" smtClean="0">
                           <a:latin typeface="Cambria Math" panose="02040503050406030204" pitchFamily="18" charset="0"/>
                         </a:rPr>
                         <m:t>⁡{</m:t>
@@ -15681,14 +15136,14 @@
                       <m:sSubSup>
                         <m:sSubSupPr>
                           <m:ctrlPr>
-                            <a:rPr lang="en-150" b="0" i="1" smtClean="0">
+                            <a:rPr lang="en-GB" b="0" i="1" noProof="0" smtClean="0">
                               <a:latin typeface="Cambria Math" panose="02040503050406030204" pitchFamily="18" charset="0"/>
                             </a:rPr>
                           </m:ctrlPr>
                         </m:sSubSupPr>
                         <m:e>
                           <m:r>
-                            <a:rPr lang="en-150" b="0" i="1" smtClean="0">
+                            <a:rPr lang="en-GB" b="0" i="1" noProof="0" smtClean="0">
                               <a:latin typeface="Cambria Math" panose="02040503050406030204" pitchFamily="18" charset="0"/>
                             </a:rPr>
                             <m:t>𝑟</m:t>
@@ -15696,7 +15151,7 @@
                         </m:e>
                         <m:sub>
                           <m:r>
-                            <a:rPr lang="en-150" b="0" i="1" smtClean="0">
+                            <a:rPr lang="en-GB" b="0" i="1" noProof="0" smtClean="0">
                               <a:latin typeface="Cambria Math" panose="02040503050406030204" pitchFamily="18" charset="0"/>
                             </a:rPr>
                             <m:t>𝑖</m:t>
@@ -15707,7 +15162,7 @@
                             <m:rPr>
                               <m:sty m:val="p"/>
                             </m:rPr>
-                            <a:rPr lang="en-150" b="0" i="1" smtClean="0">
+                            <a:rPr lang="en-GB" b="0" i="1" noProof="0" smtClean="0">
                               <a:latin typeface="Cambria Math" panose="02040503050406030204" pitchFamily="18" charset="0"/>
                             </a:rPr>
                             <m:t>min</m:t>
@@ -15715,7 +15170,7 @@
                         </m:sup>
                       </m:sSubSup>
                       <m:r>
-                        <a:rPr lang="en-150" b="0" i="1" smtClean="0">
+                        <a:rPr lang="en-GB" b="0" i="1" noProof="0" smtClean="0">
                           <a:latin typeface="Cambria Math" panose="02040503050406030204" pitchFamily="18" charset="0"/>
                         </a:rPr>
                         <m:t>,</m:t>
@@ -15723,14 +15178,14 @@
                       <m:sSubSup>
                         <m:sSubSupPr>
                           <m:ctrlPr>
-                            <a:rPr lang="en-150" i="1">
+                            <a:rPr lang="en-GB" i="1" noProof="0">
                               <a:latin typeface="Cambria Math" panose="02040503050406030204" pitchFamily="18" charset="0"/>
                             </a:rPr>
                           </m:ctrlPr>
                         </m:sSubSupPr>
                         <m:e>
                           <m:r>
-                            <a:rPr lang="en-150" i="1">
+                            <a:rPr lang="en-GB" i="1" noProof="0">
                               <a:latin typeface="Cambria Math" panose="02040503050406030204" pitchFamily="18" charset="0"/>
                             </a:rPr>
                             <m:t>𝐴</m:t>
@@ -15738,7 +15193,7 @@
                         </m:e>
                         <m:sub>
                           <m:r>
-                            <a:rPr lang="en-150" i="1">
+                            <a:rPr lang="en-GB" i="1" noProof="0">
                               <a:latin typeface="Cambria Math" panose="02040503050406030204" pitchFamily="18" charset="0"/>
                             </a:rPr>
                             <m:t>𝑝</m:t>
@@ -15749,7 +15204,7 @@
                             <m:rPr>
                               <m:sty m:val="p"/>
                             </m:rPr>
-                            <a:rPr lang="en-150" i="1">
+                            <a:rPr lang="en-GB" i="1" noProof="0">
                               <a:latin typeface="Cambria Math" panose="02040503050406030204" pitchFamily="18" charset="0"/>
                             </a:rPr>
                             <m:t>min</m:t>
@@ -15757,7 +15212,7 @@
                         </m:sup>
                       </m:sSubSup>
                       <m:r>
-                        <a:rPr lang="en-150" b="0" i="1" smtClean="0">
+                        <a:rPr lang="en-GB" b="0" i="1" noProof="0" smtClean="0">
                           <a:latin typeface="Cambria Math" panose="02040503050406030204" pitchFamily="18" charset="0"/>
                         </a:rPr>
                         <m:t>}⁡</m:t>
@@ -15765,84 +15220,31 @@
                     </m:oMath>
                   </m:oMathPara>
                 </a14:m>
-                <a:endParaRPr lang="en-150" dirty="0"/>
+                <a:endParaRPr lang="en-GB" noProof="0" dirty="0"/>
               </a:p>
               <a:p>
                 <a:r>
-                  <a:rPr lang="en-150" dirty="0"/>
-                  <a:t>J</a:t>
-                </a:r>
-                <a:r>
-                  <a:rPr lang="en-GB" dirty="0"/>
-                  <a:t>o</a:t>
-                </a:r>
-                <a:r>
-                  <a:rPr lang="en-150" dirty="0"/>
-                  <a:t>b cannot start before</a:t>
+                  <a:rPr lang="en-GB" noProof="0" dirty="0"/>
+                  <a:t>Job cannot start before</a:t>
                 </a:r>
               </a:p>
               <a:p>
                 <a:pPr lvl="1"/>
                 <a:r>
-                  <a:rPr lang="en-150" dirty="0"/>
+                  <a:rPr lang="en-GB" noProof="0" dirty="0"/>
                   <a:t>Being released</a:t>
                 </a:r>
               </a:p>
               <a:p>
                 <a:pPr lvl="1"/>
                 <a:r>
-                  <a:rPr lang="en-150" dirty="0"/>
-                  <a:t>Enough cores a</a:t>
+                  <a:rPr lang="en-GB" noProof="0" dirty="0"/>
+                  <a:t>Enough cores are available</a:t>
                 </a:r>
-                <a:r>
-                  <a:rPr lang="en-GB" dirty="0"/>
-                  <a:t>r</a:t>
-                </a:r>
-                <a:r>
-                  <a:rPr lang="en-150" dirty="0"/>
-                  <a:t>e </a:t>
-                </a:r>
-                <a:r>
-                  <a:rPr lang="en-GB" dirty="0"/>
-                  <a:t>a</a:t>
-                </a:r>
-                <a:r>
-                  <a:rPr lang="en-150" dirty="0"/>
-                  <a:t>v</a:t>
-                </a:r>
-                <a:r>
-                  <a:rPr lang="en-GB" dirty="0"/>
-                  <a:t>a</a:t>
-                </a:r>
-                <a:r>
-                  <a:rPr lang="en-150" dirty="0"/>
-                  <a:t>i</a:t>
-                </a:r>
-                <a:r>
-                  <a:rPr lang="en-GB" dirty="0"/>
-                  <a:t>l</a:t>
-                </a:r>
-                <a:r>
-                  <a:rPr lang="en-150" dirty="0"/>
-                  <a:t>a</a:t>
-                </a:r>
-                <a:r>
-                  <a:rPr lang="en-GB" dirty="0"/>
-                  <a:t>b</a:t>
-                </a:r>
-                <a:r>
-                  <a:rPr lang="en-150" dirty="0"/>
-                  <a:t>l</a:t>
-                </a:r>
-                <a:r>
-                  <a:rPr lang="en-GB" dirty="0"/>
-                  <a:t>e</a:t>
-                </a:r>
-                <a:endParaRPr lang="en-150" dirty="0"/>
               </a:p>
               <a:p>
                 <a:pPr lvl="1"/>
-                <a:endParaRPr lang="en-150" sz="1100" dirty="0"/>
+                <a:endParaRPr lang="en-GB" sz="1100" noProof="0" dirty="0"/>
               </a:p>
               <a:p>
                 <a:pPr marL="0" indent="0" algn="ctr">
@@ -15855,7 +15257,7 @@
                     </m:oMathParaPr>
                     <m:oMath xmlns:m="http://schemas.openxmlformats.org/officeDocument/2006/math">
                       <m:r>
-                        <a:rPr lang="en-150" b="0" i="1" smtClean="0">
+                        <a:rPr lang="en-GB" b="0" i="1" noProof="0" smtClean="0">
                           <a:latin typeface="Cambria Math" panose="02040503050406030204" pitchFamily="18" charset="0"/>
                         </a:rPr>
                         <m:t>𝐿𝑆</m:t>
@@ -15863,14 +15265,14 @@
                       <m:sSubSup>
                         <m:sSubSupPr>
                           <m:ctrlPr>
-                            <a:rPr lang="en-150" b="0" i="1" smtClean="0">
+                            <a:rPr lang="en-GB" b="0" i="1" noProof="0" smtClean="0">
                               <a:latin typeface="Cambria Math" panose="02040503050406030204" pitchFamily="18" charset="0"/>
                             </a:rPr>
                           </m:ctrlPr>
                         </m:sSubSupPr>
                         <m:e>
                           <m:r>
-                            <a:rPr lang="en-150" b="0" i="1" smtClean="0">
+                            <a:rPr lang="en-GB" b="0" i="1" noProof="0" smtClean="0">
                               <a:latin typeface="Cambria Math" panose="02040503050406030204" pitchFamily="18" charset="0"/>
                             </a:rPr>
                             <m:t>𝑇</m:t>
@@ -15878,7 +15280,7 @@
                         </m:e>
                         <m:sub>
                           <m:r>
-                            <a:rPr lang="en-150" b="0" i="1" smtClean="0">
+                            <a:rPr lang="en-GB" b="0" i="1" noProof="0" smtClean="0">
                               <a:latin typeface="Cambria Math" panose="02040503050406030204" pitchFamily="18" charset="0"/>
                             </a:rPr>
                             <m:t>𝑖</m:t>
@@ -15886,7 +15288,7 @@
                         </m:sub>
                         <m:sup>
                           <m:r>
-                            <a:rPr lang="en-150" b="0" i="1" smtClean="0">
+                            <a:rPr lang="en-GB" b="0" i="1" noProof="0" smtClean="0">
                               <a:latin typeface="Cambria Math" panose="02040503050406030204" pitchFamily="18" charset="0"/>
                             </a:rPr>
                             <m:t>𝑝</m:t>
@@ -15894,7 +15296,7 @@
                         </m:sup>
                       </m:sSubSup>
                       <m:r>
-                        <a:rPr lang="en-150" b="0" i="1" smtClean="0">
+                        <a:rPr lang="en-GB" b="0" i="1" noProof="0" smtClean="0">
                           <a:latin typeface="Cambria Math" panose="02040503050406030204" pitchFamily="18" charset="0"/>
                         </a:rPr>
                         <m:t>=</m:t>
@@ -15902,7 +15304,7 @@
                       <m:func>
                         <m:funcPr>
                           <m:ctrlPr>
-                            <a:rPr lang="en-150" b="0" i="1" smtClean="0">
+                            <a:rPr lang="en-GB" b="0" i="1" noProof="0" smtClean="0">
                               <a:latin typeface="Cambria Math" panose="02040503050406030204" pitchFamily="18" charset="0"/>
                             </a:rPr>
                           </m:ctrlPr>
@@ -15912,7 +15314,7 @@
                             <m:rPr>
                               <m:sty m:val="p"/>
                             </m:rPr>
-                            <a:rPr lang="en-150" b="0" i="0" smtClean="0">
+                            <a:rPr lang="en-GB" b="0" i="0" noProof="0" smtClean="0">
                               <a:latin typeface="Cambria Math" panose="02040503050406030204" pitchFamily="18" charset="0"/>
                             </a:rPr>
                             <m:t>min</m:t>
@@ -15923,7 +15325,7 @@
                             <m:rPr>
                               <m:lit/>
                             </m:rPr>
-                            <a:rPr lang="en-150" b="0" i="1" smtClean="0">
+                            <a:rPr lang="en-GB" b="0" i="1" noProof="0" smtClean="0">
                               <a:latin typeface="Cambria Math" panose="02040503050406030204" pitchFamily="18" charset="0"/>
                             </a:rPr>
                             <m:t>{</m:t>
@@ -15931,14 +15333,14 @@
                           <m:sSub>
                             <m:sSubPr>
                               <m:ctrlPr>
-                                <a:rPr lang="en-150" b="0" i="1" smtClean="0">
+                                <a:rPr lang="en-GB" b="0" i="1" noProof="0" smtClean="0">
                                   <a:latin typeface="Cambria Math" panose="02040503050406030204" pitchFamily="18" charset="0"/>
                                 </a:rPr>
                               </m:ctrlPr>
                             </m:sSubPr>
                             <m:e>
                               <m:r>
-                                <a:rPr lang="en-150" b="0" i="1" smtClean="0">
+                                <a:rPr lang="en-GB" b="0" i="1" noProof="0" smtClean="0">
                                   <a:latin typeface="Cambria Math" panose="02040503050406030204" pitchFamily="18" charset="0"/>
                                 </a:rPr>
                                 <m:t>𝑡</m:t>
@@ -15946,13 +15348,13 @@
                             </m:e>
                             <m:sub>
                               <m:r>
-                                <a:rPr lang="en-150" b="0" i="1" smtClean="0">
+                                <a:rPr lang="en-GB" b="0" i="1" noProof="0" smtClean="0">
                                   <a:latin typeface="Cambria Math" panose="02040503050406030204" pitchFamily="18" charset="0"/>
                                 </a:rPr>
                                 <m:t>𝑝</m:t>
                               </m:r>
                               <m:r>
-                                <a:rPr lang="en-150" b="0" i="1" smtClean="0">
+                                <a:rPr lang="en-GB" b="0" i="1" noProof="0" smtClean="0">
                                   <a:latin typeface="Cambria Math" panose="02040503050406030204" pitchFamily="18" charset="0"/>
                                 </a:rPr>
                                 <m:t>+1</m:t>
@@ -15960,7 +15362,7 @@
                             </m:sub>
                           </m:sSub>
                           <m:r>
-                            <a:rPr lang="en-150" b="0" i="1" smtClean="0">
+                            <a:rPr lang="en-GB" b="0" i="1" noProof="0" smtClean="0">
                               <a:latin typeface="Cambria Math" panose="02040503050406030204" pitchFamily="18" charset="0"/>
                             </a:rPr>
                             <m:t>,</m:t>
@@ -15968,14 +15370,14 @@
                           <m:sSub>
                             <m:sSubPr>
                               <m:ctrlPr>
-                                <a:rPr lang="en-150" b="0" i="1" smtClean="0">
+                                <a:rPr lang="en-GB" b="0" i="1" noProof="0" smtClean="0">
                                   <a:latin typeface="Cambria Math" panose="02040503050406030204" pitchFamily="18" charset="0"/>
                                 </a:rPr>
                               </m:ctrlPr>
                             </m:sSubPr>
                             <m:e>
                               <m:r>
-                                <a:rPr lang="en-150" b="0" i="1" smtClean="0">
+                                <a:rPr lang="en-GB" b="0" i="1" noProof="0" smtClean="0">
                                   <a:latin typeface="Cambria Math" panose="02040503050406030204" pitchFamily="18" charset="0"/>
                                 </a:rPr>
                                 <m:t>𝑡</m:t>
@@ -15983,7 +15385,7 @@
                             </m:e>
                             <m:sub>
                               <m:r>
-                                <a:rPr lang="en-150" b="0" i="1" smtClean="0">
+                                <a:rPr lang="en-GB" b="0" i="1" noProof="0" smtClean="0">
                                   <a:latin typeface="Cambria Math" panose="02040503050406030204" pitchFamily="18" charset="0"/>
                                 </a:rPr>
                                 <m:t>𝑤𝑐</m:t>
@@ -15991,7 +15393,7 @@
                             </m:sub>
                           </m:sSub>
                           <m:r>
-                            <a:rPr lang="en-150" b="0" i="1" smtClean="0">
+                            <a:rPr lang="en-GB" b="0" i="1" noProof="0" smtClean="0">
                               <a:latin typeface="Cambria Math" panose="02040503050406030204" pitchFamily="18" charset="0"/>
                             </a:rPr>
                             <m:t>,</m:t>
@@ -15999,14 +15401,14 @@
                           <m:sSub>
                             <m:sSubPr>
                               <m:ctrlPr>
-                                <a:rPr lang="en-150" b="0" i="1" smtClean="0">
+                                <a:rPr lang="en-GB" b="0" i="1" noProof="0" smtClean="0">
                                   <a:latin typeface="Cambria Math" panose="02040503050406030204" pitchFamily="18" charset="0"/>
                                 </a:rPr>
                               </m:ctrlPr>
                             </m:sSubPr>
                             <m:e>
                               <m:r>
-                                <a:rPr lang="en-150" b="0" i="1" smtClean="0">
+                                <a:rPr lang="en-GB" b="0" i="1" noProof="0" smtClean="0">
                                   <a:latin typeface="Cambria Math" panose="02040503050406030204" pitchFamily="18" charset="0"/>
                                 </a:rPr>
                                 <m:t>𝑡</m:t>
@@ -16014,7 +15416,7 @@
                             </m:e>
                             <m:sub>
                               <m:r>
-                                <a:rPr lang="en-150" b="0" i="1" smtClean="0">
+                                <a:rPr lang="en-GB" b="0" i="1" noProof="0" smtClean="0">
                                   <a:latin typeface="Cambria Math" panose="02040503050406030204" pitchFamily="18" charset="0"/>
                                 </a:rPr>
                                 <m:t>h𝑖𝑔h</m:t>
@@ -16022,7 +15424,7 @@
                             </m:sub>
                           </m:sSub>
                           <m:r>
-                            <a:rPr lang="en-150" b="0" i="1" smtClean="0">
+                            <a:rPr lang="en-GB" b="0" i="1" noProof="0" smtClean="0">
                               <a:latin typeface="Cambria Math" panose="02040503050406030204" pitchFamily="18" charset="0"/>
                             </a:rPr>
                             <m:t>−1}</m:t>
@@ -16032,17 +15434,17 @@
                     </m:oMath>
                   </m:oMathPara>
                 </a14:m>
-                <a:endParaRPr lang="en-150" dirty="0"/>
+                <a:endParaRPr lang="en-GB" noProof="0" dirty="0"/>
               </a:p>
               <a:p>
                 <a:r>
-                  <a:rPr lang="en-150" dirty="0"/>
+                  <a:rPr lang="en-GB" noProof="0" dirty="0"/>
                   <a:t>Job cannot start with </a:t>
                 </a:r>
                 <a14:m>
                   <m:oMath xmlns:m="http://schemas.openxmlformats.org/officeDocument/2006/math">
                     <m:r>
-                      <a:rPr lang="en-150" b="0" i="1" smtClean="0">
+                      <a:rPr lang="en-GB" b="0" i="1" noProof="0" smtClean="0">
                         <a:latin typeface="Cambria Math" panose="02040503050406030204" pitchFamily="18" charset="0"/>
                       </a:rPr>
                       <m:t>𝑝</m:t>
@@ -16050,7 +15452,7 @@
                   </m:oMath>
                 </a14:m>
                 <a:r>
-                  <a:rPr lang="en-150" dirty="0"/>
+                  <a:rPr lang="en-GB" noProof="0" dirty="0"/>
                   <a:t> cores after:</a:t>
                 </a:r>
               </a:p>
@@ -16059,13 +15461,13 @@
                 <a14:m>
                   <m:oMath xmlns:m="http://schemas.openxmlformats.org/officeDocument/2006/math">
                     <m:r>
-                      <a:rPr lang="en-150" b="0" i="1" smtClean="0">
+                      <a:rPr lang="en-GB" b="0" i="1" noProof="0" smtClean="0">
                         <a:latin typeface="Cambria Math" panose="02040503050406030204" pitchFamily="18" charset="0"/>
                       </a:rPr>
                       <m:t>𝑝</m:t>
                     </m:r>
                     <m:r>
-                      <a:rPr lang="en-150" b="0" i="1" smtClean="0">
+                      <a:rPr lang="en-GB" b="0" i="1" noProof="0" smtClean="0">
                         <a:latin typeface="Cambria Math" panose="02040503050406030204" pitchFamily="18" charset="0"/>
                       </a:rPr>
                       <m:t>+1</m:t>
@@ -16073,19 +15475,19 @@
                   </m:oMath>
                 </a14:m>
                 <a:r>
-                  <a:rPr lang="en-150" dirty="0"/>
+                  <a:rPr lang="en-GB" noProof="0" dirty="0"/>
                   <a:t> cores are available as JLFP would schedule it with </a:t>
                 </a:r>
                 <a14:m>
                   <m:oMath xmlns:m="http://schemas.openxmlformats.org/officeDocument/2006/math">
                     <m:r>
-                      <a:rPr lang="en-150" b="0" i="1" smtClean="0">
+                      <a:rPr lang="en-GB" b="0" i="1" noProof="0" smtClean="0">
                         <a:latin typeface="Cambria Math" panose="02040503050406030204" pitchFamily="18" charset="0"/>
                       </a:rPr>
                       <m:t>𝑝</m:t>
                     </m:r>
                     <m:r>
-                      <a:rPr lang="en-150" b="0" i="1" smtClean="0">
+                      <a:rPr lang="en-GB" b="0" i="1" noProof="0" smtClean="0">
                         <a:latin typeface="Cambria Math" panose="02040503050406030204" pitchFamily="18" charset="0"/>
                       </a:rPr>
                       <m:t>+1</m:t>
@@ -16093,120 +15495,23 @@
                   </m:oMath>
                 </a14:m>
                 <a:r>
-                  <a:rPr lang="en-150" dirty="0"/>
+                  <a:rPr lang="en-GB" noProof="0" dirty="0"/>
                   <a:t> cores</a:t>
                 </a:r>
               </a:p>
               <a:p>
                 <a:pPr lvl="1"/>
                 <a:r>
-                  <a:rPr lang="en-150" dirty="0"/>
-                  <a:t>A lower priority task is </a:t>
-                </a:r>
-                <a:r>
-                  <a:rPr lang="en-GB" dirty="0"/>
-                  <a:t>r</a:t>
-                </a:r>
-                <a:r>
-                  <a:rPr lang="en-150" dirty="0"/>
-                  <a:t>e</a:t>
-                </a:r>
-                <a:r>
-                  <a:rPr lang="en-GB" dirty="0"/>
-                  <a:t>a</a:t>
-                </a:r>
-                <a:r>
-                  <a:rPr lang="en-150" dirty="0"/>
-                  <a:t>d</a:t>
-                </a:r>
-                <a:r>
-                  <a:rPr lang="en-GB" dirty="0"/>
-                  <a:t>y</a:t>
-                </a:r>
-                <a:r>
-                  <a:rPr lang="en-150" dirty="0"/>
-                  <a:t> </a:t>
-                </a:r>
-                <a:r>
-                  <a:rPr lang="en-GB" dirty="0"/>
-                  <a:t>b</a:t>
-                </a:r>
-                <a:r>
-                  <a:rPr lang="en-150" dirty="0"/>
-                  <a:t>e</a:t>
-                </a:r>
-                <a:r>
-                  <a:rPr lang="en-GB" dirty="0"/>
-                  <a:t>c</a:t>
-                </a:r>
-                <a:r>
-                  <a:rPr lang="en-150" dirty="0"/>
-                  <a:t>a</a:t>
-                </a:r>
-                <a:r>
-                  <a:rPr lang="en-GB" dirty="0"/>
-                  <a:t>u</a:t>
-                </a:r>
-                <a:r>
-                  <a:rPr lang="en-150" dirty="0"/>
-                  <a:t>s</a:t>
-                </a:r>
-                <a:r>
-                  <a:rPr lang="en-GB" dirty="0"/>
-                  <a:t>e</a:t>
-                </a:r>
-                <a:r>
-                  <a:rPr lang="en-150" dirty="0"/>
-                  <a:t> </a:t>
-                </a:r>
-                <a:r>
-                  <a:rPr lang="en-GB" dirty="0"/>
-                  <a:t>J</a:t>
-                </a:r>
-                <a:r>
-                  <a:rPr lang="en-150" dirty="0"/>
-                  <a:t>L</a:t>
-                </a:r>
-                <a:r>
-                  <a:rPr lang="en-GB" dirty="0"/>
-                  <a:t>F</a:t>
-                </a:r>
-                <a:r>
-                  <a:rPr lang="en-150" dirty="0"/>
-                  <a:t>P </a:t>
-                </a:r>
-                <a:r>
-                  <a:rPr lang="en-GB" dirty="0"/>
-                  <a:t>i</a:t>
-                </a:r>
-                <a:r>
-                  <a:rPr lang="en-150" dirty="0"/>
-                  <a:t>s </a:t>
-                </a:r>
-                <a:r>
-                  <a:rPr lang="en-GB" dirty="0"/>
-                  <a:t>w</a:t>
-                </a:r>
-                <a:r>
-                  <a:rPr lang="en-150" dirty="0"/>
-                  <a:t>o</a:t>
-                </a:r>
-                <a:r>
-                  <a:rPr lang="en-GB" dirty="0"/>
-                  <a:t>r</a:t>
-                </a:r>
-                <a:r>
-                  <a:rPr lang="en-150" dirty="0"/>
-                  <a:t>k-conserving</a:t>
+                  <a:rPr lang="en-GB" noProof="0" dirty="0"/>
+                  <a:t>A lower priority task is ready because JLFP is work-conserving</a:t>
                 </a:r>
               </a:p>
               <a:p>
                 <a:pPr lvl="1"/>
                 <a:r>
-                  <a:rPr lang="en-150" dirty="0"/>
+                  <a:rPr lang="en-GB" noProof="0" dirty="0"/>
                   <a:t>A higher priority task is ready</a:t>
                 </a:r>
-                <a:endParaRPr lang="en-GB" dirty="0"/>
               </a:p>
             </p:txBody>
           </p:sp>
@@ -16332,36 +15637,8 @@
           <a:lstStyle/>
           <a:p>
             <a:r>
-              <a:rPr lang="en-150" dirty="0"/>
-              <a:t>A</a:t>
-            </a:r>
-            <a:r>
-              <a:rPr lang="en-GB" dirty="0"/>
-              <a:t>n</a:t>
-            </a:r>
-            <a:r>
-              <a:rPr lang="en-150" dirty="0"/>
-              <a:t>a</a:t>
-            </a:r>
-            <a:r>
-              <a:rPr lang="en-GB" dirty="0"/>
-              <a:t>l</a:t>
-            </a:r>
-            <a:r>
-              <a:rPr lang="en-150" dirty="0"/>
-              <a:t>y</a:t>
-            </a:r>
-            <a:r>
-              <a:rPr lang="en-GB" dirty="0"/>
-              <a:t>s</a:t>
-            </a:r>
-            <a:r>
-              <a:rPr lang="en-150" dirty="0"/>
-              <a:t>i</a:t>
-            </a:r>
-            <a:r>
-              <a:rPr lang="en-GB" dirty="0"/>
-              <a:t>s</a:t>
+              <a:rPr lang="en-GB" noProof="0" dirty="0"/>
+              <a:t>Analysis</a:t>
             </a:r>
           </a:p>
         </p:txBody>
@@ -16390,37 +15667,13 @@
               <a:lstStyle/>
               <a:p>
                 <a:r>
-                  <a:rPr lang="en-150" dirty="0"/>
-                  <a:t>O</a:t>
-                </a:r>
-                <a:r>
-                  <a:rPr lang="en-GB" dirty="0"/>
-                  <a:t>b</a:t>
-                </a:r>
-                <a:r>
-                  <a:rPr lang="en-150" dirty="0"/>
-                  <a:t>t</a:t>
-                </a:r>
-                <a:r>
-                  <a:rPr lang="en-GB" dirty="0"/>
-                  <a:t>a</a:t>
-                </a:r>
-                <a:r>
-                  <a:rPr lang="en-150" dirty="0"/>
-                  <a:t>i</a:t>
-                </a:r>
-                <a:r>
-                  <a:rPr lang="en-GB" dirty="0"/>
-                  <a:t>n</a:t>
-                </a:r>
-                <a:r>
-                  <a:rPr lang="en-150" dirty="0"/>
-                  <a:t> </a:t>
+                  <a:rPr lang="en-GB" noProof="0" dirty="0"/>
+                  <a:t>Obtain </a:t>
                 </a:r>
                 <a14:m>
                   <m:oMath xmlns:m="http://schemas.openxmlformats.org/officeDocument/2006/math">
                     <m:r>
-                      <a:rPr lang="en-150" b="0" i="1" smtClean="0">
+                      <a:rPr lang="en-GB" b="0" i="1" noProof="0" smtClean="0">
                         <a:latin typeface="Cambria Math" panose="02040503050406030204" pitchFamily="18" charset="0"/>
                       </a:rPr>
                       <m:t>𝐸𝐹</m:t>
@@ -16428,14 +15681,14 @@
                     <m:sSubSup>
                       <m:sSubSupPr>
                         <m:ctrlPr>
-                          <a:rPr lang="en-150" b="0" i="1" smtClean="0">
+                          <a:rPr lang="en-GB" b="0" i="1" noProof="0" smtClean="0">
                             <a:latin typeface="Cambria Math" panose="02040503050406030204" pitchFamily="18" charset="0"/>
                           </a:rPr>
                         </m:ctrlPr>
                       </m:sSubSupPr>
                       <m:e>
                         <m:r>
-                          <a:rPr lang="en-150" b="0" i="1" smtClean="0">
+                          <a:rPr lang="en-GB" b="0" i="1" noProof="0" smtClean="0">
                             <a:latin typeface="Cambria Math" panose="02040503050406030204" pitchFamily="18" charset="0"/>
                           </a:rPr>
                           <m:t>𝑇</m:t>
@@ -16443,7 +15696,7 @@
                       </m:e>
                       <m:sub>
                         <m:r>
-                          <a:rPr lang="en-150" b="0" i="1" smtClean="0">
+                          <a:rPr lang="en-GB" b="0" i="1" noProof="0" smtClean="0">
                             <a:latin typeface="Cambria Math" panose="02040503050406030204" pitchFamily="18" charset="0"/>
                           </a:rPr>
                           <m:t>𝑖</m:t>
@@ -16451,7 +15704,7 @@
                       </m:sub>
                       <m:sup>
                         <m:r>
-                          <a:rPr lang="en-150" b="0" i="1" smtClean="0">
+                          <a:rPr lang="en-GB" b="0" i="1" noProof="0" smtClean="0">
                             <a:latin typeface="Cambria Math" panose="02040503050406030204" pitchFamily="18" charset="0"/>
                           </a:rPr>
                           <m:t>𝑝</m:t>
@@ -16461,13 +15714,13 @@
                   </m:oMath>
                 </a14:m>
                 <a:r>
-                  <a:rPr lang="en-150" dirty="0"/>
+                  <a:rPr lang="en-GB" noProof="0" dirty="0"/>
                   <a:t> and </a:t>
                 </a:r>
                 <a14:m>
                   <m:oMath xmlns:m="http://schemas.openxmlformats.org/officeDocument/2006/math">
                     <m:r>
-                      <a:rPr lang="en-150" b="0" i="1" smtClean="0">
+                      <a:rPr lang="en-GB" b="0" i="1" noProof="0" smtClean="0">
                         <a:latin typeface="Cambria Math" panose="02040503050406030204" pitchFamily="18" charset="0"/>
                       </a:rPr>
                       <m:t>𝐿𝐹</m:t>
@@ -16475,14 +15728,14 @@
                     <m:sSubSup>
                       <m:sSubSupPr>
                         <m:ctrlPr>
-                          <a:rPr lang="en-150" b="0" i="1" smtClean="0">
+                          <a:rPr lang="en-GB" b="0" i="1" noProof="0" smtClean="0">
                             <a:latin typeface="Cambria Math" panose="02040503050406030204" pitchFamily="18" charset="0"/>
                           </a:rPr>
                         </m:ctrlPr>
                       </m:sSubSupPr>
                       <m:e>
                         <m:r>
-                          <a:rPr lang="en-150" b="0" i="1" smtClean="0">
+                          <a:rPr lang="en-GB" b="0" i="1" noProof="0" smtClean="0">
                             <a:latin typeface="Cambria Math" panose="02040503050406030204" pitchFamily="18" charset="0"/>
                           </a:rPr>
                           <m:t>𝑇</m:t>
@@ -16490,7 +15743,7 @@
                       </m:e>
                       <m:sub>
                         <m:r>
-                          <a:rPr lang="en-150" b="0" i="1" smtClean="0">
+                          <a:rPr lang="en-GB" b="0" i="1" noProof="0" smtClean="0">
                             <a:latin typeface="Cambria Math" panose="02040503050406030204" pitchFamily="18" charset="0"/>
                           </a:rPr>
                           <m:t>𝑖</m:t>
@@ -16498,7 +15751,7 @@
                       </m:sub>
                       <m:sup>
                         <m:r>
-                          <a:rPr lang="en-150" b="0" i="1" smtClean="0">
+                          <a:rPr lang="en-GB" b="0" i="1" noProof="0" smtClean="0">
                             <a:latin typeface="Cambria Math" panose="02040503050406030204" pitchFamily="18" charset="0"/>
                           </a:rPr>
                           <m:t>𝑝</m:t>
@@ -16508,7 +15761,7 @@
                   </m:oMath>
                 </a14:m>
                 <a:r>
-                  <a:rPr lang="en-150" dirty="0"/>
+                  <a:rPr lang="en-GB" noProof="0" dirty="0"/>
                   <a:t> from:</a:t>
                 </a:r>
               </a:p>
@@ -16523,7 +15776,7 @@
                     </m:oMathParaPr>
                     <m:oMath xmlns:m="http://schemas.openxmlformats.org/officeDocument/2006/math">
                       <m:r>
-                        <a:rPr lang="en-150" b="0" i="1" smtClean="0">
+                        <a:rPr lang="en-GB" b="0" i="1" noProof="0" smtClean="0">
                           <a:latin typeface="Cambria Math" panose="02040503050406030204" pitchFamily="18" charset="0"/>
                         </a:rPr>
                         <m:t>𝐸𝐹</m:t>
@@ -16531,14 +15784,14 @@
                       <m:sSubSup>
                         <m:sSubSupPr>
                           <m:ctrlPr>
-                            <a:rPr lang="en-150" b="0" i="1" smtClean="0">
+                            <a:rPr lang="en-GB" b="0" i="1" noProof="0" smtClean="0">
                               <a:latin typeface="Cambria Math" panose="02040503050406030204" pitchFamily="18" charset="0"/>
                             </a:rPr>
                           </m:ctrlPr>
                         </m:sSubSupPr>
                         <m:e>
                           <m:r>
-                            <a:rPr lang="en-150" b="0" i="1" smtClean="0">
+                            <a:rPr lang="en-GB" b="0" i="1" noProof="0" smtClean="0">
                               <a:latin typeface="Cambria Math" panose="02040503050406030204" pitchFamily="18" charset="0"/>
                             </a:rPr>
                             <m:t>𝑇</m:t>
@@ -16546,7 +15799,7 @@
                         </m:e>
                         <m:sub>
                           <m:r>
-                            <a:rPr lang="en-150" b="0" i="1" smtClean="0">
+                            <a:rPr lang="en-GB" b="0" i="1" noProof="0" smtClean="0">
                               <a:latin typeface="Cambria Math" panose="02040503050406030204" pitchFamily="18" charset="0"/>
                             </a:rPr>
                             <m:t>𝑖</m:t>
@@ -16554,7 +15807,7 @@
                         </m:sub>
                         <m:sup>
                           <m:r>
-                            <a:rPr lang="en-150" b="0" i="1" smtClean="0">
+                            <a:rPr lang="en-GB" b="0" i="1" noProof="0" smtClean="0">
                               <a:latin typeface="Cambria Math" panose="02040503050406030204" pitchFamily="18" charset="0"/>
                             </a:rPr>
                             <m:t>𝑝</m:t>
@@ -16562,13 +15815,13 @@
                         </m:sup>
                       </m:sSubSup>
                       <m:r>
-                        <a:rPr lang="en-150" b="0" i="1" smtClean="0">
+                        <a:rPr lang="en-GB" b="0" i="1" noProof="0" smtClean="0">
                           <a:latin typeface="Cambria Math" panose="02040503050406030204" pitchFamily="18" charset="0"/>
                         </a:rPr>
                         <m:t>=</m:t>
                       </m:r>
                       <m:r>
-                        <a:rPr lang="en-150" b="0" i="1" smtClean="0">
+                        <a:rPr lang="en-GB" b="0" i="1" noProof="0" smtClean="0">
                           <a:latin typeface="Cambria Math" panose="02040503050406030204" pitchFamily="18" charset="0"/>
                         </a:rPr>
                         <m:t>𝐸𝑆</m:t>
@@ -16576,14 +15829,14 @@
                       <m:sSubSup>
                         <m:sSubSupPr>
                           <m:ctrlPr>
-                            <a:rPr lang="en-150" b="0" i="1" smtClean="0">
+                            <a:rPr lang="en-GB" b="0" i="1" noProof="0" smtClean="0">
                               <a:latin typeface="Cambria Math" panose="02040503050406030204" pitchFamily="18" charset="0"/>
                             </a:rPr>
                           </m:ctrlPr>
                         </m:sSubSupPr>
                         <m:e>
                           <m:r>
-                            <a:rPr lang="en-150" b="0" i="1" smtClean="0">
+                            <a:rPr lang="en-GB" b="0" i="1" noProof="0" smtClean="0">
                               <a:latin typeface="Cambria Math" panose="02040503050406030204" pitchFamily="18" charset="0"/>
                             </a:rPr>
                             <m:t>𝑇</m:t>
@@ -16591,7 +15844,7 @@
                         </m:e>
                         <m:sub>
                           <m:r>
-                            <a:rPr lang="en-150" b="0" i="1" smtClean="0">
+                            <a:rPr lang="en-GB" b="0" i="1" noProof="0" smtClean="0">
                               <a:latin typeface="Cambria Math" panose="02040503050406030204" pitchFamily="18" charset="0"/>
                             </a:rPr>
                             <m:t>𝑖</m:t>
@@ -16599,7 +15852,7 @@
                         </m:sub>
                         <m:sup>
                           <m:r>
-                            <a:rPr lang="en-150" b="0" i="1" smtClean="0">
+                            <a:rPr lang="en-GB" b="0" i="1" noProof="0" smtClean="0">
                               <a:latin typeface="Cambria Math" panose="02040503050406030204" pitchFamily="18" charset="0"/>
                             </a:rPr>
                             <m:t>𝑝</m:t>
@@ -16607,7 +15860,7 @@
                         </m:sup>
                       </m:sSubSup>
                       <m:r>
-                        <a:rPr lang="en-150" b="0" i="1" smtClean="0">
+                        <a:rPr lang="en-GB" b="0" i="1" noProof="0" smtClean="0">
                           <a:latin typeface="Cambria Math" panose="02040503050406030204" pitchFamily="18" charset="0"/>
                         </a:rPr>
                         <m:t>+</m:t>
@@ -16615,14 +15868,14 @@
                       <m:sSubSup>
                         <m:sSubSupPr>
                           <m:ctrlPr>
-                            <a:rPr lang="en-150" b="0" i="1" smtClean="0">
+                            <a:rPr lang="en-GB" b="0" i="1" noProof="0" smtClean="0">
                               <a:latin typeface="Cambria Math" panose="02040503050406030204" pitchFamily="18" charset="0"/>
                             </a:rPr>
                           </m:ctrlPr>
                         </m:sSubSupPr>
                         <m:e>
                           <m:r>
-                            <a:rPr lang="en-150" b="0" i="1" smtClean="0">
+                            <a:rPr lang="en-GB" b="0" i="1" noProof="0" smtClean="0">
                               <a:latin typeface="Cambria Math" panose="02040503050406030204" pitchFamily="18" charset="0"/>
                             </a:rPr>
                             <m:t>𝑐</m:t>
@@ -16630,7 +15883,7 @@
                         </m:e>
                         <m:sub>
                           <m:r>
-                            <a:rPr lang="en-150" b="0" i="1" smtClean="0">
+                            <a:rPr lang="en-GB" b="0" i="1" noProof="0" smtClean="0">
                               <a:latin typeface="Cambria Math" panose="02040503050406030204" pitchFamily="18" charset="0"/>
                             </a:rPr>
                             <m:t>𝑖</m:t>
@@ -16641,7 +15894,7 @@
                             <m:rPr>
                               <m:sty m:val="p"/>
                             </m:rPr>
-                            <a:rPr lang="en-150" b="0" i="1" smtClean="0">
+                            <a:rPr lang="en-GB" b="0" i="1" noProof="0" smtClean="0">
                               <a:latin typeface="Cambria Math" panose="02040503050406030204" pitchFamily="18" charset="0"/>
                             </a:rPr>
                             <m:t>min</m:t>
@@ -16649,19 +15902,19 @@
                         </m:sup>
                       </m:sSubSup>
                       <m:r>
-                        <a:rPr lang="en-150" b="0" i="1" smtClean="0">
+                        <a:rPr lang="en-GB" b="0" i="1" noProof="0" smtClean="0">
                           <a:latin typeface="Cambria Math" panose="02040503050406030204" pitchFamily="18" charset="0"/>
                         </a:rPr>
                         <m:t>(</m:t>
                       </m:r>
                       <m:r>
-                        <a:rPr lang="en-150" b="0" i="1" smtClean="0">
+                        <a:rPr lang="en-GB" b="0" i="1" noProof="0" smtClean="0">
                           <a:latin typeface="Cambria Math" panose="02040503050406030204" pitchFamily="18" charset="0"/>
                         </a:rPr>
                         <m:t>𝑝</m:t>
                       </m:r>
                       <m:r>
-                        <a:rPr lang="en-150" b="0" i="1" smtClean="0">
+                        <a:rPr lang="en-GB" b="0" i="1" noProof="0" smtClean="0">
                           <a:latin typeface="Cambria Math" panose="02040503050406030204" pitchFamily="18" charset="0"/>
                         </a:rPr>
                         <m:t>)</m:t>
@@ -16669,7 +15922,7 @@
                     </m:oMath>
                   </m:oMathPara>
                 </a14:m>
-                <a:endParaRPr lang="en-150" dirty="0"/>
+                <a:endParaRPr lang="en-GB" noProof="0" dirty="0"/>
               </a:p>
               <a:p>
                 <a:pPr marL="0" indent="0" algn="ctr">
@@ -16682,7 +15935,7 @@
                     </m:oMathParaPr>
                     <m:oMath xmlns:m="http://schemas.openxmlformats.org/officeDocument/2006/math">
                       <m:r>
-                        <a:rPr lang="en-150" b="0" i="1" smtClean="0">
+                        <a:rPr lang="en-GB" b="0" i="1" noProof="0" smtClean="0">
                           <a:latin typeface="Cambria Math" panose="02040503050406030204" pitchFamily="18" charset="0"/>
                         </a:rPr>
                         <m:t>𝐿𝐹</m:t>
@@ -16690,14 +15943,14 @@
                       <m:sSubSup>
                         <m:sSubSupPr>
                           <m:ctrlPr>
-                            <a:rPr lang="en-150" b="0" i="1" smtClean="0">
+                            <a:rPr lang="en-GB" b="0" i="1" noProof="0" smtClean="0">
                               <a:latin typeface="Cambria Math" panose="02040503050406030204" pitchFamily="18" charset="0"/>
                             </a:rPr>
                           </m:ctrlPr>
                         </m:sSubSupPr>
                         <m:e>
                           <m:r>
-                            <a:rPr lang="en-150" b="0" i="1" smtClean="0">
+                            <a:rPr lang="en-GB" b="0" i="1" noProof="0" smtClean="0">
                               <a:latin typeface="Cambria Math" panose="02040503050406030204" pitchFamily="18" charset="0"/>
                             </a:rPr>
                             <m:t>𝑇</m:t>
@@ -16705,7 +15958,7 @@
                         </m:e>
                         <m:sub>
                           <m:r>
-                            <a:rPr lang="en-150" b="0" i="1" smtClean="0">
+                            <a:rPr lang="en-GB" b="0" i="1" noProof="0" smtClean="0">
                               <a:latin typeface="Cambria Math" panose="02040503050406030204" pitchFamily="18" charset="0"/>
                             </a:rPr>
                             <m:t>𝑖</m:t>
@@ -16713,7 +15966,7 @@
                         </m:sub>
                         <m:sup>
                           <m:r>
-                            <a:rPr lang="en-150" b="0" i="1" smtClean="0">
+                            <a:rPr lang="en-GB" b="0" i="1" noProof="0" smtClean="0">
                               <a:latin typeface="Cambria Math" panose="02040503050406030204" pitchFamily="18" charset="0"/>
                             </a:rPr>
                             <m:t>𝑝</m:t>
@@ -16721,13 +15974,13 @@
                         </m:sup>
                       </m:sSubSup>
                       <m:r>
-                        <a:rPr lang="en-150" b="0" i="1" smtClean="0">
+                        <a:rPr lang="en-GB" b="0" i="1" noProof="0" smtClean="0">
                           <a:latin typeface="Cambria Math" panose="02040503050406030204" pitchFamily="18" charset="0"/>
                         </a:rPr>
                         <m:t>=</m:t>
                       </m:r>
                       <m:r>
-                        <a:rPr lang="en-150" b="0" i="1" smtClean="0">
+                        <a:rPr lang="en-GB" b="0" i="1" noProof="0" smtClean="0">
                           <a:latin typeface="Cambria Math" panose="02040503050406030204" pitchFamily="18" charset="0"/>
                         </a:rPr>
                         <m:t>𝐿𝑆</m:t>
@@ -16735,14 +15988,14 @@
                       <m:sSubSup>
                         <m:sSubSupPr>
                           <m:ctrlPr>
-                            <a:rPr lang="en-150" b="0" i="1" smtClean="0">
+                            <a:rPr lang="en-GB" b="0" i="1" noProof="0" smtClean="0">
                               <a:latin typeface="Cambria Math" panose="02040503050406030204" pitchFamily="18" charset="0"/>
                             </a:rPr>
                           </m:ctrlPr>
                         </m:sSubSupPr>
                         <m:e>
                           <m:r>
-                            <a:rPr lang="en-150" b="0" i="1" smtClean="0">
+                            <a:rPr lang="en-GB" b="0" i="1" noProof="0" smtClean="0">
                               <a:latin typeface="Cambria Math" panose="02040503050406030204" pitchFamily="18" charset="0"/>
                             </a:rPr>
                             <m:t>𝑇</m:t>
@@ -16750,7 +16003,7 @@
                         </m:e>
                         <m:sub>
                           <m:r>
-                            <a:rPr lang="en-150" b="0" i="1" smtClean="0">
+                            <a:rPr lang="en-GB" b="0" i="1" noProof="0" smtClean="0">
                               <a:latin typeface="Cambria Math" panose="02040503050406030204" pitchFamily="18" charset="0"/>
                             </a:rPr>
                             <m:t>𝑖</m:t>
@@ -16758,7 +16011,7 @@
                         </m:sub>
                         <m:sup>
                           <m:r>
-                            <a:rPr lang="en-150" b="0" i="1" smtClean="0">
+                            <a:rPr lang="en-GB" b="0" i="1" noProof="0" smtClean="0">
                               <a:latin typeface="Cambria Math" panose="02040503050406030204" pitchFamily="18" charset="0"/>
                             </a:rPr>
                             <m:t>𝑝</m:t>
@@ -16766,7 +16019,7 @@
                         </m:sup>
                       </m:sSubSup>
                       <m:r>
-                        <a:rPr lang="en-150" b="0" i="1" smtClean="0">
+                        <a:rPr lang="en-GB" b="0" i="1" noProof="0" smtClean="0">
                           <a:latin typeface="Cambria Math" panose="02040503050406030204" pitchFamily="18" charset="0"/>
                         </a:rPr>
                         <m:t>+</m:t>
@@ -16774,14 +16027,14 @@
                       <m:sSubSup>
                         <m:sSubSupPr>
                           <m:ctrlPr>
-                            <a:rPr lang="en-150" b="0" i="1" smtClean="0">
+                            <a:rPr lang="en-GB" b="0" i="1" noProof="0" smtClean="0">
                               <a:latin typeface="Cambria Math" panose="02040503050406030204" pitchFamily="18" charset="0"/>
                             </a:rPr>
                           </m:ctrlPr>
                         </m:sSubSupPr>
                         <m:e>
                           <m:r>
-                            <a:rPr lang="en-150" b="0" i="1" smtClean="0">
+                            <a:rPr lang="en-GB" b="0" i="1" noProof="0" smtClean="0">
                               <a:latin typeface="Cambria Math" panose="02040503050406030204" pitchFamily="18" charset="0"/>
                             </a:rPr>
                             <m:t>𝑐</m:t>
@@ -16789,7 +16042,7 @@
                         </m:e>
                         <m:sub>
                           <m:r>
-                            <a:rPr lang="en-150" b="0" i="1" smtClean="0">
+                            <a:rPr lang="en-GB" b="0" i="1" noProof="0" smtClean="0">
                               <a:latin typeface="Cambria Math" panose="02040503050406030204" pitchFamily="18" charset="0"/>
                             </a:rPr>
                             <m:t>𝑖</m:t>
@@ -16800,13 +16053,13 @@
                             <m:rPr>
                               <m:sty m:val="p"/>
                             </m:rPr>
-                            <a:rPr lang="en-150" b="0" i="1" smtClean="0">
+                            <a:rPr lang="en-GB" b="0" i="1" noProof="0" smtClean="0">
                               <a:latin typeface="Cambria Math" panose="02040503050406030204" pitchFamily="18" charset="0"/>
                             </a:rPr>
                             <m:t>max</m:t>
                           </m:r>
                           <m:r>
-                            <a:rPr lang="en-150" b="0" i="1" smtClean="0">
+                            <a:rPr lang="en-GB" b="0" i="1" noProof="0" smtClean="0">
                               <a:latin typeface="Cambria Math" panose="02040503050406030204" pitchFamily="18" charset="0"/>
                             </a:rPr>
                             <m:t>⁡</m:t>
@@ -16816,14 +16069,14 @@
                       <m:d>
                         <m:dPr>
                           <m:ctrlPr>
-                            <a:rPr lang="en-150" b="0" i="1" smtClean="0">
+                            <a:rPr lang="en-GB" b="0" i="1" noProof="0" smtClean="0">
                               <a:latin typeface="Cambria Math" panose="02040503050406030204" pitchFamily="18" charset="0"/>
                             </a:rPr>
                           </m:ctrlPr>
                         </m:dPr>
                         <m:e>
                           <m:r>
-                            <a:rPr lang="en-150" b="0" i="1" smtClean="0">
+                            <a:rPr lang="en-GB" b="0" i="1" noProof="0" smtClean="0">
                               <a:latin typeface="Cambria Math" panose="02040503050406030204" pitchFamily="18" charset="0"/>
                             </a:rPr>
                             <m:t>𝑝</m:t>
@@ -16833,11 +16086,11 @@
                     </m:oMath>
                   </m:oMathPara>
                 </a14:m>
-                <a:endParaRPr lang="en-150" b="0" dirty="0"/>
+                <a:endParaRPr lang="en-GB" b="0" noProof="0" dirty="0"/>
               </a:p>
               <a:p>
                 <a:r>
-                  <a:rPr lang="en-150" b="0" dirty="0"/>
+                  <a:rPr lang="en-GB" b="0" noProof="0" dirty="0"/>
                   <a:t>And compute new </a:t>
                 </a:r>
                 <a14:m>
@@ -16845,14 +16098,14 @@
                     <m:sSubSup>
                       <m:sSubSupPr>
                         <m:ctrlPr>
-                          <a:rPr lang="en-150" b="0" i="1" smtClean="0">
+                          <a:rPr lang="en-GB" b="0" i="1" noProof="0" smtClean="0">
                             <a:latin typeface="Cambria Math" panose="02040503050406030204" pitchFamily="18" charset="0"/>
                           </a:rPr>
                         </m:ctrlPr>
                       </m:sSubSupPr>
                       <m:e>
                         <m:r>
-                          <a:rPr lang="en-150" b="0" i="1" smtClean="0">
+                          <a:rPr lang="en-GB" b="0" i="1" noProof="0" smtClean="0">
                             <a:latin typeface="Cambria Math" panose="02040503050406030204" pitchFamily="18" charset="0"/>
                           </a:rPr>
                           <m:t>𝐴</m:t>
@@ -16860,7 +16113,7 @@
                       </m:e>
                       <m:sub>
                         <m:r>
-                          <a:rPr lang="en-150" b="0" i="1" smtClean="0">
+                          <a:rPr lang="en-GB" b="0" i="1" noProof="0" smtClean="0">
                             <a:latin typeface="Cambria Math" panose="02040503050406030204" pitchFamily="18" charset="0"/>
                           </a:rPr>
                           <m:t>𝑐</m:t>
@@ -16871,7 +16124,7 @@
                           <m:rPr>
                             <m:sty m:val="p"/>
                           </m:rPr>
-                          <a:rPr lang="en-150" b="0" i="1" smtClean="0">
+                          <a:rPr lang="en-GB" b="0" i="1" noProof="0" smtClean="0">
                             <a:latin typeface="Cambria Math" panose="02040503050406030204" pitchFamily="18" charset="0"/>
                           </a:rPr>
                           <m:t>min</m:t>
@@ -16881,7 +16134,7 @@
                   </m:oMath>
                 </a14:m>
                 <a:r>
-                  <a:rPr lang="en-150" dirty="0"/>
+                  <a:rPr lang="en-GB" noProof="0" dirty="0"/>
                   <a:t> and </a:t>
                 </a:r>
                 <a14:m>
@@ -16889,14 +16142,14 @@
                     <m:sSubSup>
                       <m:sSubSupPr>
                         <m:ctrlPr>
-                          <a:rPr lang="en-150" b="0" i="1" smtClean="0">
+                          <a:rPr lang="en-GB" b="0" i="1" noProof="0" smtClean="0">
                             <a:latin typeface="Cambria Math" panose="02040503050406030204" pitchFamily="18" charset="0"/>
                           </a:rPr>
                         </m:ctrlPr>
                       </m:sSubSupPr>
                       <m:e>
                         <m:r>
-                          <a:rPr lang="en-150" b="0" i="0" smtClean="0">
+                          <a:rPr lang="en-GB" b="0" i="0" noProof="0" smtClean="0">
                             <a:latin typeface="Cambria Math" panose="02040503050406030204" pitchFamily="18" charset="0"/>
                           </a:rPr>
                           <m:t>𝐴</m:t>
@@ -16904,7 +16157,7 @@
                       </m:e>
                       <m:sub>
                         <m:r>
-                          <a:rPr lang="en-150" b="0" i="0" smtClean="0">
+                          <a:rPr lang="en-GB" b="0" i="0" noProof="0" smtClean="0">
                             <a:latin typeface="Cambria Math" panose="02040503050406030204" pitchFamily="18" charset="0"/>
                           </a:rPr>
                           <m:t>𝑐</m:t>
@@ -16915,7 +16168,7 @@
                           <m:rPr>
                             <m:sty m:val="p"/>
                           </m:rPr>
-                          <a:rPr lang="en-150" b="0" i="0" smtClean="0">
+                          <a:rPr lang="en-GB" b="0" i="0" noProof="0" smtClean="0">
                             <a:latin typeface="Cambria Math" panose="02040503050406030204" pitchFamily="18" charset="0"/>
                           </a:rPr>
                           <m:t>max</m:t>
@@ -16923,14 +16176,14 @@
                       </m:sup>
                     </m:sSubSup>
                     <m:r>
-                      <a:rPr lang="en-150" b="0" i="1" smtClean="0">
+                      <a:rPr lang="en-GB" b="0" i="1" noProof="0" smtClean="0">
                         <a:latin typeface="Cambria Math" panose="02040503050406030204" pitchFamily="18" charset="0"/>
                       </a:rPr>
                       <m:t>⁡⁡</m:t>
                     </m:r>
                   </m:oMath>
                 </a14:m>
-                <a:endParaRPr lang="en-150" b="0" dirty="0"/>
+                <a:endParaRPr lang="en-GB" b="0" noProof="0" dirty="0"/>
               </a:p>
             </p:txBody>
           </p:sp>
@@ -17056,166 +16309,18 @@
           <a:lstStyle/>
           <a:p>
             <a:r>
-              <a:rPr lang="en-150" dirty="0"/>
-              <a:t>P</a:t>
-            </a:r>
-            <a:r>
-              <a:rPr lang="en-GB" dirty="0"/>
-              <a:t>a</a:t>
-            </a:r>
-            <a:r>
-              <a:rPr lang="en-150" dirty="0"/>
-              <a:t>r</a:t>
-            </a:r>
-            <a:r>
-              <a:rPr lang="en-GB" dirty="0"/>
-              <a:t>a</a:t>
-            </a:r>
-            <a:r>
-              <a:rPr lang="en-150" dirty="0"/>
-              <a:t>l</a:t>
-            </a:r>
-            <a:r>
-              <a:rPr lang="en-GB" dirty="0"/>
-              <a:t>l</a:t>
-            </a:r>
-            <a:r>
-              <a:rPr lang="en-150" dirty="0"/>
-              <a:t>e</a:t>
-            </a:r>
-            <a:r>
-              <a:rPr lang="en-GB" dirty="0"/>
-              <a:t>l</a:t>
-            </a:r>
-            <a:r>
-              <a:rPr lang="en-150" dirty="0"/>
-              <a:t> </a:t>
-            </a:r>
-            <a:r>
-              <a:rPr lang="en-GB" dirty="0"/>
-              <a:t>t</a:t>
-            </a:r>
-            <a:r>
-              <a:rPr lang="en-150" dirty="0"/>
-              <a:t>h</a:t>
-            </a:r>
-            <a:r>
-              <a:rPr lang="en-GB" dirty="0"/>
-              <a:t>r</a:t>
-            </a:r>
-            <a:r>
-              <a:rPr lang="en-150" dirty="0"/>
-              <a:t>e</a:t>
-            </a:r>
-            <a:r>
-              <a:rPr lang="en-GB" dirty="0"/>
-              <a:t>a</a:t>
-            </a:r>
-            <a:r>
-              <a:rPr lang="en-150" dirty="0"/>
-              <a:t>d</a:t>
-            </a:r>
-            <a:r>
-              <a:rPr lang="en-GB" dirty="0"/>
-              <a:t>s</a:t>
-            </a:r>
-            <a:r>
-              <a:rPr lang="en-150" dirty="0"/>
-              <a:t> </a:t>
-            </a:r>
-            <a:r>
-              <a:rPr lang="en-GB" dirty="0"/>
-              <a:t>e</a:t>
-            </a:r>
-            <a:r>
-              <a:rPr lang="en-150" dirty="0"/>
-              <a:t>x</a:t>
-            </a:r>
-            <a:r>
-              <a:rPr lang="en-GB" dirty="0"/>
-              <a:t>e</a:t>
-            </a:r>
-            <a:r>
-              <a:rPr lang="en-150" dirty="0"/>
-              <a:t>c</a:t>
-            </a:r>
-            <a:r>
-              <a:rPr lang="en-GB" dirty="0"/>
-              <a:t>u</a:t>
-            </a:r>
-            <a:r>
-              <a:rPr lang="en-150" dirty="0"/>
-              <a:t>t</a:t>
-            </a:r>
-            <a:r>
-              <a:rPr lang="en-GB" dirty="0"/>
-              <a:t>e</a:t>
-            </a:r>
-            <a:r>
-              <a:rPr lang="en-150" dirty="0"/>
-              <a:t>d </a:t>
-            </a:r>
-            <a:r>
-              <a:rPr lang="en-GB" dirty="0"/>
-              <a:t>t</a:t>
-            </a:r>
-            <a:r>
-              <a:rPr lang="en-150" dirty="0"/>
-              <a:t>o</a:t>
-            </a:r>
-            <a:r>
-              <a:rPr lang="en-GB" dirty="0"/>
-              <a:t>g</a:t>
-            </a:r>
-            <a:r>
-              <a:rPr lang="en-150" dirty="0"/>
-              <a:t>e</a:t>
-            </a:r>
-            <a:r>
-              <a:rPr lang="en-GB" dirty="0"/>
-              <a:t>t</a:t>
-            </a:r>
-            <a:r>
-              <a:rPr lang="en-150" dirty="0"/>
-              <a:t>h</a:t>
-            </a:r>
-            <a:r>
-              <a:rPr lang="en-GB" dirty="0"/>
-              <a:t>e</a:t>
-            </a:r>
-            <a:r>
-              <a:rPr lang="en-150" dirty="0"/>
-              <a:t>r as a “gang”</a:t>
+              <a:rPr lang="en-GB" noProof="0" dirty="0"/>
+              <a:t>Parallel threads executed together as a “gang”</a:t>
             </a:r>
           </a:p>
           <a:p>
             <a:r>
-              <a:rPr lang="en-150" dirty="0"/>
-              <a:t>Execution does not start until there are enough free </a:t>
-            </a:r>
-            <a:r>
-              <a:rPr lang="en-GB" dirty="0"/>
-              <a:t>c</a:t>
-            </a:r>
-            <a:r>
-              <a:rPr lang="en-150" dirty="0"/>
-              <a:t>o</a:t>
-            </a:r>
-            <a:r>
-              <a:rPr lang="en-GB" dirty="0"/>
-              <a:t>r</a:t>
-            </a:r>
-            <a:r>
-              <a:rPr lang="en-150" dirty="0"/>
-              <a:t>e</a:t>
-            </a:r>
-            <a:r>
-              <a:rPr lang="en-GB" dirty="0"/>
-              <a:t>s</a:t>
+              <a:rPr lang="en-GB" noProof="0" dirty="0"/>
+              <a:t>Execution does not start until there are enough free cores</a:t>
             </a:r>
           </a:p>
           <a:p>
-            <a:endParaRPr lang="en-GB" dirty="0"/>
+            <a:endParaRPr lang="en-GB" noProof="0" dirty="0"/>
           </a:p>
         </p:txBody>
       </p:sp>
@@ -17241,50 +16346,9 @@
           <a:lstStyle/>
           <a:p>
             <a:r>
-              <a:rPr lang="en-150" dirty="0"/>
-              <a:t>W</a:t>
-            </a:r>
-            <a:r>
-              <a:rPr lang="en-GB" dirty="0"/>
-              <a:t>h</a:t>
-            </a:r>
-            <a:r>
-              <a:rPr lang="en-150" dirty="0"/>
-              <a:t>a</a:t>
-            </a:r>
-            <a:r>
-              <a:rPr lang="en-GB" dirty="0"/>
-              <a:t>t</a:t>
-            </a:r>
-            <a:r>
-              <a:rPr lang="en-150" dirty="0"/>
-              <a:t> </a:t>
-            </a:r>
-            <a:r>
-              <a:rPr lang="en-GB" dirty="0"/>
-              <a:t>i</a:t>
-            </a:r>
-            <a:r>
-              <a:rPr lang="en-150" dirty="0"/>
-              <a:t>s </a:t>
-            </a:r>
-            <a:r>
-              <a:rPr lang="en-GB" dirty="0"/>
-              <a:t>g</a:t>
-            </a:r>
-            <a:r>
-              <a:rPr lang="en-150" dirty="0"/>
-              <a:t>a</a:t>
-            </a:r>
-            <a:r>
-              <a:rPr lang="en-GB" dirty="0"/>
-              <a:t>n</a:t>
-            </a:r>
-            <a:r>
-              <a:rPr lang="en-150" dirty="0"/>
-              <a:t>g?</a:t>
-            </a:r>
-            <a:endParaRPr lang="en-GB" dirty="0"/>
+              <a:rPr lang="en-GB" noProof="0" dirty="0"/>
+              <a:t>What is gang?</a:t>
+            </a:r>
           </a:p>
         </p:txBody>
       </p:sp>
@@ -18023,52 +17087,8 @@
           <a:lstStyle/>
           <a:p>
             <a:r>
-              <a:rPr lang="en-150" dirty="0"/>
-              <a:t>N</a:t>
-            </a:r>
-            <a:r>
-              <a:rPr lang="en-GB" dirty="0"/>
-              <a:t>e</a:t>
-            </a:r>
-            <a:r>
-              <a:rPr lang="en-150" dirty="0"/>
-              <a:t>w </a:t>
-            </a:r>
-            <a:r>
-              <a:rPr lang="en-GB" dirty="0"/>
-              <a:t>s</a:t>
-            </a:r>
-            <a:r>
-              <a:rPr lang="en-150" dirty="0"/>
-              <a:t>c</a:t>
-            </a:r>
-            <a:r>
-              <a:rPr lang="en-GB" dirty="0"/>
-              <a:t>h</a:t>
-            </a:r>
-            <a:r>
-              <a:rPr lang="en-150" dirty="0"/>
-              <a:t>e</a:t>
-            </a:r>
-            <a:r>
-              <a:rPr lang="en-GB" dirty="0"/>
-              <a:t>d</a:t>
-            </a:r>
-            <a:r>
-              <a:rPr lang="en-150" dirty="0"/>
-              <a:t>u</a:t>
-            </a:r>
-            <a:r>
-              <a:rPr lang="en-GB" dirty="0"/>
-              <a:t>l</a:t>
-            </a:r>
-            <a:r>
-              <a:rPr lang="en-150" dirty="0"/>
-              <a:t>e</a:t>
-            </a:r>
-            <a:r>
-              <a:rPr lang="en-GB" dirty="0"/>
-              <a:t>r</a:t>
+              <a:rPr lang="en-GB" noProof="0" dirty="0"/>
+              <a:t>New scheduler</a:t>
             </a:r>
           </a:p>
         </p:txBody>
@@ -18179,56 +17199,8 @@
           <a:lstStyle/>
           <a:p>
             <a:r>
-              <a:rPr lang="en-GB" dirty="0"/>
-              <a:t>N</a:t>
-            </a:r>
-            <a:r>
-              <a:rPr lang="en-150" dirty="0"/>
-              <a:t>e</a:t>
-            </a:r>
-            <a:r>
-              <a:rPr lang="en-GB" dirty="0"/>
-              <a:t>w</a:t>
-            </a:r>
-            <a:r>
-              <a:rPr lang="en-150" dirty="0"/>
-              <a:t> </a:t>
-            </a:r>
-            <a:r>
-              <a:rPr lang="en-GB" dirty="0"/>
-              <a:t>S</a:t>
-            </a:r>
-            <a:r>
-              <a:rPr lang="en-150" dirty="0"/>
-              <a:t>c</a:t>
-            </a:r>
-            <a:r>
-              <a:rPr lang="en-GB" dirty="0"/>
-              <a:t>h</a:t>
-            </a:r>
-            <a:r>
-              <a:rPr lang="en-150" dirty="0"/>
-              <a:t>e</a:t>
-            </a:r>
-            <a:r>
-              <a:rPr lang="en-GB" dirty="0"/>
-              <a:t>d</a:t>
-            </a:r>
-            <a:r>
-              <a:rPr lang="en-150" dirty="0"/>
-              <a:t>u</a:t>
-            </a:r>
-            <a:r>
-              <a:rPr lang="en-GB" dirty="0"/>
-              <a:t>l</a:t>
-            </a:r>
-            <a:r>
-              <a:rPr lang="en-150" dirty="0"/>
-              <a:t>e</a:t>
-            </a:r>
-            <a:r>
-              <a:rPr lang="en-GB" dirty="0"/>
-              <a:t>r</a:t>
+              <a:rPr lang="en-GB" noProof="0" dirty="0"/>
+              <a:t>New Scheduler</a:t>
             </a:r>
           </a:p>
         </p:txBody>
@@ -18255,416 +17227,20 @@
           <a:lstStyle/>
           <a:p>
             <a:r>
-              <a:rPr lang="en-150" dirty="0"/>
-              <a:t>L</a:t>
-            </a:r>
-            <a:r>
-              <a:rPr lang="en-GB" dirty="0"/>
-              <a:t>i</a:t>
-            </a:r>
-            <a:r>
-              <a:rPr lang="en-150" dirty="0"/>
-              <a:t>m</a:t>
-            </a:r>
-            <a:r>
-              <a:rPr lang="en-GB" dirty="0"/>
-              <a:t>i</a:t>
-            </a:r>
-            <a:r>
-              <a:rPr lang="en-150" dirty="0"/>
-              <a:t>t</a:t>
-            </a:r>
-            <a:r>
-              <a:rPr lang="en-GB" dirty="0"/>
-              <a:t>e</a:t>
-            </a:r>
-            <a:r>
-              <a:rPr lang="en-150" dirty="0"/>
-              <a:t>d-</a:t>
-            </a:r>
-            <a:r>
-              <a:rPr lang="en-GB" dirty="0"/>
-              <a:t>P</a:t>
-            </a:r>
-            <a:r>
-              <a:rPr lang="en-150" dirty="0"/>
-              <a:t>r</a:t>
-            </a:r>
-            <a:r>
-              <a:rPr lang="en-GB" dirty="0"/>
-              <a:t>e</a:t>
-            </a:r>
-            <a:r>
-              <a:rPr lang="en-150" dirty="0"/>
-              <a:t>e</a:t>
-            </a:r>
-            <a:r>
-              <a:rPr lang="en-GB" dirty="0"/>
-              <a:t>m</a:t>
-            </a:r>
-            <a:r>
-              <a:rPr lang="en-150" dirty="0"/>
-              <a:t>p</a:t>
-            </a:r>
-            <a:r>
-              <a:rPr lang="en-GB" dirty="0"/>
-              <a:t>t</a:t>
-            </a:r>
-            <a:r>
-              <a:rPr lang="en-150" dirty="0"/>
-              <a:t>i</a:t>
-            </a:r>
-            <a:r>
-              <a:rPr lang="en-GB" dirty="0"/>
-              <a:t>v</a:t>
-            </a:r>
-            <a:r>
-              <a:rPr lang="en-150" dirty="0"/>
-              <a:t>e </a:t>
-            </a:r>
-            <a:r>
-              <a:rPr lang="en-GB" dirty="0"/>
-              <a:t>M</a:t>
-            </a:r>
-            <a:r>
-              <a:rPr lang="en-150" dirty="0"/>
-              <a:t>o</a:t>
-            </a:r>
-            <a:r>
-              <a:rPr lang="en-GB" dirty="0"/>
-              <a:t>l</a:t>
-            </a:r>
-            <a:r>
-              <a:rPr lang="en-150" dirty="0"/>
-              <a:t>d</a:t>
-            </a:r>
-            <a:r>
-              <a:rPr lang="en-GB" dirty="0"/>
-              <a:t>a</a:t>
-            </a:r>
-            <a:r>
-              <a:rPr lang="en-150" dirty="0"/>
-              <a:t>b</a:t>
-            </a:r>
-            <a:r>
-              <a:rPr lang="en-GB" dirty="0"/>
-              <a:t>l</a:t>
-            </a:r>
-            <a:r>
-              <a:rPr lang="en-150" dirty="0"/>
-              <a:t>e Reservation Gang Scheduler</a:t>
+              <a:rPr lang="en-GB" noProof="0" dirty="0"/>
+              <a:t>Limited-Preemptive Moldable Reservation Gang Scheduler</a:t>
             </a:r>
           </a:p>
           <a:p>
             <a:r>
-              <a:rPr lang="en-150" dirty="0"/>
+              <a:rPr lang="en-GB" noProof="0" dirty="0"/>
               <a:t>Non-work conserving scheduler</a:t>
             </a:r>
           </a:p>
           <a:p>
             <a:r>
-              <a:rPr lang="en-150" dirty="0"/>
-              <a:t>Rese</a:t>
-            </a:r>
-            <a:r>
-              <a:rPr lang="en-GB" dirty="0"/>
-              <a:t>r</a:t>
-            </a:r>
-            <a:r>
-              <a:rPr lang="en-150" dirty="0"/>
-              <a:t>v</a:t>
-            </a:r>
-            <a:r>
-              <a:rPr lang="en-GB" dirty="0"/>
-              <a:t>e</a:t>
-            </a:r>
-            <a:r>
-              <a:rPr lang="en-150" dirty="0"/>
-              <a:t> cores of higher-</a:t>
-            </a:r>
-            <a:r>
-              <a:rPr lang="en-GB" dirty="0"/>
-              <a:t>p</a:t>
-            </a:r>
-            <a:r>
-              <a:rPr lang="en-150" dirty="0"/>
-              <a:t>r</a:t>
-            </a:r>
-            <a:r>
-              <a:rPr lang="en-GB" dirty="0"/>
-              <a:t>i</a:t>
-            </a:r>
-            <a:r>
-              <a:rPr lang="en-150" dirty="0"/>
-              <a:t>o</a:t>
-            </a:r>
-            <a:r>
-              <a:rPr lang="en-GB" dirty="0"/>
-              <a:t>r</a:t>
-            </a:r>
-            <a:r>
-              <a:rPr lang="en-150" dirty="0"/>
-              <a:t>i</a:t>
-            </a:r>
-            <a:r>
-              <a:rPr lang="en-GB" dirty="0"/>
-              <a:t>t</a:t>
-            </a:r>
-            <a:r>
-              <a:rPr lang="en-150" dirty="0"/>
-              <a:t>y </a:t>
-            </a:r>
-            <a:r>
-              <a:rPr lang="en-GB" dirty="0"/>
-              <a:t>t</a:t>
-            </a:r>
-            <a:r>
-              <a:rPr lang="en-150" dirty="0"/>
-              <a:t>a</a:t>
-            </a:r>
-            <a:r>
-              <a:rPr lang="en-GB" dirty="0"/>
-              <a:t>s</a:t>
-            </a:r>
-            <a:r>
-              <a:rPr lang="en-150" dirty="0"/>
-              <a:t>k</a:t>
-            </a:r>
-            <a:r>
-              <a:rPr lang="en-GB" dirty="0"/>
-              <a:t>s</a:t>
-            </a:r>
-            <a:r>
-              <a:rPr lang="en-150" dirty="0"/>
-              <a:t> </a:t>
-            </a:r>
-            <a:r>
-              <a:rPr lang="en-GB" dirty="0"/>
-              <a:t>a</a:t>
-            </a:r>
-            <a:r>
-              <a:rPr lang="en-150" dirty="0"/>
-              <a:t>n</a:t>
-            </a:r>
-            <a:r>
-              <a:rPr lang="en-GB" dirty="0"/>
-              <a:t>d</a:t>
-            </a:r>
-            <a:r>
-              <a:rPr lang="en-150" dirty="0"/>
-              <a:t> </a:t>
-            </a:r>
-            <a:r>
-              <a:rPr lang="en-GB" dirty="0"/>
-              <a:t>d</a:t>
-            </a:r>
-            <a:r>
-              <a:rPr lang="en-150" dirty="0"/>
-              <a:t>i</a:t>
-            </a:r>
-            <a:r>
-              <a:rPr lang="en-GB" dirty="0"/>
-              <a:t>s</a:t>
-            </a:r>
-            <a:r>
-              <a:rPr lang="en-150" dirty="0"/>
-              <a:t>t</a:t>
-            </a:r>
-            <a:r>
-              <a:rPr lang="en-GB" dirty="0"/>
-              <a:t>r</a:t>
-            </a:r>
-            <a:r>
-              <a:rPr lang="en-150" dirty="0"/>
-              <a:t>i</a:t>
-            </a:r>
-            <a:r>
-              <a:rPr lang="en-GB" dirty="0"/>
-              <a:t>b</a:t>
-            </a:r>
-            <a:r>
-              <a:rPr lang="en-150" dirty="0"/>
-              <a:t>u</a:t>
-            </a:r>
-            <a:r>
-              <a:rPr lang="en-GB" dirty="0"/>
-              <a:t>t</a:t>
-            </a:r>
-            <a:r>
-              <a:rPr lang="en-150" dirty="0"/>
-              <a:t>e </a:t>
-            </a:r>
-            <a:r>
-              <a:rPr lang="en-GB" dirty="0"/>
-              <a:t>t</a:t>
-            </a:r>
-            <a:r>
-              <a:rPr lang="en-150" dirty="0"/>
-              <a:t>h</a:t>
-            </a:r>
-            <a:r>
-              <a:rPr lang="en-GB" dirty="0"/>
-              <a:t>e</a:t>
-            </a:r>
-            <a:r>
-              <a:rPr lang="en-150" dirty="0"/>
-              <a:t> </a:t>
-            </a:r>
-            <a:r>
-              <a:rPr lang="en-GB" dirty="0"/>
-              <a:t>r</a:t>
-            </a:r>
-            <a:r>
-              <a:rPr lang="en-150" dirty="0"/>
-              <a:t>e</a:t>
-            </a:r>
-            <a:r>
-              <a:rPr lang="en-GB" dirty="0"/>
-              <a:t>m</a:t>
-            </a:r>
-            <a:r>
-              <a:rPr lang="en-150" dirty="0"/>
-              <a:t>a</a:t>
-            </a:r>
-            <a:r>
-              <a:rPr lang="en-GB" dirty="0"/>
-              <a:t>i</a:t>
-            </a:r>
-            <a:r>
-              <a:rPr lang="en-150" dirty="0"/>
-              <a:t>n</a:t>
-            </a:r>
-            <a:r>
-              <a:rPr lang="en-GB" dirty="0"/>
-              <a:t>i</a:t>
-            </a:r>
-            <a:r>
-              <a:rPr lang="en-150" dirty="0"/>
-              <a:t>n</a:t>
-            </a:r>
-            <a:r>
-              <a:rPr lang="en-GB" dirty="0"/>
-              <a:t>g</a:t>
-            </a:r>
-            <a:r>
-              <a:rPr lang="en-150" dirty="0"/>
-              <a:t> </a:t>
-            </a:r>
-            <a:r>
-              <a:rPr lang="en-GB" dirty="0"/>
-              <a:t>o</a:t>
-            </a:r>
-            <a:r>
-              <a:rPr lang="en-150" dirty="0"/>
-              <a:t>n</a:t>
-            </a:r>
-            <a:r>
-              <a:rPr lang="en-GB" dirty="0"/>
-              <a:t>e</a:t>
-            </a:r>
-            <a:r>
-              <a:rPr lang="en-150" dirty="0"/>
-              <a:t>s </a:t>
-            </a:r>
-            <a:r>
-              <a:rPr lang="en-GB" dirty="0"/>
-              <a:t>a</a:t>
-            </a:r>
-            <a:r>
-              <a:rPr lang="en-150" dirty="0"/>
-              <a:t>m</a:t>
-            </a:r>
-            <a:r>
-              <a:rPr lang="en-GB" dirty="0"/>
-              <a:t>o</a:t>
-            </a:r>
-            <a:r>
-              <a:rPr lang="en-150" dirty="0"/>
-              <a:t>n</a:t>
-            </a:r>
-            <a:r>
-              <a:rPr lang="en-GB" dirty="0"/>
-              <a:t>g</a:t>
-            </a:r>
-            <a:r>
-              <a:rPr lang="en-150" dirty="0"/>
-              <a:t> </a:t>
-            </a:r>
-            <a:r>
-              <a:rPr lang="en-GB" dirty="0"/>
-              <a:t>l</a:t>
-            </a:r>
-            <a:r>
-              <a:rPr lang="en-150" dirty="0"/>
-              <a:t>o</a:t>
-            </a:r>
-            <a:r>
-              <a:rPr lang="en-GB" dirty="0"/>
-              <a:t>w</a:t>
-            </a:r>
-            <a:r>
-              <a:rPr lang="en-150" dirty="0"/>
-              <a:t>e</a:t>
-            </a:r>
-            <a:r>
-              <a:rPr lang="en-GB" dirty="0"/>
-              <a:t>r</a:t>
-            </a:r>
-            <a:r>
-              <a:rPr lang="en-150" dirty="0"/>
-              <a:t> </a:t>
-            </a:r>
-            <a:r>
-              <a:rPr lang="en-GB" dirty="0"/>
-              <a:t>p</a:t>
-            </a:r>
-            <a:r>
-              <a:rPr lang="en-150" dirty="0"/>
-              <a:t>r</a:t>
-            </a:r>
-            <a:r>
-              <a:rPr lang="en-GB" dirty="0"/>
-              <a:t>i</a:t>
-            </a:r>
-            <a:r>
-              <a:rPr lang="en-150" dirty="0"/>
-              <a:t>o</a:t>
-            </a:r>
-            <a:r>
-              <a:rPr lang="en-GB" dirty="0"/>
-              <a:t>r</a:t>
-            </a:r>
-            <a:r>
-              <a:rPr lang="en-150" dirty="0"/>
-              <a:t>i</a:t>
-            </a:r>
-            <a:r>
-              <a:rPr lang="en-GB" dirty="0"/>
-              <a:t>t</a:t>
-            </a:r>
-            <a:r>
-              <a:rPr lang="en-150" dirty="0"/>
-              <a:t>y </a:t>
-            </a:r>
-            <a:r>
-              <a:rPr lang="en-GB" dirty="0"/>
-              <a:t>t</a:t>
-            </a:r>
-            <a:r>
-              <a:rPr lang="en-150" dirty="0"/>
-              <a:t>a</a:t>
-            </a:r>
-            <a:r>
-              <a:rPr lang="en-GB" dirty="0"/>
-              <a:t>s</a:t>
-            </a:r>
-            <a:r>
-              <a:rPr lang="en-150" dirty="0"/>
-              <a:t>k</a:t>
-            </a:r>
-            <a:r>
-              <a:rPr lang="en-GB" dirty="0"/>
-              <a:t>s</a:t>
+              <a:rPr lang="en-GB" noProof="0" dirty="0"/>
+              <a:t>Reserve cores of higher-priority tasks and distribute the remaining ones among lower priority tasks</a:t>
             </a:r>
           </a:p>
         </p:txBody>
@@ -27934,56 +26510,8 @@
           <a:lstStyle/>
           <a:p>
             <a:r>
-              <a:rPr lang="en-GB" dirty="0"/>
-              <a:t>N</a:t>
-            </a:r>
-            <a:r>
-              <a:rPr lang="en-150" dirty="0"/>
-              <a:t>e</a:t>
-            </a:r>
-            <a:r>
-              <a:rPr lang="en-GB" dirty="0"/>
-              <a:t>w</a:t>
-            </a:r>
-            <a:r>
-              <a:rPr lang="en-150" dirty="0"/>
-              <a:t> </a:t>
-            </a:r>
-            <a:r>
-              <a:rPr lang="en-GB" dirty="0"/>
-              <a:t>S</a:t>
-            </a:r>
-            <a:r>
-              <a:rPr lang="en-150" dirty="0"/>
-              <a:t>c</a:t>
-            </a:r>
-            <a:r>
-              <a:rPr lang="en-GB" dirty="0"/>
-              <a:t>h</a:t>
-            </a:r>
-            <a:r>
-              <a:rPr lang="en-150" dirty="0"/>
-              <a:t>e</a:t>
-            </a:r>
-            <a:r>
-              <a:rPr lang="en-GB" dirty="0"/>
-              <a:t>d</a:t>
-            </a:r>
-            <a:r>
-              <a:rPr lang="en-150" dirty="0"/>
-              <a:t>u</a:t>
-            </a:r>
-            <a:r>
-              <a:rPr lang="en-GB" dirty="0"/>
-              <a:t>l</a:t>
-            </a:r>
-            <a:r>
-              <a:rPr lang="en-150" dirty="0"/>
-              <a:t>e</a:t>
-            </a:r>
-            <a:r>
-              <a:rPr lang="en-GB" dirty="0"/>
-              <a:t>r</a:t>
+              <a:rPr lang="en-GB" noProof="0" dirty="0"/>
+              <a:t>New Scheduler</a:t>
             </a:r>
           </a:p>
         </p:txBody>
@@ -28015,416 +26543,20 @@
           <a:lstStyle/>
           <a:p>
             <a:r>
-              <a:rPr lang="en-150" dirty="0"/>
-              <a:t>L</a:t>
-            </a:r>
-            <a:r>
-              <a:rPr lang="en-GB" dirty="0"/>
-              <a:t>i</a:t>
-            </a:r>
-            <a:r>
-              <a:rPr lang="en-150" dirty="0"/>
-              <a:t>m</a:t>
-            </a:r>
-            <a:r>
-              <a:rPr lang="en-GB" dirty="0"/>
-              <a:t>i</a:t>
-            </a:r>
-            <a:r>
-              <a:rPr lang="en-150" dirty="0"/>
-              <a:t>t</a:t>
-            </a:r>
-            <a:r>
-              <a:rPr lang="en-GB" dirty="0"/>
-              <a:t>e</a:t>
-            </a:r>
-            <a:r>
-              <a:rPr lang="en-150" dirty="0"/>
-              <a:t>d-</a:t>
-            </a:r>
-            <a:r>
-              <a:rPr lang="en-GB" dirty="0"/>
-              <a:t>P</a:t>
-            </a:r>
-            <a:r>
-              <a:rPr lang="en-150" dirty="0"/>
-              <a:t>r</a:t>
-            </a:r>
-            <a:r>
-              <a:rPr lang="en-GB" dirty="0"/>
-              <a:t>e</a:t>
-            </a:r>
-            <a:r>
-              <a:rPr lang="en-150" dirty="0"/>
-              <a:t>e</a:t>
-            </a:r>
-            <a:r>
-              <a:rPr lang="en-GB" dirty="0"/>
-              <a:t>m</a:t>
-            </a:r>
-            <a:r>
-              <a:rPr lang="en-150" dirty="0"/>
-              <a:t>p</a:t>
-            </a:r>
-            <a:r>
-              <a:rPr lang="en-GB" dirty="0"/>
-              <a:t>t</a:t>
-            </a:r>
-            <a:r>
-              <a:rPr lang="en-150" dirty="0"/>
-              <a:t>i</a:t>
-            </a:r>
-            <a:r>
-              <a:rPr lang="en-GB" dirty="0"/>
-              <a:t>v</a:t>
-            </a:r>
-            <a:r>
-              <a:rPr lang="en-150" dirty="0"/>
-              <a:t>e </a:t>
-            </a:r>
-            <a:r>
-              <a:rPr lang="en-GB" dirty="0"/>
-              <a:t>M</a:t>
-            </a:r>
-            <a:r>
-              <a:rPr lang="en-150" dirty="0"/>
-              <a:t>o</a:t>
-            </a:r>
-            <a:r>
-              <a:rPr lang="en-GB" dirty="0"/>
-              <a:t>l</a:t>
-            </a:r>
-            <a:r>
-              <a:rPr lang="en-150" dirty="0"/>
-              <a:t>d</a:t>
-            </a:r>
-            <a:r>
-              <a:rPr lang="en-GB" dirty="0"/>
-              <a:t>a</a:t>
-            </a:r>
-            <a:r>
-              <a:rPr lang="en-150" dirty="0"/>
-              <a:t>b</a:t>
-            </a:r>
-            <a:r>
-              <a:rPr lang="en-GB" dirty="0"/>
-              <a:t>l</a:t>
-            </a:r>
-            <a:r>
-              <a:rPr lang="en-150" dirty="0"/>
-              <a:t>e Reservation Gang Scheduler</a:t>
+              <a:rPr lang="en-GB" noProof="0" dirty="0"/>
+              <a:t>Limited-Preemptive Moldable Reservation Gang Scheduler</a:t>
             </a:r>
           </a:p>
           <a:p>
             <a:r>
-              <a:rPr lang="en-150" dirty="0"/>
+              <a:rPr lang="en-GB" noProof="0" dirty="0"/>
               <a:t>Non-work conserving scheduler</a:t>
             </a:r>
           </a:p>
           <a:p>
             <a:r>
-              <a:rPr lang="en-150" dirty="0"/>
-              <a:t>Rese</a:t>
-            </a:r>
-            <a:r>
-              <a:rPr lang="en-GB" dirty="0"/>
-              <a:t>r</a:t>
-            </a:r>
-            <a:r>
-              <a:rPr lang="en-150" dirty="0"/>
-              <a:t>v</a:t>
-            </a:r>
-            <a:r>
-              <a:rPr lang="en-GB" dirty="0"/>
-              <a:t>e</a:t>
-            </a:r>
-            <a:r>
-              <a:rPr lang="en-150" dirty="0"/>
-              <a:t> cores of higher-</a:t>
-            </a:r>
-            <a:r>
-              <a:rPr lang="en-GB" dirty="0"/>
-              <a:t>p</a:t>
-            </a:r>
-            <a:r>
-              <a:rPr lang="en-150" dirty="0"/>
-              <a:t>r</a:t>
-            </a:r>
-            <a:r>
-              <a:rPr lang="en-GB" dirty="0"/>
-              <a:t>i</a:t>
-            </a:r>
-            <a:r>
-              <a:rPr lang="en-150" dirty="0"/>
-              <a:t>o</a:t>
-            </a:r>
-            <a:r>
-              <a:rPr lang="en-GB" dirty="0"/>
-              <a:t>r</a:t>
-            </a:r>
-            <a:r>
-              <a:rPr lang="en-150" dirty="0"/>
-              <a:t>i</a:t>
-            </a:r>
-            <a:r>
-              <a:rPr lang="en-GB" dirty="0"/>
-              <a:t>t</a:t>
-            </a:r>
-            <a:r>
-              <a:rPr lang="en-150" dirty="0"/>
-              <a:t>y </a:t>
-            </a:r>
-            <a:r>
-              <a:rPr lang="en-GB" dirty="0"/>
-              <a:t>t</a:t>
-            </a:r>
-            <a:r>
-              <a:rPr lang="en-150" dirty="0"/>
-              <a:t>a</a:t>
-            </a:r>
-            <a:r>
-              <a:rPr lang="en-GB" dirty="0"/>
-              <a:t>s</a:t>
-            </a:r>
-            <a:r>
-              <a:rPr lang="en-150" dirty="0"/>
-              <a:t>k</a:t>
-            </a:r>
-            <a:r>
-              <a:rPr lang="en-GB" dirty="0"/>
-              <a:t>s</a:t>
-            </a:r>
-            <a:r>
-              <a:rPr lang="en-150" dirty="0"/>
-              <a:t> </a:t>
-            </a:r>
-            <a:r>
-              <a:rPr lang="en-GB" dirty="0"/>
-              <a:t>a</a:t>
-            </a:r>
-            <a:r>
-              <a:rPr lang="en-150" dirty="0"/>
-              <a:t>n</a:t>
-            </a:r>
-            <a:r>
-              <a:rPr lang="en-GB" dirty="0"/>
-              <a:t>d</a:t>
-            </a:r>
-            <a:r>
-              <a:rPr lang="en-150" dirty="0"/>
-              <a:t> </a:t>
-            </a:r>
-            <a:r>
-              <a:rPr lang="en-GB" dirty="0"/>
-              <a:t>d</a:t>
-            </a:r>
-            <a:r>
-              <a:rPr lang="en-150" dirty="0"/>
-              <a:t>i</a:t>
-            </a:r>
-            <a:r>
-              <a:rPr lang="en-GB" dirty="0"/>
-              <a:t>s</a:t>
-            </a:r>
-            <a:r>
-              <a:rPr lang="en-150" dirty="0"/>
-              <a:t>t</a:t>
-            </a:r>
-            <a:r>
-              <a:rPr lang="en-GB" dirty="0"/>
-              <a:t>r</a:t>
-            </a:r>
-            <a:r>
-              <a:rPr lang="en-150" dirty="0"/>
-              <a:t>i</a:t>
-            </a:r>
-            <a:r>
-              <a:rPr lang="en-GB" dirty="0"/>
-              <a:t>b</a:t>
-            </a:r>
-            <a:r>
-              <a:rPr lang="en-150" dirty="0"/>
-              <a:t>u</a:t>
-            </a:r>
-            <a:r>
-              <a:rPr lang="en-GB" dirty="0"/>
-              <a:t>t</a:t>
-            </a:r>
-            <a:r>
-              <a:rPr lang="en-150" dirty="0"/>
-              <a:t>e </a:t>
-            </a:r>
-            <a:r>
-              <a:rPr lang="en-GB" dirty="0"/>
-              <a:t>t</a:t>
-            </a:r>
-            <a:r>
-              <a:rPr lang="en-150" dirty="0"/>
-              <a:t>h</a:t>
-            </a:r>
-            <a:r>
-              <a:rPr lang="en-GB" dirty="0"/>
-              <a:t>e</a:t>
-            </a:r>
-            <a:r>
-              <a:rPr lang="en-150" dirty="0"/>
-              <a:t> </a:t>
-            </a:r>
-            <a:r>
-              <a:rPr lang="en-GB" dirty="0"/>
-              <a:t>r</a:t>
-            </a:r>
-            <a:r>
-              <a:rPr lang="en-150" dirty="0"/>
-              <a:t>e</a:t>
-            </a:r>
-            <a:r>
-              <a:rPr lang="en-GB" dirty="0"/>
-              <a:t>m</a:t>
-            </a:r>
-            <a:r>
-              <a:rPr lang="en-150" dirty="0"/>
-              <a:t>a</a:t>
-            </a:r>
-            <a:r>
-              <a:rPr lang="en-GB" dirty="0"/>
-              <a:t>i</a:t>
-            </a:r>
-            <a:r>
-              <a:rPr lang="en-150" dirty="0"/>
-              <a:t>n</a:t>
-            </a:r>
-            <a:r>
-              <a:rPr lang="en-GB" dirty="0"/>
-              <a:t>i</a:t>
-            </a:r>
-            <a:r>
-              <a:rPr lang="en-150" dirty="0"/>
-              <a:t>n</a:t>
-            </a:r>
-            <a:r>
-              <a:rPr lang="en-GB" dirty="0"/>
-              <a:t>g</a:t>
-            </a:r>
-            <a:r>
-              <a:rPr lang="en-150" dirty="0"/>
-              <a:t> </a:t>
-            </a:r>
-            <a:r>
-              <a:rPr lang="en-GB" dirty="0"/>
-              <a:t>o</a:t>
-            </a:r>
-            <a:r>
-              <a:rPr lang="en-150" dirty="0"/>
-              <a:t>n</a:t>
-            </a:r>
-            <a:r>
-              <a:rPr lang="en-GB" dirty="0"/>
-              <a:t>e</a:t>
-            </a:r>
-            <a:r>
-              <a:rPr lang="en-150" dirty="0"/>
-              <a:t>s </a:t>
-            </a:r>
-            <a:r>
-              <a:rPr lang="en-GB" dirty="0"/>
-              <a:t>a</a:t>
-            </a:r>
-            <a:r>
-              <a:rPr lang="en-150" dirty="0"/>
-              <a:t>m</a:t>
-            </a:r>
-            <a:r>
-              <a:rPr lang="en-GB" dirty="0"/>
-              <a:t>o</a:t>
-            </a:r>
-            <a:r>
-              <a:rPr lang="en-150" dirty="0"/>
-              <a:t>n</a:t>
-            </a:r>
-            <a:r>
-              <a:rPr lang="en-GB" dirty="0"/>
-              <a:t>g</a:t>
-            </a:r>
-            <a:r>
-              <a:rPr lang="en-150" dirty="0"/>
-              <a:t> </a:t>
-            </a:r>
-            <a:r>
-              <a:rPr lang="en-GB" dirty="0"/>
-              <a:t>l</a:t>
-            </a:r>
-            <a:r>
-              <a:rPr lang="en-150" dirty="0"/>
-              <a:t>o</a:t>
-            </a:r>
-            <a:r>
-              <a:rPr lang="en-GB" dirty="0"/>
-              <a:t>w</a:t>
-            </a:r>
-            <a:r>
-              <a:rPr lang="en-150" dirty="0"/>
-              <a:t>e</a:t>
-            </a:r>
-            <a:r>
-              <a:rPr lang="en-GB" dirty="0"/>
-              <a:t>r</a:t>
-            </a:r>
-            <a:r>
-              <a:rPr lang="en-150" dirty="0"/>
-              <a:t> </a:t>
-            </a:r>
-            <a:r>
-              <a:rPr lang="en-GB" dirty="0"/>
-              <a:t>p</a:t>
-            </a:r>
-            <a:r>
-              <a:rPr lang="en-150" dirty="0"/>
-              <a:t>r</a:t>
-            </a:r>
-            <a:r>
-              <a:rPr lang="en-GB" dirty="0"/>
-              <a:t>i</a:t>
-            </a:r>
-            <a:r>
-              <a:rPr lang="en-150" dirty="0"/>
-              <a:t>o</a:t>
-            </a:r>
-            <a:r>
-              <a:rPr lang="en-GB" dirty="0"/>
-              <a:t>r</a:t>
-            </a:r>
-            <a:r>
-              <a:rPr lang="en-150" dirty="0"/>
-              <a:t>i</a:t>
-            </a:r>
-            <a:r>
-              <a:rPr lang="en-GB" dirty="0"/>
-              <a:t>t</a:t>
-            </a:r>
-            <a:r>
-              <a:rPr lang="en-150" dirty="0"/>
-              <a:t>y </a:t>
-            </a:r>
-            <a:r>
-              <a:rPr lang="en-GB" dirty="0"/>
-              <a:t>t</a:t>
-            </a:r>
-            <a:r>
-              <a:rPr lang="en-150" dirty="0"/>
-              <a:t>a</a:t>
-            </a:r>
-            <a:r>
-              <a:rPr lang="en-GB" dirty="0"/>
-              <a:t>s</a:t>
-            </a:r>
-            <a:r>
-              <a:rPr lang="en-150" dirty="0"/>
-              <a:t>k</a:t>
-            </a:r>
-            <a:r>
-              <a:rPr lang="en-GB" dirty="0"/>
-              <a:t>s</a:t>
+              <a:rPr lang="en-GB" noProof="0" dirty="0"/>
+              <a:t>Reserve cores of higher-priority tasks and distribute the remaining ones among lower priority tasks</a:t>
             </a:r>
           </a:p>
         </p:txBody>
@@ -29966,8 +28098,8 @@
         </p:blipFill>
         <p:spPr>
           <a:xfrm>
-            <a:off x="1132399" y="3698249"/>
-            <a:ext cx="5087383" cy="2339778"/>
+            <a:off x="1132399" y="3699556"/>
+            <a:ext cx="5087383" cy="2337163"/>
           </a:xfrm>
           <a:prstGeom prst="rect">
             <a:avLst/>
@@ -30002,7 +28134,7 @@
         <p:spPr>
           <a:xfrm>
             <a:off x="1129554" y="3698249"/>
-            <a:ext cx="5093073" cy="2339778"/>
+            <a:ext cx="5093073" cy="2339777"/>
           </a:xfrm>
           <a:prstGeom prst="rect">
             <a:avLst/>
@@ -30036,8 +28168,8 @@
         </p:blipFill>
         <p:spPr>
           <a:xfrm>
-            <a:off x="1129553" y="3698249"/>
-            <a:ext cx="5093075" cy="2339778"/>
+            <a:off x="1129554" y="3698249"/>
+            <a:ext cx="5093073" cy="2339778"/>
           </a:xfrm>
           <a:prstGeom prst="rect">
             <a:avLst/>
@@ -30072,15 +28204,15 @@
         <p:spPr>
           <a:xfrm>
             <a:off x="1131001" y="3698249"/>
-            <a:ext cx="5093073" cy="2339778"/>
+            <a:ext cx="5093073" cy="2339777"/>
           </a:xfrm>
           <a:prstGeom prst="rect">
             <a:avLst/>
           </a:prstGeom>
         </p:spPr>
       </p:pic>
-      <mc:AlternateContent xmlns:mc="http://schemas.openxmlformats.org/markup-compatibility/2006" xmlns:a14="http://schemas.microsoft.com/office/drawing/2010/main">
-        <mc:Choice Requires="a14">
+      <mc:AlternateContent xmlns:mc="http://schemas.openxmlformats.org/markup-compatibility/2006">
+        <mc:Choice xmlns:a14="http://schemas.microsoft.com/office/drawing/2010/main" Requires="a14">
           <p:sp>
             <p:nvSpPr>
               <p:cNvPr id="18" name="TB_j0">
@@ -30095,7 +28227,7 @@
             </p:nvSpPr>
             <p:spPr>
               <a:xfrm>
-                <a:off x="5312662" y="3919950"/>
+                <a:off x="5312662" y="3626875"/>
                 <a:ext cx="1702217" cy="369332"/>
               </a:xfrm>
               <a:prstGeom prst="rect">
@@ -30187,7 +28319,7 @@
             </p:txBody>
           </p:sp>
         </mc:Choice>
-        <mc:Fallback xmlns="">
+        <mc:Fallback>
           <p:sp>
             <p:nvSpPr>
               <p:cNvPr id="18" name="TB_j0">
@@ -30204,7 +28336,7 @@
             </p:nvSpPr>
             <p:spPr>
               <a:xfrm>
-                <a:off x="5312662" y="3919950"/>
+                <a:off x="5312662" y="3626875"/>
                 <a:ext cx="1702217" cy="369332"/>
               </a:xfrm>
               <a:prstGeom prst="rect">
@@ -30213,7 +28345,7 @@
               <a:blipFill>
                 <a:blip r:embed="rId10"/>
                 <a:stretch>
-                  <a:fillRect l="-2857" t="-8197" b="-24590"/>
+                  <a:fillRect l="-2857" t="-9836" b="-24590"/>
                 </a:stretch>
               </a:blipFill>
             </p:spPr>
@@ -30232,8 +28364,8 @@
           </p:sp>
         </mc:Fallback>
       </mc:AlternateContent>
-      <mc:AlternateContent xmlns:mc="http://schemas.openxmlformats.org/markup-compatibility/2006" xmlns:a14="http://schemas.microsoft.com/office/drawing/2010/main">
-        <mc:Choice Requires="a14">
+      <mc:AlternateContent xmlns:mc="http://schemas.openxmlformats.org/markup-compatibility/2006">
+        <mc:Choice xmlns:a14="http://schemas.microsoft.com/office/drawing/2010/main" Requires="a14">
           <p:sp>
             <p:nvSpPr>
               <p:cNvPr id="17" name="TB_j1">
@@ -30248,7 +28380,7 @@
             </p:nvSpPr>
             <p:spPr>
               <a:xfrm>
-                <a:off x="5312663" y="3920066"/>
+                <a:off x="5312663" y="3626991"/>
                 <a:ext cx="1702217" cy="369332"/>
               </a:xfrm>
               <a:prstGeom prst="rect">
@@ -30340,7 +28472,7 @@
             </p:txBody>
           </p:sp>
         </mc:Choice>
-        <mc:Fallback xmlns="">
+        <mc:Fallback>
           <p:sp>
             <p:nvSpPr>
               <p:cNvPr id="17" name="TB_j1">
@@ -30357,7 +28489,7 @@
             </p:nvSpPr>
             <p:spPr>
               <a:xfrm>
-                <a:off x="5312663" y="3920066"/>
+                <a:off x="5312663" y="3626991"/>
                 <a:ext cx="1702217" cy="369332"/>
               </a:xfrm>
               <a:prstGeom prst="rect">
@@ -30366,7 +28498,7 @@
               <a:blipFill>
                 <a:blip r:embed="rId11"/>
                 <a:stretch>
-                  <a:fillRect l="-2857" t="-8197" b="-24590"/>
+                  <a:fillRect l="-2857" t="-9836" b="-24590"/>
                 </a:stretch>
               </a:blipFill>
             </p:spPr>
@@ -30385,8 +28517,8 @@
           </p:sp>
         </mc:Fallback>
       </mc:AlternateContent>
-      <mc:AlternateContent xmlns:mc="http://schemas.openxmlformats.org/markup-compatibility/2006" xmlns:a14="http://schemas.microsoft.com/office/drawing/2010/main">
-        <mc:Choice Requires="a14">
+      <mc:AlternateContent xmlns:mc="http://schemas.openxmlformats.org/markup-compatibility/2006">
+        <mc:Choice xmlns:a14="http://schemas.microsoft.com/office/drawing/2010/main" Requires="a14">
           <p:sp>
             <p:nvSpPr>
               <p:cNvPr id="19" name="TB_j2">
@@ -30401,7 +28533,7 @@
             </p:nvSpPr>
             <p:spPr>
               <a:xfrm>
-                <a:off x="5312662" y="3919950"/>
+                <a:off x="5312662" y="3626875"/>
                 <a:ext cx="1702217" cy="369332"/>
               </a:xfrm>
               <a:prstGeom prst="rect">
@@ -30493,7 +28625,7 @@
             </p:txBody>
           </p:sp>
         </mc:Choice>
-        <mc:Fallback xmlns="">
+        <mc:Fallback>
           <p:sp>
             <p:nvSpPr>
               <p:cNvPr id="19" name="TB_j2">
@@ -30510,7 +28642,7 @@
             </p:nvSpPr>
             <p:spPr>
               <a:xfrm>
-                <a:off x="5312662" y="3919950"/>
+                <a:off x="5312662" y="3626875"/>
                 <a:ext cx="1702217" cy="369332"/>
               </a:xfrm>
               <a:prstGeom prst="rect">
@@ -30519,7 +28651,7 @@
               <a:blipFill>
                 <a:blip r:embed="rId12"/>
                 <a:stretch>
-                  <a:fillRect l="-2857" t="-8197" b="-24590"/>
+                  <a:fillRect l="-2857" t="-9836" b="-24590"/>
                 </a:stretch>
               </a:blipFill>
             </p:spPr>
@@ -30538,8 +28670,8 @@
           </p:sp>
         </mc:Fallback>
       </mc:AlternateContent>
-      <mc:AlternateContent xmlns:mc="http://schemas.openxmlformats.org/markup-compatibility/2006" xmlns:a14="http://schemas.microsoft.com/office/drawing/2010/main">
-        <mc:Choice Requires="a14">
+      <mc:AlternateContent xmlns:mc="http://schemas.openxmlformats.org/markup-compatibility/2006">
+        <mc:Choice xmlns:a14="http://schemas.microsoft.com/office/drawing/2010/main" Requires="a14">
           <p:sp>
             <p:nvSpPr>
               <p:cNvPr id="20" name="TB_j3">
@@ -30554,7 +28686,7 @@
             </p:nvSpPr>
             <p:spPr>
               <a:xfrm>
-                <a:off x="5312662" y="3919950"/>
+                <a:off x="5312662" y="3626875"/>
                 <a:ext cx="1702217" cy="369332"/>
               </a:xfrm>
               <a:prstGeom prst="rect">
@@ -30646,7 +28778,7 @@
             </p:txBody>
           </p:sp>
         </mc:Choice>
-        <mc:Fallback xmlns="">
+        <mc:Fallback>
           <p:sp>
             <p:nvSpPr>
               <p:cNvPr id="20" name="TB_j3">
@@ -30663,7 +28795,7 @@
             </p:nvSpPr>
             <p:spPr>
               <a:xfrm>
-                <a:off x="5312662" y="3919950"/>
+                <a:off x="5312662" y="3626875"/>
                 <a:ext cx="1702217" cy="369332"/>
               </a:xfrm>
               <a:prstGeom prst="rect">
@@ -30672,7 +28804,7 @@
               <a:blipFill>
                 <a:blip r:embed="rId13"/>
                 <a:stretch>
-                  <a:fillRect l="-2857" t="-8197" b="-24590"/>
+                  <a:fillRect l="-2857" t="-9836" b="-24590"/>
                 </a:stretch>
               </a:blipFill>
             </p:spPr>
@@ -37933,34 +36065,9 @@
           <a:lstStyle/>
           <a:p>
             <a:r>
-              <a:rPr lang="en-150" dirty="0"/>
-              <a:t>R</a:t>
-            </a:r>
-            <a:r>
-              <a:rPr lang="en-GB" dirty="0"/>
-              <a:t>e</a:t>
-            </a:r>
-            <a:r>
-              <a:rPr lang="en-150" dirty="0"/>
-              <a:t>s</a:t>
-            </a:r>
-            <a:r>
-              <a:rPr lang="en-GB" dirty="0"/>
-              <a:t>u</a:t>
-            </a:r>
-            <a:r>
-              <a:rPr lang="en-150" dirty="0"/>
-              <a:t>l</a:t>
-            </a:r>
-            <a:r>
-              <a:rPr lang="en-GB" dirty="0"/>
-              <a:t>t</a:t>
-            </a:r>
-            <a:r>
-              <a:rPr lang="en-150" dirty="0"/>
-              <a:t>s</a:t>
-            </a:r>
-            <a:endParaRPr lang="en-GB" dirty="0"/>
+              <a:rPr lang="en-GB" noProof="0" dirty="0"/>
+              <a:t>Results</a:t>
+            </a:r>
           </a:p>
         </p:txBody>
       </p:sp>
@@ -37985,7 +36092,7 @@
           <a:bodyPr/>
           <a:lstStyle/>
           <a:p>
-            <a:endParaRPr lang="en-GB"/>
+            <a:endParaRPr lang="en-GB" dirty="0"/>
           </a:p>
         </p:txBody>
       </p:sp>
@@ -38070,42 +36177,9 @@
           <a:lstStyle/>
           <a:p>
             <a:r>
-              <a:rPr lang="en-150" dirty="0"/>
-              <a:t>Q</a:t>
-            </a:r>
-            <a:r>
-              <a:rPr lang="en-GB" dirty="0"/>
-              <a:t>u</a:t>
-            </a:r>
-            <a:r>
-              <a:rPr lang="en-150" dirty="0"/>
-              <a:t>e</a:t>
-            </a:r>
-            <a:r>
-              <a:rPr lang="en-GB" dirty="0"/>
-              <a:t>s</a:t>
-            </a:r>
-            <a:r>
-              <a:rPr lang="en-150" dirty="0"/>
-              <a:t>t</a:t>
-            </a:r>
-            <a:r>
-              <a:rPr lang="en-GB" dirty="0"/>
-              <a:t>i</a:t>
-            </a:r>
-            <a:r>
-              <a:rPr lang="en-150" dirty="0"/>
-              <a:t>o</a:t>
-            </a:r>
-            <a:r>
-              <a:rPr lang="en-GB" dirty="0"/>
-              <a:t>n</a:t>
-            </a:r>
-            <a:r>
-              <a:rPr lang="en-150" dirty="0"/>
-              <a:t>s?</a:t>
-            </a:r>
-            <a:endParaRPr lang="en-GB" dirty="0"/>
+              <a:rPr lang="en-GB" noProof="0" dirty="0"/>
+              <a:t>Questions?</a:t>
+            </a:r>
           </a:p>
         </p:txBody>
       </p:sp>
@@ -38215,10 +36289,9 @@
           <a:lstStyle/>
           <a:p>
             <a:r>
-              <a:rPr lang="en-150" dirty="0"/>
+              <a:rPr lang="en-GB" noProof="0" dirty="0"/>
               <a:t>Why gang?</a:t>
             </a:r>
-            <a:endParaRPr lang="en-GB" dirty="0"/>
           </a:p>
         </p:txBody>
       </p:sp>
@@ -38244,7 +36317,7 @@
           <a:lstStyle/>
           <a:p>
             <a:r>
-              <a:rPr lang="en-150" dirty="0"/>
+              <a:rPr lang="en-GB" noProof="0" dirty="0"/>
               <a:t>Efficient synchronization</a:t>
             </a:r>
           </a:p>
@@ -38873,10 +36946,9 @@
           <a:lstStyle/>
           <a:p>
             <a:r>
-              <a:rPr lang="en-150" dirty="0"/>
+              <a:rPr lang="en-GB" noProof="0" dirty="0"/>
               <a:t>Why gang?</a:t>
             </a:r>
-            <a:endParaRPr lang="en-GB" dirty="0"/>
           </a:p>
         </p:txBody>
       </p:sp>
@@ -38902,167 +36974,19 @@
           <a:lstStyle/>
           <a:p>
             <a:r>
-              <a:rPr lang="en-150" dirty="0"/>
+              <a:rPr lang="en-GB" noProof="0" dirty="0"/>
               <a:t>Efficient synchronization</a:t>
             </a:r>
           </a:p>
           <a:p>
             <a:r>
-              <a:rPr lang="en-GB" dirty="0"/>
-              <a:t>A</a:t>
-            </a:r>
-            <a:r>
-              <a:rPr lang="en-150" dirty="0"/>
-              <a:t>v</a:t>
-            </a:r>
-            <a:r>
-              <a:rPr lang="en-GB" dirty="0"/>
-              <a:t>o</a:t>
-            </a:r>
-            <a:r>
-              <a:rPr lang="en-150" dirty="0"/>
-              <a:t>i</a:t>
-            </a:r>
-            <a:r>
-              <a:rPr lang="en-GB" dirty="0"/>
-              <a:t>d</a:t>
-            </a:r>
-            <a:r>
-              <a:rPr lang="en-150" dirty="0"/>
-              <a:t>s </a:t>
-            </a:r>
-            <a:r>
-              <a:rPr lang="en-GB" dirty="0"/>
-              <a:t>o</a:t>
-            </a:r>
-            <a:r>
-              <a:rPr lang="en-150" dirty="0"/>
-              <a:t>v</a:t>
-            </a:r>
-            <a:r>
-              <a:rPr lang="en-GB" dirty="0"/>
-              <a:t>e</a:t>
-            </a:r>
-            <a:r>
-              <a:rPr lang="en-150" dirty="0"/>
-              <a:t>r</a:t>
-            </a:r>
-            <a:r>
-              <a:rPr lang="en-GB" dirty="0"/>
-              <a:t>h</a:t>
-            </a:r>
-            <a:r>
-              <a:rPr lang="en-150" dirty="0"/>
-              <a:t>e</a:t>
-            </a:r>
-            <a:r>
-              <a:rPr lang="en-GB" dirty="0"/>
-              <a:t>a</a:t>
-            </a:r>
-            <a:r>
-              <a:rPr lang="en-150" dirty="0"/>
-              <a:t>d </a:t>
-            </a:r>
-            <a:r>
-              <a:rPr lang="en-GB" dirty="0"/>
-              <a:t>w</a:t>
-            </a:r>
-            <a:r>
-              <a:rPr lang="en-150" dirty="0"/>
-              <a:t>h</a:t>
-            </a:r>
-            <a:r>
-              <a:rPr lang="en-GB" dirty="0"/>
-              <a:t>e</a:t>
-            </a:r>
-            <a:r>
-              <a:rPr lang="en-150" dirty="0"/>
-              <a:t>n </a:t>
-            </a:r>
-            <a:r>
-              <a:rPr lang="en-GB" dirty="0"/>
-              <a:t>l</a:t>
-            </a:r>
-            <a:r>
-              <a:rPr lang="en-150" dirty="0"/>
-              <a:t>o</a:t>
-            </a:r>
-            <a:r>
-              <a:rPr lang="en-GB" dirty="0"/>
-              <a:t>a</a:t>
-            </a:r>
-            <a:r>
-              <a:rPr lang="en-150" dirty="0"/>
-              <a:t>d</a:t>
-            </a:r>
-            <a:r>
-              <a:rPr lang="en-GB" dirty="0"/>
-              <a:t>i</a:t>
-            </a:r>
-            <a:r>
-              <a:rPr lang="en-150" dirty="0"/>
-              <a:t>n</a:t>
-            </a:r>
-            <a:r>
-              <a:rPr lang="en-GB" dirty="0"/>
-              <a:t>g</a:t>
-            </a:r>
-            <a:r>
-              <a:rPr lang="en-150" dirty="0"/>
-              <a:t> </a:t>
-            </a:r>
-            <a:r>
-              <a:rPr lang="en-GB" dirty="0"/>
-              <a:t>i</a:t>
-            </a:r>
-            <a:r>
-              <a:rPr lang="en-150" dirty="0"/>
-              <a:t>n</a:t>
-            </a:r>
-            <a:r>
-              <a:rPr lang="en-GB" dirty="0"/>
-              <a:t>i</a:t>
-            </a:r>
-            <a:r>
-              <a:rPr lang="en-150" dirty="0"/>
-              <a:t>t</a:t>
-            </a:r>
-            <a:r>
-              <a:rPr lang="en-GB" dirty="0"/>
-              <a:t>i</a:t>
-            </a:r>
-            <a:r>
-              <a:rPr lang="en-150" dirty="0"/>
-              <a:t>a</a:t>
-            </a:r>
-            <a:r>
-              <a:rPr lang="en-GB" dirty="0"/>
-              <a:t>l</a:t>
-            </a:r>
-            <a:r>
-              <a:rPr lang="en-150" dirty="0"/>
-              <a:t> </a:t>
-            </a:r>
-            <a:r>
-              <a:rPr lang="en-GB" dirty="0"/>
-              <a:t>d</a:t>
-            </a:r>
-            <a:r>
-              <a:rPr lang="en-150" dirty="0"/>
-              <a:t>a</a:t>
-            </a:r>
-            <a:r>
-              <a:rPr lang="en-GB" dirty="0"/>
-              <a:t>t</a:t>
-            </a:r>
-            <a:r>
-              <a:rPr lang="en-150" dirty="0"/>
-              <a:t>a</a:t>
+              <a:rPr lang="en-GB" noProof="0" dirty="0"/>
+              <a:t>Avoids overhead when loading initial data</a:t>
             </a:r>
           </a:p>
           <a:p>
             <a:r>
-              <a:rPr lang="en-150" dirty="0"/>
+              <a:rPr lang="en-GB" noProof="0" dirty="0"/>
               <a:t>Shows its full potential when executed non-preemptively</a:t>
             </a:r>
           </a:p>
@@ -39585,33 +37509,15 @@
                                   </p:childTnLst>
                                 </p:cTn>
                               </p:par>
-                            </p:childTnLst>
-                          </p:cTn>
-                        </p:par>
-                      </p:childTnLst>
-                    </p:cTn>
-                  </p:par>
-                  <p:par>
-                    <p:cTn id="17" fill="hold">
-                      <p:stCondLst>
-                        <p:cond delay="indefinite"/>
-                      </p:stCondLst>
-                      <p:childTnLst>
-                        <p:par>
-                          <p:cTn id="18" fill="hold">
-                            <p:stCondLst>
-                              <p:cond delay="0"/>
-                            </p:stCondLst>
-                            <p:childTnLst>
                               <p:par>
-                                <p:cTn id="19" presetID="1" presetClass="entr" presetSubtype="0" fill="hold" grpId="0" nodeType="clickEffect">
+                                <p:cTn id="17" presetID="1" presetClass="entr" presetSubtype="0" fill="hold" grpId="0" nodeType="withEffect">
                                   <p:stCondLst>
                                     <p:cond delay="0"/>
                                   </p:stCondLst>
                                   <p:childTnLst>
                                     <p:set>
                                       <p:cBhvr>
-                                        <p:cTn id="20" dur="1" fill="hold">
+                                        <p:cTn id="18" dur="1" fill="hold">
                                           <p:stCondLst>
                                             <p:cond delay="0"/>
                                           </p:stCondLst>
@@ -39641,26 +37547,26 @@
                     </p:cTn>
                   </p:par>
                   <p:par>
-                    <p:cTn id="21" fill="hold">
+                    <p:cTn id="19" fill="hold">
                       <p:stCondLst>
                         <p:cond delay="indefinite"/>
                       </p:stCondLst>
                       <p:childTnLst>
                         <p:par>
-                          <p:cTn id="22" fill="hold">
+                          <p:cTn id="20" fill="hold">
                             <p:stCondLst>
                               <p:cond delay="0"/>
                             </p:stCondLst>
                             <p:childTnLst>
                               <p:par>
-                                <p:cTn id="23" presetID="1" presetClass="entr" presetSubtype="0" fill="hold" grpId="0" nodeType="clickEffect">
+                                <p:cTn id="21" presetID="1" presetClass="entr" presetSubtype="0" fill="hold" grpId="0" nodeType="clickEffect">
                                   <p:stCondLst>
                                     <p:cond delay="0"/>
                                   </p:stCondLst>
                                   <p:childTnLst>
                                     <p:set>
                                       <p:cBhvr>
-                                        <p:cTn id="24" dur="1" fill="hold">
+                                        <p:cTn id="22" dur="1" fill="hold">
                                           <p:stCondLst>
                                             <p:cond delay="0"/>
                                           </p:stCondLst>
@@ -39758,10 +37664,9 @@
           <a:lstStyle/>
           <a:p>
             <a:r>
-              <a:rPr lang="en-150" dirty="0"/>
+              <a:rPr lang="en-GB" noProof="0" dirty="0"/>
               <a:t>Types of gang</a:t>
             </a:r>
-            <a:endParaRPr lang="en-GB" dirty="0"/>
           </a:p>
         </p:txBody>
       </p:sp>
@@ -39787,150 +37692,13 @@
           <a:lstStyle/>
           <a:p>
             <a:r>
-              <a:rPr lang="en-150" b="1" dirty="0"/>
-              <a:t>R</a:t>
-            </a:r>
-            <a:r>
-              <a:rPr lang="en-GB" b="1" dirty="0"/>
-              <a:t>i</a:t>
-            </a:r>
-            <a:r>
-              <a:rPr lang="en-150" b="1" dirty="0"/>
-              <a:t>g</a:t>
-            </a:r>
-            <a:r>
-              <a:rPr lang="en-GB" b="1" dirty="0"/>
-              <a:t>i</a:t>
-            </a:r>
-            <a:r>
-              <a:rPr lang="en-150" b="1" dirty="0"/>
-              <a:t>d</a:t>
-            </a:r>
-            <a:r>
-              <a:rPr lang="en-150" dirty="0"/>
-              <a:t>: </a:t>
-            </a:r>
-            <a:r>
-              <a:rPr lang="en-GB" dirty="0"/>
-              <a:t>n</a:t>
-            </a:r>
-            <a:r>
-              <a:rPr lang="en-150" dirty="0"/>
-              <a:t>u</a:t>
-            </a:r>
-            <a:r>
-              <a:rPr lang="en-GB" dirty="0"/>
-              <a:t>m</a:t>
-            </a:r>
-            <a:r>
-              <a:rPr lang="en-150" dirty="0"/>
-              <a:t>b</a:t>
-            </a:r>
-            <a:r>
-              <a:rPr lang="en-GB" dirty="0"/>
-              <a:t>e</a:t>
-            </a:r>
-            <a:r>
-              <a:rPr lang="en-150" dirty="0"/>
-              <a:t>r </a:t>
-            </a:r>
-            <a:r>
-              <a:rPr lang="en-GB" dirty="0"/>
-              <a:t>o</a:t>
-            </a:r>
-            <a:r>
-              <a:rPr lang="en-150" dirty="0"/>
-              <a:t>f </a:t>
-            </a:r>
-            <a:r>
-              <a:rPr lang="en-GB" dirty="0"/>
-              <a:t>c</a:t>
-            </a:r>
-            <a:r>
-              <a:rPr lang="en-150" dirty="0"/>
-              <a:t>o</a:t>
-            </a:r>
-            <a:r>
-              <a:rPr lang="en-GB" dirty="0"/>
-              <a:t>r</a:t>
-            </a:r>
-            <a:r>
-              <a:rPr lang="en-150" dirty="0"/>
-              <a:t>e</a:t>
-            </a:r>
-            <a:r>
-              <a:rPr lang="en-GB" dirty="0"/>
-              <a:t>s</a:t>
-            </a:r>
-            <a:r>
-              <a:rPr lang="en-150" dirty="0"/>
-              <a:t> </a:t>
-            </a:r>
-            <a:r>
-              <a:rPr lang="en-GB" dirty="0"/>
-              <a:t>s</a:t>
-            </a:r>
-            <a:r>
-              <a:rPr lang="en-150" dirty="0"/>
-              <a:t>e</a:t>
-            </a:r>
-            <a:r>
-              <a:rPr lang="en-GB" dirty="0"/>
-              <a:t>t</a:t>
-            </a:r>
-            <a:r>
-              <a:rPr lang="en-150" dirty="0"/>
-              <a:t> </a:t>
-            </a:r>
-            <a:r>
-              <a:rPr lang="en-GB" dirty="0"/>
-              <a:t>b</a:t>
-            </a:r>
-            <a:r>
-              <a:rPr lang="en-150" dirty="0"/>
-              <a:t>y </a:t>
-            </a:r>
-            <a:r>
-              <a:rPr lang="en-GB" dirty="0"/>
-              <a:t>p</a:t>
-            </a:r>
-            <a:r>
-              <a:rPr lang="en-150" dirty="0"/>
-              <a:t>r</a:t>
-            </a:r>
-            <a:r>
-              <a:rPr lang="en-GB" dirty="0"/>
-              <a:t>o</a:t>
-            </a:r>
-            <a:r>
-              <a:rPr lang="en-150" dirty="0"/>
-              <a:t>g</a:t>
-            </a:r>
-            <a:r>
-              <a:rPr lang="en-GB" dirty="0"/>
-              <a:t>r</a:t>
-            </a:r>
-            <a:r>
-              <a:rPr lang="en-150" dirty="0"/>
-              <a:t>a</a:t>
-            </a:r>
-            <a:r>
-              <a:rPr lang="en-GB" dirty="0"/>
-              <a:t>m</a:t>
-            </a:r>
-            <a:r>
-              <a:rPr lang="en-150" dirty="0"/>
-              <a:t>m</a:t>
-            </a:r>
-            <a:r>
-              <a:rPr lang="en-GB" dirty="0"/>
-              <a:t>e</a:t>
-            </a:r>
-            <a:r>
-              <a:rPr lang="en-150" dirty="0"/>
-              <a:t>r</a:t>
-            </a:r>
-            <a:endParaRPr lang="en-GB" dirty="0"/>
+              <a:rPr lang="en-GB" b="1" noProof="0" dirty="0"/>
+              <a:t>Rigid</a:t>
+            </a:r>
+            <a:r>
+              <a:rPr lang="en-GB" noProof="0" dirty="0"/>
+              <a:t>: number of cores set by programmer</a:t>
+            </a:r>
           </a:p>
         </p:txBody>
       </p:sp>
@@ -40178,10 +37946,9 @@
           <a:lstStyle/>
           <a:p>
             <a:r>
-              <a:rPr lang="en-150" dirty="0"/>
+              <a:rPr lang="en-GB" noProof="0" dirty="0"/>
               <a:t>Types of gang</a:t>
             </a:r>
-            <a:endParaRPr lang="en-GB" dirty="0"/>
           </a:p>
         </p:txBody>
       </p:sp>
@@ -40207,160 +37974,24 @@
           <a:lstStyle/>
           <a:p>
             <a:r>
-              <a:rPr lang="en-150" b="1" dirty="0"/>
-              <a:t>R</a:t>
-            </a:r>
-            <a:r>
-              <a:rPr lang="en-GB" b="1" dirty="0"/>
-              <a:t>i</a:t>
-            </a:r>
-            <a:r>
-              <a:rPr lang="en-150" b="1" dirty="0"/>
-              <a:t>g</a:t>
-            </a:r>
-            <a:r>
-              <a:rPr lang="en-GB" b="1" dirty="0"/>
-              <a:t>i</a:t>
-            </a:r>
-            <a:r>
-              <a:rPr lang="en-150" b="1" dirty="0"/>
-              <a:t>d</a:t>
-            </a:r>
-            <a:r>
-              <a:rPr lang="en-150" dirty="0"/>
-              <a:t>: </a:t>
-            </a:r>
-            <a:r>
-              <a:rPr lang="en-GB" dirty="0"/>
-              <a:t>n</a:t>
-            </a:r>
-            <a:r>
-              <a:rPr lang="en-150" dirty="0"/>
-              <a:t>u</a:t>
-            </a:r>
-            <a:r>
-              <a:rPr lang="en-GB" dirty="0"/>
-              <a:t>m</a:t>
-            </a:r>
-            <a:r>
-              <a:rPr lang="en-150" dirty="0"/>
-              <a:t>b</a:t>
-            </a:r>
-            <a:r>
-              <a:rPr lang="en-GB" dirty="0"/>
-              <a:t>e</a:t>
-            </a:r>
-            <a:r>
-              <a:rPr lang="en-150" dirty="0"/>
-              <a:t>r </a:t>
-            </a:r>
-            <a:r>
-              <a:rPr lang="en-GB" dirty="0"/>
-              <a:t>o</a:t>
-            </a:r>
-            <a:r>
-              <a:rPr lang="en-150" dirty="0"/>
-              <a:t>f </a:t>
-            </a:r>
-            <a:r>
-              <a:rPr lang="en-GB" dirty="0"/>
-              <a:t>c</a:t>
-            </a:r>
-            <a:r>
-              <a:rPr lang="en-150" dirty="0"/>
-              <a:t>o</a:t>
-            </a:r>
-            <a:r>
-              <a:rPr lang="en-GB" dirty="0"/>
-              <a:t>r</a:t>
-            </a:r>
-            <a:r>
-              <a:rPr lang="en-150" dirty="0"/>
-              <a:t>e</a:t>
-            </a:r>
-            <a:r>
-              <a:rPr lang="en-GB" dirty="0"/>
-              <a:t>s</a:t>
-            </a:r>
-            <a:r>
-              <a:rPr lang="en-150" dirty="0"/>
-              <a:t> </a:t>
-            </a:r>
-            <a:r>
-              <a:rPr lang="en-GB" dirty="0"/>
-              <a:t>s</a:t>
-            </a:r>
-            <a:r>
-              <a:rPr lang="en-150" dirty="0"/>
-              <a:t>e</a:t>
-            </a:r>
-            <a:r>
-              <a:rPr lang="en-GB" dirty="0"/>
-              <a:t>t</a:t>
-            </a:r>
-            <a:r>
-              <a:rPr lang="en-150" dirty="0"/>
-              <a:t> </a:t>
-            </a:r>
-            <a:r>
-              <a:rPr lang="en-GB" dirty="0"/>
-              <a:t>b</a:t>
-            </a:r>
-            <a:r>
-              <a:rPr lang="en-150" dirty="0"/>
-              <a:t>y </a:t>
-            </a:r>
-            <a:r>
-              <a:rPr lang="en-GB" dirty="0"/>
-              <a:t>p</a:t>
-            </a:r>
-            <a:r>
-              <a:rPr lang="en-150" dirty="0"/>
-              <a:t>r</a:t>
-            </a:r>
-            <a:r>
-              <a:rPr lang="en-GB" dirty="0"/>
-              <a:t>o</a:t>
-            </a:r>
-            <a:r>
-              <a:rPr lang="en-150" dirty="0"/>
-              <a:t>g</a:t>
-            </a:r>
-            <a:r>
-              <a:rPr lang="en-GB" dirty="0"/>
-              <a:t>r</a:t>
-            </a:r>
-            <a:r>
-              <a:rPr lang="en-150" dirty="0"/>
-              <a:t>a</a:t>
-            </a:r>
-            <a:r>
-              <a:rPr lang="en-GB" dirty="0"/>
-              <a:t>m</a:t>
-            </a:r>
-            <a:r>
-              <a:rPr lang="en-150" dirty="0"/>
-              <a:t>m</a:t>
-            </a:r>
-            <a:r>
-              <a:rPr lang="en-GB" dirty="0"/>
-              <a:t>e</a:t>
-            </a:r>
-            <a:r>
-              <a:rPr lang="en-150" dirty="0"/>
-              <a:t>r</a:t>
+              <a:rPr lang="en-GB" b="1" noProof="0" dirty="0"/>
+              <a:t>Rigid</a:t>
+            </a:r>
+            <a:r>
+              <a:rPr lang="en-GB" noProof="0" dirty="0"/>
+              <a:t>: number of cores set by programmer</a:t>
             </a:r>
           </a:p>
           <a:p>
             <a:r>
-              <a:rPr lang="en-150" b="1" dirty="0"/>
+              <a:rPr lang="en-GB" b="1" noProof="0" dirty="0"/>
               <a:t>Moldable</a:t>
             </a:r>
             <a:r>
-              <a:rPr lang="en-150" dirty="0"/>
+              <a:rPr lang="en-GB" noProof="0" dirty="0"/>
               <a:t>: number of cores assigned during scheduling</a:t>
             </a:r>
-            <a:endParaRPr lang="en-GB" b="1" dirty="0"/>
+            <a:endParaRPr lang="en-GB" b="1" noProof="0" dirty="0"/>
           </a:p>
         </p:txBody>
       </p:sp>
@@ -40644,10 +38275,9 @@
           <a:lstStyle/>
           <a:p>
             <a:r>
-              <a:rPr lang="en-150" dirty="0"/>
+              <a:rPr lang="en-GB" noProof="0" dirty="0"/>
               <a:t>Types of gang</a:t>
             </a:r>
-            <a:endParaRPr lang="en-GB" dirty="0"/>
           </a:p>
         </p:txBody>
       </p:sp>
@@ -40673,170 +38303,42 @@
           <a:lstStyle/>
           <a:p>
             <a:r>
-              <a:rPr lang="en-150" b="1" dirty="0"/>
-              <a:t>R</a:t>
-            </a:r>
-            <a:r>
-              <a:rPr lang="en-GB" b="1" dirty="0"/>
-              <a:t>i</a:t>
-            </a:r>
-            <a:r>
-              <a:rPr lang="en-150" b="1" dirty="0"/>
-              <a:t>g</a:t>
-            </a:r>
-            <a:r>
-              <a:rPr lang="en-GB" b="1" dirty="0"/>
-              <a:t>i</a:t>
-            </a:r>
-            <a:r>
-              <a:rPr lang="en-150" b="1" dirty="0"/>
-              <a:t>d</a:t>
-            </a:r>
-            <a:r>
-              <a:rPr lang="en-150" dirty="0"/>
-              <a:t>: </a:t>
-            </a:r>
-            <a:r>
-              <a:rPr lang="en-GB" dirty="0"/>
-              <a:t>n</a:t>
-            </a:r>
-            <a:r>
-              <a:rPr lang="en-150" dirty="0"/>
-              <a:t>u</a:t>
-            </a:r>
-            <a:r>
-              <a:rPr lang="en-GB" dirty="0"/>
-              <a:t>m</a:t>
-            </a:r>
-            <a:r>
-              <a:rPr lang="en-150" dirty="0"/>
-              <a:t>b</a:t>
-            </a:r>
-            <a:r>
-              <a:rPr lang="en-GB" dirty="0"/>
-              <a:t>e</a:t>
-            </a:r>
-            <a:r>
-              <a:rPr lang="en-150" dirty="0"/>
-              <a:t>r </a:t>
-            </a:r>
-            <a:r>
-              <a:rPr lang="en-GB" dirty="0"/>
-              <a:t>o</a:t>
-            </a:r>
-            <a:r>
-              <a:rPr lang="en-150" dirty="0"/>
-              <a:t>f </a:t>
-            </a:r>
-            <a:r>
-              <a:rPr lang="en-GB" dirty="0"/>
-              <a:t>c</a:t>
-            </a:r>
-            <a:r>
-              <a:rPr lang="en-150" dirty="0"/>
-              <a:t>o</a:t>
-            </a:r>
-            <a:r>
-              <a:rPr lang="en-GB" dirty="0"/>
-              <a:t>r</a:t>
-            </a:r>
-            <a:r>
-              <a:rPr lang="en-150" dirty="0"/>
-              <a:t>e</a:t>
-            </a:r>
-            <a:r>
-              <a:rPr lang="en-GB" dirty="0"/>
-              <a:t>s</a:t>
-            </a:r>
-            <a:r>
-              <a:rPr lang="en-150" dirty="0"/>
-              <a:t> </a:t>
-            </a:r>
-            <a:r>
-              <a:rPr lang="en-GB" dirty="0"/>
-              <a:t>s</a:t>
-            </a:r>
-            <a:r>
-              <a:rPr lang="en-150" dirty="0"/>
-              <a:t>e</a:t>
-            </a:r>
-            <a:r>
-              <a:rPr lang="en-GB" dirty="0"/>
-              <a:t>t</a:t>
-            </a:r>
-            <a:r>
-              <a:rPr lang="en-150" dirty="0"/>
-              <a:t> </a:t>
-            </a:r>
-            <a:r>
-              <a:rPr lang="en-GB" dirty="0"/>
-              <a:t>b</a:t>
-            </a:r>
-            <a:r>
-              <a:rPr lang="en-150" dirty="0"/>
-              <a:t>y </a:t>
-            </a:r>
-            <a:r>
-              <a:rPr lang="en-GB" dirty="0"/>
-              <a:t>p</a:t>
-            </a:r>
-            <a:r>
-              <a:rPr lang="en-150" dirty="0"/>
-              <a:t>r</a:t>
-            </a:r>
-            <a:r>
-              <a:rPr lang="en-GB" dirty="0"/>
-              <a:t>o</a:t>
-            </a:r>
-            <a:r>
-              <a:rPr lang="en-150" dirty="0"/>
-              <a:t>g</a:t>
-            </a:r>
-            <a:r>
-              <a:rPr lang="en-GB" dirty="0"/>
-              <a:t>r</a:t>
-            </a:r>
-            <a:r>
-              <a:rPr lang="en-150" dirty="0"/>
-              <a:t>a</a:t>
-            </a:r>
-            <a:r>
-              <a:rPr lang="en-GB" dirty="0"/>
-              <a:t>m</a:t>
-            </a:r>
-            <a:r>
-              <a:rPr lang="en-150" dirty="0"/>
-              <a:t>m</a:t>
-            </a:r>
-            <a:r>
-              <a:rPr lang="en-GB" dirty="0"/>
-              <a:t>e</a:t>
-            </a:r>
-            <a:r>
-              <a:rPr lang="en-150" dirty="0"/>
-              <a:t>r</a:t>
+              <a:rPr lang="en-GB" b="1" noProof="0" dirty="0"/>
+              <a:t>Rigid</a:t>
+            </a:r>
+            <a:r>
+              <a:rPr lang="en-GB" noProof="0" dirty="0"/>
+              <a:t>: number of cores set by programmer</a:t>
             </a:r>
           </a:p>
           <a:p>
             <a:r>
-              <a:rPr lang="en-150" b="1" dirty="0"/>
+              <a:rPr lang="en-GB" b="1" noProof="0" dirty="0"/>
               <a:t>Moldable</a:t>
             </a:r>
             <a:r>
-              <a:rPr lang="en-150" dirty="0"/>
+              <a:rPr lang="en-GB" noProof="0" dirty="0"/>
               <a:t>: number of cores assigned during scheduling</a:t>
             </a:r>
           </a:p>
           <a:p>
             <a:r>
-              <a:rPr lang="en-150" b="1" dirty="0"/>
+              <a:rPr lang="en-GB" b="1" noProof="0" dirty="0"/>
               <a:t>Malleable</a:t>
             </a:r>
             <a:r>
-              <a:rPr lang="en-150" dirty="0"/>
-              <a:t>: Number of cores can change during runtime</a:t>
-            </a:r>
-            <a:endParaRPr lang="en-GB" b="1" dirty="0"/>
+              <a:rPr lang="en-GB" noProof="0" dirty="0"/>
+              <a:t>: </a:t>
+            </a:r>
+            <a:r>
+              <a:rPr lang="en-150" noProof="0" dirty="0"/>
+              <a:t>n</a:t>
+            </a:r>
+            <a:r>
+              <a:rPr lang="en-GB" noProof="0" dirty="0"/>
+              <a:t>umber of cores can change during runtime</a:t>
+            </a:r>
+            <a:endParaRPr lang="en-GB" b="1" noProof="0" dirty="0"/>
           </a:p>
         </p:txBody>
       </p:sp>
@@ -40904,6 +38406,42 @@
           </a:prstGeom>
         </p:spPr>
       </p:pic>
+      <p:pic>
+        <p:nvPicPr>
+          <p:cNvPr id="7" name="Picture 6" descr="A screenshot of a cell phone&#10;&#10;Description automatically generated">
+            <a:extLst>
+              <a:ext uri="{FF2B5EF4-FFF2-40B4-BE49-F238E27FC236}">
+                <a16:creationId xmlns:a16="http://schemas.microsoft.com/office/drawing/2014/main" id="{2C1E4F40-FF53-47A7-BB50-C800D4DA7613}"/>
+              </a:ext>
+            </a:extLst>
+          </p:cNvPr>
+          <p:cNvPicPr>
+            <a:picLocks noChangeAspect="1"/>
+          </p:cNvPicPr>
+          <p:nvPr/>
+        </p:nvPicPr>
+        <p:blipFill>
+          <a:blip r:embed="rId4">
+            <a:extLst>
+              <a:ext uri="{28A0092B-C50C-407E-A947-70E740481C1C}">
+                <a14:useLocalDpi xmlns:a14="http://schemas.microsoft.com/office/drawing/2010/main" val="0"/>
+              </a:ext>
+            </a:extLst>
+          </a:blip>
+          <a:stretch>
+            <a:fillRect/>
+          </a:stretch>
+        </p:blipFill>
+        <p:spPr>
+          <a:xfrm>
+            <a:off x="2612917" y="3429000"/>
+            <a:ext cx="6966168" cy="2573831"/>
+          </a:xfrm>
+          <a:prstGeom prst="rect">
+            <a:avLst/>
+          </a:prstGeom>
+        </p:spPr>
+      </p:pic>
     </p:spTree>
     <p:extLst>
       <p:ext uri="{BB962C8B-B14F-4D97-AF65-F5344CB8AC3E}">
@@ -40935,14 +38473,63 @@
                             </p:stCondLst>
                             <p:childTnLst>
                               <p:par>
-                                <p:cTn id="5" presetID="19" presetClass="emph" presetSubtype="0" fill="hold" nodeType="clickEffect">
+                                <p:cTn id="5" presetID="1" presetClass="entr" presetSubtype="0" fill="hold" nodeType="clickEffect">
+                                  <p:stCondLst>
+                                    <p:cond delay="0"/>
+                                  </p:stCondLst>
+                                  <p:childTnLst>
+                                    <p:set>
+                                      <p:cBhvr>
+                                        <p:cTn id="6" dur="1" fill="hold">
+                                          <p:stCondLst>
+                                            <p:cond delay="0"/>
+                                          </p:stCondLst>
+                                        </p:cTn>
+                                        <p:tgtEl>
+                                          <p:spTgt spid="3">
+                                            <p:txEl>
+                                              <p:pRg st="2" end="2"/>
+                                            </p:txEl>
+                                          </p:spTgt>
+                                        </p:tgtEl>
+                                        <p:attrNameLst>
+                                          <p:attrName>style.visibility</p:attrName>
+                                        </p:attrNameLst>
+                                      </p:cBhvr>
+                                      <p:to>
+                                        <p:strVal val="visible"/>
+                                      </p:to>
+                                    </p:set>
+                                  </p:childTnLst>
+                                </p:cTn>
+                              </p:par>
+                            </p:childTnLst>
+                          </p:cTn>
+                        </p:par>
+                      </p:childTnLst>
+                    </p:cTn>
+                  </p:par>
+                  <p:par>
+                    <p:cTn id="7" fill="hold">
+                      <p:stCondLst>
+                        <p:cond delay="indefinite"/>
+                      </p:stCondLst>
+                      <p:childTnLst>
+                        <p:par>
+                          <p:cTn id="8" fill="hold">
+                            <p:stCondLst>
+                              <p:cond delay="0"/>
+                            </p:stCondLst>
+                            <p:childTnLst>
+                              <p:par>
+                                <p:cTn id="9" presetID="19" presetClass="emph" presetSubtype="0" fill="hold" nodeType="clickEffect">
                                   <p:stCondLst>
                                     <p:cond delay="0"/>
                                   </p:stCondLst>
                                   <p:childTnLst>
                                     <p:animClr clrSpc="rgb" dir="cw">
                                       <p:cBhvr override="childStyle">
-                                        <p:cTn id="6" dur="10" fill="hold"/>
+                                        <p:cTn id="10" dur="10" fill="hold"/>
                                         <p:tgtEl>
                                           <p:spTgt spid="3">
                                             <p:txEl>
@@ -40955,12 +38542,12 @@
                                         </p:attrNameLst>
                                       </p:cBhvr>
                                       <p:to>
-                                        <a:srgbClr val="E7E6E6"/>
+                                        <a:srgbClr val="AEABAB"/>
                                       </p:to>
                                     </p:animClr>
                                     <p:animClr clrSpc="rgb" dir="cw">
                                       <p:cBhvr>
-                                        <p:cTn id="7" dur="10" fill="hold"/>
+                                        <p:cTn id="11" dur="10" fill="hold"/>
                                         <p:tgtEl>
                                           <p:spTgt spid="3">
                                             <p:txEl>
@@ -40973,12 +38560,12 @@
                                         </p:attrNameLst>
                                       </p:cBhvr>
                                       <p:to>
-                                        <a:srgbClr val="E7E6E6"/>
+                                        <a:srgbClr val="AEABAB"/>
                                       </p:to>
                                     </p:animClr>
                                     <p:set>
                                       <p:cBhvr>
-                                        <p:cTn id="8" dur="10" fill="hold"/>
+                                        <p:cTn id="12" dur="10" fill="hold"/>
                                         <p:tgtEl>
                                           <p:spTgt spid="3">
                                             <p:txEl>
@@ -40996,7 +38583,7 @@
                                     </p:set>
                                     <p:set>
                                       <p:cBhvr>
-                                        <p:cTn id="9" dur="10" fill="hold"/>
+                                        <p:cTn id="13" dur="10" fill="hold"/>
                                         <p:tgtEl>
                                           <p:spTgt spid="3">
                                             <p:txEl>
@@ -41016,14 +38603,14 @@
                                 </p:cTn>
                               </p:par>
                               <p:par>
-                                <p:cTn id="10" presetID="19" presetClass="emph" presetSubtype="0" fill="hold" nodeType="withEffect">
+                                <p:cTn id="14" presetID="19" presetClass="emph" presetSubtype="0" fill="hold" nodeType="withEffect">
                                   <p:stCondLst>
                                     <p:cond delay="0"/>
                                   </p:stCondLst>
                                   <p:childTnLst>
                                     <p:animClr clrSpc="rgb" dir="cw">
                                       <p:cBhvr override="childStyle">
-                                        <p:cTn id="11" dur="10" fill="hold"/>
+                                        <p:cTn id="15" dur="10" fill="hold"/>
                                         <p:tgtEl>
                                           <p:spTgt spid="3">
                                             <p:txEl>
@@ -41036,12 +38623,12 @@
                                         </p:attrNameLst>
                                       </p:cBhvr>
                                       <p:to>
-                                        <a:srgbClr val="E7E6E6"/>
+                                        <a:srgbClr val="AEABAB"/>
                                       </p:to>
                                     </p:animClr>
                                     <p:animClr clrSpc="rgb" dir="cw">
                                       <p:cBhvr>
-                                        <p:cTn id="12" dur="10" fill="hold"/>
+                                        <p:cTn id="16" dur="10" fill="hold"/>
                                         <p:tgtEl>
                                           <p:spTgt spid="3">
                                             <p:txEl>
@@ -41054,12 +38641,12 @@
                                         </p:attrNameLst>
                                       </p:cBhvr>
                                       <p:to>
-                                        <a:srgbClr val="E7E6E6"/>
+                                        <a:srgbClr val="AEABAB"/>
                                       </p:to>
                                     </p:animClr>
                                     <p:set>
                                       <p:cBhvr>
-                                        <p:cTn id="13" dur="10" fill="hold"/>
+                                        <p:cTn id="17" dur="10" fill="hold"/>
                                         <p:tgtEl>
                                           <p:spTgt spid="3">
                                             <p:txEl>
@@ -41077,7 +38664,7 @@
                                     </p:set>
                                     <p:set>
                                       <p:cBhvr>
-                                        <p:cTn id="14" dur="10" fill="hold"/>
+                                        <p:cTn id="18" dur="10" fill="hold"/>
                                         <p:tgtEl>
                                           <p:spTgt spid="3">
                                             <p:txEl>
@@ -41091,6 +38678,33 @@
                                       </p:cBhvr>
                                       <p:to>
                                         <p:strVal val="true"/>
+                                      </p:to>
+                                    </p:set>
+                                  </p:childTnLst>
+                                </p:cTn>
+                              </p:par>
+                              <p:par>
+                                <p:cTn id="19" presetID="1" presetClass="entr" presetSubtype="0" fill="hold" nodeType="withEffect">
+                                  <p:stCondLst>
+                                    <p:cond delay="0"/>
+                                  </p:stCondLst>
+                                  <p:childTnLst>
+                                    <p:set>
+                                      <p:cBhvr>
+                                        <p:cTn id="20" dur="1" fill="hold">
+                                          <p:stCondLst>
+                                            <p:cond delay="0"/>
+                                          </p:stCondLst>
+                                        </p:cTn>
+                                        <p:tgtEl>
+                                          <p:spTgt spid="7"/>
+                                        </p:tgtEl>
+                                        <p:attrNameLst>
+                                          <p:attrName>style.visibility</p:attrName>
+                                        </p:attrNameLst>
+                                      </p:cBhvr>
+                                      <p:to>
+                                        <p:strVal val="visible"/>
                                       </p:to>
                                     </p:set>
                                   </p:childTnLst>
@@ -41166,58 +38780,9 @@
           <a:lstStyle/>
           <a:p>
             <a:r>
-              <a:rPr lang="en-150" dirty="0"/>
-              <a:t>P</a:t>
-            </a:r>
-            <a:r>
-              <a:rPr lang="en-GB" dirty="0"/>
-              <a:t>r</a:t>
-            </a:r>
-            <a:r>
-              <a:rPr lang="en-150" dirty="0"/>
-              <a:t>e</a:t>
-            </a:r>
-            <a:r>
-              <a:rPr lang="en-GB" dirty="0"/>
-              <a:t>v</a:t>
-            </a:r>
-            <a:r>
-              <a:rPr lang="en-150" dirty="0"/>
-              <a:t>i</a:t>
-            </a:r>
-            <a:r>
-              <a:rPr lang="en-GB" dirty="0"/>
-              <a:t>o</a:t>
-            </a:r>
-            <a:r>
-              <a:rPr lang="en-150" dirty="0"/>
-              <a:t>u</a:t>
-            </a:r>
-            <a:r>
-              <a:rPr lang="en-GB" dirty="0"/>
-              <a:t>s</a:t>
-            </a:r>
-            <a:r>
-              <a:rPr lang="en-150" dirty="0"/>
-              <a:t> </a:t>
-            </a:r>
-            <a:r>
-              <a:rPr lang="en-GB" dirty="0"/>
-              <a:t>w</a:t>
-            </a:r>
-            <a:r>
-              <a:rPr lang="en-150" dirty="0"/>
-              <a:t>o</a:t>
-            </a:r>
-            <a:r>
-              <a:rPr lang="en-GB" dirty="0"/>
-              <a:t>r</a:t>
-            </a:r>
-            <a:r>
-              <a:rPr lang="en-150" dirty="0"/>
-              <a:t>k</a:t>
-            </a:r>
-            <a:endParaRPr lang="en-GB" dirty="0"/>
+              <a:rPr lang="en-GB" noProof="0" dirty="0"/>
+              <a:t>Previous work</a:t>
+            </a:r>
           </a:p>
         </p:txBody>
       </p:sp>
@@ -41243,651 +38808,88 @@
           <a:lstStyle/>
           <a:p>
             <a:r>
-              <a:rPr lang="en-150" dirty="0"/>
-              <a:t>I</a:t>
-            </a:r>
-            <a:r>
-              <a:rPr lang="en-GB" dirty="0"/>
-              <a:t>n</a:t>
-            </a:r>
-            <a:r>
-              <a:rPr lang="en-150" dirty="0"/>
-              <a:t>t</a:t>
-            </a:r>
-            <a:r>
-              <a:rPr lang="en-GB" dirty="0"/>
-              <a:t>r</a:t>
-            </a:r>
-            <a:r>
-              <a:rPr lang="en-150" dirty="0"/>
-              <a:t>o</a:t>
-            </a:r>
-            <a:r>
-              <a:rPr lang="en-GB" dirty="0"/>
-              <a:t>d</a:t>
-            </a:r>
-            <a:r>
-              <a:rPr lang="en-150" dirty="0"/>
-              <a:t>u</a:t>
-            </a:r>
-            <a:r>
-              <a:rPr lang="en-GB" dirty="0"/>
-              <a:t>c</a:t>
-            </a:r>
-            <a:r>
-              <a:rPr lang="en-150" dirty="0"/>
-              <a:t>e</a:t>
-            </a:r>
-            <a:r>
-              <a:rPr lang="en-GB" dirty="0"/>
-              <a:t>d</a:t>
-            </a:r>
-            <a:r>
-              <a:rPr lang="en-150" dirty="0"/>
-              <a:t> </a:t>
-            </a:r>
-            <a:r>
-              <a:rPr lang="en-GB" dirty="0"/>
-              <a:t>i</a:t>
-            </a:r>
-            <a:r>
-              <a:rPr lang="en-150" dirty="0"/>
-              <a:t>n </a:t>
-            </a:r>
-            <a:r>
-              <a:rPr lang="en-GB" dirty="0"/>
-              <a:t>t</a:t>
-            </a:r>
-            <a:r>
-              <a:rPr lang="en-150" dirty="0"/>
-              <a:t>h</a:t>
-            </a:r>
-            <a:r>
-              <a:rPr lang="en-GB" dirty="0"/>
-              <a:t>e</a:t>
-            </a:r>
-            <a:r>
-              <a:rPr lang="en-150" dirty="0"/>
-              <a:t> </a:t>
-            </a:r>
-            <a:r>
-              <a:rPr lang="en-GB" dirty="0"/>
-              <a:t>c</a:t>
-            </a:r>
-            <a:r>
-              <a:rPr lang="en-150" dirty="0"/>
-              <a:t>o</a:t>
-            </a:r>
-            <a:r>
-              <a:rPr lang="en-GB" dirty="0"/>
-              <a:t>n</a:t>
-            </a:r>
-            <a:r>
-              <a:rPr lang="en-150" dirty="0"/>
-              <a:t>text of high-performance computing</a:t>
-            </a:r>
-            <a:r>
-              <a:rPr lang="en-150" baseline="30000" dirty="0"/>
+              <a:rPr lang="en-GB" noProof="0" dirty="0"/>
+              <a:t>Introduced in the context of high-performance computing</a:t>
+            </a:r>
+            <a:r>
+              <a:rPr lang="en-GB" baseline="30000" noProof="0" dirty="0"/>
               <a:t>[1]</a:t>
             </a:r>
           </a:p>
           <a:p>
             <a:r>
-              <a:rPr lang="en-150" dirty="0"/>
+              <a:rPr lang="en-GB" noProof="0" dirty="0"/>
               <a:t>In real-time:</a:t>
             </a:r>
           </a:p>
           <a:p>
             <a:pPr lvl="1"/>
             <a:r>
-              <a:rPr lang="en-150" dirty="0"/>
-              <a:t>We know that JLFP scheduler is no</a:t>
-            </a:r>
-            <a:r>
-              <a:rPr lang="en-GB" dirty="0"/>
-              <a:t>t</a:t>
-            </a:r>
-            <a:r>
-              <a:rPr lang="en-150" dirty="0"/>
-              <a:t> </a:t>
-            </a:r>
-            <a:r>
-              <a:rPr lang="en-GB" dirty="0"/>
-              <a:t>p</a:t>
-            </a:r>
-            <a:r>
-              <a:rPr lang="en-150" dirty="0"/>
-              <a:t>r</a:t>
-            </a:r>
-            <a:r>
-              <a:rPr lang="en-GB" dirty="0"/>
-              <a:t>e</a:t>
-            </a:r>
-            <a:r>
-              <a:rPr lang="en-150" dirty="0"/>
-              <a:t>d</a:t>
-            </a:r>
-            <a:r>
-              <a:rPr lang="en-GB" dirty="0"/>
-              <a:t>i</a:t>
-            </a:r>
-            <a:r>
-              <a:rPr lang="en-150" dirty="0"/>
-              <a:t>c</a:t>
-            </a:r>
-            <a:r>
-              <a:rPr lang="en-GB" dirty="0"/>
-              <a:t>t</a:t>
-            </a:r>
-            <a:r>
-              <a:rPr lang="en-150" dirty="0"/>
-              <a:t>a</a:t>
-            </a:r>
-            <a:r>
-              <a:rPr lang="en-GB" dirty="0"/>
-              <a:t>b</a:t>
-            </a:r>
-            <a:r>
-              <a:rPr lang="en-150" dirty="0"/>
-              <a:t>l</a:t>
-            </a:r>
-            <a:r>
-              <a:rPr lang="en-GB" dirty="0"/>
-              <a:t>e</a:t>
-            </a:r>
-            <a:r>
-              <a:rPr lang="en-150" dirty="0"/>
-              <a:t>/</a:t>
-            </a:r>
-            <a:r>
-              <a:rPr lang="en-GB" dirty="0"/>
-              <a:t>s</a:t>
-            </a:r>
-            <a:r>
-              <a:rPr lang="en-150" dirty="0"/>
-              <a:t>u</a:t>
-            </a:r>
-            <a:r>
-              <a:rPr lang="en-GB" dirty="0"/>
-              <a:t>s</a:t>
-            </a:r>
-            <a:r>
-              <a:rPr lang="en-150" dirty="0"/>
-              <a:t>t</a:t>
-            </a:r>
-            <a:r>
-              <a:rPr lang="en-GB" dirty="0"/>
-              <a:t>a</a:t>
-            </a:r>
-            <a:r>
-              <a:rPr lang="en-150" dirty="0"/>
-              <a:t>i</a:t>
-            </a:r>
-            <a:r>
-              <a:rPr lang="en-GB" dirty="0"/>
-              <a:t>n</a:t>
-            </a:r>
-            <a:r>
-              <a:rPr lang="en-150" dirty="0"/>
-              <a:t>a</a:t>
-            </a:r>
-            <a:r>
-              <a:rPr lang="en-GB" dirty="0"/>
-              <a:t>b</a:t>
-            </a:r>
-            <a:r>
-              <a:rPr lang="en-150" dirty="0"/>
-              <a:t>l</a:t>
-            </a:r>
-            <a:r>
-              <a:rPr lang="en-GB" dirty="0"/>
-              <a:t>e</a:t>
-            </a:r>
-            <a:r>
-              <a:rPr lang="en-150" baseline="30000" dirty="0"/>
+              <a:rPr lang="en-GB" noProof="0" dirty="0"/>
+              <a:t>We know that JLFP scheduler is not predictable/sustainable</a:t>
+            </a:r>
+            <a:r>
+              <a:rPr lang="en-GB" baseline="30000" noProof="0" dirty="0"/>
               <a:t>[2]</a:t>
             </a:r>
           </a:p>
           <a:p>
             <a:pPr lvl="1"/>
             <a:r>
-              <a:rPr lang="en-150" dirty="0"/>
+              <a:rPr lang="en-GB" noProof="0" dirty="0"/>
               <a:t>Most of the work is focused in fully-preemptive solutions:</a:t>
             </a:r>
           </a:p>
           <a:p>
             <a:pPr lvl="2"/>
             <a:r>
-              <a:rPr lang="en-GB" dirty="0"/>
-              <a:t>O</a:t>
-            </a:r>
-            <a:r>
-              <a:rPr lang="en-150" dirty="0"/>
-              <a:t>p</a:t>
-            </a:r>
-            <a:r>
-              <a:rPr lang="en-GB" dirty="0"/>
-              <a:t>t</a:t>
-            </a:r>
-            <a:r>
-              <a:rPr lang="en-150" dirty="0"/>
-              <a:t>i</a:t>
-            </a:r>
-            <a:r>
-              <a:rPr lang="en-GB" dirty="0"/>
-              <a:t>m</a:t>
-            </a:r>
-            <a:r>
-              <a:rPr lang="en-150" dirty="0"/>
-              <a:t>a</a:t>
-            </a:r>
-            <a:r>
-              <a:rPr lang="en-GB" dirty="0"/>
-              <a:t>l</a:t>
-            </a:r>
-            <a:r>
-              <a:rPr lang="en-150" dirty="0"/>
-              <a:t> </a:t>
-            </a:r>
-            <a:r>
-              <a:rPr lang="en-GB" dirty="0"/>
-              <a:t>s</a:t>
-            </a:r>
-            <a:r>
-              <a:rPr lang="en-150" dirty="0"/>
-              <a:t>c</a:t>
-            </a:r>
-            <a:r>
-              <a:rPr lang="en-GB" dirty="0"/>
-              <a:t>h</a:t>
-            </a:r>
-            <a:r>
-              <a:rPr lang="en-150" dirty="0"/>
-              <a:t>e</a:t>
-            </a:r>
-            <a:r>
-              <a:rPr lang="en-GB" dirty="0"/>
-              <a:t>d</a:t>
-            </a:r>
-            <a:r>
-              <a:rPr lang="en-150" dirty="0"/>
-              <a:t>u</a:t>
-            </a:r>
-            <a:r>
-              <a:rPr lang="en-GB" dirty="0"/>
-              <a:t>l</a:t>
-            </a:r>
-            <a:r>
-              <a:rPr lang="en-150" dirty="0"/>
-              <a:t>e</a:t>
-            </a:r>
-            <a:r>
-              <a:rPr lang="en-GB" dirty="0"/>
-              <a:t>r</a:t>
-            </a:r>
-            <a:r>
-              <a:rPr lang="en-150" dirty="0"/>
-              <a:t> </a:t>
-            </a:r>
-            <a:r>
-              <a:rPr lang="en-GB" dirty="0"/>
-              <a:t>f</a:t>
-            </a:r>
-            <a:r>
-              <a:rPr lang="en-150" dirty="0"/>
-              <a:t>o</a:t>
-            </a:r>
-            <a:r>
-              <a:rPr lang="en-GB" dirty="0"/>
-              <a:t>r</a:t>
-            </a:r>
-            <a:r>
-              <a:rPr lang="en-150" dirty="0"/>
-              <a:t> </a:t>
-            </a:r>
-            <a:r>
-              <a:rPr lang="en-GB" dirty="0"/>
-              <a:t>r</a:t>
-            </a:r>
-            <a:r>
-              <a:rPr lang="en-150" dirty="0"/>
-              <a:t>i</a:t>
-            </a:r>
-            <a:r>
-              <a:rPr lang="en-GB" dirty="0"/>
-              <a:t>g</a:t>
-            </a:r>
-            <a:r>
-              <a:rPr lang="en-150" dirty="0"/>
-              <a:t>i</a:t>
-            </a:r>
-            <a:r>
-              <a:rPr lang="en-GB" dirty="0"/>
-              <a:t>d</a:t>
-            </a:r>
-            <a:r>
-              <a:rPr lang="en-150" dirty="0"/>
-              <a:t> </a:t>
-            </a:r>
-            <a:r>
-              <a:rPr lang="en-GB" dirty="0"/>
-              <a:t>g</a:t>
-            </a:r>
-            <a:r>
-              <a:rPr lang="en-150" dirty="0"/>
-              <a:t>a</a:t>
-            </a:r>
-            <a:r>
-              <a:rPr lang="en-GB" dirty="0"/>
-              <a:t>n</a:t>
-            </a:r>
-            <a:r>
-              <a:rPr lang="en-150" dirty="0"/>
-              <a:t>g (</a:t>
-            </a:r>
-            <a:r>
-              <a:rPr lang="en-GB" dirty="0"/>
-              <a:t>D</a:t>
-            </a:r>
-            <a:r>
-              <a:rPr lang="en-150" dirty="0"/>
-              <a:t>P-</a:t>
-            </a:r>
-            <a:r>
-              <a:rPr lang="en-GB" dirty="0"/>
-              <a:t>F</a:t>
-            </a:r>
-            <a:r>
-              <a:rPr lang="en-150" dirty="0"/>
-              <a:t>air)</a:t>
-            </a:r>
-            <a:r>
-              <a:rPr lang="en-150" baseline="30000" dirty="0"/>
+              <a:rPr lang="en-GB" noProof="0" dirty="0"/>
+              <a:t>Optimal scheduler for rigid gang (DP-Fair)</a:t>
+            </a:r>
+            <a:r>
+              <a:rPr lang="en-GB" baseline="30000" noProof="0" dirty="0"/>
               <a:t>[3]</a:t>
             </a:r>
           </a:p>
           <a:p>
             <a:pPr lvl="2"/>
             <a:r>
-              <a:rPr lang="en-150" dirty="0"/>
+              <a:rPr lang="en-GB" noProof="0" dirty="0"/>
               <a:t>Moldable scheduler</a:t>
             </a:r>
             <a:r>
-              <a:rPr lang="en-150" baseline="30000" dirty="0"/>
+              <a:rPr lang="en-GB" baseline="30000" noProof="0" dirty="0"/>
               <a:t>[4]</a:t>
             </a:r>
           </a:p>
           <a:p>
             <a:pPr lvl="1"/>
             <a:r>
-              <a:rPr lang="en-150" dirty="0"/>
+              <a:rPr lang="en-GB" noProof="0" dirty="0">
+                <a:solidFill>
+                  <a:schemeClr val="accent2">
+                    <a:lumMod val="75000"/>
+                  </a:schemeClr>
+                </a:solidFill>
+              </a:rPr>
               <a:t>Bundled scheduling</a:t>
             </a:r>
             <a:r>
-              <a:rPr lang="en-150" baseline="30000" dirty="0"/>
+              <a:rPr lang="en-GB" baseline="30000" noProof="0" dirty="0"/>
               <a:t>[5]</a:t>
             </a:r>
           </a:p>
           <a:p>
             <a:pPr lvl="2"/>
             <a:r>
-              <a:rPr lang="en-GB" dirty="0"/>
-              <a:t>T</a:t>
-            </a:r>
-            <a:r>
-              <a:rPr lang="en-150" dirty="0"/>
-              <a:t>a</a:t>
-            </a:r>
-            <a:r>
-              <a:rPr lang="en-GB" dirty="0"/>
-              <a:t>s</a:t>
-            </a:r>
-            <a:r>
-              <a:rPr lang="en-150" dirty="0"/>
-              <a:t>k</a:t>
-            </a:r>
-            <a:r>
-              <a:rPr lang="en-GB" dirty="0"/>
-              <a:t>s</a:t>
-            </a:r>
-            <a:r>
-              <a:rPr lang="en-150" dirty="0"/>
-              <a:t> </a:t>
-            </a:r>
-            <a:r>
-              <a:rPr lang="en-GB" dirty="0"/>
-              <a:t>w</a:t>
-            </a:r>
-            <a:r>
-              <a:rPr lang="en-150" dirty="0"/>
-              <a:t>i</a:t>
-            </a:r>
-            <a:r>
-              <a:rPr lang="en-GB" dirty="0"/>
-              <a:t>t</a:t>
-            </a:r>
-            <a:r>
-              <a:rPr lang="en-150" dirty="0"/>
-              <a:t>h </a:t>
-            </a:r>
-            <a:r>
-              <a:rPr lang="en-GB" dirty="0"/>
-              <a:t>p</a:t>
-            </a:r>
-            <a:r>
-              <a:rPr lang="en-150" dirty="0"/>
-              <a:t>r</a:t>
-            </a:r>
-            <a:r>
-              <a:rPr lang="en-GB" dirty="0"/>
-              <a:t>e</a:t>
-            </a:r>
-            <a:r>
-              <a:rPr lang="en-150" dirty="0"/>
-              <a:t>c</a:t>
-            </a:r>
-            <a:r>
-              <a:rPr lang="en-GB" dirty="0"/>
-              <a:t>e</a:t>
-            </a:r>
-            <a:r>
-              <a:rPr lang="en-150" dirty="0"/>
-              <a:t>d</a:t>
-            </a:r>
-            <a:r>
-              <a:rPr lang="en-GB" dirty="0"/>
-              <a:t>e</a:t>
-            </a:r>
-            <a:r>
-              <a:rPr lang="en-150" dirty="0"/>
-              <a:t>n</a:t>
-            </a:r>
-            <a:r>
-              <a:rPr lang="en-GB" dirty="0"/>
-              <a:t>c</a:t>
-            </a:r>
-            <a:r>
-              <a:rPr lang="en-150" dirty="0"/>
-              <a:t>e </a:t>
-            </a:r>
-            <a:r>
-              <a:rPr lang="en-GB" dirty="0"/>
-              <a:t>c</a:t>
-            </a:r>
-            <a:r>
-              <a:rPr lang="en-150" dirty="0"/>
-              <a:t>o</a:t>
-            </a:r>
-            <a:r>
-              <a:rPr lang="en-GB" dirty="0"/>
-              <a:t>n</a:t>
-            </a:r>
-            <a:r>
-              <a:rPr lang="en-150" dirty="0"/>
-              <a:t>s</a:t>
-            </a:r>
-            <a:r>
-              <a:rPr lang="en-GB" dirty="0"/>
-              <a:t>t</a:t>
-            </a:r>
-            <a:r>
-              <a:rPr lang="en-150" dirty="0"/>
-              <a:t>r</a:t>
-            </a:r>
-            <a:r>
-              <a:rPr lang="en-GB" dirty="0"/>
-              <a:t>a</a:t>
-            </a:r>
-            <a:r>
-              <a:rPr lang="en-150" dirty="0"/>
-              <a:t>i</a:t>
-            </a:r>
-            <a:r>
-              <a:rPr lang="en-GB" dirty="0"/>
-              <a:t>n</a:t>
-            </a:r>
-            <a:r>
-              <a:rPr lang="en-150" dirty="0"/>
-              <a:t>t</a:t>
-            </a:r>
-            <a:r>
-              <a:rPr lang="en-GB" dirty="0"/>
-              <a:t>s</a:t>
-            </a:r>
-            <a:r>
-              <a:rPr lang="en-150" dirty="0"/>
-              <a:t> </a:t>
-            </a:r>
-            <a:r>
-              <a:rPr lang="en-GB" dirty="0"/>
-              <a:t>m</a:t>
-            </a:r>
-            <a:r>
-              <a:rPr lang="en-150" dirty="0"/>
-              <a:t>o</a:t>
-            </a:r>
-            <a:r>
-              <a:rPr lang="en-GB" dirty="0"/>
-              <a:t>d</a:t>
-            </a:r>
-            <a:r>
-              <a:rPr lang="en-150" dirty="0"/>
-              <a:t>e</a:t>
-            </a:r>
-            <a:r>
-              <a:rPr lang="en-GB" dirty="0"/>
-              <a:t>l</a:t>
-            </a:r>
-            <a:r>
-              <a:rPr lang="en-150" dirty="0"/>
-              <a:t>l</a:t>
-            </a:r>
-            <a:r>
-              <a:rPr lang="en-GB" dirty="0"/>
-              <a:t>e</a:t>
-            </a:r>
-            <a:r>
-              <a:rPr lang="en-150" dirty="0"/>
-              <a:t>d </a:t>
-            </a:r>
-            <a:r>
-              <a:rPr lang="en-GB" dirty="0"/>
-              <a:t>a</a:t>
-            </a:r>
-            <a:r>
-              <a:rPr lang="en-150" dirty="0"/>
-              <a:t>s </a:t>
-            </a:r>
-            <a:r>
-              <a:rPr lang="en-GB" dirty="0"/>
-              <a:t>a</a:t>
-            </a:r>
-            <a:r>
-              <a:rPr lang="en-150" dirty="0"/>
-              <a:t> </a:t>
-            </a:r>
-            <a:r>
-              <a:rPr lang="en-GB" dirty="0"/>
-              <a:t>s</a:t>
-            </a:r>
-            <a:r>
-              <a:rPr lang="en-150" dirty="0"/>
-              <a:t>u</a:t>
-            </a:r>
-            <a:r>
-              <a:rPr lang="en-GB" dirty="0"/>
-              <a:t>c</a:t>
-            </a:r>
-            <a:r>
-              <a:rPr lang="en-150" dirty="0"/>
-              <a:t>c</a:t>
-            </a:r>
-            <a:r>
-              <a:rPr lang="en-GB" dirty="0"/>
-              <a:t>e</a:t>
-            </a:r>
-            <a:r>
-              <a:rPr lang="en-150" dirty="0"/>
-              <a:t>s</a:t>
-            </a:r>
-            <a:r>
-              <a:rPr lang="en-GB" dirty="0"/>
-              <a:t>s</a:t>
-            </a:r>
-            <a:r>
-              <a:rPr lang="en-150" dirty="0"/>
-              <a:t>i</a:t>
-            </a:r>
-            <a:r>
-              <a:rPr lang="en-GB" dirty="0"/>
-              <a:t>o</a:t>
-            </a:r>
-            <a:r>
-              <a:rPr lang="en-150" dirty="0"/>
-              <a:t>n </a:t>
-            </a:r>
-            <a:r>
-              <a:rPr lang="en-GB" dirty="0"/>
-              <a:t>o</a:t>
-            </a:r>
-            <a:r>
-              <a:rPr lang="en-150" dirty="0"/>
-              <a:t>f </a:t>
-            </a:r>
-            <a:r>
-              <a:rPr lang="en-GB" dirty="0"/>
-              <a:t>b</a:t>
-            </a:r>
-            <a:r>
-              <a:rPr lang="en-150" dirty="0"/>
-              <a:t>u</a:t>
-            </a:r>
-            <a:r>
-              <a:rPr lang="en-GB" dirty="0"/>
-              <a:t>n</a:t>
-            </a:r>
-            <a:r>
-              <a:rPr lang="en-150" dirty="0"/>
-              <a:t>d</a:t>
-            </a:r>
-            <a:r>
-              <a:rPr lang="en-GB" dirty="0"/>
-              <a:t>l</a:t>
-            </a:r>
-            <a:r>
-              <a:rPr lang="en-150" dirty="0"/>
-              <a:t>e</a:t>
-            </a:r>
-            <a:r>
-              <a:rPr lang="en-GB" dirty="0"/>
-              <a:t>s</a:t>
-            </a:r>
-            <a:endParaRPr lang="en-150" dirty="0"/>
+              <a:rPr lang="en-GB" noProof="0" dirty="0"/>
+              <a:t>Tasks with precedence constraints modelled as a succession of bundles</a:t>
+            </a:r>
           </a:p>
           <a:p>
             <a:pPr lvl="2"/>
             <a:r>
-              <a:rPr lang="en-150" dirty="0"/>
+              <a:rPr lang="en-GB" noProof="0" dirty="0"/>
               <a:t>Our limited-preemptive definition comes from here</a:t>
             </a:r>
           </a:p>
@@ -42806,10 +39808,9 @@
           <a:lstStyle/>
           <a:p>
             <a:r>
-              <a:rPr lang="en-150" dirty="0"/>
+              <a:rPr lang="en-GB" noProof="0" dirty="0"/>
               <a:t>Summarizing</a:t>
             </a:r>
-            <a:endParaRPr lang="en-GB" dirty="0"/>
           </a:p>
         </p:txBody>
       </p:sp>

--- a/Notes/TFM_presentations/2020_02_24_v2/2020_02_24_v2.pptx
+++ b/Notes/TFM_presentations/2020_02_24_v2/2020_02_24_v2.pptx
@@ -223,7 +223,7 @@
           <a:p>
             <a:fld id="{D07E13D9-DB12-424B-A0B8-3D2EDA86849F}" type="datetimeFigureOut">
               <a:rPr lang="en-GB" smtClean="0"/>
-              <a:t>19/02/2020</a:t>
+              <a:t>23/02/2020</a:t>
             </a:fld>
             <a:endParaRPr lang="en-GB" dirty="0"/>
           </a:p>
@@ -6100,7 +6100,7 @@
           <a:p>
             <a:fld id="{E38A22E1-EB92-4D54-BACA-04AA8A92E613}" type="datetime1">
               <a:rPr lang="en-GB" smtClean="0"/>
-              <a:t>19/02/2020</a:t>
+              <a:t>23/02/2020</a:t>
             </a:fld>
             <a:endParaRPr lang="en-GB" dirty="0"/>
           </a:p>
@@ -6317,7 +6317,7 @@
           <a:p>
             <a:fld id="{F7BBACEA-79DB-4B06-B53C-1515C6E9AA2A}" type="datetime1">
               <a:rPr lang="en-GB" smtClean="0"/>
-              <a:t>19/02/2020</a:t>
+              <a:t>23/02/2020</a:t>
             </a:fld>
             <a:endParaRPr lang="en-GB" dirty="0"/>
           </a:p>
@@ -6527,7 +6527,7 @@
           <a:p>
             <a:fld id="{1242A314-3A0B-49C4-ADB0-F8BBA4139E56}" type="datetime1">
               <a:rPr lang="en-GB" smtClean="0"/>
-              <a:t>19/02/2020</a:t>
+              <a:t>23/02/2020</a:t>
             </a:fld>
             <a:endParaRPr lang="en-GB" dirty="0"/>
           </a:p>
@@ -6727,7 +6727,7 @@
           <a:p>
             <a:fld id="{D240987B-0079-4EE9-8A70-14597C3743BC}" type="datetime1">
               <a:rPr lang="en-GB" smtClean="0"/>
-              <a:t>19/02/2020</a:t>
+              <a:t>23/02/2020</a:t>
             </a:fld>
             <a:endParaRPr lang="en-GB" dirty="0"/>
           </a:p>
@@ -7003,7 +7003,7 @@
           <a:p>
             <a:fld id="{9C436FE2-9B88-4810-AC3E-E01CD02C2930}" type="datetime1">
               <a:rPr lang="en-GB" smtClean="0"/>
-              <a:t>19/02/2020</a:t>
+              <a:t>23/02/2020</a:t>
             </a:fld>
             <a:endParaRPr lang="en-GB" dirty="0"/>
           </a:p>
@@ -7271,7 +7271,7 @@
           <a:p>
             <a:fld id="{08368621-535E-44A6-A126-3F2534EA9A7B}" type="datetime1">
               <a:rPr lang="en-GB" smtClean="0"/>
-              <a:t>19/02/2020</a:t>
+              <a:t>23/02/2020</a:t>
             </a:fld>
             <a:endParaRPr lang="en-GB" dirty="0"/>
           </a:p>
@@ -7686,7 +7686,7 @@
           <a:p>
             <a:fld id="{632F5B32-CFB7-415D-9B96-9BE2AE3D1AAC}" type="datetime1">
               <a:rPr lang="en-GB" smtClean="0"/>
-              <a:t>19/02/2020</a:t>
+              <a:t>23/02/2020</a:t>
             </a:fld>
             <a:endParaRPr lang="en-GB" dirty="0"/>
           </a:p>
@@ -7828,7 +7828,7 @@
           <a:p>
             <a:fld id="{C2A51E27-F50C-4FD5-A040-64C12EA57AB4}" type="datetime1">
               <a:rPr lang="en-GB" smtClean="0"/>
-              <a:t>19/02/2020</a:t>
+              <a:t>23/02/2020</a:t>
             </a:fld>
             <a:endParaRPr lang="en-GB" dirty="0"/>
           </a:p>
@@ -7941,7 +7941,7 @@
           <a:p>
             <a:fld id="{A60DBC3F-8614-44B4-9683-36A45BFFB7A1}" type="datetime1">
               <a:rPr lang="en-GB" smtClean="0"/>
-              <a:t>19/02/2020</a:t>
+              <a:t>23/02/2020</a:t>
             </a:fld>
             <a:endParaRPr lang="en-GB" dirty="0"/>
           </a:p>
@@ -8254,7 +8254,7 @@
           <a:p>
             <a:fld id="{23091C06-D056-41B0-9F5F-5E90B83401B6}" type="datetime1">
               <a:rPr lang="en-GB" smtClean="0"/>
-              <a:t>19/02/2020</a:t>
+              <a:t>23/02/2020</a:t>
             </a:fld>
             <a:endParaRPr lang="en-GB" dirty="0"/>
           </a:p>
@@ -8547,7 +8547,7 @@
           <a:p>
             <a:fld id="{119BFB93-9673-43A0-BDFE-39DE919D7FF9}" type="datetime1">
               <a:rPr lang="en-GB" smtClean="0"/>
-              <a:t>19/02/2020</a:t>
+              <a:t>23/02/2020</a:t>
             </a:fld>
             <a:endParaRPr lang="en-GB" dirty="0"/>
           </a:p>
@@ -8845,7 +8845,7 @@
             <a:fld id="{1D06A54C-354E-461C-AA7A-CD74CDD91362}" type="datetime1">
               <a:rPr lang="en-GB" smtClean="0"/>
               <a:pPr/>
-              <a:t>19/02/2020</a:t>
+              <a:t>23/02/2020</a:t>
             </a:fld>
             <a:endParaRPr lang="en-GB" dirty="0"/>
           </a:p>
@@ -11407,11 +11407,7 @@
             </a:r>
             <a:r>
               <a:rPr lang="en-GB" dirty="0"/>
-              <a:t>an accurate</a:t>
-            </a:r>
-            <a:r>
-              <a:rPr lang="en-150" dirty="0"/>
-              <a:t> </a:t>
+              <a:t>an accurate </a:t>
             </a:r>
             <a:r>
               <a:rPr lang="en-GB" noProof="0" dirty="0"/>
@@ -11763,8 +11759,8 @@
           </a:prstGeom>
         </p:spPr>
       </p:pic>
-      <mc:AlternateContent xmlns:mc="http://schemas.openxmlformats.org/markup-compatibility/2006">
-        <mc:Choice xmlns:a14="http://schemas.microsoft.com/office/drawing/2010/main" Requires="a14">
+      <mc:AlternateContent xmlns:mc="http://schemas.openxmlformats.org/markup-compatibility/2006" xmlns:a14="http://schemas.microsoft.com/office/drawing/2010/main">
+        <mc:Choice Requires="a14">
           <p:sp>
             <p:nvSpPr>
               <p:cNvPr id="5" name="TextBox 4">
@@ -11847,7 +11843,7 @@
             </p:txBody>
           </p:sp>
         </mc:Choice>
-        <mc:Fallback>
+        <mc:Fallback xmlns="">
           <p:sp>
             <p:nvSpPr>
               <p:cNvPr id="5" name="TextBox 4">
@@ -12192,8 +12188,8 @@
           </a:p>
         </p:txBody>
       </p:sp>
-      <mc:AlternateContent xmlns:mc="http://schemas.openxmlformats.org/markup-compatibility/2006">
-        <mc:Choice xmlns:a14="http://schemas.microsoft.com/office/drawing/2010/main" Requires="a14">
+      <mc:AlternateContent xmlns:mc="http://schemas.openxmlformats.org/markup-compatibility/2006" xmlns:a14="http://schemas.microsoft.com/office/drawing/2010/main">
+        <mc:Choice Requires="a14">
           <p:sp>
             <p:nvSpPr>
               <p:cNvPr id="3" name="Content Placeholder 2">
@@ -12366,7 +12362,7 @@
             </p:txBody>
           </p:sp>
         </mc:Choice>
-        <mc:Fallback>
+        <mc:Fallback xmlns="">
           <p:sp>
             <p:nvSpPr>
               <p:cNvPr id="3" name="Content Placeholder 2">
@@ -13043,8 +13039,8 @@
           </a:p>
         </p:txBody>
       </p:sp>
-      <mc:AlternateContent xmlns:mc="http://schemas.openxmlformats.org/markup-compatibility/2006">
-        <mc:Choice xmlns:a14="http://schemas.microsoft.com/office/drawing/2010/main" Requires="a14">
+      <mc:AlternateContent xmlns:mc="http://schemas.openxmlformats.org/markup-compatibility/2006" xmlns:a14="http://schemas.microsoft.com/office/drawing/2010/main">
+        <mc:Choice Requires="a14">
           <p:sp>
             <p:nvSpPr>
               <p:cNvPr id="10" name="Content Placeholder 2">
@@ -13441,7 +13437,7 @@
             </p:txBody>
           </p:sp>
         </mc:Choice>
-        <mc:Fallback>
+        <mc:Fallback xmlns="">
           <p:sp>
             <p:nvSpPr>
               <p:cNvPr id="10" name="Content Placeholder 2">
@@ -13486,8 +13482,8 @@
           </p:sp>
         </mc:Fallback>
       </mc:AlternateContent>
-      <mc:AlternateContent xmlns:mc="http://schemas.openxmlformats.org/markup-compatibility/2006">
-        <mc:Choice xmlns:a14="http://schemas.microsoft.com/office/drawing/2010/main" Requires="a14">
+      <mc:AlternateContent xmlns:mc="http://schemas.openxmlformats.org/markup-compatibility/2006" xmlns:a14="http://schemas.microsoft.com/office/drawing/2010/main">
+        <mc:Choice Requires="a14">
           <p:sp>
             <p:nvSpPr>
               <p:cNvPr id="11" name="Content Placeholder 2">
@@ -13782,7 +13778,7 @@
             </p:txBody>
           </p:sp>
         </mc:Choice>
-        <mc:Fallback>
+        <mc:Fallback xmlns="">
           <p:sp>
             <p:nvSpPr>
               <p:cNvPr id="11" name="Content Placeholder 2">
@@ -14425,8 +14421,8 @@
           </a:p>
         </p:txBody>
       </p:sp>
-      <mc:AlternateContent xmlns:mc="http://schemas.openxmlformats.org/markup-compatibility/2006">
-        <mc:Choice xmlns:a14="http://schemas.microsoft.com/office/drawing/2010/main" Requires="a14">
+      <mc:AlternateContent xmlns:mc="http://schemas.openxmlformats.org/markup-compatibility/2006" xmlns:a14="http://schemas.microsoft.com/office/drawing/2010/main">
+        <mc:Choice Requires="a14">
           <p:sp>
             <p:nvSpPr>
               <p:cNvPr id="3" name="Content Placeholder 2">
@@ -14814,7 +14810,7 @@
               </a:p>
               <a:p>
                 <a:r>
-                  <a:rPr lang="en-150" b="0" noProof="0" dirty="0"/>
+                  <a:rPr lang="en-GB" b="0" noProof="0" dirty="0"/>
                   <a:t>Create next state if: </a:t>
                 </a:r>
                 <a14:m>
@@ -14910,7 +14906,7 @@
             </p:txBody>
           </p:sp>
         </mc:Choice>
-        <mc:Fallback>
+        <mc:Fallback xmlns="">
           <p:sp>
             <p:nvSpPr>
               <p:cNvPr id="3" name="Content Placeholder 2">
@@ -28211,8 +28207,8 @@
           </a:prstGeom>
         </p:spPr>
       </p:pic>
-      <mc:AlternateContent xmlns:mc="http://schemas.openxmlformats.org/markup-compatibility/2006">
-        <mc:Choice xmlns:a14="http://schemas.microsoft.com/office/drawing/2010/main" Requires="a14">
+      <mc:AlternateContent xmlns:mc="http://schemas.openxmlformats.org/markup-compatibility/2006" xmlns:a14="http://schemas.microsoft.com/office/drawing/2010/main">
+        <mc:Choice Requires="a14">
           <p:sp>
             <p:nvSpPr>
               <p:cNvPr id="18" name="TB_j0">
@@ -28319,7 +28315,7 @@
             </p:txBody>
           </p:sp>
         </mc:Choice>
-        <mc:Fallback>
+        <mc:Fallback xmlns="">
           <p:sp>
             <p:nvSpPr>
               <p:cNvPr id="18" name="TB_j0">
@@ -28364,8 +28360,8 @@
           </p:sp>
         </mc:Fallback>
       </mc:AlternateContent>
-      <mc:AlternateContent xmlns:mc="http://schemas.openxmlformats.org/markup-compatibility/2006">
-        <mc:Choice xmlns:a14="http://schemas.microsoft.com/office/drawing/2010/main" Requires="a14">
+      <mc:AlternateContent xmlns:mc="http://schemas.openxmlformats.org/markup-compatibility/2006" xmlns:a14="http://schemas.microsoft.com/office/drawing/2010/main">
+        <mc:Choice Requires="a14">
           <p:sp>
             <p:nvSpPr>
               <p:cNvPr id="17" name="TB_j1">
@@ -28472,7 +28468,7 @@
             </p:txBody>
           </p:sp>
         </mc:Choice>
-        <mc:Fallback>
+        <mc:Fallback xmlns="">
           <p:sp>
             <p:nvSpPr>
               <p:cNvPr id="17" name="TB_j1">
@@ -28517,8 +28513,8 @@
           </p:sp>
         </mc:Fallback>
       </mc:AlternateContent>
-      <mc:AlternateContent xmlns:mc="http://schemas.openxmlformats.org/markup-compatibility/2006">
-        <mc:Choice xmlns:a14="http://schemas.microsoft.com/office/drawing/2010/main" Requires="a14">
+      <mc:AlternateContent xmlns:mc="http://schemas.openxmlformats.org/markup-compatibility/2006" xmlns:a14="http://schemas.microsoft.com/office/drawing/2010/main">
+        <mc:Choice Requires="a14">
           <p:sp>
             <p:nvSpPr>
               <p:cNvPr id="19" name="TB_j2">
@@ -28625,7 +28621,7 @@
             </p:txBody>
           </p:sp>
         </mc:Choice>
-        <mc:Fallback>
+        <mc:Fallback xmlns="">
           <p:sp>
             <p:nvSpPr>
               <p:cNvPr id="19" name="TB_j2">
@@ -28670,8 +28666,8 @@
           </p:sp>
         </mc:Fallback>
       </mc:AlternateContent>
-      <mc:AlternateContent xmlns:mc="http://schemas.openxmlformats.org/markup-compatibility/2006">
-        <mc:Choice xmlns:a14="http://schemas.microsoft.com/office/drawing/2010/main" Requires="a14">
+      <mc:AlternateContent xmlns:mc="http://schemas.openxmlformats.org/markup-compatibility/2006" xmlns:a14="http://schemas.microsoft.com/office/drawing/2010/main">
+        <mc:Choice Requires="a14">
           <p:sp>
             <p:nvSpPr>
               <p:cNvPr id="20" name="TB_j3">
@@ -28778,7 +28774,7 @@
             </p:txBody>
           </p:sp>
         </mc:Choice>
-        <mc:Fallback>
+        <mc:Fallback xmlns="">
           <p:sp>
             <p:nvSpPr>
               <p:cNvPr id="20" name="TB_j3">
@@ -36073,31 +36069,6 @@
       </p:sp>
       <p:sp>
         <p:nvSpPr>
-          <p:cNvPr id="3" name="Content Placeholder 2">
-            <a:extLst>
-              <a:ext uri="{FF2B5EF4-FFF2-40B4-BE49-F238E27FC236}">
-                <a16:creationId xmlns:a16="http://schemas.microsoft.com/office/drawing/2014/main" id="{0C3C43B6-C274-42DA-B602-F45BF9031656}"/>
-              </a:ext>
-            </a:extLst>
-          </p:cNvPr>
-          <p:cNvSpPr>
-            <a:spLocks noGrp="1"/>
-          </p:cNvSpPr>
-          <p:nvPr>
-            <p:ph idx="1"/>
-          </p:nvPr>
-        </p:nvSpPr>
-        <p:spPr/>
-        <p:txBody>
-          <a:bodyPr/>
-          <a:lstStyle/>
-          <a:p>
-            <a:endParaRPr lang="en-GB" dirty="0"/>
-          </a:p>
-        </p:txBody>
-      </p:sp>
-      <p:sp>
-        <p:nvSpPr>
           <p:cNvPr id="4" name="Slide Number Placeholder 3">
             <a:extLst>
               <a:ext uri="{FF2B5EF4-FFF2-40B4-BE49-F238E27FC236}">
@@ -36125,6 +36096,114 @@
           </a:p>
         </p:txBody>
       </p:sp>
+      <p:pic>
+        <p:nvPicPr>
+          <p:cNvPr id="20" name="T=5" descr="A close up of a map&#10;&#10;Description automatically generated">
+            <a:extLst>
+              <a:ext uri="{FF2B5EF4-FFF2-40B4-BE49-F238E27FC236}">
+                <a16:creationId xmlns:a16="http://schemas.microsoft.com/office/drawing/2014/main" id="{143C3407-4399-4669-B151-69F408F92191}"/>
+              </a:ext>
+            </a:extLst>
+          </p:cNvPr>
+          <p:cNvPicPr>
+            <a:picLocks noChangeAspect="1"/>
+          </p:cNvPicPr>
+          <p:nvPr/>
+        </p:nvPicPr>
+        <p:blipFill>
+          <a:blip r:embed="rId3">
+            <a:extLst>
+              <a:ext uri="{28A0092B-C50C-407E-A947-70E740481C1C}">
+                <a14:useLocalDpi xmlns:a14="http://schemas.microsoft.com/office/drawing/2010/main" val="0"/>
+              </a:ext>
+            </a:extLst>
+          </a:blip>
+          <a:stretch>
+            <a:fillRect/>
+          </a:stretch>
+        </p:blipFill>
+        <p:spPr>
+          <a:xfrm>
+            <a:off x="2720818" y="594599"/>
+            <a:ext cx="6750364" cy="5498194"/>
+          </a:xfrm>
+          <a:prstGeom prst="rect">
+            <a:avLst/>
+          </a:prstGeom>
+        </p:spPr>
+      </p:pic>
+      <p:pic>
+        <p:nvPicPr>
+          <p:cNvPr id="22" name="T=10" descr="A close up of a map&#10;&#10;Description automatically generated">
+            <a:extLst>
+              <a:ext uri="{FF2B5EF4-FFF2-40B4-BE49-F238E27FC236}">
+                <a16:creationId xmlns:a16="http://schemas.microsoft.com/office/drawing/2014/main" id="{6E051251-16EC-4822-B203-23CB416FA6E9}"/>
+              </a:ext>
+            </a:extLst>
+          </p:cNvPr>
+          <p:cNvPicPr>
+            <a:picLocks noChangeAspect="1"/>
+          </p:cNvPicPr>
+          <p:nvPr/>
+        </p:nvPicPr>
+        <p:blipFill>
+          <a:blip r:embed="rId4">
+            <a:extLst>
+              <a:ext uri="{28A0092B-C50C-407E-A947-70E740481C1C}">
+                <a14:useLocalDpi xmlns:a14="http://schemas.microsoft.com/office/drawing/2010/main" val="0"/>
+              </a:ext>
+            </a:extLst>
+          </a:blip>
+          <a:stretch>
+            <a:fillRect/>
+          </a:stretch>
+        </p:blipFill>
+        <p:spPr>
+          <a:xfrm>
+            <a:off x="2720818" y="594599"/>
+            <a:ext cx="6750364" cy="5498194"/>
+          </a:xfrm>
+          <a:prstGeom prst="rect">
+            <a:avLst/>
+          </a:prstGeom>
+        </p:spPr>
+      </p:pic>
+      <p:pic>
+        <p:nvPicPr>
+          <p:cNvPr id="24" name="T=20" descr="A close up of a map&#10;&#10;Description automatically generated">
+            <a:extLst>
+              <a:ext uri="{FF2B5EF4-FFF2-40B4-BE49-F238E27FC236}">
+                <a16:creationId xmlns:a16="http://schemas.microsoft.com/office/drawing/2014/main" id="{89227E96-5D83-4209-B43B-40B8ECAB4C1C}"/>
+              </a:ext>
+            </a:extLst>
+          </p:cNvPr>
+          <p:cNvPicPr>
+            <a:picLocks noChangeAspect="1"/>
+          </p:cNvPicPr>
+          <p:nvPr/>
+        </p:nvPicPr>
+        <p:blipFill>
+          <a:blip r:embed="rId5">
+            <a:extLst>
+              <a:ext uri="{28A0092B-C50C-407E-A947-70E740481C1C}">
+                <a14:useLocalDpi xmlns:a14="http://schemas.microsoft.com/office/drawing/2010/main" val="0"/>
+              </a:ext>
+            </a:extLst>
+          </a:blip>
+          <a:stretch>
+            <a:fillRect/>
+          </a:stretch>
+        </p:blipFill>
+        <p:spPr>
+          <a:xfrm>
+            <a:off x="2720818" y="594599"/>
+            <a:ext cx="6750364" cy="5498194"/>
+          </a:xfrm>
+          <a:prstGeom prst="rect">
+            <a:avLst/>
+          </a:prstGeom>
+        </p:spPr>
+      </p:pic>
     </p:spTree>
     <p:extLst>
       <p:ext uri="{BB962C8B-B14F-4D97-AF65-F5344CB8AC3E}">
@@ -36135,6 +36214,171 @@
   <p:clrMapOvr>
     <a:masterClrMapping/>
   </p:clrMapOvr>
+  <p:timing>
+    <p:tnLst>
+      <p:par>
+        <p:cTn id="1" dur="indefinite" restart="never" nodeType="tmRoot">
+          <p:childTnLst>
+            <p:seq concurrent="1" nextAc="seek">
+              <p:cTn id="2" dur="indefinite" nodeType="mainSeq">
+                <p:childTnLst>
+                  <p:par>
+                    <p:cTn id="3" fill="hold">
+                      <p:stCondLst>
+                        <p:cond delay="indefinite"/>
+                      </p:stCondLst>
+                      <p:childTnLst>
+                        <p:par>
+                          <p:cTn id="4" fill="hold">
+                            <p:stCondLst>
+                              <p:cond delay="0"/>
+                            </p:stCondLst>
+                            <p:childTnLst>
+                              <p:par>
+                                <p:cTn id="5" presetID="1" presetClass="entr" presetSubtype="0" fill="hold" nodeType="clickEffect">
+                                  <p:stCondLst>
+                                    <p:cond delay="0"/>
+                                  </p:stCondLst>
+                                  <p:childTnLst>
+                                    <p:set>
+                                      <p:cBhvr>
+                                        <p:cTn id="6" dur="1" fill="hold">
+                                          <p:stCondLst>
+                                            <p:cond delay="0"/>
+                                          </p:stCondLst>
+                                        </p:cTn>
+                                        <p:tgtEl>
+                                          <p:spTgt spid="20"/>
+                                        </p:tgtEl>
+                                        <p:attrNameLst>
+                                          <p:attrName>style.visibility</p:attrName>
+                                        </p:attrNameLst>
+                                      </p:cBhvr>
+                                      <p:to>
+                                        <p:strVal val="visible"/>
+                                      </p:to>
+                                    </p:set>
+                                  </p:childTnLst>
+                                </p:cTn>
+                              </p:par>
+                            </p:childTnLst>
+                          </p:cTn>
+                        </p:par>
+                      </p:childTnLst>
+                    </p:cTn>
+                  </p:par>
+                  <p:par>
+                    <p:cTn id="7" fill="hold">
+                      <p:stCondLst>
+                        <p:cond delay="indefinite"/>
+                      </p:stCondLst>
+                      <p:childTnLst>
+                        <p:par>
+                          <p:cTn id="8" fill="hold">
+                            <p:stCondLst>
+                              <p:cond delay="0"/>
+                            </p:stCondLst>
+                            <p:childTnLst>
+                              <p:par>
+                                <p:cTn id="9" presetID="1" presetClass="entr" presetSubtype="0" fill="hold" nodeType="clickEffect">
+                                  <p:stCondLst>
+                                    <p:cond delay="0"/>
+                                  </p:stCondLst>
+                                  <p:childTnLst>
+                                    <p:set>
+                                      <p:cBhvr>
+                                        <p:cTn id="10" dur="1" fill="hold">
+                                          <p:stCondLst>
+                                            <p:cond delay="0"/>
+                                          </p:stCondLst>
+                                        </p:cTn>
+                                        <p:tgtEl>
+                                          <p:spTgt spid="22"/>
+                                        </p:tgtEl>
+                                        <p:attrNameLst>
+                                          <p:attrName>style.visibility</p:attrName>
+                                        </p:attrNameLst>
+                                      </p:cBhvr>
+                                      <p:to>
+                                        <p:strVal val="visible"/>
+                                      </p:to>
+                                    </p:set>
+                                  </p:childTnLst>
+                                </p:cTn>
+                              </p:par>
+                            </p:childTnLst>
+                          </p:cTn>
+                        </p:par>
+                      </p:childTnLst>
+                    </p:cTn>
+                  </p:par>
+                  <p:par>
+                    <p:cTn id="11" fill="hold">
+                      <p:stCondLst>
+                        <p:cond delay="indefinite"/>
+                      </p:stCondLst>
+                      <p:childTnLst>
+                        <p:par>
+                          <p:cTn id="12" fill="hold">
+                            <p:stCondLst>
+                              <p:cond delay="0"/>
+                            </p:stCondLst>
+                            <p:childTnLst>
+                              <p:par>
+                                <p:cTn id="13" presetID="1" presetClass="entr" presetSubtype="0" fill="hold" nodeType="clickEffect">
+                                  <p:stCondLst>
+                                    <p:cond delay="0"/>
+                                  </p:stCondLst>
+                                  <p:childTnLst>
+                                    <p:set>
+                                      <p:cBhvr>
+                                        <p:cTn id="14" dur="1" fill="hold">
+                                          <p:stCondLst>
+                                            <p:cond delay="0"/>
+                                          </p:stCondLst>
+                                        </p:cTn>
+                                        <p:tgtEl>
+                                          <p:spTgt spid="24"/>
+                                        </p:tgtEl>
+                                        <p:attrNameLst>
+                                          <p:attrName>style.visibility</p:attrName>
+                                        </p:attrNameLst>
+                                      </p:cBhvr>
+                                      <p:to>
+                                        <p:strVal val="visible"/>
+                                      </p:to>
+                                    </p:set>
+                                  </p:childTnLst>
+                                </p:cTn>
+                              </p:par>
+                            </p:childTnLst>
+                          </p:cTn>
+                        </p:par>
+                      </p:childTnLst>
+                    </p:cTn>
+                  </p:par>
+                </p:childTnLst>
+              </p:cTn>
+              <p:prevCondLst>
+                <p:cond evt="onPrev" delay="0">
+                  <p:tgtEl>
+                    <p:sldTgt/>
+                  </p:tgtEl>
+                </p:cond>
+              </p:prevCondLst>
+              <p:nextCondLst>
+                <p:cond evt="onNext" delay="0">
+                  <p:tgtEl>
+                    <p:sldTgt/>
+                  </p:tgtEl>
+                </p:cond>
+              </p:nextCondLst>
+            </p:seq>
+          </p:childTnLst>
+        </p:cTn>
+      </p:par>
+    </p:tnLst>
+  </p:timing>
 </p:sld>
 </file>
 
@@ -36178,7 +36422,7 @@
           <a:p>
             <a:r>
               <a:rPr lang="en-GB" noProof="0" dirty="0"/>
-              <a:t>Questions?</a:t>
+              <a:t>Conclusions</a:t>
             </a:r>
           </a:p>
         </p:txBody>
@@ -36204,6 +36448,74 @@
           <a:bodyPr/>
           <a:lstStyle/>
           <a:p>
+            <a:r>
+              <a:rPr lang="en-GB" dirty="0"/>
+              <a:t>Gang scheduling is an interesting problem with a lot that can be done</a:t>
+            </a:r>
+          </a:p>
+          <a:p>
+            <a:r>
+              <a:rPr lang="en-GB" dirty="0"/>
+              <a:t>A faster and more accurate </a:t>
+            </a:r>
+            <a:r>
+              <a:rPr lang="en-150" dirty="0"/>
+              <a:t>analysis </a:t>
+            </a:r>
+            <a:r>
+              <a:rPr lang="en-GB" dirty="0"/>
+              <a:t>can be defined </a:t>
+            </a:r>
+            <a:r>
+              <a:rPr lang="en-150" dirty="0"/>
+              <a:t>w</a:t>
+            </a:r>
+            <a:r>
+              <a:rPr lang="en-GB" dirty="0"/>
+              <a:t>i</a:t>
+            </a:r>
+            <a:r>
+              <a:rPr lang="en-150" dirty="0"/>
+              <a:t>t</a:t>
+            </a:r>
+            <a:r>
+              <a:rPr lang="en-GB" dirty="0"/>
+              <a:t>h</a:t>
+            </a:r>
+            <a:r>
+              <a:rPr lang="en-150" dirty="0"/>
+              <a:t> </a:t>
+            </a:r>
+            <a:r>
+              <a:rPr lang="en-GB" dirty="0"/>
+              <a:t>S</a:t>
+            </a:r>
+            <a:r>
+              <a:rPr lang="en-150" dirty="0"/>
+              <a:t>AG</a:t>
+            </a:r>
+            <a:endParaRPr lang="en-GB" dirty="0"/>
+          </a:p>
+          <a:p>
+            <a:r>
+              <a:rPr lang="en-GB" dirty="0"/>
+              <a:t>Its</a:t>
+            </a:r>
+            <a:r>
+              <a:rPr lang="en-150" dirty="0"/>
+              <a:t> moldable</a:t>
+            </a:r>
+            <a:r>
+              <a:rPr lang="en-GB" dirty="0"/>
+              <a:t> properties can be used with the proper scheduler</a:t>
+            </a:r>
+            <a:endParaRPr lang="en-150" dirty="0"/>
+          </a:p>
+          <a:p>
+            <a:r>
+              <a:rPr lang="en-150" dirty="0"/>
+              <a:t>Questions?</a:t>
+            </a:r>
             <a:endParaRPr lang="en-GB" dirty="0"/>
           </a:p>
         </p:txBody>
@@ -36247,6 +36559,235 @@
   <p:clrMapOvr>
     <a:masterClrMapping/>
   </p:clrMapOvr>
+  <p:timing>
+    <p:tnLst>
+      <p:par>
+        <p:cTn id="1" dur="indefinite" restart="never" nodeType="tmRoot">
+          <p:childTnLst>
+            <p:seq concurrent="1" nextAc="seek">
+              <p:cTn id="2" dur="indefinite" nodeType="mainSeq">
+                <p:childTnLst>
+                  <p:par>
+                    <p:cTn id="3" fill="hold">
+                      <p:stCondLst>
+                        <p:cond delay="indefinite"/>
+                      </p:stCondLst>
+                      <p:childTnLst>
+                        <p:par>
+                          <p:cTn id="4" fill="hold">
+                            <p:stCondLst>
+                              <p:cond delay="0"/>
+                            </p:stCondLst>
+                            <p:childTnLst>
+                              <p:par>
+                                <p:cTn id="5" presetID="1" presetClass="entr" presetSubtype="0" fill="hold" grpId="0" nodeType="clickEffect">
+                                  <p:stCondLst>
+                                    <p:cond delay="0"/>
+                                  </p:stCondLst>
+                                  <p:childTnLst>
+                                    <p:set>
+                                      <p:cBhvr>
+                                        <p:cTn id="6" dur="1" fill="hold">
+                                          <p:stCondLst>
+                                            <p:cond delay="0"/>
+                                          </p:stCondLst>
+                                        </p:cTn>
+                                        <p:tgtEl>
+                                          <p:spTgt spid="3">
+                                            <p:txEl>
+                                              <p:pRg st="0" end="0"/>
+                                            </p:txEl>
+                                          </p:spTgt>
+                                        </p:tgtEl>
+                                        <p:attrNameLst>
+                                          <p:attrName>style.visibility</p:attrName>
+                                        </p:attrNameLst>
+                                      </p:cBhvr>
+                                      <p:to>
+                                        <p:strVal val="visible"/>
+                                      </p:to>
+                                    </p:set>
+                                  </p:childTnLst>
+                                </p:cTn>
+                              </p:par>
+                            </p:childTnLst>
+                          </p:cTn>
+                        </p:par>
+                      </p:childTnLst>
+                    </p:cTn>
+                  </p:par>
+                  <p:par>
+                    <p:cTn id="7" fill="hold">
+                      <p:stCondLst>
+                        <p:cond delay="indefinite"/>
+                      </p:stCondLst>
+                      <p:childTnLst>
+                        <p:par>
+                          <p:cTn id="8" fill="hold">
+                            <p:stCondLst>
+                              <p:cond delay="0"/>
+                            </p:stCondLst>
+                            <p:childTnLst>
+                              <p:par>
+                                <p:cTn id="9" presetID="1" presetClass="entr" presetSubtype="0" fill="hold" grpId="0" nodeType="clickEffect">
+                                  <p:stCondLst>
+                                    <p:cond delay="0"/>
+                                  </p:stCondLst>
+                                  <p:childTnLst>
+                                    <p:set>
+                                      <p:cBhvr>
+                                        <p:cTn id="10" dur="1" fill="hold">
+                                          <p:stCondLst>
+                                            <p:cond delay="0"/>
+                                          </p:stCondLst>
+                                        </p:cTn>
+                                        <p:tgtEl>
+                                          <p:spTgt spid="3">
+                                            <p:txEl>
+                                              <p:pRg st="1" end="1"/>
+                                            </p:txEl>
+                                          </p:spTgt>
+                                        </p:tgtEl>
+                                        <p:attrNameLst>
+                                          <p:attrName>style.visibility</p:attrName>
+                                        </p:attrNameLst>
+                                      </p:cBhvr>
+                                      <p:to>
+                                        <p:strVal val="visible"/>
+                                      </p:to>
+                                    </p:set>
+                                  </p:childTnLst>
+                                </p:cTn>
+                              </p:par>
+                            </p:childTnLst>
+                          </p:cTn>
+                        </p:par>
+                      </p:childTnLst>
+                    </p:cTn>
+                  </p:par>
+                  <p:par>
+                    <p:cTn id="11" fill="hold">
+                      <p:stCondLst>
+                        <p:cond delay="indefinite"/>
+                      </p:stCondLst>
+                      <p:childTnLst>
+                        <p:par>
+                          <p:cTn id="12" fill="hold">
+                            <p:stCondLst>
+                              <p:cond delay="0"/>
+                            </p:stCondLst>
+                            <p:childTnLst>
+                              <p:par>
+                                <p:cTn id="13" presetID="1" presetClass="entr" presetSubtype="0" fill="hold" grpId="0" nodeType="clickEffect">
+                                  <p:stCondLst>
+                                    <p:cond delay="0"/>
+                                  </p:stCondLst>
+                                  <p:childTnLst>
+                                    <p:set>
+                                      <p:cBhvr>
+                                        <p:cTn id="14" dur="1" fill="hold">
+                                          <p:stCondLst>
+                                            <p:cond delay="0"/>
+                                          </p:stCondLst>
+                                        </p:cTn>
+                                        <p:tgtEl>
+                                          <p:spTgt spid="3">
+                                            <p:txEl>
+                                              <p:pRg st="2" end="2"/>
+                                            </p:txEl>
+                                          </p:spTgt>
+                                        </p:tgtEl>
+                                        <p:attrNameLst>
+                                          <p:attrName>style.visibility</p:attrName>
+                                        </p:attrNameLst>
+                                      </p:cBhvr>
+                                      <p:to>
+                                        <p:strVal val="visible"/>
+                                      </p:to>
+                                    </p:set>
+                                  </p:childTnLst>
+                                </p:cTn>
+                              </p:par>
+                            </p:childTnLst>
+                          </p:cTn>
+                        </p:par>
+                      </p:childTnLst>
+                    </p:cTn>
+                  </p:par>
+                  <p:par>
+                    <p:cTn id="15" fill="hold">
+                      <p:stCondLst>
+                        <p:cond delay="indefinite"/>
+                      </p:stCondLst>
+                      <p:childTnLst>
+                        <p:par>
+                          <p:cTn id="16" fill="hold">
+                            <p:stCondLst>
+                              <p:cond delay="0"/>
+                            </p:stCondLst>
+                            <p:childTnLst>
+                              <p:par>
+                                <p:cTn id="17" presetID="1" presetClass="entr" presetSubtype="0" fill="hold" grpId="0" nodeType="clickEffect">
+                                  <p:stCondLst>
+                                    <p:cond delay="0"/>
+                                  </p:stCondLst>
+                                  <p:childTnLst>
+                                    <p:set>
+                                      <p:cBhvr>
+                                        <p:cTn id="18" dur="1" fill="hold">
+                                          <p:stCondLst>
+                                            <p:cond delay="0"/>
+                                          </p:stCondLst>
+                                        </p:cTn>
+                                        <p:tgtEl>
+                                          <p:spTgt spid="3">
+                                            <p:txEl>
+                                              <p:pRg st="3" end="3"/>
+                                            </p:txEl>
+                                          </p:spTgt>
+                                        </p:tgtEl>
+                                        <p:attrNameLst>
+                                          <p:attrName>style.visibility</p:attrName>
+                                        </p:attrNameLst>
+                                      </p:cBhvr>
+                                      <p:to>
+                                        <p:strVal val="visible"/>
+                                      </p:to>
+                                    </p:set>
+                                  </p:childTnLst>
+                                </p:cTn>
+                              </p:par>
+                            </p:childTnLst>
+                          </p:cTn>
+                        </p:par>
+                      </p:childTnLst>
+                    </p:cTn>
+                  </p:par>
+                </p:childTnLst>
+              </p:cTn>
+              <p:prevCondLst>
+                <p:cond evt="onPrev" delay="0">
+                  <p:tgtEl>
+                    <p:sldTgt/>
+                  </p:tgtEl>
+                </p:cond>
+              </p:prevCondLst>
+              <p:nextCondLst>
+                <p:cond evt="onNext" delay="0">
+                  <p:tgtEl>
+                    <p:sldTgt/>
+                  </p:tgtEl>
+                </p:cond>
+              </p:nextCondLst>
+            </p:seq>
+          </p:childTnLst>
+        </p:cTn>
+      </p:par>
+    </p:tnLst>
+    <p:bldLst>
+      <p:bldP spid="3" grpId="0" uiExpand="1" build="p"/>
+    </p:bldLst>
+  </p:timing>
 </p:sld>
 </file>
 
@@ -37370,78 +37911,6 @@
                                           </p:stCondLst>
                                         </p:cTn>
                                         <p:tgtEl>
-                                          <p:spTgt spid="5"/>
-                                        </p:tgtEl>
-                                        <p:attrNameLst>
-                                          <p:attrName>style.visibility</p:attrName>
-                                        </p:attrNameLst>
-                                      </p:cBhvr>
-                                      <p:to>
-                                        <p:strVal val="visible"/>
-                                      </p:to>
-                                    </p:set>
-                                  </p:childTnLst>
-                                </p:cTn>
-                              </p:par>
-                              <p:par>
-                                <p:cTn id="7" presetID="1" presetClass="entr" presetSubtype="0" fill="hold" grpId="0" nodeType="withEffect">
-                                  <p:stCondLst>
-                                    <p:cond delay="0"/>
-                                  </p:stCondLst>
-                                  <p:childTnLst>
-                                    <p:set>
-                                      <p:cBhvr>
-                                        <p:cTn id="8" dur="1" fill="hold">
-                                          <p:stCondLst>
-                                            <p:cond delay="0"/>
-                                          </p:stCondLst>
-                                        </p:cTn>
-                                        <p:tgtEl>
-                                          <p:spTgt spid="7"/>
-                                        </p:tgtEl>
-                                        <p:attrNameLst>
-                                          <p:attrName>style.visibility</p:attrName>
-                                        </p:attrNameLst>
-                                      </p:cBhvr>
-                                      <p:to>
-                                        <p:strVal val="visible"/>
-                                      </p:to>
-                                    </p:set>
-                                  </p:childTnLst>
-                                </p:cTn>
-                              </p:par>
-                            </p:childTnLst>
-                          </p:cTn>
-                        </p:par>
-                      </p:childTnLst>
-                    </p:cTn>
-                  </p:par>
-                  <p:par>
-                    <p:cTn id="9" fill="hold">
-                      <p:stCondLst>
-                        <p:cond delay="indefinite"/>
-                      </p:stCondLst>
-                      <p:childTnLst>
-                        <p:par>
-                          <p:cTn id="10" fill="hold">
-                            <p:stCondLst>
-                              <p:cond delay="0"/>
-                            </p:stCondLst>
-                            <p:childTnLst>
-                              <p:par>
-                                <p:cTn id="11" presetID="1" presetClass="entr" presetSubtype="0" fill="hold" nodeType="clickEffect">
-                                  <p:stCondLst>
-                                    <p:cond delay="0"/>
-                                  </p:stCondLst>
-                                  <p:childTnLst>
-                                    <p:set>
-                                      <p:cBhvr>
-                                        <p:cTn id="12" dur="1" fill="hold">
-                                          <p:stCondLst>
-                                            <p:cond delay="0"/>
-                                          </p:stCondLst>
-                                        </p:cTn>
-                                        <p:tgtEl>
                                           <p:spTgt spid="6"/>
                                         </p:tgtEl>
                                         <p:attrNameLst>
@@ -37456,14 +37925,14 @@
                                 </p:cTn>
                               </p:par>
                               <p:par>
-                                <p:cTn id="13" presetID="1" presetClass="entr" presetSubtype="0" fill="hold" nodeType="withEffect">
+                                <p:cTn id="7" presetID="1" presetClass="entr" presetSubtype="0" fill="hold" nodeType="withEffect">
                                   <p:stCondLst>
                                     <p:cond delay="0"/>
                                   </p:stCondLst>
                                   <p:childTnLst>
                                     <p:set>
                                       <p:cBhvr>
-                                        <p:cTn id="14" dur="1" fill="hold">
+                                        <p:cTn id="8" dur="1" fill="hold">
                                           <p:stCondLst>
                                             <p:cond delay="0"/>
                                           </p:stCondLst>
@@ -37483,14 +37952,14 @@
                                 </p:cTn>
                               </p:par>
                               <p:par>
-                                <p:cTn id="15" presetID="1" presetClass="entr" presetSubtype="0" fill="hold" grpId="0" nodeType="withEffect">
+                                <p:cTn id="9" presetID="1" presetClass="entr" presetSubtype="0" fill="hold" grpId="0" nodeType="withEffect">
                                   <p:stCondLst>
                                     <p:cond delay="0"/>
                                   </p:stCondLst>
                                   <p:childTnLst>
                                     <p:set>
                                       <p:cBhvr>
-                                        <p:cTn id="16" dur="1" fill="hold">
+                                        <p:cTn id="10" dur="1" fill="hold">
                                           <p:stCondLst>
                                             <p:cond delay="0"/>
                                           </p:stCondLst>
@@ -37510,14 +37979,14 @@
                                 </p:cTn>
                               </p:par>
                               <p:par>
-                                <p:cTn id="17" presetID="1" presetClass="entr" presetSubtype="0" fill="hold" grpId="0" nodeType="withEffect">
+                                <p:cTn id="11" presetID="1" presetClass="entr" presetSubtype="0" fill="hold" grpId="0" nodeType="withEffect">
                                   <p:stCondLst>
                                     <p:cond delay="0"/>
                                   </p:stCondLst>
                                   <p:childTnLst>
                                     <p:set>
                                       <p:cBhvr>
-                                        <p:cTn id="18" dur="1" fill="hold">
+                                        <p:cTn id="12" dur="1" fill="hold">
                                           <p:stCondLst>
                                             <p:cond delay="0"/>
                                           </p:stCondLst>
@@ -37547,26 +38016,26 @@
                     </p:cTn>
                   </p:par>
                   <p:par>
-                    <p:cTn id="19" fill="hold">
+                    <p:cTn id="13" fill="hold">
                       <p:stCondLst>
                         <p:cond delay="indefinite"/>
                       </p:stCondLst>
                       <p:childTnLst>
                         <p:par>
-                          <p:cTn id="20" fill="hold">
+                          <p:cTn id="14" fill="hold">
                             <p:stCondLst>
                               <p:cond delay="0"/>
                             </p:stCondLst>
                             <p:childTnLst>
                               <p:par>
-                                <p:cTn id="21" presetID="1" presetClass="entr" presetSubtype="0" fill="hold" grpId="0" nodeType="clickEffect">
+                                <p:cTn id="15" presetID="1" presetClass="entr" presetSubtype="0" fill="hold" grpId="0" nodeType="clickEffect">
                                   <p:stCondLst>
                                     <p:cond delay="0"/>
                                   </p:stCondLst>
                                   <p:childTnLst>
                                     <p:set>
                                       <p:cBhvr>
-                                        <p:cTn id="22" dur="1" fill="hold">
+                                        <p:cTn id="16" dur="1" fill="hold">
                                           <p:stCondLst>
                                             <p:cond delay="0"/>
                                           </p:stCondLst>
@@ -37618,7 +38087,6 @@
     </p:tnLst>
     <p:bldLst>
       <p:bldP spid="3" grpId="0" uiExpand="1" build="p"/>
-      <p:bldP spid="7" grpId="0"/>
       <p:bldP spid="8" grpId="0"/>
     </p:bldLst>
   </p:timing>
@@ -38328,15 +38796,7 @@
             </a:r>
             <a:r>
               <a:rPr lang="en-GB" noProof="0" dirty="0"/>
-              <a:t>: </a:t>
-            </a:r>
-            <a:r>
-              <a:rPr lang="en-150" noProof="0" dirty="0"/>
-              <a:t>n</a:t>
-            </a:r>
-            <a:r>
-              <a:rPr lang="en-GB" noProof="0" dirty="0"/>
-              <a:t>umber of cores can change during runtime</a:t>
+              <a:t>: number of cores can change during runtime</a:t>
             </a:r>
             <a:endParaRPr lang="en-GB" b="1" noProof="0" dirty="0"/>
           </a:p>

--- a/Notes/TFM_presentations/2020_02_24_v2/2020_02_24_v2.pptx
+++ b/Notes/TFM_presentations/2020_02_24_v2/2020_02_24_v2.pptx
@@ -9512,7 +9512,39 @@
           <a:p>
             <a:r>
               <a:rPr lang="en-GB" noProof="0" dirty="0"/>
-              <a:t>Scheduling and Analysis of Limited-Preemptive Malleable Gang Tasks</a:t>
+              <a:t>Scheduling and Analysis of Limited-Preemptive M</a:t>
+            </a:r>
+            <a:r>
+              <a:rPr lang="en-150" noProof="0" dirty="0"/>
+              <a:t>o</a:t>
+            </a:r>
+            <a:r>
+              <a:rPr lang="en-GB" noProof="0" dirty="0"/>
+              <a:t>l</a:t>
+            </a:r>
+            <a:r>
+              <a:rPr lang="en-150" noProof="0" dirty="0"/>
+              <a:t>d</a:t>
+            </a:r>
+            <a:r>
+              <a:rPr lang="en-GB" noProof="0" dirty="0"/>
+              <a:t>a</a:t>
+            </a:r>
+            <a:r>
+              <a:rPr lang="en-150" noProof="0" dirty="0"/>
+              <a:t>b</a:t>
+            </a:r>
+            <a:r>
+              <a:rPr lang="en-GB" noProof="0" dirty="0"/>
+              <a:t>l</a:t>
+            </a:r>
+            <a:r>
+              <a:rPr lang="en-150" noProof="0" dirty="0"/>
+              <a:t>e</a:t>
+            </a:r>
+            <a:r>
+              <a:rPr lang="en-GB" noProof="0" dirty="0"/>
+              <a:t> Gang Tasks</a:t>
             </a:r>
           </a:p>
         </p:txBody>
@@ -36098,7 +36130,7 @@
       </p:sp>
       <p:pic>
         <p:nvPicPr>
-          <p:cNvPr id="20" name="T=5" descr="A close up of a map&#10;&#10;Description automatically generated">
+          <p:cNvPr id="20" name="T=5">
             <a:extLst>
               <a:ext uri="{FF2B5EF4-FFF2-40B4-BE49-F238E27FC236}">
                 <a16:creationId xmlns:a16="http://schemas.microsoft.com/office/drawing/2014/main" id="{143C3407-4399-4669-B151-69F408F92191}"/>
@@ -36118,14 +36150,13 @@
               </a:ext>
             </a:extLst>
           </a:blip>
-          <a:stretch>
-            <a:fillRect/>
-          </a:stretch>
+          <a:srcRect/>
+          <a:stretch/>
         </p:blipFill>
         <p:spPr>
           <a:xfrm>
             <a:off x="2720818" y="594599"/>
-            <a:ext cx="6750364" cy="5498194"/>
+            <a:ext cx="6750364" cy="5498193"/>
           </a:xfrm>
           <a:prstGeom prst="rect">
             <a:avLst/>
@@ -36134,7 +36165,7 @@
       </p:pic>
       <p:pic>
         <p:nvPicPr>
-          <p:cNvPr id="22" name="T=10" descr="A close up of a map&#10;&#10;Description automatically generated">
+          <p:cNvPr id="22" name="T=10">
             <a:extLst>
               <a:ext uri="{FF2B5EF4-FFF2-40B4-BE49-F238E27FC236}">
                 <a16:creationId xmlns:a16="http://schemas.microsoft.com/office/drawing/2014/main" id="{6E051251-16EC-4822-B203-23CB416FA6E9}"/>
@@ -36154,14 +36185,13 @@
               </a:ext>
             </a:extLst>
           </a:blip>
-          <a:stretch>
-            <a:fillRect/>
-          </a:stretch>
+          <a:srcRect/>
+          <a:stretch/>
         </p:blipFill>
         <p:spPr>
           <a:xfrm>
             <a:off x="2720818" y="594599"/>
-            <a:ext cx="6750364" cy="5498194"/>
+            <a:ext cx="6750364" cy="5498193"/>
           </a:xfrm>
           <a:prstGeom prst="rect">
             <a:avLst/>
@@ -36170,7 +36200,7 @@
       </p:pic>
       <p:pic>
         <p:nvPicPr>
-          <p:cNvPr id="24" name="T=20" descr="A close up of a map&#10;&#10;Description automatically generated">
+          <p:cNvPr id="24" name="T=20">
             <a:extLst>
               <a:ext uri="{FF2B5EF4-FFF2-40B4-BE49-F238E27FC236}">
                 <a16:creationId xmlns:a16="http://schemas.microsoft.com/office/drawing/2014/main" id="{89227E96-5D83-4209-B43B-40B8ECAB4C1C}"/>
@@ -36190,14 +36220,13 @@
               </a:ext>
             </a:extLst>
           </a:blip>
-          <a:stretch>
-            <a:fillRect/>
-          </a:stretch>
+          <a:srcRect/>
+          <a:stretch/>
         </p:blipFill>
         <p:spPr>
           <a:xfrm>
             <a:off x="2720818" y="594599"/>
-            <a:ext cx="6750364" cy="5498194"/>
+            <a:ext cx="6750364" cy="5498193"/>
           </a:xfrm>
           <a:prstGeom prst="rect">
             <a:avLst/>

--- a/Notes/TFM_presentations/2020_02_24_v2/2020_02_24_v2.pptx
+++ b/Notes/TFM_presentations/2020_02_24_v2/2020_02_24_v2.pptx
@@ -12220,220 +12220,48 @@
           </a:p>
         </p:txBody>
       </p:sp>
-      <mc:AlternateContent xmlns:mc="http://schemas.openxmlformats.org/markup-compatibility/2006" xmlns:a14="http://schemas.microsoft.com/office/drawing/2010/main">
-        <mc:Choice Requires="a14">
-          <p:sp>
-            <p:nvSpPr>
-              <p:cNvPr id="3" name="Content Placeholder 2">
-                <a:extLst>
-                  <a:ext uri="{FF2B5EF4-FFF2-40B4-BE49-F238E27FC236}">
-                    <a16:creationId xmlns:a16="http://schemas.microsoft.com/office/drawing/2014/main" id="{548D81FD-2868-4882-8387-BDCBDC704282}"/>
-                  </a:ext>
-                </a:extLst>
-              </p:cNvPr>
-              <p:cNvSpPr>
-                <a:spLocks noGrp="1"/>
-              </p:cNvSpPr>
-              <p:nvPr>
-                <p:ph idx="1"/>
-              </p:nvPr>
-            </p:nvSpPr>
-            <p:spPr/>
-            <p:txBody>
-              <a:bodyPr/>
-              <a:lstStyle/>
-              <a:p>
-                <a:r>
-                  <a:rPr lang="en-GB" noProof="0" dirty="0"/>
-                  <a:t>Based on Global JLFP scheduler</a:t>
-                </a:r>
-              </a:p>
-              <a:p>
-                <a:pPr lvl="1"/>
-                <a:r>
-                  <a:rPr lang="en-GB" noProof="0" dirty="0"/>
-                  <a:t>Work conserving scheduler</a:t>
-                </a:r>
-              </a:p>
-              <a:p>
-                <a:pPr lvl="1"/>
-                <a:r>
-                  <a:rPr lang="en-GB" noProof="0" dirty="0"/>
-                  <a:t>Job with highest priority goes first</a:t>
-                </a:r>
-              </a:p>
-              <a:p>
-                <a:r>
-                  <a:rPr lang="en-GB" noProof="0" dirty="0"/>
-                  <a:t>Assigns maximum cores available between </a:t>
-                </a:r>
-                <a14:m>
-                  <m:oMath xmlns:m="http://schemas.openxmlformats.org/officeDocument/2006/math">
-                    <m:sSubSup>
-                      <m:sSubSupPr>
-                        <m:ctrlPr>
-                          <a:rPr lang="en-GB" b="0" i="1" noProof="0" smtClean="0">
-                            <a:latin typeface="Cambria Math" panose="02040503050406030204" pitchFamily="18" charset="0"/>
-                          </a:rPr>
-                        </m:ctrlPr>
-                      </m:sSubSupPr>
-                      <m:e>
-                        <m:r>
-                          <a:rPr lang="en-GB" b="0" i="1" noProof="0" smtClean="0">
-                            <a:latin typeface="Cambria Math" panose="02040503050406030204" pitchFamily="18" charset="0"/>
-                          </a:rPr>
-                          <m:t>𝑠</m:t>
-                        </m:r>
-                      </m:e>
-                      <m:sub>
-                        <m:r>
-                          <a:rPr lang="en-GB" b="0" i="1" noProof="0" smtClean="0">
-                            <a:latin typeface="Cambria Math" panose="02040503050406030204" pitchFamily="18" charset="0"/>
-                          </a:rPr>
-                          <m:t>𝑖</m:t>
-                        </m:r>
-                      </m:sub>
-                      <m:sup>
-                        <m:func>
-                          <m:funcPr>
-                            <m:ctrlPr>
-                              <a:rPr lang="en-GB" b="0" i="1" noProof="0" smtClean="0">
-                                <a:latin typeface="Cambria Math" panose="02040503050406030204" pitchFamily="18" charset="0"/>
-                              </a:rPr>
-                            </m:ctrlPr>
-                          </m:funcPr>
-                          <m:fName>
-                            <m:r>
-                              <m:rPr>
-                                <m:sty m:val="p"/>
-                              </m:rPr>
-                              <a:rPr lang="en-GB" b="0" i="0" noProof="0" smtClean="0">
-                                <a:latin typeface="Cambria Math" panose="02040503050406030204" pitchFamily="18" charset="0"/>
-                              </a:rPr>
-                              <m:t>min</m:t>
-                            </m:r>
-                          </m:fName>
-                          <m:e>
-                            <m:r>
-                              <a:rPr lang="en-GB" b="0" i="1" noProof="0" smtClean="0">
-                                <a:latin typeface="Cambria Math" panose="02040503050406030204" pitchFamily="18" charset="0"/>
-                              </a:rPr>
-                              <m:t> </m:t>
-                            </m:r>
-                          </m:e>
-                        </m:func>
-                      </m:sup>
-                    </m:sSubSup>
-                  </m:oMath>
-                </a14:m>
-                <a:r>
-                  <a:rPr lang="en-GB" noProof="0" dirty="0"/>
-                  <a:t> and </a:t>
-                </a:r>
-                <a14:m>
-                  <m:oMath xmlns:m="http://schemas.openxmlformats.org/officeDocument/2006/math">
-                    <m:sSubSup>
-                      <m:sSubSupPr>
-                        <m:ctrlPr>
-                          <a:rPr lang="en-GB" b="0" i="1" noProof="0" smtClean="0">
-                            <a:latin typeface="Cambria Math" panose="02040503050406030204" pitchFamily="18" charset="0"/>
-                          </a:rPr>
-                        </m:ctrlPr>
-                      </m:sSubSupPr>
-                      <m:e>
-                        <m:r>
-                          <a:rPr lang="en-GB" b="0" i="1" noProof="0" smtClean="0">
-                            <a:latin typeface="Cambria Math" panose="02040503050406030204" pitchFamily="18" charset="0"/>
-                          </a:rPr>
-                          <m:t>𝑠</m:t>
-                        </m:r>
-                      </m:e>
-                      <m:sub>
-                        <m:r>
-                          <a:rPr lang="en-GB" b="0" i="1" noProof="0" smtClean="0">
-                            <a:latin typeface="Cambria Math" panose="02040503050406030204" pitchFamily="18" charset="0"/>
-                          </a:rPr>
-                          <m:t>𝑖</m:t>
-                        </m:r>
-                      </m:sub>
-                      <m:sup>
-                        <m:func>
-                          <m:funcPr>
-                            <m:ctrlPr>
-                              <a:rPr lang="en-GB" b="0" i="1" noProof="0" smtClean="0">
-                                <a:latin typeface="Cambria Math" panose="02040503050406030204" pitchFamily="18" charset="0"/>
-                              </a:rPr>
-                            </m:ctrlPr>
-                          </m:funcPr>
-                          <m:fName>
-                            <m:r>
-                              <m:rPr>
-                                <m:sty m:val="p"/>
-                              </m:rPr>
-                              <a:rPr lang="en-GB" b="0" i="0" noProof="0" smtClean="0">
-                                <a:latin typeface="Cambria Math" panose="02040503050406030204" pitchFamily="18" charset="0"/>
-                              </a:rPr>
-                              <m:t>max</m:t>
-                            </m:r>
-                          </m:fName>
-                          <m:e>
-                            <m:r>
-                              <a:rPr lang="en-GB" b="0" i="1" noProof="0" smtClean="0">
-                                <a:latin typeface="Cambria Math" panose="02040503050406030204" pitchFamily="18" charset="0"/>
-                              </a:rPr>
-                              <m:t> </m:t>
-                            </m:r>
-                          </m:e>
-                        </m:func>
-                      </m:sup>
-                    </m:sSubSup>
-                  </m:oMath>
-                </a14:m>
-                <a:endParaRPr lang="en-GB" noProof="0" dirty="0"/>
-              </a:p>
-            </p:txBody>
-          </p:sp>
-        </mc:Choice>
-        <mc:Fallback xmlns="">
-          <p:sp>
-            <p:nvSpPr>
-              <p:cNvPr id="3" name="Content Placeholder 2">
-                <a:extLst>
-                  <a:ext uri="{FF2B5EF4-FFF2-40B4-BE49-F238E27FC236}">
-                    <a16:creationId xmlns:a16="http://schemas.microsoft.com/office/drawing/2014/main" id="{548D81FD-2868-4882-8387-BDCBDC704282}"/>
-                  </a:ext>
-                </a:extLst>
-              </p:cNvPr>
-              <p:cNvSpPr>
-                <a:spLocks noGrp="1" noRot="1" noChangeAspect="1" noMove="1" noResize="1" noEditPoints="1" noAdjustHandles="1" noChangeArrowheads="1" noChangeShapeType="1" noTextEdit="1"/>
-              </p:cNvSpPr>
-              <p:nvPr>
-                <p:ph idx="1"/>
-              </p:nvPr>
-            </p:nvSpPr>
-            <p:spPr>
-              <a:blipFill>
-                <a:blip r:embed="rId3"/>
-                <a:stretch>
-                  <a:fillRect l="-1043" t="-2313"/>
-                </a:stretch>
-              </a:blipFill>
-            </p:spPr>
-            <p:txBody>
-              <a:bodyPr/>
-              <a:lstStyle/>
-              <a:p>
-                <a:r>
-                  <a:rPr lang="en-GB">
-                    <a:noFill/>
-                  </a:rPr>
-                  <a:t> </a:t>
-                </a:r>
-              </a:p>
-            </p:txBody>
-          </p:sp>
-        </mc:Fallback>
-      </mc:AlternateContent>
+      <p:sp>
+        <p:nvSpPr>
+          <p:cNvPr id="3" name="Content Placeholder 2">
+            <a:extLst>
+              <a:ext uri="{FF2B5EF4-FFF2-40B4-BE49-F238E27FC236}">
+                <a16:creationId xmlns:a16="http://schemas.microsoft.com/office/drawing/2014/main" id="{548D81FD-2868-4882-8387-BDCBDC704282}"/>
+              </a:ext>
+            </a:extLst>
+          </p:cNvPr>
+          <p:cNvSpPr>
+            <a:spLocks noGrp="1"/>
+          </p:cNvSpPr>
+          <p:nvPr>
+            <p:ph idx="1"/>
+          </p:nvPr>
+        </p:nvSpPr>
+        <p:spPr/>
+        <p:txBody>
+          <a:bodyPr/>
+          <a:lstStyle/>
+          <a:p>
+            <a:r>
+              <a:rPr lang="en-GB" noProof="0" dirty="0"/>
+              <a:t>Based on Global JLFP scheduler</a:t>
+            </a:r>
+          </a:p>
+          <a:p>
+            <a:pPr lvl="1"/>
+            <a:r>
+              <a:rPr lang="en-GB" noProof="0" dirty="0"/>
+              <a:t>Work conserving scheduler</a:t>
+            </a:r>
+          </a:p>
+          <a:p>
+            <a:pPr lvl="1"/>
+            <a:r>
+              <a:rPr lang="en-GB" noProof="0" dirty="0"/>
+              <a:t>Job with highest priority goes first</a:t>
+            </a:r>
+          </a:p>
+        </p:txBody>
+      </p:sp>
       <p:sp>
         <p:nvSpPr>
           <p:cNvPr id="4" name="Slide Number Placeholder 3">
@@ -12463,6 +12291,391 @@
           </a:p>
         </p:txBody>
       </p:sp>
+      <mc:AlternateContent xmlns:mc="http://schemas.openxmlformats.org/markup-compatibility/2006">
+        <mc:Choice xmlns:a14="http://schemas.microsoft.com/office/drawing/2010/main" Requires="a14">
+          <p:sp>
+            <p:nvSpPr>
+              <p:cNvPr id="6" name="Content Placeholder 2">
+                <a:extLst>
+                  <a:ext uri="{FF2B5EF4-FFF2-40B4-BE49-F238E27FC236}">
+                    <a16:creationId xmlns:a16="http://schemas.microsoft.com/office/drawing/2014/main" id="{F89C5991-21F1-4A12-A760-2F1D6DEAD23E}"/>
+                  </a:ext>
+                </a:extLst>
+              </p:cNvPr>
+              <p:cNvSpPr txBox="1">
+                <a:spLocks/>
+              </p:cNvSpPr>
+              <p:nvPr/>
+            </p:nvSpPr>
+            <p:spPr>
+              <a:xfrm>
+                <a:off x="838200" y="2819599"/>
+                <a:ext cx="10515600" cy="609402"/>
+              </a:xfrm>
+              <a:prstGeom prst="rect">
+                <a:avLst/>
+              </a:prstGeom>
+            </p:spPr>
+            <p:txBody>
+              <a:bodyPr vert="horz" lIns="91440" tIns="45720" rIns="91440" bIns="45720" rtlCol="0">
+                <a:normAutofit/>
+              </a:bodyPr>
+              <a:lstStyle>
+                <a:lvl1pPr marL="228600" indent="-228600" algn="l" defTabSz="914400" rtl="0" eaLnBrk="1" latinLnBrk="0" hangingPunct="1">
+                  <a:lnSpc>
+                    <a:spcPct val="90000"/>
+                  </a:lnSpc>
+                  <a:spcBef>
+                    <a:spcPts val="1000"/>
+                  </a:spcBef>
+                  <a:buClr>
+                    <a:srgbClr val="00A6D6"/>
+                  </a:buClr>
+                  <a:buFont typeface="Arial" panose="020B0604020202020204" pitchFamily="34" charset="0"/>
+                  <a:buChar char="•"/>
+                  <a:defRPr sz="2800" kern="1200">
+                    <a:solidFill>
+                      <a:schemeClr val="tx1"/>
+                    </a:solidFill>
+                    <a:latin typeface="+mn-lt"/>
+                    <a:ea typeface="+mn-ea"/>
+                    <a:cs typeface="+mn-cs"/>
+                  </a:defRPr>
+                </a:lvl1pPr>
+                <a:lvl2pPr marL="685800" indent="-228600" algn="l" defTabSz="914400" rtl="0" eaLnBrk="1" latinLnBrk="0" hangingPunct="1">
+                  <a:lnSpc>
+                    <a:spcPct val="90000"/>
+                  </a:lnSpc>
+                  <a:spcBef>
+                    <a:spcPts val="500"/>
+                  </a:spcBef>
+                  <a:buClr>
+                    <a:srgbClr val="00A6D6"/>
+                  </a:buClr>
+                  <a:buFont typeface="Arial" panose="020B0604020202020204" pitchFamily="34" charset="0"/>
+                  <a:buChar char="•"/>
+                  <a:defRPr sz="2400" kern="1200">
+                    <a:solidFill>
+                      <a:schemeClr val="tx1"/>
+                    </a:solidFill>
+                    <a:latin typeface="+mn-lt"/>
+                    <a:ea typeface="+mn-ea"/>
+                    <a:cs typeface="+mn-cs"/>
+                  </a:defRPr>
+                </a:lvl2pPr>
+                <a:lvl3pPr marL="1143000" indent="-228600" algn="l" defTabSz="914400" rtl="0" eaLnBrk="1" latinLnBrk="0" hangingPunct="1">
+                  <a:lnSpc>
+                    <a:spcPct val="90000"/>
+                  </a:lnSpc>
+                  <a:spcBef>
+                    <a:spcPts val="500"/>
+                  </a:spcBef>
+                  <a:buClr>
+                    <a:srgbClr val="00A6D6"/>
+                  </a:buClr>
+                  <a:buFont typeface="Arial" panose="020B0604020202020204" pitchFamily="34" charset="0"/>
+                  <a:buChar char="•"/>
+                  <a:defRPr sz="2000" kern="1200">
+                    <a:solidFill>
+                      <a:schemeClr val="tx1"/>
+                    </a:solidFill>
+                    <a:latin typeface="+mn-lt"/>
+                    <a:ea typeface="+mn-ea"/>
+                    <a:cs typeface="+mn-cs"/>
+                  </a:defRPr>
+                </a:lvl3pPr>
+                <a:lvl4pPr marL="1600200" indent="-228600" algn="l" defTabSz="914400" rtl="0" eaLnBrk="1" latinLnBrk="0" hangingPunct="1">
+                  <a:lnSpc>
+                    <a:spcPct val="90000"/>
+                  </a:lnSpc>
+                  <a:spcBef>
+                    <a:spcPts val="500"/>
+                  </a:spcBef>
+                  <a:buClr>
+                    <a:srgbClr val="00A6D6"/>
+                  </a:buClr>
+                  <a:buFont typeface="Arial" panose="020B0604020202020204" pitchFamily="34" charset="0"/>
+                  <a:buChar char="•"/>
+                  <a:defRPr sz="1800" kern="1200">
+                    <a:solidFill>
+                      <a:schemeClr val="tx1"/>
+                    </a:solidFill>
+                    <a:latin typeface="+mn-lt"/>
+                    <a:ea typeface="+mn-ea"/>
+                    <a:cs typeface="+mn-cs"/>
+                  </a:defRPr>
+                </a:lvl4pPr>
+                <a:lvl5pPr marL="2057400" indent="-228600" algn="l" defTabSz="914400" rtl="0" eaLnBrk="1" latinLnBrk="0" hangingPunct="1">
+                  <a:lnSpc>
+                    <a:spcPct val="90000"/>
+                  </a:lnSpc>
+                  <a:spcBef>
+                    <a:spcPts val="500"/>
+                  </a:spcBef>
+                  <a:buClr>
+                    <a:srgbClr val="00A6D6"/>
+                  </a:buClr>
+                  <a:buFont typeface="Arial" panose="020B0604020202020204" pitchFamily="34" charset="0"/>
+                  <a:buChar char="•"/>
+                  <a:defRPr sz="1800" kern="1200">
+                    <a:solidFill>
+                      <a:schemeClr val="tx1"/>
+                    </a:solidFill>
+                    <a:latin typeface="+mn-lt"/>
+                    <a:ea typeface="+mn-ea"/>
+                    <a:cs typeface="+mn-cs"/>
+                  </a:defRPr>
+                </a:lvl5pPr>
+                <a:lvl6pPr marL="2514600" indent="-228600" algn="l" defTabSz="914400" rtl="0" eaLnBrk="1" latinLnBrk="0" hangingPunct="1">
+                  <a:lnSpc>
+                    <a:spcPct val="90000"/>
+                  </a:lnSpc>
+                  <a:spcBef>
+                    <a:spcPts val="500"/>
+                  </a:spcBef>
+                  <a:buFont typeface="Arial" panose="020B0604020202020204" pitchFamily="34" charset="0"/>
+                  <a:buChar char="•"/>
+                  <a:defRPr sz="1800" kern="1200">
+                    <a:solidFill>
+                      <a:schemeClr val="tx1"/>
+                    </a:solidFill>
+                    <a:latin typeface="+mn-lt"/>
+                    <a:ea typeface="+mn-ea"/>
+                    <a:cs typeface="+mn-cs"/>
+                  </a:defRPr>
+                </a:lvl6pPr>
+                <a:lvl7pPr marL="2971800" indent="-228600" algn="l" defTabSz="914400" rtl="0" eaLnBrk="1" latinLnBrk="0" hangingPunct="1">
+                  <a:lnSpc>
+                    <a:spcPct val="90000"/>
+                  </a:lnSpc>
+                  <a:spcBef>
+                    <a:spcPts val="500"/>
+                  </a:spcBef>
+                  <a:buFont typeface="Arial" panose="020B0604020202020204" pitchFamily="34" charset="0"/>
+                  <a:buChar char="•"/>
+                  <a:defRPr sz="1800" kern="1200">
+                    <a:solidFill>
+                      <a:schemeClr val="tx1"/>
+                    </a:solidFill>
+                    <a:latin typeface="+mn-lt"/>
+                    <a:ea typeface="+mn-ea"/>
+                    <a:cs typeface="+mn-cs"/>
+                  </a:defRPr>
+                </a:lvl7pPr>
+                <a:lvl8pPr marL="3429000" indent="-228600" algn="l" defTabSz="914400" rtl="0" eaLnBrk="1" latinLnBrk="0" hangingPunct="1">
+                  <a:lnSpc>
+                    <a:spcPct val="90000"/>
+                  </a:lnSpc>
+                  <a:spcBef>
+                    <a:spcPts val="500"/>
+                  </a:spcBef>
+                  <a:buFont typeface="Arial" panose="020B0604020202020204" pitchFamily="34" charset="0"/>
+                  <a:buChar char="•"/>
+                  <a:defRPr sz="1800" kern="1200">
+                    <a:solidFill>
+                      <a:schemeClr val="tx1"/>
+                    </a:solidFill>
+                    <a:latin typeface="+mn-lt"/>
+                    <a:ea typeface="+mn-ea"/>
+                    <a:cs typeface="+mn-cs"/>
+                  </a:defRPr>
+                </a:lvl8pPr>
+                <a:lvl9pPr marL="3886200" indent="-228600" algn="l" defTabSz="914400" rtl="0" eaLnBrk="1" latinLnBrk="0" hangingPunct="1">
+                  <a:lnSpc>
+                    <a:spcPct val="90000"/>
+                  </a:lnSpc>
+                  <a:spcBef>
+                    <a:spcPts val="500"/>
+                  </a:spcBef>
+                  <a:buFont typeface="Arial" panose="020B0604020202020204" pitchFamily="34" charset="0"/>
+                  <a:buChar char="•"/>
+                  <a:defRPr sz="1800" kern="1200">
+                    <a:solidFill>
+                      <a:schemeClr val="tx1"/>
+                    </a:solidFill>
+                    <a:latin typeface="+mn-lt"/>
+                    <a:ea typeface="+mn-ea"/>
+                    <a:cs typeface="+mn-cs"/>
+                  </a:defRPr>
+                </a:lvl9pPr>
+              </a:lstStyle>
+              <a:p>
+                <a:r>
+                  <a:rPr lang="en-GB" dirty="0"/>
+                  <a:t>Assigns maximum cores available between </a:t>
+                </a:r>
+                <a14:m>
+                  <m:oMath xmlns:m="http://schemas.openxmlformats.org/officeDocument/2006/math">
+                    <m:sSubSup>
+                      <m:sSubSupPr>
+                        <m:ctrlPr>
+                          <a:rPr lang="en-GB" i="1" smtClean="0">
+                            <a:latin typeface="Cambria Math" panose="02040503050406030204" pitchFamily="18" charset="0"/>
+                          </a:rPr>
+                        </m:ctrlPr>
+                      </m:sSubSupPr>
+                      <m:e>
+                        <m:r>
+                          <a:rPr lang="en-GB" i="1" smtClean="0">
+                            <a:latin typeface="Cambria Math" panose="02040503050406030204" pitchFamily="18" charset="0"/>
+                          </a:rPr>
+                          <m:t>𝑠</m:t>
+                        </m:r>
+                      </m:e>
+                      <m:sub>
+                        <m:r>
+                          <a:rPr lang="en-GB" i="1" smtClean="0">
+                            <a:latin typeface="Cambria Math" panose="02040503050406030204" pitchFamily="18" charset="0"/>
+                          </a:rPr>
+                          <m:t>𝑖</m:t>
+                        </m:r>
+                      </m:sub>
+                      <m:sup>
+                        <m:func>
+                          <m:funcPr>
+                            <m:ctrlPr>
+                              <a:rPr lang="en-GB" i="1" smtClean="0">
+                                <a:latin typeface="Cambria Math" panose="02040503050406030204" pitchFamily="18" charset="0"/>
+                              </a:rPr>
+                            </m:ctrlPr>
+                          </m:funcPr>
+                          <m:fName>
+                            <m:r>
+                              <m:rPr>
+                                <m:sty m:val="p"/>
+                              </m:rPr>
+                              <a:rPr lang="en-GB" smtClean="0">
+                                <a:latin typeface="Cambria Math" panose="02040503050406030204" pitchFamily="18" charset="0"/>
+                              </a:rPr>
+                              <m:t>min</m:t>
+                            </m:r>
+                          </m:fName>
+                          <m:e>
+                            <m:r>
+                              <a:rPr lang="en-GB" i="1" smtClean="0">
+                                <a:latin typeface="Cambria Math" panose="02040503050406030204" pitchFamily="18" charset="0"/>
+                              </a:rPr>
+                              <m:t> </m:t>
+                            </m:r>
+                          </m:e>
+                        </m:func>
+                      </m:sup>
+                    </m:sSubSup>
+                  </m:oMath>
+                </a14:m>
+                <a:r>
+                  <a:rPr lang="en-GB" dirty="0"/>
+                  <a:t> and </a:t>
+                </a:r>
+                <a14:m>
+                  <m:oMath xmlns:m="http://schemas.openxmlformats.org/officeDocument/2006/math">
+                    <m:sSubSup>
+                      <m:sSubSupPr>
+                        <m:ctrlPr>
+                          <a:rPr lang="en-GB" i="1" smtClean="0">
+                            <a:latin typeface="Cambria Math" panose="02040503050406030204" pitchFamily="18" charset="0"/>
+                          </a:rPr>
+                        </m:ctrlPr>
+                      </m:sSubSupPr>
+                      <m:e>
+                        <m:r>
+                          <a:rPr lang="en-GB" i="1" smtClean="0">
+                            <a:latin typeface="Cambria Math" panose="02040503050406030204" pitchFamily="18" charset="0"/>
+                          </a:rPr>
+                          <m:t>𝑠</m:t>
+                        </m:r>
+                      </m:e>
+                      <m:sub>
+                        <m:r>
+                          <a:rPr lang="en-GB" i="1" smtClean="0">
+                            <a:latin typeface="Cambria Math" panose="02040503050406030204" pitchFamily="18" charset="0"/>
+                          </a:rPr>
+                          <m:t>𝑖</m:t>
+                        </m:r>
+                      </m:sub>
+                      <m:sup>
+                        <m:func>
+                          <m:funcPr>
+                            <m:ctrlPr>
+                              <a:rPr lang="en-GB" i="1" smtClean="0">
+                                <a:latin typeface="Cambria Math" panose="02040503050406030204" pitchFamily="18" charset="0"/>
+                              </a:rPr>
+                            </m:ctrlPr>
+                          </m:funcPr>
+                          <m:fName>
+                            <m:r>
+                              <m:rPr>
+                                <m:sty m:val="p"/>
+                              </m:rPr>
+                              <a:rPr lang="en-GB" smtClean="0">
+                                <a:latin typeface="Cambria Math" panose="02040503050406030204" pitchFamily="18" charset="0"/>
+                              </a:rPr>
+                              <m:t>max</m:t>
+                            </m:r>
+                          </m:fName>
+                          <m:e>
+                            <m:r>
+                              <a:rPr lang="en-GB" i="1" smtClean="0">
+                                <a:latin typeface="Cambria Math" panose="02040503050406030204" pitchFamily="18" charset="0"/>
+                              </a:rPr>
+                              <m:t> </m:t>
+                            </m:r>
+                          </m:e>
+                        </m:func>
+                      </m:sup>
+                    </m:sSubSup>
+                  </m:oMath>
+                </a14:m>
+                <a:endParaRPr lang="en-GB" dirty="0"/>
+              </a:p>
+            </p:txBody>
+          </p:sp>
+        </mc:Choice>
+        <mc:Fallback>
+          <p:sp>
+            <p:nvSpPr>
+              <p:cNvPr id="6" name="Content Placeholder 2">
+                <a:extLst>
+                  <a:ext uri="{FF2B5EF4-FFF2-40B4-BE49-F238E27FC236}">
+                    <a16:creationId xmlns:a16="http://schemas.microsoft.com/office/drawing/2014/main" id="{F89C5991-21F1-4A12-A760-2F1D6DEAD23E}"/>
+                  </a:ext>
+                </a:extLst>
+              </p:cNvPr>
+              <p:cNvSpPr txBox="1">
+                <a:spLocks noRot="1" noChangeAspect="1" noMove="1" noResize="1" noEditPoints="1" noAdjustHandles="1" noChangeArrowheads="1" noChangeShapeType="1" noTextEdit="1"/>
+              </p:cNvSpPr>
+              <p:nvPr/>
+            </p:nvSpPr>
+            <p:spPr>
+              <a:xfrm>
+                <a:off x="838200" y="2819599"/>
+                <a:ext cx="10515600" cy="609402"/>
+              </a:xfrm>
+              <a:prstGeom prst="rect">
+                <a:avLst/>
+              </a:prstGeom>
+              <a:blipFill>
+                <a:blip r:embed="rId3"/>
+                <a:stretch>
+                  <a:fillRect l="-1043" t="-12000" b="-12000"/>
+                </a:stretch>
+              </a:blipFill>
+            </p:spPr>
+            <p:txBody>
+              <a:bodyPr/>
+              <a:lstStyle/>
+              <a:p>
+                <a:r>
+                  <a:rPr lang="en-GB">
+                    <a:noFill/>
+                  </a:rPr>
+                  <a:t> </a:t>
+                </a:r>
+              </a:p>
+            </p:txBody>
+          </p:sp>
+        </mc:Fallback>
+      </mc:AlternateContent>
     </p:spTree>
     <p:extLst>
       <p:ext uri="{BB962C8B-B14F-4D97-AF65-F5344CB8AC3E}">
@@ -12618,9 +12831,9 @@
                                           </p:stCondLst>
                                         </p:cTn>
                                         <p:tgtEl>
-                                          <p:spTgt spid="3">
+                                          <p:spTgt spid="6">
                                             <p:txEl>
-                                              <p:pRg st="3" end="3"/>
+                                              <p:pRg st="0" end="0"/>
                                             </p:txEl>
                                           </p:spTgt>
                                         </p:tgtEl>
@@ -12664,6 +12877,7 @@
     </p:tnLst>
     <p:bldLst>
       <p:bldP spid="3" grpId="0" uiExpand="1" build="p"/>
+      <p:bldP spid="6" grpId="0" uiExpand="1" build="p"/>
     </p:bldLst>
   </p:timing>
 </p:sld>

--- a/Notes/TFM_presentations/2020_02_24_v2/2020_02_24_v2.pptx
+++ b/Notes/TFM_presentations/2020_02_24_v2/2020_02_24_v2.pptx
@@ -223,7 +223,7 @@
           <a:p>
             <a:fld id="{D07E13D9-DB12-424B-A0B8-3D2EDA86849F}" type="datetimeFigureOut">
               <a:rPr lang="en-GB" smtClean="0"/>
-              <a:t>23/02/2020</a:t>
+              <a:t>24/02/2020</a:t>
             </a:fld>
             <a:endParaRPr lang="en-GB" dirty="0"/>
           </a:p>
@@ -6100,7 +6100,7 @@
           <a:p>
             <a:fld id="{E38A22E1-EB92-4D54-BACA-04AA8A92E613}" type="datetime1">
               <a:rPr lang="en-GB" smtClean="0"/>
-              <a:t>23/02/2020</a:t>
+              <a:t>24/02/2020</a:t>
             </a:fld>
             <a:endParaRPr lang="en-GB" dirty="0"/>
           </a:p>
@@ -6317,7 +6317,7 @@
           <a:p>
             <a:fld id="{F7BBACEA-79DB-4B06-B53C-1515C6E9AA2A}" type="datetime1">
               <a:rPr lang="en-GB" smtClean="0"/>
-              <a:t>23/02/2020</a:t>
+              <a:t>24/02/2020</a:t>
             </a:fld>
             <a:endParaRPr lang="en-GB" dirty="0"/>
           </a:p>
@@ -6527,7 +6527,7 @@
           <a:p>
             <a:fld id="{1242A314-3A0B-49C4-ADB0-F8BBA4139E56}" type="datetime1">
               <a:rPr lang="en-GB" smtClean="0"/>
-              <a:t>23/02/2020</a:t>
+              <a:t>24/02/2020</a:t>
             </a:fld>
             <a:endParaRPr lang="en-GB" dirty="0"/>
           </a:p>
@@ -6727,7 +6727,7 @@
           <a:p>
             <a:fld id="{D240987B-0079-4EE9-8A70-14597C3743BC}" type="datetime1">
               <a:rPr lang="en-GB" smtClean="0"/>
-              <a:t>23/02/2020</a:t>
+              <a:t>24/02/2020</a:t>
             </a:fld>
             <a:endParaRPr lang="en-GB" dirty="0"/>
           </a:p>
@@ -7003,7 +7003,7 @@
           <a:p>
             <a:fld id="{9C436FE2-9B88-4810-AC3E-E01CD02C2930}" type="datetime1">
               <a:rPr lang="en-GB" smtClean="0"/>
-              <a:t>23/02/2020</a:t>
+              <a:t>24/02/2020</a:t>
             </a:fld>
             <a:endParaRPr lang="en-GB" dirty="0"/>
           </a:p>
@@ -7271,7 +7271,7 @@
           <a:p>
             <a:fld id="{08368621-535E-44A6-A126-3F2534EA9A7B}" type="datetime1">
               <a:rPr lang="en-GB" smtClean="0"/>
-              <a:t>23/02/2020</a:t>
+              <a:t>24/02/2020</a:t>
             </a:fld>
             <a:endParaRPr lang="en-GB" dirty="0"/>
           </a:p>
@@ -7686,7 +7686,7 @@
           <a:p>
             <a:fld id="{632F5B32-CFB7-415D-9B96-9BE2AE3D1AAC}" type="datetime1">
               <a:rPr lang="en-GB" smtClean="0"/>
-              <a:t>23/02/2020</a:t>
+              <a:t>24/02/2020</a:t>
             </a:fld>
             <a:endParaRPr lang="en-GB" dirty="0"/>
           </a:p>
@@ -7828,7 +7828,7 @@
           <a:p>
             <a:fld id="{C2A51E27-F50C-4FD5-A040-64C12EA57AB4}" type="datetime1">
               <a:rPr lang="en-GB" smtClean="0"/>
-              <a:t>23/02/2020</a:t>
+              <a:t>24/02/2020</a:t>
             </a:fld>
             <a:endParaRPr lang="en-GB" dirty="0"/>
           </a:p>
@@ -7941,7 +7941,7 @@
           <a:p>
             <a:fld id="{A60DBC3F-8614-44B4-9683-36A45BFFB7A1}" type="datetime1">
               <a:rPr lang="en-GB" smtClean="0"/>
-              <a:t>23/02/2020</a:t>
+              <a:t>24/02/2020</a:t>
             </a:fld>
             <a:endParaRPr lang="en-GB" dirty="0"/>
           </a:p>
@@ -8254,7 +8254,7 @@
           <a:p>
             <a:fld id="{23091C06-D056-41B0-9F5F-5E90B83401B6}" type="datetime1">
               <a:rPr lang="en-GB" smtClean="0"/>
-              <a:t>23/02/2020</a:t>
+              <a:t>24/02/2020</a:t>
             </a:fld>
             <a:endParaRPr lang="en-GB" dirty="0"/>
           </a:p>
@@ -8547,7 +8547,7 @@
           <a:p>
             <a:fld id="{119BFB93-9673-43A0-BDFE-39DE919D7FF9}" type="datetime1">
               <a:rPr lang="en-GB" smtClean="0"/>
-              <a:t>23/02/2020</a:t>
+              <a:t>24/02/2020</a:t>
             </a:fld>
             <a:endParaRPr lang="en-GB" dirty="0"/>
           </a:p>
@@ -8845,7 +8845,7 @@
             <a:fld id="{1D06A54C-354E-461C-AA7A-CD74CDD91362}" type="datetime1">
               <a:rPr lang="en-GB" smtClean="0"/>
               <a:pPr/>
-              <a:t>23/02/2020</a:t>
+              <a:t>24/02/2020</a:t>
             </a:fld>
             <a:endParaRPr lang="en-GB" dirty="0"/>
           </a:p>
@@ -12236,7 +12236,12 @@
             <p:ph idx="1"/>
           </p:nvPr>
         </p:nvSpPr>
-        <p:spPr/>
+        <p:spPr>
+          <a:xfrm>
+            <a:off x="838200" y="1596045"/>
+            <a:ext cx="10515600" cy="1356162"/>
+          </a:xfrm>
+        </p:spPr>
         <p:txBody>
           <a:bodyPr/>
           <a:lstStyle/>
@@ -12291,8 +12296,8 @@
           </a:p>
         </p:txBody>
       </p:sp>
-      <mc:AlternateContent xmlns:mc="http://schemas.openxmlformats.org/markup-compatibility/2006">
-        <mc:Choice xmlns:a14="http://schemas.microsoft.com/office/drawing/2010/main" Requires="a14">
+      <mc:AlternateContent xmlns:mc="http://schemas.openxmlformats.org/markup-compatibility/2006" xmlns:a14="http://schemas.microsoft.com/office/drawing/2010/main">
+        <mc:Choice Requires="a14">
           <p:sp>
             <p:nvSpPr>
               <p:cNvPr id="6" name="Content Placeholder 2">
@@ -12631,7 +12636,7 @@
             </p:txBody>
           </p:sp>
         </mc:Choice>
-        <mc:Fallback>
+        <mc:Fallback xmlns="">
           <p:sp>
             <p:nvSpPr>
               <p:cNvPr id="6" name="Content Placeholder 2">
@@ -12831,11 +12836,7 @@
                                           </p:stCondLst>
                                         </p:cTn>
                                         <p:tgtEl>
-                                          <p:spTgt spid="6">
-                                            <p:txEl>
-                                              <p:pRg st="0" end="0"/>
-                                            </p:txEl>
-                                          </p:spTgt>
+                                          <p:spTgt spid="6"/>
                                         </p:tgtEl>
                                         <p:attrNameLst>
                                           <p:attrName>style.visibility</p:attrName>
@@ -12877,7 +12878,7 @@
     </p:tnLst>
     <p:bldLst>
       <p:bldP spid="3" grpId="0" uiExpand="1" build="p"/>
-      <p:bldP spid="6" grpId="0" uiExpand="1" build="p"/>
+      <p:bldP spid="6" grpId="0"/>
     </p:bldLst>
   </p:timing>
 </p:sld>
